--- a/Digital Mockup/Static-PrototypeVer.1.pptx
+++ b/Digital Mockup/Static-PrototypeVer.1.pptx
@@ -5,7 +5,7 @@
     <p:sldMasterId id="2147483660" r:id="rId1"/>
   </p:sldMasterIdLst>
   <p:notesMasterIdLst>
-    <p:notesMasterId r:id="rId16"/>
+    <p:notesMasterId r:id="rId18"/>
   </p:notesMasterIdLst>
   <p:sldIdLst>
     <p:sldId id="263" r:id="rId2"/>
@@ -17,11 +17,13 @@
     <p:sldId id="258" r:id="rId8"/>
     <p:sldId id="267" r:id="rId9"/>
     <p:sldId id="268" r:id="rId10"/>
-    <p:sldId id="269" r:id="rId11"/>
+    <p:sldId id="259" r:id="rId11"/>
     <p:sldId id="270" r:id="rId12"/>
-    <p:sldId id="259" r:id="rId13"/>
+    <p:sldId id="269" r:id="rId13"/>
     <p:sldId id="260" r:id="rId14"/>
     <p:sldId id="262" r:id="rId15"/>
+    <p:sldId id="271" r:id="rId16"/>
+    <p:sldId id="272" r:id="rId17"/>
   </p:sldIdLst>
   <p:sldSz cx="6858000" cy="12192000"/>
   <p:notesSz cx="6858000" cy="9144000"/>
@@ -222,7 +224,7 @@
           <a:p>
             <a:fld id="{6D453AAB-073B-4A39-B346-AAA79C699FE1}" type="datetimeFigureOut">
               <a:rPr lang="en-PH" smtClean="0"/>
-              <a:t>12/09/2019</a:t>
+              <a:t>13/09/2019</a:t>
             </a:fld>
             <a:endParaRPr lang="en-PH"/>
           </a:p>
@@ -810,7 +812,7 @@
           <a:p>
             <a:fld id="{9F7A386A-4BDD-4735-BD69-0620A83CCA3B}" type="slidenum">
               <a:rPr lang="en-PH" smtClean="0"/>
-              <a:t>10</a:t>
+              <a:t>11</a:t>
             </a:fld>
             <a:endParaRPr lang="en-PH"/>
           </a:p>
@@ -819,7 +821,7 @@
     </p:spTree>
     <p:extLst>
       <p:ext uri="{BB962C8B-B14F-4D97-AF65-F5344CB8AC3E}">
-        <p14:creationId xmlns:p14="http://schemas.microsoft.com/office/powerpoint/2010/main" val="3194996904"/>
+        <p14:creationId xmlns:p14="http://schemas.microsoft.com/office/powerpoint/2010/main" val="1903442502"/>
       </p:ext>
     </p:extLst>
   </p:cSld>
@@ -894,7 +896,7 @@
           <a:p>
             <a:fld id="{9F7A386A-4BDD-4735-BD69-0620A83CCA3B}" type="slidenum">
               <a:rPr lang="en-PH" smtClean="0"/>
-              <a:t>11</a:t>
+              <a:t>12</a:t>
             </a:fld>
             <a:endParaRPr lang="en-PH"/>
           </a:p>
@@ -903,7 +905,7 @@
     </p:spTree>
     <p:extLst>
       <p:ext uri="{BB962C8B-B14F-4D97-AF65-F5344CB8AC3E}">
-        <p14:creationId xmlns:p14="http://schemas.microsoft.com/office/powerpoint/2010/main" val="1903442502"/>
+        <p14:creationId xmlns:p14="http://schemas.microsoft.com/office/powerpoint/2010/main" val="3194996904"/>
       </p:ext>
     </p:extLst>
   </p:cSld>
@@ -1044,7 +1046,7 @@
           <a:p>
             <a:fld id="{842470E1-BC20-4A30-985C-74BC63F7E37E}" type="datetimeFigureOut">
               <a:rPr lang="en-PH" smtClean="0"/>
-              <a:t>12/09/2019</a:t>
+              <a:t>13/09/2019</a:t>
             </a:fld>
             <a:endParaRPr lang="en-PH"/>
           </a:p>
@@ -1214,7 +1216,7 @@
           <a:p>
             <a:fld id="{842470E1-BC20-4A30-985C-74BC63F7E37E}" type="datetimeFigureOut">
               <a:rPr lang="en-PH" smtClean="0"/>
-              <a:t>12/09/2019</a:t>
+              <a:t>13/09/2019</a:t>
             </a:fld>
             <a:endParaRPr lang="en-PH"/>
           </a:p>
@@ -1394,7 +1396,7 @@
           <a:p>
             <a:fld id="{842470E1-BC20-4A30-985C-74BC63F7E37E}" type="datetimeFigureOut">
               <a:rPr lang="en-PH" smtClean="0"/>
-              <a:t>12/09/2019</a:t>
+              <a:t>13/09/2019</a:t>
             </a:fld>
             <a:endParaRPr lang="en-PH"/>
           </a:p>
@@ -1564,7 +1566,7 @@
           <a:p>
             <a:fld id="{842470E1-BC20-4A30-985C-74BC63F7E37E}" type="datetimeFigureOut">
               <a:rPr lang="en-PH" smtClean="0"/>
-              <a:t>12/09/2019</a:t>
+              <a:t>13/09/2019</a:t>
             </a:fld>
             <a:endParaRPr lang="en-PH"/>
           </a:p>
@@ -1808,7 +1810,7 @@
           <a:p>
             <a:fld id="{842470E1-BC20-4A30-985C-74BC63F7E37E}" type="datetimeFigureOut">
               <a:rPr lang="en-PH" smtClean="0"/>
-              <a:t>12/09/2019</a:t>
+              <a:t>13/09/2019</a:t>
             </a:fld>
             <a:endParaRPr lang="en-PH"/>
           </a:p>
@@ -2040,7 +2042,7 @@
           <a:p>
             <a:fld id="{842470E1-BC20-4A30-985C-74BC63F7E37E}" type="datetimeFigureOut">
               <a:rPr lang="en-PH" smtClean="0"/>
-              <a:t>12/09/2019</a:t>
+              <a:t>13/09/2019</a:t>
             </a:fld>
             <a:endParaRPr lang="en-PH"/>
           </a:p>
@@ -2407,7 +2409,7 @@
           <a:p>
             <a:fld id="{842470E1-BC20-4A30-985C-74BC63F7E37E}" type="datetimeFigureOut">
               <a:rPr lang="en-PH" smtClean="0"/>
-              <a:t>12/09/2019</a:t>
+              <a:t>13/09/2019</a:t>
             </a:fld>
             <a:endParaRPr lang="en-PH"/>
           </a:p>
@@ -2525,7 +2527,7 @@
           <a:p>
             <a:fld id="{842470E1-BC20-4A30-985C-74BC63F7E37E}" type="datetimeFigureOut">
               <a:rPr lang="en-PH" smtClean="0"/>
-              <a:t>12/09/2019</a:t>
+              <a:t>13/09/2019</a:t>
             </a:fld>
             <a:endParaRPr lang="en-PH"/>
           </a:p>
@@ -2620,7 +2622,7 @@
           <a:p>
             <a:fld id="{842470E1-BC20-4A30-985C-74BC63F7E37E}" type="datetimeFigureOut">
               <a:rPr lang="en-PH" smtClean="0"/>
-              <a:t>12/09/2019</a:t>
+              <a:t>13/09/2019</a:t>
             </a:fld>
             <a:endParaRPr lang="en-PH"/>
           </a:p>
@@ -2897,7 +2899,7 @@
           <a:p>
             <a:fld id="{842470E1-BC20-4A30-985C-74BC63F7E37E}" type="datetimeFigureOut">
               <a:rPr lang="en-PH" smtClean="0"/>
-              <a:t>12/09/2019</a:t>
+              <a:t>13/09/2019</a:t>
             </a:fld>
             <a:endParaRPr lang="en-PH"/>
           </a:p>
@@ -3154,7 +3156,7 @@
           <a:p>
             <a:fld id="{842470E1-BC20-4A30-985C-74BC63F7E37E}" type="datetimeFigureOut">
               <a:rPr lang="en-PH" smtClean="0"/>
-              <a:t>12/09/2019</a:t>
+              <a:t>13/09/2019</a:t>
             </a:fld>
             <a:endParaRPr lang="en-PH"/>
           </a:p>
@@ -3367,7 +3369,7 @@
           <a:p>
             <a:fld id="{842470E1-BC20-4A30-985C-74BC63F7E37E}" type="datetimeFigureOut">
               <a:rPr lang="en-PH" smtClean="0"/>
-              <a:t>12/09/2019</a:t>
+              <a:t>13/09/2019</a:t>
             </a:fld>
             <a:endParaRPr lang="en-PH"/>
           </a:p>
@@ -4593,11 +4595,11 @@
   <p:clrMapOvr>
     <a:masterClrMapping/>
   </p:clrMapOvr>
-  <mc:AlternateContent xmlns:mc="http://schemas.openxmlformats.org/markup-compatibility/2006">
-    <mc:Choice xmlns:p14="http://schemas.microsoft.com/office/powerpoint/2010/main" Requires="p14">
+  <mc:AlternateContent xmlns:mc="http://schemas.openxmlformats.org/markup-compatibility/2006" xmlns:p14="http://schemas.microsoft.com/office/powerpoint/2010/main">
+    <mc:Choice Requires="p14">
       <p:transition spd="slow" p14:dur="2000" advClick="0"/>
     </mc:Choice>
-    <mc:Fallback>
+    <mc:Fallback xmlns="">
       <p:transition spd="slow" advClick="0"/>
     </mc:Fallback>
   </mc:AlternateContent>
@@ -4621,88 +4623,12 @@
           <a:chExt cx="0" cy="0"/>
         </a:xfrm>
       </p:grpSpPr>
-    </p:spTree>
-    <p:extLst>
-      <p:ext uri="{BB962C8B-B14F-4D97-AF65-F5344CB8AC3E}">
-        <p14:creationId xmlns:p14="http://schemas.microsoft.com/office/powerpoint/2010/main" val="3187561482"/>
-      </p:ext>
-    </p:extLst>
-  </p:cSld>
-  <p:clrMapOvr>
-    <a:masterClrMapping/>
-  </p:clrMapOvr>
-  <mc:AlternateContent xmlns:mc="http://schemas.openxmlformats.org/markup-compatibility/2006">
-    <mc:Choice xmlns:p14="http://schemas.microsoft.com/office/powerpoint/2010/main" Requires="p14">
-      <p:transition spd="slow" p14:dur="2000" advClick="0"/>
-    </mc:Choice>
-    <mc:Fallback>
-      <p:transition spd="slow" advClick="0"/>
-    </mc:Fallback>
-  </mc:AlternateContent>
-</p:sld>
-</file>
-
-<file path=ppt/slides/slide11.xml><?xml version="1.0" encoding="utf-8"?>
-<p:sld xmlns:a="http://schemas.openxmlformats.org/drawingml/2006/main" xmlns:r="http://schemas.openxmlformats.org/officeDocument/2006/relationships" xmlns:p="http://schemas.openxmlformats.org/presentationml/2006/main">
-  <p:cSld>
-    <p:spTree>
-      <p:nvGrpSpPr>
-        <p:cNvPr id="1" name=""/>
-        <p:cNvGrpSpPr/>
-        <p:nvPr/>
-      </p:nvGrpSpPr>
-      <p:grpSpPr>
-        <a:xfrm>
-          <a:off x="0" y="0"/>
-          <a:ext cx="0" cy="0"/>
-          <a:chOff x="0" y="0"/>
-          <a:chExt cx="0" cy="0"/>
-        </a:xfrm>
-      </p:grpSpPr>
-    </p:spTree>
-    <p:extLst>
-      <p:ext uri="{BB962C8B-B14F-4D97-AF65-F5344CB8AC3E}">
-        <p14:creationId xmlns:p14="http://schemas.microsoft.com/office/powerpoint/2010/main" val="3331988892"/>
-      </p:ext>
-    </p:extLst>
-  </p:cSld>
-  <p:clrMapOvr>
-    <a:masterClrMapping/>
-  </p:clrMapOvr>
-  <mc:AlternateContent xmlns:mc="http://schemas.openxmlformats.org/markup-compatibility/2006">
-    <mc:Choice xmlns:p14="http://schemas.microsoft.com/office/powerpoint/2010/main" Requires="p14">
-      <p:transition spd="slow" p14:dur="2000" advClick="0"/>
-    </mc:Choice>
-    <mc:Fallback>
-      <p:transition spd="slow" advClick="0"/>
-    </mc:Fallback>
-  </mc:AlternateContent>
-</p:sld>
-</file>
-
-<file path=ppt/slides/slide12.xml><?xml version="1.0" encoding="utf-8"?>
-<p:sld xmlns:a="http://schemas.openxmlformats.org/drawingml/2006/main" xmlns:r="http://schemas.openxmlformats.org/officeDocument/2006/relationships" xmlns:p="http://schemas.openxmlformats.org/presentationml/2006/main">
-  <p:cSld>
-    <p:spTree>
-      <p:nvGrpSpPr>
-        <p:cNvPr id="1" name=""/>
-        <p:cNvGrpSpPr/>
-        <p:nvPr/>
-      </p:nvGrpSpPr>
-      <p:grpSpPr>
-        <a:xfrm>
-          <a:off x="0" y="0"/>
-          <a:ext cx="0" cy="0"/>
-          <a:chOff x="0" y="0"/>
-          <a:chExt cx="0" cy="0"/>
-        </a:xfrm>
-      </p:grpSpPr>
-      <p:sp>
-        <p:nvSpPr>
-          <p:cNvPr id="22" name="Freeform: Shape 21">
+      <p:sp>
+        <p:nvSpPr>
+          <p:cNvPr id="23" name="Freeform: Shape 22">
             <a:extLst>
               <a:ext uri="{FF2B5EF4-FFF2-40B4-BE49-F238E27FC236}">
-                <a16:creationId xmlns:a16="http://schemas.microsoft.com/office/drawing/2014/main" id="{586B8D6C-0D5E-432D-8D71-1611AB0B01F9}"/>
+                <a16:creationId xmlns:a16="http://schemas.microsoft.com/office/drawing/2014/main" id="{0380A09E-45AE-42B9-A880-43B51342329E}"/>
               </a:ext>
             </a:extLst>
           </p:cNvPr>
@@ -4711,7 +4637,7 @@
         </p:nvSpPr>
         <p:spPr>
           <a:xfrm>
-            <a:off x="-6437142" y="346931"/>
+            <a:off x="286172" y="346931"/>
             <a:ext cx="6285657" cy="11498142"/>
           </a:xfrm>
           <a:custGeom>
@@ -4913,456 +4839,197 @@
           <a:lstStyle/>
           <a:p>
             <a:pPr algn="ctr"/>
-            <a:endParaRPr lang="en-PH" sz="1424" dirty="0"/>
-          </a:p>
-        </p:txBody>
-      </p:sp>
-      <p:sp>
-        <p:nvSpPr>
-          <p:cNvPr id="23" name="Freeform: Shape 22">
+            <a:endParaRPr lang="en-PH" sz="1424"/>
+          </a:p>
+        </p:txBody>
+      </p:sp>
+      <p:sp>
+        <p:nvSpPr>
+          <p:cNvPr id="68" name="TextBox 67">
             <a:extLst>
               <a:ext uri="{FF2B5EF4-FFF2-40B4-BE49-F238E27FC236}">
-                <a16:creationId xmlns:a16="http://schemas.microsoft.com/office/drawing/2014/main" id="{0380A09E-45AE-42B9-A880-43B51342329E}"/>
+                <a16:creationId xmlns:a16="http://schemas.microsoft.com/office/drawing/2014/main" id="{4B69FA6D-A27E-41DE-8531-6814F005C946}"/>
               </a:ext>
             </a:extLst>
           </p:cNvPr>
-          <p:cNvSpPr/>
+          <p:cNvSpPr txBox="1"/>
           <p:nvPr/>
         </p:nvSpPr>
         <p:spPr>
           <a:xfrm>
-            <a:off x="286172" y="346931"/>
-            <a:ext cx="6285657" cy="11498142"/>
-          </a:xfrm>
-          <a:custGeom>
+            <a:off x="2453252" y="1248529"/>
+            <a:ext cx="3733893" cy="1405000"/>
+          </a:xfrm>
+          <a:prstGeom prst="rect">
             <a:avLst/>
-            <a:gdLst>
-              <a:gd name="connsiteX0" fmla="*/ 728167 w 3535680"/>
-              <a:gd name="connsiteY0" fmla="*/ 255023 h 6467707"/>
-              <a:gd name="connsiteX1" fmla="*/ 210073 w 3535680"/>
-              <a:gd name="connsiteY1" fmla="*/ 773117 h 6467707"/>
-              <a:gd name="connsiteX2" fmla="*/ 210073 w 3535680"/>
-              <a:gd name="connsiteY2" fmla="*/ 5406208 h 6467707"/>
-              <a:gd name="connsiteX3" fmla="*/ 728167 w 3535680"/>
-              <a:gd name="connsiteY3" fmla="*/ 5924302 h 6467707"/>
-              <a:gd name="connsiteX4" fmla="*/ 2800478 w 3535680"/>
-              <a:gd name="connsiteY4" fmla="*/ 5924302 h 6467707"/>
-              <a:gd name="connsiteX5" fmla="*/ 3318572 w 3535680"/>
-              <a:gd name="connsiteY5" fmla="*/ 5406208 h 6467707"/>
-              <a:gd name="connsiteX6" fmla="*/ 3318572 w 3535680"/>
-              <a:gd name="connsiteY6" fmla="*/ 773117 h 6467707"/>
-              <a:gd name="connsiteX7" fmla="*/ 2800478 w 3535680"/>
-              <a:gd name="connsiteY7" fmla="*/ 255023 h 6467707"/>
-              <a:gd name="connsiteX8" fmla="*/ 589292 w 3535680"/>
-              <a:gd name="connsiteY8" fmla="*/ 0 h 6467707"/>
-              <a:gd name="connsiteX9" fmla="*/ 2946388 w 3535680"/>
-              <a:gd name="connsiteY9" fmla="*/ 0 h 6467707"/>
-              <a:gd name="connsiteX10" fmla="*/ 3535680 w 3535680"/>
-              <a:gd name="connsiteY10" fmla="*/ 589292 h 6467707"/>
-              <a:gd name="connsiteX11" fmla="*/ 3535680 w 3535680"/>
-              <a:gd name="connsiteY11" fmla="*/ 5878415 h 6467707"/>
-              <a:gd name="connsiteX12" fmla="*/ 2946388 w 3535680"/>
-              <a:gd name="connsiteY12" fmla="*/ 6467707 h 6467707"/>
-              <a:gd name="connsiteX13" fmla="*/ 589292 w 3535680"/>
-              <a:gd name="connsiteY13" fmla="*/ 6467707 h 6467707"/>
-              <a:gd name="connsiteX14" fmla="*/ 0 w 3535680"/>
-              <a:gd name="connsiteY14" fmla="*/ 5878415 h 6467707"/>
-              <a:gd name="connsiteX15" fmla="*/ 0 w 3535680"/>
-              <a:gd name="connsiteY15" fmla="*/ 589292 h 6467707"/>
-              <a:gd name="connsiteX16" fmla="*/ 589292 w 3535680"/>
-              <a:gd name="connsiteY16" fmla="*/ 0 h 6467707"/>
-            </a:gdLst>
-            <a:ahLst/>
-            <a:cxnLst>
-              <a:cxn ang="0">
-                <a:pos x="connsiteX0" y="connsiteY0"/>
-              </a:cxn>
-              <a:cxn ang="0">
-                <a:pos x="connsiteX1" y="connsiteY1"/>
-              </a:cxn>
-              <a:cxn ang="0">
-                <a:pos x="connsiteX2" y="connsiteY2"/>
-              </a:cxn>
-              <a:cxn ang="0">
-                <a:pos x="connsiteX3" y="connsiteY3"/>
-              </a:cxn>
-              <a:cxn ang="0">
-                <a:pos x="connsiteX4" y="connsiteY4"/>
-              </a:cxn>
-              <a:cxn ang="0">
-                <a:pos x="connsiteX5" y="connsiteY5"/>
-              </a:cxn>
-              <a:cxn ang="0">
-                <a:pos x="connsiteX6" y="connsiteY6"/>
-              </a:cxn>
-              <a:cxn ang="0">
-                <a:pos x="connsiteX7" y="connsiteY7"/>
-              </a:cxn>
-              <a:cxn ang="0">
-                <a:pos x="connsiteX8" y="connsiteY8"/>
-              </a:cxn>
-              <a:cxn ang="0">
-                <a:pos x="connsiteX9" y="connsiteY9"/>
-              </a:cxn>
-              <a:cxn ang="0">
-                <a:pos x="connsiteX10" y="connsiteY10"/>
-              </a:cxn>
-              <a:cxn ang="0">
-                <a:pos x="connsiteX11" y="connsiteY11"/>
-              </a:cxn>
-              <a:cxn ang="0">
-                <a:pos x="connsiteX12" y="connsiteY12"/>
-              </a:cxn>
-              <a:cxn ang="0">
-                <a:pos x="connsiteX13" y="connsiteY13"/>
-              </a:cxn>
-              <a:cxn ang="0">
-                <a:pos x="connsiteX14" y="connsiteY14"/>
-              </a:cxn>
-              <a:cxn ang="0">
-                <a:pos x="connsiteX15" y="connsiteY15"/>
-              </a:cxn>
-              <a:cxn ang="0">
-                <a:pos x="connsiteX16" y="connsiteY16"/>
-              </a:cxn>
-            </a:cxnLst>
-            <a:rect l="l" t="t" r="r" b="b"/>
-            <a:pathLst>
-              <a:path w="3535680" h="6467707">
-                <a:moveTo>
-                  <a:pt x="728167" y="255023"/>
-                </a:moveTo>
-                <a:cubicBezTo>
-                  <a:pt x="442032" y="255023"/>
-                  <a:pt x="210073" y="486982"/>
-                  <a:pt x="210073" y="773117"/>
-                </a:cubicBezTo>
-                <a:lnTo>
-                  <a:pt x="210073" y="5406208"/>
-                </a:lnTo>
-                <a:cubicBezTo>
-                  <a:pt x="210073" y="5692343"/>
-                  <a:pt x="442032" y="5924302"/>
-                  <a:pt x="728167" y="5924302"/>
-                </a:cubicBezTo>
-                <a:lnTo>
-                  <a:pt x="2800478" y="5924302"/>
-                </a:lnTo>
-                <a:cubicBezTo>
-                  <a:pt x="3086613" y="5924302"/>
-                  <a:pt x="3318572" y="5692343"/>
-                  <a:pt x="3318572" y="5406208"/>
-                </a:cubicBezTo>
-                <a:lnTo>
-                  <a:pt x="3318572" y="773117"/>
-                </a:lnTo>
-                <a:cubicBezTo>
-                  <a:pt x="3318572" y="486982"/>
-                  <a:pt x="3086613" y="255023"/>
-                  <a:pt x="2800478" y="255023"/>
-                </a:cubicBezTo>
-                <a:close/>
-                <a:moveTo>
-                  <a:pt x="589292" y="0"/>
-                </a:moveTo>
-                <a:lnTo>
-                  <a:pt x="2946388" y="0"/>
-                </a:lnTo>
-                <a:cubicBezTo>
-                  <a:pt x="3271845" y="0"/>
-                  <a:pt x="3535680" y="263835"/>
-                  <a:pt x="3535680" y="589292"/>
-                </a:cubicBezTo>
-                <a:lnTo>
-                  <a:pt x="3535680" y="5878415"/>
-                </a:lnTo>
-                <a:cubicBezTo>
-                  <a:pt x="3535680" y="6203872"/>
-                  <a:pt x="3271845" y="6467707"/>
-                  <a:pt x="2946388" y="6467707"/>
-                </a:cubicBezTo>
-                <a:lnTo>
-                  <a:pt x="589292" y="6467707"/>
-                </a:lnTo>
-                <a:cubicBezTo>
-                  <a:pt x="263835" y="6467707"/>
-                  <a:pt x="0" y="6203872"/>
-                  <a:pt x="0" y="5878415"/>
-                </a:cubicBezTo>
-                <a:lnTo>
-                  <a:pt x="0" y="589292"/>
-                </a:lnTo>
-                <a:cubicBezTo>
-                  <a:pt x="0" y="263835"/>
-                  <a:pt x="263835" y="0"/>
-                  <a:pt x="589292" y="0"/>
-                </a:cubicBezTo>
-                <a:close/>
-              </a:path>
-            </a:pathLst>
-          </a:custGeom>
-          <a:solidFill>
-            <a:schemeClr val="bg1">
-              <a:lumMod val="85000"/>
-            </a:schemeClr>
-          </a:solidFill>
-          <a:ln w="76200">
+          </a:prstGeom>
+          <a:noFill/>
+        </p:spPr>
+        <p:txBody>
+          <a:bodyPr wrap="square" rtlCol="0">
+            <a:spAutoFit/>
+          </a:bodyPr>
+          <a:lstStyle/>
+          <a:p>
+            <a:pPr algn="ctr"/>
+            <a:r>
+              <a:rPr lang="en-PH" sz="4265" b="1" spc="533" dirty="0"/>
+              <a:t>Method of Payment</a:t>
+            </a:r>
+          </a:p>
+        </p:txBody>
+      </p:sp>
+      <p:cxnSp>
+        <p:nvCxnSpPr>
+          <p:cNvPr id="69" name="Straight Connector 68">
+            <a:extLst>
+              <a:ext uri="{FF2B5EF4-FFF2-40B4-BE49-F238E27FC236}">
+                <a16:creationId xmlns:a16="http://schemas.microsoft.com/office/drawing/2014/main" id="{A551FFE1-F565-4638-8342-33E42A9833AE}"/>
+              </a:ext>
+            </a:extLst>
+          </p:cNvPr>
+          <p:cNvCxnSpPr/>
+          <p:nvPr/>
+        </p:nvCxnSpPr>
+        <p:spPr>
+          <a:xfrm>
+            <a:off x="990785" y="3071678"/>
+            <a:ext cx="4872761" cy="0"/>
+          </a:xfrm>
+          <a:prstGeom prst="line">
+            <a:avLst/>
+          </a:prstGeom>
+          <a:ln w="57150">
             <a:solidFill>
               <a:schemeClr val="tx1"/>
             </a:solidFill>
           </a:ln>
         </p:spPr>
         <p:style>
-          <a:lnRef idx="2">
-            <a:schemeClr val="accent1">
-              <a:shade val="50000"/>
-            </a:schemeClr>
+          <a:lnRef idx="1">
+            <a:schemeClr val="accent1"/>
           </a:lnRef>
-          <a:fillRef idx="1">
+          <a:fillRef idx="0">
             <a:schemeClr val="accent1"/>
           </a:fillRef>
           <a:effectRef idx="0">
             <a:schemeClr val="accent1"/>
           </a:effectRef>
           <a:fontRef idx="minor">
-            <a:schemeClr val="lt1"/>
+            <a:schemeClr val="tx1"/>
           </a:fontRef>
         </p:style>
-        <p:txBody>
-          <a:bodyPr rtlCol="0" anchor="ctr"/>
-          <a:lstStyle/>
-          <a:p>
-            <a:pPr algn="ctr"/>
-            <a:endParaRPr lang="en-PH" sz="1424"/>
-          </a:p>
-        </p:txBody>
-      </p:sp>
-      <p:sp>
-        <p:nvSpPr>
-          <p:cNvPr id="24" name="Freeform: Shape 23">
+      </p:cxnSp>
+      <p:pic>
+        <p:nvPicPr>
+          <p:cNvPr id="4098" name="Picture 2" descr="Image result for gcash logo png">
             <a:extLst>
               <a:ext uri="{FF2B5EF4-FFF2-40B4-BE49-F238E27FC236}">
-                <a16:creationId xmlns:a16="http://schemas.microsoft.com/office/drawing/2014/main" id="{17E762F9-498B-4E10-82BC-CF60CB719287}"/>
+                <a16:creationId xmlns:a16="http://schemas.microsoft.com/office/drawing/2014/main" id="{F231593C-A524-42FB-8E16-5ACC8AD3D80F}"/>
               </a:ext>
             </a:extLst>
           </p:cNvPr>
-          <p:cNvSpPr/>
+          <p:cNvPicPr>
+            <a:picLocks noChangeAspect="1" noChangeArrowheads="1"/>
+          </p:cNvPicPr>
           <p:nvPr/>
-        </p:nvSpPr>
-        <p:spPr>
-          <a:xfrm>
-            <a:off x="7009485" y="346922"/>
-            <a:ext cx="6285657" cy="11498142"/>
-          </a:xfrm>
-          <a:custGeom>
+        </p:nvPicPr>
+        <p:blipFill>
+          <a:blip r:embed="rId2">
+            <a:extLst>
+              <a:ext uri="{28A0092B-C50C-407E-A947-70E740481C1C}">
+                <a14:useLocalDpi xmlns:a14="http://schemas.microsoft.com/office/drawing/2010/main" val="0"/>
+              </a:ext>
+            </a:extLst>
+          </a:blip>
+          <a:srcRect/>
+          <a:stretch>
+            <a:fillRect/>
+          </a:stretch>
+        </p:blipFill>
+        <p:spPr bwMode="auto">
+          <a:xfrm>
+            <a:off x="1720499" y="3820997"/>
+            <a:ext cx="3413333" cy="1920004"/>
+          </a:xfrm>
+          <a:prstGeom prst="rect">
             <a:avLst/>
-            <a:gdLst>
-              <a:gd name="connsiteX0" fmla="*/ 728167 w 3535680"/>
-              <a:gd name="connsiteY0" fmla="*/ 255023 h 6467707"/>
-              <a:gd name="connsiteX1" fmla="*/ 210073 w 3535680"/>
-              <a:gd name="connsiteY1" fmla="*/ 773117 h 6467707"/>
-              <a:gd name="connsiteX2" fmla="*/ 210073 w 3535680"/>
-              <a:gd name="connsiteY2" fmla="*/ 5406208 h 6467707"/>
-              <a:gd name="connsiteX3" fmla="*/ 728167 w 3535680"/>
-              <a:gd name="connsiteY3" fmla="*/ 5924302 h 6467707"/>
-              <a:gd name="connsiteX4" fmla="*/ 2800478 w 3535680"/>
-              <a:gd name="connsiteY4" fmla="*/ 5924302 h 6467707"/>
-              <a:gd name="connsiteX5" fmla="*/ 3318572 w 3535680"/>
-              <a:gd name="connsiteY5" fmla="*/ 5406208 h 6467707"/>
-              <a:gd name="connsiteX6" fmla="*/ 3318572 w 3535680"/>
-              <a:gd name="connsiteY6" fmla="*/ 773117 h 6467707"/>
-              <a:gd name="connsiteX7" fmla="*/ 2800478 w 3535680"/>
-              <a:gd name="connsiteY7" fmla="*/ 255023 h 6467707"/>
-              <a:gd name="connsiteX8" fmla="*/ 589292 w 3535680"/>
-              <a:gd name="connsiteY8" fmla="*/ 0 h 6467707"/>
-              <a:gd name="connsiteX9" fmla="*/ 2946388 w 3535680"/>
-              <a:gd name="connsiteY9" fmla="*/ 0 h 6467707"/>
-              <a:gd name="connsiteX10" fmla="*/ 3535680 w 3535680"/>
-              <a:gd name="connsiteY10" fmla="*/ 589292 h 6467707"/>
-              <a:gd name="connsiteX11" fmla="*/ 3535680 w 3535680"/>
-              <a:gd name="connsiteY11" fmla="*/ 5878415 h 6467707"/>
-              <a:gd name="connsiteX12" fmla="*/ 2946388 w 3535680"/>
-              <a:gd name="connsiteY12" fmla="*/ 6467707 h 6467707"/>
-              <a:gd name="connsiteX13" fmla="*/ 589292 w 3535680"/>
-              <a:gd name="connsiteY13" fmla="*/ 6467707 h 6467707"/>
-              <a:gd name="connsiteX14" fmla="*/ 0 w 3535680"/>
-              <a:gd name="connsiteY14" fmla="*/ 5878415 h 6467707"/>
-              <a:gd name="connsiteX15" fmla="*/ 0 w 3535680"/>
-              <a:gd name="connsiteY15" fmla="*/ 589292 h 6467707"/>
-              <a:gd name="connsiteX16" fmla="*/ 589292 w 3535680"/>
-              <a:gd name="connsiteY16" fmla="*/ 0 h 6467707"/>
-            </a:gdLst>
-            <a:ahLst/>
-            <a:cxnLst>
-              <a:cxn ang="0">
-                <a:pos x="connsiteX0" y="connsiteY0"/>
-              </a:cxn>
-              <a:cxn ang="0">
-                <a:pos x="connsiteX1" y="connsiteY1"/>
-              </a:cxn>
-              <a:cxn ang="0">
-                <a:pos x="connsiteX2" y="connsiteY2"/>
-              </a:cxn>
-              <a:cxn ang="0">
-                <a:pos x="connsiteX3" y="connsiteY3"/>
-              </a:cxn>
-              <a:cxn ang="0">
-                <a:pos x="connsiteX4" y="connsiteY4"/>
-              </a:cxn>
-              <a:cxn ang="0">
-                <a:pos x="connsiteX5" y="connsiteY5"/>
-              </a:cxn>
-              <a:cxn ang="0">
-                <a:pos x="connsiteX6" y="connsiteY6"/>
-              </a:cxn>
-              <a:cxn ang="0">
-                <a:pos x="connsiteX7" y="connsiteY7"/>
-              </a:cxn>
-              <a:cxn ang="0">
-                <a:pos x="connsiteX8" y="connsiteY8"/>
-              </a:cxn>
-              <a:cxn ang="0">
-                <a:pos x="connsiteX9" y="connsiteY9"/>
-              </a:cxn>
-              <a:cxn ang="0">
-                <a:pos x="connsiteX10" y="connsiteY10"/>
-              </a:cxn>
-              <a:cxn ang="0">
-                <a:pos x="connsiteX11" y="connsiteY11"/>
-              </a:cxn>
-              <a:cxn ang="0">
-                <a:pos x="connsiteX12" y="connsiteY12"/>
-              </a:cxn>
-              <a:cxn ang="0">
-                <a:pos x="connsiteX13" y="connsiteY13"/>
-              </a:cxn>
-              <a:cxn ang="0">
-                <a:pos x="connsiteX14" y="connsiteY14"/>
-              </a:cxn>
-              <a:cxn ang="0">
-                <a:pos x="connsiteX15" y="connsiteY15"/>
-              </a:cxn>
-              <a:cxn ang="0">
-                <a:pos x="connsiteX16" y="connsiteY16"/>
-              </a:cxn>
-            </a:cxnLst>
-            <a:rect l="l" t="t" r="r" b="b"/>
-            <a:pathLst>
-              <a:path w="3535680" h="6467707">
-                <a:moveTo>
-                  <a:pt x="728167" y="255023"/>
-                </a:moveTo>
-                <a:cubicBezTo>
-                  <a:pt x="442032" y="255023"/>
-                  <a:pt x="210073" y="486982"/>
-                  <a:pt x="210073" y="773117"/>
-                </a:cubicBezTo>
-                <a:lnTo>
-                  <a:pt x="210073" y="5406208"/>
-                </a:lnTo>
-                <a:cubicBezTo>
-                  <a:pt x="210073" y="5692343"/>
-                  <a:pt x="442032" y="5924302"/>
-                  <a:pt x="728167" y="5924302"/>
-                </a:cubicBezTo>
-                <a:lnTo>
-                  <a:pt x="2800478" y="5924302"/>
-                </a:lnTo>
-                <a:cubicBezTo>
-                  <a:pt x="3086613" y="5924302"/>
-                  <a:pt x="3318572" y="5692343"/>
-                  <a:pt x="3318572" y="5406208"/>
-                </a:cubicBezTo>
-                <a:lnTo>
-                  <a:pt x="3318572" y="773117"/>
-                </a:lnTo>
-                <a:cubicBezTo>
-                  <a:pt x="3318572" y="486982"/>
-                  <a:pt x="3086613" y="255023"/>
-                  <a:pt x="2800478" y="255023"/>
-                </a:cubicBezTo>
-                <a:close/>
-                <a:moveTo>
-                  <a:pt x="589292" y="0"/>
-                </a:moveTo>
-                <a:lnTo>
-                  <a:pt x="2946388" y="0"/>
-                </a:lnTo>
-                <a:cubicBezTo>
-                  <a:pt x="3271845" y="0"/>
-                  <a:pt x="3535680" y="263835"/>
-                  <a:pt x="3535680" y="589292"/>
-                </a:cubicBezTo>
-                <a:lnTo>
-                  <a:pt x="3535680" y="5878415"/>
-                </a:lnTo>
-                <a:cubicBezTo>
-                  <a:pt x="3535680" y="6203872"/>
-                  <a:pt x="3271845" y="6467707"/>
-                  <a:pt x="2946388" y="6467707"/>
-                </a:cubicBezTo>
-                <a:lnTo>
-                  <a:pt x="589292" y="6467707"/>
-                </a:lnTo>
-                <a:cubicBezTo>
-                  <a:pt x="263835" y="6467707"/>
-                  <a:pt x="0" y="6203872"/>
-                  <a:pt x="0" y="5878415"/>
-                </a:cubicBezTo>
-                <a:lnTo>
-                  <a:pt x="0" y="589292"/>
-                </a:lnTo>
-                <a:cubicBezTo>
-                  <a:pt x="0" y="263835"/>
-                  <a:pt x="263835" y="0"/>
-                  <a:pt x="589292" y="0"/>
-                </a:cubicBezTo>
-                <a:close/>
-              </a:path>
-            </a:pathLst>
-          </a:custGeom>
-          <a:solidFill>
-            <a:schemeClr val="bg1">
-              <a:lumMod val="85000"/>
-            </a:schemeClr>
-          </a:solidFill>
-          <a:ln w="76200">
+          </a:prstGeom>
+          <a:noFill/>
+          <a:ln>
             <a:solidFill>
               <a:schemeClr val="tx1"/>
             </a:solidFill>
           </a:ln>
-        </p:spPr>
-        <p:style>
-          <a:lnRef idx="2">
-            <a:schemeClr val="accent1">
-              <a:shade val="50000"/>
-            </a:schemeClr>
-          </a:lnRef>
-          <a:fillRef idx="1">
-            <a:schemeClr val="accent1"/>
-          </a:fillRef>
-          <a:effectRef idx="0">
-            <a:schemeClr val="accent1"/>
-          </a:effectRef>
-          <a:fontRef idx="minor">
-            <a:schemeClr val="lt1"/>
-          </a:fontRef>
-        </p:style>
-        <p:txBody>
-          <a:bodyPr rtlCol="0" anchor="ctr"/>
-          <a:lstStyle/>
-          <a:p>
-            <a:pPr algn="ctr"/>
-            <a:endParaRPr lang="en-PH" sz="1424"/>
-          </a:p>
-        </p:txBody>
-      </p:sp>
-      <p:sp>
-        <p:nvSpPr>
-          <p:cNvPr id="25" name="Isosceles Triangle 24">
+          <a:extLst>
+            <a:ext uri="{909E8E84-426E-40DD-AFC4-6F175D3DCCD1}">
+              <a14:hiddenFill xmlns:a14="http://schemas.microsoft.com/office/drawing/2010/main">
+                <a:solidFill>
+                  <a:srgbClr val="FFFFFF"/>
+                </a:solidFill>
+              </a14:hiddenFill>
+            </a:ext>
+          </a:extLst>
+        </p:spPr>
+      </p:pic>
+      <p:pic>
+        <p:nvPicPr>
+          <p:cNvPr id="4100" name="Picture 4" descr="Image result for paymaya">
             <a:extLst>
               <a:ext uri="{FF2B5EF4-FFF2-40B4-BE49-F238E27FC236}">
-                <a16:creationId xmlns:a16="http://schemas.microsoft.com/office/drawing/2014/main" id="{757B1D36-AD78-4A63-8BEA-CA805D204576}"/>
+                <a16:creationId xmlns:a16="http://schemas.microsoft.com/office/drawing/2014/main" id="{71464CEA-1E6D-4124-A5F4-42D7316B2242}"/>
+              </a:ext>
+            </a:extLst>
+          </p:cNvPr>
+          <p:cNvPicPr>
+            <a:picLocks noChangeAspect="1" noChangeArrowheads="1"/>
+          </p:cNvPicPr>
+          <p:nvPr/>
+        </p:nvPicPr>
+        <p:blipFill>
+          <a:blip r:embed="rId3">
+            <a:extLst>
+              <a:ext uri="{28A0092B-C50C-407E-A947-70E740481C1C}">
+                <a14:useLocalDpi xmlns:a14="http://schemas.microsoft.com/office/drawing/2010/main" val="0"/>
+              </a:ext>
+            </a:extLst>
+          </a:blip>
+          <a:srcRect/>
+          <a:stretch>
+            <a:fillRect/>
+          </a:stretch>
+        </p:blipFill>
+        <p:spPr bwMode="auto">
+          <a:xfrm>
+            <a:off x="1741305" y="6490314"/>
+            <a:ext cx="3392528" cy="1982644"/>
+          </a:xfrm>
+          <a:prstGeom prst="rect">
+            <a:avLst/>
+          </a:prstGeom>
+          <a:noFill/>
+          <a:ln>
+            <a:solidFill>
+              <a:schemeClr val="tx1"/>
+            </a:solidFill>
+          </a:ln>
+          <a:extLst>
+            <a:ext uri="{909E8E84-426E-40DD-AFC4-6F175D3DCCD1}">
+              <a14:hiddenFill xmlns:a14="http://schemas.microsoft.com/office/drawing/2010/main">
+                <a:solidFill>
+                  <a:srgbClr val="FFFFFF"/>
+                </a:solidFill>
+              </a14:hiddenFill>
+            </a:ext>
+          </a:extLst>
+        </p:spPr>
+      </p:pic>
+      <p:sp>
+        <p:nvSpPr>
+          <p:cNvPr id="45" name="Isosceles Triangle 44">
+            <a:extLst>
+              <a:ext uri="{FF2B5EF4-FFF2-40B4-BE49-F238E27FC236}">
+                <a16:creationId xmlns:a16="http://schemas.microsoft.com/office/drawing/2014/main" id="{72F1C89E-A9CB-410D-AD9D-BAE81A4858D7}"/>
               </a:ext>
             </a:extLst>
           </p:cNvPr>
@@ -5371,7 +5038,7 @@
         </p:nvSpPr>
         <p:spPr>
           <a:xfrm rot="16200000">
-            <a:off x="-4611706" y="10263128"/>
+            <a:off x="2111607" y="10263126"/>
             <a:ext cx="393593" cy="304329"/>
           </a:xfrm>
           <a:prstGeom prst="triangle">
@@ -5397,16 +5064,20 @@
           <a:lstStyle/>
           <a:p>
             <a:pPr algn="ctr"/>
-            <a:endParaRPr lang="en-PH" sz="1424"/>
-          </a:p>
-        </p:txBody>
-      </p:sp>
-      <p:sp>
-        <p:nvSpPr>
-          <p:cNvPr id="26" name="Rectangle 25">
+            <a:endParaRPr lang="en-PH" sz="1424">
+              <a:latin typeface="Tahoma" panose="020B0604030504040204" pitchFamily="34" charset="0"/>
+              <a:ea typeface="Tahoma" panose="020B0604030504040204" pitchFamily="34" charset="0"/>
+              <a:cs typeface="Tahoma" panose="020B0604030504040204" pitchFamily="34" charset="0"/>
+            </a:endParaRPr>
+          </a:p>
+        </p:txBody>
+      </p:sp>
+      <p:sp>
+        <p:nvSpPr>
+          <p:cNvPr id="46" name="Rectangle 45">
             <a:extLst>
               <a:ext uri="{FF2B5EF4-FFF2-40B4-BE49-F238E27FC236}">
-                <a16:creationId xmlns:a16="http://schemas.microsoft.com/office/drawing/2014/main" id="{A584CA95-3DFE-4B54-9406-1A183F868DA4}"/>
+                <a16:creationId xmlns:a16="http://schemas.microsoft.com/office/drawing/2014/main" id="{C0D05F99-DD56-40BF-9C63-48246BE6E122}"/>
               </a:ext>
             </a:extLst>
           </p:cNvPr>
@@ -5415,7 +5086,7 @@
         </p:nvSpPr>
         <p:spPr>
           <a:xfrm>
-            <a:off x="-2476685" y="10218487"/>
+            <a:off x="4246628" y="10218485"/>
             <a:ext cx="393593" cy="393593"/>
           </a:xfrm>
           <a:prstGeom prst="rect">
@@ -5441,16 +5112,20 @@
           <a:lstStyle/>
           <a:p>
             <a:pPr algn="ctr"/>
-            <a:endParaRPr lang="en-PH" sz="1424"/>
-          </a:p>
-        </p:txBody>
-      </p:sp>
-      <p:sp>
-        <p:nvSpPr>
-          <p:cNvPr id="27" name="Oval 26">
+            <a:endParaRPr lang="en-PH" sz="1424">
+              <a:latin typeface="Tahoma" panose="020B0604030504040204" pitchFamily="34" charset="0"/>
+              <a:ea typeface="Tahoma" panose="020B0604030504040204" pitchFamily="34" charset="0"/>
+              <a:cs typeface="Tahoma" panose="020B0604030504040204" pitchFamily="34" charset="0"/>
+            </a:endParaRPr>
+          </a:p>
+        </p:txBody>
+      </p:sp>
+      <p:sp>
+        <p:nvSpPr>
+          <p:cNvPr id="47" name="Oval 46">
             <a:extLst>
               <a:ext uri="{FF2B5EF4-FFF2-40B4-BE49-F238E27FC236}">
-                <a16:creationId xmlns:a16="http://schemas.microsoft.com/office/drawing/2014/main" id="{484B5D10-648C-44C4-8F36-3758927BEF48}"/>
+                <a16:creationId xmlns:a16="http://schemas.microsoft.com/office/drawing/2014/main" id="{C31C51FD-B7F3-4403-A9F1-75F9F833E8F7}"/>
               </a:ext>
             </a:extLst>
           </p:cNvPr>
@@ -5459,7 +5134,7 @@
         </p:nvSpPr>
         <p:spPr>
           <a:xfrm>
-            <a:off x="-3566515" y="10237844"/>
+            <a:off x="3156798" y="10237842"/>
             <a:ext cx="393593" cy="393593"/>
           </a:xfrm>
           <a:prstGeom prst="ellipse">
@@ -5485,280 +5160,20 @@
           <a:lstStyle/>
           <a:p>
             <a:pPr algn="ctr"/>
-            <a:endParaRPr lang="en-PH" sz="1424"/>
-          </a:p>
-        </p:txBody>
-      </p:sp>
-      <p:sp>
-        <p:nvSpPr>
-          <p:cNvPr id="56" name="Isosceles Triangle 55">
-            <a:extLst>
-              <a:ext uri="{FF2B5EF4-FFF2-40B4-BE49-F238E27FC236}">
-                <a16:creationId xmlns:a16="http://schemas.microsoft.com/office/drawing/2014/main" id="{432E519A-74BD-4DD9-920E-93B9DE299797}"/>
-              </a:ext>
-            </a:extLst>
-          </p:cNvPr>
-          <p:cNvSpPr/>
-          <p:nvPr/>
-        </p:nvSpPr>
-        <p:spPr>
-          <a:xfrm rot="16200000">
-            <a:off x="2185178" y="10243770"/>
-            <a:ext cx="393593" cy="304329"/>
-          </a:xfrm>
-          <a:prstGeom prst="triangle">
-            <a:avLst/>
-          </a:prstGeom>
-        </p:spPr>
-        <p:style>
-          <a:lnRef idx="1">
-            <a:schemeClr val="accent3"/>
-          </a:lnRef>
-          <a:fillRef idx="2">
-            <a:schemeClr val="accent3"/>
-          </a:fillRef>
-          <a:effectRef idx="1">
-            <a:schemeClr val="accent3"/>
-          </a:effectRef>
-          <a:fontRef idx="minor">
-            <a:schemeClr val="dk1"/>
-          </a:fontRef>
-        </p:style>
-        <p:txBody>
-          <a:bodyPr rtlCol="0" anchor="ctr"/>
-          <a:lstStyle/>
-          <a:p>
-            <a:pPr algn="ctr"/>
-            <a:endParaRPr lang="en-PH" sz="1424"/>
-          </a:p>
-        </p:txBody>
-      </p:sp>
-      <p:sp>
-        <p:nvSpPr>
-          <p:cNvPr id="57" name="Rectangle 56">
-            <a:extLst>
-              <a:ext uri="{FF2B5EF4-FFF2-40B4-BE49-F238E27FC236}">
-                <a16:creationId xmlns:a16="http://schemas.microsoft.com/office/drawing/2014/main" id="{71B53A39-4263-4A2C-81AD-C252015B4B6C}"/>
-              </a:ext>
-            </a:extLst>
-          </p:cNvPr>
-          <p:cNvSpPr/>
-          <p:nvPr/>
-        </p:nvSpPr>
-        <p:spPr>
-          <a:xfrm>
-            <a:off x="4320198" y="10199129"/>
-            <a:ext cx="393593" cy="393593"/>
-          </a:xfrm>
-          <a:prstGeom prst="rect">
-            <a:avLst/>
-          </a:prstGeom>
-        </p:spPr>
-        <p:style>
-          <a:lnRef idx="1">
-            <a:schemeClr val="accent3"/>
-          </a:lnRef>
-          <a:fillRef idx="2">
-            <a:schemeClr val="accent3"/>
-          </a:fillRef>
-          <a:effectRef idx="1">
-            <a:schemeClr val="accent3"/>
-          </a:effectRef>
-          <a:fontRef idx="minor">
-            <a:schemeClr val="dk1"/>
-          </a:fontRef>
-        </p:style>
-        <p:txBody>
-          <a:bodyPr rtlCol="0" anchor="ctr"/>
-          <a:lstStyle/>
-          <a:p>
-            <a:pPr algn="ctr"/>
-            <a:endParaRPr lang="en-PH" sz="1424"/>
-          </a:p>
-        </p:txBody>
-      </p:sp>
-      <p:sp>
-        <p:nvSpPr>
-          <p:cNvPr id="58" name="Oval 57">
-            <a:extLst>
-              <a:ext uri="{FF2B5EF4-FFF2-40B4-BE49-F238E27FC236}">
-                <a16:creationId xmlns:a16="http://schemas.microsoft.com/office/drawing/2014/main" id="{6730DD16-95BC-46A5-87D6-8CFD8CD7C0FA}"/>
-              </a:ext>
-            </a:extLst>
-          </p:cNvPr>
-          <p:cNvSpPr/>
-          <p:nvPr/>
-        </p:nvSpPr>
-        <p:spPr>
-          <a:xfrm>
-            <a:off x="3230369" y="10218487"/>
-            <a:ext cx="393593" cy="393593"/>
-          </a:xfrm>
-          <a:prstGeom prst="ellipse">
-            <a:avLst/>
-          </a:prstGeom>
-        </p:spPr>
-        <p:style>
-          <a:lnRef idx="1">
-            <a:schemeClr val="accent3"/>
-          </a:lnRef>
-          <a:fillRef idx="2">
-            <a:schemeClr val="accent3"/>
-          </a:fillRef>
-          <a:effectRef idx="1">
-            <a:schemeClr val="accent3"/>
-          </a:effectRef>
-          <a:fontRef idx="minor">
-            <a:schemeClr val="dk1"/>
-          </a:fontRef>
-        </p:style>
-        <p:txBody>
-          <a:bodyPr rtlCol="0" anchor="ctr"/>
-          <a:lstStyle/>
-          <a:p>
-            <a:pPr algn="ctr"/>
-            <a:endParaRPr lang="en-PH" sz="1424"/>
-          </a:p>
-        </p:txBody>
-      </p:sp>
-      <p:sp>
-        <p:nvSpPr>
-          <p:cNvPr id="59" name="Isosceles Triangle 58">
-            <a:extLst>
-              <a:ext uri="{FF2B5EF4-FFF2-40B4-BE49-F238E27FC236}">
-                <a16:creationId xmlns:a16="http://schemas.microsoft.com/office/drawing/2014/main" id="{6E25B372-7D73-4DD2-8B91-EEE4AEE7E2A9}"/>
-              </a:ext>
-            </a:extLst>
-          </p:cNvPr>
-          <p:cNvSpPr/>
-          <p:nvPr/>
-        </p:nvSpPr>
-        <p:spPr>
-          <a:xfrm rot="16200000">
-            <a:off x="8896456" y="10282484"/>
-            <a:ext cx="393593" cy="304329"/>
-          </a:xfrm>
-          <a:prstGeom prst="triangle">
-            <a:avLst/>
-          </a:prstGeom>
-        </p:spPr>
-        <p:style>
-          <a:lnRef idx="1">
-            <a:schemeClr val="accent3"/>
-          </a:lnRef>
-          <a:fillRef idx="2">
-            <a:schemeClr val="accent3"/>
-          </a:fillRef>
-          <a:effectRef idx="1">
-            <a:schemeClr val="accent3"/>
-          </a:effectRef>
-          <a:fontRef idx="minor">
-            <a:schemeClr val="dk1"/>
-          </a:fontRef>
-        </p:style>
-        <p:txBody>
-          <a:bodyPr rtlCol="0" anchor="ctr"/>
-          <a:lstStyle/>
-          <a:p>
-            <a:pPr algn="ctr"/>
-            <a:endParaRPr lang="en-PH" sz="1424"/>
-          </a:p>
-        </p:txBody>
-      </p:sp>
-      <p:sp>
-        <p:nvSpPr>
-          <p:cNvPr id="60" name="Rectangle 59">
-            <a:extLst>
-              <a:ext uri="{FF2B5EF4-FFF2-40B4-BE49-F238E27FC236}">
-                <a16:creationId xmlns:a16="http://schemas.microsoft.com/office/drawing/2014/main" id="{8D8CAD43-ABF3-4412-806E-82761C828F39}"/>
-              </a:ext>
-            </a:extLst>
-          </p:cNvPr>
-          <p:cNvSpPr/>
-          <p:nvPr/>
-        </p:nvSpPr>
-        <p:spPr>
-          <a:xfrm>
-            <a:off x="11031485" y="10237844"/>
-            <a:ext cx="393593" cy="393593"/>
-          </a:xfrm>
-          <a:prstGeom prst="rect">
-            <a:avLst/>
-          </a:prstGeom>
-        </p:spPr>
-        <p:style>
-          <a:lnRef idx="1">
-            <a:schemeClr val="accent3"/>
-          </a:lnRef>
-          <a:fillRef idx="2">
-            <a:schemeClr val="accent3"/>
-          </a:fillRef>
-          <a:effectRef idx="1">
-            <a:schemeClr val="accent3"/>
-          </a:effectRef>
-          <a:fontRef idx="minor">
-            <a:schemeClr val="dk1"/>
-          </a:fontRef>
-        </p:style>
-        <p:txBody>
-          <a:bodyPr rtlCol="0" anchor="ctr"/>
-          <a:lstStyle/>
-          <a:p>
-            <a:pPr algn="ctr"/>
-            <a:endParaRPr lang="en-PH" sz="1424"/>
-          </a:p>
-        </p:txBody>
-      </p:sp>
-      <p:sp>
-        <p:nvSpPr>
-          <p:cNvPr id="61" name="Oval 60">
-            <a:extLst>
-              <a:ext uri="{FF2B5EF4-FFF2-40B4-BE49-F238E27FC236}">
-                <a16:creationId xmlns:a16="http://schemas.microsoft.com/office/drawing/2014/main" id="{30324204-1F45-4EBC-B77F-B47540969C71}"/>
-              </a:ext>
-            </a:extLst>
-          </p:cNvPr>
-          <p:cNvSpPr/>
-          <p:nvPr/>
-        </p:nvSpPr>
-        <p:spPr>
-          <a:xfrm>
-            <a:off x="9941656" y="10257202"/>
-            <a:ext cx="393593" cy="393593"/>
-          </a:xfrm>
-          <a:prstGeom prst="ellipse">
-            <a:avLst/>
-          </a:prstGeom>
-        </p:spPr>
-        <p:style>
-          <a:lnRef idx="1">
-            <a:schemeClr val="accent3"/>
-          </a:lnRef>
-          <a:fillRef idx="2">
-            <a:schemeClr val="accent3"/>
-          </a:fillRef>
-          <a:effectRef idx="1">
-            <a:schemeClr val="accent3"/>
-          </a:effectRef>
-          <a:fontRef idx="minor">
-            <a:schemeClr val="dk1"/>
-          </a:fontRef>
-        </p:style>
-        <p:txBody>
-          <a:bodyPr rtlCol="0" anchor="ctr"/>
-          <a:lstStyle/>
-          <a:p>
-            <a:pPr algn="ctr"/>
-            <a:endParaRPr lang="en-PH" sz="1424"/>
+            <a:endParaRPr lang="en-PH" sz="1424">
+              <a:latin typeface="Tahoma" panose="020B0604030504040204" pitchFamily="34" charset="0"/>
+              <a:ea typeface="Tahoma" panose="020B0604030504040204" pitchFamily="34" charset="0"/>
+              <a:cs typeface="Tahoma" panose="020B0604030504040204" pitchFamily="34" charset="0"/>
+            </a:endParaRPr>
           </a:p>
         </p:txBody>
       </p:sp>
       <p:pic>
         <p:nvPicPr>
-          <p:cNvPr id="42" name="Picture 41" descr="Related image">
+          <p:cNvPr id="48" name="Picture 47" descr="Related image">
             <a:extLst>
               <a:ext uri="{FF2B5EF4-FFF2-40B4-BE49-F238E27FC236}">
-                <a16:creationId xmlns:a16="http://schemas.microsoft.com/office/drawing/2014/main" id="{B44E2554-64E0-4E6D-8284-68C1126C3D26}"/>
+                <a16:creationId xmlns:a16="http://schemas.microsoft.com/office/drawing/2014/main" id="{F6BB22FD-EF15-466B-8510-46D9F4346629}"/>
               </a:ext>
             </a:extLst>
           </p:cNvPr>
@@ -5768,7 +5183,7 @@
           <p:nvPr/>
         </p:nvPicPr>
         <p:blipFill rotWithShape="1">
-          <a:blip r:embed="rId2">
+          <a:blip r:embed="rId4">
             <a:duotone>
               <a:prstClr val="black"/>
               <a:schemeClr val="accent5">
@@ -5779,7 +5194,7 @@
             <a:extLst>
               <a:ext uri="{BEBA8EAE-BF5A-486C-A8C5-ECC9F3942E4B}">
                 <a14:imgProps xmlns:a14="http://schemas.microsoft.com/office/drawing/2010/main">
-                  <a14:imgLayer r:embed="rId3">
+                  <a14:imgLayer r:embed="rId5">
                     <a14:imgEffect>
                       <a14:colorTemperature colorTemp="4700"/>
                     </a14:imgEffect>
@@ -5796,7 +5211,7 @@
         </p:blipFill>
         <p:spPr bwMode="auto">
           <a:xfrm>
-            <a:off x="-5516228" y="1187197"/>
+            <a:off x="999518" y="1187204"/>
             <a:ext cx="1600002" cy="1600002"/>
           </a:xfrm>
           <a:custGeom>
@@ -6039,53 +5454,402 @@
           </a:ln>
         </p:spPr>
       </p:pic>
-      <p:cxnSp>
-        <p:nvCxnSpPr>
-          <p:cNvPr id="5" name="Straight Connector 4">
+    </p:spTree>
+    <p:extLst>
+      <p:ext uri="{BB962C8B-B14F-4D97-AF65-F5344CB8AC3E}">
+        <p14:creationId xmlns:p14="http://schemas.microsoft.com/office/powerpoint/2010/main" val="1107075992"/>
+      </p:ext>
+    </p:extLst>
+  </p:cSld>
+  <p:clrMapOvr>
+    <a:masterClrMapping/>
+  </p:clrMapOvr>
+  <mc:AlternateContent xmlns:mc="http://schemas.openxmlformats.org/markup-compatibility/2006" xmlns:p14="http://schemas.microsoft.com/office/powerpoint/2010/main">
+    <mc:Choice Requires="p14">
+      <p:transition spd="slow" p14:dur="2000" advClick="0"/>
+    </mc:Choice>
+    <mc:Fallback xmlns="">
+      <p:transition spd="slow" advClick="0"/>
+    </mc:Fallback>
+  </mc:AlternateContent>
+</p:sld>
+</file>
+
+<file path=ppt/slides/slide11.xml><?xml version="1.0" encoding="utf-8"?>
+<p:sld xmlns:a="http://schemas.openxmlformats.org/drawingml/2006/main" xmlns:r="http://schemas.openxmlformats.org/officeDocument/2006/relationships" xmlns:p="http://schemas.openxmlformats.org/presentationml/2006/main">
+  <p:cSld>
+    <p:spTree>
+      <p:nvGrpSpPr>
+        <p:cNvPr id="1" name=""/>
+        <p:cNvGrpSpPr/>
+        <p:nvPr/>
+      </p:nvGrpSpPr>
+      <p:grpSpPr>
+        <a:xfrm>
+          <a:off x="0" y="0"/>
+          <a:ext cx="0" cy="0"/>
+          <a:chOff x="0" y="0"/>
+          <a:chExt cx="0" cy="0"/>
+        </a:xfrm>
+      </p:grpSpPr>
+      <p:sp>
+        <p:nvSpPr>
+          <p:cNvPr id="2" name="Freeform: Shape 1">
             <a:extLst>
               <a:ext uri="{FF2B5EF4-FFF2-40B4-BE49-F238E27FC236}">
-                <a16:creationId xmlns:a16="http://schemas.microsoft.com/office/drawing/2014/main" id="{0C04D52B-36A3-4089-A3F1-FCD5E22A413C}"/>
+                <a16:creationId xmlns:a16="http://schemas.microsoft.com/office/drawing/2014/main" id="{4052EEB6-2685-4299-83DC-ABC375C12479}"/>
               </a:ext>
             </a:extLst>
           </p:cNvPr>
-          <p:cNvCxnSpPr/>
+          <p:cNvSpPr/>
           <p:nvPr/>
-        </p:nvCxnSpPr>
-        <p:spPr>
-          <a:xfrm>
-            <a:off x="-5730694" y="3071678"/>
-            <a:ext cx="4872761" cy="0"/>
-          </a:xfrm>
-          <a:prstGeom prst="line">
+        </p:nvSpPr>
+        <p:spPr>
+          <a:xfrm>
+            <a:off x="286171" y="346929"/>
+            <a:ext cx="6285657" cy="11498142"/>
+          </a:xfrm>
+          <a:custGeom>
             <a:avLst/>
-          </a:prstGeom>
-          <a:ln w="57150">
+            <a:gdLst>
+              <a:gd name="connsiteX0" fmla="*/ 728167 w 3535680"/>
+              <a:gd name="connsiteY0" fmla="*/ 255023 h 6467707"/>
+              <a:gd name="connsiteX1" fmla="*/ 210073 w 3535680"/>
+              <a:gd name="connsiteY1" fmla="*/ 773117 h 6467707"/>
+              <a:gd name="connsiteX2" fmla="*/ 210073 w 3535680"/>
+              <a:gd name="connsiteY2" fmla="*/ 5406208 h 6467707"/>
+              <a:gd name="connsiteX3" fmla="*/ 728167 w 3535680"/>
+              <a:gd name="connsiteY3" fmla="*/ 5924302 h 6467707"/>
+              <a:gd name="connsiteX4" fmla="*/ 2800478 w 3535680"/>
+              <a:gd name="connsiteY4" fmla="*/ 5924302 h 6467707"/>
+              <a:gd name="connsiteX5" fmla="*/ 3318572 w 3535680"/>
+              <a:gd name="connsiteY5" fmla="*/ 5406208 h 6467707"/>
+              <a:gd name="connsiteX6" fmla="*/ 3318572 w 3535680"/>
+              <a:gd name="connsiteY6" fmla="*/ 773117 h 6467707"/>
+              <a:gd name="connsiteX7" fmla="*/ 2800478 w 3535680"/>
+              <a:gd name="connsiteY7" fmla="*/ 255023 h 6467707"/>
+              <a:gd name="connsiteX8" fmla="*/ 589292 w 3535680"/>
+              <a:gd name="connsiteY8" fmla="*/ 0 h 6467707"/>
+              <a:gd name="connsiteX9" fmla="*/ 2946388 w 3535680"/>
+              <a:gd name="connsiteY9" fmla="*/ 0 h 6467707"/>
+              <a:gd name="connsiteX10" fmla="*/ 3535680 w 3535680"/>
+              <a:gd name="connsiteY10" fmla="*/ 589292 h 6467707"/>
+              <a:gd name="connsiteX11" fmla="*/ 3535680 w 3535680"/>
+              <a:gd name="connsiteY11" fmla="*/ 5878415 h 6467707"/>
+              <a:gd name="connsiteX12" fmla="*/ 2946388 w 3535680"/>
+              <a:gd name="connsiteY12" fmla="*/ 6467707 h 6467707"/>
+              <a:gd name="connsiteX13" fmla="*/ 589292 w 3535680"/>
+              <a:gd name="connsiteY13" fmla="*/ 6467707 h 6467707"/>
+              <a:gd name="connsiteX14" fmla="*/ 0 w 3535680"/>
+              <a:gd name="connsiteY14" fmla="*/ 5878415 h 6467707"/>
+              <a:gd name="connsiteX15" fmla="*/ 0 w 3535680"/>
+              <a:gd name="connsiteY15" fmla="*/ 589292 h 6467707"/>
+              <a:gd name="connsiteX16" fmla="*/ 589292 w 3535680"/>
+              <a:gd name="connsiteY16" fmla="*/ 0 h 6467707"/>
+            </a:gdLst>
+            <a:ahLst/>
+            <a:cxnLst>
+              <a:cxn ang="0">
+                <a:pos x="connsiteX0" y="connsiteY0"/>
+              </a:cxn>
+              <a:cxn ang="0">
+                <a:pos x="connsiteX1" y="connsiteY1"/>
+              </a:cxn>
+              <a:cxn ang="0">
+                <a:pos x="connsiteX2" y="connsiteY2"/>
+              </a:cxn>
+              <a:cxn ang="0">
+                <a:pos x="connsiteX3" y="connsiteY3"/>
+              </a:cxn>
+              <a:cxn ang="0">
+                <a:pos x="connsiteX4" y="connsiteY4"/>
+              </a:cxn>
+              <a:cxn ang="0">
+                <a:pos x="connsiteX5" y="connsiteY5"/>
+              </a:cxn>
+              <a:cxn ang="0">
+                <a:pos x="connsiteX6" y="connsiteY6"/>
+              </a:cxn>
+              <a:cxn ang="0">
+                <a:pos x="connsiteX7" y="connsiteY7"/>
+              </a:cxn>
+              <a:cxn ang="0">
+                <a:pos x="connsiteX8" y="connsiteY8"/>
+              </a:cxn>
+              <a:cxn ang="0">
+                <a:pos x="connsiteX9" y="connsiteY9"/>
+              </a:cxn>
+              <a:cxn ang="0">
+                <a:pos x="connsiteX10" y="connsiteY10"/>
+              </a:cxn>
+              <a:cxn ang="0">
+                <a:pos x="connsiteX11" y="connsiteY11"/>
+              </a:cxn>
+              <a:cxn ang="0">
+                <a:pos x="connsiteX12" y="connsiteY12"/>
+              </a:cxn>
+              <a:cxn ang="0">
+                <a:pos x="connsiteX13" y="connsiteY13"/>
+              </a:cxn>
+              <a:cxn ang="0">
+                <a:pos x="connsiteX14" y="connsiteY14"/>
+              </a:cxn>
+              <a:cxn ang="0">
+                <a:pos x="connsiteX15" y="connsiteY15"/>
+              </a:cxn>
+              <a:cxn ang="0">
+                <a:pos x="connsiteX16" y="connsiteY16"/>
+              </a:cxn>
+            </a:cxnLst>
+            <a:rect l="l" t="t" r="r" b="b"/>
+            <a:pathLst>
+              <a:path w="3535680" h="6467707">
+                <a:moveTo>
+                  <a:pt x="728167" y="255023"/>
+                </a:moveTo>
+                <a:cubicBezTo>
+                  <a:pt x="442032" y="255023"/>
+                  <a:pt x="210073" y="486982"/>
+                  <a:pt x="210073" y="773117"/>
+                </a:cubicBezTo>
+                <a:lnTo>
+                  <a:pt x="210073" y="5406208"/>
+                </a:lnTo>
+                <a:cubicBezTo>
+                  <a:pt x="210073" y="5692343"/>
+                  <a:pt x="442032" y="5924302"/>
+                  <a:pt x="728167" y="5924302"/>
+                </a:cubicBezTo>
+                <a:lnTo>
+                  <a:pt x="2800478" y="5924302"/>
+                </a:lnTo>
+                <a:cubicBezTo>
+                  <a:pt x="3086613" y="5924302"/>
+                  <a:pt x="3318572" y="5692343"/>
+                  <a:pt x="3318572" y="5406208"/>
+                </a:cubicBezTo>
+                <a:lnTo>
+                  <a:pt x="3318572" y="773117"/>
+                </a:lnTo>
+                <a:cubicBezTo>
+                  <a:pt x="3318572" y="486982"/>
+                  <a:pt x="3086613" y="255023"/>
+                  <a:pt x="2800478" y="255023"/>
+                </a:cubicBezTo>
+                <a:close/>
+                <a:moveTo>
+                  <a:pt x="589292" y="0"/>
+                </a:moveTo>
+                <a:lnTo>
+                  <a:pt x="2946388" y="0"/>
+                </a:lnTo>
+                <a:cubicBezTo>
+                  <a:pt x="3271845" y="0"/>
+                  <a:pt x="3535680" y="263835"/>
+                  <a:pt x="3535680" y="589292"/>
+                </a:cubicBezTo>
+                <a:lnTo>
+                  <a:pt x="3535680" y="5878415"/>
+                </a:lnTo>
+                <a:cubicBezTo>
+                  <a:pt x="3535680" y="6203872"/>
+                  <a:pt x="3271845" y="6467707"/>
+                  <a:pt x="2946388" y="6467707"/>
+                </a:cubicBezTo>
+                <a:lnTo>
+                  <a:pt x="589292" y="6467707"/>
+                </a:lnTo>
+                <a:cubicBezTo>
+                  <a:pt x="263835" y="6467707"/>
+                  <a:pt x="0" y="6203872"/>
+                  <a:pt x="0" y="5878415"/>
+                </a:cubicBezTo>
+                <a:lnTo>
+                  <a:pt x="0" y="589292"/>
+                </a:lnTo>
+                <a:cubicBezTo>
+                  <a:pt x="0" y="263835"/>
+                  <a:pt x="263835" y="0"/>
+                  <a:pt x="589292" y="0"/>
+                </a:cubicBezTo>
+                <a:close/>
+              </a:path>
+            </a:pathLst>
+          </a:custGeom>
+          <a:solidFill>
+            <a:schemeClr val="bg1">
+              <a:lumMod val="85000"/>
+            </a:schemeClr>
+          </a:solidFill>
+          <a:ln w="76200">
             <a:solidFill>
               <a:schemeClr val="tx1"/>
             </a:solidFill>
           </a:ln>
         </p:spPr>
         <p:style>
-          <a:lnRef idx="1">
-            <a:schemeClr val="accent1"/>
+          <a:lnRef idx="2">
+            <a:schemeClr val="accent1">
+              <a:shade val="50000"/>
+            </a:schemeClr>
           </a:lnRef>
-          <a:fillRef idx="0">
+          <a:fillRef idx="1">
             <a:schemeClr val="accent1"/>
           </a:fillRef>
           <a:effectRef idx="0">
             <a:schemeClr val="accent1"/>
           </a:effectRef>
           <a:fontRef idx="minor">
-            <a:schemeClr val="tx1"/>
+            <a:schemeClr val="lt1"/>
           </a:fontRef>
         </p:style>
-      </p:cxnSp>
+        <p:txBody>
+          <a:bodyPr rtlCol="0" anchor="ctr"/>
+          <a:lstStyle/>
+          <a:p>
+            <a:pPr algn="ctr"/>
+            <a:endParaRPr lang="en-PH" sz="1424"/>
+          </a:p>
+        </p:txBody>
+      </p:sp>
+      <p:sp>
+        <p:nvSpPr>
+          <p:cNvPr id="3" name="Isosceles Triangle 2">
+            <a:extLst>
+              <a:ext uri="{FF2B5EF4-FFF2-40B4-BE49-F238E27FC236}">
+                <a16:creationId xmlns:a16="http://schemas.microsoft.com/office/drawing/2014/main" id="{3334CD88-64B5-4E34-AC0C-A02067CEE512}"/>
+              </a:ext>
+            </a:extLst>
+          </p:cNvPr>
+          <p:cNvSpPr/>
+          <p:nvPr/>
+        </p:nvSpPr>
+        <p:spPr>
+          <a:xfrm rot="16200000">
+            <a:off x="2173142" y="10282491"/>
+            <a:ext cx="393593" cy="304329"/>
+          </a:xfrm>
+          <a:prstGeom prst="triangle">
+            <a:avLst/>
+          </a:prstGeom>
+        </p:spPr>
+        <p:style>
+          <a:lnRef idx="1">
+            <a:schemeClr val="accent3"/>
+          </a:lnRef>
+          <a:fillRef idx="2">
+            <a:schemeClr val="accent3"/>
+          </a:fillRef>
+          <a:effectRef idx="1">
+            <a:schemeClr val="accent3"/>
+          </a:effectRef>
+          <a:fontRef idx="minor">
+            <a:schemeClr val="dk1"/>
+          </a:fontRef>
+        </p:style>
+        <p:txBody>
+          <a:bodyPr rtlCol="0" anchor="ctr"/>
+          <a:lstStyle/>
+          <a:p>
+            <a:pPr algn="ctr"/>
+            <a:endParaRPr lang="en-PH" sz="1424"/>
+          </a:p>
+        </p:txBody>
+      </p:sp>
+      <p:sp>
+        <p:nvSpPr>
+          <p:cNvPr id="4" name="Rectangle 3">
+            <a:extLst>
+              <a:ext uri="{FF2B5EF4-FFF2-40B4-BE49-F238E27FC236}">
+                <a16:creationId xmlns:a16="http://schemas.microsoft.com/office/drawing/2014/main" id="{21102A63-4F66-4243-80A4-0011DDEDD681}"/>
+              </a:ext>
+            </a:extLst>
+          </p:cNvPr>
+          <p:cNvSpPr/>
+          <p:nvPr/>
+        </p:nvSpPr>
+        <p:spPr>
+          <a:xfrm>
+            <a:off x="4308171" y="10237851"/>
+            <a:ext cx="393593" cy="393593"/>
+          </a:xfrm>
+          <a:prstGeom prst="rect">
+            <a:avLst/>
+          </a:prstGeom>
+        </p:spPr>
+        <p:style>
+          <a:lnRef idx="1">
+            <a:schemeClr val="accent3"/>
+          </a:lnRef>
+          <a:fillRef idx="2">
+            <a:schemeClr val="accent3"/>
+          </a:fillRef>
+          <a:effectRef idx="1">
+            <a:schemeClr val="accent3"/>
+          </a:effectRef>
+          <a:fontRef idx="minor">
+            <a:schemeClr val="dk1"/>
+          </a:fontRef>
+        </p:style>
+        <p:txBody>
+          <a:bodyPr rtlCol="0" anchor="ctr"/>
+          <a:lstStyle/>
+          <a:p>
+            <a:pPr algn="ctr"/>
+            <a:endParaRPr lang="en-PH" sz="1424"/>
+          </a:p>
+        </p:txBody>
+      </p:sp>
+      <p:sp>
+        <p:nvSpPr>
+          <p:cNvPr id="5" name="Oval 4">
+            <a:extLst>
+              <a:ext uri="{FF2B5EF4-FFF2-40B4-BE49-F238E27FC236}">
+                <a16:creationId xmlns:a16="http://schemas.microsoft.com/office/drawing/2014/main" id="{429F5603-0AD0-4F2D-A26D-171F7DC9CB13}"/>
+              </a:ext>
+            </a:extLst>
+          </p:cNvPr>
+          <p:cNvSpPr/>
+          <p:nvPr/>
+        </p:nvSpPr>
+        <p:spPr>
+          <a:xfrm>
+            <a:off x="3218342" y="10257209"/>
+            <a:ext cx="393593" cy="393593"/>
+          </a:xfrm>
+          <a:prstGeom prst="ellipse">
+            <a:avLst/>
+          </a:prstGeom>
+        </p:spPr>
+        <p:style>
+          <a:lnRef idx="1">
+            <a:schemeClr val="accent3"/>
+          </a:lnRef>
+          <a:fillRef idx="2">
+            <a:schemeClr val="accent3"/>
+          </a:fillRef>
+          <a:effectRef idx="1">
+            <a:schemeClr val="accent3"/>
+          </a:effectRef>
+          <a:fontRef idx="minor">
+            <a:schemeClr val="dk1"/>
+          </a:fontRef>
+        </p:style>
+        <p:txBody>
+          <a:bodyPr rtlCol="0" anchor="ctr"/>
+          <a:lstStyle/>
+          <a:p>
+            <a:pPr algn="ctr"/>
+            <a:endParaRPr lang="en-PH" sz="1424"/>
+          </a:p>
+        </p:txBody>
+      </p:sp>
       <p:pic>
         <p:nvPicPr>
-          <p:cNvPr id="67" name="Picture 66" descr="Related image">
+          <p:cNvPr id="6" name="Picture 5" descr="Related image">
             <a:extLst>
               <a:ext uri="{FF2B5EF4-FFF2-40B4-BE49-F238E27FC236}">
-                <a16:creationId xmlns:a16="http://schemas.microsoft.com/office/drawing/2014/main" id="{31257169-5FD6-4CB9-A569-F4E9C7B843E2}"/>
+                <a16:creationId xmlns:a16="http://schemas.microsoft.com/office/drawing/2014/main" id="{2D86EDBD-B21F-46EA-9CE0-CBB2F660785B}"/>
               </a:ext>
             </a:extLst>
           </p:cNvPr>
@@ -6095,7 +5859,7 @@
           <p:nvPr/>
         </p:nvPicPr>
         <p:blipFill rotWithShape="1">
-          <a:blip r:embed="rId2">
+          <a:blip r:embed="rId3">
             <a:duotone>
               <a:prstClr val="black"/>
               <a:schemeClr val="accent5">
@@ -6106,7 +5870,7 @@
             <a:extLst>
               <a:ext uri="{BEBA8EAE-BF5A-486C-A8C5-ECC9F3942E4B}">
                 <a14:imgProps xmlns:a14="http://schemas.microsoft.com/office/drawing/2010/main">
-                  <a14:imgLayer r:embed="rId3">
+                  <a14:imgLayer r:embed="rId4">
                     <a14:imgEffect>
                       <a14:colorTemperature colorTemp="4700"/>
                     </a14:imgEffect>
@@ -6123,7 +5887,7 @@
         </p:blipFill>
         <p:spPr bwMode="auto">
           <a:xfrm>
-            <a:off x="1069826" y="1187197"/>
+            <a:off x="999518" y="1187204"/>
             <a:ext cx="1600002" cy="1600002"/>
           </a:xfrm>
           <a:custGeom>
@@ -6366,48 +6130,12 @@
           </a:ln>
         </p:spPr>
       </p:pic>
-      <p:sp>
-        <p:nvSpPr>
-          <p:cNvPr id="68" name="TextBox 67">
-            <a:extLst>
-              <a:ext uri="{FF2B5EF4-FFF2-40B4-BE49-F238E27FC236}">
-                <a16:creationId xmlns:a16="http://schemas.microsoft.com/office/drawing/2014/main" id="{4B69FA6D-A27E-41DE-8531-6814F005C946}"/>
-              </a:ext>
-            </a:extLst>
-          </p:cNvPr>
-          <p:cNvSpPr txBox="1"/>
-          <p:nvPr/>
-        </p:nvSpPr>
-        <p:spPr>
-          <a:xfrm>
-            <a:off x="2453252" y="1248529"/>
-            <a:ext cx="3733893" cy="1405000"/>
-          </a:xfrm>
-          <a:prstGeom prst="rect">
-            <a:avLst/>
-          </a:prstGeom>
-          <a:noFill/>
-        </p:spPr>
-        <p:txBody>
-          <a:bodyPr wrap="square" rtlCol="0">
-            <a:spAutoFit/>
-          </a:bodyPr>
-          <a:lstStyle/>
-          <a:p>
-            <a:pPr algn="ctr"/>
-            <a:r>
-              <a:rPr lang="en-PH" sz="4265" b="1" spc="533" dirty="0"/>
-              <a:t>Method of Payment</a:t>
-            </a:r>
-          </a:p>
-        </p:txBody>
-      </p:sp>
       <p:cxnSp>
         <p:nvCxnSpPr>
-          <p:cNvPr id="69" name="Straight Connector 68">
+          <p:cNvPr id="7" name="Straight Connector 6">
             <a:extLst>
               <a:ext uri="{FF2B5EF4-FFF2-40B4-BE49-F238E27FC236}">
-                <a16:creationId xmlns:a16="http://schemas.microsoft.com/office/drawing/2014/main" id="{A551FFE1-F565-4638-8342-33E42A9833AE}"/>
+                <a16:creationId xmlns:a16="http://schemas.microsoft.com/office/drawing/2014/main" id="{953AF750-50A3-42CA-83AB-21AC3D2E7963}"/>
               </a:ext>
             </a:extLst>
           </p:cNvPr>
@@ -6416,7 +6144,7 @@
         </p:nvCxnSpPr>
         <p:spPr>
           <a:xfrm>
-            <a:off x="990785" y="3071678"/>
+            <a:off x="978758" y="3071685"/>
             <a:ext cx="4872761" cy="0"/>
           </a:xfrm>
           <a:prstGeom prst="line">
@@ -6443,12 +6171,990 @@
           </a:fontRef>
         </p:style>
       </p:cxnSp>
+      <p:sp>
+        <p:nvSpPr>
+          <p:cNvPr id="8" name="Rectangle: Rounded Corners 7">
+            <a:extLst>
+              <a:ext uri="{FF2B5EF4-FFF2-40B4-BE49-F238E27FC236}">
+                <a16:creationId xmlns:a16="http://schemas.microsoft.com/office/drawing/2014/main" id="{B8BFBE8B-F15C-4163-8287-00A8D73EBA75}"/>
+              </a:ext>
+            </a:extLst>
+          </p:cNvPr>
+          <p:cNvSpPr/>
+          <p:nvPr/>
+        </p:nvSpPr>
+        <p:spPr>
+          <a:xfrm>
+            <a:off x="2056288" y="9008661"/>
+            <a:ext cx="2324108" cy="604268"/>
+          </a:xfrm>
+          <a:prstGeom prst="roundRect">
+            <a:avLst>
+              <a:gd name="adj" fmla="val 50000"/>
+            </a:avLst>
+          </a:prstGeom>
+          <a:ln>
+            <a:solidFill>
+              <a:schemeClr val="tx1"/>
+            </a:solidFill>
+          </a:ln>
+        </p:spPr>
+        <p:style>
+          <a:lnRef idx="1">
+            <a:schemeClr val="accent4"/>
+          </a:lnRef>
+          <a:fillRef idx="2">
+            <a:schemeClr val="accent4"/>
+          </a:fillRef>
+          <a:effectRef idx="1">
+            <a:schemeClr val="accent4"/>
+          </a:effectRef>
+          <a:fontRef idx="minor">
+            <a:schemeClr val="dk1"/>
+          </a:fontRef>
+        </p:style>
+        <p:txBody>
+          <a:bodyPr rtlCol="0" anchor="ctr"/>
+          <a:lstStyle/>
+          <a:p>
+            <a:pPr algn="ctr"/>
+            <a:r>
+              <a:rPr lang="en-PH" sz="1424" dirty="0"/>
+              <a:t>Done</a:t>
+            </a:r>
+          </a:p>
+        </p:txBody>
+      </p:sp>
+      <p:sp>
+        <p:nvSpPr>
+          <p:cNvPr id="9" name="TextBox 8">
+            <a:extLst>
+              <a:ext uri="{FF2B5EF4-FFF2-40B4-BE49-F238E27FC236}">
+                <a16:creationId xmlns:a16="http://schemas.microsoft.com/office/drawing/2014/main" id="{BF35D9EE-41EA-4A04-BE4B-74995012F23A}"/>
+              </a:ext>
+            </a:extLst>
+          </p:cNvPr>
+          <p:cNvSpPr txBox="1"/>
+          <p:nvPr/>
+        </p:nvSpPr>
+        <p:spPr>
+          <a:xfrm>
+            <a:off x="2441216" y="1394699"/>
+            <a:ext cx="3733893" cy="1185581"/>
+          </a:xfrm>
+          <a:prstGeom prst="rect">
+            <a:avLst/>
+          </a:prstGeom>
+          <a:noFill/>
+        </p:spPr>
+        <p:txBody>
+          <a:bodyPr wrap="square" rtlCol="0">
+            <a:spAutoFit/>
+          </a:bodyPr>
+          <a:lstStyle/>
+          <a:p>
+            <a:pPr algn="ctr"/>
+            <a:r>
+              <a:rPr lang="en-PH" sz="3552" b="1" spc="533" dirty="0"/>
+              <a:t>Transaction</a:t>
+            </a:r>
+          </a:p>
+          <a:p>
+            <a:pPr algn="ctr"/>
+            <a:r>
+              <a:rPr lang="en-PH" sz="3552" b="1" spc="533" dirty="0"/>
+              <a:t>Details</a:t>
+            </a:r>
+          </a:p>
+        </p:txBody>
+      </p:sp>
+      <p:sp>
+        <p:nvSpPr>
+          <p:cNvPr id="10" name="TextBox 9">
+            <a:extLst>
+              <a:ext uri="{FF2B5EF4-FFF2-40B4-BE49-F238E27FC236}">
+                <a16:creationId xmlns:a16="http://schemas.microsoft.com/office/drawing/2014/main" id="{094564A3-ECD0-4FB4-8BFF-44305DBBBDF0}"/>
+              </a:ext>
+            </a:extLst>
+          </p:cNvPr>
+          <p:cNvSpPr txBox="1"/>
+          <p:nvPr/>
+        </p:nvSpPr>
+        <p:spPr>
+          <a:xfrm>
+            <a:off x="1628030" y="3279952"/>
+            <a:ext cx="1107483" cy="311496"/>
+          </a:xfrm>
+          <a:prstGeom prst="rect">
+            <a:avLst/>
+          </a:prstGeom>
+          <a:noFill/>
+        </p:spPr>
+        <p:txBody>
+          <a:bodyPr wrap="none" rtlCol="0">
+            <a:spAutoFit/>
+          </a:bodyPr>
+          <a:lstStyle/>
+          <a:p>
+            <a:pPr algn="just"/>
+            <a:r>
+              <a:rPr lang="en-PH" sz="1424" b="1" dirty="0"/>
+              <a:t>Destination:</a:t>
+            </a:r>
+          </a:p>
+        </p:txBody>
+      </p:sp>
+      <p:sp>
+        <p:nvSpPr>
+          <p:cNvPr id="11" name="TextBox 10">
+            <a:extLst>
+              <a:ext uri="{FF2B5EF4-FFF2-40B4-BE49-F238E27FC236}">
+                <a16:creationId xmlns:a16="http://schemas.microsoft.com/office/drawing/2014/main" id="{CCEA016D-92B8-4D58-81F4-A23D878674DF}"/>
+              </a:ext>
+            </a:extLst>
+          </p:cNvPr>
+          <p:cNvSpPr txBox="1"/>
+          <p:nvPr/>
+        </p:nvSpPr>
+        <p:spPr>
+          <a:xfrm>
+            <a:off x="1077291" y="3817162"/>
+            <a:ext cx="4779257" cy="475836"/>
+          </a:xfrm>
+          <a:prstGeom prst="rect">
+            <a:avLst/>
+          </a:prstGeom>
+          <a:noFill/>
+        </p:spPr>
+        <p:txBody>
+          <a:bodyPr wrap="none" rtlCol="0">
+            <a:spAutoFit/>
+          </a:bodyPr>
+          <a:lstStyle/>
+          <a:p>
+            <a:pPr algn="just"/>
+            <a:r>
+              <a:rPr lang="en-PH" sz="2492" dirty="0"/>
+              <a:t>Generated station – Desired station</a:t>
+            </a:r>
+          </a:p>
+        </p:txBody>
+      </p:sp>
+      <p:sp>
+        <p:nvSpPr>
+          <p:cNvPr id="12" name="TextBox 11">
+            <a:extLst>
+              <a:ext uri="{FF2B5EF4-FFF2-40B4-BE49-F238E27FC236}">
+                <a16:creationId xmlns:a16="http://schemas.microsoft.com/office/drawing/2014/main" id="{7387EB9E-B161-498B-B194-411DC314D482}"/>
+              </a:ext>
+            </a:extLst>
+          </p:cNvPr>
+          <p:cNvSpPr txBox="1"/>
+          <p:nvPr/>
+        </p:nvSpPr>
+        <p:spPr>
+          <a:xfrm>
+            <a:off x="1548569" y="4659566"/>
+            <a:ext cx="1124923" cy="311496"/>
+          </a:xfrm>
+          <a:prstGeom prst="rect">
+            <a:avLst/>
+          </a:prstGeom>
+          <a:noFill/>
+        </p:spPr>
+        <p:txBody>
+          <a:bodyPr wrap="none" rtlCol="0">
+            <a:spAutoFit/>
+          </a:bodyPr>
+          <a:lstStyle/>
+          <a:p>
+            <a:pPr algn="ctr"/>
+            <a:r>
+              <a:rPr lang="en-PH" sz="1424" b="1" dirty="0"/>
+              <a:t>Ticket Type: </a:t>
+            </a:r>
+          </a:p>
+        </p:txBody>
+      </p:sp>
+      <p:sp>
+        <p:nvSpPr>
+          <p:cNvPr id="13" name="TextBox 12">
+            <a:extLst>
+              <a:ext uri="{FF2B5EF4-FFF2-40B4-BE49-F238E27FC236}">
+                <a16:creationId xmlns:a16="http://schemas.microsoft.com/office/drawing/2014/main" id="{EC30188E-2AC9-441E-8F72-ACB3C0723723}"/>
+              </a:ext>
+            </a:extLst>
+          </p:cNvPr>
+          <p:cNvSpPr txBox="1"/>
+          <p:nvPr/>
+        </p:nvSpPr>
+        <p:spPr>
+          <a:xfrm>
+            <a:off x="3181712" y="4687883"/>
+            <a:ext cx="2600392" cy="530594"/>
+          </a:xfrm>
+          <a:prstGeom prst="rect">
+            <a:avLst/>
+          </a:prstGeom>
+          <a:noFill/>
+        </p:spPr>
+        <p:txBody>
+          <a:bodyPr wrap="none" rtlCol="0">
+            <a:spAutoFit/>
+          </a:bodyPr>
+          <a:lstStyle/>
+          <a:p>
+            <a:pPr algn="ctr"/>
+            <a:r>
+              <a:rPr lang="en-PH" sz="2848" dirty="0"/>
+              <a:t>VIP – Php. 20.00</a:t>
+            </a:r>
+          </a:p>
+        </p:txBody>
+      </p:sp>
+      <p:sp>
+        <p:nvSpPr>
+          <p:cNvPr id="14" name="TextBox 13">
+            <a:extLst>
+              <a:ext uri="{FF2B5EF4-FFF2-40B4-BE49-F238E27FC236}">
+                <a16:creationId xmlns:a16="http://schemas.microsoft.com/office/drawing/2014/main" id="{5F770FDD-1EC2-471B-8E9D-9FB895250F3F}"/>
+              </a:ext>
+            </a:extLst>
+          </p:cNvPr>
+          <p:cNvSpPr txBox="1"/>
+          <p:nvPr/>
+        </p:nvSpPr>
+        <p:spPr>
+          <a:xfrm>
+            <a:off x="1962165" y="5554869"/>
+            <a:ext cx="2722092" cy="530594"/>
+          </a:xfrm>
+          <a:prstGeom prst="rect">
+            <a:avLst/>
+          </a:prstGeom>
+          <a:noFill/>
+        </p:spPr>
+        <p:txBody>
+          <a:bodyPr wrap="none" rtlCol="0">
+            <a:spAutoFit/>
+          </a:bodyPr>
+          <a:lstStyle/>
+          <a:p>
+            <a:pPr algn="ctr"/>
+            <a:r>
+              <a:rPr lang="en-PH" sz="1424" b="1" dirty="0"/>
+              <a:t>Method of Payment: </a:t>
+            </a:r>
+            <a:r>
+              <a:rPr lang="en-PH" sz="2848" dirty="0" err="1"/>
+              <a:t>GCash</a:t>
+            </a:r>
+            <a:endParaRPr lang="en-PH" sz="1424" dirty="0"/>
+          </a:p>
+        </p:txBody>
+      </p:sp>
+      <p:sp>
+        <p:nvSpPr>
+          <p:cNvPr id="15" name="TextBox 14">
+            <a:extLst>
+              <a:ext uri="{FF2B5EF4-FFF2-40B4-BE49-F238E27FC236}">
+                <a16:creationId xmlns:a16="http://schemas.microsoft.com/office/drawing/2014/main" id="{DD843CC2-6DEC-4EC0-9CC8-68223B3DD731}"/>
+              </a:ext>
+            </a:extLst>
+          </p:cNvPr>
+          <p:cNvSpPr txBox="1"/>
+          <p:nvPr/>
+        </p:nvSpPr>
+        <p:spPr>
+          <a:xfrm>
+            <a:off x="1341811" y="6450163"/>
+            <a:ext cx="3345211" cy="968855"/>
+          </a:xfrm>
+          <a:prstGeom prst="rect">
+            <a:avLst/>
+          </a:prstGeom>
+          <a:noFill/>
+        </p:spPr>
+        <p:txBody>
+          <a:bodyPr wrap="none" rtlCol="0">
+            <a:spAutoFit/>
+          </a:bodyPr>
+          <a:lstStyle/>
+          <a:p>
+            <a:pPr algn="just"/>
+            <a:r>
+              <a:rPr lang="en-PH" sz="1424" b="1" dirty="0"/>
+              <a:t>Train: </a:t>
+            </a:r>
+            <a:r>
+              <a:rPr lang="en-PH" sz="2848" dirty="0"/>
+              <a:t>101 | 6:00 am OR </a:t>
+            </a:r>
+          </a:p>
+          <a:p>
+            <a:pPr algn="just"/>
+            <a:r>
+              <a:rPr lang="en-PH" sz="2848" dirty="0"/>
+              <a:t>110 | 7:45 am</a:t>
+            </a:r>
+            <a:endParaRPr lang="en-PH" sz="1424" dirty="0"/>
+          </a:p>
+        </p:txBody>
+      </p:sp>
+    </p:spTree>
+    <p:extLst>
+      <p:ext uri="{BB962C8B-B14F-4D97-AF65-F5344CB8AC3E}">
+        <p14:creationId xmlns:p14="http://schemas.microsoft.com/office/powerpoint/2010/main" val="3331988892"/>
+      </p:ext>
+    </p:extLst>
+  </p:cSld>
+  <p:clrMapOvr>
+    <a:masterClrMapping/>
+  </p:clrMapOvr>
+  <mc:AlternateContent xmlns:mc="http://schemas.openxmlformats.org/markup-compatibility/2006" xmlns:p14="http://schemas.microsoft.com/office/powerpoint/2010/main">
+    <mc:Choice Requires="p14">
+      <p:transition spd="slow" p14:dur="2000" advClick="0"/>
+    </mc:Choice>
+    <mc:Fallback xmlns="">
+      <p:transition spd="slow" advClick="0"/>
+    </mc:Fallback>
+  </mc:AlternateContent>
+</p:sld>
+</file>
+
+<file path=ppt/slides/slide12.xml><?xml version="1.0" encoding="utf-8"?>
+<p:sld xmlns:a="http://schemas.openxmlformats.org/drawingml/2006/main" xmlns:r="http://schemas.openxmlformats.org/officeDocument/2006/relationships" xmlns:p="http://schemas.openxmlformats.org/presentationml/2006/main">
+  <p:cSld>
+    <p:spTree>
+      <p:nvGrpSpPr>
+        <p:cNvPr id="1" name=""/>
+        <p:cNvGrpSpPr/>
+        <p:nvPr/>
+      </p:nvGrpSpPr>
+      <p:grpSpPr>
+        <a:xfrm>
+          <a:off x="0" y="0"/>
+          <a:ext cx="0" cy="0"/>
+          <a:chOff x="0" y="0"/>
+          <a:chExt cx="0" cy="0"/>
+        </a:xfrm>
+      </p:grpSpPr>
+      <p:sp>
+        <p:nvSpPr>
+          <p:cNvPr id="2" name="Freeform: Shape 1">
+            <a:extLst>
+              <a:ext uri="{FF2B5EF4-FFF2-40B4-BE49-F238E27FC236}">
+                <a16:creationId xmlns:a16="http://schemas.microsoft.com/office/drawing/2014/main" id="{C4EF8870-2965-4E73-8839-49422857D859}"/>
+              </a:ext>
+            </a:extLst>
+          </p:cNvPr>
+          <p:cNvSpPr/>
+          <p:nvPr/>
+        </p:nvSpPr>
+        <p:spPr>
+          <a:xfrm>
+            <a:off x="286171" y="346929"/>
+            <a:ext cx="6285657" cy="11498142"/>
+          </a:xfrm>
+          <a:custGeom>
+            <a:avLst/>
+            <a:gdLst>
+              <a:gd name="connsiteX0" fmla="*/ 728167 w 3535680"/>
+              <a:gd name="connsiteY0" fmla="*/ 255023 h 6467707"/>
+              <a:gd name="connsiteX1" fmla="*/ 210073 w 3535680"/>
+              <a:gd name="connsiteY1" fmla="*/ 773117 h 6467707"/>
+              <a:gd name="connsiteX2" fmla="*/ 210073 w 3535680"/>
+              <a:gd name="connsiteY2" fmla="*/ 5406208 h 6467707"/>
+              <a:gd name="connsiteX3" fmla="*/ 728167 w 3535680"/>
+              <a:gd name="connsiteY3" fmla="*/ 5924302 h 6467707"/>
+              <a:gd name="connsiteX4" fmla="*/ 2800478 w 3535680"/>
+              <a:gd name="connsiteY4" fmla="*/ 5924302 h 6467707"/>
+              <a:gd name="connsiteX5" fmla="*/ 3318572 w 3535680"/>
+              <a:gd name="connsiteY5" fmla="*/ 5406208 h 6467707"/>
+              <a:gd name="connsiteX6" fmla="*/ 3318572 w 3535680"/>
+              <a:gd name="connsiteY6" fmla="*/ 773117 h 6467707"/>
+              <a:gd name="connsiteX7" fmla="*/ 2800478 w 3535680"/>
+              <a:gd name="connsiteY7" fmla="*/ 255023 h 6467707"/>
+              <a:gd name="connsiteX8" fmla="*/ 589292 w 3535680"/>
+              <a:gd name="connsiteY8" fmla="*/ 0 h 6467707"/>
+              <a:gd name="connsiteX9" fmla="*/ 2946388 w 3535680"/>
+              <a:gd name="connsiteY9" fmla="*/ 0 h 6467707"/>
+              <a:gd name="connsiteX10" fmla="*/ 3535680 w 3535680"/>
+              <a:gd name="connsiteY10" fmla="*/ 589292 h 6467707"/>
+              <a:gd name="connsiteX11" fmla="*/ 3535680 w 3535680"/>
+              <a:gd name="connsiteY11" fmla="*/ 5878415 h 6467707"/>
+              <a:gd name="connsiteX12" fmla="*/ 2946388 w 3535680"/>
+              <a:gd name="connsiteY12" fmla="*/ 6467707 h 6467707"/>
+              <a:gd name="connsiteX13" fmla="*/ 589292 w 3535680"/>
+              <a:gd name="connsiteY13" fmla="*/ 6467707 h 6467707"/>
+              <a:gd name="connsiteX14" fmla="*/ 0 w 3535680"/>
+              <a:gd name="connsiteY14" fmla="*/ 5878415 h 6467707"/>
+              <a:gd name="connsiteX15" fmla="*/ 0 w 3535680"/>
+              <a:gd name="connsiteY15" fmla="*/ 589292 h 6467707"/>
+              <a:gd name="connsiteX16" fmla="*/ 589292 w 3535680"/>
+              <a:gd name="connsiteY16" fmla="*/ 0 h 6467707"/>
+            </a:gdLst>
+            <a:ahLst/>
+            <a:cxnLst>
+              <a:cxn ang="0">
+                <a:pos x="connsiteX0" y="connsiteY0"/>
+              </a:cxn>
+              <a:cxn ang="0">
+                <a:pos x="connsiteX1" y="connsiteY1"/>
+              </a:cxn>
+              <a:cxn ang="0">
+                <a:pos x="connsiteX2" y="connsiteY2"/>
+              </a:cxn>
+              <a:cxn ang="0">
+                <a:pos x="connsiteX3" y="connsiteY3"/>
+              </a:cxn>
+              <a:cxn ang="0">
+                <a:pos x="connsiteX4" y="connsiteY4"/>
+              </a:cxn>
+              <a:cxn ang="0">
+                <a:pos x="connsiteX5" y="connsiteY5"/>
+              </a:cxn>
+              <a:cxn ang="0">
+                <a:pos x="connsiteX6" y="connsiteY6"/>
+              </a:cxn>
+              <a:cxn ang="0">
+                <a:pos x="connsiteX7" y="connsiteY7"/>
+              </a:cxn>
+              <a:cxn ang="0">
+                <a:pos x="connsiteX8" y="connsiteY8"/>
+              </a:cxn>
+              <a:cxn ang="0">
+                <a:pos x="connsiteX9" y="connsiteY9"/>
+              </a:cxn>
+              <a:cxn ang="0">
+                <a:pos x="connsiteX10" y="connsiteY10"/>
+              </a:cxn>
+              <a:cxn ang="0">
+                <a:pos x="connsiteX11" y="connsiteY11"/>
+              </a:cxn>
+              <a:cxn ang="0">
+                <a:pos x="connsiteX12" y="connsiteY12"/>
+              </a:cxn>
+              <a:cxn ang="0">
+                <a:pos x="connsiteX13" y="connsiteY13"/>
+              </a:cxn>
+              <a:cxn ang="0">
+                <a:pos x="connsiteX14" y="connsiteY14"/>
+              </a:cxn>
+              <a:cxn ang="0">
+                <a:pos x="connsiteX15" y="connsiteY15"/>
+              </a:cxn>
+              <a:cxn ang="0">
+                <a:pos x="connsiteX16" y="connsiteY16"/>
+              </a:cxn>
+            </a:cxnLst>
+            <a:rect l="l" t="t" r="r" b="b"/>
+            <a:pathLst>
+              <a:path w="3535680" h="6467707">
+                <a:moveTo>
+                  <a:pt x="728167" y="255023"/>
+                </a:moveTo>
+                <a:cubicBezTo>
+                  <a:pt x="442032" y="255023"/>
+                  <a:pt x="210073" y="486982"/>
+                  <a:pt x="210073" y="773117"/>
+                </a:cubicBezTo>
+                <a:lnTo>
+                  <a:pt x="210073" y="5406208"/>
+                </a:lnTo>
+                <a:cubicBezTo>
+                  <a:pt x="210073" y="5692343"/>
+                  <a:pt x="442032" y="5924302"/>
+                  <a:pt x="728167" y="5924302"/>
+                </a:cubicBezTo>
+                <a:lnTo>
+                  <a:pt x="2800478" y="5924302"/>
+                </a:lnTo>
+                <a:cubicBezTo>
+                  <a:pt x="3086613" y="5924302"/>
+                  <a:pt x="3318572" y="5692343"/>
+                  <a:pt x="3318572" y="5406208"/>
+                </a:cubicBezTo>
+                <a:lnTo>
+                  <a:pt x="3318572" y="773117"/>
+                </a:lnTo>
+                <a:cubicBezTo>
+                  <a:pt x="3318572" y="486982"/>
+                  <a:pt x="3086613" y="255023"/>
+                  <a:pt x="2800478" y="255023"/>
+                </a:cubicBezTo>
+                <a:close/>
+                <a:moveTo>
+                  <a:pt x="589292" y="0"/>
+                </a:moveTo>
+                <a:lnTo>
+                  <a:pt x="2946388" y="0"/>
+                </a:lnTo>
+                <a:cubicBezTo>
+                  <a:pt x="3271845" y="0"/>
+                  <a:pt x="3535680" y="263835"/>
+                  <a:pt x="3535680" y="589292"/>
+                </a:cubicBezTo>
+                <a:lnTo>
+                  <a:pt x="3535680" y="5878415"/>
+                </a:lnTo>
+                <a:cubicBezTo>
+                  <a:pt x="3535680" y="6203872"/>
+                  <a:pt x="3271845" y="6467707"/>
+                  <a:pt x="2946388" y="6467707"/>
+                </a:cubicBezTo>
+                <a:lnTo>
+                  <a:pt x="589292" y="6467707"/>
+                </a:lnTo>
+                <a:cubicBezTo>
+                  <a:pt x="263835" y="6467707"/>
+                  <a:pt x="0" y="6203872"/>
+                  <a:pt x="0" y="5878415"/>
+                </a:cubicBezTo>
+                <a:lnTo>
+                  <a:pt x="0" y="589292"/>
+                </a:lnTo>
+                <a:cubicBezTo>
+                  <a:pt x="0" y="263835"/>
+                  <a:pt x="263835" y="0"/>
+                  <a:pt x="589292" y="0"/>
+                </a:cubicBezTo>
+                <a:close/>
+              </a:path>
+            </a:pathLst>
+          </a:custGeom>
+          <a:solidFill>
+            <a:schemeClr val="bg1">
+              <a:lumMod val="85000"/>
+            </a:schemeClr>
+          </a:solidFill>
+          <a:ln w="76200">
+            <a:solidFill>
+              <a:schemeClr val="tx1"/>
+            </a:solidFill>
+          </a:ln>
+        </p:spPr>
+        <p:style>
+          <a:lnRef idx="2">
+            <a:schemeClr val="accent1">
+              <a:shade val="50000"/>
+            </a:schemeClr>
+          </a:lnRef>
+          <a:fillRef idx="1">
+            <a:schemeClr val="accent1"/>
+          </a:fillRef>
+          <a:effectRef idx="0">
+            <a:schemeClr val="accent1"/>
+          </a:effectRef>
+          <a:fontRef idx="minor">
+            <a:schemeClr val="lt1"/>
+          </a:fontRef>
+        </p:style>
+        <p:txBody>
+          <a:bodyPr rtlCol="0" anchor="ctr"/>
+          <a:lstStyle/>
+          <a:p>
+            <a:pPr algn="ctr"/>
+            <a:endParaRPr lang="en-PH" sz="1424" dirty="0">
+              <a:latin typeface="Tahoma" panose="020B0604030504040204" pitchFamily="34" charset="0"/>
+              <a:ea typeface="Tahoma" panose="020B0604030504040204" pitchFamily="34" charset="0"/>
+              <a:cs typeface="Tahoma" panose="020B0604030504040204" pitchFamily="34" charset="0"/>
+            </a:endParaRPr>
+          </a:p>
+        </p:txBody>
+      </p:sp>
+      <p:sp>
+        <p:nvSpPr>
+          <p:cNvPr id="3" name="Isosceles Triangle 2">
+            <a:extLst>
+              <a:ext uri="{FF2B5EF4-FFF2-40B4-BE49-F238E27FC236}">
+                <a16:creationId xmlns:a16="http://schemas.microsoft.com/office/drawing/2014/main" id="{BB6593F8-AE51-47C6-B7E2-E0EA0E6887D2}"/>
+              </a:ext>
+            </a:extLst>
+          </p:cNvPr>
+          <p:cNvSpPr/>
+          <p:nvPr/>
+        </p:nvSpPr>
+        <p:spPr>
+          <a:xfrm rot="16200000">
+            <a:off x="2111607" y="10263126"/>
+            <a:ext cx="393593" cy="304329"/>
+          </a:xfrm>
+          <a:prstGeom prst="triangle">
+            <a:avLst/>
+          </a:prstGeom>
+        </p:spPr>
+        <p:style>
+          <a:lnRef idx="1">
+            <a:schemeClr val="accent3"/>
+          </a:lnRef>
+          <a:fillRef idx="2">
+            <a:schemeClr val="accent3"/>
+          </a:fillRef>
+          <a:effectRef idx="1">
+            <a:schemeClr val="accent3"/>
+          </a:effectRef>
+          <a:fontRef idx="minor">
+            <a:schemeClr val="dk1"/>
+          </a:fontRef>
+        </p:style>
+        <p:txBody>
+          <a:bodyPr rtlCol="0" anchor="ctr"/>
+          <a:lstStyle/>
+          <a:p>
+            <a:pPr algn="ctr"/>
+            <a:endParaRPr lang="en-PH" sz="1424">
+              <a:latin typeface="Tahoma" panose="020B0604030504040204" pitchFamily="34" charset="0"/>
+              <a:ea typeface="Tahoma" panose="020B0604030504040204" pitchFamily="34" charset="0"/>
+              <a:cs typeface="Tahoma" panose="020B0604030504040204" pitchFamily="34" charset="0"/>
+            </a:endParaRPr>
+          </a:p>
+        </p:txBody>
+      </p:sp>
+      <p:sp>
+        <p:nvSpPr>
+          <p:cNvPr id="4" name="Rectangle 3">
+            <a:extLst>
+              <a:ext uri="{FF2B5EF4-FFF2-40B4-BE49-F238E27FC236}">
+                <a16:creationId xmlns:a16="http://schemas.microsoft.com/office/drawing/2014/main" id="{AFD73A1B-81D6-48A7-AEDD-0B56CE49C5CB}"/>
+              </a:ext>
+            </a:extLst>
+          </p:cNvPr>
+          <p:cNvSpPr/>
+          <p:nvPr/>
+        </p:nvSpPr>
+        <p:spPr>
+          <a:xfrm>
+            <a:off x="4246628" y="10218485"/>
+            <a:ext cx="393593" cy="393593"/>
+          </a:xfrm>
+          <a:prstGeom prst="rect">
+            <a:avLst/>
+          </a:prstGeom>
+        </p:spPr>
+        <p:style>
+          <a:lnRef idx="1">
+            <a:schemeClr val="accent3"/>
+          </a:lnRef>
+          <a:fillRef idx="2">
+            <a:schemeClr val="accent3"/>
+          </a:fillRef>
+          <a:effectRef idx="1">
+            <a:schemeClr val="accent3"/>
+          </a:effectRef>
+          <a:fontRef idx="minor">
+            <a:schemeClr val="dk1"/>
+          </a:fontRef>
+        </p:style>
+        <p:txBody>
+          <a:bodyPr rtlCol="0" anchor="ctr"/>
+          <a:lstStyle/>
+          <a:p>
+            <a:pPr algn="ctr"/>
+            <a:endParaRPr lang="en-PH" sz="1424">
+              <a:latin typeface="Tahoma" panose="020B0604030504040204" pitchFamily="34" charset="0"/>
+              <a:ea typeface="Tahoma" panose="020B0604030504040204" pitchFamily="34" charset="0"/>
+              <a:cs typeface="Tahoma" panose="020B0604030504040204" pitchFamily="34" charset="0"/>
+            </a:endParaRPr>
+          </a:p>
+        </p:txBody>
+      </p:sp>
+      <p:sp>
+        <p:nvSpPr>
+          <p:cNvPr id="5" name="Oval 4">
+            <a:extLst>
+              <a:ext uri="{FF2B5EF4-FFF2-40B4-BE49-F238E27FC236}">
+                <a16:creationId xmlns:a16="http://schemas.microsoft.com/office/drawing/2014/main" id="{7947223C-FF57-4F61-931E-B7B9BCDA0DA4}"/>
+              </a:ext>
+            </a:extLst>
+          </p:cNvPr>
+          <p:cNvSpPr/>
+          <p:nvPr/>
+        </p:nvSpPr>
+        <p:spPr>
+          <a:xfrm>
+            <a:off x="3156798" y="10237842"/>
+            <a:ext cx="393593" cy="393593"/>
+          </a:xfrm>
+          <a:prstGeom prst="ellipse">
+            <a:avLst/>
+          </a:prstGeom>
+        </p:spPr>
+        <p:style>
+          <a:lnRef idx="1">
+            <a:schemeClr val="accent3"/>
+          </a:lnRef>
+          <a:fillRef idx="2">
+            <a:schemeClr val="accent3"/>
+          </a:fillRef>
+          <a:effectRef idx="1">
+            <a:schemeClr val="accent3"/>
+          </a:effectRef>
+          <a:fontRef idx="minor">
+            <a:schemeClr val="dk1"/>
+          </a:fontRef>
+        </p:style>
+        <p:txBody>
+          <a:bodyPr rtlCol="0" anchor="ctr"/>
+          <a:lstStyle/>
+          <a:p>
+            <a:pPr algn="ctr"/>
+            <a:endParaRPr lang="en-PH" sz="1424">
+              <a:latin typeface="Tahoma" panose="020B0604030504040204" pitchFamily="34" charset="0"/>
+              <a:ea typeface="Tahoma" panose="020B0604030504040204" pitchFamily="34" charset="0"/>
+              <a:cs typeface="Tahoma" panose="020B0604030504040204" pitchFamily="34" charset="0"/>
+            </a:endParaRPr>
+          </a:p>
+        </p:txBody>
+      </p:sp>
+      <p:cxnSp>
+        <p:nvCxnSpPr>
+          <p:cNvPr id="7" name="Straight Connector 6">
+            <a:extLst>
+              <a:ext uri="{FF2B5EF4-FFF2-40B4-BE49-F238E27FC236}">
+                <a16:creationId xmlns:a16="http://schemas.microsoft.com/office/drawing/2014/main" id="{3862FBAD-DA14-466F-8D6A-D7FDBA5F2FBD}"/>
+              </a:ext>
+            </a:extLst>
+          </p:cNvPr>
+          <p:cNvCxnSpPr/>
+          <p:nvPr/>
+        </p:nvCxnSpPr>
+        <p:spPr>
+          <a:xfrm>
+            <a:off x="992619" y="3071676"/>
+            <a:ext cx="4872761" cy="0"/>
+          </a:xfrm>
+          <a:prstGeom prst="line">
+            <a:avLst/>
+          </a:prstGeom>
+          <a:ln w="57150">
+            <a:solidFill>
+              <a:schemeClr val="tx1"/>
+            </a:solidFill>
+          </a:ln>
+        </p:spPr>
+        <p:style>
+          <a:lnRef idx="1">
+            <a:schemeClr val="accent1"/>
+          </a:lnRef>
+          <a:fillRef idx="0">
+            <a:schemeClr val="accent1"/>
+          </a:fillRef>
+          <a:effectRef idx="0">
+            <a:schemeClr val="accent1"/>
+          </a:effectRef>
+          <a:fontRef idx="minor">
+            <a:schemeClr val="tx1"/>
+          </a:fontRef>
+        </p:style>
+      </p:cxnSp>
+      <p:sp>
+        <p:nvSpPr>
+          <p:cNvPr id="8" name="TextBox 7">
+            <a:extLst>
+              <a:ext uri="{FF2B5EF4-FFF2-40B4-BE49-F238E27FC236}">
+                <a16:creationId xmlns:a16="http://schemas.microsoft.com/office/drawing/2014/main" id="{73A08796-0BFB-4732-81D9-04E388CCF4DD}"/>
+              </a:ext>
+            </a:extLst>
+          </p:cNvPr>
+          <p:cNvSpPr txBox="1"/>
+          <p:nvPr/>
+        </p:nvSpPr>
+        <p:spPr>
+          <a:xfrm>
+            <a:off x="2308403" y="1634527"/>
+            <a:ext cx="3733893" cy="707886"/>
+          </a:xfrm>
+          <a:prstGeom prst="rect">
+            <a:avLst/>
+          </a:prstGeom>
+          <a:noFill/>
+        </p:spPr>
+        <p:txBody>
+          <a:bodyPr wrap="square" rtlCol="0">
+            <a:spAutoFit/>
+          </a:bodyPr>
+          <a:lstStyle/>
+          <a:p>
+            <a:pPr algn="ctr"/>
+            <a:r>
+              <a:rPr lang="en-PH" sz="4000" b="1" spc="533" dirty="0">
+                <a:latin typeface="Tahoma" panose="020B0604030504040204" pitchFamily="34" charset="0"/>
+                <a:ea typeface="Tahoma" panose="020B0604030504040204" pitchFamily="34" charset="0"/>
+                <a:cs typeface="Tahoma" panose="020B0604030504040204" pitchFamily="34" charset="0"/>
+              </a:rPr>
+              <a:t>Ticket</a:t>
+            </a:r>
+          </a:p>
+        </p:txBody>
+      </p:sp>
+      <p:sp>
+        <p:nvSpPr>
+          <p:cNvPr id="9" name="Rectangle: Rounded Corners 8">
+            <a:extLst>
+              <a:ext uri="{FF2B5EF4-FFF2-40B4-BE49-F238E27FC236}">
+                <a16:creationId xmlns:a16="http://schemas.microsoft.com/office/drawing/2014/main" id="{841DC46E-6ED2-4FED-95FA-45D28B72CC2A}"/>
+              </a:ext>
+            </a:extLst>
+          </p:cNvPr>
+          <p:cNvSpPr/>
+          <p:nvPr/>
+        </p:nvSpPr>
+        <p:spPr>
+          <a:xfrm>
+            <a:off x="2266945" y="8722072"/>
+            <a:ext cx="2324108" cy="604268"/>
+          </a:xfrm>
+          <a:prstGeom prst="roundRect">
+            <a:avLst>
+              <a:gd name="adj" fmla="val 50000"/>
+            </a:avLst>
+          </a:prstGeom>
+          <a:ln>
+            <a:solidFill>
+              <a:schemeClr val="tx1"/>
+            </a:solidFill>
+          </a:ln>
+        </p:spPr>
+        <p:style>
+          <a:lnRef idx="1">
+            <a:schemeClr val="accent4"/>
+          </a:lnRef>
+          <a:fillRef idx="2">
+            <a:schemeClr val="accent4"/>
+          </a:fillRef>
+          <a:effectRef idx="1">
+            <a:schemeClr val="accent4"/>
+          </a:effectRef>
+          <a:fontRef idx="minor">
+            <a:schemeClr val="dk1"/>
+          </a:fontRef>
+        </p:style>
+        <p:txBody>
+          <a:bodyPr rtlCol="0" anchor="ctr"/>
+          <a:lstStyle/>
+          <a:p>
+            <a:pPr algn="ctr"/>
+            <a:r>
+              <a:rPr lang="en-PH" sz="2500" dirty="0">
+                <a:latin typeface="Tahoma" panose="020B0604030504040204" pitchFamily="34" charset="0"/>
+                <a:ea typeface="Tahoma" panose="020B0604030504040204" pitchFamily="34" charset="0"/>
+                <a:cs typeface="Tahoma" panose="020B0604030504040204" pitchFamily="34" charset="0"/>
+              </a:rPr>
+              <a:t>OK</a:t>
+            </a:r>
+          </a:p>
+        </p:txBody>
+      </p:sp>
+      <p:sp>
+        <p:nvSpPr>
+          <p:cNvPr id="10" name="TextBox 9">
+            <a:extLst>
+              <a:ext uri="{FF2B5EF4-FFF2-40B4-BE49-F238E27FC236}">
+                <a16:creationId xmlns:a16="http://schemas.microsoft.com/office/drawing/2014/main" id="{52EC49C3-B395-4AF0-B8E8-9B64046B2572}"/>
+              </a:ext>
+            </a:extLst>
+          </p:cNvPr>
+          <p:cNvSpPr txBox="1"/>
+          <p:nvPr/>
+        </p:nvSpPr>
+        <p:spPr>
+          <a:xfrm>
+            <a:off x="2414939" y="7098253"/>
+            <a:ext cx="2028120" cy="707886"/>
+          </a:xfrm>
+          <a:prstGeom prst="rect">
+            <a:avLst/>
+          </a:prstGeom>
+          <a:noFill/>
+        </p:spPr>
+        <p:txBody>
+          <a:bodyPr wrap="none" rtlCol="0">
+            <a:spAutoFit/>
+          </a:bodyPr>
+          <a:lstStyle/>
+          <a:p>
+            <a:pPr algn="ctr"/>
+            <a:r>
+              <a:rPr lang="en-PH" sz="2000" b="1" dirty="0">
+                <a:latin typeface="Tahoma" panose="020B0604030504040204" pitchFamily="34" charset="0"/>
+                <a:ea typeface="Tahoma" panose="020B0604030504040204" pitchFamily="34" charset="0"/>
+                <a:cs typeface="Tahoma" panose="020B0604030504040204" pitchFamily="34" charset="0"/>
+              </a:rPr>
+              <a:t>Scan to check </a:t>
+            </a:r>
+          </a:p>
+          <a:p>
+            <a:pPr algn="ctr"/>
+            <a:r>
+              <a:rPr lang="en-PH" sz="2000" b="1" dirty="0">
+                <a:latin typeface="Tahoma" panose="020B0604030504040204" pitchFamily="34" charset="0"/>
+                <a:ea typeface="Tahoma" panose="020B0604030504040204" pitchFamily="34" charset="0"/>
+                <a:cs typeface="Tahoma" panose="020B0604030504040204" pitchFamily="34" charset="0"/>
+              </a:rPr>
+              <a:t>ticket details</a:t>
+            </a:r>
+          </a:p>
+        </p:txBody>
+      </p:sp>
       <p:pic>
         <p:nvPicPr>
-          <p:cNvPr id="81" name="Picture 80" descr="Related image">
+          <p:cNvPr id="11" name="Picture 2" descr="Image result for qr code">
             <a:extLst>
               <a:ext uri="{FF2B5EF4-FFF2-40B4-BE49-F238E27FC236}">
-                <a16:creationId xmlns:a16="http://schemas.microsoft.com/office/drawing/2014/main" id="{748F18A5-021D-487E-AC58-C82859A211E5}"/>
+                <a16:creationId xmlns:a16="http://schemas.microsoft.com/office/drawing/2014/main" id="{D38D4D95-845E-4ECB-B1CF-9A9445667AA5}"/>
+              </a:ext>
+            </a:extLst>
+          </p:cNvPr>
+          <p:cNvPicPr>
+            <a:picLocks noChangeAspect="1" noChangeArrowheads="1"/>
+          </p:cNvPicPr>
+          <p:nvPr/>
+        </p:nvPicPr>
+        <p:blipFill>
+          <a:blip r:embed="rId3">
+            <a:extLst>
+              <a:ext uri="{28A0092B-C50C-407E-A947-70E740481C1C}">
+                <a14:useLocalDpi xmlns:a14="http://schemas.microsoft.com/office/drawing/2010/main" val="0"/>
+              </a:ext>
+            </a:extLst>
+          </a:blip>
+          <a:srcRect/>
+          <a:stretch>
+            <a:fillRect/>
+          </a:stretch>
+        </p:blipFill>
+        <p:spPr bwMode="auto">
+          <a:xfrm>
+            <a:off x="1628999" y="3397315"/>
+            <a:ext cx="3600000" cy="3600000"/>
+          </a:xfrm>
+          <a:prstGeom prst="rect">
+            <a:avLst/>
+          </a:prstGeom>
+          <a:noFill/>
+          <a:ln>
+            <a:solidFill>
+              <a:schemeClr val="tx1"/>
+            </a:solidFill>
+          </a:ln>
+          <a:extLst>
+            <a:ext uri="{909E8E84-426E-40DD-AFC4-6F175D3DCCD1}">
+              <a14:hiddenFill xmlns:a14="http://schemas.microsoft.com/office/drawing/2010/main">
+                <a:solidFill>
+                  <a:srgbClr val="FFFFFF"/>
+                </a:solidFill>
+              </a14:hiddenFill>
+            </a:ext>
+          </a:extLst>
+        </p:spPr>
+      </p:pic>
+      <p:pic>
+        <p:nvPicPr>
+          <p:cNvPr id="12" name="Picture 11" descr="Related image">
+            <a:extLst>
+              <a:ext uri="{FF2B5EF4-FFF2-40B4-BE49-F238E27FC236}">
+                <a16:creationId xmlns:a16="http://schemas.microsoft.com/office/drawing/2014/main" id="{FCDD5997-D92C-4B4D-8CEF-E29616FE893A}"/>
               </a:ext>
             </a:extLst>
           </p:cNvPr>
@@ -6458,7 +7164,7 @@
           <p:nvPr/>
         </p:nvPicPr>
         <p:blipFill rotWithShape="1">
-          <a:blip r:embed="rId2">
+          <a:blip r:embed="rId4">
             <a:duotone>
               <a:prstClr val="black"/>
               <a:schemeClr val="accent5">
@@ -6469,7 +7175,7 @@
             <a:extLst>
               <a:ext uri="{BEBA8EAE-BF5A-486C-A8C5-ECC9F3942E4B}">
                 <a14:imgProps xmlns:a14="http://schemas.microsoft.com/office/drawing/2010/main">
-                  <a14:imgLayer r:embed="rId3">
+                  <a14:imgLayer r:embed="rId5">
                     <a14:imgEffect>
                       <a14:colorTemperature colorTemp="4700"/>
                     </a14:imgEffect>
@@ -6486,7 +7192,7 @@
         </p:blipFill>
         <p:spPr bwMode="auto">
           <a:xfrm>
-            <a:off x="7722832" y="1187197"/>
+            <a:off x="999518" y="1187204"/>
             <a:ext cx="1600002" cy="1600002"/>
           </a:xfrm>
           <a:custGeom>
@@ -6729,1030 +7435,21 @@
           </a:ln>
         </p:spPr>
       </p:pic>
-      <p:sp>
-        <p:nvSpPr>
-          <p:cNvPr id="82" name="TextBox 81">
-            <a:extLst>
-              <a:ext uri="{FF2B5EF4-FFF2-40B4-BE49-F238E27FC236}">
-                <a16:creationId xmlns:a16="http://schemas.microsoft.com/office/drawing/2014/main" id="{28D902CB-9F24-44CE-9829-724CA4C9A95B}"/>
-              </a:ext>
-            </a:extLst>
-          </p:cNvPr>
-          <p:cNvSpPr txBox="1"/>
-          <p:nvPr/>
-        </p:nvSpPr>
-        <p:spPr>
-          <a:xfrm>
-            <a:off x="-4262748" y="1084388"/>
-            <a:ext cx="3733893" cy="1732205"/>
-          </a:xfrm>
-          <a:prstGeom prst="rect">
-            <a:avLst/>
-          </a:prstGeom>
-          <a:noFill/>
-        </p:spPr>
-        <p:txBody>
-          <a:bodyPr wrap="square" rtlCol="0">
-            <a:spAutoFit/>
-          </a:bodyPr>
-          <a:lstStyle/>
-          <a:p>
-            <a:pPr algn="ctr"/>
-            <a:r>
-              <a:rPr lang="en-PH" sz="3552" b="1" spc="533" dirty="0"/>
-              <a:t>Upcoming Train Schedule</a:t>
-            </a:r>
-          </a:p>
-        </p:txBody>
-      </p:sp>
-      <p:cxnSp>
-        <p:nvCxnSpPr>
-          <p:cNvPr id="83" name="Straight Connector 82">
-            <a:extLst>
-              <a:ext uri="{FF2B5EF4-FFF2-40B4-BE49-F238E27FC236}">
-                <a16:creationId xmlns:a16="http://schemas.microsoft.com/office/drawing/2014/main" id="{B7472B93-00B8-4EA1-8452-B4DF6E6250BF}"/>
-              </a:ext>
-            </a:extLst>
-          </p:cNvPr>
-          <p:cNvCxnSpPr/>
-          <p:nvPr/>
-        </p:nvCxnSpPr>
-        <p:spPr>
-          <a:xfrm>
-            <a:off x="7702072" y="3071678"/>
-            <a:ext cx="4872761" cy="0"/>
-          </a:xfrm>
-          <a:prstGeom prst="line">
-            <a:avLst/>
-          </a:prstGeom>
-          <a:ln w="57150">
-            <a:solidFill>
-              <a:schemeClr val="tx1"/>
-            </a:solidFill>
-          </a:ln>
-        </p:spPr>
-        <p:style>
-          <a:lnRef idx="1">
-            <a:schemeClr val="accent1"/>
-          </a:lnRef>
-          <a:fillRef idx="0">
-            <a:schemeClr val="accent1"/>
-          </a:fillRef>
-          <a:effectRef idx="0">
-            <a:schemeClr val="accent1"/>
-          </a:effectRef>
-          <a:fontRef idx="minor">
-            <a:schemeClr val="tx1"/>
-          </a:fontRef>
-        </p:style>
-      </p:cxnSp>
-      <p:sp>
-        <p:nvSpPr>
-          <p:cNvPr id="87" name="Rectangle: Rounded Corners 86">
-            <a:extLst>
-              <a:ext uri="{FF2B5EF4-FFF2-40B4-BE49-F238E27FC236}">
-                <a16:creationId xmlns:a16="http://schemas.microsoft.com/office/drawing/2014/main" id="{C82AA9E9-A67A-4F46-949A-4F87A84BFD2F}"/>
-              </a:ext>
-            </a:extLst>
-          </p:cNvPr>
-          <p:cNvSpPr/>
-          <p:nvPr/>
-        </p:nvSpPr>
-        <p:spPr>
-          <a:xfrm>
-            <a:off x="8779602" y="9008654"/>
-            <a:ext cx="2324108" cy="604268"/>
-          </a:xfrm>
-          <a:prstGeom prst="roundRect">
-            <a:avLst>
-              <a:gd name="adj" fmla="val 50000"/>
-            </a:avLst>
-          </a:prstGeom>
-          <a:ln>
-            <a:solidFill>
-              <a:schemeClr val="tx1"/>
-            </a:solidFill>
-          </a:ln>
-        </p:spPr>
-        <p:style>
-          <a:lnRef idx="1">
-            <a:schemeClr val="accent4"/>
-          </a:lnRef>
-          <a:fillRef idx="2">
-            <a:schemeClr val="accent4"/>
-          </a:fillRef>
-          <a:effectRef idx="1">
-            <a:schemeClr val="accent4"/>
-          </a:effectRef>
-          <a:fontRef idx="minor">
-            <a:schemeClr val="dk1"/>
-          </a:fontRef>
-        </p:style>
-        <p:txBody>
-          <a:bodyPr rtlCol="0" anchor="ctr"/>
-          <a:lstStyle/>
-          <a:p>
-            <a:pPr algn="ctr"/>
-            <a:r>
-              <a:rPr lang="en-PH" sz="1424" dirty="0"/>
-              <a:t>Done</a:t>
-            </a:r>
-          </a:p>
-        </p:txBody>
-      </p:sp>
-      <p:sp>
-        <p:nvSpPr>
-          <p:cNvPr id="62" name="TextBox 61">
-            <a:extLst>
-              <a:ext uri="{FF2B5EF4-FFF2-40B4-BE49-F238E27FC236}">
-                <a16:creationId xmlns:a16="http://schemas.microsoft.com/office/drawing/2014/main" id="{6455B850-39DC-438E-B2AF-B9C7E1B9ACEB}"/>
-              </a:ext>
-            </a:extLst>
-          </p:cNvPr>
-          <p:cNvSpPr txBox="1"/>
-          <p:nvPr/>
-        </p:nvSpPr>
-        <p:spPr>
-          <a:xfrm>
-            <a:off x="-5256817" y="3233443"/>
-            <a:ext cx="1379480" cy="475836"/>
-          </a:xfrm>
-          <a:prstGeom prst="rect">
-            <a:avLst/>
-          </a:prstGeom>
-          <a:noFill/>
-        </p:spPr>
-        <p:txBody>
-          <a:bodyPr wrap="none" rtlCol="0">
-            <a:spAutoFit/>
-          </a:bodyPr>
-          <a:lstStyle/>
-          <a:p>
-            <a:pPr algn="ctr"/>
-            <a:r>
-              <a:rPr lang="en-PH" sz="2492" b="1" dirty="0"/>
-              <a:t>Train No.</a:t>
-            </a:r>
-          </a:p>
-        </p:txBody>
-      </p:sp>
-      <p:cxnSp>
-        <p:nvCxnSpPr>
-          <p:cNvPr id="103" name="Straight Connector 102">
-            <a:extLst>
-              <a:ext uri="{FF2B5EF4-FFF2-40B4-BE49-F238E27FC236}">
-                <a16:creationId xmlns:a16="http://schemas.microsoft.com/office/drawing/2014/main" id="{C5010A08-F95C-4BC6-BA60-943F9C76C50B}"/>
-              </a:ext>
-            </a:extLst>
-          </p:cNvPr>
-          <p:cNvCxnSpPr>
-            <a:cxnSpLocks/>
-          </p:cNvCxnSpPr>
-          <p:nvPr/>
-        </p:nvCxnSpPr>
-        <p:spPr>
-          <a:xfrm flipV="1">
-            <a:off x="-3369718" y="3313545"/>
-            <a:ext cx="0" cy="5352850"/>
-          </a:xfrm>
-          <a:prstGeom prst="line">
-            <a:avLst/>
-          </a:prstGeom>
-          <a:ln w="57150">
-            <a:solidFill>
-              <a:schemeClr val="tx1"/>
-            </a:solidFill>
-          </a:ln>
-        </p:spPr>
-        <p:style>
-          <a:lnRef idx="1">
-            <a:schemeClr val="accent1"/>
-          </a:lnRef>
-          <a:fillRef idx="0">
-            <a:schemeClr val="accent1"/>
-          </a:fillRef>
-          <a:effectRef idx="0">
-            <a:schemeClr val="accent1"/>
-          </a:effectRef>
-          <a:fontRef idx="minor">
-            <a:schemeClr val="tx1"/>
-          </a:fontRef>
-        </p:style>
-      </p:cxnSp>
-      <p:sp>
-        <p:nvSpPr>
-          <p:cNvPr id="104" name="TextBox 103">
-            <a:extLst>
-              <a:ext uri="{FF2B5EF4-FFF2-40B4-BE49-F238E27FC236}">
-                <a16:creationId xmlns:a16="http://schemas.microsoft.com/office/drawing/2014/main" id="{FEB890E8-BA33-49C7-946E-D0D750A10B09}"/>
-              </a:ext>
-            </a:extLst>
-          </p:cNvPr>
-          <p:cNvSpPr txBox="1"/>
-          <p:nvPr/>
-        </p:nvSpPr>
-        <p:spPr>
-          <a:xfrm>
-            <a:off x="-2975766" y="3240619"/>
-            <a:ext cx="1795813" cy="475836"/>
-          </a:xfrm>
-          <a:prstGeom prst="rect">
-            <a:avLst/>
-          </a:prstGeom>
-          <a:noFill/>
-        </p:spPr>
-        <p:txBody>
-          <a:bodyPr wrap="none" rtlCol="0">
-            <a:spAutoFit/>
-          </a:bodyPr>
-          <a:lstStyle/>
-          <a:p>
-            <a:pPr algn="ctr"/>
-            <a:r>
-              <a:rPr lang="en-PH" sz="2492" b="1" dirty="0"/>
-              <a:t>Arrival Time</a:t>
-            </a:r>
-          </a:p>
-        </p:txBody>
-      </p:sp>
-      <p:sp>
-        <p:nvSpPr>
-          <p:cNvPr id="105" name="TextBox 104">
-            <a:extLst>
-              <a:ext uri="{FF2B5EF4-FFF2-40B4-BE49-F238E27FC236}">
-                <a16:creationId xmlns:a16="http://schemas.microsoft.com/office/drawing/2014/main" id="{710A2499-1149-4645-AAB3-4C2248FFBDF1}"/>
-              </a:ext>
-            </a:extLst>
-          </p:cNvPr>
-          <p:cNvSpPr txBox="1"/>
-          <p:nvPr/>
-        </p:nvSpPr>
-        <p:spPr>
-          <a:xfrm>
-            <a:off x="-4804051" y="3715134"/>
-            <a:ext cx="463588" cy="311496"/>
-          </a:xfrm>
-          <a:prstGeom prst="rect">
-            <a:avLst/>
-          </a:prstGeom>
-          <a:noFill/>
-        </p:spPr>
-        <p:txBody>
-          <a:bodyPr wrap="none" rtlCol="0">
-            <a:spAutoFit/>
-          </a:bodyPr>
-          <a:lstStyle/>
-          <a:p>
-            <a:pPr algn="ctr"/>
-            <a:r>
-              <a:rPr lang="en-PH" sz="1424" b="1" dirty="0"/>
-              <a:t>101</a:t>
-            </a:r>
-          </a:p>
-        </p:txBody>
-      </p:sp>
-      <p:sp>
-        <p:nvSpPr>
-          <p:cNvPr id="106" name="TextBox 105">
-            <a:extLst>
-              <a:ext uri="{FF2B5EF4-FFF2-40B4-BE49-F238E27FC236}">
-                <a16:creationId xmlns:a16="http://schemas.microsoft.com/office/drawing/2014/main" id="{ABE91BD2-66A0-4573-9024-C7408ED6C765}"/>
-              </a:ext>
-            </a:extLst>
-          </p:cNvPr>
-          <p:cNvSpPr txBox="1"/>
-          <p:nvPr/>
-        </p:nvSpPr>
-        <p:spPr>
-          <a:xfrm>
-            <a:off x="-4804051" y="4564489"/>
-            <a:ext cx="463588" cy="311496"/>
-          </a:xfrm>
-          <a:prstGeom prst="rect">
-            <a:avLst/>
-          </a:prstGeom>
-          <a:noFill/>
-        </p:spPr>
-        <p:txBody>
-          <a:bodyPr wrap="none" rtlCol="0">
-            <a:spAutoFit/>
-          </a:bodyPr>
-          <a:lstStyle/>
-          <a:p>
-            <a:pPr algn="ctr"/>
-            <a:r>
-              <a:rPr lang="en-PH" sz="1424" b="1" dirty="0"/>
-              <a:t>104</a:t>
-            </a:r>
-          </a:p>
-        </p:txBody>
-      </p:sp>
-      <p:sp>
-        <p:nvSpPr>
-          <p:cNvPr id="107" name="TextBox 106">
-            <a:extLst>
-              <a:ext uri="{FF2B5EF4-FFF2-40B4-BE49-F238E27FC236}">
-                <a16:creationId xmlns:a16="http://schemas.microsoft.com/office/drawing/2014/main" id="{DF84C884-B5BE-4E5B-AC8D-E5145DD36309}"/>
-              </a:ext>
-            </a:extLst>
-          </p:cNvPr>
-          <p:cNvSpPr txBox="1"/>
-          <p:nvPr/>
-        </p:nvSpPr>
-        <p:spPr>
-          <a:xfrm>
-            <a:off x="-4804051" y="5505122"/>
-            <a:ext cx="463588" cy="311496"/>
-          </a:xfrm>
-          <a:prstGeom prst="rect">
-            <a:avLst/>
-          </a:prstGeom>
-          <a:noFill/>
-        </p:spPr>
-        <p:txBody>
-          <a:bodyPr wrap="none" rtlCol="0">
-            <a:spAutoFit/>
-          </a:bodyPr>
-          <a:lstStyle/>
-          <a:p>
-            <a:pPr algn="ctr"/>
-            <a:r>
-              <a:rPr lang="en-PH" sz="1424" b="1" dirty="0"/>
-              <a:t>110</a:t>
-            </a:r>
-          </a:p>
-        </p:txBody>
-      </p:sp>
-      <p:sp>
-        <p:nvSpPr>
-          <p:cNvPr id="108" name="TextBox 107">
-            <a:extLst>
-              <a:ext uri="{FF2B5EF4-FFF2-40B4-BE49-F238E27FC236}">
-                <a16:creationId xmlns:a16="http://schemas.microsoft.com/office/drawing/2014/main" id="{6EA818C1-9B92-49EC-8FD2-ACDE232B67A0}"/>
-              </a:ext>
-            </a:extLst>
-          </p:cNvPr>
-          <p:cNvSpPr txBox="1"/>
-          <p:nvPr/>
-        </p:nvSpPr>
-        <p:spPr>
-          <a:xfrm>
-            <a:off x="-5048463" y="6350329"/>
-            <a:ext cx="952398" cy="311496"/>
-          </a:xfrm>
-          <a:prstGeom prst="rect">
-            <a:avLst/>
-          </a:prstGeom>
-          <a:noFill/>
-        </p:spPr>
-        <p:txBody>
-          <a:bodyPr wrap="square" rtlCol="0">
-            <a:spAutoFit/>
-          </a:bodyPr>
-          <a:lstStyle/>
-          <a:p>
-            <a:pPr algn="ctr"/>
-            <a:r>
-              <a:rPr lang="en-PH" sz="1424" b="1" dirty="0"/>
-              <a:t>115</a:t>
-            </a:r>
-          </a:p>
-        </p:txBody>
-      </p:sp>
-      <p:sp>
-        <p:nvSpPr>
-          <p:cNvPr id="109" name="TextBox 108">
-            <a:extLst>
-              <a:ext uri="{FF2B5EF4-FFF2-40B4-BE49-F238E27FC236}">
-                <a16:creationId xmlns:a16="http://schemas.microsoft.com/office/drawing/2014/main" id="{635E5783-1940-415D-8506-396F33413DD3}"/>
-              </a:ext>
-            </a:extLst>
-          </p:cNvPr>
-          <p:cNvSpPr txBox="1"/>
-          <p:nvPr/>
-        </p:nvSpPr>
-        <p:spPr>
-          <a:xfrm>
-            <a:off x="-2479988" y="3720892"/>
-            <a:ext cx="793807" cy="311496"/>
-          </a:xfrm>
-          <a:prstGeom prst="rect">
-            <a:avLst/>
-          </a:prstGeom>
-          <a:noFill/>
-        </p:spPr>
-        <p:txBody>
-          <a:bodyPr wrap="none" rtlCol="0">
-            <a:spAutoFit/>
-          </a:bodyPr>
-          <a:lstStyle/>
-          <a:p>
-            <a:pPr algn="ctr"/>
-            <a:r>
-              <a:rPr lang="en-PH" sz="1424" b="1" dirty="0"/>
-              <a:t>6:00 am</a:t>
-            </a:r>
-          </a:p>
-        </p:txBody>
-      </p:sp>
-      <p:sp>
-        <p:nvSpPr>
-          <p:cNvPr id="110" name="TextBox 109">
-            <a:extLst>
-              <a:ext uri="{FF2B5EF4-FFF2-40B4-BE49-F238E27FC236}">
-                <a16:creationId xmlns:a16="http://schemas.microsoft.com/office/drawing/2014/main" id="{9F302022-2DD6-4E2A-BEB3-A12AB06C689C}"/>
-              </a:ext>
-            </a:extLst>
-          </p:cNvPr>
-          <p:cNvSpPr txBox="1"/>
-          <p:nvPr/>
-        </p:nvSpPr>
-        <p:spPr>
-          <a:xfrm>
-            <a:off x="-2481993" y="4566903"/>
-            <a:ext cx="793807" cy="311496"/>
-          </a:xfrm>
-          <a:prstGeom prst="rect">
-            <a:avLst/>
-          </a:prstGeom>
-          <a:noFill/>
-        </p:spPr>
-        <p:txBody>
-          <a:bodyPr wrap="none" rtlCol="0">
-            <a:spAutoFit/>
-          </a:bodyPr>
-          <a:lstStyle/>
-          <a:p>
-            <a:pPr algn="ctr"/>
-            <a:r>
-              <a:rPr lang="en-PH" sz="1424" b="1" dirty="0"/>
-              <a:t>7:15 am</a:t>
-            </a:r>
-          </a:p>
-        </p:txBody>
-      </p:sp>
-      <p:sp>
-        <p:nvSpPr>
-          <p:cNvPr id="111" name="TextBox 110">
-            <a:extLst>
-              <a:ext uri="{FF2B5EF4-FFF2-40B4-BE49-F238E27FC236}">
-                <a16:creationId xmlns:a16="http://schemas.microsoft.com/office/drawing/2014/main" id="{603BBE59-A774-4968-89CC-5167D868CFDC}"/>
-              </a:ext>
-            </a:extLst>
-          </p:cNvPr>
-          <p:cNvSpPr txBox="1"/>
-          <p:nvPr/>
-        </p:nvSpPr>
-        <p:spPr>
-          <a:xfrm>
-            <a:off x="-2536654" y="5465113"/>
-            <a:ext cx="835485" cy="311496"/>
-          </a:xfrm>
-          <a:prstGeom prst="rect">
-            <a:avLst/>
-          </a:prstGeom>
-          <a:noFill/>
-        </p:spPr>
-        <p:txBody>
-          <a:bodyPr wrap="none" rtlCol="0">
-            <a:spAutoFit/>
-          </a:bodyPr>
-          <a:lstStyle/>
-          <a:p>
-            <a:pPr algn="ctr"/>
-            <a:r>
-              <a:rPr lang="en-PH" sz="1424" b="1" dirty="0"/>
-              <a:t>7: 45 am</a:t>
-            </a:r>
-          </a:p>
-        </p:txBody>
-      </p:sp>
-      <p:sp>
-        <p:nvSpPr>
-          <p:cNvPr id="112" name="TextBox 111">
-            <a:extLst>
-              <a:ext uri="{FF2B5EF4-FFF2-40B4-BE49-F238E27FC236}">
-                <a16:creationId xmlns:a16="http://schemas.microsoft.com/office/drawing/2014/main" id="{A65E50C9-A426-4A35-8145-DE29E52B02B9}"/>
-              </a:ext>
-            </a:extLst>
-          </p:cNvPr>
-          <p:cNvSpPr txBox="1"/>
-          <p:nvPr/>
-        </p:nvSpPr>
-        <p:spPr>
-          <a:xfrm>
-            <a:off x="-2526444" y="6285180"/>
-            <a:ext cx="793807" cy="311496"/>
-          </a:xfrm>
-          <a:prstGeom prst="rect">
-            <a:avLst/>
-          </a:prstGeom>
-          <a:noFill/>
-        </p:spPr>
-        <p:txBody>
-          <a:bodyPr wrap="none" rtlCol="0">
-            <a:spAutoFit/>
-          </a:bodyPr>
-          <a:lstStyle/>
-          <a:p>
-            <a:pPr algn="ctr"/>
-            <a:r>
-              <a:rPr lang="en-PH" sz="1424" b="1" dirty="0"/>
-              <a:t>8:18 am</a:t>
-            </a:r>
-          </a:p>
-        </p:txBody>
-      </p:sp>
-      <p:cxnSp>
-        <p:nvCxnSpPr>
-          <p:cNvPr id="113" name="Straight Connector 112">
-            <a:extLst>
-              <a:ext uri="{FF2B5EF4-FFF2-40B4-BE49-F238E27FC236}">
-                <a16:creationId xmlns:a16="http://schemas.microsoft.com/office/drawing/2014/main" id="{C00530E8-9985-4A0E-9F34-DE44FC43838A}"/>
-              </a:ext>
-            </a:extLst>
-          </p:cNvPr>
-          <p:cNvCxnSpPr/>
-          <p:nvPr/>
-        </p:nvCxnSpPr>
-        <p:spPr>
-          <a:xfrm>
-            <a:off x="-5730694" y="8781829"/>
-            <a:ext cx="4872761" cy="0"/>
-          </a:xfrm>
-          <a:prstGeom prst="line">
-            <a:avLst/>
-          </a:prstGeom>
-          <a:ln w="57150">
-            <a:solidFill>
-              <a:schemeClr val="tx1"/>
-            </a:solidFill>
-          </a:ln>
-        </p:spPr>
-        <p:style>
-          <a:lnRef idx="1">
-            <a:schemeClr val="accent1"/>
-          </a:lnRef>
-          <a:fillRef idx="0">
-            <a:schemeClr val="accent1"/>
-          </a:fillRef>
-          <a:effectRef idx="0">
-            <a:schemeClr val="accent1"/>
-          </a:effectRef>
-          <a:fontRef idx="minor">
-            <a:schemeClr val="tx1"/>
-          </a:fontRef>
-        </p:style>
-      </p:cxnSp>
-      <p:sp>
-        <p:nvSpPr>
-          <p:cNvPr id="114" name="Rectangle: Rounded Corners 113">
-            <a:extLst>
-              <a:ext uri="{FF2B5EF4-FFF2-40B4-BE49-F238E27FC236}">
-                <a16:creationId xmlns:a16="http://schemas.microsoft.com/office/drawing/2014/main" id="{0094E8F6-9CF7-4028-B667-964F0C9B63D1}"/>
-              </a:ext>
-            </a:extLst>
-          </p:cNvPr>
-          <p:cNvSpPr/>
-          <p:nvPr/>
-        </p:nvSpPr>
-        <p:spPr>
-          <a:xfrm>
-            <a:off x="-4531770" y="9062787"/>
-            <a:ext cx="2324108" cy="604268"/>
-          </a:xfrm>
-          <a:prstGeom prst="roundRect">
-            <a:avLst>
-              <a:gd name="adj" fmla="val 50000"/>
-            </a:avLst>
-          </a:prstGeom>
-          <a:ln>
-            <a:solidFill>
-              <a:schemeClr val="tx1"/>
-            </a:solidFill>
-          </a:ln>
-        </p:spPr>
-        <p:style>
-          <a:lnRef idx="1">
-            <a:schemeClr val="accent4"/>
-          </a:lnRef>
-          <a:fillRef idx="2">
-            <a:schemeClr val="accent4"/>
-          </a:fillRef>
-          <a:effectRef idx="1">
-            <a:schemeClr val="accent4"/>
-          </a:effectRef>
-          <a:fontRef idx="minor">
-            <a:schemeClr val="dk1"/>
-          </a:fontRef>
-        </p:style>
-        <p:txBody>
-          <a:bodyPr rtlCol="0" anchor="ctr"/>
-          <a:lstStyle/>
-          <a:p>
-            <a:pPr algn="ctr"/>
-            <a:r>
-              <a:rPr lang="en-PH" sz="1424" dirty="0"/>
-              <a:t>Next</a:t>
-            </a:r>
-          </a:p>
-        </p:txBody>
-      </p:sp>
-      <p:pic>
-        <p:nvPicPr>
-          <p:cNvPr id="4098" name="Picture 2" descr="Image result for gcash logo png">
-            <a:extLst>
-              <a:ext uri="{FF2B5EF4-FFF2-40B4-BE49-F238E27FC236}">
-                <a16:creationId xmlns:a16="http://schemas.microsoft.com/office/drawing/2014/main" id="{F231593C-A524-42FB-8E16-5ACC8AD3D80F}"/>
-              </a:ext>
-            </a:extLst>
-          </p:cNvPr>
-          <p:cNvPicPr>
-            <a:picLocks noChangeAspect="1" noChangeArrowheads="1"/>
-          </p:cNvPicPr>
-          <p:nvPr/>
-        </p:nvPicPr>
-        <p:blipFill>
-          <a:blip r:embed="rId4">
-            <a:extLst>
-              <a:ext uri="{28A0092B-C50C-407E-A947-70E740481C1C}">
-                <a14:useLocalDpi xmlns:a14="http://schemas.microsoft.com/office/drawing/2010/main" val="0"/>
-              </a:ext>
-            </a:extLst>
-          </a:blip>
-          <a:srcRect/>
-          <a:stretch>
-            <a:fillRect/>
-          </a:stretch>
-        </p:blipFill>
-        <p:spPr bwMode="auto">
-          <a:xfrm>
-            <a:off x="1720499" y="3820997"/>
-            <a:ext cx="3413333" cy="1920004"/>
-          </a:xfrm>
-          <a:prstGeom prst="rect">
-            <a:avLst/>
-          </a:prstGeom>
-          <a:noFill/>
-          <a:ln>
-            <a:solidFill>
-              <a:schemeClr val="tx1"/>
-            </a:solidFill>
-          </a:ln>
-          <a:extLst>
-            <a:ext uri="{909E8E84-426E-40DD-AFC4-6F175D3DCCD1}">
-              <a14:hiddenFill xmlns:a14="http://schemas.microsoft.com/office/drawing/2010/main">
-                <a:solidFill>
-                  <a:srgbClr val="FFFFFF"/>
-                </a:solidFill>
-              </a14:hiddenFill>
-            </a:ext>
-          </a:extLst>
-        </p:spPr>
-      </p:pic>
-      <p:pic>
-        <p:nvPicPr>
-          <p:cNvPr id="4100" name="Picture 4" descr="Image result for paymaya">
-            <a:extLst>
-              <a:ext uri="{FF2B5EF4-FFF2-40B4-BE49-F238E27FC236}">
-                <a16:creationId xmlns:a16="http://schemas.microsoft.com/office/drawing/2014/main" id="{71464CEA-1E6D-4124-A5F4-42D7316B2242}"/>
-              </a:ext>
-            </a:extLst>
-          </p:cNvPr>
-          <p:cNvPicPr>
-            <a:picLocks noChangeAspect="1" noChangeArrowheads="1"/>
-          </p:cNvPicPr>
-          <p:nvPr/>
-        </p:nvPicPr>
-        <p:blipFill>
-          <a:blip r:embed="rId5">
-            <a:extLst>
-              <a:ext uri="{28A0092B-C50C-407E-A947-70E740481C1C}">
-                <a14:useLocalDpi xmlns:a14="http://schemas.microsoft.com/office/drawing/2010/main" val="0"/>
-              </a:ext>
-            </a:extLst>
-          </a:blip>
-          <a:srcRect/>
-          <a:stretch>
-            <a:fillRect/>
-          </a:stretch>
-        </p:blipFill>
-        <p:spPr bwMode="auto">
-          <a:xfrm>
-            <a:off x="1741305" y="6490314"/>
-            <a:ext cx="3392528" cy="1982644"/>
-          </a:xfrm>
-          <a:prstGeom prst="rect">
-            <a:avLst/>
-          </a:prstGeom>
-          <a:noFill/>
-          <a:ln>
-            <a:solidFill>
-              <a:schemeClr val="tx1"/>
-            </a:solidFill>
-          </a:ln>
-          <a:extLst>
-            <a:ext uri="{909E8E84-426E-40DD-AFC4-6F175D3DCCD1}">
-              <a14:hiddenFill xmlns:a14="http://schemas.microsoft.com/office/drawing/2010/main">
-                <a:solidFill>
-                  <a:srgbClr val="FFFFFF"/>
-                </a:solidFill>
-              </a14:hiddenFill>
-            </a:ext>
-          </a:extLst>
-        </p:spPr>
-      </p:pic>
-      <p:sp>
-        <p:nvSpPr>
-          <p:cNvPr id="117" name="TextBox 116">
-            <a:extLst>
-              <a:ext uri="{FF2B5EF4-FFF2-40B4-BE49-F238E27FC236}">
-                <a16:creationId xmlns:a16="http://schemas.microsoft.com/office/drawing/2014/main" id="{0B0F2999-A0D3-4724-9EC7-42A181521136}"/>
-              </a:ext>
-            </a:extLst>
-          </p:cNvPr>
-          <p:cNvSpPr txBox="1"/>
-          <p:nvPr/>
-        </p:nvSpPr>
-        <p:spPr>
-          <a:xfrm>
-            <a:off x="9164530" y="1394692"/>
-            <a:ext cx="3733893" cy="1185581"/>
-          </a:xfrm>
-          <a:prstGeom prst="rect">
-            <a:avLst/>
-          </a:prstGeom>
-          <a:noFill/>
-        </p:spPr>
-        <p:txBody>
-          <a:bodyPr wrap="square" rtlCol="0">
-            <a:spAutoFit/>
-          </a:bodyPr>
-          <a:lstStyle/>
-          <a:p>
-            <a:pPr algn="ctr"/>
-            <a:r>
-              <a:rPr lang="en-PH" sz="3552" b="1" spc="533" dirty="0"/>
-              <a:t>Transaction</a:t>
-            </a:r>
-          </a:p>
-          <a:p>
-            <a:pPr algn="ctr"/>
-            <a:r>
-              <a:rPr lang="en-PH" sz="3552" b="1" spc="533" dirty="0"/>
-              <a:t>Details</a:t>
-            </a:r>
-          </a:p>
-        </p:txBody>
-      </p:sp>
-      <p:sp>
-        <p:nvSpPr>
-          <p:cNvPr id="118" name="TextBox 117">
-            <a:extLst>
-              <a:ext uri="{FF2B5EF4-FFF2-40B4-BE49-F238E27FC236}">
-                <a16:creationId xmlns:a16="http://schemas.microsoft.com/office/drawing/2014/main" id="{56F7FFCC-0683-47BF-BF99-2D0D068E0EE2}"/>
-              </a:ext>
-            </a:extLst>
-          </p:cNvPr>
-          <p:cNvSpPr txBox="1"/>
-          <p:nvPr/>
-        </p:nvSpPr>
-        <p:spPr>
-          <a:xfrm>
-            <a:off x="8351344" y="3279945"/>
-            <a:ext cx="1107483" cy="311496"/>
-          </a:xfrm>
-          <a:prstGeom prst="rect">
-            <a:avLst/>
-          </a:prstGeom>
-          <a:noFill/>
-        </p:spPr>
-        <p:txBody>
-          <a:bodyPr wrap="none" rtlCol="0">
-            <a:spAutoFit/>
-          </a:bodyPr>
-          <a:lstStyle/>
-          <a:p>
-            <a:pPr algn="just"/>
-            <a:r>
-              <a:rPr lang="en-PH" sz="1424" b="1" dirty="0"/>
-              <a:t>Destination:</a:t>
-            </a:r>
-          </a:p>
-        </p:txBody>
-      </p:sp>
-      <p:sp>
-        <p:nvSpPr>
-          <p:cNvPr id="119" name="TextBox 118">
-            <a:extLst>
-              <a:ext uri="{FF2B5EF4-FFF2-40B4-BE49-F238E27FC236}">
-                <a16:creationId xmlns:a16="http://schemas.microsoft.com/office/drawing/2014/main" id="{A8857696-98DF-4110-82FA-FC1A570C0933}"/>
-              </a:ext>
-            </a:extLst>
-          </p:cNvPr>
-          <p:cNvSpPr txBox="1"/>
-          <p:nvPr/>
-        </p:nvSpPr>
-        <p:spPr>
-          <a:xfrm>
-            <a:off x="7800605" y="3817155"/>
-            <a:ext cx="4779257" cy="475836"/>
-          </a:xfrm>
-          <a:prstGeom prst="rect">
-            <a:avLst/>
-          </a:prstGeom>
-          <a:noFill/>
-        </p:spPr>
-        <p:txBody>
-          <a:bodyPr wrap="none" rtlCol="0">
-            <a:spAutoFit/>
-          </a:bodyPr>
-          <a:lstStyle/>
-          <a:p>
-            <a:pPr algn="just"/>
-            <a:r>
-              <a:rPr lang="en-PH" sz="2492" dirty="0"/>
-              <a:t>Generated station – Desired station</a:t>
-            </a:r>
-          </a:p>
-        </p:txBody>
-      </p:sp>
-      <p:sp>
-        <p:nvSpPr>
-          <p:cNvPr id="120" name="TextBox 119">
-            <a:extLst>
-              <a:ext uri="{FF2B5EF4-FFF2-40B4-BE49-F238E27FC236}">
-                <a16:creationId xmlns:a16="http://schemas.microsoft.com/office/drawing/2014/main" id="{612BBCDF-F9B4-4BF7-B01E-5CDE07E08238}"/>
-              </a:ext>
-            </a:extLst>
-          </p:cNvPr>
-          <p:cNvSpPr txBox="1"/>
-          <p:nvPr/>
-        </p:nvSpPr>
-        <p:spPr>
-          <a:xfrm>
-            <a:off x="8271883" y="4659559"/>
-            <a:ext cx="1124923" cy="311496"/>
-          </a:xfrm>
-          <a:prstGeom prst="rect">
-            <a:avLst/>
-          </a:prstGeom>
-          <a:noFill/>
-        </p:spPr>
-        <p:txBody>
-          <a:bodyPr wrap="none" rtlCol="0">
-            <a:spAutoFit/>
-          </a:bodyPr>
-          <a:lstStyle/>
-          <a:p>
-            <a:pPr algn="ctr"/>
-            <a:r>
-              <a:rPr lang="en-PH" sz="1424" b="1" dirty="0"/>
-              <a:t>Ticket Type: </a:t>
-            </a:r>
-          </a:p>
-        </p:txBody>
-      </p:sp>
-      <p:sp>
-        <p:nvSpPr>
-          <p:cNvPr id="121" name="TextBox 120">
-            <a:extLst>
-              <a:ext uri="{FF2B5EF4-FFF2-40B4-BE49-F238E27FC236}">
-                <a16:creationId xmlns:a16="http://schemas.microsoft.com/office/drawing/2014/main" id="{42EB1BDB-2827-4242-A70D-A0E541330103}"/>
-              </a:ext>
-            </a:extLst>
-          </p:cNvPr>
-          <p:cNvSpPr txBox="1"/>
-          <p:nvPr/>
-        </p:nvSpPr>
-        <p:spPr>
-          <a:xfrm>
-            <a:off x="9905026" y="4687876"/>
-            <a:ext cx="2600392" cy="530594"/>
-          </a:xfrm>
-          <a:prstGeom prst="rect">
-            <a:avLst/>
-          </a:prstGeom>
-          <a:noFill/>
-        </p:spPr>
-        <p:txBody>
-          <a:bodyPr wrap="none" rtlCol="0">
-            <a:spAutoFit/>
-          </a:bodyPr>
-          <a:lstStyle/>
-          <a:p>
-            <a:pPr algn="ctr"/>
-            <a:r>
-              <a:rPr lang="en-PH" sz="2848" dirty="0"/>
-              <a:t>VIP – Php. 20.00</a:t>
-            </a:r>
-          </a:p>
-        </p:txBody>
-      </p:sp>
-      <p:sp>
-        <p:nvSpPr>
-          <p:cNvPr id="122" name="TextBox 121">
-            <a:extLst>
-              <a:ext uri="{FF2B5EF4-FFF2-40B4-BE49-F238E27FC236}">
-                <a16:creationId xmlns:a16="http://schemas.microsoft.com/office/drawing/2014/main" id="{B248BB65-D85D-43BF-B0E7-D7801AC139D6}"/>
-              </a:ext>
-            </a:extLst>
-          </p:cNvPr>
-          <p:cNvSpPr txBox="1"/>
-          <p:nvPr/>
-        </p:nvSpPr>
-        <p:spPr>
-          <a:xfrm>
-            <a:off x="8685479" y="5554862"/>
-            <a:ext cx="2722092" cy="530594"/>
-          </a:xfrm>
-          <a:prstGeom prst="rect">
-            <a:avLst/>
-          </a:prstGeom>
-          <a:noFill/>
-        </p:spPr>
-        <p:txBody>
-          <a:bodyPr wrap="none" rtlCol="0">
-            <a:spAutoFit/>
-          </a:bodyPr>
-          <a:lstStyle/>
-          <a:p>
-            <a:pPr algn="ctr"/>
-            <a:r>
-              <a:rPr lang="en-PH" sz="1424" b="1" dirty="0"/>
-              <a:t>Method of Payment: </a:t>
-            </a:r>
-            <a:r>
-              <a:rPr lang="en-PH" sz="2848" dirty="0" err="1"/>
-              <a:t>GCash</a:t>
-            </a:r>
-            <a:endParaRPr lang="en-PH" sz="1424" dirty="0"/>
-          </a:p>
-        </p:txBody>
-      </p:sp>
-      <p:sp>
-        <p:nvSpPr>
-          <p:cNvPr id="123" name="TextBox 122">
-            <a:extLst>
-              <a:ext uri="{FF2B5EF4-FFF2-40B4-BE49-F238E27FC236}">
-                <a16:creationId xmlns:a16="http://schemas.microsoft.com/office/drawing/2014/main" id="{7E2D284D-136B-4EC7-8CC0-29B3196E38E1}"/>
-              </a:ext>
-            </a:extLst>
-          </p:cNvPr>
-          <p:cNvSpPr txBox="1"/>
-          <p:nvPr/>
-        </p:nvSpPr>
-        <p:spPr>
-          <a:xfrm>
-            <a:off x="8065125" y="6450156"/>
-            <a:ext cx="3345211" cy="968855"/>
-          </a:xfrm>
-          <a:prstGeom prst="rect">
-            <a:avLst/>
-          </a:prstGeom>
-          <a:noFill/>
-        </p:spPr>
-        <p:txBody>
-          <a:bodyPr wrap="none" rtlCol="0">
-            <a:spAutoFit/>
-          </a:bodyPr>
-          <a:lstStyle/>
-          <a:p>
-            <a:pPr algn="just"/>
-            <a:r>
-              <a:rPr lang="en-PH" sz="1424" b="1" dirty="0"/>
-              <a:t>Train: </a:t>
-            </a:r>
-            <a:r>
-              <a:rPr lang="en-PH" sz="2848" dirty="0"/>
-              <a:t>101 | 6:00 am OR </a:t>
-            </a:r>
-          </a:p>
-          <a:p>
-            <a:pPr algn="just"/>
-            <a:r>
-              <a:rPr lang="en-PH" sz="2848" dirty="0"/>
-              <a:t>110 | 7:45 am</a:t>
-            </a:r>
-            <a:endParaRPr lang="en-PH" sz="1424" dirty="0"/>
-          </a:p>
-        </p:txBody>
-      </p:sp>
     </p:spTree>
     <p:extLst>
       <p:ext uri="{BB962C8B-B14F-4D97-AF65-F5344CB8AC3E}">
-        <p14:creationId xmlns:p14="http://schemas.microsoft.com/office/powerpoint/2010/main" val="1107075992"/>
+        <p14:creationId xmlns:p14="http://schemas.microsoft.com/office/powerpoint/2010/main" val="3187561482"/>
       </p:ext>
     </p:extLst>
   </p:cSld>
   <p:clrMapOvr>
     <a:masterClrMapping/>
   </p:clrMapOvr>
-  <mc:AlternateContent xmlns:mc="http://schemas.openxmlformats.org/markup-compatibility/2006">
-    <mc:Choice xmlns:p14="http://schemas.microsoft.com/office/powerpoint/2010/main" Requires="p14">
+  <mc:AlternateContent xmlns:mc="http://schemas.openxmlformats.org/markup-compatibility/2006" xmlns:p14="http://schemas.microsoft.com/office/powerpoint/2010/main">
+    <mc:Choice Requires="p14">
       <p:transition spd="slow" p14:dur="2000" advClick="0"/>
     </mc:Choice>
-    <mc:Fallback>
+    <mc:Fallback xmlns="">
       <p:transition spd="slow" advClick="0"/>
     </mc:Fallback>
   </mc:AlternateContent>
@@ -7778,10 +7475,10 @@
       </p:grpSpPr>
       <p:sp>
         <p:nvSpPr>
-          <p:cNvPr id="22" name="Freeform: Shape 21">
+          <p:cNvPr id="46" name="Freeform: Shape 45">
             <a:extLst>
               <a:ext uri="{FF2B5EF4-FFF2-40B4-BE49-F238E27FC236}">
-                <a16:creationId xmlns:a16="http://schemas.microsoft.com/office/drawing/2014/main" id="{586B8D6C-0D5E-432D-8D71-1611AB0B01F9}"/>
+                <a16:creationId xmlns:a16="http://schemas.microsoft.com/office/drawing/2014/main" id="{09EDBE41-544F-4938-8EF5-2DBA3C6AC79E}"/>
               </a:ext>
             </a:extLst>
           </p:cNvPr>
@@ -7790,7 +7487,7 @@
         </p:nvSpPr>
         <p:spPr>
           <a:xfrm>
-            <a:off x="-6437142" y="346931"/>
+            <a:off x="286171" y="346929"/>
             <a:ext cx="6285657" cy="11498142"/>
           </a:xfrm>
           <a:custGeom>
@@ -7992,16 +7689,20 @@
           <a:lstStyle/>
           <a:p>
             <a:pPr algn="ctr"/>
-            <a:endParaRPr lang="en-PH" sz="1424" dirty="0"/>
-          </a:p>
-        </p:txBody>
-      </p:sp>
-      <p:sp>
-        <p:nvSpPr>
-          <p:cNvPr id="25" name="Isosceles Triangle 24">
+            <a:endParaRPr lang="en-PH" sz="1424" dirty="0">
+              <a:latin typeface="Tahoma" panose="020B0604030504040204" pitchFamily="34" charset="0"/>
+              <a:ea typeface="Tahoma" panose="020B0604030504040204" pitchFamily="34" charset="0"/>
+              <a:cs typeface="Tahoma" panose="020B0604030504040204" pitchFamily="34" charset="0"/>
+            </a:endParaRPr>
+          </a:p>
+        </p:txBody>
+      </p:sp>
+      <p:sp>
+        <p:nvSpPr>
+          <p:cNvPr id="47" name="Isosceles Triangle 46">
             <a:extLst>
               <a:ext uri="{FF2B5EF4-FFF2-40B4-BE49-F238E27FC236}">
-                <a16:creationId xmlns:a16="http://schemas.microsoft.com/office/drawing/2014/main" id="{757B1D36-AD78-4A63-8BEA-CA805D204576}"/>
+                <a16:creationId xmlns:a16="http://schemas.microsoft.com/office/drawing/2014/main" id="{293E35E9-022A-40BC-ADA9-500C1B3C8A18}"/>
               </a:ext>
             </a:extLst>
           </p:cNvPr>
@@ -8010,7 +7711,7 @@
         </p:nvSpPr>
         <p:spPr>
           <a:xfrm rot="16200000">
-            <a:off x="-4611706" y="10263128"/>
+            <a:off x="2111610" y="10263126"/>
             <a:ext cx="393593" cy="304329"/>
           </a:xfrm>
           <a:prstGeom prst="triangle">
@@ -8036,16 +7737,20 @@
           <a:lstStyle/>
           <a:p>
             <a:pPr algn="ctr"/>
-            <a:endParaRPr lang="en-PH" sz="1424"/>
-          </a:p>
-        </p:txBody>
-      </p:sp>
-      <p:sp>
-        <p:nvSpPr>
-          <p:cNvPr id="26" name="Rectangle 25">
+            <a:endParaRPr lang="en-PH" sz="1424">
+              <a:latin typeface="Tahoma" panose="020B0604030504040204" pitchFamily="34" charset="0"/>
+              <a:ea typeface="Tahoma" panose="020B0604030504040204" pitchFamily="34" charset="0"/>
+              <a:cs typeface="Tahoma" panose="020B0604030504040204" pitchFamily="34" charset="0"/>
+            </a:endParaRPr>
+          </a:p>
+        </p:txBody>
+      </p:sp>
+      <p:sp>
+        <p:nvSpPr>
+          <p:cNvPr id="48" name="Rectangle 47">
             <a:extLst>
               <a:ext uri="{FF2B5EF4-FFF2-40B4-BE49-F238E27FC236}">
-                <a16:creationId xmlns:a16="http://schemas.microsoft.com/office/drawing/2014/main" id="{A584CA95-3DFE-4B54-9406-1A183F868DA4}"/>
+                <a16:creationId xmlns:a16="http://schemas.microsoft.com/office/drawing/2014/main" id="{8A9EC5CB-853F-41DB-9FEF-EEE586ADDEAB}"/>
               </a:ext>
             </a:extLst>
           </p:cNvPr>
@@ -8054,7 +7759,7 @@
         </p:nvSpPr>
         <p:spPr>
           <a:xfrm>
-            <a:off x="-2476685" y="10218487"/>
+            <a:off x="4246630" y="10218485"/>
             <a:ext cx="393593" cy="393593"/>
           </a:xfrm>
           <a:prstGeom prst="rect">
@@ -8080,16 +7785,20 @@
           <a:lstStyle/>
           <a:p>
             <a:pPr algn="ctr"/>
-            <a:endParaRPr lang="en-PH" sz="1424"/>
-          </a:p>
-        </p:txBody>
-      </p:sp>
-      <p:sp>
-        <p:nvSpPr>
-          <p:cNvPr id="27" name="Oval 26">
+            <a:endParaRPr lang="en-PH" sz="1424">
+              <a:latin typeface="Tahoma" panose="020B0604030504040204" pitchFamily="34" charset="0"/>
+              <a:ea typeface="Tahoma" panose="020B0604030504040204" pitchFamily="34" charset="0"/>
+              <a:cs typeface="Tahoma" panose="020B0604030504040204" pitchFamily="34" charset="0"/>
+            </a:endParaRPr>
+          </a:p>
+        </p:txBody>
+      </p:sp>
+      <p:sp>
+        <p:nvSpPr>
+          <p:cNvPr id="49" name="Oval 48">
             <a:extLst>
               <a:ext uri="{FF2B5EF4-FFF2-40B4-BE49-F238E27FC236}">
-                <a16:creationId xmlns:a16="http://schemas.microsoft.com/office/drawing/2014/main" id="{484B5D10-648C-44C4-8F36-3758927BEF48}"/>
+                <a16:creationId xmlns:a16="http://schemas.microsoft.com/office/drawing/2014/main" id="{7816EE8D-E04A-4812-9EBF-76FD1D7F6D3D}"/>
               </a:ext>
             </a:extLst>
           </p:cNvPr>
@@ -8098,7 +7807,7 @@
         </p:nvSpPr>
         <p:spPr>
           <a:xfrm>
-            <a:off x="-3566515" y="10237844"/>
+            <a:off x="3156801" y="10237842"/>
             <a:ext cx="393593" cy="393593"/>
           </a:xfrm>
           <a:prstGeom prst="ellipse">
@@ -8124,16 +7833,563 @@
           <a:lstStyle/>
           <a:p>
             <a:pPr algn="ctr"/>
-            <a:endParaRPr lang="en-PH" sz="1424"/>
-          </a:p>
-        </p:txBody>
-      </p:sp>
+            <a:endParaRPr lang="en-PH" sz="1424">
+              <a:latin typeface="Tahoma" panose="020B0604030504040204" pitchFamily="34" charset="0"/>
+              <a:ea typeface="Tahoma" panose="020B0604030504040204" pitchFamily="34" charset="0"/>
+              <a:cs typeface="Tahoma" panose="020B0604030504040204" pitchFamily="34" charset="0"/>
+            </a:endParaRPr>
+          </a:p>
+        </p:txBody>
+      </p:sp>
+      <p:cxnSp>
+        <p:nvCxnSpPr>
+          <p:cNvPr id="51" name="Straight Connector 50">
+            <a:extLst>
+              <a:ext uri="{FF2B5EF4-FFF2-40B4-BE49-F238E27FC236}">
+                <a16:creationId xmlns:a16="http://schemas.microsoft.com/office/drawing/2014/main" id="{C35713E1-5B0C-4ECA-BB9B-093D4EE8A652}"/>
+              </a:ext>
+            </a:extLst>
+          </p:cNvPr>
+          <p:cNvCxnSpPr/>
+          <p:nvPr/>
+        </p:nvCxnSpPr>
+        <p:spPr>
+          <a:xfrm>
+            <a:off x="992628" y="3071676"/>
+            <a:ext cx="4872761" cy="0"/>
+          </a:xfrm>
+          <a:prstGeom prst="line">
+            <a:avLst/>
+          </a:prstGeom>
+          <a:ln w="57150">
+            <a:solidFill>
+              <a:schemeClr val="tx1"/>
+            </a:solidFill>
+          </a:ln>
+        </p:spPr>
+        <p:style>
+          <a:lnRef idx="1">
+            <a:schemeClr val="accent1"/>
+          </a:lnRef>
+          <a:fillRef idx="0">
+            <a:schemeClr val="accent1"/>
+          </a:fillRef>
+          <a:effectRef idx="0">
+            <a:schemeClr val="accent1"/>
+          </a:effectRef>
+          <a:fontRef idx="minor">
+            <a:schemeClr val="tx1"/>
+          </a:fontRef>
+        </p:style>
+      </p:cxnSp>
+      <p:sp>
+        <p:nvSpPr>
+          <p:cNvPr id="52" name="TextBox 51">
+            <a:extLst>
+              <a:ext uri="{FF2B5EF4-FFF2-40B4-BE49-F238E27FC236}">
+                <a16:creationId xmlns:a16="http://schemas.microsoft.com/office/drawing/2014/main" id="{F144CDB2-C133-4193-8752-00A44D41D6A3}"/>
+              </a:ext>
+            </a:extLst>
+          </p:cNvPr>
+          <p:cNvSpPr txBox="1"/>
+          <p:nvPr/>
+        </p:nvSpPr>
+        <p:spPr>
+          <a:xfrm>
+            <a:off x="2288540" y="1633262"/>
+            <a:ext cx="3733893" cy="707886"/>
+          </a:xfrm>
+          <a:prstGeom prst="rect">
+            <a:avLst/>
+          </a:prstGeom>
+          <a:noFill/>
+        </p:spPr>
+        <p:txBody>
+          <a:bodyPr wrap="square" rtlCol="0">
+            <a:spAutoFit/>
+          </a:bodyPr>
+          <a:lstStyle/>
+          <a:p>
+            <a:pPr algn="ctr"/>
+            <a:r>
+              <a:rPr lang="en-PH" sz="4000" b="1" spc="533" dirty="0">
+                <a:latin typeface="Tahoma" panose="020B0604030504040204" pitchFamily="34" charset="0"/>
+                <a:ea typeface="Tahoma" panose="020B0604030504040204" pitchFamily="34" charset="0"/>
+                <a:cs typeface="Tahoma" panose="020B0604030504040204" pitchFamily="34" charset="0"/>
+              </a:rPr>
+              <a:t>History</a:t>
+            </a:r>
+          </a:p>
+        </p:txBody>
+      </p:sp>
+      <p:sp>
+        <p:nvSpPr>
+          <p:cNvPr id="63" name="TextBox 62">
+            <a:extLst>
+              <a:ext uri="{FF2B5EF4-FFF2-40B4-BE49-F238E27FC236}">
+                <a16:creationId xmlns:a16="http://schemas.microsoft.com/office/drawing/2014/main" id="{00BD8670-2AA8-4BE7-A7A3-F34BDA0FB1CA}"/>
+              </a:ext>
+            </a:extLst>
+          </p:cNvPr>
+          <p:cNvSpPr txBox="1"/>
+          <p:nvPr/>
+        </p:nvSpPr>
+        <p:spPr>
+          <a:xfrm>
+            <a:off x="1303799" y="3189424"/>
+            <a:ext cx="880369" cy="446276"/>
+          </a:xfrm>
+          <a:prstGeom prst="rect">
+            <a:avLst/>
+          </a:prstGeom>
+          <a:noFill/>
+        </p:spPr>
+        <p:txBody>
+          <a:bodyPr wrap="none" rtlCol="0">
+            <a:spAutoFit/>
+          </a:bodyPr>
+          <a:lstStyle/>
+          <a:p>
+            <a:pPr algn="just"/>
+            <a:r>
+              <a:rPr lang="en-PH" sz="2300" b="1" dirty="0">
+                <a:latin typeface="Tahoma" panose="020B0604030504040204" pitchFamily="34" charset="0"/>
+                <a:ea typeface="Tahoma" panose="020B0604030504040204" pitchFamily="34" charset="0"/>
+                <a:cs typeface="Tahoma" panose="020B0604030504040204" pitchFamily="34" charset="0"/>
+              </a:rPr>
+              <a:t>Date</a:t>
+            </a:r>
+          </a:p>
+        </p:txBody>
+      </p:sp>
+      <p:cxnSp>
+        <p:nvCxnSpPr>
+          <p:cNvPr id="64" name="Straight Connector 63">
+            <a:extLst>
+              <a:ext uri="{FF2B5EF4-FFF2-40B4-BE49-F238E27FC236}">
+                <a16:creationId xmlns:a16="http://schemas.microsoft.com/office/drawing/2014/main" id="{6604E007-3CEE-4319-B4B3-F19FE3BA97BE}"/>
+              </a:ext>
+            </a:extLst>
+          </p:cNvPr>
+          <p:cNvCxnSpPr>
+            <a:cxnSpLocks/>
+          </p:cNvCxnSpPr>
+          <p:nvPr/>
+        </p:nvCxnSpPr>
+        <p:spPr>
+          <a:xfrm flipV="1">
+            <a:off x="2487640" y="3214224"/>
+            <a:ext cx="0" cy="5352850"/>
+          </a:xfrm>
+          <a:prstGeom prst="line">
+            <a:avLst/>
+          </a:prstGeom>
+          <a:ln w="57150">
+            <a:solidFill>
+              <a:schemeClr val="tx1"/>
+            </a:solidFill>
+          </a:ln>
+        </p:spPr>
+        <p:style>
+          <a:lnRef idx="1">
+            <a:schemeClr val="accent1"/>
+          </a:lnRef>
+          <a:fillRef idx="0">
+            <a:schemeClr val="accent1"/>
+          </a:fillRef>
+          <a:effectRef idx="0">
+            <a:schemeClr val="accent1"/>
+          </a:effectRef>
+          <a:fontRef idx="minor">
+            <a:schemeClr val="tx1"/>
+          </a:fontRef>
+        </p:style>
+      </p:cxnSp>
+      <p:sp>
+        <p:nvSpPr>
+          <p:cNvPr id="65" name="TextBox 64">
+            <a:extLst>
+              <a:ext uri="{FF2B5EF4-FFF2-40B4-BE49-F238E27FC236}">
+                <a16:creationId xmlns:a16="http://schemas.microsoft.com/office/drawing/2014/main" id="{4E6DFB58-3776-4C69-BF73-26CC8C1467B5}"/>
+              </a:ext>
+            </a:extLst>
+          </p:cNvPr>
+          <p:cNvSpPr txBox="1"/>
+          <p:nvPr/>
+        </p:nvSpPr>
+        <p:spPr>
+          <a:xfrm>
+            <a:off x="1063826" y="3864908"/>
+            <a:ext cx="1217000" cy="400110"/>
+          </a:xfrm>
+          <a:prstGeom prst="rect">
+            <a:avLst/>
+          </a:prstGeom>
+          <a:noFill/>
+        </p:spPr>
+        <p:txBody>
+          <a:bodyPr wrap="none" rtlCol="0">
+            <a:spAutoFit/>
+          </a:bodyPr>
+          <a:lstStyle/>
+          <a:p>
+            <a:pPr algn="just"/>
+            <a:r>
+              <a:rPr lang="en-PH" sz="2000" dirty="0">
+                <a:latin typeface="Tahoma" panose="020B0604030504040204" pitchFamily="34" charset="0"/>
+                <a:ea typeface="Tahoma" panose="020B0604030504040204" pitchFamily="34" charset="0"/>
+                <a:cs typeface="Tahoma" panose="020B0604030504040204" pitchFamily="34" charset="0"/>
+              </a:rPr>
+              <a:t>09/01/19</a:t>
+            </a:r>
+          </a:p>
+        </p:txBody>
+      </p:sp>
+      <p:sp>
+        <p:nvSpPr>
+          <p:cNvPr id="66" name="TextBox 65">
+            <a:extLst>
+              <a:ext uri="{FF2B5EF4-FFF2-40B4-BE49-F238E27FC236}">
+                <a16:creationId xmlns:a16="http://schemas.microsoft.com/office/drawing/2014/main" id="{A2F864F5-5F2D-4E3A-BD2E-B6E7E285408E}"/>
+              </a:ext>
+            </a:extLst>
+          </p:cNvPr>
+          <p:cNvSpPr txBox="1"/>
+          <p:nvPr/>
+        </p:nvSpPr>
+        <p:spPr>
+          <a:xfrm>
+            <a:off x="1063826" y="4534812"/>
+            <a:ext cx="1217000" cy="400110"/>
+          </a:xfrm>
+          <a:prstGeom prst="rect">
+            <a:avLst/>
+          </a:prstGeom>
+          <a:noFill/>
+        </p:spPr>
+        <p:txBody>
+          <a:bodyPr wrap="none" rtlCol="0">
+            <a:spAutoFit/>
+          </a:bodyPr>
+          <a:lstStyle/>
+          <a:p>
+            <a:pPr algn="just"/>
+            <a:r>
+              <a:rPr lang="en-PH" sz="2000" dirty="0">
+                <a:latin typeface="Tahoma" panose="020B0604030504040204" pitchFamily="34" charset="0"/>
+                <a:ea typeface="Tahoma" panose="020B0604030504040204" pitchFamily="34" charset="0"/>
+                <a:cs typeface="Tahoma" panose="020B0604030504040204" pitchFamily="34" charset="0"/>
+              </a:rPr>
+              <a:t>09/05/19</a:t>
+            </a:r>
+          </a:p>
+        </p:txBody>
+      </p:sp>
+      <p:sp>
+        <p:nvSpPr>
+          <p:cNvPr id="70" name="TextBox 69">
+            <a:extLst>
+              <a:ext uri="{FF2B5EF4-FFF2-40B4-BE49-F238E27FC236}">
+                <a16:creationId xmlns:a16="http://schemas.microsoft.com/office/drawing/2014/main" id="{73AA6C78-2421-4CB0-B222-CA201C8A43F7}"/>
+              </a:ext>
+            </a:extLst>
+          </p:cNvPr>
+          <p:cNvSpPr txBox="1"/>
+          <p:nvPr/>
+        </p:nvSpPr>
+        <p:spPr>
+          <a:xfrm>
+            <a:off x="1001991" y="5205459"/>
+            <a:ext cx="1217000" cy="400110"/>
+          </a:xfrm>
+          <a:prstGeom prst="rect">
+            <a:avLst/>
+          </a:prstGeom>
+          <a:noFill/>
+        </p:spPr>
+        <p:txBody>
+          <a:bodyPr wrap="none" rtlCol="0">
+            <a:spAutoFit/>
+          </a:bodyPr>
+          <a:lstStyle/>
+          <a:p>
+            <a:pPr algn="just"/>
+            <a:r>
+              <a:rPr lang="en-PH" sz="2000" dirty="0">
+                <a:latin typeface="Tahoma" panose="020B0604030504040204" pitchFamily="34" charset="0"/>
+                <a:ea typeface="Tahoma" panose="020B0604030504040204" pitchFamily="34" charset="0"/>
+                <a:cs typeface="Tahoma" panose="020B0604030504040204" pitchFamily="34" charset="0"/>
+              </a:rPr>
+              <a:t>09/10/19</a:t>
+            </a:r>
+          </a:p>
+        </p:txBody>
+      </p:sp>
+      <p:sp>
+        <p:nvSpPr>
+          <p:cNvPr id="71" name="TextBox 70">
+            <a:extLst>
+              <a:ext uri="{FF2B5EF4-FFF2-40B4-BE49-F238E27FC236}">
+                <a16:creationId xmlns:a16="http://schemas.microsoft.com/office/drawing/2014/main" id="{F35BA5C7-FCCD-4013-9068-75393CC065A6}"/>
+              </a:ext>
+            </a:extLst>
+          </p:cNvPr>
+          <p:cNvSpPr txBox="1"/>
+          <p:nvPr/>
+        </p:nvSpPr>
+        <p:spPr>
+          <a:xfrm>
+            <a:off x="3256951" y="3208318"/>
+            <a:ext cx="1895071" cy="446276"/>
+          </a:xfrm>
+          <a:prstGeom prst="rect">
+            <a:avLst/>
+          </a:prstGeom>
+          <a:noFill/>
+        </p:spPr>
+        <p:txBody>
+          <a:bodyPr wrap="none" rtlCol="0">
+            <a:spAutoFit/>
+          </a:bodyPr>
+          <a:lstStyle/>
+          <a:p>
+            <a:pPr algn="just"/>
+            <a:r>
+              <a:rPr lang="en-PH" sz="2300" b="1" dirty="0">
+                <a:latin typeface="Tahoma" panose="020B0604030504040204" pitchFamily="34" charset="0"/>
+                <a:ea typeface="Tahoma" panose="020B0604030504040204" pitchFamily="34" charset="0"/>
+                <a:cs typeface="Tahoma" panose="020B0604030504040204" pitchFamily="34" charset="0"/>
+              </a:rPr>
+              <a:t>Destination</a:t>
+            </a:r>
+          </a:p>
+        </p:txBody>
+      </p:sp>
+      <p:sp>
+        <p:nvSpPr>
+          <p:cNvPr id="72" name="TextBox 71">
+            <a:extLst>
+              <a:ext uri="{FF2B5EF4-FFF2-40B4-BE49-F238E27FC236}">
+                <a16:creationId xmlns:a16="http://schemas.microsoft.com/office/drawing/2014/main" id="{E6C89206-DF97-48B8-B865-14F820EA52DD}"/>
+              </a:ext>
+            </a:extLst>
+          </p:cNvPr>
+          <p:cNvSpPr txBox="1"/>
+          <p:nvPr/>
+        </p:nvSpPr>
+        <p:spPr>
+          <a:xfrm>
+            <a:off x="2907797" y="3846016"/>
+            <a:ext cx="2507418" cy="400110"/>
+          </a:xfrm>
+          <a:prstGeom prst="rect">
+            <a:avLst/>
+          </a:prstGeom>
+          <a:noFill/>
+        </p:spPr>
+        <p:txBody>
+          <a:bodyPr wrap="none" rtlCol="0">
+            <a:spAutoFit/>
+          </a:bodyPr>
+          <a:lstStyle/>
+          <a:p>
+            <a:pPr algn="just"/>
+            <a:r>
+              <a:rPr lang="en-PH" sz="2000" dirty="0">
+                <a:latin typeface="Tahoma" panose="020B0604030504040204" pitchFamily="34" charset="0"/>
+                <a:ea typeface="Tahoma" panose="020B0604030504040204" pitchFamily="34" charset="0"/>
+                <a:cs typeface="Tahoma" panose="020B0604030504040204" pitchFamily="34" charset="0"/>
+              </a:rPr>
+              <a:t>Station 1 – Station 5</a:t>
+            </a:r>
+          </a:p>
+        </p:txBody>
+      </p:sp>
+      <p:sp>
+        <p:nvSpPr>
+          <p:cNvPr id="73" name="TextBox 72">
+            <a:extLst>
+              <a:ext uri="{FF2B5EF4-FFF2-40B4-BE49-F238E27FC236}">
+                <a16:creationId xmlns:a16="http://schemas.microsoft.com/office/drawing/2014/main" id="{B9A5BDA9-083E-4AB5-A236-EB91AE0CA5AC}"/>
+              </a:ext>
+            </a:extLst>
+          </p:cNvPr>
+          <p:cNvSpPr txBox="1"/>
+          <p:nvPr/>
+        </p:nvSpPr>
+        <p:spPr>
+          <a:xfrm>
+            <a:off x="2907797" y="4534805"/>
+            <a:ext cx="2507418" cy="400110"/>
+          </a:xfrm>
+          <a:prstGeom prst="rect">
+            <a:avLst/>
+          </a:prstGeom>
+          <a:noFill/>
+        </p:spPr>
+        <p:txBody>
+          <a:bodyPr wrap="none" rtlCol="0">
+            <a:spAutoFit/>
+          </a:bodyPr>
+          <a:lstStyle/>
+          <a:p>
+            <a:pPr algn="just"/>
+            <a:r>
+              <a:rPr lang="en-PH" sz="2000" dirty="0">
+                <a:latin typeface="Tahoma" panose="020B0604030504040204" pitchFamily="34" charset="0"/>
+                <a:ea typeface="Tahoma" panose="020B0604030504040204" pitchFamily="34" charset="0"/>
+                <a:cs typeface="Tahoma" panose="020B0604030504040204" pitchFamily="34" charset="0"/>
+              </a:rPr>
+              <a:t>Station 5 – Station 3</a:t>
+            </a:r>
+          </a:p>
+        </p:txBody>
+      </p:sp>
+      <p:sp>
+        <p:nvSpPr>
+          <p:cNvPr id="74" name="TextBox 73">
+            <a:extLst>
+              <a:ext uri="{FF2B5EF4-FFF2-40B4-BE49-F238E27FC236}">
+                <a16:creationId xmlns:a16="http://schemas.microsoft.com/office/drawing/2014/main" id="{A830EB04-7B32-441D-9CAD-4B5DF7CCDD48}"/>
+              </a:ext>
+            </a:extLst>
+          </p:cNvPr>
+          <p:cNvSpPr txBox="1"/>
+          <p:nvPr/>
+        </p:nvSpPr>
+        <p:spPr>
+          <a:xfrm>
+            <a:off x="2838068" y="5205459"/>
+            <a:ext cx="2646878" cy="400110"/>
+          </a:xfrm>
+          <a:prstGeom prst="rect">
+            <a:avLst/>
+          </a:prstGeom>
+          <a:noFill/>
+        </p:spPr>
+        <p:txBody>
+          <a:bodyPr wrap="none" rtlCol="0">
+            <a:spAutoFit/>
+          </a:bodyPr>
+          <a:lstStyle/>
+          <a:p>
+            <a:pPr algn="just"/>
+            <a:r>
+              <a:rPr lang="en-PH" sz="2000" dirty="0">
+                <a:latin typeface="Tahoma" panose="020B0604030504040204" pitchFamily="34" charset="0"/>
+                <a:ea typeface="Tahoma" panose="020B0604030504040204" pitchFamily="34" charset="0"/>
+                <a:cs typeface="Tahoma" panose="020B0604030504040204" pitchFamily="34" charset="0"/>
+              </a:rPr>
+              <a:t>Station 5 – Station 10</a:t>
+            </a:r>
+          </a:p>
+        </p:txBody>
+      </p:sp>
+      <p:sp>
+        <p:nvSpPr>
+          <p:cNvPr id="75" name="Rectangle: Rounded Corners 74">
+            <a:extLst>
+              <a:ext uri="{FF2B5EF4-FFF2-40B4-BE49-F238E27FC236}">
+                <a16:creationId xmlns:a16="http://schemas.microsoft.com/office/drawing/2014/main" id="{458107C5-D5E8-416F-8CF6-816083377888}"/>
+              </a:ext>
+            </a:extLst>
+          </p:cNvPr>
+          <p:cNvSpPr/>
+          <p:nvPr/>
+        </p:nvSpPr>
+        <p:spPr>
+          <a:xfrm>
+            <a:off x="2266945" y="8968649"/>
+            <a:ext cx="2324108" cy="604268"/>
+          </a:xfrm>
+          <a:prstGeom prst="roundRect">
+            <a:avLst>
+              <a:gd name="adj" fmla="val 50000"/>
+            </a:avLst>
+          </a:prstGeom>
+          <a:ln>
+            <a:solidFill>
+              <a:schemeClr val="tx1"/>
+            </a:solidFill>
+          </a:ln>
+        </p:spPr>
+        <p:style>
+          <a:lnRef idx="1">
+            <a:schemeClr val="accent4"/>
+          </a:lnRef>
+          <a:fillRef idx="2">
+            <a:schemeClr val="accent4"/>
+          </a:fillRef>
+          <a:effectRef idx="1">
+            <a:schemeClr val="accent4"/>
+          </a:effectRef>
+          <a:fontRef idx="minor">
+            <a:schemeClr val="dk1"/>
+          </a:fontRef>
+        </p:style>
+        <p:txBody>
+          <a:bodyPr rtlCol="0" anchor="ctr"/>
+          <a:lstStyle/>
+          <a:p>
+            <a:pPr algn="ctr"/>
+            <a:r>
+              <a:rPr lang="en-PH" sz="2500" dirty="0">
+                <a:latin typeface="Tahoma" panose="020B0604030504040204" pitchFamily="34" charset="0"/>
+                <a:ea typeface="Tahoma" panose="020B0604030504040204" pitchFamily="34" charset="0"/>
+                <a:cs typeface="Tahoma" panose="020B0604030504040204" pitchFamily="34" charset="0"/>
+              </a:rPr>
+              <a:t>OK</a:t>
+            </a:r>
+          </a:p>
+        </p:txBody>
+      </p:sp>
+      <p:cxnSp>
+        <p:nvCxnSpPr>
+          <p:cNvPr id="76" name="Straight Connector 75">
+            <a:extLst>
+              <a:ext uri="{FF2B5EF4-FFF2-40B4-BE49-F238E27FC236}">
+                <a16:creationId xmlns:a16="http://schemas.microsoft.com/office/drawing/2014/main" id="{19DAC900-5F09-4539-A91E-BBFFE6A92777}"/>
+              </a:ext>
+            </a:extLst>
+          </p:cNvPr>
+          <p:cNvCxnSpPr/>
+          <p:nvPr/>
+        </p:nvCxnSpPr>
+        <p:spPr>
+          <a:xfrm>
+            <a:off x="992619" y="8687866"/>
+            <a:ext cx="4872761" cy="0"/>
+          </a:xfrm>
+          <a:prstGeom prst="line">
+            <a:avLst/>
+          </a:prstGeom>
+          <a:ln w="57150">
+            <a:solidFill>
+              <a:schemeClr val="tx1"/>
+            </a:solidFill>
+          </a:ln>
+        </p:spPr>
+        <p:style>
+          <a:lnRef idx="1">
+            <a:schemeClr val="accent1"/>
+          </a:lnRef>
+          <a:fillRef idx="0">
+            <a:schemeClr val="accent1"/>
+          </a:fillRef>
+          <a:effectRef idx="0">
+            <a:schemeClr val="accent1"/>
+          </a:effectRef>
+          <a:fontRef idx="minor">
+            <a:schemeClr val="tx1"/>
+          </a:fontRef>
+        </p:style>
+      </p:cxnSp>
       <p:pic>
         <p:nvPicPr>
-          <p:cNvPr id="42" name="Picture 41" descr="Related image">
+          <p:cNvPr id="30" name="Picture 29" descr="Related image">
             <a:extLst>
               <a:ext uri="{FF2B5EF4-FFF2-40B4-BE49-F238E27FC236}">
-                <a16:creationId xmlns:a16="http://schemas.microsoft.com/office/drawing/2014/main" id="{B44E2554-64E0-4E6D-8284-68C1126C3D26}"/>
+                <a16:creationId xmlns:a16="http://schemas.microsoft.com/office/drawing/2014/main" id="{482F13F3-F3B3-4E88-BDE5-96909113555C}"/>
               </a:ext>
             </a:extLst>
           </p:cNvPr>
@@ -8171,7 +8427,7 @@
         </p:blipFill>
         <p:spPr bwMode="auto">
           <a:xfrm>
-            <a:off x="-5516228" y="1187197"/>
+            <a:off x="999518" y="1187204"/>
             <a:ext cx="1600002" cy="1600002"/>
           </a:xfrm>
           <a:custGeom>
@@ -8414,89 +8670,164 @@
           </a:ln>
         </p:spPr>
       </p:pic>
-      <p:cxnSp>
-        <p:nvCxnSpPr>
-          <p:cNvPr id="5" name="Straight Connector 4">
+    </p:spTree>
+    <p:extLst>
+      <p:ext uri="{BB962C8B-B14F-4D97-AF65-F5344CB8AC3E}">
+        <p14:creationId xmlns:p14="http://schemas.microsoft.com/office/powerpoint/2010/main" val="4027819660"/>
+      </p:ext>
+    </p:extLst>
+  </p:cSld>
+  <p:clrMapOvr>
+    <a:masterClrMapping/>
+  </p:clrMapOvr>
+  <mc:AlternateContent xmlns:mc="http://schemas.openxmlformats.org/markup-compatibility/2006" xmlns:p14="http://schemas.microsoft.com/office/powerpoint/2010/main">
+    <mc:Choice Requires="p14">
+      <p:transition spd="slow" p14:dur="2000" advClick="0"/>
+    </mc:Choice>
+    <mc:Fallback xmlns="">
+      <p:transition spd="slow" advClick="0"/>
+    </mc:Fallback>
+  </mc:AlternateContent>
+</p:sld>
+</file>
+
+<file path=ppt/slides/slide14.xml><?xml version="1.0" encoding="utf-8"?>
+<p:sld xmlns:a="http://schemas.openxmlformats.org/drawingml/2006/main" xmlns:r="http://schemas.openxmlformats.org/officeDocument/2006/relationships" xmlns:p="http://schemas.openxmlformats.org/presentationml/2006/main">
+  <p:cSld>
+    <p:spTree>
+      <p:nvGrpSpPr>
+        <p:cNvPr id="1" name=""/>
+        <p:cNvGrpSpPr/>
+        <p:nvPr/>
+      </p:nvGrpSpPr>
+      <p:grpSpPr>
+        <a:xfrm>
+          <a:off x="0" y="0"/>
+          <a:ext cx="0" cy="0"/>
+          <a:chOff x="0" y="0"/>
+          <a:chExt cx="0" cy="0"/>
+        </a:xfrm>
+      </p:grpSpPr>
+    </p:spTree>
+    <p:extLst>
+      <p:ext uri="{BB962C8B-B14F-4D97-AF65-F5344CB8AC3E}">
+        <p14:creationId xmlns:p14="http://schemas.microsoft.com/office/powerpoint/2010/main" val="4108222305"/>
+      </p:ext>
+    </p:extLst>
+  </p:cSld>
+  <p:clrMapOvr>
+    <a:masterClrMapping/>
+  </p:clrMapOvr>
+  <mc:AlternateContent xmlns:mc="http://schemas.openxmlformats.org/markup-compatibility/2006" xmlns:p14="http://schemas.microsoft.com/office/powerpoint/2010/main">
+    <mc:Choice Requires="p14">
+      <p:transition spd="slow" p14:dur="2000" advClick="0"/>
+    </mc:Choice>
+    <mc:Fallback xmlns="">
+      <p:transition spd="slow" advClick="0"/>
+    </mc:Fallback>
+  </mc:AlternateContent>
+</p:sld>
+</file>
+
+<file path=ppt/slides/slide15.xml><?xml version="1.0" encoding="utf-8"?>
+<p:sld xmlns:a="http://schemas.openxmlformats.org/drawingml/2006/main" xmlns:r="http://schemas.openxmlformats.org/officeDocument/2006/relationships" xmlns:p="http://schemas.openxmlformats.org/presentationml/2006/main">
+  <p:cSld>
+    <p:spTree>
+      <p:nvGrpSpPr>
+        <p:cNvPr id="1" name=""/>
+        <p:cNvGrpSpPr/>
+        <p:nvPr/>
+      </p:nvGrpSpPr>
+      <p:grpSpPr>
+        <a:xfrm>
+          <a:off x="0" y="0"/>
+          <a:ext cx="0" cy="0"/>
+          <a:chOff x="0" y="0"/>
+          <a:chExt cx="0" cy="0"/>
+        </a:xfrm>
+      </p:grpSpPr>
+    </p:spTree>
+    <p:extLst>
+      <p:ext uri="{BB962C8B-B14F-4D97-AF65-F5344CB8AC3E}">
+        <p14:creationId xmlns:p14="http://schemas.microsoft.com/office/powerpoint/2010/main" val="3083108269"/>
+      </p:ext>
+    </p:extLst>
+  </p:cSld>
+  <p:clrMapOvr>
+    <a:masterClrMapping/>
+  </p:clrMapOvr>
+  <mc:AlternateContent xmlns:mc="http://schemas.openxmlformats.org/markup-compatibility/2006" xmlns:p14="http://schemas.microsoft.com/office/powerpoint/2010/main">
+    <mc:Choice Requires="p14">
+      <p:transition spd="slow" p14:dur="2000" advClick="0"/>
+    </mc:Choice>
+    <mc:Fallback xmlns="">
+      <p:transition spd="slow" advClick="0"/>
+    </mc:Fallback>
+  </mc:AlternateContent>
+</p:sld>
+</file>
+
+<file path=ppt/slides/slide16.xml><?xml version="1.0" encoding="utf-8"?>
+<p:sld xmlns:a="http://schemas.openxmlformats.org/drawingml/2006/main" xmlns:r="http://schemas.openxmlformats.org/officeDocument/2006/relationships" xmlns:p="http://schemas.openxmlformats.org/presentationml/2006/main">
+  <p:cSld>
+    <p:spTree>
+      <p:nvGrpSpPr>
+        <p:cNvPr id="1" name=""/>
+        <p:cNvGrpSpPr/>
+        <p:nvPr/>
+      </p:nvGrpSpPr>
+      <p:grpSpPr>
+        <a:xfrm>
+          <a:off x="0" y="0"/>
+          <a:ext cx="0" cy="0"/>
+          <a:chOff x="0" y="0"/>
+          <a:chExt cx="0" cy="0"/>
+        </a:xfrm>
+      </p:grpSpPr>
+    </p:spTree>
+    <p:extLst>
+      <p:ext uri="{BB962C8B-B14F-4D97-AF65-F5344CB8AC3E}">
+        <p14:creationId xmlns:p14="http://schemas.microsoft.com/office/powerpoint/2010/main" val="2460315852"/>
+      </p:ext>
+    </p:extLst>
+  </p:cSld>
+  <p:clrMapOvr>
+    <a:masterClrMapping/>
+  </p:clrMapOvr>
+  <mc:AlternateContent xmlns:mc="http://schemas.openxmlformats.org/markup-compatibility/2006" xmlns:p14="http://schemas.microsoft.com/office/powerpoint/2010/main">
+    <mc:Choice Requires="p14">
+      <p:transition spd="slow" p14:dur="2000" advClick="0"/>
+    </mc:Choice>
+    <mc:Fallback xmlns="">
+      <p:transition spd="slow" advClick="0"/>
+    </mc:Fallback>
+  </mc:AlternateContent>
+</p:sld>
+</file>
+
+<file path=ppt/slides/slide2.xml><?xml version="1.0" encoding="utf-8"?>
+<p:sld xmlns:a="http://schemas.openxmlformats.org/drawingml/2006/main" xmlns:r="http://schemas.openxmlformats.org/officeDocument/2006/relationships" xmlns:p="http://schemas.openxmlformats.org/presentationml/2006/main">
+  <p:cSld>
+    <p:spTree>
+      <p:nvGrpSpPr>
+        <p:cNvPr id="1" name=""/>
+        <p:cNvGrpSpPr/>
+        <p:nvPr/>
+      </p:nvGrpSpPr>
+      <p:grpSpPr>
+        <a:xfrm>
+          <a:off x="0" y="0"/>
+          <a:ext cx="0" cy="0"/>
+          <a:chOff x="0" y="0"/>
+          <a:chExt cx="0" cy="0"/>
+        </a:xfrm>
+      </p:grpSpPr>
+      <p:sp>
+        <p:nvSpPr>
+          <p:cNvPr id="23" name="Freeform: Shape 22">
             <a:extLst>
               <a:ext uri="{FF2B5EF4-FFF2-40B4-BE49-F238E27FC236}">
-                <a16:creationId xmlns:a16="http://schemas.microsoft.com/office/drawing/2014/main" id="{0C04D52B-36A3-4089-A3F1-FCD5E22A413C}"/>
-              </a:ext>
-            </a:extLst>
-          </p:cNvPr>
-          <p:cNvCxnSpPr/>
-          <p:nvPr/>
-        </p:nvCxnSpPr>
-        <p:spPr>
-          <a:xfrm>
-            <a:off x="-5730694" y="3071678"/>
-            <a:ext cx="4872761" cy="0"/>
-          </a:xfrm>
-          <a:prstGeom prst="line">
-            <a:avLst/>
-          </a:prstGeom>
-          <a:ln w="57150">
-            <a:solidFill>
-              <a:schemeClr val="tx1"/>
-            </a:solidFill>
-          </a:ln>
-        </p:spPr>
-        <p:style>
-          <a:lnRef idx="1">
-            <a:schemeClr val="accent1"/>
-          </a:lnRef>
-          <a:fillRef idx="0">
-            <a:schemeClr val="accent1"/>
-          </a:fillRef>
-          <a:effectRef idx="0">
-            <a:schemeClr val="accent1"/>
-          </a:effectRef>
-          <a:fontRef idx="minor">
-            <a:schemeClr val="tx1"/>
-          </a:fontRef>
-        </p:style>
-      </p:cxnSp>
-      <p:sp>
-        <p:nvSpPr>
-          <p:cNvPr id="82" name="TextBox 81">
-            <a:extLst>
-              <a:ext uri="{FF2B5EF4-FFF2-40B4-BE49-F238E27FC236}">
-                <a16:creationId xmlns:a16="http://schemas.microsoft.com/office/drawing/2014/main" id="{28D902CB-9F24-44CE-9829-724CA4C9A95B}"/>
-              </a:ext>
-            </a:extLst>
-          </p:cNvPr>
-          <p:cNvSpPr txBox="1"/>
-          <p:nvPr/>
-        </p:nvSpPr>
-        <p:spPr>
-          <a:xfrm>
-            <a:off x="-4262748" y="1629848"/>
-            <a:ext cx="3733893" cy="638957"/>
-          </a:xfrm>
-          <a:prstGeom prst="rect">
-            <a:avLst/>
-          </a:prstGeom>
-          <a:noFill/>
-        </p:spPr>
-        <p:txBody>
-          <a:bodyPr wrap="square" rtlCol="0">
-            <a:spAutoFit/>
-          </a:bodyPr>
-          <a:lstStyle/>
-          <a:p>
-            <a:pPr algn="ctr"/>
-            <a:r>
-              <a:rPr lang="en-PH" sz="3552" b="1" spc="533" dirty="0"/>
-              <a:t>Ticket</a:t>
-            </a:r>
-          </a:p>
-        </p:txBody>
-      </p:sp>
-      <p:sp>
-        <p:nvSpPr>
-          <p:cNvPr id="114" name="Rectangle: Rounded Corners 113">
-            <a:extLst>
-              <a:ext uri="{FF2B5EF4-FFF2-40B4-BE49-F238E27FC236}">
-                <a16:creationId xmlns:a16="http://schemas.microsoft.com/office/drawing/2014/main" id="{0094E8F6-9CF7-4028-B667-964F0C9B63D1}"/>
+                <a16:creationId xmlns:a16="http://schemas.microsoft.com/office/drawing/2014/main" id="{0380A09E-45AE-42B9-A880-43B51342329E}"/>
               </a:ext>
             </a:extLst>
           </p:cNvPr>
@@ -8505,156 +8836,7 @@
         </p:nvSpPr>
         <p:spPr>
           <a:xfrm>
-            <a:off x="-4531770" y="9062787"/>
-            <a:ext cx="2324108" cy="604268"/>
-          </a:xfrm>
-          <a:prstGeom prst="roundRect">
-            <a:avLst>
-              <a:gd name="adj" fmla="val 50000"/>
-            </a:avLst>
-          </a:prstGeom>
-          <a:ln>
-            <a:solidFill>
-              <a:schemeClr val="tx1"/>
-            </a:solidFill>
-          </a:ln>
-        </p:spPr>
-        <p:style>
-          <a:lnRef idx="1">
-            <a:schemeClr val="accent4"/>
-          </a:lnRef>
-          <a:fillRef idx="2">
-            <a:schemeClr val="accent4"/>
-          </a:fillRef>
-          <a:effectRef idx="1">
-            <a:schemeClr val="accent4"/>
-          </a:effectRef>
-          <a:fontRef idx="minor">
-            <a:schemeClr val="dk1"/>
-          </a:fontRef>
-        </p:style>
-        <p:txBody>
-          <a:bodyPr rtlCol="0" anchor="ctr"/>
-          <a:lstStyle/>
-          <a:p>
-            <a:pPr algn="ctr"/>
-            <a:r>
-              <a:rPr lang="en-PH" sz="1424" dirty="0"/>
-              <a:t>OK</a:t>
-            </a:r>
-          </a:p>
-        </p:txBody>
-      </p:sp>
-      <p:sp>
-        <p:nvSpPr>
-          <p:cNvPr id="118" name="TextBox 117">
-            <a:extLst>
-              <a:ext uri="{FF2B5EF4-FFF2-40B4-BE49-F238E27FC236}">
-                <a16:creationId xmlns:a16="http://schemas.microsoft.com/office/drawing/2014/main" id="{56F7FFCC-0683-47BF-BF99-2D0D068E0EE2}"/>
-              </a:ext>
-            </a:extLst>
-          </p:cNvPr>
-          <p:cNvSpPr txBox="1"/>
-          <p:nvPr/>
-        </p:nvSpPr>
-        <p:spPr>
-          <a:xfrm>
-            <a:off x="-3918998" y="6997317"/>
-            <a:ext cx="1249381" cy="530658"/>
-          </a:xfrm>
-          <a:prstGeom prst="rect">
-            <a:avLst/>
-          </a:prstGeom>
-          <a:noFill/>
-        </p:spPr>
-        <p:txBody>
-          <a:bodyPr wrap="none" rtlCol="0">
-            <a:spAutoFit/>
-          </a:bodyPr>
-          <a:lstStyle/>
-          <a:p>
-            <a:pPr algn="just"/>
-            <a:r>
-              <a:rPr lang="en-PH" sz="1424" b="1" dirty="0"/>
-              <a:t>Scan to check </a:t>
-            </a:r>
-          </a:p>
-          <a:p>
-            <a:pPr algn="just"/>
-            <a:r>
-              <a:rPr lang="en-PH" sz="1424" b="1" dirty="0"/>
-              <a:t>ticket details</a:t>
-            </a:r>
-          </a:p>
-        </p:txBody>
-      </p:sp>
-      <p:pic>
-        <p:nvPicPr>
-          <p:cNvPr id="5122" name="Picture 2" descr="Image result for qr code">
-            <a:extLst>
-              <a:ext uri="{FF2B5EF4-FFF2-40B4-BE49-F238E27FC236}">
-                <a16:creationId xmlns:a16="http://schemas.microsoft.com/office/drawing/2014/main" id="{730D860D-E93A-461A-A9E0-2CE191292B6A}"/>
-              </a:ext>
-            </a:extLst>
-          </p:cNvPr>
-          <p:cNvPicPr>
-            <a:picLocks noChangeAspect="1" noChangeArrowheads="1"/>
-          </p:cNvPicPr>
-          <p:nvPr/>
-        </p:nvPicPr>
-        <p:blipFill>
-          <a:blip r:embed="rId4">
-            <a:extLst>
-              <a:ext uri="{28A0092B-C50C-407E-A947-70E740481C1C}">
-                <a14:useLocalDpi xmlns:a14="http://schemas.microsoft.com/office/drawing/2010/main" val="0"/>
-              </a:ext>
-            </a:extLst>
-          </a:blip>
-          <a:srcRect/>
-          <a:stretch>
-            <a:fillRect/>
-          </a:stretch>
-        </p:blipFill>
-        <p:spPr bwMode="auto">
-          <a:xfrm>
-            <a:off x="-4969720" y="3748656"/>
-            <a:ext cx="3200004" cy="3200004"/>
-          </a:xfrm>
-          <a:prstGeom prst="rect">
-            <a:avLst/>
-          </a:prstGeom>
-          <a:noFill/>
-          <a:ln>
-            <a:solidFill>
-              <a:schemeClr val="tx1"/>
-            </a:solidFill>
-          </a:ln>
-          <a:extLst>
-            <a:ext uri="{909E8E84-426E-40DD-AFC4-6F175D3DCCD1}">
-              <a14:hiddenFill xmlns:a14="http://schemas.microsoft.com/office/drawing/2010/main">
-                <a:solidFill>
-                  <a:srgbClr val="FFFFFF"/>
-                </a:solidFill>
-              </a14:hiddenFill>
-            </a:ext>
-          </a:extLst>
-        </p:spPr>
-      </p:pic>
-      <p:sp>
-        <p:nvSpPr>
-          <p:cNvPr id="46" name="Freeform: Shape 45">
-            <a:extLst>
-              <a:ext uri="{FF2B5EF4-FFF2-40B4-BE49-F238E27FC236}">
-                <a16:creationId xmlns:a16="http://schemas.microsoft.com/office/drawing/2014/main" id="{09EDBE41-544F-4938-8EF5-2DBA3C6AC79E}"/>
-              </a:ext>
-            </a:extLst>
-          </p:cNvPr>
-          <p:cNvSpPr/>
-          <p:nvPr/>
-        </p:nvSpPr>
-        <p:spPr>
-          <a:xfrm>
-            <a:off x="544740" y="346931"/>
+            <a:off x="286172" y="346931"/>
             <a:ext cx="6285657" cy="11498142"/>
           </a:xfrm>
           <a:custGeom>
@@ -8856,148 +9038,20 @@
           <a:lstStyle/>
           <a:p>
             <a:pPr algn="ctr"/>
-            <a:endParaRPr lang="en-PH" sz="1424" dirty="0"/>
-          </a:p>
-        </p:txBody>
-      </p:sp>
-      <p:sp>
-        <p:nvSpPr>
-          <p:cNvPr id="47" name="Isosceles Triangle 46">
-            <a:extLst>
-              <a:ext uri="{FF2B5EF4-FFF2-40B4-BE49-F238E27FC236}">
-                <a16:creationId xmlns:a16="http://schemas.microsoft.com/office/drawing/2014/main" id="{293E35E9-022A-40BC-ADA9-500C1B3C8A18}"/>
-              </a:ext>
-            </a:extLst>
-          </p:cNvPr>
-          <p:cNvSpPr/>
-          <p:nvPr/>
-        </p:nvSpPr>
-        <p:spPr>
-          <a:xfrm rot="16200000">
-            <a:off x="2370179" y="10263128"/>
-            <a:ext cx="393593" cy="304329"/>
-          </a:xfrm>
-          <a:prstGeom prst="triangle">
-            <a:avLst/>
-          </a:prstGeom>
-        </p:spPr>
-        <p:style>
-          <a:lnRef idx="1">
-            <a:schemeClr val="accent3"/>
-          </a:lnRef>
-          <a:fillRef idx="2">
-            <a:schemeClr val="accent3"/>
-          </a:fillRef>
-          <a:effectRef idx="1">
-            <a:schemeClr val="accent3"/>
-          </a:effectRef>
-          <a:fontRef idx="minor">
-            <a:schemeClr val="dk1"/>
-          </a:fontRef>
-        </p:style>
-        <p:txBody>
-          <a:bodyPr rtlCol="0" anchor="ctr"/>
-          <a:lstStyle/>
-          <a:p>
-            <a:pPr algn="ctr"/>
-            <a:endParaRPr lang="en-PH" sz="1424"/>
-          </a:p>
-        </p:txBody>
-      </p:sp>
-      <p:sp>
-        <p:nvSpPr>
-          <p:cNvPr id="48" name="Rectangle 47">
-            <a:extLst>
-              <a:ext uri="{FF2B5EF4-FFF2-40B4-BE49-F238E27FC236}">
-                <a16:creationId xmlns:a16="http://schemas.microsoft.com/office/drawing/2014/main" id="{8A9EC5CB-853F-41DB-9FEF-EEE586ADDEAB}"/>
-              </a:ext>
-            </a:extLst>
-          </p:cNvPr>
-          <p:cNvSpPr/>
-          <p:nvPr/>
-        </p:nvSpPr>
-        <p:spPr>
-          <a:xfrm>
-            <a:off x="4505199" y="10218487"/>
-            <a:ext cx="393593" cy="393593"/>
-          </a:xfrm>
-          <a:prstGeom prst="rect">
-            <a:avLst/>
-          </a:prstGeom>
-        </p:spPr>
-        <p:style>
-          <a:lnRef idx="1">
-            <a:schemeClr val="accent3"/>
-          </a:lnRef>
-          <a:fillRef idx="2">
-            <a:schemeClr val="accent3"/>
-          </a:fillRef>
-          <a:effectRef idx="1">
-            <a:schemeClr val="accent3"/>
-          </a:effectRef>
-          <a:fontRef idx="minor">
-            <a:schemeClr val="dk1"/>
-          </a:fontRef>
-        </p:style>
-        <p:txBody>
-          <a:bodyPr rtlCol="0" anchor="ctr"/>
-          <a:lstStyle/>
-          <a:p>
-            <a:pPr algn="ctr"/>
-            <a:endParaRPr lang="en-PH" sz="1424"/>
-          </a:p>
-        </p:txBody>
-      </p:sp>
-      <p:sp>
-        <p:nvSpPr>
-          <p:cNvPr id="49" name="Oval 48">
-            <a:extLst>
-              <a:ext uri="{FF2B5EF4-FFF2-40B4-BE49-F238E27FC236}">
-                <a16:creationId xmlns:a16="http://schemas.microsoft.com/office/drawing/2014/main" id="{7816EE8D-E04A-4812-9EBF-76FD1D7F6D3D}"/>
-              </a:ext>
-            </a:extLst>
-          </p:cNvPr>
-          <p:cNvSpPr/>
-          <p:nvPr/>
-        </p:nvSpPr>
-        <p:spPr>
-          <a:xfrm>
-            <a:off x="3415370" y="10237844"/>
-            <a:ext cx="393593" cy="393593"/>
-          </a:xfrm>
-          <a:prstGeom prst="ellipse">
-            <a:avLst/>
-          </a:prstGeom>
-        </p:spPr>
-        <p:style>
-          <a:lnRef idx="1">
-            <a:schemeClr val="accent3"/>
-          </a:lnRef>
-          <a:fillRef idx="2">
-            <a:schemeClr val="accent3"/>
-          </a:fillRef>
-          <a:effectRef idx="1">
-            <a:schemeClr val="accent3"/>
-          </a:effectRef>
-          <a:fontRef idx="minor">
-            <a:schemeClr val="dk1"/>
-          </a:fontRef>
-        </p:style>
-        <p:txBody>
-          <a:bodyPr rtlCol="0" anchor="ctr"/>
-          <a:lstStyle/>
-          <a:p>
-            <a:pPr algn="ctr"/>
-            <a:endParaRPr lang="en-PH" sz="1424"/>
+            <a:endParaRPr lang="en-PH" sz="1424">
+              <a:latin typeface="Tahoma" panose="020B0604030504040204" pitchFamily="34" charset="0"/>
+              <a:ea typeface="Tahoma" panose="020B0604030504040204" pitchFamily="34" charset="0"/>
+              <a:cs typeface="Tahoma" panose="020B0604030504040204" pitchFamily="34" charset="0"/>
+            </a:endParaRPr>
           </a:p>
         </p:txBody>
       </p:sp>
       <p:pic>
         <p:nvPicPr>
-          <p:cNvPr id="50" name="Picture 49" descr="Related image">
+          <p:cNvPr id="29" name="Picture 28" descr="Related image">
             <a:extLst>
               <a:ext uri="{FF2B5EF4-FFF2-40B4-BE49-F238E27FC236}">
-                <a16:creationId xmlns:a16="http://schemas.microsoft.com/office/drawing/2014/main" id="{EC16F3F2-4589-494F-97B5-9CDEB885B79E}"/>
+                <a16:creationId xmlns:a16="http://schemas.microsoft.com/office/drawing/2014/main" id="{FB5D33F4-8D95-4B49-9759-606C7CC8D287}"/>
               </a:ext>
             </a:extLst>
           </p:cNvPr>
@@ -9035,8 +9089,8 @@
         </p:blipFill>
         <p:spPr bwMode="auto">
           <a:xfrm>
-            <a:off x="1465657" y="1187197"/>
-            <a:ext cx="1600002" cy="1600002"/>
+            <a:off x="2149000" y="1560562"/>
+            <a:ext cx="2560000" cy="2560000"/>
           </a:xfrm>
           <a:custGeom>
             <a:avLst/>
@@ -9278,420 +9332,125 @@
           </a:ln>
         </p:spPr>
       </p:pic>
-      <p:cxnSp>
-        <p:nvCxnSpPr>
-          <p:cNvPr id="51" name="Straight Connector 50">
+      <p:sp>
+        <p:nvSpPr>
+          <p:cNvPr id="28" name="Rectangle 27">
             <a:extLst>
               <a:ext uri="{FF2B5EF4-FFF2-40B4-BE49-F238E27FC236}">
-                <a16:creationId xmlns:a16="http://schemas.microsoft.com/office/drawing/2014/main" id="{C35713E1-5B0C-4ECA-BB9B-093D4EE8A652}"/>
+                <a16:creationId xmlns:a16="http://schemas.microsoft.com/office/drawing/2014/main" id="{2F4A8C6D-F593-4835-8761-2BF188525389}"/>
               </a:ext>
             </a:extLst>
           </p:cNvPr>
-          <p:cNvCxnSpPr/>
+          <p:cNvSpPr/>
           <p:nvPr/>
-        </p:nvCxnSpPr>
-        <p:spPr>
-          <a:xfrm>
-            <a:off x="1251197" y="3071678"/>
-            <a:ext cx="4872761" cy="0"/>
-          </a:xfrm>
-          <a:prstGeom prst="line">
-            <a:avLst/>
-          </a:prstGeom>
-          <a:ln w="57150">
-            <a:solidFill>
-              <a:schemeClr val="tx1"/>
-            </a:solidFill>
-          </a:ln>
-        </p:spPr>
-        <p:style>
-          <a:lnRef idx="1">
-            <a:schemeClr val="accent1"/>
-          </a:lnRef>
-          <a:fillRef idx="0">
-            <a:schemeClr val="accent1"/>
-          </a:fillRef>
-          <a:effectRef idx="0">
-            <a:schemeClr val="accent1"/>
-          </a:effectRef>
-          <a:fontRef idx="minor">
-            <a:schemeClr val="tx1"/>
-          </a:fontRef>
-        </p:style>
-      </p:cxnSp>
-      <p:sp>
-        <p:nvSpPr>
-          <p:cNvPr id="52" name="TextBox 51">
-            <a:extLst>
-              <a:ext uri="{FF2B5EF4-FFF2-40B4-BE49-F238E27FC236}">
-                <a16:creationId xmlns:a16="http://schemas.microsoft.com/office/drawing/2014/main" id="{F144CDB2-C133-4193-8752-00A44D41D6A3}"/>
-              </a:ext>
-            </a:extLst>
-          </p:cNvPr>
-          <p:cNvSpPr txBox="1"/>
-          <p:nvPr/>
-        </p:nvSpPr>
-        <p:spPr>
-          <a:xfrm>
-            <a:off x="2719143" y="1629848"/>
-            <a:ext cx="3733893" cy="638957"/>
+        </p:nvSpPr>
+        <p:spPr>
+          <a:xfrm>
+            <a:off x="1103142" y="5017475"/>
+            <a:ext cx="4651716" cy="481419"/>
           </a:xfrm>
           <a:prstGeom prst="rect">
             <a:avLst/>
           </a:prstGeom>
-          <a:noFill/>
-        </p:spPr>
-        <p:txBody>
-          <a:bodyPr wrap="square" rtlCol="0">
-            <a:spAutoFit/>
-          </a:bodyPr>
-          <a:lstStyle/>
-          <a:p>
-            <a:pPr algn="ctr"/>
+        </p:spPr>
+        <p:style>
+          <a:lnRef idx="2">
+            <a:schemeClr val="dk1"/>
+          </a:lnRef>
+          <a:fillRef idx="1">
+            <a:schemeClr val="lt1"/>
+          </a:fillRef>
+          <a:effectRef idx="0">
+            <a:schemeClr val="dk1"/>
+          </a:effectRef>
+          <a:fontRef idx="minor">
+            <a:schemeClr val="dk1"/>
+          </a:fontRef>
+        </p:style>
+        <p:txBody>
+          <a:bodyPr rtlCol="0" anchor="ctr"/>
+          <a:lstStyle/>
+          <a:p>
+            <a:pPr algn="just"/>
             <a:r>
-              <a:rPr lang="en-PH" sz="3552" b="1" spc="533" dirty="0"/>
-              <a:t>History</a:t>
+              <a:rPr lang="en-PH" sz="2492" dirty="0">
+                <a:solidFill>
+                  <a:schemeClr val="bg1">
+                    <a:lumMod val="65000"/>
+                  </a:schemeClr>
+                </a:solidFill>
+                <a:latin typeface="Tahoma" panose="020B0604030504040204" pitchFamily="34" charset="0"/>
+                <a:ea typeface="Tahoma" panose="020B0604030504040204" pitchFamily="34" charset="0"/>
+                <a:cs typeface="Tahoma" panose="020B0604030504040204" pitchFamily="34" charset="0"/>
+              </a:rPr>
+              <a:t>email</a:t>
             </a:r>
           </a:p>
         </p:txBody>
       </p:sp>
       <p:sp>
         <p:nvSpPr>
-          <p:cNvPr id="63" name="TextBox 62">
+          <p:cNvPr id="31" name="Rectangle 30">
             <a:extLst>
               <a:ext uri="{FF2B5EF4-FFF2-40B4-BE49-F238E27FC236}">
-                <a16:creationId xmlns:a16="http://schemas.microsoft.com/office/drawing/2014/main" id="{00BD8670-2AA8-4BE7-A7A3-F34BDA0FB1CA}"/>
+                <a16:creationId xmlns:a16="http://schemas.microsoft.com/office/drawing/2014/main" id="{D5036C85-039A-428C-9108-42A896F287E9}"/>
               </a:ext>
             </a:extLst>
           </p:cNvPr>
-          <p:cNvSpPr txBox="1"/>
+          <p:cNvSpPr/>
           <p:nvPr/>
         </p:nvSpPr>
         <p:spPr>
           <a:xfrm>
-            <a:off x="1732638" y="3189426"/>
-            <a:ext cx="539828" cy="311496"/>
+            <a:off x="1103142" y="5855283"/>
+            <a:ext cx="4651716" cy="481419"/>
           </a:xfrm>
           <a:prstGeom prst="rect">
             <a:avLst/>
           </a:prstGeom>
-          <a:noFill/>
-        </p:spPr>
-        <p:txBody>
-          <a:bodyPr wrap="none" rtlCol="0">
-            <a:spAutoFit/>
-          </a:bodyPr>
+        </p:spPr>
+        <p:style>
+          <a:lnRef idx="2">
+            <a:schemeClr val="dk1"/>
+          </a:lnRef>
+          <a:fillRef idx="1">
+            <a:schemeClr val="lt1"/>
+          </a:fillRef>
+          <a:effectRef idx="0">
+            <a:schemeClr val="dk1"/>
+          </a:effectRef>
+          <a:fontRef idx="minor">
+            <a:schemeClr val="dk1"/>
+          </a:fontRef>
+        </p:style>
+        <p:txBody>
+          <a:bodyPr rtlCol="0" anchor="ctr"/>
           <a:lstStyle/>
           <a:p>
             <a:pPr algn="just"/>
             <a:r>
-              <a:rPr lang="en-PH" sz="1424" b="1" dirty="0"/>
-              <a:t>Date</a:t>
+              <a:rPr lang="en-PH" sz="2492" dirty="0">
+                <a:solidFill>
+                  <a:schemeClr val="bg1">
+                    <a:lumMod val="65000"/>
+                  </a:schemeClr>
+                </a:solidFill>
+                <a:latin typeface="Tahoma" panose="020B0604030504040204" pitchFamily="34" charset="0"/>
+                <a:ea typeface="Tahoma" panose="020B0604030504040204" pitchFamily="34" charset="0"/>
+                <a:cs typeface="Tahoma" panose="020B0604030504040204" pitchFamily="34" charset="0"/>
+              </a:rPr>
+              <a:t>password</a:t>
             </a:r>
           </a:p>
         </p:txBody>
       </p:sp>
-      <p:cxnSp>
-        <p:nvCxnSpPr>
-          <p:cNvPr id="64" name="Straight Connector 63">
+      <p:sp>
+        <p:nvSpPr>
+          <p:cNvPr id="32" name="Rectangle: Rounded Corners 31">
+            <a:hlinkClick r:id="rId4" action="ppaction://hlinksldjump" highlightClick="1"/>
             <a:extLst>
               <a:ext uri="{FF2B5EF4-FFF2-40B4-BE49-F238E27FC236}">
-                <a16:creationId xmlns:a16="http://schemas.microsoft.com/office/drawing/2014/main" id="{6604E007-3CEE-4319-B4B3-F19FE3BA97BE}"/>
-              </a:ext>
-            </a:extLst>
-          </p:cNvPr>
-          <p:cNvCxnSpPr>
-            <a:cxnSpLocks/>
-          </p:cNvCxnSpPr>
-          <p:nvPr/>
-        </p:nvCxnSpPr>
-        <p:spPr>
-          <a:xfrm flipV="1">
-            <a:off x="2746209" y="3214226"/>
-            <a:ext cx="0" cy="5352850"/>
-          </a:xfrm>
-          <a:prstGeom prst="line">
-            <a:avLst/>
-          </a:prstGeom>
-          <a:ln w="57150">
-            <a:solidFill>
-              <a:schemeClr val="tx1"/>
-            </a:solidFill>
-          </a:ln>
-        </p:spPr>
-        <p:style>
-          <a:lnRef idx="1">
-            <a:schemeClr val="accent1"/>
-          </a:lnRef>
-          <a:fillRef idx="0">
-            <a:schemeClr val="accent1"/>
-          </a:fillRef>
-          <a:effectRef idx="0">
-            <a:schemeClr val="accent1"/>
-          </a:effectRef>
-          <a:fontRef idx="minor">
-            <a:schemeClr val="tx1"/>
-          </a:fontRef>
-        </p:style>
-      </p:cxnSp>
-      <p:sp>
-        <p:nvSpPr>
-          <p:cNvPr id="65" name="TextBox 64">
-            <a:extLst>
-              <a:ext uri="{FF2B5EF4-FFF2-40B4-BE49-F238E27FC236}">
-                <a16:creationId xmlns:a16="http://schemas.microsoft.com/office/drawing/2014/main" id="{4E6DFB58-3776-4C69-BF73-26CC8C1467B5}"/>
-              </a:ext>
-            </a:extLst>
-          </p:cNvPr>
-          <p:cNvSpPr txBox="1"/>
-          <p:nvPr/>
-        </p:nvSpPr>
-        <p:spPr>
-          <a:xfrm>
-            <a:off x="1229421" y="3864910"/>
-            <a:ext cx="1402948" cy="475836"/>
-          </a:xfrm>
-          <a:prstGeom prst="rect">
-            <a:avLst/>
-          </a:prstGeom>
-          <a:noFill/>
-        </p:spPr>
-        <p:txBody>
-          <a:bodyPr wrap="none" rtlCol="0">
-            <a:spAutoFit/>
-          </a:bodyPr>
-          <a:lstStyle/>
-          <a:p>
-            <a:pPr algn="just"/>
-            <a:r>
-              <a:rPr lang="en-PH" sz="2492" dirty="0"/>
-              <a:t>09/01/19</a:t>
-            </a:r>
-          </a:p>
-        </p:txBody>
-      </p:sp>
-      <p:sp>
-        <p:nvSpPr>
-          <p:cNvPr id="66" name="TextBox 65">
-            <a:extLst>
-              <a:ext uri="{FF2B5EF4-FFF2-40B4-BE49-F238E27FC236}">
-                <a16:creationId xmlns:a16="http://schemas.microsoft.com/office/drawing/2014/main" id="{A2F864F5-5F2D-4E3A-BD2E-B6E7E285408E}"/>
-              </a:ext>
-            </a:extLst>
-          </p:cNvPr>
-          <p:cNvSpPr txBox="1"/>
-          <p:nvPr/>
-        </p:nvSpPr>
-        <p:spPr>
-          <a:xfrm>
-            <a:off x="1229421" y="4534814"/>
-            <a:ext cx="1402948" cy="475836"/>
-          </a:xfrm>
-          <a:prstGeom prst="rect">
-            <a:avLst/>
-          </a:prstGeom>
-          <a:noFill/>
-        </p:spPr>
-        <p:txBody>
-          <a:bodyPr wrap="none" rtlCol="0">
-            <a:spAutoFit/>
-          </a:bodyPr>
-          <a:lstStyle/>
-          <a:p>
-            <a:pPr algn="just"/>
-            <a:r>
-              <a:rPr lang="en-PH" sz="2492" dirty="0"/>
-              <a:t>09/05/19</a:t>
-            </a:r>
-          </a:p>
-        </p:txBody>
-      </p:sp>
-      <p:sp>
-        <p:nvSpPr>
-          <p:cNvPr id="70" name="TextBox 69">
-            <a:extLst>
-              <a:ext uri="{FF2B5EF4-FFF2-40B4-BE49-F238E27FC236}">
-                <a16:creationId xmlns:a16="http://schemas.microsoft.com/office/drawing/2014/main" id="{73AA6C78-2421-4CB0-B222-CA201C8A43F7}"/>
-              </a:ext>
-            </a:extLst>
-          </p:cNvPr>
-          <p:cNvSpPr txBox="1"/>
-          <p:nvPr/>
-        </p:nvSpPr>
-        <p:spPr>
-          <a:xfrm>
-            <a:off x="1167586" y="5205461"/>
-            <a:ext cx="1402948" cy="475836"/>
-          </a:xfrm>
-          <a:prstGeom prst="rect">
-            <a:avLst/>
-          </a:prstGeom>
-          <a:noFill/>
-        </p:spPr>
-        <p:txBody>
-          <a:bodyPr wrap="none" rtlCol="0">
-            <a:spAutoFit/>
-          </a:bodyPr>
-          <a:lstStyle/>
-          <a:p>
-            <a:pPr algn="just"/>
-            <a:r>
-              <a:rPr lang="en-PH" sz="2492" dirty="0"/>
-              <a:t>09/10/19</a:t>
-            </a:r>
-          </a:p>
-        </p:txBody>
-      </p:sp>
-      <p:sp>
-        <p:nvSpPr>
-          <p:cNvPr id="71" name="TextBox 70">
-            <a:extLst>
-              <a:ext uri="{FF2B5EF4-FFF2-40B4-BE49-F238E27FC236}">
-                <a16:creationId xmlns:a16="http://schemas.microsoft.com/office/drawing/2014/main" id="{F35BA5C7-FCCD-4013-9068-75393CC065A6}"/>
-              </a:ext>
-            </a:extLst>
-          </p:cNvPr>
-          <p:cNvSpPr txBox="1"/>
-          <p:nvPr/>
-        </p:nvSpPr>
-        <p:spPr>
-          <a:xfrm>
-            <a:off x="3934160" y="3208320"/>
-            <a:ext cx="1057790" cy="311496"/>
-          </a:xfrm>
-          <a:prstGeom prst="rect">
-            <a:avLst/>
-          </a:prstGeom>
-          <a:noFill/>
-        </p:spPr>
-        <p:txBody>
-          <a:bodyPr wrap="none" rtlCol="0">
-            <a:spAutoFit/>
-          </a:bodyPr>
-          <a:lstStyle/>
-          <a:p>
-            <a:pPr algn="just"/>
-            <a:r>
-              <a:rPr lang="en-PH" sz="1424" b="1" dirty="0"/>
-              <a:t>Destination</a:t>
-            </a:r>
-          </a:p>
-        </p:txBody>
-      </p:sp>
-      <p:sp>
-        <p:nvSpPr>
-          <p:cNvPr id="72" name="TextBox 71">
-            <a:extLst>
-              <a:ext uri="{FF2B5EF4-FFF2-40B4-BE49-F238E27FC236}">
-                <a16:creationId xmlns:a16="http://schemas.microsoft.com/office/drawing/2014/main" id="{E6C89206-DF97-48B8-B865-14F820EA52DD}"/>
-              </a:ext>
-            </a:extLst>
-          </p:cNvPr>
-          <p:cNvSpPr txBox="1"/>
-          <p:nvPr/>
-        </p:nvSpPr>
-        <p:spPr>
-          <a:xfrm>
-            <a:off x="3024148" y="3846018"/>
-            <a:ext cx="2791855" cy="475836"/>
-          </a:xfrm>
-          <a:prstGeom prst="rect">
-            <a:avLst/>
-          </a:prstGeom>
-          <a:noFill/>
-        </p:spPr>
-        <p:txBody>
-          <a:bodyPr wrap="none" rtlCol="0">
-            <a:spAutoFit/>
-          </a:bodyPr>
-          <a:lstStyle/>
-          <a:p>
-            <a:pPr algn="just"/>
-            <a:r>
-              <a:rPr lang="en-PH" sz="2492" dirty="0"/>
-              <a:t>Station 1 – Station 5</a:t>
-            </a:r>
-          </a:p>
-        </p:txBody>
-      </p:sp>
-      <p:sp>
-        <p:nvSpPr>
-          <p:cNvPr id="73" name="TextBox 72">
-            <a:extLst>
-              <a:ext uri="{FF2B5EF4-FFF2-40B4-BE49-F238E27FC236}">
-                <a16:creationId xmlns:a16="http://schemas.microsoft.com/office/drawing/2014/main" id="{B9A5BDA9-083E-4AB5-A236-EB91AE0CA5AC}"/>
-              </a:ext>
-            </a:extLst>
-          </p:cNvPr>
-          <p:cNvSpPr txBox="1"/>
-          <p:nvPr/>
-        </p:nvSpPr>
-        <p:spPr>
-          <a:xfrm>
-            <a:off x="3024148" y="4534807"/>
-            <a:ext cx="2791855" cy="475836"/>
-          </a:xfrm>
-          <a:prstGeom prst="rect">
-            <a:avLst/>
-          </a:prstGeom>
-          <a:noFill/>
-        </p:spPr>
-        <p:txBody>
-          <a:bodyPr wrap="none" rtlCol="0">
-            <a:spAutoFit/>
-          </a:bodyPr>
-          <a:lstStyle/>
-          <a:p>
-            <a:pPr algn="just"/>
-            <a:r>
-              <a:rPr lang="en-PH" sz="2492" dirty="0"/>
-              <a:t>Station 5 – Station 3</a:t>
-            </a:r>
-          </a:p>
-        </p:txBody>
-      </p:sp>
-      <p:sp>
-        <p:nvSpPr>
-          <p:cNvPr id="74" name="TextBox 73">
-            <a:extLst>
-              <a:ext uri="{FF2B5EF4-FFF2-40B4-BE49-F238E27FC236}">
-                <a16:creationId xmlns:a16="http://schemas.microsoft.com/office/drawing/2014/main" id="{A830EB04-7B32-441D-9CAD-4B5DF7CCDD48}"/>
-              </a:ext>
-            </a:extLst>
-          </p:cNvPr>
-          <p:cNvSpPr txBox="1"/>
-          <p:nvPr/>
-        </p:nvSpPr>
-        <p:spPr>
-          <a:xfrm>
-            <a:off x="2943197" y="5205461"/>
-            <a:ext cx="2953757" cy="475836"/>
-          </a:xfrm>
-          <a:prstGeom prst="rect">
-            <a:avLst/>
-          </a:prstGeom>
-          <a:noFill/>
-        </p:spPr>
-        <p:txBody>
-          <a:bodyPr wrap="none" rtlCol="0">
-            <a:spAutoFit/>
-          </a:bodyPr>
-          <a:lstStyle/>
-          <a:p>
-            <a:pPr algn="just"/>
-            <a:r>
-              <a:rPr lang="en-PH" sz="2492" dirty="0"/>
-              <a:t>Station 5 – Station 10</a:t>
-            </a:r>
-          </a:p>
-        </p:txBody>
-      </p:sp>
-      <p:sp>
-        <p:nvSpPr>
-          <p:cNvPr id="75" name="Rectangle: Rounded Corners 74">
-            <a:extLst>
-              <a:ext uri="{FF2B5EF4-FFF2-40B4-BE49-F238E27FC236}">
-                <a16:creationId xmlns:a16="http://schemas.microsoft.com/office/drawing/2014/main" id="{458107C5-D5E8-416F-8CF6-816083377888}"/>
+                <a16:creationId xmlns:a16="http://schemas.microsoft.com/office/drawing/2014/main" id="{A779DE72-630C-41ED-A6D2-9F09AAF44049}"/>
               </a:ext>
             </a:extLst>
           </p:cNvPr>
@@ -9700,7 +9459,7 @@
         </p:nvSpPr>
         <p:spPr>
           <a:xfrm>
-            <a:off x="2276343" y="9059537"/>
+            <a:off x="2266955" y="6696202"/>
             <a:ext cx="2324108" cy="604268"/>
           </a:xfrm>
           <a:prstGeom prst="roundRect">
@@ -9734,800 +9493,6 @@
           <a:p>
             <a:pPr algn="ctr"/>
             <a:r>
-              <a:rPr lang="en-PH" sz="1424" dirty="0"/>
-              <a:t>OK</a:t>
-            </a:r>
-          </a:p>
-        </p:txBody>
-      </p:sp>
-      <p:cxnSp>
-        <p:nvCxnSpPr>
-          <p:cNvPr id="76" name="Straight Connector 75">
-            <a:extLst>
-              <a:ext uri="{FF2B5EF4-FFF2-40B4-BE49-F238E27FC236}">
-                <a16:creationId xmlns:a16="http://schemas.microsoft.com/office/drawing/2014/main" id="{19DAC900-5F09-4539-A91E-BBFFE6A92777}"/>
-              </a:ext>
-            </a:extLst>
-          </p:cNvPr>
-          <p:cNvCxnSpPr/>
-          <p:nvPr/>
-        </p:nvCxnSpPr>
-        <p:spPr>
-          <a:xfrm>
-            <a:off x="1251197" y="8772425"/>
-            <a:ext cx="4872761" cy="0"/>
-          </a:xfrm>
-          <a:prstGeom prst="line">
-            <a:avLst/>
-          </a:prstGeom>
-          <a:ln w="57150">
-            <a:solidFill>
-              <a:schemeClr val="tx1"/>
-            </a:solidFill>
-          </a:ln>
-        </p:spPr>
-        <p:style>
-          <a:lnRef idx="1">
-            <a:schemeClr val="accent1"/>
-          </a:lnRef>
-          <a:fillRef idx="0">
-            <a:schemeClr val="accent1"/>
-          </a:fillRef>
-          <a:effectRef idx="0">
-            <a:schemeClr val="accent1"/>
-          </a:effectRef>
-          <a:fontRef idx="minor">
-            <a:schemeClr val="tx1"/>
-          </a:fontRef>
-        </p:style>
-      </p:cxnSp>
-    </p:spTree>
-    <p:extLst>
-      <p:ext uri="{BB962C8B-B14F-4D97-AF65-F5344CB8AC3E}">
-        <p14:creationId xmlns:p14="http://schemas.microsoft.com/office/powerpoint/2010/main" val="4027819660"/>
-      </p:ext>
-    </p:extLst>
-  </p:cSld>
-  <p:clrMapOvr>
-    <a:masterClrMapping/>
-  </p:clrMapOvr>
-  <mc:AlternateContent xmlns:mc="http://schemas.openxmlformats.org/markup-compatibility/2006">
-    <mc:Choice xmlns:p14="http://schemas.microsoft.com/office/powerpoint/2010/main" Requires="p14">
-      <p:transition spd="slow" p14:dur="2000" advClick="0"/>
-    </mc:Choice>
-    <mc:Fallback>
-      <p:transition spd="slow" advClick="0"/>
-    </mc:Fallback>
-  </mc:AlternateContent>
-</p:sld>
-</file>
-
-<file path=ppt/slides/slide14.xml><?xml version="1.0" encoding="utf-8"?>
-<p:sld xmlns:a="http://schemas.openxmlformats.org/drawingml/2006/main" xmlns:r="http://schemas.openxmlformats.org/officeDocument/2006/relationships" xmlns:p="http://schemas.openxmlformats.org/presentationml/2006/main">
-  <p:cSld>
-    <p:spTree>
-      <p:nvGrpSpPr>
-        <p:cNvPr id="1" name=""/>
-        <p:cNvGrpSpPr/>
-        <p:nvPr/>
-      </p:nvGrpSpPr>
-      <p:grpSpPr>
-        <a:xfrm>
-          <a:off x="0" y="0"/>
-          <a:ext cx="0" cy="0"/>
-          <a:chOff x="0" y="0"/>
-          <a:chExt cx="0" cy="0"/>
-        </a:xfrm>
-      </p:grpSpPr>
-    </p:spTree>
-    <p:extLst>
-      <p:ext uri="{BB962C8B-B14F-4D97-AF65-F5344CB8AC3E}">
-        <p14:creationId xmlns:p14="http://schemas.microsoft.com/office/powerpoint/2010/main" val="4108222305"/>
-      </p:ext>
-    </p:extLst>
-  </p:cSld>
-  <p:clrMapOvr>
-    <a:masterClrMapping/>
-  </p:clrMapOvr>
-  <mc:AlternateContent xmlns:mc="http://schemas.openxmlformats.org/markup-compatibility/2006">
-    <mc:Choice xmlns:p14="http://schemas.microsoft.com/office/powerpoint/2010/main" Requires="p14">
-      <p:transition spd="slow" p14:dur="2000" advClick="0"/>
-    </mc:Choice>
-    <mc:Fallback>
-      <p:transition spd="slow" advClick="0"/>
-    </mc:Fallback>
-  </mc:AlternateContent>
-</p:sld>
-</file>
-
-<file path=ppt/slides/slide2.xml><?xml version="1.0" encoding="utf-8"?>
-<p:sld xmlns:a="http://schemas.openxmlformats.org/drawingml/2006/main" xmlns:r="http://schemas.openxmlformats.org/officeDocument/2006/relationships" xmlns:p="http://schemas.openxmlformats.org/presentationml/2006/main">
-  <p:cSld>
-    <p:spTree>
-      <p:nvGrpSpPr>
-        <p:cNvPr id="1" name=""/>
-        <p:cNvGrpSpPr/>
-        <p:nvPr/>
-      </p:nvGrpSpPr>
-      <p:grpSpPr>
-        <a:xfrm>
-          <a:off x="0" y="0"/>
-          <a:ext cx="0" cy="0"/>
-          <a:chOff x="0" y="0"/>
-          <a:chExt cx="0" cy="0"/>
-        </a:xfrm>
-      </p:grpSpPr>
-      <p:sp>
-        <p:nvSpPr>
-          <p:cNvPr id="23" name="Freeform: Shape 22">
-            <a:extLst>
-              <a:ext uri="{FF2B5EF4-FFF2-40B4-BE49-F238E27FC236}">
-                <a16:creationId xmlns:a16="http://schemas.microsoft.com/office/drawing/2014/main" id="{0380A09E-45AE-42B9-A880-43B51342329E}"/>
-              </a:ext>
-            </a:extLst>
-          </p:cNvPr>
-          <p:cNvSpPr/>
-          <p:nvPr/>
-        </p:nvSpPr>
-        <p:spPr>
-          <a:xfrm>
-            <a:off x="286172" y="346931"/>
-            <a:ext cx="6285657" cy="11498142"/>
-          </a:xfrm>
-          <a:custGeom>
-            <a:avLst/>
-            <a:gdLst>
-              <a:gd name="connsiteX0" fmla="*/ 728167 w 3535680"/>
-              <a:gd name="connsiteY0" fmla="*/ 255023 h 6467707"/>
-              <a:gd name="connsiteX1" fmla="*/ 210073 w 3535680"/>
-              <a:gd name="connsiteY1" fmla="*/ 773117 h 6467707"/>
-              <a:gd name="connsiteX2" fmla="*/ 210073 w 3535680"/>
-              <a:gd name="connsiteY2" fmla="*/ 5406208 h 6467707"/>
-              <a:gd name="connsiteX3" fmla="*/ 728167 w 3535680"/>
-              <a:gd name="connsiteY3" fmla="*/ 5924302 h 6467707"/>
-              <a:gd name="connsiteX4" fmla="*/ 2800478 w 3535680"/>
-              <a:gd name="connsiteY4" fmla="*/ 5924302 h 6467707"/>
-              <a:gd name="connsiteX5" fmla="*/ 3318572 w 3535680"/>
-              <a:gd name="connsiteY5" fmla="*/ 5406208 h 6467707"/>
-              <a:gd name="connsiteX6" fmla="*/ 3318572 w 3535680"/>
-              <a:gd name="connsiteY6" fmla="*/ 773117 h 6467707"/>
-              <a:gd name="connsiteX7" fmla="*/ 2800478 w 3535680"/>
-              <a:gd name="connsiteY7" fmla="*/ 255023 h 6467707"/>
-              <a:gd name="connsiteX8" fmla="*/ 589292 w 3535680"/>
-              <a:gd name="connsiteY8" fmla="*/ 0 h 6467707"/>
-              <a:gd name="connsiteX9" fmla="*/ 2946388 w 3535680"/>
-              <a:gd name="connsiteY9" fmla="*/ 0 h 6467707"/>
-              <a:gd name="connsiteX10" fmla="*/ 3535680 w 3535680"/>
-              <a:gd name="connsiteY10" fmla="*/ 589292 h 6467707"/>
-              <a:gd name="connsiteX11" fmla="*/ 3535680 w 3535680"/>
-              <a:gd name="connsiteY11" fmla="*/ 5878415 h 6467707"/>
-              <a:gd name="connsiteX12" fmla="*/ 2946388 w 3535680"/>
-              <a:gd name="connsiteY12" fmla="*/ 6467707 h 6467707"/>
-              <a:gd name="connsiteX13" fmla="*/ 589292 w 3535680"/>
-              <a:gd name="connsiteY13" fmla="*/ 6467707 h 6467707"/>
-              <a:gd name="connsiteX14" fmla="*/ 0 w 3535680"/>
-              <a:gd name="connsiteY14" fmla="*/ 5878415 h 6467707"/>
-              <a:gd name="connsiteX15" fmla="*/ 0 w 3535680"/>
-              <a:gd name="connsiteY15" fmla="*/ 589292 h 6467707"/>
-              <a:gd name="connsiteX16" fmla="*/ 589292 w 3535680"/>
-              <a:gd name="connsiteY16" fmla="*/ 0 h 6467707"/>
-            </a:gdLst>
-            <a:ahLst/>
-            <a:cxnLst>
-              <a:cxn ang="0">
-                <a:pos x="connsiteX0" y="connsiteY0"/>
-              </a:cxn>
-              <a:cxn ang="0">
-                <a:pos x="connsiteX1" y="connsiteY1"/>
-              </a:cxn>
-              <a:cxn ang="0">
-                <a:pos x="connsiteX2" y="connsiteY2"/>
-              </a:cxn>
-              <a:cxn ang="0">
-                <a:pos x="connsiteX3" y="connsiteY3"/>
-              </a:cxn>
-              <a:cxn ang="0">
-                <a:pos x="connsiteX4" y="connsiteY4"/>
-              </a:cxn>
-              <a:cxn ang="0">
-                <a:pos x="connsiteX5" y="connsiteY5"/>
-              </a:cxn>
-              <a:cxn ang="0">
-                <a:pos x="connsiteX6" y="connsiteY6"/>
-              </a:cxn>
-              <a:cxn ang="0">
-                <a:pos x="connsiteX7" y="connsiteY7"/>
-              </a:cxn>
-              <a:cxn ang="0">
-                <a:pos x="connsiteX8" y="connsiteY8"/>
-              </a:cxn>
-              <a:cxn ang="0">
-                <a:pos x="connsiteX9" y="connsiteY9"/>
-              </a:cxn>
-              <a:cxn ang="0">
-                <a:pos x="connsiteX10" y="connsiteY10"/>
-              </a:cxn>
-              <a:cxn ang="0">
-                <a:pos x="connsiteX11" y="connsiteY11"/>
-              </a:cxn>
-              <a:cxn ang="0">
-                <a:pos x="connsiteX12" y="connsiteY12"/>
-              </a:cxn>
-              <a:cxn ang="0">
-                <a:pos x="connsiteX13" y="connsiteY13"/>
-              </a:cxn>
-              <a:cxn ang="0">
-                <a:pos x="connsiteX14" y="connsiteY14"/>
-              </a:cxn>
-              <a:cxn ang="0">
-                <a:pos x="connsiteX15" y="connsiteY15"/>
-              </a:cxn>
-              <a:cxn ang="0">
-                <a:pos x="connsiteX16" y="connsiteY16"/>
-              </a:cxn>
-            </a:cxnLst>
-            <a:rect l="l" t="t" r="r" b="b"/>
-            <a:pathLst>
-              <a:path w="3535680" h="6467707">
-                <a:moveTo>
-                  <a:pt x="728167" y="255023"/>
-                </a:moveTo>
-                <a:cubicBezTo>
-                  <a:pt x="442032" y="255023"/>
-                  <a:pt x="210073" y="486982"/>
-                  <a:pt x="210073" y="773117"/>
-                </a:cubicBezTo>
-                <a:lnTo>
-                  <a:pt x="210073" y="5406208"/>
-                </a:lnTo>
-                <a:cubicBezTo>
-                  <a:pt x="210073" y="5692343"/>
-                  <a:pt x="442032" y="5924302"/>
-                  <a:pt x="728167" y="5924302"/>
-                </a:cubicBezTo>
-                <a:lnTo>
-                  <a:pt x="2800478" y="5924302"/>
-                </a:lnTo>
-                <a:cubicBezTo>
-                  <a:pt x="3086613" y="5924302"/>
-                  <a:pt x="3318572" y="5692343"/>
-                  <a:pt x="3318572" y="5406208"/>
-                </a:cubicBezTo>
-                <a:lnTo>
-                  <a:pt x="3318572" y="773117"/>
-                </a:lnTo>
-                <a:cubicBezTo>
-                  <a:pt x="3318572" y="486982"/>
-                  <a:pt x="3086613" y="255023"/>
-                  <a:pt x="2800478" y="255023"/>
-                </a:cubicBezTo>
-                <a:close/>
-                <a:moveTo>
-                  <a:pt x="589292" y="0"/>
-                </a:moveTo>
-                <a:lnTo>
-                  <a:pt x="2946388" y="0"/>
-                </a:lnTo>
-                <a:cubicBezTo>
-                  <a:pt x="3271845" y="0"/>
-                  <a:pt x="3535680" y="263835"/>
-                  <a:pt x="3535680" y="589292"/>
-                </a:cubicBezTo>
-                <a:lnTo>
-                  <a:pt x="3535680" y="5878415"/>
-                </a:lnTo>
-                <a:cubicBezTo>
-                  <a:pt x="3535680" y="6203872"/>
-                  <a:pt x="3271845" y="6467707"/>
-                  <a:pt x="2946388" y="6467707"/>
-                </a:cubicBezTo>
-                <a:lnTo>
-                  <a:pt x="589292" y="6467707"/>
-                </a:lnTo>
-                <a:cubicBezTo>
-                  <a:pt x="263835" y="6467707"/>
-                  <a:pt x="0" y="6203872"/>
-                  <a:pt x="0" y="5878415"/>
-                </a:cubicBezTo>
-                <a:lnTo>
-                  <a:pt x="0" y="589292"/>
-                </a:lnTo>
-                <a:cubicBezTo>
-                  <a:pt x="0" y="263835"/>
-                  <a:pt x="263835" y="0"/>
-                  <a:pt x="589292" y="0"/>
-                </a:cubicBezTo>
-                <a:close/>
-              </a:path>
-            </a:pathLst>
-          </a:custGeom>
-          <a:solidFill>
-            <a:schemeClr val="bg1">
-              <a:lumMod val="85000"/>
-            </a:schemeClr>
-          </a:solidFill>
-          <a:ln w="76200">
-            <a:solidFill>
-              <a:schemeClr val="tx1"/>
-            </a:solidFill>
-          </a:ln>
-        </p:spPr>
-        <p:style>
-          <a:lnRef idx="2">
-            <a:schemeClr val="accent1">
-              <a:shade val="50000"/>
-            </a:schemeClr>
-          </a:lnRef>
-          <a:fillRef idx="1">
-            <a:schemeClr val="accent1"/>
-          </a:fillRef>
-          <a:effectRef idx="0">
-            <a:schemeClr val="accent1"/>
-          </a:effectRef>
-          <a:fontRef idx="minor">
-            <a:schemeClr val="lt1"/>
-          </a:fontRef>
-        </p:style>
-        <p:txBody>
-          <a:bodyPr rtlCol="0" anchor="ctr"/>
-          <a:lstStyle/>
-          <a:p>
-            <a:pPr algn="ctr"/>
-            <a:endParaRPr lang="en-PH" sz="1424">
-              <a:latin typeface="Tahoma" panose="020B0604030504040204" pitchFamily="34" charset="0"/>
-              <a:ea typeface="Tahoma" panose="020B0604030504040204" pitchFamily="34" charset="0"/>
-              <a:cs typeface="Tahoma" panose="020B0604030504040204" pitchFamily="34" charset="0"/>
-            </a:endParaRPr>
-          </a:p>
-        </p:txBody>
-      </p:sp>
-      <p:pic>
-        <p:nvPicPr>
-          <p:cNvPr id="29" name="Picture 28" descr="Related image">
-            <a:extLst>
-              <a:ext uri="{FF2B5EF4-FFF2-40B4-BE49-F238E27FC236}">
-                <a16:creationId xmlns:a16="http://schemas.microsoft.com/office/drawing/2014/main" id="{FB5D33F4-8D95-4B49-9759-606C7CC8D287}"/>
-              </a:ext>
-            </a:extLst>
-          </p:cNvPr>
-          <p:cNvPicPr>
-            <a:picLocks noChangeAspect="1" noChangeArrowheads="1"/>
-          </p:cNvPicPr>
-          <p:nvPr/>
-        </p:nvPicPr>
-        <p:blipFill rotWithShape="1">
-          <a:blip r:embed="rId2">
-            <a:duotone>
-              <a:prstClr val="black"/>
-              <a:schemeClr val="accent5">
-                <a:tint val="45000"/>
-                <a:satMod val="400000"/>
-              </a:schemeClr>
-            </a:duotone>
-            <a:extLst>
-              <a:ext uri="{BEBA8EAE-BF5A-486C-A8C5-ECC9F3942E4B}">
-                <a14:imgProps xmlns:a14="http://schemas.microsoft.com/office/drawing/2010/main">
-                  <a14:imgLayer r:embed="rId3">
-                    <a14:imgEffect>
-                      <a14:colorTemperature colorTemp="4700"/>
-                    </a14:imgEffect>
-                  </a14:imgLayer>
-                </a14:imgProps>
-              </a:ext>
-              <a:ext uri="{28A0092B-C50C-407E-A947-70E740481C1C}">
-                <a14:useLocalDpi xmlns:a14="http://schemas.microsoft.com/office/drawing/2010/main" val="0"/>
-              </a:ext>
-            </a:extLst>
-          </a:blip>
-          <a:srcRect l="2953" t="2566" r="1414" b="8632"/>
-          <a:stretch/>
-        </p:blipFill>
-        <p:spPr bwMode="auto">
-          <a:xfrm>
-            <a:off x="2149000" y="1560562"/>
-            <a:ext cx="2560000" cy="2560000"/>
-          </a:xfrm>
-          <a:custGeom>
-            <a:avLst/>
-            <a:gdLst>
-              <a:gd name="connsiteX0" fmla="*/ 1190478 w 2380956"/>
-              <a:gd name="connsiteY0" fmla="*/ 0 h 2380956"/>
-              <a:gd name="connsiteX1" fmla="*/ 1856086 w 2380956"/>
-              <a:gd name="connsiteY1" fmla="*/ 203315 h 2380956"/>
-              <a:gd name="connsiteX2" fmla="*/ 1927973 w 2380956"/>
-              <a:gd name="connsiteY2" fmla="*/ 257071 h 2380956"/>
-              <a:gd name="connsiteX3" fmla="*/ 2187526 w 2380956"/>
-              <a:gd name="connsiteY3" fmla="*/ 257071 h 2380956"/>
-              <a:gd name="connsiteX4" fmla="*/ 2187526 w 2380956"/>
-              <a:gd name="connsiteY4" fmla="*/ 541142 h 2380956"/>
-              <a:gd name="connsiteX5" fmla="*/ 2237272 w 2380956"/>
-              <a:gd name="connsiteY5" fmla="*/ 623026 h 2380956"/>
-              <a:gd name="connsiteX6" fmla="*/ 2380956 w 2380956"/>
-              <a:gd name="connsiteY6" fmla="*/ 1190478 h 2380956"/>
-              <a:gd name="connsiteX7" fmla="*/ 2237272 w 2380956"/>
-              <a:gd name="connsiteY7" fmla="*/ 1757931 h 2380956"/>
-              <a:gd name="connsiteX8" fmla="*/ 2187526 w 2380956"/>
-              <a:gd name="connsiteY8" fmla="*/ 1839815 h 2380956"/>
-              <a:gd name="connsiteX9" fmla="*/ 2187526 w 2380956"/>
-              <a:gd name="connsiteY9" fmla="*/ 2123885 h 2380956"/>
-              <a:gd name="connsiteX10" fmla="*/ 1927973 w 2380956"/>
-              <a:gd name="connsiteY10" fmla="*/ 2123885 h 2380956"/>
-              <a:gd name="connsiteX11" fmla="*/ 1856086 w 2380956"/>
-              <a:gd name="connsiteY11" fmla="*/ 2177641 h 2380956"/>
-              <a:gd name="connsiteX12" fmla="*/ 1190478 w 2380956"/>
-              <a:gd name="connsiteY12" fmla="*/ 2380956 h 2380956"/>
-              <a:gd name="connsiteX13" fmla="*/ 524871 w 2380956"/>
-              <a:gd name="connsiteY13" fmla="*/ 2177641 h 2380956"/>
-              <a:gd name="connsiteX14" fmla="*/ 452984 w 2380956"/>
-              <a:gd name="connsiteY14" fmla="*/ 2123885 h 2380956"/>
-              <a:gd name="connsiteX15" fmla="*/ 193430 w 2380956"/>
-              <a:gd name="connsiteY15" fmla="*/ 2123885 h 2380956"/>
-              <a:gd name="connsiteX16" fmla="*/ 193430 w 2380956"/>
-              <a:gd name="connsiteY16" fmla="*/ 1839815 h 2380956"/>
-              <a:gd name="connsiteX17" fmla="*/ 143684 w 2380956"/>
-              <a:gd name="connsiteY17" fmla="*/ 1757931 h 2380956"/>
-              <a:gd name="connsiteX18" fmla="*/ 0 w 2380956"/>
-              <a:gd name="connsiteY18" fmla="*/ 1190478 h 2380956"/>
-              <a:gd name="connsiteX19" fmla="*/ 143684 w 2380956"/>
-              <a:gd name="connsiteY19" fmla="*/ 623026 h 2380956"/>
-              <a:gd name="connsiteX20" fmla="*/ 193430 w 2380956"/>
-              <a:gd name="connsiteY20" fmla="*/ 541142 h 2380956"/>
-              <a:gd name="connsiteX21" fmla="*/ 193430 w 2380956"/>
-              <a:gd name="connsiteY21" fmla="*/ 257071 h 2380956"/>
-              <a:gd name="connsiteX22" fmla="*/ 452984 w 2380956"/>
-              <a:gd name="connsiteY22" fmla="*/ 257071 h 2380956"/>
-              <a:gd name="connsiteX23" fmla="*/ 524871 w 2380956"/>
-              <a:gd name="connsiteY23" fmla="*/ 203315 h 2380956"/>
-              <a:gd name="connsiteX24" fmla="*/ 1190478 w 2380956"/>
-              <a:gd name="connsiteY24" fmla="*/ 0 h 2380956"/>
-            </a:gdLst>
-            <a:ahLst/>
-            <a:cxnLst>
-              <a:cxn ang="0">
-                <a:pos x="connsiteX0" y="connsiteY0"/>
-              </a:cxn>
-              <a:cxn ang="0">
-                <a:pos x="connsiteX1" y="connsiteY1"/>
-              </a:cxn>
-              <a:cxn ang="0">
-                <a:pos x="connsiteX2" y="connsiteY2"/>
-              </a:cxn>
-              <a:cxn ang="0">
-                <a:pos x="connsiteX3" y="connsiteY3"/>
-              </a:cxn>
-              <a:cxn ang="0">
-                <a:pos x="connsiteX4" y="connsiteY4"/>
-              </a:cxn>
-              <a:cxn ang="0">
-                <a:pos x="connsiteX5" y="connsiteY5"/>
-              </a:cxn>
-              <a:cxn ang="0">
-                <a:pos x="connsiteX6" y="connsiteY6"/>
-              </a:cxn>
-              <a:cxn ang="0">
-                <a:pos x="connsiteX7" y="connsiteY7"/>
-              </a:cxn>
-              <a:cxn ang="0">
-                <a:pos x="connsiteX8" y="connsiteY8"/>
-              </a:cxn>
-              <a:cxn ang="0">
-                <a:pos x="connsiteX9" y="connsiteY9"/>
-              </a:cxn>
-              <a:cxn ang="0">
-                <a:pos x="connsiteX10" y="connsiteY10"/>
-              </a:cxn>
-              <a:cxn ang="0">
-                <a:pos x="connsiteX11" y="connsiteY11"/>
-              </a:cxn>
-              <a:cxn ang="0">
-                <a:pos x="connsiteX12" y="connsiteY12"/>
-              </a:cxn>
-              <a:cxn ang="0">
-                <a:pos x="connsiteX13" y="connsiteY13"/>
-              </a:cxn>
-              <a:cxn ang="0">
-                <a:pos x="connsiteX14" y="connsiteY14"/>
-              </a:cxn>
-              <a:cxn ang="0">
-                <a:pos x="connsiteX15" y="connsiteY15"/>
-              </a:cxn>
-              <a:cxn ang="0">
-                <a:pos x="connsiteX16" y="connsiteY16"/>
-              </a:cxn>
-              <a:cxn ang="0">
-                <a:pos x="connsiteX17" y="connsiteY17"/>
-              </a:cxn>
-              <a:cxn ang="0">
-                <a:pos x="connsiteX18" y="connsiteY18"/>
-              </a:cxn>
-              <a:cxn ang="0">
-                <a:pos x="connsiteX19" y="connsiteY19"/>
-              </a:cxn>
-              <a:cxn ang="0">
-                <a:pos x="connsiteX20" y="connsiteY20"/>
-              </a:cxn>
-              <a:cxn ang="0">
-                <a:pos x="connsiteX21" y="connsiteY21"/>
-              </a:cxn>
-              <a:cxn ang="0">
-                <a:pos x="connsiteX22" y="connsiteY22"/>
-              </a:cxn>
-              <a:cxn ang="0">
-                <a:pos x="connsiteX23" y="connsiteY23"/>
-              </a:cxn>
-              <a:cxn ang="0">
-                <a:pos x="connsiteX24" y="connsiteY24"/>
-              </a:cxn>
-            </a:cxnLst>
-            <a:rect l="l" t="t" r="r" b="b"/>
-            <a:pathLst>
-              <a:path w="2380956" h="2380956">
-                <a:moveTo>
-                  <a:pt x="1190478" y="0"/>
-                </a:moveTo>
-                <a:cubicBezTo>
-                  <a:pt x="1437034" y="0"/>
-                  <a:pt x="1666084" y="74952"/>
-                  <a:pt x="1856086" y="203315"/>
-                </a:cubicBezTo>
-                <a:lnTo>
-                  <a:pt x="1927973" y="257071"/>
-                </a:lnTo>
-                <a:lnTo>
-                  <a:pt x="2187526" y="257071"/>
-                </a:lnTo>
-                <a:lnTo>
-                  <a:pt x="2187526" y="541142"/>
-                </a:lnTo>
-                <a:lnTo>
-                  <a:pt x="2237272" y="623026"/>
-                </a:lnTo>
-                <a:cubicBezTo>
-                  <a:pt x="2328906" y="791708"/>
-                  <a:pt x="2380956" y="985015"/>
-                  <a:pt x="2380956" y="1190478"/>
-                </a:cubicBezTo>
-                <a:cubicBezTo>
-                  <a:pt x="2380956" y="1395942"/>
-                  <a:pt x="2328906" y="1589248"/>
-                  <a:pt x="2237272" y="1757931"/>
-                </a:cubicBezTo>
-                <a:lnTo>
-                  <a:pt x="2187526" y="1839815"/>
-                </a:lnTo>
-                <a:lnTo>
-                  <a:pt x="2187526" y="2123885"/>
-                </a:lnTo>
-                <a:lnTo>
-                  <a:pt x="1927973" y="2123885"/>
-                </a:lnTo>
-                <a:lnTo>
-                  <a:pt x="1856086" y="2177641"/>
-                </a:lnTo>
-                <a:cubicBezTo>
-                  <a:pt x="1666084" y="2306004"/>
-                  <a:pt x="1437034" y="2380956"/>
-                  <a:pt x="1190478" y="2380956"/>
-                </a:cubicBezTo>
-                <a:cubicBezTo>
-                  <a:pt x="943922" y="2380956"/>
-                  <a:pt x="714872" y="2306004"/>
-                  <a:pt x="524871" y="2177641"/>
-                </a:cubicBezTo>
-                <a:lnTo>
-                  <a:pt x="452984" y="2123885"/>
-                </a:lnTo>
-                <a:lnTo>
-                  <a:pt x="193430" y="2123885"/>
-                </a:lnTo>
-                <a:lnTo>
-                  <a:pt x="193430" y="1839815"/>
-                </a:lnTo>
-                <a:lnTo>
-                  <a:pt x="143684" y="1757931"/>
-                </a:lnTo>
-                <a:cubicBezTo>
-                  <a:pt x="52050" y="1589248"/>
-                  <a:pt x="0" y="1395942"/>
-                  <a:pt x="0" y="1190478"/>
-                </a:cubicBezTo>
-                <a:cubicBezTo>
-                  <a:pt x="0" y="985015"/>
-                  <a:pt x="52050" y="791708"/>
-                  <a:pt x="143684" y="623026"/>
-                </a:cubicBezTo>
-                <a:lnTo>
-                  <a:pt x="193430" y="541142"/>
-                </a:lnTo>
-                <a:lnTo>
-                  <a:pt x="193430" y="257071"/>
-                </a:lnTo>
-                <a:lnTo>
-                  <a:pt x="452984" y="257071"/>
-                </a:lnTo>
-                <a:lnTo>
-                  <a:pt x="524871" y="203315"/>
-                </a:lnTo>
-                <a:cubicBezTo>
-                  <a:pt x="714872" y="74952"/>
-                  <a:pt x="943922" y="0"/>
-                  <a:pt x="1190478" y="0"/>
-                </a:cubicBezTo>
-                <a:close/>
-              </a:path>
-            </a:pathLst>
-          </a:custGeom>
-          <a:solidFill>
-            <a:schemeClr val="bg1"/>
-          </a:solidFill>
-          <a:ln w="57150">
-            <a:solidFill>
-              <a:schemeClr val="tx1"/>
-            </a:solidFill>
-          </a:ln>
-        </p:spPr>
-      </p:pic>
-      <p:sp>
-        <p:nvSpPr>
-          <p:cNvPr id="28" name="Rectangle 27">
-            <a:extLst>
-              <a:ext uri="{FF2B5EF4-FFF2-40B4-BE49-F238E27FC236}">
-                <a16:creationId xmlns:a16="http://schemas.microsoft.com/office/drawing/2014/main" id="{2F4A8C6D-F593-4835-8761-2BF188525389}"/>
-              </a:ext>
-            </a:extLst>
-          </p:cNvPr>
-          <p:cNvSpPr/>
-          <p:nvPr/>
-        </p:nvSpPr>
-        <p:spPr>
-          <a:xfrm>
-            <a:off x="1103142" y="5017475"/>
-            <a:ext cx="4651716" cy="481419"/>
-          </a:xfrm>
-          <a:prstGeom prst="rect">
-            <a:avLst/>
-          </a:prstGeom>
-        </p:spPr>
-        <p:style>
-          <a:lnRef idx="2">
-            <a:schemeClr val="dk1"/>
-          </a:lnRef>
-          <a:fillRef idx="1">
-            <a:schemeClr val="lt1"/>
-          </a:fillRef>
-          <a:effectRef idx="0">
-            <a:schemeClr val="dk1"/>
-          </a:effectRef>
-          <a:fontRef idx="minor">
-            <a:schemeClr val="dk1"/>
-          </a:fontRef>
-        </p:style>
-        <p:txBody>
-          <a:bodyPr rtlCol="0" anchor="ctr"/>
-          <a:lstStyle/>
-          <a:p>
-            <a:pPr algn="just"/>
-            <a:r>
-              <a:rPr lang="en-PH" sz="2492" dirty="0">
-                <a:solidFill>
-                  <a:schemeClr val="bg1">
-                    <a:lumMod val="65000"/>
-                  </a:schemeClr>
-                </a:solidFill>
-                <a:latin typeface="Tahoma" panose="020B0604030504040204" pitchFamily="34" charset="0"/>
-                <a:ea typeface="Tahoma" panose="020B0604030504040204" pitchFamily="34" charset="0"/>
-                <a:cs typeface="Tahoma" panose="020B0604030504040204" pitchFamily="34" charset="0"/>
-              </a:rPr>
-              <a:t>email</a:t>
-            </a:r>
-          </a:p>
-        </p:txBody>
-      </p:sp>
-      <p:sp>
-        <p:nvSpPr>
-          <p:cNvPr id="31" name="Rectangle 30">
-            <a:extLst>
-              <a:ext uri="{FF2B5EF4-FFF2-40B4-BE49-F238E27FC236}">
-                <a16:creationId xmlns:a16="http://schemas.microsoft.com/office/drawing/2014/main" id="{D5036C85-039A-428C-9108-42A896F287E9}"/>
-              </a:ext>
-            </a:extLst>
-          </p:cNvPr>
-          <p:cNvSpPr/>
-          <p:nvPr/>
-        </p:nvSpPr>
-        <p:spPr>
-          <a:xfrm>
-            <a:off x="1103142" y="5855283"/>
-            <a:ext cx="4651716" cy="481419"/>
-          </a:xfrm>
-          <a:prstGeom prst="rect">
-            <a:avLst/>
-          </a:prstGeom>
-        </p:spPr>
-        <p:style>
-          <a:lnRef idx="2">
-            <a:schemeClr val="dk1"/>
-          </a:lnRef>
-          <a:fillRef idx="1">
-            <a:schemeClr val="lt1"/>
-          </a:fillRef>
-          <a:effectRef idx="0">
-            <a:schemeClr val="dk1"/>
-          </a:effectRef>
-          <a:fontRef idx="minor">
-            <a:schemeClr val="dk1"/>
-          </a:fontRef>
-        </p:style>
-        <p:txBody>
-          <a:bodyPr rtlCol="0" anchor="ctr"/>
-          <a:lstStyle/>
-          <a:p>
-            <a:pPr algn="just"/>
-            <a:r>
-              <a:rPr lang="en-PH" sz="2492" dirty="0">
-                <a:solidFill>
-                  <a:schemeClr val="bg1">
-                    <a:lumMod val="65000"/>
-                  </a:schemeClr>
-                </a:solidFill>
-                <a:latin typeface="Tahoma" panose="020B0604030504040204" pitchFamily="34" charset="0"/>
-                <a:ea typeface="Tahoma" panose="020B0604030504040204" pitchFamily="34" charset="0"/>
-                <a:cs typeface="Tahoma" panose="020B0604030504040204" pitchFamily="34" charset="0"/>
-              </a:rPr>
-              <a:t>password</a:t>
-            </a:r>
-          </a:p>
-        </p:txBody>
-      </p:sp>
-      <p:sp>
-        <p:nvSpPr>
-          <p:cNvPr id="32" name="Rectangle: Rounded Corners 31">
-            <a:hlinkClick r:id="rId4" action="ppaction://hlinksldjump" highlightClick="1"/>
-            <a:extLst>
-              <a:ext uri="{FF2B5EF4-FFF2-40B4-BE49-F238E27FC236}">
-                <a16:creationId xmlns:a16="http://schemas.microsoft.com/office/drawing/2014/main" id="{A779DE72-630C-41ED-A6D2-9F09AAF44049}"/>
-              </a:ext>
-            </a:extLst>
-          </p:cNvPr>
-          <p:cNvSpPr/>
-          <p:nvPr/>
-        </p:nvSpPr>
-        <p:spPr>
-          <a:xfrm>
-            <a:off x="2266955" y="6696202"/>
-            <a:ext cx="2324108" cy="604268"/>
-          </a:xfrm>
-          <a:prstGeom prst="roundRect">
-            <a:avLst>
-              <a:gd name="adj" fmla="val 50000"/>
-            </a:avLst>
-          </a:prstGeom>
-          <a:ln>
-            <a:solidFill>
-              <a:schemeClr val="tx1"/>
-            </a:solidFill>
-          </a:ln>
-        </p:spPr>
-        <p:style>
-          <a:lnRef idx="1">
-            <a:schemeClr val="accent4"/>
-          </a:lnRef>
-          <a:fillRef idx="2">
-            <a:schemeClr val="accent4"/>
-          </a:fillRef>
-          <a:effectRef idx="1">
-            <a:schemeClr val="accent4"/>
-          </a:effectRef>
-          <a:fontRef idx="minor">
-            <a:schemeClr val="dk1"/>
-          </a:fontRef>
-        </p:style>
-        <p:txBody>
-          <a:bodyPr rtlCol="0" anchor="ctr"/>
-          <a:lstStyle/>
-          <a:p>
-            <a:pPr algn="ctr"/>
-            <a:r>
               <a:rPr lang="en-PH" sz="2800" dirty="0">
                 <a:latin typeface="Tahoma" panose="020B0604030504040204" pitchFamily="34" charset="0"/>
                 <a:ea typeface="Tahoma" panose="020B0604030504040204" pitchFamily="34" charset="0"/>
@@ -10674,7 +9639,7 @@
       <p:sp>
         <p:nvSpPr>
           <p:cNvPr id="42" name="Isosceles Triangle 41">
-            <a:hlinkClick r:id="" action="ppaction://hlinkshowjump?jump=previousslide" highlightClick="1"/>
+            <a:hlinkClick r:id="rId7" action="ppaction://hlinksldjump" highlightClick="1"/>
             <a:extLst>
               <a:ext uri="{FF2B5EF4-FFF2-40B4-BE49-F238E27FC236}">
                 <a16:creationId xmlns:a16="http://schemas.microsoft.com/office/drawing/2014/main" id="{F93669CE-7623-4935-B0C2-8FBB9C96D68C}"/>
@@ -10946,11 +9911,11 @@
   <p:clrMapOvr>
     <a:masterClrMapping/>
   </p:clrMapOvr>
-  <mc:AlternateContent xmlns:mc="http://schemas.openxmlformats.org/markup-compatibility/2006">
-    <mc:Choice xmlns:p14="http://schemas.microsoft.com/office/powerpoint/2010/main" Requires="p14">
+  <mc:AlternateContent xmlns:mc="http://schemas.openxmlformats.org/markup-compatibility/2006" xmlns:p14="http://schemas.microsoft.com/office/powerpoint/2010/main">
+    <mc:Choice Requires="p14">
       <p:transition spd="slow" p14:dur="2000" advClick="0"/>
     </mc:Choice>
-    <mc:Fallback>
+    <mc:Fallback xmlns="">
       <p:transition spd="slow" advClick="0"/>
     </mc:Fallback>
   </mc:AlternateContent>
@@ -12942,11 +11907,11 @@
   <p:clrMapOvr>
     <a:masterClrMapping/>
   </p:clrMapOvr>
-  <mc:AlternateContent xmlns:mc="http://schemas.openxmlformats.org/markup-compatibility/2006">
-    <mc:Choice xmlns:p14="http://schemas.microsoft.com/office/powerpoint/2010/main" Requires="p14">
+  <mc:AlternateContent xmlns:mc="http://schemas.openxmlformats.org/markup-compatibility/2006" xmlns:p14="http://schemas.microsoft.com/office/powerpoint/2010/main">
+    <mc:Choice Requires="p14">
       <p:transition spd="slow" p14:dur="2000" advClick="0"/>
     </mc:Choice>
-    <mc:Fallback>
+    <mc:Fallback xmlns="">
       <p:transition spd="slow" advClick="0"/>
     </mc:Fallback>
   </mc:AlternateContent>
@@ -13831,6 +12796,537 @@
           <a:chExt cx="0" cy="0"/>
         </a:xfrm>
       </p:grpSpPr>
+      <p:sp>
+        <p:nvSpPr>
+          <p:cNvPr id="2" name="Freeform: Shape 1">
+            <a:extLst>
+              <a:ext uri="{FF2B5EF4-FFF2-40B4-BE49-F238E27FC236}">
+                <a16:creationId xmlns:a16="http://schemas.microsoft.com/office/drawing/2014/main" id="{F9A92602-65F5-4C1E-A08C-286E79119A55}"/>
+              </a:ext>
+            </a:extLst>
+          </p:cNvPr>
+          <p:cNvSpPr/>
+          <p:nvPr/>
+        </p:nvSpPr>
+        <p:spPr>
+          <a:xfrm>
+            <a:off x="286171" y="346929"/>
+            <a:ext cx="6285657" cy="11498142"/>
+          </a:xfrm>
+          <a:custGeom>
+            <a:avLst/>
+            <a:gdLst>
+              <a:gd name="connsiteX0" fmla="*/ 728167 w 3535680"/>
+              <a:gd name="connsiteY0" fmla="*/ 255023 h 6467707"/>
+              <a:gd name="connsiteX1" fmla="*/ 210073 w 3535680"/>
+              <a:gd name="connsiteY1" fmla="*/ 773117 h 6467707"/>
+              <a:gd name="connsiteX2" fmla="*/ 210073 w 3535680"/>
+              <a:gd name="connsiteY2" fmla="*/ 5406208 h 6467707"/>
+              <a:gd name="connsiteX3" fmla="*/ 728167 w 3535680"/>
+              <a:gd name="connsiteY3" fmla="*/ 5924302 h 6467707"/>
+              <a:gd name="connsiteX4" fmla="*/ 2800478 w 3535680"/>
+              <a:gd name="connsiteY4" fmla="*/ 5924302 h 6467707"/>
+              <a:gd name="connsiteX5" fmla="*/ 3318572 w 3535680"/>
+              <a:gd name="connsiteY5" fmla="*/ 5406208 h 6467707"/>
+              <a:gd name="connsiteX6" fmla="*/ 3318572 w 3535680"/>
+              <a:gd name="connsiteY6" fmla="*/ 773117 h 6467707"/>
+              <a:gd name="connsiteX7" fmla="*/ 2800478 w 3535680"/>
+              <a:gd name="connsiteY7" fmla="*/ 255023 h 6467707"/>
+              <a:gd name="connsiteX8" fmla="*/ 589292 w 3535680"/>
+              <a:gd name="connsiteY8" fmla="*/ 0 h 6467707"/>
+              <a:gd name="connsiteX9" fmla="*/ 2946388 w 3535680"/>
+              <a:gd name="connsiteY9" fmla="*/ 0 h 6467707"/>
+              <a:gd name="connsiteX10" fmla="*/ 3535680 w 3535680"/>
+              <a:gd name="connsiteY10" fmla="*/ 589292 h 6467707"/>
+              <a:gd name="connsiteX11" fmla="*/ 3535680 w 3535680"/>
+              <a:gd name="connsiteY11" fmla="*/ 5878415 h 6467707"/>
+              <a:gd name="connsiteX12" fmla="*/ 2946388 w 3535680"/>
+              <a:gd name="connsiteY12" fmla="*/ 6467707 h 6467707"/>
+              <a:gd name="connsiteX13" fmla="*/ 589292 w 3535680"/>
+              <a:gd name="connsiteY13" fmla="*/ 6467707 h 6467707"/>
+              <a:gd name="connsiteX14" fmla="*/ 0 w 3535680"/>
+              <a:gd name="connsiteY14" fmla="*/ 5878415 h 6467707"/>
+              <a:gd name="connsiteX15" fmla="*/ 0 w 3535680"/>
+              <a:gd name="connsiteY15" fmla="*/ 589292 h 6467707"/>
+              <a:gd name="connsiteX16" fmla="*/ 589292 w 3535680"/>
+              <a:gd name="connsiteY16" fmla="*/ 0 h 6467707"/>
+            </a:gdLst>
+            <a:ahLst/>
+            <a:cxnLst>
+              <a:cxn ang="0">
+                <a:pos x="connsiteX0" y="connsiteY0"/>
+              </a:cxn>
+              <a:cxn ang="0">
+                <a:pos x="connsiteX1" y="connsiteY1"/>
+              </a:cxn>
+              <a:cxn ang="0">
+                <a:pos x="connsiteX2" y="connsiteY2"/>
+              </a:cxn>
+              <a:cxn ang="0">
+                <a:pos x="connsiteX3" y="connsiteY3"/>
+              </a:cxn>
+              <a:cxn ang="0">
+                <a:pos x="connsiteX4" y="connsiteY4"/>
+              </a:cxn>
+              <a:cxn ang="0">
+                <a:pos x="connsiteX5" y="connsiteY5"/>
+              </a:cxn>
+              <a:cxn ang="0">
+                <a:pos x="connsiteX6" y="connsiteY6"/>
+              </a:cxn>
+              <a:cxn ang="0">
+                <a:pos x="connsiteX7" y="connsiteY7"/>
+              </a:cxn>
+              <a:cxn ang="0">
+                <a:pos x="connsiteX8" y="connsiteY8"/>
+              </a:cxn>
+              <a:cxn ang="0">
+                <a:pos x="connsiteX9" y="connsiteY9"/>
+              </a:cxn>
+              <a:cxn ang="0">
+                <a:pos x="connsiteX10" y="connsiteY10"/>
+              </a:cxn>
+              <a:cxn ang="0">
+                <a:pos x="connsiteX11" y="connsiteY11"/>
+              </a:cxn>
+              <a:cxn ang="0">
+                <a:pos x="connsiteX12" y="connsiteY12"/>
+              </a:cxn>
+              <a:cxn ang="0">
+                <a:pos x="connsiteX13" y="connsiteY13"/>
+              </a:cxn>
+              <a:cxn ang="0">
+                <a:pos x="connsiteX14" y="connsiteY14"/>
+              </a:cxn>
+              <a:cxn ang="0">
+                <a:pos x="connsiteX15" y="connsiteY15"/>
+              </a:cxn>
+              <a:cxn ang="0">
+                <a:pos x="connsiteX16" y="connsiteY16"/>
+              </a:cxn>
+            </a:cxnLst>
+            <a:rect l="l" t="t" r="r" b="b"/>
+            <a:pathLst>
+              <a:path w="3535680" h="6467707">
+                <a:moveTo>
+                  <a:pt x="728167" y="255023"/>
+                </a:moveTo>
+                <a:cubicBezTo>
+                  <a:pt x="442032" y="255023"/>
+                  <a:pt x="210073" y="486982"/>
+                  <a:pt x="210073" y="773117"/>
+                </a:cubicBezTo>
+                <a:lnTo>
+                  <a:pt x="210073" y="5406208"/>
+                </a:lnTo>
+                <a:cubicBezTo>
+                  <a:pt x="210073" y="5692343"/>
+                  <a:pt x="442032" y="5924302"/>
+                  <a:pt x="728167" y="5924302"/>
+                </a:cubicBezTo>
+                <a:lnTo>
+                  <a:pt x="2800478" y="5924302"/>
+                </a:lnTo>
+                <a:cubicBezTo>
+                  <a:pt x="3086613" y="5924302"/>
+                  <a:pt x="3318572" y="5692343"/>
+                  <a:pt x="3318572" y="5406208"/>
+                </a:cubicBezTo>
+                <a:lnTo>
+                  <a:pt x="3318572" y="773117"/>
+                </a:lnTo>
+                <a:cubicBezTo>
+                  <a:pt x="3318572" y="486982"/>
+                  <a:pt x="3086613" y="255023"/>
+                  <a:pt x="2800478" y="255023"/>
+                </a:cubicBezTo>
+                <a:close/>
+                <a:moveTo>
+                  <a:pt x="589292" y="0"/>
+                </a:moveTo>
+                <a:lnTo>
+                  <a:pt x="2946388" y="0"/>
+                </a:lnTo>
+                <a:cubicBezTo>
+                  <a:pt x="3271845" y="0"/>
+                  <a:pt x="3535680" y="263835"/>
+                  <a:pt x="3535680" y="589292"/>
+                </a:cubicBezTo>
+                <a:lnTo>
+                  <a:pt x="3535680" y="5878415"/>
+                </a:lnTo>
+                <a:cubicBezTo>
+                  <a:pt x="3535680" y="6203872"/>
+                  <a:pt x="3271845" y="6467707"/>
+                  <a:pt x="2946388" y="6467707"/>
+                </a:cubicBezTo>
+                <a:lnTo>
+                  <a:pt x="589292" y="6467707"/>
+                </a:lnTo>
+                <a:cubicBezTo>
+                  <a:pt x="263835" y="6467707"/>
+                  <a:pt x="0" y="6203872"/>
+                  <a:pt x="0" y="5878415"/>
+                </a:cubicBezTo>
+                <a:lnTo>
+                  <a:pt x="0" y="589292"/>
+                </a:lnTo>
+                <a:cubicBezTo>
+                  <a:pt x="0" y="263835"/>
+                  <a:pt x="263835" y="0"/>
+                  <a:pt x="589292" y="0"/>
+                </a:cubicBezTo>
+                <a:close/>
+              </a:path>
+            </a:pathLst>
+          </a:custGeom>
+          <a:solidFill>
+            <a:schemeClr val="bg1">
+              <a:lumMod val="85000"/>
+            </a:schemeClr>
+          </a:solidFill>
+          <a:ln w="76200">
+            <a:solidFill>
+              <a:schemeClr val="tx1"/>
+            </a:solidFill>
+          </a:ln>
+        </p:spPr>
+        <p:style>
+          <a:lnRef idx="2">
+            <a:schemeClr val="accent1">
+              <a:shade val="50000"/>
+            </a:schemeClr>
+          </a:lnRef>
+          <a:fillRef idx="1">
+            <a:schemeClr val="accent1"/>
+          </a:fillRef>
+          <a:effectRef idx="0">
+            <a:schemeClr val="accent1"/>
+          </a:effectRef>
+          <a:fontRef idx="minor">
+            <a:schemeClr val="lt1"/>
+          </a:fontRef>
+        </p:style>
+        <p:txBody>
+          <a:bodyPr rtlCol="0" anchor="ctr"/>
+          <a:lstStyle/>
+          <a:p>
+            <a:pPr algn="ctr"/>
+            <a:endParaRPr lang="en-PH" sz="1424">
+              <a:latin typeface="Tahoma" panose="020B0604030504040204" pitchFamily="34" charset="0"/>
+              <a:ea typeface="Tahoma" panose="020B0604030504040204" pitchFamily="34" charset="0"/>
+              <a:cs typeface="Tahoma" panose="020B0604030504040204" pitchFamily="34" charset="0"/>
+            </a:endParaRPr>
+          </a:p>
+        </p:txBody>
+      </p:sp>
+      <p:pic>
+        <p:nvPicPr>
+          <p:cNvPr id="6" name="Picture 5">
+            <a:extLst>
+              <a:ext uri="{FF2B5EF4-FFF2-40B4-BE49-F238E27FC236}">
+                <a16:creationId xmlns:a16="http://schemas.microsoft.com/office/drawing/2014/main" id="{58CEE34D-49C7-4EA1-9582-A559AF97013A}"/>
+              </a:ext>
+            </a:extLst>
+          </p:cNvPr>
+          <p:cNvPicPr>
+            <a:picLocks noChangeAspect="1"/>
+          </p:cNvPicPr>
+          <p:nvPr/>
+        </p:nvPicPr>
+        <p:blipFill>
+          <a:blip r:embed="rId3">
+            <a:extLst>
+              <a:ext uri="{28A0092B-C50C-407E-A947-70E740481C1C}">
+                <a14:useLocalDpi xmlns:a14="http://schemas.microsoft.com/office/drawing/2010/main" val="0"/>
+              </a:ext>
+            </a:extLst>
+          </a:blip>
+          <a:stretch>
+            <a:fillRect/>
+          </a:stretch>
+        </p:blipFill>
+        <p:spPr>
+          <a:xfrm>
+            <a:off x="2528998" y="3616874"/>
+            <a:ext cx="1800000" cy="1800000"/>
+          </a:xfrm>
+          <a:prstGeom prst="rect">
+            <a:avLst/>
+          </a:prstGeom>
+        </p:spPr>
+      </p:pic>
+      <p:sp>
+        <p:nvSpPr>
+          <p:cNvPr id="7" name="TextBox 6">
+            <a:extLst>
+              <a:ext uri="{FF2B5EF4-FFF2-40B4-BE49-F238E27FC236}">
+                <a16:creationId xmlns:a16="http://schemas.microsoft.com/office/drawing/2014/main" id="{509B6BEF-7E9D-490D-B7FD-58511345122C}"/>
+              </a:ext>
+            </a:extLst>
+          </p:cNvPr>
+          <p:cNvSpPr txBox="1"/>
+          <p:nvPr/>
+        </p:nvSpPr>
+        <p:spPr>
+          <a:xfrm>
+            <a:off x="1413061" y="5666331"/>
+            <a:ext cx="4031873" cy="859338"/>
+          </a:xfrm>
+          <a:prstGeom prst="rect">
+            <a:avLst/>
+          </a:prstGeom>
+          <a:noFill/>
+        </p:spPr>
+        <p:txBody>
+          <a:bodyPr wrap="none" rtlCol="0">
+            <a:spAutoFit/>
+          </a:bodyPr>
+          <a:lstStyle/>
+          <a:p>
+            <a:pPr algn="ctr"/>
+            <a:r>
+              <a:rPr lang="en-PH" sz="2492" b="1" dirty="0">
+                <a:latin typeface="Tahoma" panose="020B0604030504040204" pitchFamily="34" charset="0"/>
+                <a:ea typeface="Tahoma" panose="020B0604030504040204" pitchFamily="34" charset="0"/>
+                <a:cs typeface="Tahoma" panose="020B0604030504040204" pitchFamily="34" charset="0"/>
+              </a:rPr>
+              <a:t>You are now registered!</a:t>
+            </a:r>
+          </a:p>
+          <a:p>
+            <a:pPr algn="ctr"/>
+            <a:r>
+              <a:rPr lang="en-US" sz="2492" b="1" dirty="0">
+                <a:latin typeface="Tahoma" panose="020B0604030504040204" pitchFamily="34" charset="0"/>
+                <a:ea typeface="Tahoma" panose="020B0604030504040204" pitchFamily="34" charset="0"/>
+                <a:cs typeface="Tahoma" panose="020B0604030504040204" pitchFamily="34" charset="0"/>
+              </a:rPr>
+              <a:t>T</a:t>
+            </a:r>
+            <a:r>
+              <a:rPr lang="en-PH" sz="2492" b="1" dirty="0">
+                <a:latin typeface="Tahoma" panose="020B0604030504040204" pitchFamily="34" charset="0"/>
+                <a:ea typeface="Tahoma" panose="020B0604030504040204" pitchFamily="34" charset="0"/>
+                <a:cs typeface="Tahoma" panose="020B0604030504040204" pitchFamily="34" charset="0"/>
+              </a:rPr>
+              <a:t>hank you!</a:t>
+            </a:r>
+          </a:p>
+        </p:txBody>
+      </p:sp>
+      <p:sp>
+        <p:nvSpPr>
+          <p:cNvPr id="8" name="Rectangle: Rounded Corners 7">
+            <a:hlinkClick r:id="rId4" action="ppaction://hlinksldjump"/>
+            <a:extLst>
+              <a:ext uri="{FF2B5EF4-FFF2-40B4-BE49-F238E27FC236}">
+                <a16:creationId xmlns:a16="http://schemas.microsoft.com/office/drawing/2014/main" id="{80898EEE-62D3-49A0-AE9B-5E6DB0D311EF}"/>
+              </a:ext>
+            </a:extLst>
+          </p:cNvPr>
+          <p:cNvSpPr/>
+          <p:nvPr/>
+        </p:nvSpPr>
+        <p:spPr>
+          <a:xfrm>
+            <a:off x="2266943" y="7170173"/>
+            <a:ext cx="2324108" cy="604268"/>
+          </a:xfrm>
+          <a:prstGeom prst="roundRect">
+            <a:avLst>
+              <a:gd name="adj" fmla="val 50000"/>
+            </a:avLst>
+          </a:prstGeom>
+          <a:ln>
+            <a:solidFill>
+              <a:schemeClr val="tx1"/>
+            </a:solidFill>
+          </a:ln>
+        </p:spPr>
+        <p:style>
+          <a:lnRef idx="1">
+            <a:schemeClr val="accent4"/>
+          </a:lnRef>
+          <a:fillRef idx="2">
+            <a:schemeClr val="accent4"/>
+          </a:fillRef>
+          <a:effectRef idx="1">
+            <a:schemeClr val="accent4"/>
+          </a:effectRef>
+          <a:fontRef idx="minor">
+            <a:schemeClr val="dk1"/>
+          </a:fontRef>
+        </p:style>
+        <p:txBody>
+          <a:bodyPr rtlCol="0" anchor="ctr"/>
+          <a:lstStyle/>
+          <a:p>
+            <a:pPr algn="ctr"/>
+            <a:r>
+              <a:rPr lang="en-US" sz="2500" dirty="0">
+                <a:latin typeface="Tahoma" panose="020B0604030504040204" pitchFamily="34" charset="0"/>
+                <a:ea typeface="Tahoma" panose="020B0604030504040204" pitchFamily="34" charset="0"/>
+                <a:cs typeface="Tahoma" panose="020B0604030504040204" pitchFamily="34" charset="0"/>
+              </a:rPr>
+              <a:t>O</a:t>
+            </a:r>
+            <a:r>
+              <a:rPr lang="en-PH" sz="2500" dirty="0">
+                <a:latin typeface="Tahoma" panose="020B0604030504040204" pitchFamily="34" charset="0"/>
+                <a:ea typeface="Tahoma" panose="020B0604030504040204" pitchFamily="34" charset="0"/>
+                <a:cs typeface="Tahoma" panose="020B0604030504040204" pitchFamily="34" charset="0"/>
+              </a:rPr>
+              <a:t>k</a:t>
+            </a:r>
+          </a:p>
+        </p:txBody>
+      </p:sp>
+      <p:sp>
+        <p:nvSpPr>
+          <p:cNvPr id="9" name="Isosceles Triangle 8">
+            <a:hlinkClick r:id="" action="ppaction://noaction" highlightClick="1"/>
+            <a:extLst>
+              <a:ext uri="{FF2B5EF4-FFF2-40B4-BE49-F238E27FC236}">
+                <a16:creationId xmlns:a16="http://schemas.microsoft.com/office/drawing/2014/main" id="{41EE36F3-B12A-483B-8F56-DE293FE0650D}"/>
+              </a:ext>
+            </a:extLst>
+          </p:cNvPr>
+          <p:cNvSpPr/>
+          <p:nvPr/>
+        </p:nvSpPr>
+        <p:spPr>
+          <a:xfrm rot="16200000">
+            <a:off x="2111607" y="10263126"/>
+            <a:ext cx="393593" cy="304329"/>
+          </a:xfrm>
+          <a:prstGeom prst="triangle">
+            <a:avLst/>
+          </a:prstGeom>
+        </p:spPr>
+        <p:style>
+          <a:lnRef idx="1">
+            <a:schemeClr val="accent3"/>
+          </a:lnRef>
+          <a:fillRef idx="2">
+            <a:schemeClr val="accent3"/>
+          </a:fillRef>
+          <a:effectRef idx="1">
+            <a:schemeClr val="accent3"/>
+          </a:effectRef>
+          <a:fontRef idx="minor">
+            <a:schemeClr val="dk1"/>
+          </a:fontRef>
+        </p:style>
+        <p:txBody>
+          <a:bodyPr rtlCol="0" anchor="ctr"/>
+          <a:lstStyle/>
+          <a:p>
+            <a:pPr algn="ctr"/>
+            <a:endParaRPr lang="en-PH" sz="1424">
+              <a:latin typeface="Tahoma" panose="020B0604030504040204" pitchFamily="34" charset="0"/>
+              <a:ea typeface="Tahoma" panose="020B0604030504040204" pitchFamily="34" charset="0"/>
+              <a:cs typeface="Tahoma" panose="020B0604030504040204" pitchFamily="34" charset="0"/>
+            </a:endParaRPr>
+          </a:p>
+        </p:txBody>
+      </p:sp>
+      <p:sp>
+        <p:nvSpPr>
+          <p:cNvPr id="10" name="Rectangle 9">
+            <a:extLst>
+              <a:ext uri="{FF2B5EF4-FFF2-40B4-BE49-F238E27FC236}">
+                <a16:creationId xmlns:a16="http://schemas.microsoft.com/office/drawing/2014/main" id="{A71A2EAD-692D-444E-B6E6-6D4A8ADC11FA}"/>
+              </a:ext>
+            </a:extLst>
+          </p:cNvPr>
+          <p:cNvSpPr/>
+          <p:nvPr/>
+        </p:nvSpPr>
+        <p:spPr>
+          <a:xfrm>
+            <a:off x="4246628" y="10218485"/>
+            <a:ext cx="393593" cy="393593"/>
+          </a:xfrm>
+          <a:prstGeom prst="rect">
+            <a:avLst/>
+          </a:prstGeom>
+        </p:spPr>
+        <p:style>
+          <a:lnRef idx="1">
+            <a:schemeClr val="accent3"/>
+          </a:lnRef>
+          <a:fillRef idx="2">
+            <a:schemeClr val="accent3"/>
+          </a:fillRef>
+          <a:effectRef idx="1">
+            <a:schemeClr val="accent3"/>
+          </a:effectRef>
+          <a:fontRef idx="minor">
+            <a:schemeClr val="dk1"/>
+          </a:fontRef>
+        </p:style>
+        <p:txBody>
+          <a:bodyPr rtlCol="0" anchor="ctr"/>
+          <a:lstStyle/>
+          <a:p>
+            <a:pPr algn="ctr"/>
+            <a:endParaRPr lang="en-PH" sz="1424">
+              <a:latin typeface="Tahoma" panose="020B0604030504040204" pitchFamily="34" charset="0"/>
+              <a:ea typeface="Tahoma" panose="020B0604030504040204" pitchFamily="34" charset="0"/>
+              <a:cs typeface="Tahoma" panose="020B0604030504040204" pitchFamily="34" charset="0"/>
+            </a:endParaRPr>
+          </a:p>
+        </p:txBody>
+      </p:sp>
+      <p:sp>
+        <p:nvSpPr>
+          <p:cNvPr id="11" name="Oval 10">
+            <a:extLst>
+              <a:ext uri="{FF2B5EF4-FFF2-40B4-BE49-F238E27FC236}">
+                <a16:creationId xmlns:a16="http://schemas.microsoft.com/office/drawing/2014/main" id="{84D64CD1-F7BB-43FB-8D21-2ED7FE2F6A16}"/>
+              </a:ext>
+            </a:extLst>
+          </p:cNvPr>
+          <p:cNvSpPr/>
+          <p:nvPr/>
+        </p:nvSpPr>
+        <p:spPr>
+          <a:xfrm>
+            <a:off x="3156798" y="10237842"/>
+            <a:ext cx="393593" cy="393593"/>
+          </a:xfrm>
+          <a:prstGeom prst="ellipse">
+            <a:avLst/>
+          </a:prstGeom>
+        </p:spPr>
+        <p:style>
+          <a:lnRef idx="1">
+            <a:schemeClr val="accent3"/>
+          </a:lnRef>
+          <a:fillRef idx="2">
+            <a:schemeClr val="accent3"/>
+          </a:fillRef>
+          <a:effectRef idx="1">
+            <a:schemeClr val="accent3"/>
+          </a:effectRef>
+          <a:fontRef idx="minor">
+            <a:schemeClr val="dk1"/>
+          </a:fontRef>
+        </p:style>
+        <p:txBody>
+          <a:bodyPr rtlCol="0" anchor="ctr"/>
+          <a:lstStyle/>
+          <a:p>
+            <a:pPr algn="ctr"/>
+            <a:endParaRPr lang="en-PH" sz="1424">
+              <a:latin typeface="Tahoma" panose="020B0604030504040204" pitchFamily="34" charset="0"/>
+              <a:ea typeface="Tahoma" panose="020B0604030504040204" pitchFamily="34" charset="0"/>
+              <a:cs typeface="Tahoma" panose="020B0604030504040204" pitchFamily="34" charset="0"/>
+            </a:endParaRPr>
+          </a:p>
+        </p:txBody>
+      </p:sp>
     </p:spTree>
     <p:extLst>
       <p:ext uri="{BB962C8B-B14F-4D97-AF65-F5344CB8AC3E}">
@@ -13841,11 +13337,11 @@
   <p:clrMapOvr>
     <a:masterClrMapping/>
   </p:clrMapOvr>
-  <mc:AlternateContent xmlns:mc="http://schemas.openxmlformats.org/markup-compatibility/2006">
-    <mc:Choice xmlns:p14="http://schemas.microsoft.com/office/powerpoint/2010/main" Requires="p14">
+  <mc:AlternateContent xmlns:mc="http://schemas.openxmlformats.org/markup-compatibility/2006" xmlns:p14="http://schemas.microsoft.com/office/powerpoint/2010/main">
+    <mc:Choice Requires="p14">
       <p:transition spd="slow" p14:dur="2000" advClick="0"/>
     </mc:Choice>
-    <mc:Fallback>
+    <mc:Fallback xmlns="">
       <p:transition spd="slow" advClick="0"/>
     </mc:Fallback>
   </mc:AlternateContent>
@@ -16912,11 +16408,11 @@
   <p:clrMapOvr>
     <a:masterClrMapping/>
   </p:clrMapOvr>
-  <mc:AlternateContent xmlns:mc="http://schemas.openxmlformats.org/markup-compatibility/2006">
-    <mc:Choice xmlns:p14="http://schemas.microsoft.com/office/powerpoint/2010/main" Requires="p14">
+  <mc:AlternateContent xmlns:mc="http://schemas.openxmlformats.org/markup-compatibility/2006" xmlns:p14="http://schemas.microsoft.com/office/powerpoint/2010/main">
+    <mc:Choice Requires="p14">
       <p:transition spd="slow" p14:dur="2000" advClick="0"/>
     </mc:Choice>
-    <mc:Fallback>
+    <mc:Fallback xmlns="">
       <p:transition spd="slow" advClick="0"/>
     </mc:Fallback>
   </mc:AlternateContent>
@@ -17489,6 +16985,7 @@
       <p:sp>
         <p:nvSpPr>
           <p:cNvPr id="11" name="Rectangle: Rounded Corners 10">
+            <a:hlinkClick r:id="rId2" action="ppaction://hlinksldjump"/>
             <a:extLst>
               <a:ext uri="{FF2B5EF4-FFF2-40B4-BE49-F238E27FC236}">
                 <a16:creationId xmlns:a16="http://schemas.microsoft.com/office/drawing/2014/main" id="{93B65B80-046A-4D06-8921-DBB7B44DA0E2}"/>
@@ -17547,6 +17044,7 @@
       <p:sp>
         <p:nvSpPr>
           <p:cNvPr id="12" name="Rectangle: Rounded Corners 11">
+            <a:hlinkClick r:id="rId3" action="ppaction://hlinksldjump"/>
             <a:extLst>
               <a:ext uri="{FF2B5EF4-FFF2-40B4-BE49-F238E27FC236}">
                 <a16:creationId xmlns:a16="http://schemas.microsoft.com/office/drawing/2014/main" id="{3963E242-3726-42AC-A028-F9E106250B08}"/>
@@ -17675,7 +17173,7 @@
           <p:nvPr/>
         </p:nvPicPr>
         <p:blipFill rotWithShape="1">
-          <a:blip r:embed="rId2">
+          <a:blip r:embed="rId4">
             <a:duotone>
               <a:prstClr val="black"/>
               <a:schemeClr val="accent5">
@@ -17686,7 +17184,7 @@
             <a:extLst>
               <a:ext uri="{BEBA8EAE-BF5A-486C-A8C5-ECC9F3942E4B}">
                 <a14:imgProps xmlns:a14="http://schemas.microsoft.com/office/drawing/2010/main">
-                  <a14:imgLayer r:embed="rId3">
+                  <a14:imgLayer r:embed="rId5">
                     <a14:imgEffect>
                       <a14:colorTemperature colorTemp="4700"/>
                     </a14:imgEffect>
@@ -17956,11 +17454,11 @@
   <p:clrMapOvr>
     <a:masterClrMapping/>
   </p:clrMapOvr>
-  <mc:AlternateContent xmlns:mc="http://schemas.openxmlformats.org/markup-compatibility/2006">
-    <mc:Choice xmlns:p14="http://schemas.microsoft.com/office/powerpoint/2010/main" Requires="p14">
+  <mc:AlternateContent xmlns:mc="http://schemas.openxmlformats.org/markup-compatibility/2006" xmlns:p14="http://schemas.microsoft.com/office/powerpoint/2010/main">
+    <mc:Choice Requires="p14">
       <p:transition spd="slow" p14:dur="2000" advClick="0"/>
     </mc:Choice>
-    <mc:Fallback>
+    <mc:Fallback xmlns="">
       <p:transition spd="slow" advClick="0"/>
     </mc:Fallback>
   </mc:AlternateContent>
@@ -18193,150 +17691,6 @@
           </a:effectRef>
           <a:fontRef idx="minor">
             <a:schemeClr val="lt1"/>
-          </a:fontRef>
-        </p:style>
-        <p:txBody>
-          <a:bodyPr rtlCol="0" anchor="ctr"/>
-          <a:lstStyle/>
-          <a:p>
-            <a:pPr algn="ctr"/>
-            <a:endParaRPr lang="en-PH" sz="1424">
-              <a:latin typeface="Tahoma" panose="020B0604030504040204" pitchFamily="34" charset="0"/>
-              <a:ea typeface="Tahoma" panose="020B0604030504040204" pitchFamily="34" charset="0"/>
-              <a:cs typeface="Tahoma" panose="020B0604030504040204" pitchFamily="34" charset="0"/>
-            </a:endParaRPr>
-          </a:p>
-        </p:txBody>
-      </p:sp>
-      <p:sp>
-        <p:nvSpPr>
-          <p:cNvPr id="56" name="Isosceles Triangle 55">
-            <a:extLst>
-              <a:ext uri="{FF2B5EF4-FFF2-40B4-BE49-F238E27FC236}">
-                <a16:creationId xmlns:a16="http://schemas.microsoft.com/office/drawing/2014/main" id="{432E519A-74BD-4DD9-920E-93B9DE299797}"/>
-              </a:ext>
-            </a:extLst>
-          </p:cNvPr>
-          <p:cNvSpPr/>
-          <p:nvPr/>
-        </p:nvSpPr>
-        <p:spPr>
-          <a:xfrm rot="16200000">
-            <a:off x="2185178" y="10243770"/>
-            <a:ext cx="393593" cy="304329"/>
-          </a:xfrm>
-          <a:prstGeom prst="triangle">
-            <a:avLst/>
-          </a:prstGeom>
-        </p:spPr>
-        <p:style>
-          <a:lnRef idx="1">
-            <a:schemeClr val="accent3"/>
-          </a:lnRef>
-          <a:fillRef idx="2">
-            <a:schemeClr val="accent3"/>
-          </a:fillRef>
-          <a:effectRef idx="1">
-            <a:schemeClr val="accent3"/>
-          </a:effectRef>
-          <a:fontRef idx="minor">
-            <a:schemeClr val="dk1"/>
-          </a:fontRef>
-        </p:style>
-        <p:txBody>
-          <a:bodyPr rtlCol="0" anchor="ctr"/>
-          <a:lstStyle/>
-          <a:p>
-            <a:pPr algn="ctr"/>
-            <a:endParaRPr lang="en-PH" sz="1424">
-              <a:latin typeface="Tahoma" panose="020B0604030504040204" pitchFamily="34" charset="0"/>
-              <a:ea typeface="Tahoma" panose="020B0604030504040204" pitchFamily="34" charset="0"/>
-              <a:cs typeface="Tahoma" panose="020B0604030504040204" pitchFamily="34" charset="0"/>
-            </a:endParaRPr>
-          </a:p>
-        </p:txBody>
-      </p:sp>
-      <p:sp>
-        <p:nvSpPr>
-          <p:cNvPr id="57" name="Rectangle 56">
-            <a:extLst>
-              <a:ext uri="{FF2B5EF4-FFF2-40B4-BE49-F238E27FC236}">
-                <a16:creationId xmlns:a16="http://schemas.microsoft.com/office/drawing/2014/main" id="{71B53A39-4263-4A2C-81AD-C252015B4B6C}"/>
-              </a:ext>
-            </a:extLst>
-          </p:cNvPr>
-          <p:cNvSpPr/>
-          <p:nvPr/>
-        </p:nvSpPr>
-        <p:spPr>
-          <a:xfrm>
-            <a:off x="4320198" y="10199129"/>
-            <a:ext cx="393593" cy="393593"/>
-          </a:xfrm>
-          <a:prstGeom prst="rect">
-            <a:avLst/>
-          </a:prstGeom>
-        </p:spPr>
-        <p:style>
-          <a:lnRef idx="1">
-            <a:schemeClr val="accent3"/>
-          </a:lnRef>
-          <a:fillRef idx="2">
-            <a:schemeClr val="accent3"/>
-          </a:fillRef>
-          <a:effectRef idx="1">
-            <a:schemeClr val="accent3"/>
-          </a:effectRef>
-          <a:fontRef idx="minor">
-            <a:schemeClr val="dk1"/>
-          </a:fontRef>
-        </p:style>
-        <p:txBody>
-          <a:bodyPr rtlCol="0" anchor="ctr"/>
-          <a:lstStyle/>
-          <a:p>
-            <a:pPr algn="ctr"/>
-            <a:endParaRPr lang="en-PH" sz="1424">
-              <a:latin typeface="Tahoma" panose="020B0604030504040204" pitchFamily="34" charset="0"/>
-              <a:ea typeface="Tahoma" panose="020B0604030504040204" pitchFamily="34" charset="0"/>
-              <a:cs typeface="Tahoma" panose="020B0604030504040204" pitchFamily="34" charset="0"/>
-            </a:endParaRPr>
-          </a:p>
-        </p:txBody>
-      </p:sp>
-      <p:sp>
-        <p:nvSpPr>
-          <p:cNvPr id="58" name="Oval 57">
-            <a:extLst>
-              <a:ext uri="{FF2B5EF4-FFF2-40B4-BE49-F238E27FC236}">
-                <a16:creationId xmlns:a16="http://schemas.microsoft.com/office/drawing/2014/main" id="{6730DD16-95BC-46A5-87D6-8CFD8CD7C0FA}"/>
-              </a:ext>
-            </a:extLst>
-          </p:cNvPr>
-          <p:cNvSpPr/>
-          <p:nvPr/>
-        </p:nvSpPr>
-        <p:spPr>
-          <a:xfrm>
-            <a:off x="3230369" y="10218487"/>
-            <a:ext cx="393593" cy="393593"/>
-          </a:xfrm>
-          <a:prstGeom prst="ellipse">
-            <a:avLst/>
-          </a:prstGeom>
-        </p:spPr>
-        <p:style>
-          <a:lnRef idx="1">
-            <a:schemeClr val="accent3"/>
-          </a:lnRef>
-          <a:fillRef idx="2">
-            <a:schemeClr val="accent3"/>
-          </a:fillRef>
-          <a:effectRef idx="1">
-            <a:schemeClr val="accent3"/>
-          </a:effectRef>
-          <a:fontRef idx="minor">
-            <a:schemeClr val="dk1"/>
           </a:fontRef>
         </p:style>
         <p:txBody>
@@ -19399,6 +18753,150 @@
           </a:p>
         </p:txBody>
       </p:sp>
+      <p:sp>
+        <p:nvSpPr>
+          <p:cNvPr id="24" name="Isosceles Triangle 23">
+            <a:extLst>
+              <a:ext uri="{FF2B5EF4-FFF2-40B4-BE49-F238E27FC236}">
+                <a16:creationId xmlns:a16="http://schemas.microsoft.com/office/drawing/2014/main" id="{7E95A526-A7EB-434A-9AB2-4EA8CE599DCA}"/>
+              </a:ext>
+            </a:extLst>
+          </p:cNvPr>
+          <p:cNvSpPr/>
+          <p:nvPr/>
+        </p:nvSpPr>
+        <p:spPr>
+          <a:xfrm rot="16200000">
+            <a:off x="2111607" y="10263126"/>
+            <a:ext cx="393593" cy="304329"/>
+          </a:xfrm>
+          <a:prstGeom prst="triangle">
+            <a:avLst/>
+          </a:prstGeom>
+        </p:spPr>
+        <p:style>
+          <a:lnRef idx="1">
+            <a:schemeClr val="accent3"/>
+          </a:lnRef>
+          <a:fillRef idx="2">
+            <a:schemeClr val="accent3"/>
+          </a:fillRef>
+          <a:effectRef idx="1">
+            <a:schemeClr val="accent3"/>
+          </a:effectRef>
+          <a:fontRef idx="minor">
+            <a:schemeClr val="dk1"/>
+          </a:fontRef>
+        </p:style>
+        <p:txBody>
+          <a:bodyPr rtlCol="0" anchor="ctr"/>
+          <a:lstStyle/>
+          <a:p>
+            <a:pPr algn="ctr"/>
+            <a:endParaRPr lang="en-PH" sz="1424">
+              <a:latin typeface="Tahoma" panose="020B0604030504040204" pitchFamily="34" charset="0"/>
+              <a:ea typeface="Tahoma" panose="020B0604030504040204" pitchFamily="34" charset="0"/>
+              <a:cs typeface="Tahoma" panose="020B0604030504040204" pitchFamily="34" charset="0"/>
+            </a:endParaRPr>
+          </a:p>
+        </p:txBody>
+      </p:sp>
+      <p:sp>
+        <p:nvSpPr>
+          <p:cNvPr id="25" name="Rectangle 24">
+            <a:extLst>
+              <a:ext uri="{FF2B5EF4-FFF2-40B4-BE49-F238E27FC236}">
+                <a16:creationId xmlns:a16="http://schemas.microsoft.com/office/drawing/2014/main" id="{F90826C3-1F8F-4986-AA98-26FEA6E02B10}"/>
+              </a:ext>
+            </a:extLst>
+          </p:cNvPr>
+          <p:cNvSpPr/>
+          <p:nvPr/>
+        </p:nvSpPr>
+        <p:spPr>
+          <a:xfrm>
+            <a:off x="4246628" y="10218485"/>
+            <a:ext cx="393593" cy="393593"/>
+          </a:xfrm>
+          <a:prstGeom prst="rect">
+            <a:avLst/>
+          </a:prstGeom>
+        </p:spPr>
+        <p:style>
+          <a:lnRef idx="1">
+            <a:schemeClr val="accent3"/>
+          </a:lnRef>
+          <a:fillRef idx="2">
+            <a:schemeClr val="accent3"/>
+          </a:fillRef>
+          <a:effectRef idx="1">
+            <a:schemeClr val="accent3"/>
+          </a:effectRef>
+          <a:fontRef idx="minor">
+            <a:schemeClr val="dk1"/>
+          </a:fontRef>
+        </p:style>
+        <p:txBody>
+          <a:bodyPr rtlCol="0" anchor="ctr"/>
+          <a:lstStyle/>
+          <a:p>
+            <a:pPr algn="ctr"/>
+            <a:endParaRPr lang="en-PH" sz="1424">
+              <a:latin typeface="Tahoma" panose="020B0604030504040204" pitchFamily="34" charset="0"/>
+              <a:ea typeface="Tahoma" panose="020B0604030504040204" pitchFamily="34" charset="0"/>
+              <a:cs typeface="Tahoma" panose="020B0604030504040204" pitchFamily="34" charset="0"/>
+            </a:endParaRPr>
+          </a:p>
+        </p:txBody>
+      </p:sp>
+      <p:sp>
+        <p:nvSpPr>
+          <p:cNvPr id="26" name="Oval 25">
+            <a:extLst>
+              <a:ext uri="{FF2B5EF4-FFF2-40B4-BE49-F238E27FC236}">
+                <a16:creationId xmlns:a16="http://schemas.microsoft.com/office/drawing/2014/main" id="{F78B40D4-070D-47EC-9F1A-5504014DF5D0}"/>
+              </a:ext>
+            </a:extLst>
+          </p:cNvPr>
+          <p:cNvSpPr/>
+          <p:nvPr/>
+        </p:nvSpPr>
+        <p:spPr>
+          <a:xfrm>
+            <a:off x="3156798" y="10237842"/>
+            <a:ext cx="393593" cy="393593"/>
+          </a:xfrm>
+          <a:prstGeom prst="ellipse">
+            <a:avLst/>
+          </a:prstGeom>
+        </p:spPr>
+        <p:style>
+          <a:lnRef idx="1">
+            <a:schemeClr val="accent3"/>
+          </a:lnRef>
+          <a:fillRef idx="2">
+            <a:schemeClr val="accent3"/>
+          </a:fillRef>
+          <a:effectRef idx="1">
+            <a:schemeClr val="accent3"/>
+          </a:effectRef>
+          <a:fontRef idx="minor">
+            <a:schemeClr val="dk1"/>
+          </a:fontRef>
+        </p:style>
+        <p:txBody>
+          <a:bodyPr rtlCol="0" anchor="ctr"/>
+          <a:lstStyle/>
+          <a:p>
+            <a:pPr algn="ctr"/>
+            <a:endParaRPr lang="en-PH" sz="1424">
+              <a:latin typeface="Tahoma" panose="020B0604030504040204" pitchFamily="34" charset="0"/>
+              <a:ea typeface="Tahoma" panose="020B0604030504040204" pitchFamily="34" charset="0"/>
+              <a:cs typeface="Tahoma" panose="020B0604030504040204" pitchFamily="34" charset="0"/>
+            </a:endParaRPr>
+          </a:p>
+        </p:txBody>
+      </p:sp>
     </p:spTree>
     <p:extLst>
       <p:ext uri="{BB962C8B-B14F-4D97-AF65-F5344CB8AC3E}">
@@ -19409,11 +18907,11 @@
   <p:clrMapOvr>
     <a:masterClrMapping/>
   </p:clrMapOvr>
-  <mc:AlternateContent xmlns:mc="http://schemas.openxmlformats.org/markup-compatibility/2006">
-    <mc:Choice xmlns:p14="http://schemas.microsoft.com/office/powerpoint/2010/main" Requires="p14">
+  <mc:AlternateContent xmlns:mc="http://schemas.openxmlformats.org/markup-compatibility/2006" xmlns:p14="http://schemas.microsoft.com/office/powerpoint/2010/main">
+    <mc:Choice Requires="p14">
       <p:transition spd="slow" p14:dur="2000" advClick="0"/>
     </mc:Choice>
-    <mc:Fallback>
+    <mc:Fallback xmlns="">
       <p:transition spd="slow" advClick="0"/>
     </mc:Fallback>
   </mc:AlternateContent>
@@ -19837,139 +19335,11 @@
           <a:lstStyle/>
           <a:p>
             <a:pPr algn="ctr"/>
-            <a:endParaRPr lang="en-PH" sz="1424"/>
-          </a:p>
-        </p:txBody>
-      </p:sp>
-      <p:sp>
-        <p:nvSpPr>
-          <p:cNvPr id="3" name="Isosceles Triangle 2">
-            <a:extLst>
-              <a:ext uri="{FF2B5EF4-FFF2-40B4-BE49-F238E27FC236}">
-                <a16:creationId xmlns:a16="http://schemas.microsoft.com/office/drawing/2014/main" id="{930D65D2-AF11-48AF-86DC-CCD69CD50AC0}"/>
-              </a:ext>
-            </a:extLst>
-          </p:cNvPr>
-          <p:cNvSpPr/>
-          <p:nvPr/>
-        </p:nvSpPr>
-        <p:spPr>
-          <a:xfrm rot="16200000">
-            <a:off x="2173142" y="10282491"/>
-            <a:ext cx="393593" cy="304329"/>
-          </a:xfrm>
-          <a:prstGeom prst="triangle">
-            <a:avLst/>
-          </a:prstGeom>
-        </p:spPr>
-        <p:style>
-          <a:lnRef idx="1">
-            <a:schemeClr val="accent3"/>
-          </a:lnRef>
-          <a:fillRef idx="2">
-            <a:schemeClr val="accent3"/>
-          </a:fillRef>
-          <a:effectRef idx="1">
-            <a:schemeClr val="accent3"/>
-          </a:effectRef>
-          <a:fontRef idx="minor">
-            <a:schemeClr val="dk1"/>
-          </a:fontRef>
-        </p:style>
-        <p:txBody>
-          <a:bodyPr rtlCol="0" anchor="ctr"/>
-          <a:lstStyle/>
-          <a:p>
-            <a:pPr algn="ctr"/>
-            <a:endParaRPr lang="en-PH" sz="1424"/>
-          </a:p>
-        </p:txBody>
-      </p:sp>
-      <p:sp>
-        <p:nvSpPr>
-          <p:cNvPr id="4" name="Rectangle 3">
-            <a:extLst>
-              <a:ext uri="{FF2B5EF4-FFF2-40B4-BE49-F238E27FC236}">
-                <a16:creationId xmlns:a16="http://schemas.microsoft.com/office/drawing/2014/main" id="{796C4824-9E6D-4C6A-B317-1E5725164470}"/>
-              </a:ext>
-            </a:extLst>
-          </p:cNvPr>
-          <p:cNvSpPr/>
-          <p:nvPr/>
-        </p:nvSpPr>
-        <p:spPr>
-          <a:xfrm>
-            <a:off x="4308171" y="10237851"/>
-            <a:ext cx="393593" cy="393593"/>
-          </a:xfrm>
-          <a:prstGeom prst="rect">
-            <a:avLst/>
-          </a:prstGeom>
-        </p:spPr>
-        <p:style>
-          <a:lnRef idx="1">
-            <a:schemeClr val="accent3"/>
-          </a:lnRef>
-          <a:fillRef idx="2">
-            <a:schemeClr val="accent3"/>
-          </a:fillRef>
-          <a:effectRef idx="1">
-            <a:schemeClr val="accent3"/>
-          </a:effectRef>
-          <a:fontRef idx="minor">
-            <a:schemeClr val="dk1"/>
-          </a:fontRef>
-        </p:style>
-        <p:txBody>
-          <a:bodyPr rtlCol="0" anchor="ctr"/>
-          <a:lstStyle/>
-          <a:p>
-            <a:pPr algn="ctr"/>
-            <a:endParaRPr lang="en-PH" sz="1424"/>
-          </a:p>
-        </p:txBody>
-      </p:sp>
-      <p:sp>
-        <p:nvSpPr>
-          <p:cNvPr id="5" name="Oval 4">
-            <a:extLst>
-              <a:ext uri="{FF2B5EF4-FFF2-40B4-BE49-F238E27FC236}">
-                <a16:creationId xmlns:a16="http://schemas.microsoft.com/office/drawing/2014/main" id="{C82D4195-020C-4DD3-89C6-257B6273D3F1}"/>
-              </a:ext>
-            </a:extLst>
-          </p:cNvPr>
-          <p:cNvSpPr/>
-          <p:nvPr/>
-        </p:nvSpPr>
-        <p:spPr>
-          <a:xfrm>
-            <a:off x="3218342" y="10257209"/>
-            <a:ext cx="393593" cy="393593"/>
-          </a:xfrm>
-          <a:prstGeom prst="ellipse">
-            <a:avLst/>
-          </a:prstGeom>
-        </p:spPr>
-        <p:style>
-          <a:lnRef idx="1">
-            <a:schemeClr val="accent3"/>
-          </a:lnRef>
-          <a:fillRef idx="2">
-            <a:schemeClr val="accent3"/>
-          </a:fillRef>
-          <a:effectRef idx="1">
-            <a:schemeClr val="accent3"/>
-          </a:effectRef>
-          <a:fontRef idx="minor">
-            <a:schemeClr val="dk1"/>
-          </a:fontRef>
-        </p:style>
-        <p:txBody>
-          <a:bodyPr rtlCol="0" anchor="ctr"/>
-          <a:lstStyle/>
-          <a:p>
-            <a:pPr algn="ctr"/>
-            <a:endParaRPr lang="en-PH" sz="1424"/>
+            <a:endParaRPr lang="en-PH" sz="1424">
+              <a:latin typeface="Tahoma" panose="020B0604030504040204" pitchFamily="34" charset="0"/>
+              <a:ea typeface="Tahoma" panose="020B0604030504040204" pitchFamily="34" charset="0"/>
+              <a:cs typeface="Tahoma" panose="020B0604030504040204" pitchFamily="34" charset="0"/>
+            </a:endParaRPr>
           </a:p>
         </p:txBody>
       </p:sp>
@@ -20273,8 +19643,8 @@
         </p:nvSpPr>
         <p:spPr>
           <a:xfrm>
-            <a:off x="2441216" y="1248531"/>
-            <a:ext cx="3733893" cy="1405000"/>
+            <a:off x="2441224" y="1411969"/>
+            <a:ext cx="3733893" cy="1323439"/>
           </a:xfrm>
           <a:prstGeom prst="rect">
             <a:avLst/>
@@ -20289,14 +19659,22 @@
           <a:p>
             <a:pPr algn="ctr"/>
             <a:r>
-              <a:rPr lang="en-PH" sz="4265" b="1" spc="533" dirty="0"/>
+              <a:rPr lang="en-PH" sz="4000" b="1" spc="533" dirty="0">
+                <a:latin typeface="Tahoma" panose="020B0604030504040204" pitchFamily="34" charset="0"/>
+                <a:ea typeface="Tahoma" panose="020B0604030504040204" pitchFamily="34" charset="0"/>
+                <a:cs typeface="Tahoma" panose="020B0604030504040204" pitchFamily="34" charset="0"/>
+              </a:rPr>
               <a:t>Select</a:t>
             </a:r>
           </a:p>
           <a:p>
             <a:pPr algn="ctr"/>
             <a:r>
-              <a:rPr lang="en-PH" sz="4265" b="1" spc="533" dirty="0"/>
+              <a:rPr lang="en-PH" sz="4000" b="1" spc="533" dirty="0">
+                <a:latin typeface="Tahoma" panose="020B0604030504040204" pitchFamily="34" charset="0"/>
+                <a:ea typeface="Tahoma" panose="020B0604030504040204" pitchFamily="34" charset="0"/>
+                <a:cs typeface="Tahoma" panose="020B0604030504040204" pitchFamily="34" charset="0"/>
+              </a:rPr>
               <a:t>Schedule</a:t>
             </a:r>
           </a:p>
@@ -20357,8 +19735,8 @@
         </p:nvSpPr>
         <p:spPr>
           <a:xfrm>
-            <a:off x="890884" y="3243282"/>
-            <a:ext cx="1379480" cy="475836"/>
+            <a:off x="811022" y="3243282"/>
+            <a:ext cx="1539204" cy="446276"/>
           </a:xfrm>
           <a:prstGeom prst="rect">
             <a:avLst/>
@@ -20373,7 +19751,11 @@
           <a:p>
             <a:pPr algn="ctr"/>
             <a:r>
-              <a:rPr lang="en-PH" sz="2492" b="1" dirty="0"/>
+              <a:rPr lang="en-PH" sz="2300" b="1" dirty="0">
+                <a:latin typeface="Tahoma" panose="020B0604030504040204" pitchFamily="34" charset="0"/>
+                <a:ea typeface="Tahoma" panose="020B0604030504040204" pitchFamily="34" charset="0"/>
+                <a:cs typeface="Tahoma" panose="020B0604030504040204" pitchFamily="34" charset="0"/>
+              </a:rPr>
               <a:t>Train No.</a:t>
             </a:r>
           </a:p>
@@ -20511,7 +19893,11 @@
           <a:p>
             <a:pPr algn="ctr"/>
             <a:r>
-              <a:rPr lang="en-PH" sz="1424" dirty="0"/>
+              <a:rPr lang="en-PH" sz="2500" dirty="0">
+                <a:latin typeface="Tahoma" panose="020B0604030504040204" pitchFamily="34" charset="0"/>
+                <a:ea typeface="Tahoma" panose="020B0604030504040204" pitchFamily="34" charset="0"/>
+                <a:cs typeface="Tahoma" panose="020B0604030504040204" pitchFamily="34" charset="0"/>
+              </a:rPr>
               <a:t>Next</a:t>
             </a:r>
           </a:p>
@@ -20531,8 +19917,8 @@
         </p:nvSpPr>
         <p:spPr>
           <a:xfrm>
-            <a:off x="1245442" y="3788672"/>
-            <a:ext cx="670376" cy="475836"/>
+            <a:off x="1243038" y="3788672"/>
+            <a:ext cx="675185" cy="400110"/>
           </a:xfrm>
           <a:prstGeom prst="rect">
             <a:avLst/>
@@ -20547,7 +19933,11 @@
           <a:p>
             <a:pPr algn="ctr"/>
             <a:r>
-              <a:rPr lang="en-PH" sz="2492" b="1" dirty="0"/>
+              <a:rPr lang="en-PH" sz="2000" b="1" dirty="0">
+                <a:latin typeface="Tahoma" panose="020B0604030504040204" pitchFamily="34" charset="0"/>
+                <a:ea typeface="Tahoma" panose="020B0604030504040204" pitchFamily="34" charset="0"/>
+                <a:cs typeface="Tahoma" panose="020B0604030504040204" pitchFamily="34" charset="0"/>
+              </a:rPr>
               <a:t>101</a:t>
             </a:r>
           </a:p>
@@ -20567,8 +19957,8 @@
         </p:nvSpPr>
         <p:spPr>
           <a:xfrm>
-            <a:off x="1252308" y="4507429"/>
-            <a:ext cx="670376" cy="475836"/>
+            <a:off x="1249904" y="4507429"/>
+            <a:ext cx="675185" cy="400110"/>
           </a:xfrm>
           <a:prstGeom prst="rect">
             <a:avLst/>
@@ -20583,7 +19973,11 @@
           <a:p>
             <a:pPr algn="ctr"/>
             <a:r>
-              <a:rPr lang="en-PH" sz="2492" b="1" dirty="0"/>
+              <a:rPr lang="en-PH" sz="2000" b="1" dirty="0">
+                <a:latin typeface="Tahoma" panose="020B0604030504040204" pitchFamily="34" charset="0"/>
+                <a:ea typeface="Tahoma" panose="020B0604030504040204" pitchFamily="34" charset="0"/>
+                <a:cs typeface="Tahoma" panose="020B0604030504040204" pitchFamily="34" charset="0"/>
+              </a:rPr>
               <a:t>104</a:t>
             </a:r>
           </a:p>
@@ -20603,8 +19997,8 @@
         </p:nvSpPr>
         <p:spPr>
           <a:xfrm>
-            <a:off x="1245442" y="5228402"/>
-            <a:ext cx="670376" cy="475836"/>
+            <a:off x="1243038" y="5228402"/>
+            <a:ext cx="675185" cy="400110"/>
           </a:xfrm>
           <a:prstGeom prst="rect">
             <a:avLst/>
@@ -20619,7 +20013,11 @@
           <a:p>
             <a:pPr algn="ctr"/>
             <a:r>
-              <a:rPr lang="en-PH" sz="2492" b="1" dirty="0"/>
+              <a:rPr lang="en-PH" sz="2000" b="1" dirty="0">
+                <a:latin typeface="Tahoma" panose="020B0604030504040204" pitchFamily="34" charset="0"/>
+                <a:ea typeface="Tahoma" panose="020B0604030504040204" pitchFamily="34" charset="0"/>
+                <a:cs typeface="Tahoma" panose="020B0604030504040204" pitchFamily="34" charset="0"/>
+              </a:rPr>
               <a:t>110</a:t>
             </a:r>
           </a:p>
@@ -20639,8 +20037,8 @@
         </p:nvSpPr>
         <p:spPr>
           <a:xfrm>
-            <a:off x="1245721" y="5947159"/>
-            <a:ext cx="670376" cy="475836"/>
+            <a:off x="1243317" y="5947159"/>
+            <a:ext cx="675185" cy="400110"/>
           </a:xfrm>
           <a:prstGeom prst="rect">
             <a:avLst/>
@@ -20655,7 +20053,11 @@
           <a:p>
             <a:pPr algn="ctr"/>
             <a:r>
-              <a:rPr lang="en-PH" sz="2492" b="1" dirty="0"/>
+              <a:rPr lang="en-PH" sz="2000" b="1" dirty="0">
+                <a:latin typeface="Tahoma" panose="020B0604030504040204" pitchFamily="34" charset="0"/>
+                <a:ea typeface="Tahoma" panose="020B0604030504040204" pitchFamily="34" charset="0"/>
+                <a:cs typeface="Tahoma" panose="020B0604030504040204" pitchFamily="34" charset="0"/>
+              </a:rPr>
               <a:t>115</a:t>
             </a:r>
           </a:p>
@@ -20675,8 +20077,8 @@
         </p:nvSpPr>
         <p:spPr>
           <a:xfrm>
-            <a:off x="2441768" y="3241516"/>
-            <a:ext cx="1795813" cy="475836"/>
+            <a:off x="2348858" y="3241516"/>
+            <a:ext cx="1981633" cy="446276"/>
           </a:xfrm>
           <a:prstGeom prst="rect">
             <a:avLst/>
@@ -20691,7 +20093,11 @@
           <a:p>
             <a:pPr algn="ctr"/>
             <a:r>
-              <a:rPr lang="en-PH" sz="2492" b="1" dirty="0"/>
+              <a:rPr lang="en-PH" sz="2300" b="1" dirty="0">
+                <a:latin typeface="Tahoma" panose="020B0604030504040204" pitchFamily="34" charset="0"/>
+                <a:ea typeface="Tahoma" panose="020B0604030504040204" pitchFamily="34" charset="0"/>
+                <a:cs typeface="Tahoma" panose="020B0604030504040204" pitchFamily="34" charset="0"/>
+              </a:rPr>
               <a:t>Arrival Time</a:t>
             </a:r>
           </a:p>
@@ -20711,8 +20117,8 @@
         </p:nvSpPr>
         <p:spPr>
           <a:xfrm>
-            <a:off x="2783090" y="3769863"/>
-            <a:ext cx="1247456" cy="475836"/>
+            <a:off x="2785494" y="3769863"/>
+            <a:ext cx="1242648" cy="400110"/>
           </a:xfrm>
           <a:prstGeom prst="rect">
             <a:avLst/>
@@ -20727,7 +20133,11 @@
           <a:p>
             <a:pPr algn="ctr"/>
             <a:r>
-              <a:rPr lang="en-PH" sz="2492" b="1" dirty="0"/>
+              <a:rPr lang="en-PH" sz="2000" b="1" dirty="0">
+                <a:latin typeface="Tahoma" panose="020B0604030504040204" pitchFamily="34" charset="0"/>
+                <a:ea typeface="Tahoma" panose="020B0604030504040204" pitchFamily="34" charset="0"/>
+                <a:cs typeface="Tahoma" panose="020B0604030504040204" pitchFamily="34" charset="0"/>
+              </a:rPr>
               <a:t>6:00 am</a:t>
             </a:r>
           </a:p>
@@ -20747,8 +20157,8 @@
         </p:nvSpPr>
         <p:spPr>
           <a:xfrm>
-            <a:off x="2805280" y="4518428"/>
-            <a:ext cx="1247456" cy="475836"/>
+            <a:off x="2807684" y="4518428"/>
+            <a:ext cx="1242648" cy="400110"/>
           </a:xfrm>
           <a:prstGeom prst="rect">
             <a:avLst/>
@@ -20763,7 +20173,11 @@
           <a:p>
             <a:pPr algn="ctr"/>
             <a:r>
-              <a:rPr lang="en-PH" sz="2492" b="1" dirty="0"/>
+              <a:rPr lang="en-PH" sz="2000" b="1" dirty="0">
+                <a:latin typeface="Tahoma" panose="020B0604030504040204" pitchFamily="34" charset="0"/>
+                <a:ea typeface="Tahoma" panose="020B0604030504040204" pitchFamily="34" charset="0"/>
+                <a:cs typeface="Tahoma" panose="020B0604030504040204" pitchFamily="34" charset="0"/>
+              </a:rPr>
               <a:t>7:15 am</a:t>
             </a:r>
           </a:p>
@@ -20783,8 +20197,8 @@
         </p:nvSpPr>
         <p:spPr>
           <a:xfrm>
-            <a:off x="2763036" y="5241783"/>
-            <a:ext cx="1319592" cy="475836"/>
+            <a:off x="2763837" y="5241783"/>
+            <a:ext cx="1317990" cy="400110"/>
           </a:xfrm>
           <a:prstGeom prst="rect">
             <a:avLst/>
@@ -20799,7 +20213,11 @@
           <a:p>
             <a:pPr algn="ctr"/>
             <a:r>
-              <a:rPr lang="en-PH" sz="2492" b="1" dirty="0"/>
+              <a:rPr lang="en-PH" sz="2000" b="1" dirty="0">
+                <a:latin typeface="Tahoma" panose="020B0604030504040204" pitchFamily="34" charset="0"/>
+                <a:ea typeface="Tahoma" panose="020B0604030504040204" pitchFamily="34" charset="0"/>
+                <a:cs typeface="Tahoma" panose="020B0604030504040204" pitchFamily="34" charset="0"/>
+              </a:rPr>
               <a:t>7: 45 am</a:t>
             </a:r>
           </a:p>
@@ -20819,8 +20237,8 @@
         </p:nvSpPr>
         <p:spPr>
           <a:xfrm>
-            <a:off x="2720102" y="5947159"/>
-            <a:ext cx="1247456" cy="475836"/>
+            <a:off x="2769085" y="5947159"/>
+            <a:ext cx="1242648" cy="400110"/>
           </a:xfrm>
           <a:prstGeom prst="rect">
             <a:avLst/>
@@ -20835,7 +20253,11 @@
           <a:p>
             <a:pPr algn="ctr"/>
             <a:r>
-              <a:rPr lang="en-PH" sz="2492" b="1" dirty="0"/>
+              <a:rPr lang="en-PH" sz="2000" b="1" dirty="0">
+                <a:latin typeface="Tahoma" panose="020B0604030504040204" pitchFamily="34" charset="0"/>
+                <a:ea typeface="Tahoma" panose="020B0604030504040204" pitchFamily="34" charset="0"/>
+                <a:cs typeface="Tahoma" panose="020B0604030504040204" pitchFamily="34" charset="0"/>
+              </a:rPr>
               <a:t>8:18 am</a:t>
             </a:r>
           </a:p>
@@ -20898,8 +20320,8 @@
         </p:nvSpPr>
         <p:spPr>
           <a:xfrm>
-            <a:off x="4821507" y="3233450"/>
-            <a:ext cx="978153" cy="475836"/>
+            <a:off x="4766203" y="3233450"/>
+            <a:ext cx="1088760" cy="446276"/>
           </a:xfrm>
           <a:prstGeom prst="rect">
             <a:avLst/>
@@ -20914,7 +20336,11 @@
           <a:p>
             <a:pPr algn="ctr"/>
             <a:r>
-              <a:rPr lang="en-PH" sz="2492" b="1" dirty="0"/>
+              <a:rPr lang="en-PH" sz="2300" b="1" dirty="0">
+                <a:latin typeface="Tahoma" panose="020B0604030504040204" pitchFamily="34" charset="0"/>
+                <a:ea typeface="Tahoma" panose="020B0604030504040204" pitchFamily="34" charset="0"/>
+                <a:cs typeface="Tahoma" panose="020B0604030504040204" pitchFamily="34" charset="0"/>
+              </a:rPr>
               <a:t>Select</a:t>
             </a:r>
           </a:p>
@@ -20961,7 +20387,11 @@
           <a:lstStyle/>
           <a:p>
             <a:pPr algn="ctr"/>
-            <a:endParaRPr lang="en-PH" sz="1424"/>
+            <a:endParaRPr lang="en-PH" sz="1424">
+              <a:latin typeface="Tahoma" panose="020B0604030504040204" pitchFamily="34" charset="0"/>
+              <a:ea typeface="Tahoma" panose="020B0604030504040204" pitchFamily="34" charset="0"/>
+              <a:cs typeface="Tahoma" panose="020B0604030504040204" pitchFamily="34" charset="0"/>
+            </a:endParaRPr>
           </a:p>
         </p:txBody>
       </p:sp>
@@ -21006,7 +20436,11 @@
           <a:lstStyle/>
           <a:p>
             <a:pPr algn="ctr"/>
-            <a:endParaRPr lang="en-PH" sz="1424"/>
+            <a:endParaRPr lang="en-PH" sz="1424">
+              <a:latin typeface="Tahoma" panose="020B0604030504040204" pitchFamily="34" charset="0"/>
+              <a:ea typeface="Tahoma" panose="020B0604030504040204" pitchFamily="34" charset="0"/>
+              <a:cs typeface="Tahoma" panose="020B0604030504040204" pitchFamily="34" charset="0"/>
+            </a:endParaRPr>
           </a:p>
         </p:txBody>
       </p:sp>
@@ -21051,7 +20485,11 @@
           <a:lstStyle/>
           <a:p>
             <a:pPr algn="ctr"/>
-            <a:endParaRPr lang="en-PH" sz="1424"/>
+            <a:endParaRPr lang="en-PH" sz="1424">
+              <a:latin typeface="Tahoma" panose="020B0604030504040204" pitchFamily="34" charset="0"/>
+              <a:ea typeface="Tahoma" panose="020B0604030504040204" pitchFamily="34" charset="0"/>
+              <a:cs typeface="Tahoma" panose="020B0604030504040204" pitchFamily="34" charset="0"/>
+            </a:endParaRPr>
           </a:p>
         </p:txBody>
       </p:sp>
@@ -21096,7 +20534,155 @@
           <a:lstStyle/>
           <a:p>
             <a:pPr algn="ctr"/>
-            <a:endParaRPr lang="en-PH" sz="1424"/>
+            <a:endParaRPr lang="en-PH" sz="1424">
+              <a:latin typeface="Tahoma" panose="020B0604030504040204" pitchFamily="34" charset="0"/>
+              <a:ea typeface="Tahoma" panose="020B0604030504040204" pitchFamily="34" charset="0"/>
+              <a:cs typeface="Tahoma" panose="020B0604030504040204" pitchFamily="34" charset="0"/>
+            </a:endParaRPr>
+          </a:p>
+        </p:txBody>
+      </p:sp>
+      <p:sp>
+        <p:nvSpPr>
+          <p:cNvPr id="28" name="Isosceles Triangle 27">
+            <a:extLst>
+              <a:ext uri="{FF2B5EF4-FFF2-40B4-BE49-F238E27FC236}">
+                <a16:creationId xmlns:a16="http://schemas.microsoft.com/office/drawing/2014/main" id="{84688198-3AA4-474A-9E86-CE03377B669F}"/>
+              </a:ext>
+            </a:extLst>
+          </p:cNvPr>
+          <p:cNvSpPr/>
+          <p:nvPr/>
+        </p:nvSpPr>
+        <p:spPr>
+          <a:xfrm rot="16200000">
+            <a:off x="2111607" y="10263126"/>
+            <a:ext cx="393593" cy="304329"/>
+          </a:xfrm>
+          <a:prstGeom prst="triangle">
+            <a:avLst/>
+          </a:prstGeom>
+        </p:spPr>
+        <p:style>
+          <a:lnRef idx="1">
+            <a:schemeClr val="accent3"/>
+          </a:lnRef>
+          <a:fillRef idx="2">
+            <a:schemeClr val="accent3"/>
+          </a:fillRef>
+          <a:effectRef idx="1">
+            <a:schemeClr val="accent3"/>
+          </a:effectRef>
+          <a:fontRef idx="minor">
+            <a:schemeClr val="dk1"/>
+          </a:fontRef>
+        </p:style>
+        <p:txBody>
+          <a:bodyPr rtlCol="0" anchor="ctr"/>
+          <a:lstStyle/>
+          <a:p>
+            <a:pPr algn="ctr"/>
+            <a:endParaRPr lang="en-PH" sz="1424">
+              <a:latin typeface="Tahoma" panose="020B0604030504040204" pitchFamily="34" charset="0"/>
+              <a:ea typeface="Tahoma" panose="020B0604030504040204" pitchFamily="34" charset="0"/>
+              <a:cs typeface="Tahoma" panose="020B0604030504040204" pitchFamily="34" charset="0"/>
+            </a:endParaRPr>
+          </a:p>
+        </p:txBody>
+      </p:sp>
+      <p:sp>
+        <p:nvSpPr>
+          <p:cNvPr id="29" name="Rectangle 28">
+            <a:extLst>
+              <a:ext uri="{FF2B5EF4-FFF2-40B4-BE49-F238E27FC236}">
+                <a16:creationId xmlns:a16="http://schemas.microsoft.com/office/drawing/2014/main" id="{9BA2986E-EA36-439E-9775-BCCA9114A859}"/>
+              </a:ext>
+            </a:extLst>
+          </p:cNvPr>
+          <p:cNvSpPr/>
+          <p:nvPr/>
+        </p:nvSpPr>
+        <p:spPr>
+          <a:xfrm>
+            <a:off x="4246628" y="10218485"/>
+            <a:ext cx="393593" cy="393593"/>
+          </a:xfrm>
+          <a:prstGeom prst="rect">
+            <a:avLst/>
+          </a:prstGeom>
+        </p:spPr>
+        <p:style>
+          <a:lnRef idx="1">
+            <a:schemeClr val="accent3"/>
+          </a:lnRef>
+          <a:fillRef idx="2">
+            <a:schemeClr val="accent3"/>
+          </a:fillRef>
+          <a:effectRef idx="1">
+            <a:schemeClr val="accent3"/>
+          </a:effectRef>
+          <a:fontRef idx="minor">
+            <a:schemeClr val="dk1"/>
+          </a:fontRef>
+        </p:style>
+        <p:txBody>
+          <a:bodyPr rtlCol="0" anchor="ctr"/>
+          <a:lstStyle/>
+          <a:p>
+            <a:pPr algn="ctr"/>
+            <a:endParaRPr lang="en-PH" sz="1424">
+              <a:latin typeface="Tahoma" panose="020B0604030504040204" pitchFamily="34" charset="0"/>
+              <a:ea typeface="Tahoma" panose="020B0604030504040204" pitchFamily="34" charset="0"/>
+              <a:cs typeface="Tahoma" panose="020B0604030504040204" pitchFamily="34" charset="0"/>
+            </a:endParaRPr>
+          </a:p>
+        </p:txBody>
+      </p:sp>
+      <p:sp>
+        <p:nvSpPr>
+          <p:cNvPr id="30" name="Oval 29">
+            <a:extLst>
+              <a:ext uri="{FF2B5EF4-FFF2-40B4-BE49-F238E27FC236}">
+                <a16:creationId xmlns:a16="http://schemas.microsoft.com/office/drawing/2014/main" id="{D98D70F6-76FA-4A64-89D1-F2882825E6CA}"/>
+              </a:ext>
+            </a:extLst>
+          </p:cNvPr>
+          <p:cNvSpPr/>
+          <p:nvPr/>
+        </p:nvSpPr>
+        <p:spPr>
+          <a:xfrm>
+            <a:off x="3156798" y="10237842"/>
+            <a:ext cx="393593" cy="393593"/>
+          </a:xfrm>
+          <a:prstGeom prst="ellipse">
+            <a:avLst/>
+          </a:prstGeom>
+        </p:spPr>
+        <p:style>
+          <a:lnRef idx="1">
+            <a:schemeClr val="accent3"/>
+          </a:lnRef>
+          <a:fillRef idx="2">
+            <a:schemeClr val="accent3"/>
+          </a:fillRef>
+          <a:effectRef idx="1">
+            <a:schemeClr val="accent3"/>
+          </a:effectRef>
+          <a:fontRef idx="minor">
+            <a:schemeClr val="dk1"/>
+          </a:fontRef>
+        </p:style>
+        <p:txBody>
+          <a:bodyPr rtlCol="0" anchor="ctr"/>
+          <a:lstStyle/>
+          <a:p>
+            <a:pPr algn="ctr"/>
+            <a:endParaRPr lang="en-PH" sz="1424">
+              <a:latin typeface="Tahoma" panose="020B0604030504040204" pitchFamily="34" charset="0"/>
+              <a:ea typeface="Tahoma" panose="020B0604030504040204" pitchFamily="34" charset="0"/>
+              <a:cs typeface="Tahoma" panose="020B0604030504040204" pitchFamily="34" charset="0"/>
+            </a:endParaRPr>
           </a:p>
         </p:txBody>
       </p:sp>
@@ -21110,11 +20696,11 @@
   <p:clrMapOvr>
     <a:masterClrMapping/>
   </p:clrMapOvr>
-  <mc:AlternateContent xmlns:mc="http://schemas.openxmlformats.org/markup-compatibility/2006">
-    <mc:Choice xmlns:p14="http://schemas.microsoft.com/office/powerpoint/2010/main" Requires="p14">
+  <mc:AlternateContent xmlns:mc="http://schemas.openxmlformats.org/markup-compatibility/2006" xmlns:p14="http://schemas.microsoft.com/office/powerpoint/2010/main">
+    <mc:Choice Requires="p14">
       <p:transition spd="slow" p14:dur="2000" advClick="0"/>
     </mc:Choice>
-    <mc:Fallback>
+    <mc:Fallback xmlns="">
       <p:transition spd="slow" advClick="0"/>
     </mc:Fallback>
   </mc:AlternateContent>
@@ -21138,6 +20724,1283 @@
           <a:chExt cx="0" cy="0"/>
         </a:xfrm>
       </p:grpSpPr>
+      <p:sp>
+        <p:nvSpPr>
+          <p:cNvPr id="2" name="Freeform: Shape 1">
+            <a:extLst>
+              <a:ext uri="{FF2B5EF4-FFF2-40B4-BE49-F238E27FC236}">
+                <a16:creationId xmlns:a16="http://schemas.microsoft.com/office/drawing/2014/main" id="{AE16254B-9449-4394-ABB8-2FFD7957C4B5}"/>
+              </a:ext>
+            </a:extLst>
+          </p:cNvPr>
+          <p:cNvSpPr/>
+          <p:nvPr/>
+        </p:nvSpPr>
+        <p:spPr>
+          <a:xfrm>
+            <a:off x="286171" y="346929"/>
+            <a:ext cx="6285657" cy="11498142"/>
+          </a:xfrm>
+          <a:custGeom>
+            <a:avLst/>
+            <a:gdLst>
+              <a:gd name="connsiteX0" fmla="*/ 728167 w 3535680"/>
+              <a:gd name="connsiteY0" fmla="*/ 255023 h 6467707"/>
+              <a:gd name="connsiteX1" fmla="*/ 210073 w 3535680"/>
+              <a:gd name="connsiteY1" fmla="*/ 773117 h 6467707"/>
+              <a:gd name="connsiteX2" fmla="*/ 210073 w 3535680"/>
+              <a:gd name="connsiteY2" fmla="*/ 5406208 h 6467707"/>
+              <a:gd name="connsiteX3" fmla="*/ 728167 w 3535680"/>
+              <a:gd name="connsiteY3" fmla="*/ 5924302 h 6467707"/>
+              <a:gd name="connsiteX4" fmla="*/ 2800478 w 3535680"/>
+              <a:gd name="connsiteY4" fmla="*/ 5924302 h 6467707"/>
+              <a:gd name="connsiteX5" fmla="*/ 3318572 w 3535680"/>
+              <a:gd name="connsiteY5" fmla="*/ 5406208 h 6467707"/>
+              <a:gd name="connsiteX6" fmla="*/ 3318572 w 3535680"/>
+              <a:gd name="connsiteY6" fmla="*/ 773117 h 6467707"/>
+              <a:gd name="connsiteX7" fmla="*/ 2800478 w 3535680"/>
+              <a:gd name="connsiteY7" fmla="*/ 255023 h 6467707"/>
+              <a:gd name="connsiteX8" fmla="*/ 589292 w 3535680"/>
+              <a:gd name="connsiteY8" fmla="*/ 0 h 6467707"/>
+              <a:gd name="connsiteX9" fmla="*/ 2946388 w 3535680"/>
+              <a:gd name="connsiteY9" fmla="*/ 0 h 6467707"/>
+              <a:gd name="connsiteX10" fmla="*/ 3535680 w 3535680"/>
+              <a:gd name="connsiteY10" fmla="*/ 589292 h 6467707"/>
+              <a:gd name="connsiteX11" fmla="*/ 3535680 w 3535680"/>
+              <a:gd name="connsiteY11" fmla="*/ 5878415 h 6467707"/>
+              <a:gd name="connsiteX12" fmla="*/ 2946388 w 3535680"/>
+              <a:gd name="connsiteY12" fmla="*/ 6467707 h 6467707"/>
+              <a:gd name="connsiteX13" fmla="*/ 589292 w 3535680"/>
+              <a:gd name="connsiteY13" fmla="*/ 6467707 h 6467707"/>
+              <a:gd name="connsiteX14" fmla="*/ 0 w 3535680"/>
+              <a:gd name="connsiteY14" fmla="*/ 5878415 h 6467707"/>
+              <a:gd name="connsiteX15" fmla="*/ 0 w 3535680"/>
+              <a:gd name="connsiteY15" fmla="*/ 589292 h 6467707"/>
+              <a:gd name="connsiteX16" fmla="*/ 589292 w 3535680"/>
+              <a:gd name="connsiteY16" fmla="*/ 0 h 6467707"/>
+            </a:gdLst>
+            <a:ahLst/>
+            <a:cxnLst>
+              <a:cxn ang="0">
+                <a:pos x="connsiteX0" y="connsiteY0"/>
+              </a:cxn>
+              <a:cxn ang="0">
+                <a:pos x="connsiteX1" y="connsiteY1"/>
+              </a:cxn>
+              <a:cxn ang="0">
+                <a:pos x="connsiteX2" y="connsiteY2"/>
+              </a:cxn>
+              <a:cxn ang="0">
+                <a:pos x="connsiteX3" y="connsiteY3"/>
+              </a:cxn>
+              <a:cxn ang="0">
+                <a:pos x="connsiteX4" y="connsiteY4"/>
+              </a:cxn>
+              <a:cxn ang="0">
+                <a:pos x="connsiteX5" y="connsiteY5"/>
+              </a:cxn>
+              <a:cxn ang="0">
+                <a:pos x="connsiteX6" y="connsiteY6"/>
+              </a:cxn>
+              <a:cxn ang="0">
+                <a:pos x="connsiteX7" y="connsiteY7"/>
+              </a:cxn>
+              <a:cxn ang="0">
+                <a:pos x="connsiteX8" y="connsiteY8"/>
+              </a:cxn>
+              <a:cxn ang="0">
+                <a:pos x="connsiteX9" y="connsiteY9"/>
+              </a:cxn>
+              <a:cxn ang="0">
+                <a:pos x="connsiteX10" y="connsiteY10"/>
+              </a:cxn>
+              <a:cxn ang="0">
+                <a:pos x="connsiteX11" y="connsiteY11"/>
+              </a:cxn>
+              <a:cxn ang="0">
+                <a:pos x="connsiteX12" y="connsiteY12"/>
+              </a:cxn>
+              <a:cxn ang="0">
+                <a:pos x="connsiteX13" y="connsiteY13"/>
+              </a:cxn>
+              <a:cxn ang="0">
+                <a:pos x="connsiteX14" y="connsiteY14"/>
+              </a:cxn>
+              <a:cxn ang="0">
+                <a:pos x="connsiteX15" y="connsiteY15"/>
+              </a:cxn>
+              <a:cxn ang="0">
+                <a:pos x="connsiteX16" y="connsiteY16"/>
+              </a:cxn>
+            </a:cxnLst>
+            <a:rect l="l" t="t" r="r" b="b"/>
+            <a:pathLst>
+              <a:path w="3535680" h="6467707">
+                <a:moveTo>
+                  <a:pt x="728167" y="255023"/>
+                </a:moveTo>
+                <a:cubicBezTo>
+                  <a:pt x="442032" y="255023"/>
+                  <a:pt x="210073" y="486982"/>
+                  <a:pt x="210073" y="773117"/>
+                </a:cubicBezTo>
+                <a:lnTo>
+                  <a:pt x="210073" y="5406208"/>
+                </a:lnTo>
+                <a:cubicBezTo>
+                  <a:pt x="210073" y="5692343"/>
+                  <a:pt x="442032" y="5924302"/>
+                  <a:pt x="728167" y="5924302"/>
+                </a:cubicBezTo>
+                <a:lnTo>
+                  <a:pt x="2800478" y="5924302"/>
+                </a:lnTo>
+                <a:cubicBezTo>
+                  <a:pt x="3086613" y="5924302"/>
+                  <a:pt x="3318572" y="5692343"/>
+                  <a:pt x="3318572" y="5406208"/>
+                </a:cubicBezTo>
+                <a:lnTo>
+                  <a:pt x="3318572" y="773117"/>
+                </a:lnTo>
+                <a:cubicBezTo>
+                  <a:pt x="3318572" y="486982"/>
+                  <a:pt x="3086613" y="255023"/>
+                  <a:pt x="2800478" y="255023"/>
+                </a:cubicBezTo>
+                <a:close/>
+                <a:moveTo>
+                  <a:pt x="589292" y="0"/>
+                </a:moveTo>
+                <a:lnTo>
+                  <a:pt x="2946388" y="0"/>
+                </a:lnTo>
+                <a:cubicBezTo>
+                  <a:pt x="3271845" y="0"/>
+                  <a:pt x="3535680" y="263835"/>
+                  <a:pt x="3535680" y="589292"/>
+                </a:cubicBezTo>
+                <a:lnTo>
+                  <a:pt x="3535680" y="5878415"/>
+                </a:lnTo>
+                <a:cubicBezTo>
+                  <a:pt x="3535680" y="6203872"/>
+                  <a:pt x="3271845" y="6467707"/>
+                  <a:pt x="2946388" y="6467707"/>
+                </a:cubicBezTo>
+                <a:lnTo>
+                  <a:pt x="589292" y="6467707"/>
+                </a:lnTo>
+                <a:cubicBezTo>
+                  <a:pt x="263835" y="6467707"/>
+                  <a:pt x="0" y="6203872"/>
+                  <a:pt x="0" y="5878415"/>
+                </a:cubicBezTo>
+                <a:lnTo>
+                  <a:pt x="0" y="589292"/>
+                </a:lnTo>
+                <a:cubicBezTo>
+                  <a:pt x="0" y="263835"/>
+                  <a:pt x="263835" y="0"/>
+                  <a:pt x="589292" y="0"/>
+                </a:cubicBezTo>
+                <a:close/>
+              </a:path>
+            </a:pathLst>
+          </a:custGeom>
+          <a:solidFill>
+            <a:schemeClr val="bg1">
+              <a:lumMod val="85000"/>
+            </a:schemeClr>
+          </a:solidFill>
+          <a:ln w="76200">
+            <a:solidFill>
+              <a:schemeClr val="tx1"/>
+            </a:solidFill>
+          </a:ln>
+        </p:spPr>
+        <p:style>
+          <a:lnRef idx="2">
+            <a:schemeClr val="accent1">
+              <a:shade val="50000"/>
+            </a:schemeClr>
+          </a:lnRef>
+          <a:fillRef idx="1">
+            <a:schemeClr val="accent1"/>
+          </a:fillRef>
+          <a:effectRef idx="0">
+            <a:schemeClr val="accent1"/>
+          </a:effectRef>
+          <a:fontRef idx="minor">
+            <a:schemeClr val="lt1"/>
+          </a:fontRef>
+        </p:style>
+        <p:txBody>
+          <a:bodyPr rtlCol="0" anchor="ctr"/>
+          <a:lstStyle/>
+          <a:p>
+            <a:pPr algn="ctr"/>
+            <a:endParaRPr lang="en-PH" sz="1424" dirty="0">
+              <a:latin typeface="Tahoma" panose="020B0604030504040204" pitchFamily="34" charset="0"/>
+              <a:ea typeface="Tahoma" panose="020B0604030504040204" pitchFamily="34" charset="0"/>
+              <a:cs typeface="Tahoma" panose="020B0604030504040204" pitchFamily="34" charset="0"/>
+            </a:endParaRPr>
+          </a:p>
+        </p:txBody>
+      </p:sp>
+      <p:sp>
+        <p:nvSpPr>
+          <p:cNvPr id="3" name="Isosceles Triangle 2">
+            <a:extLst>
+              <a:ext uri="{FF2B5EF4-FFF2-40B4-BE49-F238E27FC236}">
+                <a16:creationId xmlns:a16="http://schemas.microsoft.com/office/drawing/2014/main" id="{48B50BEA-6BFE-42E1-9748-5C212257AA15}"/>
+              </a:ext>
+            </a:extLst>
+          </p:cNvPr>
+          <p:cNvSpPr/>
+          <p:nvPr/>
+        </p:nvSpPr>
+        <p:spPr>
+          <a:xfrm rot="16200000">
+            <a:off x="2111607" y="10263126"/>
+            <a:ext cx="393593" cy="304329"/>
+          </a:xfrm>
+          <a:prstGeom prst="triangle">
+            <a:avLst/>
+          </a:prstGeom>
+        </p:spPr>
+        <p:style>
+          <a:lnRef idx="1">
+            <a:schemeClr val="accent3"/>
+          </a:lnRef>
+          <a:fillRef idx="2">
+            <a:schemeClr val="accent3"/>
+          </a:fillRef>
+          <a:effectRef idx="1">
+            <a:schemeClr val="accent3"/>
+          </a:effectRef>
+          <a:fontRef idx="minor">
+            <a:schemeClr val="dk1"/>
+          </a:fontRef>
+        </p:style>
+        <p:txBody>
+          <a:bodyPr rtlCol="0" anchor="ctr"/>
+          <a:lstStyle/>
+          <a:p>
+            <a:pPr algn="ctr"/>
+            <a:endParaRPr lang="en-PH" sz="1424">
+              <a:latin typeface="Tahoma" panose="020B0604030504040204" pitchFamily="34" charset="0"/>
+              <a:ea typeface="Tahoma" panose="020B0604030504040204" pitchFamily="34" charset="0"/>
+              <a:cs typeface="Tahoma" panose="020B0604030504040204" pitchFamily="34" charset="0"/>
+            </a:endParaRPr>
+          </a:p>
+        </p:txBody>
+      </p:sp>
+      <p:sp>
+        <p:nvSpPr>
+          <p:cNvPr id="4" name="Rectangle 3">
+            <a:extLst>
+              <a:ext uri="{FF2B5EF4-FFF2-40B4-BE49-F238E27FC236}">
+                <a16:creationId xmlns:a16="http://schemas.microsoft.com/office/drawing/2014/main" id="{5283B88E-C0F0-4B59-AD90-91FFE74683DA}"/>
+              </a:ext>
+            </a:extLst>
+          </p:cNvPr>
+          <p:cNvSpPr/>
+          <p:nvPr/>
+        </p:nvSpPr>
+        <p:spPr>
+          <a:xfrm>
+            <a:off x="4246628" y="10218485"/>
+            <a:ext cx="393593" cy="393593"/>
+          </a:xfrm>
+          <a:prstGeom prst="rect">
+            <a:avLst/>
+          </a:prstGeom>
+        </p:spPr>
+        <p:style>
+          <a:lnRef idx="1">
+            <a:schemeClr val="accent3"/>
+          </a:lnRef>
+          <a:fillRef idx="2">
+            <a:schemeClr val="accent3"/>
+          </a:fillRef>
+          <a:effectRef idx="1">
+            <a:schemeClr val="accent3"/>
+          </a:effectRef>
+          <a:fontRef idx="minor">
+            <a:schemeClr val="dk1"/>
+          </a:fontRef>
+        </p:style>
+        <p:txBody>
+          <a:bodyPr rtlCol="0" anchor="ctr"/>
+          <a:lstStyle/>
+          <a:p>
+            <a:pPr algn="ctr"/>
+            <a:endParaRPr lang="en-PH" sz="1424">
+              <a:latin typeface="Tahoma" panose="020B0604030504040204" pitchFamily="34" charset="0"/>
+              <a:ea typeface="Tahoma" panose="020B0604030504040204" pitchFamily="34" charset="0"/>
+              <a:cs typeface="Tahoma" panose="020B0604030504040204" pitchFamily="34" charset="0"/>
+            </a:endParaRPr>
+          </a:p>
+        </p:txBody>
+      </p:sp>
+      <p:sp>
+        <p:nvSpPr>
+          <p:cNvPr id="5" name="Oval 4">
+            <a:extLst>
+              <a:ext uri="{FF2B5EF4-FFF2-40B4-BE49-F238E27FC236}">
+                <a16:creationId xmlns:a16="http://schemas.microsoft.com/office/drawing/2014/main" id="{50781189-672A-4353-BF82-CDCF1ED2B5CE}"/>
+              </a:ext>
+            </a:extLst>
+          </p:cNvPr>
+          <p:cNvSpPr/>
+          <p:nvPr/>
+        </p:nvSpPr>
+        <p:spPr>
+          <a:xfrm>
+            <a:off x="3156798" y="10237842"/>
+            <a:ext cx="393593" cy="393593"/>
+          </a:xfrm>
+          <a:prstGeom prst="ellipse">
+            <a:avLst/>
+          </a:prstGeom>
+        </p:spPr>
+        <p:style>
+          <a:lnRef idx="1">
+            <a:schemeClr val="accent3"/>
+          </a:lnRef>
+          <a:fillRef idx="2">
+            <a:schemeClr val="accent3"/>
+          </a:fillRef>
+          <a:effectRef idx="1">
+            <a:schemeClr val="accent3"/>
+          </a:effectRef>
+          <a:fontRef idx="minor">
+            <a:schemeClr val="dk1"/>
+          </a:fontRef>
+        </p:style>
+        <p:txBody>
+          <a:bodyPr rtlCol="0" anchor="ctr"/>
+          <a:lstStyle/>
+          <a:p>
+            <a:pPr algn="ctr"/>
+            <a:endParaRPr lang="en-PH" sz="1424">
+              <a:latin typeface="Tahoma" panose="020B0604030504040204" pitchFamily="34" charset="0"/>
+              <a:ea typeface="Tahoma" panose="020B0604030504040204" pitchFamily="34" charset="0"/>
+              <a:cs typeface="Tahoma" panose="020B0604030504040204" pitchFamily="34" charset="0"/>
+            </a:endParaRPr>
+          </a:p>
+        </p:txBody>
+      </p:sp>
+      <p:cxnSp>
+        <p:nvCxnSpPr>
+          <p:cNvPr id="7" name="Straight Connector 6">
+            <a:extLst>
+              <a:ext uri="{FF2B5EF4-FFF2-40B4-BE49-F238E27FC236}">
+                <a16:creationId xmlns:a16="http://schemas.microsoft.com/office/drawing/2014/main" id="{D3875D44-BF2E-4E1E-87F3-701650DD48D3}"/>
+              </a:ext>
+            </a:extLst>
+          </p:cNvPr>
+          <p:cNvCxnSpPr/>
+          <p:nvPr/>
+        </p:nvCxnSpPr>
+        <p:spPr>
+          <a:xfrm>
+            <a:off x="992619" y="3071676"/>
+            <a:ext cx="4872761" cy="0"/>
+          </a:xfrm>
+          <a:prstGeom prst="line">
+            <a:avLst/>
+          </a:prstGeom>
+          <a:ln w="57150">
+            <a:solidFill>
+              <a:schemeClr val="tx1"/>
+            </a:solidFill>
+          </a:ln>
+        </p:spPr>
+        <p:style>
+          <a:lnRef idx="1">
+            <a:schemeClr val="accent1"/>
+          </a:lnRef>
+          <a:fillRef idx="0">
+            <a:schemeClr val="accent1"/>
+          </a:fillRef>
+          <a:effectRef idx="0">
+            <a:schemeClr val="accent1"/>
+          </a:effectRef>
+          <a:fontRef idx="minor">
+            <a:schemeClr val="tx1"/>
+          </a:fontRef>
+        </p:style>
+      </p:cxnSp>
+      <p:sp>
+        <p:nvSpPr>
+          <p:cNvPr id="8" name="TextBox 7">
+            <a:extLst>
+              <a:ext uri="{FF2B5EF4-FFF2-40B4-BE49-F238E27FC236}">
+                <a16:creationId xmlns:a16="http://schemas.microsoft.com/office/drawing/2014/main" id="{5AD6F899-8B9B-45B8-976C-11F92C4541CC}"/>
+              </a:ext>
+            </a:extLst>
+          </p:cNvPr>
+          <p:cNvSpPr txBox="1"/>
+          <p:nvPr/>
+        </p:nvSpPr>
+        <p:spPr>
+          <a:xfrm>
+            <a:off x="2576477" y="1248532"/>
+            <a:ext cx="3733893" cy="1477328"/>
+          </a:xfrm>
+          <a:prstGeom prst="rect">
+            <a:avLst/>
+          </a:prstGeom>
+          <a:noFill/>
+        </p:spPr>
+        <p:txBody>
+          <a:bodyPr wrap="square" rtlCol="0">
+            <a:spAutoFit/>
+          </a:bodyPr>
+          <a:lstStyle/>
+          <a:p>
+            <a:pPr algn="ctr"/>
+            <a:r>
+              <a:rPr lang="en-PH" sz="3000" b="1" spc="533" dirty="0">
+                <a:latin typeface="Tahoma" panose="020B0604030504040204" pitchFamily="34" charset="0"/>
+                <a:ea typeface="Tahoma" panose="020B0604030504040204" pitchFamily="34" charset="0"/>
+                <a:cs typeface="Tahoma" panose="020B0604030504040204" pitchFamily="34" charset="0"/>
+              </a:rPr>
+              <a:t>Upcoming Train Schedule</a:t>
+            </a:r>
+          </a:p>
+        </p:txBody>
+      </p:sp>
+      <p:sp>
+        <p:nvSpPr>
+          <p:cNvPr id="9" name="TextBox 8">
+            <a:extLst>
+              <a:ext uri="{FF2B5EF4-FFF2-40B4-BE49-F238E27FC236}">
+                <a16:creationId xmlns:a16="http://schemas.microsoft.com/office/drawing/2014/main" id="{9C3116B4-8B5C-4D56-940F-9E1C1EB6F288}"/>
+              </a:ext>
+            </a:extLst>
+          </p:cNvPr>
+          <p:cNvSpPr txBox="1"/>
+          <p:nvPr/>
+        </p:nvSpPr>
+        <p:spPr>
+          <a:xfrm>
+            <a:off x="1386634" y="3233441"/>
+            <a:ext cx="1539204" cy="446276"/>
+          </a:xfrm>
+          <a:prstGeom prst="rect">
+            <a:avLst/>
+          </a:prstGeom>
+          <a:noFill/>
+        </p:spPr>
+        <p:txBody>
+          <a:bodyPr wrap="none" rtlCol="0">
+            <a:spAutoFit/>
+          </a:bodyPr>
+          <a:lstStyle/>
+          <a:p>
+            <a:pPr algn="ctr"/>
+            <a:r>
+              <a:rPr lang="en-PH" sz="2300" b="1" dirty="0">
+                <a:latin typeface="Tahoma" panose="020B0604030504040204" pitchFamily="34" charset="0"/>
+                <a:ea typeface="Tahoma" panose="020B0604030504040204" pitchFamily="34" charset="0"/>
+                <a:cs typeface="Tahoma" panose="020B0604030504040204" pitchFamily="34" charset="0"/>
+              </a:rPr>
+              <a:t>Train No.</a:t>
+            </a:r>
+          </a:p>
+        </p:txBody>
+      </p:sp>
+      <p:cxnSp>
+        <p:nvCxnSpPr>
+          <p:cNvPr id="10" name="Straight Connector 9">
+            <a:extLst>
+              <a:ext uri="{FF2B5EF4-FFF2-40B4-BE49-F238E27FC236}">
+                <a16:creationId xmlns:a16="http://schemas.microsoft.com/office/drawing/2014/main" id="{E67AAE00-7CBE-4E22-823B-5CFC014F86C3}"/>
+              </a:ext>
+            </a:extLst>
+          </p:cNvPr>
+          <p:cNvCxnSpPr>
+            <a:cxnSpLocks/>
+          </p:cNvCxnSpPr>
+          <p:nvPr/>
+        </p:nvCxnSpPr>
+        <p:spPr>
+          <a:xfrm flipV="1">
+            <a:off x="3353595" y="3313543"/>
+            <a:ext cx="0" cy="5352850"/>
+          </a:xfrm>
+          <a:prstGeom prst="line">
+            <a:avLst/>
+          </a:prstGeom>
+          <a:ln w="57150">
+            <a:solidFill>
+              <a:schemeClr val="tx1"/>
+            </a:solidFill>
+          </a:ln>
+        </p:spPr>
+        <p:style>
+          <a:lnRef idx="1">
+            <a:schemeClr val="accent1"/>
+          </a:lnRef>
+          <a:fillRef idx="0">
+            <a:schemeClr val="accent1"/>
+          </a:fillRef>
+          <a:effectRef idx="0">
+            <a:schemeClr val="accent1"/>
+          </a:effectRef>
+          <a:fontRef idx="minor">
+            <a:schemeClr val="tx1"/>
+          </a:fontRef>
+        </p:style>
+      </p:cxnSp>
+      <p:sp>
+        <p:nvSpPr>
+          <p:cNvPr id="11" name="TextBox 10">
+            <a:extLst>
+              <a:ext uri="{FF2B5EF4-FFF2-40B4-BE49-F238E27FC236}">
+                <a16:creationId xmlns:a16="http://schemas.microsoft.com/office/drawing/2014/main" id="{B8D50F66-ED9B-4AF0-A243-0AA7FC645157}"/>
+              </a:ext>
+            </a:extLst>
+          </p:cNvPr>
+          <p:cNvSpPr txBox="1"/>
+          <p:nvPr/>
+        </p:nvSpPr>
+        <p:spPr>
+          <a:xfrm>
+            <a:off x="3654637" y="3240617"/>
+            <a:ext cx="1981633" cy="446276"/>
+          </a:xfrm>
+          <a:prstGeom prst="rect">
+            <a:avLst/>
+          </a:prstGeom>
+          <a:noFill/>
+        </p:spPr>
+        <p:txBody>
+          <a:bodyPr wrap="none" rtlCol="0">
+            <a:spAutoFit/>
+          </a:bodyPr>
+          <a:lstStyle/>
+          <a:p>
+            <a:pPr algn="ctr"/>
+            <a:r>
+              <a:rPr lang="en-PH" sz="2300" b="1" dirty="0">
+                <a:latin typeface="Tahoma" panose="020B0604030504040204" pitchFamily="34" charset="0"/>
+                <a:ea typeface="Tahoma" panose="020B0604030504040204" pitchFamily="34" charset="0"/>
+                <a:cs typeface="Tahoma" panose="020B0604030504040204" pitchFamily="34" charset="0"/>
+              </a:rPr>
+              <a:t>Arrival Time</a:t>
+            </a:r>
+          </a:p>
+        </p:txBody>
+      </p:sp>
+      <p:sp>
+        <p:nvSpPr>
+          <p:cNvPr id="12" name="TextBox 11">
+            <a:extLst>
+              <a:ext uri="{FF2B5EF4-FFF2-40B4-BE49-F238E27FC236}">
+                <a16:creationId xmlns:a16="http://schemas.microsoft.com/office/drawing/2014/main" id="{4C7D7FE8-6F35-4CF5-8AEB-F9C5AA0CC0B4}"/>
+              </a:ext>
+            </a:extLst>
+          </p:cNvPr>
+          <p:cNvSpPr txBox="1"/>
+          <p:nvPr/>
+        </p:nvSpPr>
+        <p:spPr>
+          <a:xfrm>
+            <a:off x="1813464" y="3715132"/>
+            <a:ext cx="675185" cy="400110"/>
+          </a:xfrm>
+          <a:prstGeom prst="rect">
+            <a:avLst/>
+          </a:prstGeom>
+          <a:noFill/>
+        </p:spPr>
+        <p:txBody>
+          <a:bodyPr wrap="none" rtlCol="0">
+            <a:spAutoFit/>
+          </a:bodyPr>
+          <a:lstStyle/>
+          <a:p>
+            <a:pPr algn="ctr"/>
+            <a:r>
+              <a:rPr lang="en-PH" sz="2000" b="1" dirty="0">
+                <a:latin typeface="Tahoma" panose="020B0604030504040204" pitchFamily="34" charset="0"/>
+                <a:ea typeface="Tahoma" panose="020B0604030504040204" pitchFamily="34" charset="0"/>
+                <a:cs typeface="Tahoma" panose="020B0604030504040204" pitchFamily="34" charset="0"/>
+              </a:rPr>
+              <a:t>101</a:t>
+            </a:r>
+          </a:p>
+        </p:txBody>
+      </p:sp>
+      <p:sp>
+        <p:nvSpPr>
+          <p:cNvPr id="13" name="TextBox 12">
+            <a:extLst>
+              <a:ext uri="{FF2B5EF4-FFF2-40B4-BE49-F238E27FC236}">
+                <a16:creationId xmlns:a16="http://schemas.microsoft.com/office/drawing/2014/main" id="{8A388310-2292-4BA9-B63B-5B76117ACEF6}"/>
+              </a:ext>
+            </a:extLst>
+          </p:cNvPr>
+          <p:cNvSpPr txBox="1"/>
+          <p:nvPr/>
+        </p:nvSpPr>
+        <p:spPr>
+          <a:xfrm>
+            <a:off x="1813464" y="4564487"/>
+            <a:ext cx="675185" cy="400110"/>
+          </a:xfrm>
+          <a:prstGeom prst="rect">
+            <a:avLst/>
+          </a:prstGeom>
+          <a:noFill/>
+        </p:spPr>
+        <p:txBody>
+          <a:bodyPr wrap="none" rtlCol="0">
+            <a:spAutoFit/>
+          </a:bodyPr>
+          <a:lstStyle/>
+          <a:p>
+            <a:pPr algn="ctr"/>
+            <a:r>
+              <a:rPr lang="en-PH" sz="2000" b="1" dirty="0">
+                <a:latin typeface="Tahoma" panose="020B0604030504040204" pitchFamily="34" charset="0"/>
+                <a:ea typeface="Tahoma" panose="020B0604030504040204" pitchFamily="34" charset="0"/>
+                <a:cs typeface="Tahoma" panose="020B0604030504040204" pitchFamily="34" charset="0"/>
+              </a:rPr>
+              <a:t>104</a:t>
+            </a:r>
+          </a:p>
+        </p:txBody>
+      </p:sp>
+      <p:sp>
+        <p:nvSpPr>
+          <p:cNvPr id="14" name="TextBox 13">
+            <a:extLst>
+              <a:ext uri="{FF2B5EF4-FFF2-40B4-BE49-F238E27FC236}">
+                <a16:creationId xmlns:a16="http://schemas.microsoft.com/office/drawing/2014/main" id="{9885FAB8-1D6A-4D32-879F-8373A880EA9C}"/>
+              </a:ext>
+            </a:extLst>
+          </p:cNvPr>
+          <p:cNvSpPr txBox="1"/>
+          <p:nvPr/>
+        </p:nvSpPr>
+        <p:spPr>
+          <a:xfrm>
+            <a:off x="1813464" y="5505120"/>
+            <a:ext cx="675185" cy="400110"/>
+          </a:xfrm>
+          <a:prstGeom prst="rect">
+            <a:avLst/>
+          </a:prstGeom>
+          <a:noFill/>
+        </p:spPr>
+        <p:txBody>
+          <a:bodyPr wrap="none" rtlCol="0">
+            <a:spAutoFit/>
+          </a:bodyPr>
+          <a:lstStyle/>
+          <a:p>
+            <a:pPr algn="ctr"/>
+            <a:r>
+              <a:rPr lang="en-PH" sz="2000" b="1" dirty="0">
+                <a:latin typeface="Tahoma" panose="020B0604030504040204" pitchFamily="34" charset="0"/>
+                <a:ea typeface="Tahoma" panose="020B0604030504040204" pitchFamily="34" charset="0"/>
+                <a:cs typeface="Tahoma" panose="020B0604030504040204" pitchFamily="34" charset="0"/>
+              </a:rPr>
+              <a:t>110</a:t>
+            </a:r>
+          </a:p>
+        </p:txBody>
+      </p:sp>
+      <p:sp>
+        <p:nvSpPr>
+          <p:cNvPr id="15" name="TextBox 14">
+            <a:extLst>
+              <a:ext uri="{FF2B5EF4-FFF2-40B4-BE49-F238E27FC236}">
+                <a16:creationId xmlns:a16="http://schemas.microsoft.com/office/drawing/2014/main" id="{5B35DEA6-B3FE-4428-8CED-832804962FBC}"/>
+              </a:ext>
+            </a:extLst>
+          </p:cNvPr>
+          <p:cNvSpPr txBox="1"/>
+          <p:nvPr/>
+        </p:nvSpPr>
+        <p:spPr>
+          <a:xfrm>
+            <a:off x="1674850" y="6350327"/>
+            <a:ext cx="952398" cy="400110"/>
+          </a:xfrm>
+          <a:prstGeom prst="rect">
+            <a:avLst/>
+          </a:prstGeom>
+          <a:noFill/>
+        </p:spPr>
+        <p:txBody>
+          <a:bodyPr wrap="square" rtlCol="0">
+            <a:spAutoFit/>
+          </a:bodyPr>
+          <a:lstStyle/>
+          <a:p>
+            <a:pPr algn="ctr"/>
+            <a:r>
+              <a:rPr lang="en-PH" sz="2000" b="1" dirty="0">
+                <a:latin typeface="Tahoma" panose="020B0604030504040204" pitchFamily="34" charset="0"/>
+                <a:ea typeface="Tahoma" panose="020B0604030504040204" pitchFamily="34" charset="0"/>
+                <a:cs typeface="Tahoma" panose="020B0604030504040204" pitchFamily="34" charset="0"/>
+              </a:rPr>
+              <a:t>115</a:t>
+            </a:r>
+          </a:p>
+        </p:txBody>
+      </p:sp>
+      <p:sp>
+        <p:nvSpPr>
+          <p:cNvPr id="16" name="TextBox 15">
+            <a:extLst>
+              <a:ext uri="{FF2B5EF4-FFF2-40B4-BE49-F238E27FC236}">
+                <a16:creationId xmlns:a16="http://schemas.microsoft.com/office/drawing/2014/main" id="{A4149D5C-E738-49C3-BF4F-86D2177A3AD6}"/>
+              </a:ext>
+            </a:extLst>
+          </p:cNvPr>
+          <p:cNvSpPr txBox="1"/>
+          <p:nvPr/>
+        </p:nvSpPr>
+        <p:spPr>
+          <a:xfrm>
+            <a:off x="4018905" y="3720890"/>
+            <a:ext cx="1242648" cy="400110"/>
+          </a:xfrm>
+          <a:prstGeom prst="rect">
+            <a:avLst/>
+          </a:prstGeom>
+          <a:noFill/>
+        </p:spPr>
+        <p:txBody>
+          <a:bodyPr wrap="none" rtlCol="0">
+            <a:spAutoFit/>
+          </a:bodyPr>
+          <a:lstStyle/>
+          <a:p>
+            <a:pPr algn="ctr"/>
+            <a:r>
+              <a:rPr lang="en-PH" sz="2000" b="1" dirty="0">
+                <a:latin typeface="Tahoma" panose="020B0604030504040204" pitchFamily="34" charset="0"/>
+                <a:ea typeface="Tahoma" panose="020B0604030504040204" pitchFamily="34" charset="0"/>
+                <a:cs typeface="Tahoma" panose="020B0604030504040204" pitchFamily="34" charset="0"/>
+              </a:rPr>
+              <a:t>6:00 am</a:t>
+            </a:r>
+          </a:p>
+        </p:txBody>
+      </p:sp>
+      <p:sp>
+        <p:nvSpPr>
+          <p:cNvPr id="17" name="TextBox 16">
+            <a:extLst>
+              <a:ext uri="{FF2B5EF4-FFF2-40B4-BE49-F238E27FC236}">
+                <a16:creationId xmlns:a16="http://schemas.microsoft.com/office/drawing/2014/main" id="{C798050C-BD19-4C88-85B8-631464CD3525}"/>
+              </a:ext>
+            </a:extLst>
+          </p:cNvPr>
+          <p:cNvSpPr txBox="1"/>
+          <p:nvPr/>
+        </p:nvSpPr>
+        <p:spPr>
+          <a:xfrm>
+            <a:off x="4016900" y="4566901"/>
+            <a:ext cx="1242648" cy="400110"/>
+          </a:xfrm>
+          <a:prstGeom prst="rect">
+            <a:avLst/>
+          </a:prstGeom>
+          <a:noFill/>
+        </p:spPr>
+        <p:txBody>
+          <a:bodyPr wrap="none" rtlCol="0">
+            <a:spAutoFit/>
+          </a:bodyPr>
+          <a:lstStyle/>
+          <a:p>
+            <a:pPr algn="ctr"/>
+            <a:r>
+              <a:rPr lang="en-PH" sz="2000" b="1" dirty="0">
+                <a:latin typeface="Tahoma" panose="020B0604030504040204" pitchFamily="34" charset="0"/>
+                <a:ea typeface="Tahoma" panose="020B0604030504040204" pitchFamily="34" charset="0"/>
+                <a:cs typeface="Tahoma" panose="020B0604030504040204" pitchFamily="34" charset="0"/>
+              </a:rPr>
+              <a:t>7:15 am</a:t>
+            </a:r>
+          </a:p>
+        </p:txBody>
+      </p:sp>
+      <p:sp>
+        <p:nvSpPr>
+          <p:cNvPr id="18" name="TextBox 17">
+            <a:extLst>
+              <a:ext uri="{FF2B5EF4-FFF2-40B4-BE49-F238E27FC236}">
+                <a16:creationId xmlns:a16="http://schemas.microsoft.com/office/drawing/2014/main" id="{5BBD9FDA-333C-479E-8B02-5C1FBC73E97D}"/>
+              </a:ext>
+            </a:extLst>
+          </p:cNvPr>
+          <p:cNvSpPr txBox="1"/>
+          <p:nvPr/>
+        </p:nvSpPr>
+        <p:spPr>
+          <a:xfrm>
+            <a:off x="3945407" y="5465111"/>
+            <a:ext cx="1317990" cy="400110"/>
+          </a:xfrm>
+          <a:prstGeom prst="rect">
+            <a:avLst/>
+          </a:prstGeom>
+          <a:noFill/>
+        </p:spPr>
+        <p:txBody>
+          <a:bodyPr wrap="none" rtlCol="0">
+            <a:spAutoFit/>
+          </a:bodyPr>
+          <a:lstStyle/>
+          <a:p>
+            <a:pPr algn="ctr"/>
+            <a:r>
+              <a:rPr lang="en-PH" sz="2000" b="1" dirty="0">
+                <a:latin typeface="Tahoma" panose="020B0604030504040204" pitchFamily="34" charset="0"/>
+                <a:ea typeface="Tahoma" panose="020B0604030504040204" pitchFamily="34" charset="0"/>
+                <a:cs typeface="Tahoma" panose="020B0604030504040204" pitchFamily="34" charset="0"/>
+              </a:rPr>
+              <a:t>7: 45 am</a:t>
+            </a:r>
+          </a:p>
+        </p:txBody>
+      </p:sp>
+      <p:sp>
+        <p:nvSpPr>
+          <p:cNvPr id="19" name="TextBox 18">
+            <a:extLst>
+              <a:ext uri="{FF2B5EF4-FFF2-40B4-BE49-F238E27FC236}">
+                <a16:creationId xmlns:a16="http://schemas.microsoft.com/office/drawing/2014/main" id="{DBBA6E21-B808-45B0-AD73-EB43E9FA0C35}"/>
+              </a:ext>
+            </a:extLst>
+          </p:cNvPr>
+          <p:cNvSpPr txBox="1"/>
+          <p:nvPr/>
+        </p:nvSpPr>
+        <p:spPr>
+          <a:xfrm>
+            <a:off x="3972449" y="6285178"/>
+            <a:ext cx="1242648" cy="400110"/>
+          </a:xfrm>
+          <a:prstGeom prst="rect">
+            <a:avLst/>
+          </a:prstGeom>
+          <a:noFill/>
+        </p:spPr>
+        <p:txBody>
+          <a:bodyPr wrap="none" rtlCol="0">
+            <a:spAutoFit/>
+          </a:bodyPr>
+          <a:lstStyle/>
+          <a:p>
+            <a:pPr algn="ctr"/>
+            <a:r>
+              <a:rPr lang="en-PH" sz="2000" b="1" dirty="0">
+                <a:latin typeface="Tahoma" panose="020B0604030504040204" pitchFamily="34" charset="0"/>
+                <a:ea typeface="Tahoma" panose="020B0604030504040204" pitchFamily="34" charset="0"/>
+                <a:cs typeface="Tahoma" panose="020B0604030504040204" pitchFamily="34" charset="0"/>
+              </a:rPr>
+              <a:t>8:18 am</a:t>
+            </a:r>
+          </a:p>
+        </p:txBody>
+      </p:sp>
+      <p:cxnSp>
+        <p:nvCxnSpPr>
+          <p:cNvPr id="20" name="Straight Connector 19">
+            <a:extLst>
+              <a:ext uri="{FF2B5EF4-FFF2-40B4-BE49-F238E27FC236}">
+                <a16:creationId xmlns:a16="http://schemas.microsoft.com/office/drawing/2014/main" id="{2A42E0D3-CDF7-4807-A3A7-3FDD9ACA9ADE}"/>
+              </a:ext>
+            </a:extLst>
+          </p:cNvPr>
+          <p:cNvCxnSpPr/>
+          <p:nvPr/>
+        </p:nvCxnSpPr>
+        <p:spPr>
+          <a:xfrm>
+            <a:off x="992619" y="8781827"/>
+            <a:ext cx="4872761" cy="0"/>
+          </a:xfrm>
+          <a:prstGeom prst="line">
+            <a:avLst/>
+          </a:prstGeom>
+          <a:ln w="57150">
+            <a:solidFill>
+              <a:schemeClr val="tx1"/>
+            </a:solidFill>
+          </a:ln>
+        </p:spPr>
+        <p:style>
+          <a:lnRef idx="1">
+            <a:schemeClr val="accent1"/>
+          </a:lnRef>
+          <a:fillRef idx="0">
+            <a:schemeClr val="accent1"/>
+          </a:fillRef>
+          <a:effectRef idx="0">
+            <a:schemeClr val="accent1"/>
+          </a:effectRef>
+          <a:fontRef idx="minor">
+            <a:schemeClr val="tx1"/>
+          </a:fontRef>
+        </p:style>
+      </p:cxnSp>
+      <p:sp>
+        <p:nvSpPr>
+          <p:cNvPr id="21" name="Rectangle: Rounded Corners 20">
+            <a:extLst>
+              <a:ext uri="{FF2B5EF4-FFF2-40B4-BE49-F238E27FC236}">
+                <a16:creationId xmlns:a16="http://schemas.microsoft.com/office/drawing/2014/main" id="{BCB8C6D8-79EA-40E3-A98F-F9DE9F363B1A}"/>
+              </a:ext>
+            </a:extLst>
+          </p:cNvPr>
+          <p:cNvSpPr/>
+          <p:nvPr/>
+        </p:nvSpPr>
+        <p:spPr>
+          <a:xfrm>
+            <a:off x="2191543" y="9062785"/>
+            <a:ext cx="2324108" cy="604268"/>
+          </a:xfrm>
+          <a:prstGeom prst="roundRect">
+            <a:avLst>
+              <a:gd name="adj" fmla="val 50000"/>
+            </a:avLst>
+          </a:prstGeom>
+          <a:ln>
+            <a:solidFill>
+              <a:schemeClr val="tx1"/>
+            </a:solidFill>
+          </a:ln>
+        </p:spPr>
+        <p:style>
+          <a:lnRef idx="1">
+            <a:schemeClr val="accent4"/>
+          </a:lnRef>
+          <a:fillRef idx="2">
+            <a:schemeClr val="accent4"/>
+          </a:fillRef>
+          <a:effectRef idx="1">
+            <a:schemeClr val="accent4"/>
+          </a:effectRef>
+          <a:fontRef idx="minor">
+            <a:schemeClr val="dk1"/>
+          </a:fontRef>
+        </p:style>
+        <p:txBody>
+          <a:bodyPr rtlCol="0" anchor="ctr"/>
+          <a:lstStyle/>
+          <a:p>
+            <a:pPr algn="ctr"/>
+            <a:r>
+              <a:rPr lang="en-PH" sz="2500" dirty="0">
+                <a:latin typeface="Tahoma" panose="020B0604030504040204" pitchFamily="34" charset="0"/>
+                <a:ea typeface="Tahoma" panose="020B0604030504040204" pitchFamily="34" charset="0"/>
+                <a:cs typeface="Tahoma" panose="020B0604030504040204" pitchFamily="34" charset="0"/>
+              </a:rPr>
+              <a:t>Next</a:t>
+            </a:r>
+          </a:p>
+        </p:txBody>
+      </p:sp>
+      <p:pic>
+        <p:nvPicPr>
+          <p:cNvPr id="22" name="Picture 21" descr="Related image">
+            <a:extLst>
+              <a:ext uri="{FF2B5EF4-FFF2-40B4-BE49-F238E27FC236}">
+                <a16:creationId xmlns:a16="http://schemas.microsoft.com/office/drawing/2014/main" id="{49A32BBD-4533-4269-A646-2C4425D1BA4F}"/>
+              </a:ext>
+            </a:extLst>
+          </p:cNvPr>
+          <p:cNvPicPr>
+            <a:picLocks noChangeAspect="1" noChangeArrowheads="1"/>
+          </p:cNvPicPr>
+          <p:nvPr/>
+        </p:nvPicPr>
+        <p:blipFill rotWithShape="1">
+          <a:blip r:embed="rId3">
+            <a:duotone>
+              <a:prstClr val="black"/>
+              <a:schemeClr val="accent5">
+                <a:tint val="45000"/>
+                <a:satMod val="400000"/>
+              </a:schemeClr>
+            </a:duotone>
+            <a:extLst>
+              <a:ext uri="{BEBA8EAE-BF5A-486C-A8C5-ECC9F3942E4B}">
+                <a14:imgProps xmlns:a14="http://schemas.microsoft.com/office/drawing/2010/main">
+                  <a14:imgLayer r:embed="rId4">
+                    <a14:imgEffect>
+                      <a14:colorTemperature colorTemp="4700"/>
+                    </a14:imgEffect>
+                  </a14:imgLayer>
+                </a14:imgProps>
+              </a:ext>
+              <a:ext uri="{28A0092B-C50C-407E-A947-70E740481C1C}">
+                <a14:useLocalDpi xmlns:a14="http://schemas.microsoft.com/office/drawing/2010/main" val="0"/>
+              </a:ext>
+            </a:extLst>
+          </a:blip>
+          <a:srcRect l="2953" t="2566" r="1414" b="8632"/>
+          <a:stretch/>
+        </p:blipFill>
+        <p:spPr bwMode="auto">
+          <a:xfrm>
+            <a:off x="999518" y="1187204"/>
+            <a:ext cx="1600002" cy="1600002"/>
+          </a:xfrm>
+          <a:custGeom>
+            <a:avLst/>
+            <a:gdLst>
+              <a:gd name="connsiteX0" fmla="*/ 1190478 w 2380956"/>
+              <a:gd name="connsiteY0" fmla="*/ 0 h 2380956"/>
+              <a:gd name="connsiteX1" fmla="*/ 1856086 w 2380956"/>
+              <a:gd name="connsiteY1" fmla="*/ 203315 h 2380956"/>
+              <a:gd name="connsiteX2" fmla="*/ 1927973 w 2380956"/>
+              <a:gd name="connsiteY2" fmla="*/ 257071 h 2380956"/>
+              <a:gd name="connsiteX3" fmla="*/ 2187526 w 2380956"/>
+              <a:gd name="connsiteY3" fmla="*/ 257071 h 2380956"/>
+              <a:gd name="connsiteX4" fmla="*/ 2187526 w 2380956"/>
+              <a:gd name="connsiteY4" fmla="*/ 541142 h 2380956"/>
+              <a:gd name="connsiteX5" fmla="*/ 2237272 w 2380956"/>
+              <a:gd name="connsiteY5" fmla="*/ 623026 h 2380956"/>
+              <a:gd name="connsiteX6" fmla="*/ 2380956 w 2380956"/>
+              <a:gd name="connsiteY6" fmla="*/ 1190478 h 2380956"/>
+              <a:gd name="connsiteX7" fmla="*/ 2237272 w 2380956"/>
+              <a:gd name="connsiteY7" fmla="*/ 1757931 h 2380956"/>
+              <a:gd name="connsiteX8" fmla="*/ 2187526 w 2380956"/>
+              <a:gd name="connsiteY8" fmla="*/ 1839815 h 2380956"/>
+              <a:gd name="connsiteX9" fmla="*/ 2187526 w 2380956"/>
+              <a:gd name="connsiteY9" fmla="*/ 2123885 h 2380956"/>
+              <a:gd name="connsiteX10" fmla="*/ 1927973 w 2380956"/>
+              <a:gd name="connsiteY10" fmla="*/ 2123885 h 2380956"/>
+              <a:gd name="connsiteX11" fmla="*/ 1856086 w 2380956"/>
+              <a:gd name="connsiteY11" fmla="*/ 2177641 h 2380956"/>
+              <a:gd name="connsiteX12" fmla="*/ 1190478 w 2380956"/>
+              <a:gd name="connsiteY12" fmla="*/ 2380956 h 2380956"/>
+              <a:gd name="connsiteX13" fmla="*/ 524871 w 2380956"/>
+              <a:gd name="connsiteY13" fmla="*/ 2177641 h 2380956"/>
+              <a:gd name="connsiteX14" fmla="*/ 452984 w 2380956"/>
+              <a:gd name="connsiteY14" fmla="*/ 2123885 h 2380956"/>
+              <a:gd name="connsiteX15" fmla="*/ 193430 w 2380956"/>
+              <a:gd name="connsiteY15" fmla="*/ 2123885 h 2380956"/>
+              <a:gd name="connsiteX16" fmla="*/ 193430 w 2380956"/>
+              <a:gd name="connsiteY16" fmla="*/ 1839815 h 2380956"/>
+              <a:gd name="connsiteX17" fmla="*/ 143684 w 2380956"/>
+              <a:gd name="connsiteY17" fmla="*/ 1757931 h 2380956"/>
+              <a:gd name="connsiteX18" fmla="*/ 0 w 2380956"/>
+              <a:gd name="connsiteY18" fmla="*/ 1190478 h 2380956"/>
+              <a:gd name="connsiteX19" fmla="*/ 143684 w 2380956"/>
+              <a:gd name="connsiteY19" fmla="*/ 623026 h 2380956"/>
+              <a:gd name="connsiteX20" fmla="*/ 193430 w 2380956"/>
+              <a:gd name="connsiteY20" fmla="*/ 541142 h 2380956"/>
+              <a:gd name="connsiteX21" fmla="*/ 193430 w 2380956"/>
+              <a:gd name="connsiteY21" fmla="*/ 257071 h 2380956"/>
+              <a:gd name="connsiteX22" fmla="*/ 452984 w 2380956"/>
+              <a:gd name="connsiteY22" fmla="*/ 257071 h 2380956"/>
+              <a:gd name="connsiteX23" fmla="*/ 524871 w 2380956"/>
+              <a:gd name="connsiteY23" fmla="*/ 203315 h 2380956"/>
+              <a:gd name="connsiteX24" fmla="*/ 1190478 w 2380956"/>
+              <a:gd name="connsiteY24" fmla="*/ 0 h 2380956"/>
+            </a:gdLst>
+            <a:ahLst/>
+            <a:cxnLst>
+              <a:cxn ang="0">
+                <a:pos x="connsiteX0" y="connsiteY0"/>
+              </a:cxn>
+              <a:cxn ang="0">
+                <a:pos x="connsiteX1" y="connsiteY1"/>
+              </a:cxn>
+              <a:cxn ang="0">
+                <a:pos x="connsiteX2" y="connsiteY2"/>
+              </a:cxn>
+              <a:cxn ang="0">
+                <a:pos x="connsiteX3" y="connsiteY3"/>
+              </a:cxn>
+              <a:cxn ang="0">
+                <a:pos x="connsiteX4" y="connsiteY4"/>
+              </a:cxn>
+              <a:cxn ang="0">
+                <a:pos x="connsiteX5" y="connsiteY5"/>
+              </a:cxn>
+              <a:cxn ang="0">
+                <a:pos x="connsiteX6" y="connsiteY6"/>
+              </a:cxn>
+              <a:cxn ang="0">
+                <a:pos x="connsiteX7" y="connsiteY7"/>
+              </a:cxn>
+              <a:cxn ang="0">
+                <a:pos x="connsiteX8" y="connsiteY8"/>
+              </a:cxn>
+              <a:cxn ang="0">
+                <a:pos x="connsiteX9" y="connsiteY9"/>
+              </a:cxn>
+              <a:cxn ang="0">
+                <a:pos x="connsiteX10" y="connsiteY10"/>
+              </a:cxn>
+              <a:cxn ang="0">
+                <a:pos x="connsiteX11" y="connsiteY11"/>
+              </a:cxn>
+              <a:cxn ang="0">
+                <a:pos x="connsiteX12" y="connsiteY12"/>
+              </a:cxn>
+              <a:cxn ang="0">
+                <a:pos x="connsiteX13" y="connsiteY13"/>
+              </a:cxn>
+              <a:cxn ang="0">
+                <a:pos x="connsiteX14" y="connsiteY14"/>
+              </a:cxn>
+              <a:cxn ang="0">
+                <a:pos x="connsiteX15" y="connsiteY15"/>
+              </a:cxn>
+              <a:cxn ang="0">
+                <a:pos x="connsiteX16" y="connsiteY16"/>
+              </a:cxn>
+              <a:cxn ang="0">
+                <a:pos x="connsiteX17" y="connsiteY17"/>
+              </a:cxn>
+              <a:cxn ang="0">
+                <a:pos x="connsiteX18" y="connsiteY18"/>
+              </a:cxn>
+              <a:cxn ang="0">
+                <a:pos x="connsiteX19" y="connsiteY19"/>
+              </a:cxn>
+              <a:cxn ang="0">
+                <a:pos x="connsiteX20" y="connsiteY20"/>
+              </a:cxn>
+              <a:cxn ang="0">
+                <a:pos x="connsiteX21" y="connsiteY21"/>
+              </a:cxn>
+              <a:cxn ang="0">
+                <a:pos x="connsiteX22" y="connsiteY22"/>
+              </a:cxn>
+              <a:cxn ang="0">
+                <a:pos x="connsiteX23" y="connsiteY23"/>
+              </a:cxn>
+              <a:cxn ang="0">
+                <a:pos x="connsiteX24" y="connsiteY24"/>
+              </a:cxn>
+            </a:cxnLst>
+            <a:rect l="l" t="t" r="r" b="b"/>
+            <a:pathLst>
+              <a:path w="2380956" h="2380956">
+                <a:moveTo>
+                  <a:pt x="1190478" y="0"/>
+                </a:moveTo>
+                <a:cubicBezTo>
+                  <a:pt x="1437034" y="0"/>
+                  <a:pt x="1666084" y="74952"/>
+                  <a:pt x="1856086" y="203315"/>
+                </a:cubicBezTo>
+                <a:lnTo>
+                  <a:pt x="1927973" y="257071"/>
+                </a:lnTo>
+                <a:lnTo>
+                  <a:pt x="2187526" y="257071"/>
+                </a:lnTo>
+                <a:lnTo>
+                  <a:pt x="2187526" y="541142"/>
+                </a:lnTo>
+                <a:lnTo>
+                  <a:pt x="2237272" y="623026"/>
+                </a:lnTo>
+                <a:cubicBezTo>
+                  <a:pt x="2328906" y="791708"/>
+                  <a:pt x="2380956" y="985015"/>
+                  <a:pt x="2380956" y="1190478"/>
+                </a:cubicBezTo>
+                <a:cubicBezTo>
+                  <a:pt x="2380956" y="1395942"/>
+                  <a:pt x="2328906" y="1589248"/>
+                  <a:pt x="2237272" y="1757931"/>
+                </a:cubicBezTo>
+                <a:lnTo>
+                  <a:pt x="2187526" y="1839815"/>
+                </a:lnTo>
+                <a:lnTo>
+                  <a:pt x="2187526" y="2123885"/>
+                </a:lnTo>
+                <a:lnTo>
+                  <a:pt x="1927973" y="2123885"/>
+                </a:lnTo>
+                <a:lnTo>
+                  <a:pt x="1856086" y="2177641"/>
+                </a:lnTo>
+                <a:cubicBezTo>
+                  <a:pt x="1666084" y="2306004"/>
+                  <a:pt x="1437034" y="2380956"/>
+                  <a:pt x="1190478" y="2380956"/>
+                </a:cubicBezTo>
+                <a:cubicBezTo>
+                  <a:pt x="943922" y="2380956"/>
+                  <a:pt x="714872" y="2306004"/>
+                  <a:pt x="524871" y="2177641"/>
+                </a:cubicBezTo>
+                <a:lnTo>
+                  <a:pt x="452984" y="2123885"/>
+                </a:lnTo>
+                <a:lnTo>
+                  <a:pt x="193430" y="2123885"/>
+                </a:lnTo>
+                <a:lnTo>
+                  <a:pt x="193430" y="1839815"/>
+                </a:lnTo>
+                <a:lnTo>
+                  <a:pt x="143684" y="1757931"/>
+                </a:lnTo>
+                <a:cubicBezTo>
+                  <a:pt x="52050" y="1589248"/>
+                  <a:pt x="0" y="1395942"/>
+                  <a:pt x="0" y="1190478"/>
+                </a:cubicBezTo>
+                <a:cubicBezTo>
+                  <a:pt x="0" y="985015"/>
+                  <a:pt x="52050" y="791708"/>
+                  <a:pt x="143684" y="623026"/>
+                </a:cubicBezTo>
+                <a:lnTo>
+                  <a:pt x="193430" y="541142"/>
+                </a:lnTo>
+                <a:lnTo>
+                  <a:pt x="193430" y="257071"/>
+                </a:lnTo>
+                <a:lnTo>
+                  <a:pt x="452984" y="257071"/>
+                </a:lnTo>
+                <a:lnTo>
+                  <a:pt x="524871" y="203315"/>
+                </a:lnTo>
+                <a:cubicBezTo>
+                  <a:pt x="714872" y="74952"/>
+                  <a:pt x="943922" y="0"/>
+                  <a:pt x="1190478" y="0"/>
+                </a:cubicBezTo>
+                <a:close/>
+              </a:path>
+            </a:pathLst>
+          </a:custGeom>
+          <a:solidFill>
+            <a:schemeClr val="bg1"/>
+          </a:solidFill>
+          <a:ln w="57150">
+            <a:solidFill>
+              <a:schemeClr val="tx1"/>
+            </a:solidFill>
+          </a:ln>
+        </p:spPr>
+      </p:pic>
     </p:spTree>
     <p:extLst>
       <p:ext uri="{BB962C8B-B14F-4D97-AF65-F5344CB8AC3E}">
@@ -21148,11 +22011,11 @@
   <p:clrMapOvr>
     <a:masterClrMapping/>
   </p:clrMapOvr>
-  <mc:AlternateContent xmlns:mc="http://schemas.openxmlformats.org/markup-compatibility/2006">
-    <mc:Choice xmlns:p14="http://schemas.microsoft.com/office/powerpoint/2010/main" Requires="p14">
+  <mc:AlternateContent xmlns:mc="http://schemas.openxmlformats.org/markup-compatibility/2006" xmlns:p14="http://schemas.microsoft.com/office/powerpoint/2010/main">
+    <mc:Choice Requires="p14">
       <p:transition spd="slow" p14:dur="2000" advClick="0"/>
     </mc:Choice>
-    <mc:Fallback>
+    <mc:Fallback xmlns="">
       <p:transition spd="slow" advClick="0"/>
     </mc:Fallback>
   </mc:AlternateContent>

--- a/Digital Mockup/Static-PrototypeVer.1.pptx
+++ b/Digital Mockup/Static-PrototypeVer.1.pptx
@@ -5,25 +5,24 @@
     <p:sldMasterId id="2147483660" r:id="rId1"/>
   </p:sldMasterIdLst>
   <p:notesMasterIdLst>
-    <p:notesMasterId r:id="rId18"/>
+    <p:notesMasterId r:id="rId17"/>
   </p:notesMasterIdLst>
   <p:sldIdLst>
     <p:sldId id="263" r:id="rId2"/>
     <p:sldId id="256" r:id="rId3"/>
     <p:sldId id="264" r:id="rId4"/>
     <p:sldId id="265" r:id="rId5"/>
-    <p:sldId id="261" r:id="rId6"/>
-    <p:sldId id="266" r:id="rId7"/>
-    <p:sldId id="258" r:id="rId8"/>
-    <p:sldId id="267" r:id="rId9"/>
-    <p:sldId id="268" r:id="rId10"/>
-    <p:sldId id="259" r:id="rId11"/>
+    <p:sldId id="266" r:id="rId6"/>
+    <p:sldId id="258" r:id="rId7"/>
+    <p:sldId id="267" r:id="rId8"/>
+    <p:sldId id="268" r:id="rId9"/>
+    <p:sldId id="259" r:id="rId10"/>
+    <p:sldId id="262" r:id="rId11"/>
     <p:sldId id="270" r:id="rId12"/>
     <p:sldId id="269" r:id="rId13"/>
     <p:sldId id="260" r:id="rId14"/>
-    <p:sldId id="262" r:id="rId15"/>
-    <p:sldId id="271" r:id="rId16"/>
-    <p:sldId id="272" r:id="rId17"/>
+    <p:sldId id="271" r:id="rId15"/>
+    <p:sldId id="272" r:id="rId16"/>
   </p:sldIdLst>
   <p:sldSz cx="6858000" cy="12192000"/>
   <p:notesSz cx="6858000" cy="9144000"/>
@@ -224,7 +223,7 @@
           <a:p>
             <a:fld id="{6D453AAB-073B-4A39-B346-AAA79C699FE1}" type="datetimeFigureOut">
               <a:rPr lang="en-PH" smtClean="0"/>
-              <a:t>13/09/2019</a:t>
+              <a:t>14/09/2019</a:t>
             </a:fld>
             <a:endParaRPr lang="en-PH"/>
           </a:p>
@@ -644,7 +643,7 @@
           <a:p>
             <a:fld id="{9F7A386A-4BDD-4735-BD69-0620A83CCA3B}" type="slidenum">
               <a:rPr lang="en-PH" smtClean="0"/>
-              <a:t>8</a:t>
+              <a:t>7</a:t>
             </a:fld>
             <a:endParaRPr lang="en-PH"/>
           </a:p>
@@ -728,7 +727,7 @@
           <a:p>
             <a:fld id="{9F7A386A-4BDD-4735-BD69-0620A83CCA3B}" type="slidenum">
               <a:rPr lang="en-PH" smtClean="0"/>
-              <a:t>9</a:t>
+              <a:t>8</a:t>
             </a:fld>
             <a:endParaRPr lang="en-PH"/>
           </a:p>
@@ -1046,7 +1045,7 @@
           <a:p>
             <a:fld id="{842470E1-BC20-4A30-985C-74BC63F7E37E}" type="datetimeFigureOut">
               <a:rPr lang="en-PH" smtClean="0"/>
-              <a:t>13/09/2019</a:t>
+              <a:t>14/09/2019</a:t>
             </a:fld>
             <a:endParaRPr lang="en-PH"/>
           </a:p>
@@ -1216,7 +1215,7 @@
           <a:p>
             <a:fld id="{842470E1-BC20-4A30-985C-74BC63F7E37E}" type="datetimeFigureOut">
               <a:rPr lang="en-PH" smtClean="0"/>
-              <a:t>13/09/2019</a:t>
+              <a:t>14/09/2019</a:t>
             </a:fld>
             <a:endParaRPr lang="en-PH"/>
           </a:p>
@@ -1396,7 +1395,7 @@
           <a:p>
             <a:fld id="{842470E1-BC20-4A30-985C-74BC63F7E37E}" type="datetimeFigureOut">
               <a:rPr lang="en-PH" smtClean="0"/>
-              <a:t>13/09/2019</a:t>
+              <a:t>14/09/2019</a:t>
             </a:fld>
             <a:endParaRPr lang="en-PH"/>
           </a:p>
@@ -1566,7 +1565,7 @@
           <a:p>
             <a:fld id="{842470E1-BC20-4A30-985C-74BC63F7E37E}" type="datetimeFigureOut">
               <a:rPr lang="en-PH" smtClean="0"/>
-              <a:t>13/09/2019</a:t>
+              <a:t>14/09/2019</a:t>
             </a:fld>
             <a:endParaRPr lang="en-PH"/>
           </a:p>
@@ -1810,7 +1809,7 @@
           <a:p>
             <a:fld id="{842470E1-BC20-4A30-985C-74BC63F7E37E}" type="datetimeFigureOut">
               <a:rPr lang="en-PH" smtClean="0"/>
-              <a:t>13/09/2019</a:t>
+              <a:t>14/09/2019</a:t>
             </a:fld>
             <a:endParaRPr lang="en-PH"/>
           </a:p>
@@ -2042,7 +2041,7 @@
           <a:p>
             <a:fld id="{842470E1-BC20-4A30-985C-74BC63F7E37E}" type="datetimeFigureOut">
               <a:rPr lang="en-PH" smtClean="0"/>
-              <a:t>13/09/2019</a:t>
+              <a:t>14/09/2019</a:t>
             </a:fld>
             <a:endParaRPr lang="en-PH"/>
           </a:p>
@@ -2409,7 +2408,7 @@
           <a:p>
             <a:fld id="{842470E1-BC20-4A30-985C-74BC63F7E37E}" type="datetimeFigureOut">
               <a:rPr lang="en-PH" smtClean="0"/>
-              <a:t>13/09/2019</a:t>
+              <a:t>14/09/2019</a:t>
             </a:fld>
             <a:endParaRPr lang="en-PH"/>
           </a:p>
@@ -2527,7 +2526,7 @@
           <a:p>
             <a:fld id="{842470E1-BC20-4A30-985C-74BC63F7E37E}" type="datetimeFigureOut">
               <a:rPr lang="en-PH" smtClean="0"/>
-              <a:t>13/09/2019</a:t>
+              <a:t>14/09/2019</a:t>
             </a:fld>
             <a:endParaRPr lang="en-PH"/>
           </a:p>
@@ -2622,7 +2621,7 @@
           <a:p>
             <a:fld id="{842470E1-BC20-4A30-985C-74BC63F7E37E}" type="datetimeFigureOut">
               <a:rPr lang="en-PH" smtClean="0"/>
-              <a:t>13/09/2019</a:t>
+              <a:t>14/09/2019</a:t>
             </a:fld>
             <a:endParaRPr lang="en-PH"/>
           </a:p>
@@ -2899,7 +2898,7 @@
           <a:p>
             <a:fld id="{842470E1-BC20-4A30-985C-74BC63F7E37E}" type="datetimeFigureOut">
               <a:rPr lang="en-PH" smtClean="0"/>
-              <a:t>13/09/2019</a:t>
+              <a:t>14/09/2019</a:t>
             </a:fld>
             <a:endParaRPr lang="en-PH"/>
           </a:p>
@@ -3156,7 +3155,7 @@
           <a:p>
             <a:fld id="{842470E1-BC20-4A30-985C-74BC63F7E37E}" type="datetimeFigureOut">
               <a:rPr lang="en-PH" smtClean="0"/>
-              <a:t>13/09/2019</a:t>
+              <a:t>14/09/2019</a:t>
             </a:fld>
             <a:endParaRPr lang="en-PH"/>
           </a:p>
@@ -3369,7 +3368,7 @@
           <a:p>
             <a:fld id="{842470E1-BC20-4A30-985C-74BC63F7E37E}" type="datetimeFigureOut">
               <a:rPr lang="en-PH" smtClean="0"/>
-              <a:t>13/09/2019</a:t>
+              <a:t>14/09/2019</a:t>
             </a:fld>
             <a:endParaRPr lang="en-PH"/>
           </a:p>
@@ -4625,10 +4624,10 @@
       </p:grpSpPr>
       <p:sp>
         <p:nvSpPr>
-          <p:cNvPr id="23" name="Freeform: Shape 22">
+          <p:cNvPr id="2" name="Freeform: Shape 1">
             <a:extLst>
               <a:ext uri="{FF2B5EF4-FFF2-40B4-BE49-F238E27FC236}">
-                <a16:creationId xmlns:a16="http://schemas.microsoft.com/office/drawing/2014/main" id="{0380A09E-45AE-42B9-A880-43B51342329E}"/>
+                <a16:creationId xmlns:a16="http://schemas.microsoft.com/office/drawing/2014/main" id="{77CBB695-7C8C-4DF2-B608-EF94A7E63E78}"/>
               </a:ext>
             </a:extLst>
           </p:cNvPr>
@@ -4843,337 +4842,12 @@
           </a:p>
         </p:txBody>
       </p:sp>
-      <p:sp>
-        <p:nvSpPr>
-          <p:cNvPr id="68" name="TextBox 67">
-            <a:extLst>
-              <a:ext uri="{FF2B5EF4-FFF2-40B4-BE49-F238E27FC236}">
-                <a16:creationId xmlns:a16="http://schemas.microsoft.com/office/drawing/2014/main" id="{4B69FA6D-A27E-41DE-8531-6814F005C946}"/>
-              </a:ext>
-            </a:extLst>
-          </p:cNvPr>
-          <p:cNvSpPr txBox="1"/>
-          <p:nvPr/>
-        </p:nvSpPr>
-        <p:spPr>
-          <a:xfrm>
-            <a:off x="2453252" y="1248529"/>
-            <a:ext cx="3733893" cy="1405000"/>
-          </a:xfrm>
-          <a:prstGeom prst="rect">
-            <a:avLst/>
-          </a:prstGeom>
-          <a:noFill/>
-        </p:spPr>
-        <p:txBody>
-          <a:bodyPr wrap="square" rtlCol="0">
-            <a:spAutoFit/>
-          </a:bodyPr>
-          <a:lstStyle/>
-          <a:p>
-            <a:pPr algn="ctr"/>
-            <a:r>
-              <a:rPr lang="en-PH" sz="4265" b="1" spc="533" dirty="0"/>
-              <a:t>Method of Payment</a:t>
-            </a:r>
-          </a:p>
-        </p:txBody>
-      </p:sp>
-      <p:cxnSp>
-        <p:nvCxnSpPr>
-          <p:cNvPr id="69" name="Straight Connector 68">
-            <a:extLst>
-              <a:ext uri="{FF2B5EF4-FFF2-40B4-BE49-F238E27FC236}">
-                <a16:creationId xmlns:a16="http://schemas.microsoft.com/office/drawing/2014/main" id="{A551FFE1-F565-4638-8342-33E42A9833AE}"/>
-              </a:ext>
-            </a:extLst>
-          </p:cNvPr>
-          <p:cNvCxnSpPr/>
-          <p:nvPr/>
-        </p:nvCxnSpPr>
-        <p:spPr>
-          <a:xfrm>
-            <a:off x="990785" y="3071678"/>
-            <a:ext cx="4872761" cy="0"/>
-          </a:xfrm>
-          <a:prstGeom prst="line">
-            <a:avLst/>
-          </a:prstGeom>
-          <a:ln w="57150">
-            <a:solidFill>
-              <a:schemeClr val="tx1"/>
-            </a:solidFill>
-          </a:ln>
-        </p:spPr>
-        <p:style>
-          <a:lnRef idx="1">
-            <a:schemeClr val="accent1"/>
-          </a:lnRef>
-          <a:fillRef idx="0">
-            <a:schemeClr val="accent1"/>
-          </a:fillRef>
-          <a:effectRef idx="0">
-            <a:schemeClr val="accent1"/>
-          </a:effectRef>
-          <a:fontRef idx="minor">
-            <a:schemeClr val="tx1"/>
-          </a:fontRef>
-        </p:style>
-      </p:cxnSp>
       <p:pic>
         <p:nvPicPr>
-          <p:cNvPr id="4098" name="Picture 2" descr="Image result for gcash logo png">
+          <p:cNvPr id="3" name="Picture 2" descr="Related image">
             <a:extLst>
               <a:ext uri="{FF2B5EF4-FFF2-40B4-BE49-F238E27FC236}">
-                <a16:creationId xmlns:a16="http://schemas.microsoft.com/office/drawing/2014/main" id="{F231593C-A524-42FB-8E16-5ACC8AD3D80F}"/>
-              </a:ext>
-            </a:extLst>
-          </p:cNvPr>
-          <p:cNvPicPr>
-            <a:picLocks noChangeAspect="1" noChangeArrowheads="1"/>
-          </p:cNvPicPr>
-          <p:nvPr/>
-        </p:nvPicPr>
-        <p:blipFill>
-          <a:blip r:embed="rId2">
-            <a:extLst>
-              <a:ext uri="{28A0092B-C50C-407E-A947-70E740481C1C}">
-                <a14:useLocalDpi xmlns:a14="http://schemas.microsoft.com/office/drawing/2010/main" val="0"/>
-              </a:ext>
-            </a:extLst>
-          </a:blip>
-          <a:srcRect/>
-          <a:stretch>
-            <a:fillRect/>
-          </a:stretch>
-        </p:blipFill>
-        <p:spPr bwMode="auto">
-          <a:xfrm>
-            <a:off x="1720499" y="3820997"/>
-            <a:ext cx="3413333" cy="1920004"/>
-          </a:xfrm>
-          <a:prstGeom prst="rect">
-            <a:avLst/>
-          </a:prstGeom>
-          <a:noFill/>
-          <a:ln>
-            <a:solidFill>
-              <a:schemeClr val="tx1"/>
-            </a:solidFill>
-          </a:ln>
-          <a:extLst>
-            <a:ext uri="{909E8E84-426E-40DD-AFC4-6F175D3DCCD1}">
-              <a14:hiddenFill xmlns:a14="http://schemas.microsoft.com/office/drawing/2010/main">
-                <a:solidFill>
-                  <a:srgbClr val="FFFFFF"/>
-                </a:solidFill>
-              </a14:hiddenFill>
-            </a:ext>
-          </a:extLst>
-        </p:spPr>
-      </p:pic>
-      <p:pic>
-        <p:nvPicPr>
-          <p:cNvPr id="4100" name="Picture 4" descr="Image result for paymaya">
-            <a:extLst>
-              <a:ext uri="{FF2B5EF4-FFF2-40B4-BE49-F238E27FC236}">
-                <a16:creationId xmlns:a16="http://schemas.microsoft.com/office/drawing/2014/main" id="{71464CEA-1E6D-4124-A5F4-42D7316B2242}"/>
-              </a:ext>
-            </a:extLst>
-          </p:cNvPr>
-          <p:cNvPicPr>
-            <a:picLocks noChangeAspect="1" noChangeArrowheads="1"/>
-          </p:cNvPicPr>
-          <p:nvPr/>
-        </p:nvPicPr>
-        <p:blipFill>
-          <a:blip r:embed="rId3">
-            <a:extLst>
-              <a:ext uri="{28A0092B-C50C-407E-A947-70E740481C1C}">
-                <a14:useLocalDpi xmlns:a14="http://schemas.microsoft.com/office/drawing/2010/main" val="0"/>
-              </a:ext>
-            </a:extLst>
-          </a:blip>
-          <a:srcRect/>
-          <a:stretch>
-            <a:fillRect/>
-          </a:stretch>
-        </p:blipFill>
-        <p:spPr bwMode="auto">
-          <a:xfrm>
-            <a:off x="1741305" y="6490314"/>
-            <a:ext cx="3392528" cy="1982644"/>
-          </a:xfrm>
-          <a:prstGeom prst="rect">
-            <a:avLst/>
-          </a:prstGeom>
-          <a:noFill/>
-          <a:ln>
-            <a:solidFill>
-              <a:schemeClr val="tx1"/>
-            </a:solidFill>
-          </a:ln>
-          <a:extLst>
-            <a:ext uri="{909E8E84-426E-40DD-AFC4-6F175D3DCCD1}">
-              <a14:hiddenFill xmlns:a14="http://schemas.microsoft.com/office/drawing/2010/main">
-                <a:solidFill>
-                  <a:srgbClr val="FFFFFF"/>
-                </a:solidFill>
-              </a14:hiddenFill>
-            </a:ext>
-          </a:extLst>
-        </p:spPr>
-      </p:pic>
-      <p:sp>
-        <p:nvSpPr>
-          <p:cNvPr id="45" name="Isosceles Triangle 44">
-            <a:extLst>
-              <a:ext uri="{FF2B5EF4-FFF2-40B4-BE49-F238E27FC236}">
-                <a16:creationId xmlns:a16="http://schemas.microsoft.com/office/drawing/2014/main" id="{72F1C89E-A9CB-410D-AD9D-BAE81A4858D7}"/>
-              </a:ext>
-            </a:extLst>
-          </p:cNvPr>
-          <p:cNvSpPr/>
-          <p:nvPr/>
-        </p:nvSpPr>
-        <p:spPr>
-          <a:xfrm rot="16200000">
-            <a:off x="2111607" y="10263126"/>
-            <a:ext cx="393593" cy="304329"/>
-          </a:xfrm>
-          <a:prstGeom prst="triangle">
-            <a:avLst/>
-          </a:prstGeom>
-        </p:spPr>
-        <p:style>
-          <a:lnRef idx="1">
-            <a:schemeClr val="accent3"/>
-          </a:lnRef>
-          <a:fillRef idx="2">
-            <a:schemeClr val="accent3"/>
-          </a:fillRef>
-          <a:effectRef idx="1">
-            <a:schemeClr val="accent3"/>
-          </a:effectRef>
-          <a:fontRef idx="minor">
-            <a:schemeClr val="dk1"/>
-          </a:fontRef>
-        </p:style>
-        <p:txBody>
-          <a:bodyPr rtlCol="0" anchor="ctr"/>
-          <a:lstStyle/>
-          <a:p>
-            <a:pPr algn="ctr"/>
-            <a:endParaRPr lang="en-PH" sz="1424">
-              <a:latin typeface="Tahoma" panose="020B0604030504040204" pitchFamily="34" charset="0"/>
-              <a:ea typeface="Tahoma" panose="020B0604030504040204" pitchFamily="34" charset="0"/>
-              <a:cs typeface="Tahoma" panose="020B0604030504040204" pitchFamily="34" charset="0"/>
-            </a:endParaRPr>
-          </a:p>
-        </p:txBody>
-      </p:sp>
-      <p:sp>
-        <p:nvSpPr>
-          <p:cNvPr id="46" name="Rectangle 45">
-            <a:extLst>
-              <a:ext uri="{FF2B5EF4-FFF2-40B4-BE49-F238E27FC236}">
-                <a16:creationId xmlns:a16="http://schemas.microsoft.com/office/drawing/2014/main" id="{C0D05F99-DD56-40BF-9C63-48246BE6E122}"/>
-              </a:ext>
-            </a:extLst>
-          </p:cNvPr>
-          <p:cNvSpPr/>
-          <p:nvPr/>
-        </p:nvSpPr>
-        <p:spPr>
-          <a:xfrm>
-            <a:off x="4246628" y="10218485"/>
-            <a:ext cx="393593" cy="393593"/>
-          </a:xfrm>
-          <a:prstGeom prst="rect">
-            <a:avLst/>
-          </a:prstGeom>
-        </p:spPr>
-        <p:style>
-          <a:lnRef idx="1">
-            <a:schemeClr val="accent3"/>
-          </a:lnRef>
-          <a:fillRef idx="2">
-            <a:schemeClr val="accent3"/>
-          </a:fillRef>
-          <a:effectRef idx="1">
-            <a:schemeClr val="accent3"/>
-          </a:effectRef>
-          <a:fontRef idx="minor">
-            <a:schemeClr val="dk1"/>
-          </a:fontRef>
-        </p:style>
-        <p:txBody>
-          <a:bodyPr rtlCol="0" anchor="ctr"/>
-          <a:lstStyle/>
-          <a:p>
-            <a:pPr algn="ctr"/>
-            <a:endParaRPr lang="en-PH" sz="1424">
-              <a:latin typeface="Tahoma" panose="020B0604030504040204" pitchFamily="34" charset="0"/>
-              <a:ea typeface="Tahoma" panose="020B0604030504040204" pitchFamily="34" charset="0"/>
-              <a:cs typeface="Tahoma" panose="020B0604030504040204" pitchFamily="34" charset="0"/>
-            </a:endParaRPr>
-          </a:p>
-        </p:txBody>
-      </p:sp>
-      <p:sp>
-        <p:nvSpPr>
-          <p:cNvPr id="47" name="Oval 46">
-            <a:extLst>
-              <a:ext uri="{FF2B5EF4-FFF2-40B4-BE49-F238E27FC236}">
-                <a16:creationId xmlns:a16="http://schemas.microsoft.com/office/drawing/2014/main" id="{C31C51FD-B7F3-4403-A9F1-75F9F833E8F7}"/>
-              </a:ext>
-            </a:extLst>
-          </p:cNvPr>
-          <p:cNvSpPr/>
-          <p:nvPr/>
-        </p:nvSpPr>
-        <p:spPr>
-          <a:xfrm>
-            <a:off x="3156798" y="10237842"/>
-            <a:ext cx="393593" cy="393593"/>
-          </a:xfrm>
-          <a:prstGeom prst="ellipse">
-            <a:avLst/>
-          </a:prstGeom>
-        </p:spPr>
-        <p:style>
-          <a:lnRef idx="1">
-            <a:schemeClr val="accent3"/>
-          </a:lnRef>
-          <a:fillRef idx="2">
-            <a:schemeClr val="accent3"/>
-          </a:fillRef>
-          <a:effectRef idx="1">
-            <a:schemeClr val="accent3"/>
-          </a:effectRef>
-          <a:fontRef idx="minor">
-            <a:schemeClr val="dk1"/>
-          </a:fontRef>
-        </p:style>
-        <p:txBody>
-          <a:bodyPr rtlCol="0" anchor="ctr"/>
-          <a:lstStyle/>
-          <a:p>
-            <a:pPr algn="ctr"/>
-            <a:endParaRPr lang="en-PH" sz="1424">
-              <a:latin typeface="Tahoma" panose="020B0604030504040204" pitchFamily="34" charset="0"/>
-              <a:ea typeface="Tahoma" panose="020B0604030504040204" pitchFamily="34" charset="0"/>
-              <a:cs typeface="Tahoma" panose="020B0604030504040204" pitchFamily="34" charset="0"/>
-            </a:endParaRPr>
-          </a:p>
-        </p:txBody>
-      </p:sp>
-      <p:pic>
-        <p:nvPicPr>
-          <p:cNvPr id="48" name="Picture 47" descr="Related image">
-            <a:extLst>
-              <a:ext uri="{FF2B5EF4-FFF2-40B4-BE49-F238E27FC236}">
-                <a16:creationId xmlns:a16="http://schemas.microsoft.com/office/drawing/2014/main" id="{F6BB22FD-EF15-466B-8510-46D9F4346629}"/>
+                <a16:creationId xmlns:a16="http://schemas.microsoft.com/office/drawing/2014/main" id="{F6E56390-FCB9-43C8-88A5-16E8923828E2}"/>
               </a:ext>
             </a:extLst>
           </p:cNvPr>
@@ -5183,7 +4857,7 @@
           <p:nvPr/>
         </p:nvPicPr>
         <p:blipFill rotWithShape="1">
-          <a:blip r:embed="rId4">
+          <a:blip r:embed="rId2">
             <a:duotone>
               <a:prstClr val="black"/>
               <a:schemeClr val="accent5">
@@ -5194,7 +4868,7 @@
             <a:extLst>
               <a:ext uri="{BEBA8EAE-BF5A-486C-A8C5-ECC9F3942E4B}">
                 <a14:imgProps xmlns:a14="http://schemas.microsoft.com/office/drawing/2010/main">
-                  <a14:imgLayer r:embed="rId5">
+                  <a14:imgLayer r:embed="rId3">
                     <a14:imgEffect>
                       <a14:colorTemperature colorTemp="4700"/>
                     </a14:imgEffect>
@@ -5211,7 +4885,7 @@
         </p:blipFill>
         <p:spPr bwMode="auto">
           <a:xfrm>
-            <a:off x="999518" y="1187204"/>
+            <a:off x="2628996" y="1798217"/>
             <a:ext cx="1600002" cy="1600002"/>
           </a:xfrm>
           <a:custGeom>
@@ -5454,10 +5128,362 @@
           </a:ln>
         </p:spPr>
       </p:pic>
+      <p:sp>
+        <p:nvSpPr>
+          <p:cNvPr id="4" name="TextBox 3">
+            <a:extLst>
+              <a:ext uri="{FF2B5EF4-FFF2-40B4-BE49-F238E27FC236}">
+                <a16:creationId xmlns:a16="http://schemas.microsoft.com/office/drawing/2014/main" id="{DF9E93B1-E7FC-46F3-A5A9-C17E55102236}"/>
+              </a:ext>
+            </a:extLst>
+          </p:cNvPr>
+          <p:cNvSpPr txBox="1"/>
+          <p:nvPr/>
+        </p:nvSpPr>
+        <p:spPr>
+          <a:xfrm>
+            <a:off x="598144" y="3966713"/>
+            <a:ext cx="5661705" cy="1246495"/>
+          </a:xfrm>
+          <a:prstGeom prst="rect">
+            <a:avLst/>
+          </a:prstGeom>
+          <a:noFill/>
+        </p:spPr>
+        <p:txBody>
+          <a:bodyPr wrap="square" rtlCol="0">
+            <a:spAutoFit/>
+          </a:bodyPr>
+          <a:lstStyle/>
+          <a:p>
+            <a:pPr algn="ctr"/>
+            <a:r>
+              <a:rPr lang="en-PH" sz="2500" b="1" spc="533" dirty="0">
+                <a:latin typeface="Tahoma" panose="020B0604030504040204" pitchFamily="34" charset="0"/>
+                <a:ea typeface="Tahoma" panose="020B0604030504040204" pitchFamily="34" charset="0"/>
+                <a:cs typeface="Tahoma" panose="020B0604030504040204" pitchFamily="34" charset="0"/>
+              </a:rPr>
+              <a:t>You are selecting</a:t>
+            </a:r>
+          </a:p>
+          <a:p>
+            <a:pPr algn="ctr"/>
+            <a:r>
+              <a:rPr lang="en-PH" sz="2500" b="1" spc="533" dirty="0">
+                <a:latin typeface="Tahoma" panose="020B0604030504040204" pitchFamily="34" charset="0"/>
+                <a:ea typeface="Tahoma" panose="020B0604030504040204" pitchFamily="34" charset="0"/>
+                <a:cs typeface="Tahoma" panose="020B0604030504040204" pitchFamily="34" charset="0"/>
+              </a:rPr>
+              <a:t>GCASH as your mode of payment</a:t>
+            </a:r>
+          </a:p>
+        </p:txBody>
+      </p:sp>
+      <p:sp>
+        <p:nvSpPr>
+          <p:cNvPr id="5" name="TextBox 4">
+            <a:extLst>
+              <a:ext uri="{FF2B5EF4-FFF2-40B4-BE49-F238E27FC236}">
+                <a16:creationId xmlns:a16="http://schemas.microsoft.com/office/drawing/2014/main" id="{4DA1317A-1B03-4B47-9EE6-365344DE524D}"/>
+              </a:ext>
+            </a:extLst>
+          </p:cNvPr>
+          <p:cNvSpPr txBox="1"/>
+          <p:nvPr/>
+        </p:nvSpPr>
+        <p:spPr>
+          <a:xfrm>
+            <a:off x="598143" y="6096000"/>
+            <a:ext cx="5661705" cy="477054"/>
+          </a:xfrm>
+          <a:prstGeom prst="rect">
+            <a:avLst/>
+          </a:prstGeom>
+          <a:noFill/>
+        </p:spPr>
+        <p:txBody>
+          <a:bodyPr wrap="square" rtlCol="0">
+            <a:spAutoFit/>
+          </a:bodyPr>
+          <a:lstStyle/>
+          <a:p>
+            <a:pPr algn="ctr"/>
+            <a:r>
+              <a:rPr lang="en-PH" sz="2500" b="1" spc="533" dirty="0">
+                <a:latin typeface="Tahoma" panose="020B0604030504040204" pitchFamily="34" charset="0"/>
+                <a:ea typeface="Tahoma" panose="020B0604030504040204" pitchFamily="34" charset="0"/>
+                <a:cs typeface="Tahoma" panose="020B0604030504040204" pitchFamily="34" charset="0"/>
+              </a:rPr>
+              <a:t>Are you sure?</a:t>
+            </a:r>
+          </a:p>
+        </p:txBody>
+      </p:sp>
+      <p:sp>
+        <p:nvSpPr>
+          <p:cNvPr id="6" name="Rectangle: Rounded Corners 5">
+            <a:hlinkClick r:id="rId4" action="ppaction://hlinksldjump" highlightClick="1"/>
+            <a:extLst>
+              <a:ext uri="{FF2B5EF4-FFF2-40B4-BE49-F238E27FC236}">
+                <a16:creationId xmlns:a16="http://schemas.microsoft.com/office/drawing/2014/main" id="{DC5B2EF3-D2DA-4162-B552-6387925960FA}"/>
+              </a:ext>
+            </a:extLst>
+          </p:cNvPr>
+          <p:cNvSpPr/>
+          <p:nvPr/>
+        </p:nvSpPr>
+        <p:spPr>
+          <a:xfrm>
+            <a:off x="2266941" y="7018001"/>
+            <a:ext cx="2324108" cy="604268"/>
+          </a:xfrm>
+          <a:prstGeom prst="roundRect">
+            <a:avLst>
+              <a:gd name="adj" fmla="val 50000"/>
+            </a:avLst>
+          </a:prstGeom>
+          <a:ln>
+            <a:solidFill>
+              <a:schemeClr val="tx1"/>
+            </a:solidFill>
+          </a:ln>
+        </p:spPr>
+        <p:style>
+          <a:lnRef idx="1">
+            <a:schemeClr val="accent4"/>
+          </a:lnRef>
+          <a:fillRef idx="2">
+            <a:schemeClr val="accent4"/>
+          </a:fillRef>
+          <a:effectRef idx="1">
+            <a:schemeClr val="accent4"/>
+          </a:effectRef>
+          <a:fontRef idx="minor">
+            <a:schemeClr val="dk1"/>
+          </a:fontRef>
+        </p:style>
+        <p:txBody>
+          <a:bodyPr rtlCol="0" anchor="ctr"/>
+          <a:lstStyle/>
+          <a:p>
+            <a:pPr algn="ctr"/>
+            <a:r>
+              <a:rPr lang="en-PH" sz="2500" dirty="0">
+                <a:latin typeface="Tahoma" panose="020B0604030504040204" pitchFamily="34" charset="0"/>
+                <a:ea typeface="Tahoma" panose="020B0604030504040204" pitchFamily="34" charset="0"/>
+                <a:cs typeface="Tahoma" panose="020B0604030504040204" pitchFamily="34" charset="0"/>
+              </a:rPr>
+              <a:t>YES</a:t>
+            </a:r>
+          </a:p>
+        </p:txBody>
+      </p:sp>
+      <p:sp>
+        <p:nvSpPr>
+          <p:cNvPr id="7" name="Rectangle: Rounded Corners 6">
+            <a:extLst>
+              <a:ext uri="{FF2B5EF4-FFF2-40B4-BE49-F238E27FC236}">
+                <a16:creationId xmlns:a16="http://schemas.microsoft.com/office/drawing/2014/main" id="{B3DE3CA9-BF69-400F-9FE4-4761103D687A}"/>
+              </a:ext>
+            </a:extLst>
+          </p:cNvPr>
+          <p:cNvSpPr/>
+          <p:nvPr/>
+        </p:nvSpPr>
+        <p:spPr>
+          <a:xfrm>
+            <a:off x="2266941" y="8067216"/>
+            <a:ext cx="2324108" cy="604268"/>
+          </a:xfrm>
+          <a:prstGeom prst="roundRect">
+            <a:avLst>
+              <a:gd name="adj" fmla="val 50000"/>
+            </a:avLst>
+          </a:prstGeom>
+          <a:ln>
+            <a:solidFill>
+              <a:schemeClr val="tx1"/>
+            </a:solidFill>
+          </a:ln>
+        </p:spPr>
+        <p:style>
+          <a:lnRef idx="1">
+            <a:schemeClr val="accent4"/>
+          </a:lnRef>
+          <a:fillRef idx="2">
+            <a:schemeClr val="accent4"/>
+          </a:fillRef>
+          <a:effectRef idx="1">
+            <a:schemeClr val="accent4"/>
+          </a:effectRef>
+          <a:fontRef idx="minor">
+            <a:schemeClr val="dk1"/>
+          </a:fontRef>
+        </p:style>
+        <p:txBody>
+          <a:bodyPr rtlCol="0" anchor="ctr"/>
+          <a:lstStyle/>
+          <a:p>
+            <a:pPr algn="ctr"/>
+            <a:r>
+              <a:rPr lang="en-PH" sz="2500" dirty="0">
+                <a:latin typeface="Tahoma" panose="020B0604030504040204" pitchFamily="34" charset="0"/>
+                <a:ea typeface="Tahoma" panose="020B0604030504040204" pitchFamily="34" charset="0"/>
+                <a:cs typeface="Tahoma" panose="020B0604030504040204" pitchFamily="34" charset="0"/>
+              </a:rPr>
+              <a:t>NO</a:t>
+            </a:r>
+          </a:p>
+        </p:txBody>
+      </p:sp>
+      <p:sp>
+        <p:nvSpPr>
+          <p:cNvPr id="8" name="Isosceles Triangle 7">
+            <a:extLst>
+              <a:ext uri="{FF2B5EF4-FFF2-40B4-BE49-F238E27FC236}">
+                <a16:creationId xmlns:a16="http://schemas.microsoft.com/office/drawing/2014/main" id="{E8A255FD-F616-4178-92DE-9BB536DD858F}"/>
+              </a:ext>
+            </a:extLst>
+          </p:cNvPr>
+          <p:cNvSpPr/>
+          <p:nvPr/>
+        </p:nvSpPr>
+        <p:spPr>
+          <a:xfrm rot="16200000">
+            <a:off x="2111607" y="10263126"/>
+            <a:ext cx="393593" cy="304329"/>
+          </a:xfrm>
+          <a:prstGeom prst="triangle">
+            <a:avLst/>
+          </a:prstGeom>
+        </p:spPr>
+        <p:style>
+          <a:lnRef idx="1">
+            <a:schemeClr val="accent3"/>
+          </a:lnRef>
+          <a:fillRef idx="2">
+            <a:schemeClr val="accent3"/>
+          </a:fillRef>
+          <a:effectRef idx="1">
+            <a:schemeClr val="accent3"/>
+          </a:effectRef>
+          <a:fontRef idx="minor">
+            <a:schemeClr val="dk1"/>
+          </a:fontRef>
+        </p:style>
+        <p:txBody>
+          <a:bodyPr rtlCol="0" anchor="ctr"/>
+          <a:lstStyle/>
+          <a:p>
+            <a:pPr algn="ctr"/>
+            <a:endParaRPr lang="en-PH" sz="1424">
+              <a:latin typeface="Tahoma" panose="020B0604030504040204" pitchFamily="34" charset="0"/>
+              <a:ea typeface="Tahoma" panose="020B0604030504040204" pitchFamily="34" charset="0"/>
+              <a:cs typeface="Tahoma" panose="020B0604030504040204" pitchFamily="34" charset="0"/>
+            </a:endParaRPr>
+          </a:p>
+        </p:txBody>
+      </p:sp>
+      <p:sp>
+        <p:nvSpPr>
+          <p:cNvPr id="9" name="Rectangle 8">
+            <a:extLst>
+              <a:ext uri="{FF2B5EF4-FFF2-40B4-BE49-F238E27FC236}">
+                <a16:creationId xmlns:a16="http://schemas.microsoft.com/office/drawing/2014/main" id="{F2680461-444B-4D57-83B4-6443CA254961}"/>
+              </a:ext>
+            </a:extLst>
+          </p:cNvPr>
+          <p:cNvSpPr/>
+          <p:nvPr/>
+        </p:nvSpPr>
+        <p:spPr>
+          <a:xfrm>
+            <a:off x="4246628" y="10218485"/>
+            <a:ext cx="393593" cy="393593"/>
+          </a:xfrm>
+          <a:prstGeom prst="rect">
+            <a:avLst/>
+          </a:prstGeom>
+        </p:spPr>
+        <p:style>
+          <a:lnRef idx="1">
+            <a:schemeClr val="accent3"/>
+          </a:lnRef>
+          <a:fillRef idx="2">
+            <a:schemeClr val="accent3"/>
+          </a:fillRef>
+          <a:effectRef idx="1">
+            <a:schemeClr val="accent3"/>
+          </a:effectRef>
+          <a:fontRef idx="minor">
+            <a:schemeClr val="dk1"/>
+          </a:fontRef>
+        </p:style>
+        <p:txBody>
+          <a:bodyPr rtlCol="0" anchor="ctr"/>
+          <a:lstStyle/>
+          <a:p>
+            <a:pPr algn="ctr"/>
+            <a:endParaRPr lang="en-PH" sz="1424">
+              <a:latin typeface="Tahoma" panose="020B0604030504040204" pitchFamily="34" charset="0"/>
+              <a:ea typeface="Tahoma" panose="020B0604030504040204" pitchFamily="34" charset="0"/>
+              <a:cs typeface="Tahoma" panose="020B0604030504040204" pitchFamily="34" charset="0"/>
+            </a:endParaRPr>
+          </a:p>
+        </p:txBody>
+      </p:sp>
+      <p:sp>
+        <p:nvSpPr>
+          <p:cNvPr id="10" name="Oval 9">
+            <a:extLst>
+              <a:ext uri="{FF2B5EF4-FFF2-40B4-BE49-F238E27FC236}">
+                <a16:creationId xmlns:a16="http://schemas.microsoft.com/office/drawing/2014/main" id="{C35E5557-A656-4FA2-BE88-E47A2190F54C}"/>
+              </a:ext>
+            </a:extLst>
+          </p:cNvPr>
+          <p:cNvSpPr/>
+          <p:nvPr/>
+        </p:nvSpPr>
+        <p:spPr>
+          <a:xfrm>
+            <a:off x="3156798" y="10237842"/>
+            <a:ext cx="393593" cy="393593"/>
+          </a:xfrm>
+          <a:prstGeom prst="ellipse">
+            <a:avLst/>
+          </a:prstGeom>
+        </p:spPr>
+        <p:style>
+          <a:lnRef idx="1">
+            <a:schemeClr val="accent3"/>
+          </a:lnRef>
+          <a:fillRef idx="2">
+            <a:schemeClr val="accent3"/>
+          </a:fillRef>
+          <a:effectRef idx="1">
+            <a:schemeClr val="accent3"/>
+          </a:effectRef>
+          <a:fontRef idx="minor">
+            <a:schemeClr val="dk1"/>
+          </a:fontRef>
+        </p:style>
+        <p:txBody>
+          <a:bodyPr rtlCol="0" anchor="ctr"/>
+          <a:lstStyle/>
+          <a:p>
+            <a:pPr algn="ctr"/>
+            <a:endParaRPr lang="en-PH" sz="1424">
+              <a:latin typeface="Tahoma" panose="020B0604030504040204" pitchFamily="34" charset="0"/>
+              <a:ea typeface="Tahoma" panose="020B0604030504040204" pitchFamily="34" charset="0"/>
+              <a:cs typeface="Tahoma" panose="020B0604030504040204" pitchFamily="34" charset="0"/>
+            </a:endParaRPr>
+          </a:p>
+        </p:txBody>
+      </p:sp>
     </p:spTree>
     <p:extLst>
       <p:ext uri="{BB962C8B-B14F-4D97-AF65-F5344CB8AC3E}">
-        <p14:creationId xmlns:p14="http://schemas.microsoft.com/office/powerpoint/2010/main" val="1107075992"/>
+        <p14:creationId xmlns:p14="http://schemas.microsoft.com/office/powerpoint/2010/main" val="4108222305"/>
       </p:ext>
     </p:extLst>
   </p:cSld>
@@ -5708,139 +5734,11 @@
           <a:lstStyle/>
           <a:p>
             <a:pPr algn="ctr"/>
-            <a:endParaRPr lang="en-PH" sz="1424"/>
-          </a:p>
-        </p:txBody>
-      </p:sp>
-      <p:sp>
-        <p:nvSpPr>
-          <p:cNvPr id="3" name="Isosceles Triangle 2">
-            <a:extLst>
-              <a:ext uri="{FF2B5EF4-FFF2-40B4-BE49-F238E27FC236}">
-                <a16:creationId xmlns:a16="http://schemas.microsoft.com/office/drawing/2014/main" id="{3334CD88-64B5-4E34-AC0C-A02067CEE512}"/>
-              </a:ext>
-            </a:extLst>
-          </p:cNvPr>
-          <p:cNvSpPr/>
-          <p:nvPr/>
-        </p:nvSpPr>
-        <p:spPr>
-          <a:xfrm rot="16200000">
-            <a:off x="2173142" y="10282491"/>
-            <a:ext cx="393593" cy="304329"/>
-          </a:xfrm>
-          <a:prstGeom prst="triangle">
-            <a:avLst/>
-          </a:prstGeom>
-        </p:spPr>
-        <p:style>
-          <a:lnRef idx="1">
-            <a:schemeClr val="accent3"/>
-          </a:lnRef>
-          <a:fillRef idx="2">
-            <a:schemeClr val="accent3"/>
-          </a:fillRef>
-          <a:effectRef idx="1">
-            <a:schemeClr val="accent3"/>
-          </a:effectRef>
-          <a:fontRef idx="minor">
-            <a:schemeClr val="dk1"/>
-          </a:fontRef>
-        </p:style>
-        <p:txBody>
-          <a:bodyPr rtlCol="0" anchor="ctr"/>
-          <a:lstStyle/>
-          <a:p>
-            <a:pPr algn="ctr"/>
-            <a:endParaRPr lang="en-PH" sz="1424"/>
-          </a:p>
-        </p:txBody>
-      </p:sp>
-      <p:sp>
-        <p:nvSpPr>
-          <p:cNvPr id="4" name="Rectangle 3">
-            <a:extLst>
-              <a:ext uri="{FF2B5EF4-FFF2-40B4-BE49-F238E27FC236}">
-                <a16:creationId xmlns:a16="http://schemas.microsoft.com/office/drawing/2014/main" id="{21102A63-4F66-4243-80A4-0011DDEDD681}"/>
-              </a:ext>
-            </a:extLst>
-          </p:cNvPr>
-          <p:cNvSpPr/>
-          <p:nvPr/>
-        </p:nvSpPr>
-        <p:spPr>
-          <a:xfrm>
-            <a:off x="4308171" y="10237851"/>
-            <a:ext cx="393593" cy="393593"/>
-          </a:xfrm>
-          <a:prstGeom prst="rect">
-            <a:avLst/>
-          </a:prstGeom>
-        </p:spPr>
-        <p:style>
-          <a:lnRef idx="1">
-            <a:schemeClr val="accent3"/>
-          </a:lnRef>
-          <a:fillRef idx="2">
-            <a:schemeClr val="accent3"/>
-          </a:fillRef>
-          <a:effectRef idx="1">
-            <a:schemeClr val="accent3"/>
-          </a:effectRef>
-          <a:fontRef idx="minor">
-            <a:schemeClr val="dk1"/>
-          </a:fontRef>
-        </p:style>
-        <p:txBody>
-          <a:bodyPr rtlCol="0" anchor="ctr"/>
-          <a:lstStyle/>
-          <a:p>
-            <a:pPr algn="ctr"/>
-            <a:endParaRPr lang="en-PH" sz="1424"/>
-          </a:p>
-        </p:txBody>
-      </p:sp>
-      <p:sp>
-        <p:nvSpPr>
-          <p:cNvPr id="5" name="Oval 4">
-            <a:extLst>
-              <a:ext uri="{FF2B5EF4-FFF2-40B4-BE49-F238E27FC236}">
-                <a16:creationId xmlns:a16="http://schemas.microsoft.com/office/drawing/2014/main" id="{429F5603-0AD0-4F2D-A26D-171F7DC9CB13}"/>
-              </a:ext>
-            </a:extLst>
-          </p:cNvPr>
-          <p:cNvSpPr/>
-          <p:nvPr/>
-        </p:nvSpPr>
-        <p:spPr>
-          <a:xfrm>
-            <a:off x="3218342" y="10257209"/>
-            <a:ext cx="393593" cy="393593"/>
-          </a:xfrm>
-          <a:prstGeom prst="ellipse">
-            <a:avLst/>
-          </a:prstGeom>
-        </p:spPr>
-        <p:style>
-          <a:lnRef idx="1">
-            <a:schemeClr val="accent3"/>
-          </a:lnRef>
-          <a:fillRef idx="2">
-            <a:schemeClr val="accent3"/>
-          </a:fillRef>
-          <a:effectRef idx="1">
-            <a:schemeClr val="accent3"/>
-          </a:effectRef>
-          <a:fontRef idx="minor">
-            <a:schemeClr val="dk1"/>
-          </a:fontRef>
-        </p:style>
-        <p:txBody>
-          <a:bodyPr rtlCol="0" anchor="ctr"/>
-          <a:lstStyle/>
-          <a:p>
-            <a:pPr algn="ctr"/>
-            <a:endParaRPr lang="en-PH" sz="1424"/>
+            <a:endParaRPr lang="en-PH" sz="1424">
+              <a:latin typeface="Tahoma" panose="020B0604030504040204" pitchFamily="34" charset="0"/>
+              <a:ea typeface="Tahoma" panose="020B0604030504040204" pitchFamily="34" charset="0"/>
+              <a:cs typeface="Tahoma" panose="020B0604030504040204" pitchFamily="34" charset="0"/>
+            </a:endParaRPr>
           </a:p>
         </p:txBody>
       </p:sp>
@@ -6174,6 +6072,7 @@
       <p:sp>
         <p:nvSpPr>
           <p:cNvPr id="8" name="Rectangle: Rounded Corners 7">
+            <a:hlinkClick r:id="rId5" action="ppaction://hlinksldjump" highlightClick="1"/>
             <a:extLst>
               <a:ext uri="{FF2B5EF4-FFF2-40B4-BE49-F238E27FC236}">
                 <a16:creationId xmlns:a16="http://schemas.microsoft.com/office/drawing/2014/main" id="{B8BFBE8B-F15C-4163-8287-00A8D73EBA75}"/>
@@ -6185,7 +6084,7 @@
         </p:nvSpPr>
         <p:spPr>
           <a:xfrm>
-            <a:off x="2056288" y="9008661"/>
+            <a:off x="2266945" y="8258985"/>
             <a:ext cx="2324108" cy="604268"/>
           </a:xfrm>
           <a:prstGeom prst="roundRect">
@@ -6219,7 +6118,11 @@
           <a:p>
             <a:pPr algn="ctr"/>
             <a:r>
-              <a:rPr lang="en-PH" sz="1424" dirty="0"/>
+              <a:rPr lang="en-PH" sz="3000" dirty="0">
+                <a:latin typeface="Tahoma" panose="020B0604030504040204" pitchFamily="34" charset="0"/>
+                <a:ea typeface="Tahoma" panose="020B0604030504040204" pitchFamily="34" charset="0"/>
+                <a:cs typeface="Tahoma" panose="020B0604030504040204" pitchFamily="34" charset="0"/>
+              </a:rPr>
               <a:t>Done</a:t>
             </a:r>
           </a:p>
@@ -6239,8 +6142,8 @@
         </p:nvSpPr>
         <p:spPr>
           <a:xfrm>
-            <a:off x="2441216" y="1394699"/>
-            <a:ext cx="3733893" cy="1185581"/>
+            <a:off x="2441224" y="1482042"/>
+            <a:ext cx="3733893" cy="1015663"/>
           </a:xfrm>
           <a:prstGeom prst="rect">
             <a:avLst/>
@@ -6255,14 +6158,22 @@
           <a:p>
             <a:pPr algn="ctr"/>
             <a:r>
-              <a:rPr lang="en-PH" sz="3552" b="1" spc="533" dirty="0"/>
+              <a:rPr lang="en-PH" sz="3000" b="1" spc="533" dirty="0">
+                <a:latin typeface="Tahoma" panose="020B0604030504040204" pitchFamily="34" charset="0"/>
+                <a:ea typeface="Tahoma" panose="020B0604030504040204" pitchFamily="34" charset="0"/>
+                <a:cs typeface="Tahoma" panose="020B0604030504040204" pitchFamily="34" charset="0"/>
+              </a:rPr>
               <a:t>Transaction</a:t>
             </a:r>
           </a:p>
           <a:p>
             <a:pPr algn="ctr"/>
             <a:r>
-              <a:rPr lang="en-PH" sz="3552" b="1" spc="533" dirty="0"/>
+              <a:rPr lang="en-PH" sz="3000" b="1" spc="533" dirty="0">
+                <a:latin typeface="Tahoma" panose="020B0604030504040204" pitchFamily="34" charset="0"/>
+                <a:ea typeface="Tahoma" panose="020B0604030504040204" pitchFamily="34" charset="0"/>
+                <a:cs typeface="Tahoma" panose="020B0604030504040204" pitchFamily="34" charset="0"/>
+              </a:rPr>
               <a:t>Details</a:t>
             </a:r>
           </a:p>
@@ -6282,8 +6193,8 @@
         </p:nvSpPr>
         <p:spPr>
           <a:xfrm>
-            <a:off x="1628030" y="3279952"/>
-            <a:ext cx="1107483" cy="311496"/>
+            <a:off x="978758" y="3319851"/>
+            <a:ext cx="1760418" cy="400110"/>
           </a:xfrm>
           <a:prstGeom prst="rect">
             <a:avLst/>
@@ -6298,7 +6209,11 @@
           <a:p>
             <a:pPr algn="just"/>
             <a:r>
-              <a:rPr lang="en-PH" sz="1424" b="1" dirty="0"/>
+              <a:rPr lang="en-PH" sz="2000" b="1" dirty="0">
+                <a:latin typeface="Tahoma" panose="020B0604030504040204" pitchFamily="34" charset="0"/>
+                <a:ea typeface="Tahoma" panose="020B0604030504040204" pitchFamily="34" charset="0"/>
+                <a:cs typeface="Tahoma" panose="020B0604030504040204" pitchFamily="34" charset="0"/>
+              </a:rPr>
               <a:t>Destination:</a:t>
             </a:r>
           </a:p>
@@ -6318,8 +6233,8 @@
         </p:nvSpPr>
         <p:spPr>
           <a:xfrm>
-            <a:off x="1077291" y="3817162"/>
-            <a:ext cx="4779257" cy="475836"/>
+            <a:off x="1123473" y="3774876"/>
+            <a:ext cx="4189737" cy="400110"/>
           </a:xfrm>
           <a:prstGeom prst="rect">
             <a:avLst/>
@@ -6334,7 +6249,11 @@
           <a:p>
             <a:pPr algn="just"/>
             <a:r>
-              <a:rPr lang="en-PH" sz="2492" dirty="0"/>
+              <a:rPr lang="en-PH" sz="2000" dirty="0">
+                <a:latin typeface="Tahoma" panose="020B0604030504040204" pitchFamily="34" charset="0"/>
+                <a:ea typeface="Tahoma" panose="020B0604030504040204" pitchFamily="34" charset="0"/>
+                <a:cs typeface="Tahoma" panose="020B0604030504040204" pitchFamily="34" charset="0"/>
+              </a:rPr>
               <a:t>Generated station – Desired station</a:t>
             </a:r>
           </a:p>
@@ -6354,8 +6273,8 @@
         </p:nvSpPr>
         <p:spPr>
           <a:xfrm>
-            <a:off x="1548569" y="4659566"/>
-            <a:ext cx="1124923" cy="311496"/>
+            <a:off x="999518" y="4577726"/>
+            <a:ext cx="1827744" cy="400110"/>
           </a:xfrm>
           <a:prstGeom prst="rect">
             <a:avLst/>
@@ -6370,7 +6289,11 @@
           <a:p>
             <a:pPr algn="ctr"/>
             <a:r>
-              <a:rPr lang="en-PH" sz="1424" b="1" dirty="0"/>
+              <a:rPr lang="en-PH" sz="2000" b="1" dirty="0">
+                <a:latin typeface="Tahoma" panose="020B0604030504040204" pitchFamily="34" charset="0"/>
+                <a:ea typeface="Tahoma" panose="020B0604030504040204" pitchFamily="34" charset="0"/>
+                <a:cs typeface="Tahoma" panose="020B0604030504040204" pitchFamily="34" charset="0"/>
+              </a:rPr>
               <a:t>Ticket Type: </a:t>
             </a:r>
           </a:p>
@@ -6390,8 +6313,8 @@
         </p:nvSpPr>
         <p:spPr>
           <a:xfrm>
-            <a:off x="3181712" y="4687883"/>
-            <a:ext cx="2600392" cy="530594"/>
+            <a:off x="2827262" y="4567170"/>
+            <a:ext cx="2088392" cy="400110"/>
           </a:xfrm>
           <a:prstGeom prst="rect">
             <a:avLst/>
@@ -6406,7 +6329,11 @@
           <a:p>
             <a:pPr algn="ctr"/>
             <a:r>
-              <a:rPr lang="en-PH" sz="2848" dirty="0"/>
+              <a:rPr lang="en-PH" sz="2000" dirty="0">
+                <a:latin typeface="Tahoma" panose="020B0604030504040204" pitchFamily="34" charset="0"/>
+                <a:ea typeface="Tahoma" panose="020B0604030504040204" pitchFamily="34" charset="0"/>
+                <a:cs typeface="Tahoma" panose="020B0604030504040204" pitchFamily="34" charset="0"/>
+              </a:rPr>
               <a:t>VIP – Php. 20.00</a:t>
             </a:r>
           </a:p>
@@ -6426,8 +6353,8 @@
         </p:nvSpPr>
         <p:spPr>
           <a:xfrm>
-            <a:off x="1962165" y="5554869"/>
-            <a:ext cx="2722092" cy="530594"/>
+            <a:off x="978758" y="5526451"/>
+            <a:ext cx="3584635" cy="400110"/>
           </a:xfrm>
           <a:prstGeom prst="rect">
             <a:avLst/>
@@ -6442,14 +6369,26 @@
           <a:p>
             <a:pPr algn="ctr"/>
             <a:r>
-              <a:rPr lang="en-PH" sz="1424" b="1" dirty="0"/>
+              <a:rPr lang="en-PH" sz="2000" b="1" dirty="0">
+                <a:latin typeface="Tahoma" panose="020B0604030504040204" pitchFamily="34" charset="0"/>
+                <a:ea typeface="Tahoma" panose="020B0604030504040204" pitchFamily="34" charset="0"/>
+                <a:cs typeface="Tahoma" panose="020B0604030504040204" pitchFamily="34" charset="0"/>
+              </a:rPr>
               <a:t>Method of Payment: </a:t>
             </a:r>
             <a:r>
-              <a:rPr lang="en-PH" sz="2848" dirty="0" err="1"/>
+              <a:rPr lang="en-PH" sz="2000" dirty="0" err="1">
+                <a:latin typeface="Tahoma" panose="020B0604030504040204" pitchFamily="34" charset="0"/>
+                <a:ea typeface="Tahoma" panose="020B0604030504040204" pitchFamily="34" charset="0"/>
+                <a:cs typeface="Tahoma" panose="020B0604030504040204" pitchFamily="34" charset="0"/>
+              </a:rPr>
               <a:t>GCash</a:t>
             </a:r>
-            <a:endParaRPr lang="en-PH" sz="1424" dirty="0"/>
+            <a:endParaRPr lang="en-PH" sz="2000" dirty="0">
+              <a:latin typeface="Tahoma" panose="020B0604030504040204" pitchFamily="34" charset="0"/>
+              <a:ea typeface="Tahoma" panose="020B0604030504040204" pitchFamily="34" charset="0"/>
+              <a:cs typeface="Tahoma" panose="020B0604030504040204" pitchFamily="34" charset="0"/>
+            </a:endParaRPr>
           </a:p>
         </p:txBody>
       </p:sp>
@@ -6467,8 +6406,8 @@
         </p:nvSpPr>
         <p:spPr>
           <a:xfrm>
-            <a:off x="1341811" y="6450163"/>
-            <a:ext cx="3345211" cy="968855"/>
+            <a:off x="978758" y="6484287"/>
+            <a:ext cx="4826962" cy="400110"/>
           </a:xfrm>
           <a:prstGeom prst="rect">
             <a:avLst/>
@@ -6483,21 +6422,165 @@
           <a:p>
             <a:pPr algn="just"/>
             <a:r>
-              <a:rPr lang="en-PH" sz="1424" b="1" dirty="0"/>
+              <a:rPr lang="en-PH" sz="2000" b="1" dirty="0">
+                <a:latin typeface="Tahoma" panose="020B0604030504040204" pitchFamily="34" charset="0"/>
+                <a:ea typeface="Tahoma" panose="020B0604030504040204" pitchFamily="34" charset="0"/>
+                <a:cs typeface="Tahoma" panose="020B0604030504040204" pitchFamily="34" charset="0"/>
+              </a:rPr>
               <a:t>Train: </a:t>
             </a:r>
             <a:r>
-              <a:rPr lang="en-PH" sz="2848" dirty="0"/>
-              <a:t>101 | 6:00 am OR </a:t>
+              <a:rPr lang="en-PH" sz="2000" dirty="0">
+                <a:latin typeface="Tahoma" panose="020B0604030504040204" pitchFamily="34" charset="0"/>
+                <a:ea typeface="Tahoma" panose="020B0604030504040204" pitchFamily="34" charset="0"/>
+                <a:cs typeface="Tahoma" panose="020B0604030504040204" pitchFamily="34" charset="0"/>
+              </a:rPr>
+              <a:t>101 | 6:00 am OR  110 | 7:45 am</a:t>
             </a:r>
           </a:p>
-          <a:p>
-            <a:pPr algn="just"/>
-            <a:r>
-              <a:rPr lang="en-PH" sz="2848" dirty="0"/>
-              <a:t>110 | 7:45 am</a:t>
-            </a:r>
-            <a:endParaRPr lang="en-PH" sz="1424" dirty="0"/>
+        </p:txBody>
+      </p:sp>
+      <p:sp>
+        <p:nvSpPr>
+          <p:cNvPr id="16" name="Isosceles Triangle 15">
+            <a:extLst>
+              <a:ext uri="{FF2B5EF4-FFF2-40B4-BE49-F238E27FC236}">
+                <a16:creationId xmlns:a16="http://schemas.microsoft.com/office/drawing/2014/main" id="{F6CC2609-3C52-4798-B9DB-6615317CA0D5}"/>
+              </a:ext>
+            </a:extLst>
+          </p:cNvPr>
+          <p:cNvSpPr/>
+          <p:nvPr/>
+        </p:nvSpPr>
+        <p:spPr>
+          <a:xfrm rot="16200000">
+            <a:off x="2111607" y="10263126"/>
+            <a:ext cx="393593" cy="304329"/>
+          </a:xfrm>
+          <a:prstGeom prst="triangle">
+            <a:avLst/>
+          </a:prstGeom>
+        </p:spPr>
+        <p:style>
+          <a:lnRef idx="1">
+            <a:schemeClr val="accent3"/>
+          </a:lnRef>
+          <a:fillRef idx="2">
+            <a:schemeClr val="accent3"/>
+          </a:fillRef>
+          <a:effectRef idx="1">
+            <a:schemeClr val="accent3"/>
+          </a:effectRef>
+          <a:fontRef idx="minor">
+            <a:schemeClr val="dk1"/>
+          </a:fontRef>
+        </p:style>
+        <p:txBody>
+          <a:bodyPr rtlCol="0" anchor="ctr"/>
+          <a:lstStyle/>
+          <a:p>
+            <a:pPr algn="ctr"/>
+            <a:endParaRPr lang="en-PH" sz="1424">
+              <a:latin typeface="Tahoma" panose="020B0604030504040204" pitchFamily="34" charset="0"/>
+              <a:ea typeface="Tahoma" panose="020B0604030504040204" pitchFamily="34" charset="0"/>
+              <a:cs typeface="Tahoma" panose="020B0604030504040204" pitchFamily="34" charset="0"/>
+            </a:endParaRPr>
+          </a:p>
+        </p:txBody>
+      </p:sp>
+      <p:sp>
+        <p:nvSpPr>
+          <p:cNvPr id="17" name="Rectangle 16">
+            <a:extLst>
+              <a:ext uri="{FF2B5EF4-FFF2-40B4-BE49-F238E27FC236}">
+                <a16:creationId xmlns:a16="http://schemas.microsoft.com/office/drawing/2014/main" id="{3FC1148C-8066-42E9-B33E-F1B54A9A6BC7}"/>
+              </a:ext>
+            </a:extLst>
+          </p:cNvPr>
+          <p:cNvSpPr/>
+          <p:nvPr/>
+        </p:nvSpPr>
+        <p:spPr>
+          <a:xfrm>
+            <a:off x="4246628" y="10218485"/>
+            <a:ext cx="393593" cy="393593"/>
+          </a:xfrm>
+          <a:prstGeom prst="rect">
+            <a:avLst/>
+          </a:prstGeom>
+        </p:spPr>
+        <p:style>
+          <a:lnRef idx="1">
+            <a:schemeClr val="accent3"/>
+          </a:lnRef>
+          <a:fillRef idx="2">
+            <a:schemeClr val="accent3"/>
+          </a:fillRef>
+          <a:effectRef idx="1">
+            <a:schemeClr val="accent3"/>
+          </a:effectRef>
+          <a:fontRef idx="minor">
+            <a:schemeClr val="dk1"/>
+          </a:fontRef>
+        </p:style>
+        <p:txBody>
+          <a:bodyPr rtlCol="0" anchor="ctr"/>
+          <a:lstStyle/>
+          <a:p>
+            <a:pPr algn="ctr"/>
+            <a:endParaRPr lang="en-PH" sz="1424">
+              <a:latin typeface="Tahoma" panose="020B0604030504040204" pitchFamily="34" charset="0"/>
+              <a:ea typeface="Tahoma" panose="020B0604030504040204" pitchFamily="34" charset="0"/>
+              <a:cs typeface="Tahoma" panose="020B0604030504040204" pitchFamily="34" charset="0"/>
+            </a:endParaRPr>
+          </a:p>
+        </p:txBody>
+      </p:sp>
+      <p:sp>
+        <p:nvSpPr>
+          <p:cNvPr id="18" name="Oval 17">
+            <a:extLst>
+              <a:ext uri="{FF2B5EF4-FFF2-40B4-BE49-F238E27FC236}">
+                <a16:creationId xmlns:a16="http://schemas.microsoft.com/office/drawing/2014/main" id="{73803775-6B2B-46D6-8370-09C0A037BF1B}"/>
+              </a:ext>
+            </a:extLst>
+          </p:cNvPr>
+          <p:cNvSpPr/>
+          <p:nvPr/>
+        </p:nvSpPr>
+        <p:spPr>
+          <a:xfrm>
+            <a:off x="3156798" y="10237842"/>
+            <a:ext cx="393593" cy="393593"/>
+          </a:xfrm>
+          <a:prstGeom prst="ellipse">
+            <a:avLst/>
+          </a:prstGeom>
+        </p:spPr>
+        <p:style>
+          <a:lnRef idx="1">
+            <a:schemeClr val="accent3"/>
+          </a:lnRef>
+          <a:fillRef idx="2">
+            <a:schemeClr val="accent3"/>
+          </a:fillRef>
+          <a:effectRef idx="1">
+            <a:schemeClr val="accent3"/>
+          </a:effectRef>
+          <a:fontRef idx="minor">
+            <a:schemeClr val="dk1"/>
+          </a:fontRef>
+        </p:style>
+        <p:txBody>
+          <a:bodyPr rtlCol="0" anchor="ctr"/>
+          <a:lstStyle/>
+          <a:p>
+            <a:pPr algn="ctr"/>
+            <a:endParaRPr lang="en-PH" sz="1424">
+              <a:latin typeface="Tahoma" panose="020B0604030504040204" pitchFamily="34" charset="0"/>
+              <a:ea typeface="Tahoma" panose="020B0604030504040204" pitchFamily="34" charset="0"/>
+              <a:cs typeface="Tahoma" panose="020B0604030504040204" pitchFamily="34" charset="0"/>
+            </a:endParaRPr>
           </a:p>
         </p:txBody>
       </p:sp>
@@ -6763,150 +6846,6 @@
           </a:p>
         </p:txBody>
       </p:sp>
-      <p:sp>
-        <p:nvSpPr>
-          <p:cNvPr id="3" name="Isosceles Triangle 2">
-            <a:extLst>
-              <a:ext uri="{FF2B5EF4-FFF2-40B4-BE49-F238E27FC236}">
-                <a16:creationId xmlns:a16="http://schemas.microsoft.com/office/drawing/2014/main" id="{BB6593F8-AE51-47C6-B7E2-E0EA0E6887D2}"/>
-              </a:ext>
-            </a:extLst>
-          </p:cNvPr>
-          <p:cNvSpPr/>
-          <p:nvPr/>
-        </p:nvSpPr>
-        <p:spPr>
-          <a:xfrm rot="16200000">
-            <a:off x="2111607" y="10263126"/>
-            <a:ext cx="393593" cy="304329"/>
-          </a:xfrm>
-          <a:prstGeom prst="triangle">
-            <a:avLst/>
-          </a:prstGeom>
-        </p:spPr>
-        <p:style>
-          <a:lnRef idx="1">
-            <a:schemeClr val="accent3"/>
-          </a:lnRef>
-          <a:fillRef idx="2">
-            <a:schemeClr val="accent3"/>
-          </a:fillRef>
-          <a:effectRef idx="1">
-            <a:schemeClr val="accent3"/>
-          </a:effectRef>
-          <a:fontRef idx="minor">
-            <a:schemeClr val="dk1"/>
-          </a:fontRef>
-        </p:style>
-        <p:txBody>
-          <a:bodyPr rtlCol="0" anchor="ctr"/>
-          <a:lstStyle/>
-          <a:p>
-            <a:pPr algn="ctr"/>
-            <a:endParaRPr lang="en-PH" sz="1424">
-              <a:latin typeface="Tahoma" panose="020B0604030504040204" pitchFamily="34" charset="0"/>
-              <a:ea typeface="Tahoma" panose="020B0604030504040204" pitchFamily="34" charset="0"/>
-              <a:cs typeface="Tahoma" panose="020B0604030504040204" pitchFamily="34" charset="0"/>
-            </a:endParaRPr>
-          </a:p>
-        </p:txBody>
-      </p:sp>
-      <p:sp>
-        <p:nvSpPr>
-          <p:cNvPr id="4" name="Rectangle 3">
-            <a:extLst>
-              <a:ext uri="{FF2B5EF4-FFF2-40B4-BE49-F238E27FC236}">
-                <a16:creationId xmlns:a16="http://schemas.microsoft.com/office/drawing/2014/main" id="{AFD73A1B-81D6-48A7-AEDD-0B56CE49C5CB}"/>
-              </a:ext>
-            </a:extLst>
-          </p:cNvPr>
-          <p:cNvSpPr/>
-          <p:nvPr/>
-        </p:nvSpPr>
-        <p:spPr>
-          <a:xfrm>
-            <a:off x="4246628" y="10218485"/>
-            <a:ext cx="393593" cy="393593"/>
-          </a:xfrm>
-          <a:prstGeom prst="rect">
-            <a:avLst/>
-          </a:prstGeom>
-        </p:spPr>
-        <p:style>
-          <a:lnRef idx="1">
-            <a:schemeClr val="accent3"/>
-          </a:lnRef>
-          <a:fillRef idx="2">
-            <a:schemeClr val="accent3"/>
-          </a:fillRef>
-          <a:effectRef idx="1">
-            <a:schemeClr val="accent3"/>
-          </a:effectRef>
-          <a:fontRef idx="minor">
-            <a:schemeClr val="dk1"/>
-          </a:fontRef>
-        </p:style>
-        <p:txBody>
-          <a:bodyPr rtlCol="0" anchor="ctr"/>
-          <a:lstStyle/>
-          <a:p>
-            <a:pPr algn="ctr"/>
-            <a:endParaRPr lang="en-PH" sz="1424">
-              <a:latin typeface="Tahoma" panose="020B0604030504040204" pitchFamily="34" charset="0"/>
-              <a:ea typeface="Tahoma" panose="020B0604030504040204" pitchFamily="34" charset="0"/>
-              <a:cs typeface="Tahoma" panose="020B0604030504040204" pitchFamily="34" charset="0"/>
-            </a:endParaRPr>
-          </a:p>
-        </p:txBody>
-      </p:sp>
-      <p:sp>
-        <p:nvSpPr>
-          <p:cNvPr id="5" name="Oval 4">
-            <a:extLst>
-              <a:ext uri="{FF2B5EF4-FFF2-40B4-BE49-F238E27FC236}">
-                <a16:creationId xmlns:a16="http://schemas.microsoft.com/office/drawing/2014/main" id="{7947223C-FF57-4F61-931E-B7B9BCDA0DA4}"/>
-              </a:ext>
-            </a:extLst>
-          </p:cNvPr>
-          <p:cNvSpPr/>
-          <p:nvPr/>
-        </p:nvSpPr>
-        <p:spPr>
-          <a:xfrm>
-            <a:off x="3156798" y="10237842"/>
-            <a:ext cx="393593" cy="393593"/>
-          </a:xfrm>
-          <a:prstGeom prst="ellipse">
-            <a:avLst/>
-          </a:prstGeom>
-        </p:spPr>
-        <p:style>
-          <a:lnRef idx="1">
-            <a:schemeClr val="accent3"/>
-          </a:lnRef>
-          <a:fillRef idx="2">
-            <a:schemeClr val="accent3"/>
-          </a:fillRef>
-          <a:effectRef idx="1">
-            <a:schemeClr val="accent3"/>
-          </a:effectRef>
-          <a:fontRef idx="minor">
-            <a:schemeClr val="dk1"/>
-          </a:fontRef>
-        </p:style>
-        <p:txBody>
-          <a:bodyPr rtlCol="0" anchor="ctr"/>
-          <a:lstStyle/>
-          <a:p>
-            <a:pPr algn="ctr"/>
-            <a:endParaRPr lang="en-PH" sz="1424">
-              <a:latin typeface="Tahoma" panose="020B0604030504040204" pitchFamily="34" charset="0"/>
-              <a:ea typeface="Tahoma" panose="020B0604030504040204" pitchFamily="34" charset="0"/>
-              <a:cs typeface="Tahoma" panose="020B0604030504040204" pitchFamily="34" charset="0"/>
-            </a:endParaRPr>
-          </a:p>
-        </p:txBody>
-      </p:sp>
       <p:cxnSp>
         <p:nvCxnSpPr>
           <p:cNvPr id="7" name="Straight Connector 6">
@@ -6991,6 +6930,7 @@
       <p:sp>
         <p:nvSpPr>
           <p:cNvPr id="9" name="Rectangle: Rounded Corners 8">
+            <a:hlinkClick r:id="rId3" action="ppaction://hlinksldjump" highlightClick="1"/>
             <a:extLst>
               <a:ext uri="{FF2B5EF4-FFF2-40B4-BE49-F238E27FC236}">
                 <a16:creationId xmlns:a16="http://schemas.microsoft.com/office/drawing/2014/main" id="{841DC46E-6ED2-4FED-95FA-45D28B72CC2A}"/>
@@ -7002,7 +6942,7 @@
         </p:nvSpPr>
         <p:spPr>
           <a:xfrm>
-            <a:off x="2266945" y="8722072"/>
+            <a:off x="2266945" y="8683358"/>
             <a:ext cx="2324108" cy="604268"/>
           </a:xfrm>
           <a:prstGeom prst="roundRect">
@@ -7100,6 +7040,7 @@
       <p:pic>
         <p:nvPicPr>
           <p:cNvPr id="11" name="Picture 2" descr="Image result for qr code">
+            <a:hlinkClick r:id="rId4" action="ppaction://hlinksldjump" highlightClick="1"/>
             <a:extLst>
               <a:ext uri="{FF2B5EF4-FFF2-40B4-BE49-F238E27FC236}">
                 <a16:creationId xmlns:a16="http://schemas.microsoft.com/office/drawing/2014/main" id="{D38D4D95-845E-4ECB-B1CF-9A9445667AA5}"/>
@@ -7112,7 +7053,7 @@
           <p:nvPr/>
         </p:nvPicPr>
         <p:blipFill>
-          <a:blip r:embed="rId3">
+          <a:blip r:embed="rId5">
             <a:extLst>
               <a:ext uri="{28A0092B-C50C-407E-A947-70E740481C1C}">
                 <a14:useLocalDpi xmlns:a14="http://schemas.microsoft.com/office/drawing/2010/main" val="0"/>
@@ -7164,7 +7105,7 @@
           <p:nvPr/>
         </p:nvPicPr>
         <p:blipFill rotWithShape="1">
-          <a:blip r:embed="rId4">
+          <a:blip r:embed="rId6">
             <a:duotone>
               <a:prstClr val="black"/>
               <a:schemeClr val="accent5">
@@ -7175,7 +7116,7 @@
             <a:extLst>
               <a:ext uri="{BEBA8EAE-BF5A-486C-A8C5-ECC9F3942E4B}">
                 <a14:imgProps xmlns:a14="http://schemas.microsoft.com/office/drawing/2010/main">
-                  <a14:imgLayer r:embed="rId5">
+                  <a14:imgLayer r:embed="rId7">
                     <a14:imgEffect>
                       <a14:colorTemperature colorTemp="4700"/>
                     </a14:imgEffect>
@@ -7435,6 +7376,150 @@
           </a:ln>
         </p:spPr>
       </p:pic>
+      <p:sp>
+        <p:nvSpPr>
+          <p:cNvPr id="13" name="Isosceles Triangle 12">
+            <a:extLst>
+              <a:ext uri="{FF2B5EF4-FFF2-40B4-BE49-F238E27FC236}">
+                <a16:creationId xmlns:a16="http://schemas.microsoft.com/office/drawing/2014/main" id="{D1C2DA64-61D2-42B8-A9ED-60A20DF088B0}"/>
+              </a:ext>
+            </a:extLst>
+          </p:cNvPr>
+          <p:cNvSpPr/>
+          <p:nvPr/>
+        </p:nvSpPr>
+        <p:spPr>
+          <a:xfrm rot="16200000">
+            <a:off x="2111607" y="10263126"/>
+            <a:ext cx="393593" cy="304329"/>
+          </a:xfrm>
+          <a:prstGeom prst="triangle">
+            <a:avLst/>
+          </a:prstGeom>
+        </p:spPr>
+        <p:style>
+          <a:lnRef idx="1">
+            <a:schemeClr val="accent3"/>
+          </a:lnRef>
+          <a:fillRef idx="2">
+            <a:schemeClr val="accent3"/>
+          </a:fillRef>
+          <a:effectRef idx="1">
+            <a:schemeClr val="accent3"/>
+          </a:effectRef>
+          <a:fontRef idx="minor">
+            <a:schemeClr val="dk1"/>
+          </a:fontRef>
+        </p:style>
+        <p:txBody>
+          <a:bodyPr rtlCol="0" anchor="ctr"/>
+          <a:lstStyle/>
+          <a:p>
+            <a:pPr algn="ctr"/>
+            <a:endParaRPr lang="en-PH" sz="1424">
+              <a:latin typeface="Tahoma" panose="020B0604030504040204" pitchFamily="34" charset="0"/>
+              <a:ea typeface="Tahoma" panose="020B0604030504040204" pitchFamily="34" charset="0"/>
+              <a:cs typeface="Tahoma" panose="020B0604030504040204" pitchFamily="34" charset="0"/>
+            </a:endParaRPr>
+          </a:p>
+        </p:txBody>
+      </p:sp>
+      <p:sp>
+        <p:nvSpPr>
+          <p:cNvPr id="14" name="Rectangle 13">
+            <a:extLst>
+              <a:ext uri="{FF2B5EF4-FFF2-40B4-BE49-F238E27FC236}">
+                <a16:creationId xmlns:a16="http://schemas.microsoft.com/office/drawing/2014/main" id="{FB280452-F8DB-4D03-8FFA-1F130E61623C}"/>
+              </a:ext>
+            </a:extLst>
+          </p:cNvPr>
+          <p:cNvSpPr/>
+          <p:nvPr/>
+        </p:nvSpPr>
+        <p:spPr>
+          <a:xfrm>
+            <a:off x="4246628" y="10218485"/>
+            <a:ext cx="393593" cy="393593"/>
+          </a:xfrm>
+          <a:prstGeom prst="rect">
+            <a:avLst/>
+          </a:prstGeom>
+        </p:spPr>
+        <p:style>
+          <a:lnRef idx="1">
+            <a:schemeClr val="accent3"/>
+          </a:lnRef>
+          <a:fillRef idx="2">
+            <a:schemeClr val="accent3"/>
+          </a:fillRef>
+          <a:effectRef idx="1">
+            <a:schemeClr val="accent3"/>
+          </a:effectRef>
+          <a:fontRef idx="minor">
+            <a:schemeClr val="dk1"/>
+          </a:fontRef>
+        </p:style>
+        <p:txBody>
+          <a:bodyPr rtlCol="0" anchor="ctr"/>
+          <a:lstStyle/>
+          <a:p>
+            <a:pPr algn="ctr"/>
+            <a:endParaRPr lang="en-PH" sz="1424">
+              <a:latin typeface="Tahoma" panose="020B0604030504040204" pitchFamily="34" charset="0"/>
+              <a:ea typeface="Tahoma" panose="020B0604030504040204" pitchFamily="34" charset="0"/>
+              <a:cs typeface="Tahoma" panose="020B0604030504040204" pitchFamily="34" charset="0"/>
+            </a:endParaRPr>
+          </a:p>
+        </p:txBody>
+      </p:sp>
+      <p:sp>
+        <p:nvSpPr>
+          <p:cNvPr id="15" name="Oval 14">
+            <a:extLst>
+              <a:ext uri="{FF2B5EF4-FFF2-40B4-BE49-F238E27FC236}">
+                <a16:creationId xmlns:a16="http://schemas.microsoft.com/office/drawing/2014/main" id="{A10AA12D-F10C-4519-8567-1F696A498D79}"/>
+              </a:ext>
+            </a:extLst>
+          </p:cNvPr>
+          <p:cNvSpPr/>
+          <p:nvPr/>
+        </p:nvSpPr>
+        <p:spPr>
+          <a:xfrm>
+            <a:off x="3156798" y="10237842"/>
+            <a:ext cx="393593" cy="393593"/>
+          </a:xfrm>
+          <a:prstGeom prst="ellipse">
+            <a:avLst/>
+          </a:prstGeom>
+        </p:spPr>
+        <p:style>
+          <a:lnRef idx="1">
+            <a:schemeClr val="accent3"/>
+          </a:lnRef>
+          <a:fillRef idx="2">
+            <a:schemeClr val="accent3"/>
+          </a:fillRef>
+          <a:effectRef idx="1">
+            <a:schemeClr val="accent3"/>
+          </a:effectRef>
+          <a:fontRef idx="minor">
+            <a:schemeClr val="dk1"/>
+          </a:fontRef>
+        </p:style>
+        <p:txBody>
+          <a:bodyPr rtlCol="0" anchor="ctr"/>
+          <a:lstStyle/>
+          <a:p>
+            <a:pPr algn="ctr"/>
+            <a:endParaRPr lang="en-PH" sz="1424">
+              <a:latin typeface="Tahoma" panose="020B0604030504040204" pitchFamily="34" charset="0"/>
+              <a:ea typeface="Tahoma" panose="020B0604030504040204" pitchFamily="34" charset="0"/>
+              <a:cs typeface="Tahoma" panose="020B0604030504040204" pitchFamily="34" charset="0"/>
+            </a:endParaRPr>
+          </a:p>
+        </p:txBody>
+      </p:sp>
     </p:spTree>
     <p:extLst>
       <p:ext uri="{BB962C8B-B14F-4D97-AF65-F5344CB8AC3E}">
@@ -7697,150 +7782,6 @@
           </a:p>
         </p:txBody>
       </p:sp>
-      <p:sp>
-        <p:nvSpPr>
-          <p:cNvPr id="47" name="Isosceles Triangle 46">
-            <a:extLst>
-              <a:ext uri="{FF2B5EF4-FFF2-40B4-BE49-F238E27FC236}">
-                <a16:creationId xmlns:a16="http://schemas.microsoft.com/office/drawing/2014/main" id="{293E35E9-022A-40BC-ADA9-500C1B3C8A18}"/>
-              </a:ext>
-            </a:extLst>
-          </p:cNvPr>
-          <p:cNvSpPr/>
-          <p:nvPr/>
-        </p:nvSpPr>
-        <p:spPr>
-          <a:xfrm rot="16200000">
-            <a:off x="2111610" y="10263126"/>
-            <a:ext cx="393593" cy="304329"/>
-          </a:xfrm>
-          <a:prstGeom prst="triangle">
-            <a:avLst/>
-          </a:prstGeom>
-        </p:spPr>
-        <p:style>
-          <a:lnRef idx="1">
-            <a:schemeClr val="accent3"/>
-          </a:lnRef>
-          <a:fillRef idx="2">
-            <a:schemeClr val="accent3"/>
-          </a:fillRef>
-          <a:effectRef idx="1">
-            <a:schemeClr val="accent3"/>
-          </a:effectRef>
-          <a:fontRef idx="minor">
-            <a:schemeClr val="dk1"/>
-          </a:fontRef>
-        </p:style>
-        <p:txBody>
-          <a:bodyPr rtlCol="0" anchor="ctr"/>
-          <a:lstStyle/>
-          <a:p>
-            <a:pPr algn="ctr"/>
-            <a:endParaRPr lang="en-PH" sz="1424">
-              <a:latin typeface="Tahoma" panose="020B0604030504040204" pitchFamily="34" charset="0"/>
-              <a:ea typeface="Tahoma" panose="020B0604030504040204" pitchFamily="34" charset="0"/>
-              <a:cs typeface="Tahoma" panose="020B0604030504040204" pitchFamily="34" charset="0"/>
-            </a:endParaRPr>
-          </a:p>
-        </p:txBody>
-      </p:sp>
-      <p:sp>
-        <p:nvSpPr>
-          <p:cNvPr id="48" name="Rectangle 47">
-            <a:extLst>
-              <a:ext uri="{FF2B5EF4-FFF2-40B4-BE49-F238E27FC236}">
-                <a16:creationId xmlns:a16="http://schemas.microsoft.com/office/drawing/2014/main" id="{8A9EC5CB-853F-41DB-9FEF-EEE586ADDEAB}"/>
-              </a:ext>
-            </a:extLst>
-          </p:cNvPr>
-          <p:cNvSpPr/>
-          <p:nvPr/>
-        </p:nvSpPr>
-        <p:spPr>
-          <a:xfrm>
-            <a:off x="4246630" y="10218485"/>
-            <a:ext cx="393593" cy="393593"/>
-          </a:xfrm>
-          <a:prstGeom prst="rect">
-            <a:avLst/>
-          </a:prstGeom>
-        </p:spPr>
-        <p:style>
-          <a:lnRef idx="1">
-            <a:schemeClr val="accent3"/>
-          </a:lnRef>
-          <a:fillRef idx="2">
-            <a:schemeClr val="accent3"/>
-          </a:fillRef>
-          <a:effectRef idx="1">
-            <a:schemeClr val="accent3"/>
-          </a:effectRef>
-          <a:fontRef idx="minor">
-            <a:schemeClr val="dk1"/>
-          </a:fontRef>
-        </p:style>
-        <p:txBody>
-          <a:bodyPr rtlCol="0" anchor="ctr"/>
-          <a:lstStyle/>
-          <a:p>
-            <a:pPr algn="ctr"/>
-            <a:endParaRPr lang="en-PH" sz="1424">
-              <a:latin typeface="Tahoma" panose="020B0604030504040204" pitchFamily="34" charset="0"/>
-              <a:ea typeface="Tahoma" panose="020B0604030504040204" pitchFamily="34" charset="0"/>
-              <a:cs typeface="Tahoma" panose="020B0604030504040204" pitchFamily="34" charset="0"/>
-            </a:endParaRPr>
-          </a:p>
-        </p:txBody>
-      </p:sp>
-      <p:sp>
-        <p:nvSpPr>
-          <p:cNvPr id="49" name="Oval 48">
-            <a:extLst>
-              <a:ext uri="{FF2B5EF4-FFF2-40B4-BE49-F238E27FC236}">
-                <a16:creationId xmlns:a16="http://schemas.microsoft.com/office/drawing/2014/main" id="{7816EE8D-E04A-4812-9EBF-76FD1D7F6D3D}"/>
-              </a:ext>
-            </a:extLst>
-          </p:cNvPr>
-          <p:cNvSpPr/>
-          <p:nvPr/>
-        </p:nvSpPr>
-        <p:spPr>
-          <a:xfrm>
-            <a:off x="3156801" y="10237842"/>
-            <a:ext cx="393593" cy="393593"/>
-          </a:xfrm>
-          <a:prstGeom prst="ellipse">
-            <a:avLst/>
-          </a:prstGeom>
-        </p:spPr>
-        <p:style>
-          <a:lnRef idx="1">
-            <a:schemeClr val="accent3"/>
-          </a:lnRef>
-          <a:fillRef idx="2">
-            <a:schemeClr val="accent3"/>
-          </a:fillRef>
-          <a:effectRef idx="1">
-            <a:schemeClr val="accent3"/>
-          </a:effectRef>
-          <a:fontRef idx="minor">
-            <a:schemeClr val="dk1"/>
-          </a:fontRef>
-        </p:style>
-        <p:txBody>
-          <a:bodyPr rtlCol="0" anchor="ctr"/>
-          <a:lstStyle/>
-          <a:p>
-            <a:pPr algn="ctr"/>
-            <a:endParaRPr lang="en-PH" sz="1424">
-              <a:latin typeface="Tahoma" panose="020B0604030504040204" pitchFamily="34" charset="0"/>
-              <a:ea typeface="Tahoma" panose="020B0604030504040204" pitchFamily="34" charset="0"/>
-              <a:cs typeface="Tahoma" panose="020B0604030504040204" pitchFamily="34" charset="0"/>
-            </a:endParaRPr>
-          </a:p>
-        </p:txBody>
-      </p:sp>
       <p:cxnSp>
         <p:nvCxnSpPr>
           <p:cNvPr id="51" name="Straight Connector 50">
@@ -8288,6 +8229,7 @@
       <p:sp>
         <p:nvSpPr>
           <p:cNvPr id="75" name="Rectangle: Rounded Corners 74">
+            <a:hlinkClick r:id="rId2" action="ppaction://hlinksldjump" highlightClick="1"/>
             <a:extLst>
               <a:ext uri="{FF2B5EF4-FFF2-40B4-BE49-F238E27FC236}">
                 <a16:creationId xmlns:a16="http://schemas.microsoft.com/office/drawing/2014/main" id="{458107C5-D5E8-416F-8CF6-816083377888}"/>
@@ -8399,7 +8341,7 @@
           <p:nvPr/>
         </p:nvPicPr>
         <p:blipFill rotWithShape="1">
-          <a:blip r:embed="rId2">
+          <a:blip r:embed="rId3">
             <a:duotone>
               <a:prstClr val="black"/>
               <a:schemeClr val="accent5">
@@ -8410,7 +8352,7 @@
             <a:extLst>
               <a:ext uri="{BEBA8EAE-BF5A-486C-A8C5-ECC9F3942E4B}">
                 <a14:imgProps xmlns:a14="http://schemas.microsoft.com/office/drawing/2010/main">
-                  <a14:imgLayer r:embed="rId3">
+                  <a14:imgLayer r:embed="rId4">
                     <a14:imgEffect>
                       <a14:colorTemperature colorTemp="4700"/>
                     </a14:imgEffect>
@@ -8670,6 +8612,150 @@
           </a:ln>
         </p:spPr>
       </p:pic>
+      <p:sp>
+        <p:nvSpPr>
+          <p:cNvPr id="20" name="Isosceles Triangle 19">
+            <a:extLst>
+              <a:ext uri="{FF2B5EF4-FFF2-40B4-BE49-F238E27FC236}">
+                <a16:creationId xmlns:a16="http://schemas.microsoft.com/office/drawing/2014/main" id="{EB09DEC1-7534-4B48-AF67-782CE391202B}"/>
+              </a:ext>
+            </a:extLst>
+          </p:cNvPr>
+          <p:cNvSpPr/>
+          <p:nvPr/>
+        </p:nvSpPr>
+        <p:spPr>
+          <a:xfrm rot="16200000">
+            <a:off x="2111607" y="10263126"/>
+            <a:ext cx="393593" cy="304329"/>
+          </a:xfrm>
+          <a:prstGeom prst="triangle">
+            <a:avLst/>
+          </a:prstGeom>
+        </p:spPr>
+        <p:style>
+          <a:lnRef idx="1">
+            <a:schemeClr val="accent3"/>
+          </a:lnRef>
+          <a:fillRef idx="2">
+            <a:schemeClr val="accent3"/>
+          </a:fillRef>
+          <a:effectRef idx="1">
+            <a:schemeClr val="accent3"/>
+          </a:effectRef>
+          <a:fontRef idx="minor">
+            <a:schemeClr val="dk1"/>
+          </a:fontRef>
+        </p:style>
+        <p:txBody>
+          <a:bodyPr rtlCol="0" anchor="ctr"/>
+          <a:lstStyle/>
+          <a:p>
+            <a:pPr algn="ctr"/>
+            <a:endParaRPr lang="en-PH" sz="1424">
+              <a:latin typeface="Tahoma" panose="020B0604030504040204" pitchFamily="34" charset="0"/>
+              <a:ea typeface="Tahoma" panose="020B0604030504040204" pitchFamily="34" charset="0"/>
+              <a:cs typeface="Tahoma" panose="020B0604030504040204" pitchFamily="34" charset="0"/>
+            </a:endParaRPr>
+          </a:p>
+        </p:txBody>
+      </p:sp>
+      <p:sp>
+        <p:nvSpPr>
+          <p:cNvPr id="21" name="Rectangle 20">
+            <a:extLst>
+              <a:ext uri="{FF2B5EF4-FFF2-40B4-BE49-F238E27FC236}">
+                <a16:creationId xmlns:a16="http://schemas.microsoft.com/office/drawing/2014/main" id="{ED64D09A-188B-4EA7-BE75-9F8A1EDA97A7}"/>
+              </a:ext>
+            </a:extLst>
+          </p:cNvPr>
+          <p:cNvSpPr/>
+          <p:nvPr/>
+        </p:nvSpPr>
+        <p:spPr>
+          <a:xfrm>
+            <a:off x="4246628" y="10218485"/>
+            <a:ext cx="393593" cy="393593"/>
+          </a:xfrm>
+          <a:prstGeom prst="rect">
+            <a:avLst/>
+          </a:prstGeom>
+        </p:spPr>
+        <p:style>
+          <a:lnRef idx="1">
+            <a:schemeClr val="accent3"/>
+          </a:lnRef>
+          <a:fillRef idx="2">
+            <a:schemeClr val="accent3"/>
+          </a:fillRef>
+          <a:effectRef idx="1">
+            <a:schemeClr val="accent3"/>
+          </a:effectRef>
+          <a:fontRef idx="minor">
+            <a:schemeClr val="dk1"/>
+          </a:fontRef>
+        </p:style>
+        <p:txBody>
+          <a:bodyPr rtlCol="0" anchor="ctr"/>
+          <a:lstStyle/>
+          <a:p>
+            <a:pPr algn="ctr"/>
+            <a:endParaRPr lang="en-PH" sz="1424">
+              <a:latin typeface="Tahoma" panose="020B0604030504040204" pitchFamily="34" charset="0"/>
+              <a:ea typeface="Tahoma" panose="020B0604030504040204" pitchFamily="34" charset="0"/>
+              <a:cs typeface="Tahoma" panose="020B0604030504040204" pitchFamily="34" charset="0"/>
+            </a:endParaRPr>
+          </a:p>
+        </p:txBody>
+      </p:sp>
+      <p:sp>
+        <p:nvSpPr>
+          <p:cNvPr id="22" name="Oval 21">
+            <a:extLst>
+              <a:ext uri="{FF2B5EF4-FFF2-40B4-BE49-F238E27FC236}">
+                <a16:creationId xmlns:a16="http://schemas.microsoft.com/office/drawing/2014/main" id="{6AC0EEFE-675F-4CDA-8897-6BC3E3378CAC}"/>
+              </a:ext>
+            </a:extLst>
+          </p:cNvPr>
+          <p:cNvSpPr/>
+          <p:nvPr/>
+        </p:nvSpPr>
+        <p:spPr>
+          <a:xfrm>
+            <a:off x="3156798" y="10237842"/>
+            <a:ext cx="393593" cy="393593"/>
+          </a:xfrm>
+          <a:prstGeom prst="ellipse">
+            <a:avLst/>
+          </a:prstGeom>
+        </p:spPr>
+        <p:style>
+          <a:lnRef idx="1">
+            <a:schemeClr val="accent3"/>
+          </a:lnRef>
+          <a:fillRef idx="2">
+            <a:schemeClr val="accent3"/>
+          </a:fillRef>
+          <a:effectRef idx="1">
+            <a:schemeClr val="accent3"/>
+          </a:effectRef>
+          <a:fontRef idx="minor">
+            <a:schemeClr val="dk1"/>
+          </a:fontRef>
+        </p:style>
+        <p:txBody>
+          <a:bodyPr rtlCol="0" anchor="ctr"/>
+          <a:lstStyle/>
+          <a:p>
+            <a:pPr algn="ctr"/>
+            <a:endParaRPr lang="en-PH" sz="1424">
+              <a:latin typeface="Tahoma" panose="020B0604030504040204" pitchFamily="34" charset="0"/>
+              <a:ea typeface="Tahoma" panose="020B0604030504040204" pitchFamily="34" charset="0"/>
+              <a:cs typeface="Tahoma" panose="020B0604030504040204" pitchFamily="34" charset="0"/>
+            </a:endParaRPr>
+          </a:p>
+        </p:txBody>
+      </p:sp>
     </p:spTree>
     <p:extLst>
       <p:ext uri="{BB962C8B-B14F-4D97-AF65-F5344CB8AC3E}">
@@ -8711,7 +8797,7 @@
     </p:spTree>
     <p:extLst>
       <p:ext uri="{BB962C8B-B14F-4D97-AF65-F5344CB8AC3E}">
-        <p14:creationId xmlns:p14="http://schemas.microsoft.com/office/powerpoint/2010/main" val="4108222305"/>
+        <p14:creationId xmlns:p14="http://schemas.microsoft.com/office/powerpoint/2010/main" val="3083108269"/>
       </p:ext>
     </p:extLst>
   </p:cSld>
@@ -8730,44 +8816,6 @@
 </file>
 
 <file path=ppt/slides/slide15.xml><?xml version="1.0" encoding="utf-8"?>
-<p:sld xmlns:a="http://schemas.openxmlformats.org/drawingml/2006/main" xmlns:r="http://schemas.openxmlformats.org/officeDocument/2006/relationships" xmlns:p="http://schemas.openxmlformats.org/presentationml/2006/main">
-  <p:cSld>
-    <p:spTree>
-      <p:nvGrpSpPr>
-        <p:cNvPr id="1" name=""/>
-        <p:cNvGrpSpPr/>
-        <p:nvPr/>
-      </p:nvGrpSpPr>
-      <p:grpSpPr>
-        <a:xfrm>
-          <a:off x="0" y="0"/>
-          <a:ext cx="0" cy="0"/>
-          <a:chOff x="0" y="0"/>
-          <a:chExt cx="0" cy="0"/>
-        </a:xfrm>
-      </p:grpSpPr>
-    </p:spTree>
-    <p:extLst>
-      <p:ext uri="{BB962C8B-B14F-4D97-AF65-F5344CB8AC3E}">
-        <p14:creationId xmlns:p14="http://schemas.microsoft.com/office/powerpoint/2010/main" val="3083108269"/>
-      </p:ext>
-    </p:extLst>
-  </p:cSld>
-  <p:clrMapOvr>
-    <a:masterClrMapping/>
-  </p:clrMapOvr>
-  <mc:AlternateContent xmlns:mc="http://schemas.openxmlformats.org/markup-compatibility/2006" xmlns:p14="http://schemas.microsoft.com/office/powerpoint/2010/main">
-    <mc:Choice Requires="p14">
-      <p:transition spd="slow" p14:dur="2000" advClick="0"/>
-    </mc:Choice>
-    <mc:Fallback xmlns="">
-      <p:transition spd="slow" advClick="0"/>
-    </mc:Fallback>
-  </mc:AlternateContent>
-</p:sld>
-</file>
-
-<file path=ppt/slides/slide16.xml><?xml version="1.0" encoding="utf-8"?>
 <p:sld xmlns:a="http://schemas.openxmlformats.org/drawingml/2006/main" xmlns:r="http://schemas.openxmlformats.org/officeDocument/2006/relationships" xmlns:p="http://schemas.openxmlformats.org/presentationml/2006/main">
   <p:cSld>
     <p:spTree>
@@ -13349,7 +13397,7 @@
 </file>
 
 <file path=ppt/slides/slide5.xml><?xml version="1.0" encoding="utf-8"?>
-<p:sld xmlns:a="http://schemas.openxmlformats.org/drawingml/2006/main" xmlns:r="http://schemas.openxmlformats.org/officeDocument/2006/relationships" xmlns:p="http://schemas.openxmlformats.org/presentationml/2006/main" show="0">
+<p:sld xmlns:a="http://schemas.openxmlformats.org/drawingml/2006/main" xmlns:r="http://schemas.openxmlformats.org/officeDocument/2006/relationships" xmlns:p="http://schemas.openxmlformats.org/presentationml/2006/main">
   <p:cSld>
     <p:spTree>
       <p:nvGrpSpPr>
@@ -13367,10 +13415,10 @@
       </p:grpSpPr>
       <p:sp>
         <p:nvSpPr>
-          <p:cNvPr id="22" name="Freeform: Shape 21">
+          <p:cNvPr id="2" name="Freeform: Shape 1">
             <a:extLst>
               <a:ext uri="{FF2B5EF4-FFF2-40B4-BE49-F238E27FC236}">
-                <a16:creationId xmlns:a16="http://schemas.microsoft.com/office/drawing/2014/main" id="{586B8D6C-0D5E-432D-8D71-1611AB0B01F9}"/>
+                <a16:creationId xmlns:a16="http://schemas.microsoft.com/office/drawing/2014/main" id="{9C4475FE-7F30-4BE7-9815-66D969C06E1A}"/>
               </a:ext>
             </a:extLst>
           </p:cNvPr>
@@ -13379,7 +13427,7 @@
         </p:nvSpPr>
         <p:spPr>
           <a:xfrm>
-            <a:off x="-6437142" y="346931"/>
+            <a:off x="286171" y="346929"/>
             <a:ext cx="6285657" cy="11498142"/>
           </a:xfrm>
           <a:custGeom>
@@ -13581,16 +13629,519 @@
           <a:lstStyle/>
           <a:p>
             <a:pPr algn="ctr"/>
-            <a:endParaRPr lang="en-PH" sz="1424" dirty="0"/>
+            <a:endParaRPr lang="en-PH" sz="1424" dirty="0">
+              <a:latin typeface="Tahoma" panose="020B0604030504040204" pitchFamily="34" charset="0"/>
+              <a:ea typeface="Tahoma" panose="020B0604030504040204" pitchFamily="34" charset="0"/>
+              <a:cs typeface="Tahoma" panose="020B0604030504040204" pitchFamily="34" charset="0"/>
+            </a:endParaRPr>
+          </a:p>
+        </p:txBody>
+      </p:sp>
+      <p:sp>
+        <p:nvSpPr>
+          <p:cNvPr id="3" name="Isosceles Triangle 2">
+            <a:extLst>
+              <a:ext uri="{FF2B5EF4-FFF2-40B4-BE49-F238E27FC236}">
+                <a16:creationId xmlns:a16="http://schemas.microsoft.com/office/drawing/2014/main" id="{85651EF2-BCC3-4652-8D37-B0C97A42BD8E}"/>
+              </a:ext>
+            </a:extLst>
+          </p:cNvPr>
+          <p:cNvSpPr/>
+          <p:nvPr/>
+        </p:nvSpPr>
+        <p:spPr>
+          <a:xfrm rot="16200000">
+            <a:off x="2111607" y="10263126"/>
+            <a:ext cx="393593" cy="304329"/>
+          </a:xfrm>
+          <a:prstGeom prst="triangle">
+            <a:avLst/>
+          </a:prstGeom>
+        </p:spPr>
+        <p:style>
+          <a:lnRef idx="1">
+            <a:schemeClr val="accent3"/>
+          </a:lnRef>
+          <a:fillRef idx="2">
+            <a:schemeClr val="accent3"/>
+          </a:fillRef>
+          <a:effectRef idx="1">
+            <a:schemeClr val="accent3"/>
+          </a:effectRef>
+          <a:fontRef idx="minor">
+            <a:schemeClr val="dk1"/>
+          </a:fontRef>
+        </p:style>
+        <p:txBody>
+          <a:bodyPr rtlCol="0" anchor="ctr"/>
+          <a:lstStyle/>
+          <a:p>
+            <a:pPr algn="ctr"/>
+            <a:endParaRPr lang="en-PH" sz="1424">
+              <a:latin typeface="Tahoma" panose="020B0604030504040204" pitchFamily="34" charset="0"/>
+              <a:ea typeface="Tahoma" panose="020B0604030504040204" pitchFamily="34" charset="0"/>
+              <a:cs typeface="Tahoma" panose="020B0604030504040204" pitchFamily="34" charset="0"/>
+            </a:endParaRPr>
+          </a:p>
+        </p:txBody>
+      </p:sp>
+      <p:sp>
+        <p:nvSpPr>
+          <p:cNvPr id="4" name="Rectangle 3">
+            <a:extLst>
+              <a:ext uri="{FF2B5EF4-FFF2-40B4-BE49-F238E27FC236}">
+                <a16:creationId xmlns:a16="http://schemas.microsoft.com/office/drawing/2014/main" id="{88FCFA6D-BE00-4298-973C-EF4B5DB0B73D}"/>
+              </a:ext>
+            </a:extLst>
+          </p:cNvPr>
+          <p:cNvSpPr/>
+          <p:nvPr/>
+        </p:nvSpPr>
+        <p:spPr>
+          <a:xfrm>
+            <a:off x="4246628" y="10218485"/>
+            <a:ext cx="393593" cy="393593"/>
+          </a:xfrm>
+          <a:prstGeom prst="rect">
+            <a:avLst/>
+          </a:prstGeom>
+        </p:spPr>
+        <p:style>
+          <a:lnRef idx="1">
+            <a:schemeClr val="accent3"/>
+          </a:lnRef>
+          <a:fillRef idx="2">
+            <a:schemeClr val="accent3"/>
+          </a:fillRef>
+          <a:effectRef idx="1">
+            <a:schemeClr val="accent3"/>
+          </a:effectRef>
+          <a:fontRef idx="minor">
+            <a:schemeClr val="dk1"/>
+          </a:fontRef>
+        </p:style>
+        <p:txBody>
+          <a:bodyPr rtlCol="0" anchor="ctr"/>
+          <a:lstStyle/>
+          <a:p>
+            <a:pPr algn="ctr"/>
+            <a:endParaRPr lang="en-PH" sz="1424">
+              <a:latin typeface="Tahoma" panose="020B0604030504040204" pitchFamily="34" charset="0"/>
+              <a:ea typeface="Tahoma" panose="020B0604030504040204" pitchFamily="34" charset="0"/>
+              <a:cs typeface="Tahoma" panose="020B0604030504040204" pitchFamily="34" charset="0"/>
+            </a:endParaRPr>
+          </a:p>
+        </p:txBody>
+      </p:sp>
+      <p:sp>
+        <p:nvSpPr>
+          <p:cNvPr id="5" name="Oval 4">
+            <a:extLst>
+              <a:ext uri="{FF2B5EF4-FFF2-40B4-BE49-F238E27FC236}">
+                <a16:creationId xmlns:a16="http://schemas.microsoft.com/office/drawing/2014/main" id="{2EC5D895-DD70-45D1-885C-CDE8CEEA004E}"/>
+              </a:ext>
+            </a:extLst>
+          </p:cNvPr>
+          <p:cNvSpPr/>
+          <p:nvPr/>
+        </p:nvSpPr>
+        <p:spPr>
+          <a:xfrm>
+            <a:off x="3156798" y="10237842"/>
+            <a:ext cx="393593" cy="393593"/>
+          </a:xfrm>
+          <a:prstGeom prst="ellipse">
+            <a:avLst/>
+          </a:prstGeom>
+        </p:spPr>
+        <p:style>
+          <a:lnRef idx="1">
+            <a:schemeClr val="accent3"/>
+          </a:lnRef>
+          <a:fillRef idx="2">
+            <a:schemeClr val="accent3"/>
+          </a:fillRef>
+          <a:effectRef idx="1">
+            <a:schemeClr val="accent3"/>
+          </a:effectRef>
+          <a:fontRef idx="minor">
+            <a:schemeClr val="dk1"/>
+          </a:fontRef>
+        </p:style>
+        <p:txBody>
+          <a:bodyPr rtlCol="0" anchor="ctr"/>
+          <a:lstStyle/>
+          <a:p>
+            <a:pPr algn="ctr"/>
+            <a:endParaRPr lang="en-PH" sz="1424">
+              <a:latin typeface="Tahoma" panose="020B0604030504040204" pitchFamily="34" charset="0"/>
+              <a:ea typeface="Tahoma" panose="020B0604030504040204" pitchFamily="34" charset="0"/>
+              <a:cs typeface="Tahoma" panose="020B0604030504040204" pitchFamily="34" charset="0"/>
+            </a:endParaRPr>
+          </a:p>
+        </p:txBody>
+      </p:sp>
+      <p:sp>
+        <p:nvSpPr>
+          <p:cNvPr id="7" name="TextBox 6">
+            <a:extLst>
+              <a:ext uri="{FF2B5EF4-FFF2-40B4-BE49-F238E27FC236}">
+                <a16:creationId xmlns:a16="http://schemas.microsoft.com/office/drawing/2014/main" id="{757FBF9E-3068-43DD-B2BF-82D2270B8003}"/>
+              </a:ext>
+            </a:extLst>
+          </p:cNvPr>
+          <p:cNvSpPr txBox="1"/>
+          <p:nvPr/>
+        </p:nvSpPr>
+        <p:spPr>
+          <a:xfrm>
+            <a:off x="2807087" y="1187194"/>
+            <a:ext cx="2505173" cy="707886"/>
+          </a:xfrm>
+          <a:prstGeom prst="rect">
+            <a:avLst/>
+          </a:prstGeom>
+          <a:noFill/>
+        </p:spPr>
+        <p:txBody>
+          <a:bodyPr wrap="none" rtlCol="0">
+            <a:spAutoFit/>
+          </a:bodyPr>
+          <a:lstStyle/>
+          <a:p>
+            <a:r>
+              <a:rPr lang="en-PH" sz="4000" b="1" spc="-263" dirty="0">
+                <a:latin typeface="Tahoma" panose="020B0604030504040204" pitchFamily="34" charset="0"/>
+                <a:ea typeface="Tahoma" panose="020B0604030504040204" pitchFamily="34" charset="0"/>
+                <a:cs typeface="Tahoma" panose="020B0604030504040204" pitchFamily="34" charset="0"/>
+              </a:rPr>
+              <a:t>Greetings,</a:t>
+            </a:r>
+          </a:p>
+        </p:txBody>
+      </p:sp>
+      <p:sp>
+        <p:nvSpPr>
+          <p:cNvPr id="8" name="TextBox 7">
+            <a:extLst>
+              <a:ext uri="{FF2B5EF4-FFF2-40B4-BE49-F238E27FC236}">
+                <a16:creationId xmlns:a16="http://schemas.microsoft.com/office/drawing/2014/main" id="{FC695B69-8687-4069-A273-D38427567FFD}"/>
+              </a:ext>
+            </a:extLst>
+          </p:cNvPr>
+          <p:cNvSpPr txBox="1"/>
+          <p:nvPr/>
+        </p:nvSpPr>
+        <p:spPr>
+          <a:xfrm>
+            <a:off x="3550391" y="1935860"/>
+            <a:ext cx="2449132" cy="707886"/>
+          </a:xfrm>
+          <a:prstGeom prst="rect">
+            <a:avLst/>
+          </a:prstGeom>
+          <a:noFill/>
+        </p:spPr>
+        <p:txBody>
+          <a:bodyPr wrap="none" rtlCol="0">
+            <a:spAutoFit/>
+          </a:bodyPr>
+          <a:lstStyle/>
+          <a:p>
+            <a:r>
+              <a:rPr lang="en-PH" sz="4000" b="1" spc="-263" dirty="0">
+                <a:latin typeface="Tahoma" panose="020B0604030504040204" pitchFamily="34" charset="0"/>
+                <a:ea typeface="Tahoma" panose="020B0604030504040204" pitchFamily="34" charset="0"/>
+                <a:cs typeface="Tahoma" panose="020B0604030504040204" pitchFamily="34" charset="0"/>
+              </a:rPr>
+              <a:t>John Doe!</a:t>
+            </a:r>
+          </a:p>
+        </p:txBody>
+      </p:sp>
+      <p:sp>
+        <p:nvSpPr>
+          <p:cNvPr id="9" name="Rectangle: Rounded Corners 8">
+            <a:hlinkClick r:id="" action="ppaction://hlinkshowjump?jump=nextslide"/>
+            <a:extLst>
+              <a:ext uri="{FF2B5EF4-FFF2-40B4-BE49-F238E27FC236}">
+                <a16:creationId xmlns:a16="http://schemas.microsoft.com/office/drawing/2014/main" id="{083DB61A-14FC-4C4F-A449-21AB17164BED}"/>
+              </a:ext>
+            </a:extLst>
+          </p:cNvPr>
+          <p:cNvSpPr/>
+          <p:nvPr/>
+        </p:nvSpPr>
+        <p:spPr>
+          <a:xfrm>
+            <a:off x="1479614" y="3516850"/>
+            <a:ext cx="3751385" cy="975362"/>
+          </a:xfrm>
+          <a:prstGeom prst="roundRect">
+            <a:avLst>
+              <a:gd name="adj" fmla="val 50000"/>
+            </a:avLst>
+          </a:prstGeom>
+          <a:ln>
+            <a:solidFill>
+              <a:schemeClr val="tx1"/>
+            </a:solidFill>
+          </a:ln>
+        </p:spPr>
+        <p:style>
+          <a:lnRef idx="1">
+            <a:schemeClr val="accent4"/>
+          </a:lnRef>
+          <a:fillRef idx="2">
+            <a:schemeClr val="accent4"/>
+          </a:fillRef>
+          <a:effectRef idx="1">
+            <a:schemeClr val="accent4"/>
+          </a:effectRef>
+          <a:fontRef idx="minor">
+            <a:schemeClr val="dk1"/>
+          </a:fontRef>
+        </p:style>
+        <p:txBody>
+          <a:bodyPr rtlCol="0" anchor="ctr"/>
+          <a:lstStyle/>
+          <a:p>
+            <a:pPr algn="ctr"/>
+            <a:r>
+              <a:rPr lang="en-PH" sz="3000" dirty="0">
+                <a:latin typeface="Tahoma" panose="020B0604030504040204" pitchFamily="34" charset="0"/>
+                <a:ea typeface="Tahoma" panose="020B0604030504040204" pitchFamily="34" charset="0"/>
+                <a:cs typeface="Tahoma" panose="020B0604030504040204" pitchFamily="34" charset="0"/>
+              </a:rPr>
+              <a:t>Book now</a:t>
+            </a:r>
+          </a:p>
+        </p:txBody>
+      </p:sp>
+      <p:cxnSp>
+        <p:nvCxnSpPr>
+          <p:cNvPr id="10" name="Straight Connector 9">
+            <a:extLst>
+              <a:ext uri="{FF2B5EF4-FFF2-40B4-BE49-F238E27FC236}">
+                <a16:creationId xmlns:a16="http://schemas.microsoft.com/office/drawing/2014/main" id="{96C30C06-5971-4D80-8BBB-28066EA824B4}"/>
+              </a:ext>
+            </a:extLst>
+          </p:cNvPr>
+          <p:cNvCxnSpPr/>
+          <p:nvPr/>
+        </p:nvCxnSpPr>
+        <p:spPr>
+          <a:xfrm>
+            <a:off x="992619" y="3071676"/>
+            <a:ext cx="4872761" cy="0"/>
+          </a:xfrm>
+          <a:prstGeom prst="line">
+            <a:avLst/>
+          </a:prstGeom>
+          <a:ln w="57150">
+            <a:solidFill>
+              <a:schemeClr val="tx1"/>
+            </a:solidFill>
+          </a:ln>
+        </p:spPr>
+        <p:style>
+          <a:lnRef idx="1">
+            <a:schemeClr val="accent1"/>
+          </a:lnRef>
+          <a:fillRef idx="0">
+            <a:schemeClr val="accent1"/>
+          </a:fillRef>
+          <a:effectRef idx="0">
+            <a:schemeClr val="accent1"/>
+          </a:effectRef>
+          <a:fontRef idx="minor">
+            <a:schemeClr val="tx1"/>
+          </a:fontRef>
+        </p:style>
+      </p:cxnSp>
+      <p:sp>
+        <p:nvSpPr>
+          <p:cNvPr id="11" name="Rectangle: Rounded Corners 10">
+            <a:hlinkClick r:id="rId2" action="ppaction://hlinksldjump"/>
+            <a:extLst>
+              <a:ext uri="{FF2B5EF4-FFF2-40B4-BE49-F238E27FC236}">
+                <a16:creationId xmlns:a16="http://schemas.microsoft.com/office/drawing/2014/main" id="{93B65B80-046A-4D06-8921-DBB7B44DA0E2}"/>
+              </a:ext>
+            </a:extLst>
+          </p:cNvPr>
+          <p:cNvSpPr/>
+          <p:nvPr/>
+        </p:nvSpPr>
+        <p:spPr>
+          <a:xfrm>
+            <a:off x="1468500" y="4792004"/>
+            <a:ext cx="3751385" cy="975362"/>
+          </a:xfrm>
+          <a:prstGeom prst="roundRect">
+            <a:avLst>
+              <a:gd name="adj" fmla="val 50000"/>
+            </a:avLst>
+          </a:prstGeom>
+          <a:ln>
+            <a:solidFill>
+              <a:schemeClr val="tx1"/>
+            </a:solidFill>
+          </a:ln>
+        </p:spPr>
+        <p:style>
+          <a:lnRef idx="1">
+            <a:schemeClr val="accent4"/>
+          </a:lnRef>
+          <a:fillRef idx="2">
+            <a:schemeClr val="accent4"/>
+          </a:fillRef>
+          <a:effectRef idx="1">
+            <a:schemeClr val="accent4"/>
+          </a:effectRef>
+          <a:fontRef idx="minor">
+            <a:schemeClr val="dk1"/>
+          </a:fontRef>
+        </p:style>
+        <p:txBody>
+          <a:bodyPr rtlCol="0" anchor="ctr"/>
+          <a:lstStyle/>
+          <a:p>
+            <a:pPr algn="ctr"/>
+            <a:r>
+              <a:rPr lang="en-PH" sz="3000" dirty="0">
+                <a:latin typeface="Tahoma" panose="020B0604030504040204" pitchFamily="34" charset="0"/>
+                <a:ea typeface="Tahoma" panose="020B0604030504040204" pitchFamily="34" charset="0"/>
+                <a:cs typeface="Tahoma" panose="020B0604030504040204" pitchFamily="34" charset="0"/>
+              </a:rPr>
+              <a:t>Check Ticket</a:t>
+            </a:r>
+          </a:p>
+        </p:txBody>
+      </p:sp>
+      <p:sp>
+        <p:nvSpPr>
+          <p:cNvPr id="12" name="Rectangle: Rounded Corners 11">
+            <a:hlinkClick r:id="rId3" action="ppaction://hlinksldjump"/>
+            <a:extLst>
+              <a:ext uri="{FF2B5EF4-FFF2-40B4-BE49-F238E27FC236}">
+                <a16:creationId xmlns:a16="http://schemas.microsoft.com/office/drawing/2014/main" id="{3963E242-3726-42AC-A028-F9E106250B08}"/>
+              </a:ext>
+            </a:extLst>
+          </p:cNvPr>
+          <p:cNvSpPr/>
+          <p:nvPr/>
+        </p:nvSpPr>
+        <p:spPr>
+          <a:xfrm>
+            <a:off x="1468500" y="6068027"/>
+            <a:ext cx="3751385" cy="975362"/>
+          </a:xfrm>
+          <a:prstGeom prst="roundRect">
+            <a:avLst>
+              <a:gd name="adj" fmla="val 50000"/>
+            </a:avLst>
+          </a:prstGeom>
+          <a:ln>
+            <a:solidFill>
+              <a:schemeClr val="tx1"/>
+            </a:solidFill>
+          </a:ln>
+        </p:spPr>
+        <p:style>
+          <a:lnRef idx="1">
+            <a:schemeClr val="accent4"/>
+          </a:lnRef>
+          <a:fillRef idx="2">
+            <a:schemeClr val="accent4"/>
+          </a:fillRef>
+          <a:effectRef idx="1">
+            <a:schemeClr val="accent4"/>
+          </a:effectRef>
+          <a:fontRef idx="minor">
+            <a:schemeClr val="dk1"/>
+          </a:fontRef>
+        </p:style>
+        <p:txBody>
+          <a:bodyPr rtlCol="0" anchor="ctr"/>
+          <a:lstStyle/>
+          <a:p>
+            <a:pPr algn="ctr"/>
+            <a:r>
+              <a:rPr lang="en-PH" sz="3000" dirty="0">
+                <a:latin typeface="Tahoma" panose="020B0604030504040204" pitchFamily="34" charset="0"/>
+                <a:ea typeface="Tahoma" panose="020B0604030504040204" pitchFamily="34" charset="0"/>
+                <a:cs typeface="Tahoma" panose="020B0604030504040204" pitchFamily="34" charset="0"/>
+              </a:rPr>
+              <a:t>History</a:t>
+            </a:r>
+          </a:p>
+        </p:txBody>
+      </p:sp>
+      <p:sp>
+        <p:nvSpPr>
+          <p:cNvPr id="13" name="Rectangle: Rounded Corners 12">
+            <a:hlinkClick r:id="rId4" action="ppaction://hlinksldjump" highlightClick="1"/>
+            <a:extLst>
+              <a:ext uri="{FF2B5EF4-FFF2-40B4-BE49-F238E27FC236}">
+                <a16:creationId xmlns:a16="http://schemas.microsoft.com/office/drawing/2014/main" id="{EE095D1B-8C15-41F4-A9A5-9D39FE030E7B}"/>
+              </a:ext>
+            </a:extLst>
+          </p:cNvPr>
+          <p:cNvSpPr/>
+          <p:nvPr/>
+        </p:nvSpPr>
+        <p:spPr>
+          <a:xfrm>
+            <a:off x="1468500" y="7344049"/>
+            <a:ext cx="3751385" cy="975362"/>
+          </a:xfrm>
+          <a:prstGeom prst="roundRect">
+            <a:avLst>
+              <a:gd name="adj" fmla="val 50000"/>
+            </a:avLst>
+          </a:prstGeom>
+          <a:ln>
+            <a:solidFill>
+              <a:schemeClr val="tx1"/>
+            </a:solidFill>
+          </a:ln>
+        </p:spPr>
+        <p:style>
+          <a:lnRef idx="1">
+            <a:schemeClr val="accent4"/>
+          </a:lnRef>
+          <a:fillRef idx="2">
+            <a:schemeClr val="accent4"/>
+          </a:fillRef>
+          <a:effectRef idx="1">
+            <a:schemeClr val="accent4"/>
+          </a:effectRef>
+          <a:fontRef idx="minor">
+            <a:schemeClr val="dk1"/>
+          </a:fontRef>
+        </p:style>
+        <p:txBody>
+          <a:bodyPr rtlCol="0" anchor="ctr"/>
+          <a:lstStyle/>
+          <a:p>
+            <a:pPr algn="ctr"/>
+            <a:r>
+              <a:rPr lang="en-PH" sz="3000" dirty="0">
+                <a:latin typeface="Tahoma" panose="020B0604030504040204" pitchFamily="34" charset="0"/>
+                <a:ea typeface="Tahoma" panose="020B0604030504040204" pitchFamily="34" charset="0"/>
+                <a:cs typeface="Tahoma" panose="020B0604030504040204" pitchFamily="34" charset="0"/>
+              </a:rPr>
+              <a:t>Log out</a:t>
+            </a:r>
           </a:p>
         </p:txBody>
       </p:sp>
       <p:pic>
         <p:nvPicPr>
-          <p:cNvPr id="18" name="Picture 17" descr="Related image">
+          <p:cNvPr id="14" name="Picture 13" descr="Related image">
             <a:extLst>
               <a:ext uri="{FF2B5EF4-FFF2-40B4-BE49-F238E27FC236}">
-                <a16:creationId xmlns:a16="http://schemas.microsoft.com/office/drawing/2014/main" id="{E3E06523-BE2B-4A71-885F-FB2D6BA0F7A1}"/>
+                <a16:creationId xmlns:a16="http://schemas.microsoft.com/office/drawing/2014/main" id="{4D1AF89F-BCB2-4DAB-9D4A-AAF63349C9B1}"/>
               </a:ext>
             </a:extLst>
           </p:cNvPr>
@@ -13600,7 +14151,7 @@
           <p:nvPr/>
         </p:nvPicPr>
         <p:blipFill rotWithShape="1">
-          <a:blip r:embed="rId2">
+          <a:blip r:embed="rId5">
             <a:duotone>
               <a:prstClr val="black"/>
               <a:schemeClr val="accent5">
@@ -13611,9 +14162,9 @@
             <a:extLst>
               <a:ext uri="{BEBA8EAE-BF5A-486C-A8C5-ECC9F3942E4B}">
                 <a14:imgProps xmlns:a14="http://schemas.microsoft.com/office/drawing/2010/main">
-                  <a14:imgLayer r:embed="rId3">
+                  <a14:imgLayer r:embed="rId6">
                     <a14:imgEffect>
-                      <a14:colorTemperature colorTemp="11200"/>
+                      <a14:colorTemperature colorTemp="4700"/>
                     </a14:imgEffect>
                   </a14:imgLayer>
                 </a14:imgProps>
@@ -13628,8 +14179,8 @@
         </p:blipFill>
         <p:spPr bwMode="auto">
           <a:xfrm>
-            <a:off x="-4574314" y="1560562"/>
-            <a:ext cx="2560000" cy="2560000"/>
+            <a:off x="999518" y="1187204"/>
+            <a:ext cx="1600002" cy="1600002"/>
           </a:xfrm>
           <a:custGeom>
             <a:avLst/>
@@ -13871,114 +14422,44 @@
           </a:ln>
         </p:spPr>
       </p:pic>
-      <p:sp>
-        <p:nvSpPr>
-          <p:cNvPr id="15" name="Rectangle: Rounded Corners 14">
-            <a:extLst>
-              <a:ext uri="{FF2B5EF4-FFF2-40B4-BE49-F238E27FC236}">
-                <a16:creationId xmlns:a16="http://schemas.microsoft.com/office/drawing/2014/main" id="{DA89B907-B5E5-4F7A-814E-D3CF87793D5F}"/>
-              </a:ext>
-            </a:extLst>
-          </p:cNvPr>
-          <p:cNvSpPr/>
-          <p:nvPr/>
-        </p:nvSpPr>
-        <p:spPr>
-          <a:xfrm>
-            <a:off x="-5176261" y="5608312"/>
-            <a:ext cx="3751385" cy="975362"/>
-          </a:xfrm>
-          <a:prstGeom prst="roundRect">
-            <a:avLst>
-              <a:gd name="adj" fmla="val 50000"/>
-            </a:avLst>
-          </a:prstGeom>
-          <a:ln>
-            <a:solidFill>
-              <a:schemeClr val="tx1"/>
-            </a:solidFill>
-          </a:ln>
-        </p:spPr>
-        <p:style>
-          <a:lnRef idx="1">
-            <a:schemeClr val="accent4"/>
-          </a:lnRef>
-          <a:fillRef idx="2">
-            <a:schemeClr val="accent4"/>
-          </a:fillRef>
-          <a:effectRef idx="1">
-            <a:schemeClr val="accent4"/>
-          </a:effectRef>
-          <a:fontRef idx="minor">
-            <a:schemeClr val="dk1"/>
-          </a:fontRef>
-        </p:style>
-        <p:txBody>
-          <a:bodyPr rtlCol="0" anchor="ctr"/>
-          <a:lstStyle/>
-          <a:p>
-            <a:pPr algn="ctr"/>
-            <a:r>
-              <a:rPr lang="en-PH" sz="1424" dirty="0"/>
-              <a:t>Sign in</a:t>
-            </a:r>
-          </a:p>
-        </p:txBody>
-      </p:sp>
-      <p:sp>
-        <p:nvSpPr>
-          <p:cNvPr id="20" name="Rectangle: Rounded Corners 19">
-            <a:extLst>
-              <a:ext uri="{FF2B5EF4-FFF2-40B4-BE49-F238E27FC236}">
-                <a16:creationId xmlns:a16="http://schemas.microsoft.com/office/drawing/2014/main" id="{EC1AED1D-A705-45F5-9217-61321352EFF9}"/>
-              </a:ext>
-            </a:extLst>
-          </p:cNvPr>
-          <p:cNvSpPr/>
-          <p:nvPr/>
-        </p:nvSpPr>
-        <p:spPr>
-          <a:xfrm>
-            <a:off x="-5176261" y="6799371"/>
-            <a:ext cx="3751385" cy="975362"/>
-          </a:xfrm>
-          <a:prstGeom prst="roundRect">
-            <a:avLst>
-              <a:gd name="adj" fmla="val 50000"/>
-            </a:avLst>
-          </a:prstGeom>
-          <a:ln>
-            <a:solidFill>
-              <a:schemeClr val="tx1"/>
-            </a:solidFill>
-          </a:ln>
-        </p:spPr>
-        <p:style>
-          <a:lnRef idx="1">
-            <a:schemeClr val="accent4"/>
-          </a:lnRef>
-          <a:fillRef idx="2">
-            <a:schemeClr val="accent4"/>
-          </a:fillRef>
-          <a:effectRef idx="1">
-            <a:schemeClr val="accent4"/>
-          </a:effectRef>
-          <a:fontRef idx="minor">
-            <a:schemeClr val="dk1"/>
-          </a:fontRef>
-        </p:style>
-        <p:txBody>
-          <a:bodyPr rtlCol="0" anchor="ctr"/>
-          <a:lstStyle/>
-          <a:p>
-            <a:pPr algn="ctr"/>
-            <a:r>
-              <a:rPr lang="en-PH" sz="1424" dirty="0"/>
-              <a:t>Sign up</a:t>
-            </a:r>
-          </a:p>
-        </p:txBody>
-      </p:sp>
+    </p:spTree>
+    <p:extLst>
+      <p:ext uri="{BB962C8B-B14F-4D97-AF65-F5344CB8AC3E}">
+        <p14:creationId xmlns:p14="http://schemas.microsoft.com/office/powerpoint/2010/main" val="4025946081"/>
+      </p:ext>
+    </p:extLst>
+  </p:cSld>
+  <p:clrMapOvr>
+    <a:masterClrMapping/>
+  </p:clrMapOvr>
+  <mc:AlternateContent xmlns:mc="http://schemas.openxmlformats.org/markup-compatibility/2006" xmlns:p14="http://schemas.microsoft.com/office/powerpoint/2010/main">
+    <mc:Choice Requires="p14">
+      <p:transition spd="slow" p14:dur="2000" advClick="0"/>
+    </mc:Choice>
+    <mc:Fallback xmlns="">
+      <p:transition spd="slow" advClick="0"/>
+    </mc:Fallback>
+  </mc:AlternateContent>
+</p:sld>
+</file>
+
+<file path=ppt/slides/slide6.xml><?xml version="1.0" encoding="utf-8"?>
+<p:sld xmlns:a="http://schemas.openxmlformats.org/drawingml/2006/main" xmlns:r="http://schemas.openxmlformats.org/officeDocument/2006/relationships" xmlns:p="http://schemas.openxmlformats.org/presentationml/2006/main">
+  <p:cSld>
+    <p:spTree>
+      <p:nvGrpSpPr>
+        <p:cNvPr id="1" name=""/>
+        <p:cNvGrpSpPr/>
+        <p:nvPr/>
+      </p:nvGrpSpPr>
+      <p:grpSpPr>
+        <a:xfrm>
+          <a:off x="0" y="0"/>
+          <a:ext cx="0" cy="0"/>
+          <a:chOff x="0" y="0"/>
+          <a:chExt cx="0" cy="0"/>
+        </a:xfrm>
+      </p:grpSpPr>
       <p:sp>
         <p:nvSpPr>
           <p:cNvPr id="23" name="Freeform: Shape 22">
@@ -14195,236 +14676,140 @@
           <a:lstStyle/>
           <a:p>
             <a:pPr algn="ctr"/>
-            <a:endParaRPr lang="en-PH" sz="1424"/>
-          </a:p>
-        </p:txBody>
-      </p:sp>
-      <p:sp>
-        <p:nvSpPr>
-          <p:cNvPr id="24" name="Freeform: Shape 23">
+            <a:endParaRPr lang="en-PH" sz="1424">
+              <a:latin typeface="Tahoma" panose="020B0604030504040204" pitchFamily="34" charset="0"/>
+              <a:ea typeface="Tahoma" panose="020B0604030504040204" pitchFamily="34" charset="0"/>
+              <a:cs typeface="Tahoma" panose="020B0604030504040204" pitchFamily="34" charset="0"/>
+            </a:endParaRPr>
+          </a:p>
+        </p:txBody>
+      </p:sp>
+      <p:sp>
+        <p:nvSpPr>
+          <p:cNvPr id="68" name="TextBox 67">
             <a:extLst>
               <a:ext uri="{FF2B5EF4-FFF2-40B4-BE49-F238E27FC236}">
-                <a16:creationId xmlns:a16="http://schemas.microsoft.com/office/drawing/2014/main" id="{17E762F9-498B-4E10-82BC-CF60CB719287}"/>
+                <a16:creationId xmlns:a16="http://schemas.microsoft.com/office/drawing/2014/main" id="{4B69FA6D-A27E-41DE-8531-6814F005C946}"/>
               </a:ext>
             </a:extLst>
           </p:cNvPr>
-          <p:cNvSpPr/>
+          <p:cNvSpPr txBox="1"/>
           <p:nvPr/>
         </p:nvSpPr>
         <p:spPr>
           <a:xfrm>
-            <a:off x="7009485" y="346922"/>
-            <a:ext cx="6285657" cy="11498142"/>
-          </a:xfrm>
-          <a:custGeom>
+            <a:off x="2534139" y="1671734"/>
+            <a:ext cx="3733893" cy="630942"/>
+          </a:xfrm>
+          <a:prstGeom prst="rect">
             <a:avLst/>
-            <a:gdLst>
-              <a:gd name="connsiteX0" fmla="*/ 728167 w 3535680"/>
-              <a:gd name="connsiteY0" fmla="*/ 255023 h 6467707"/>
-              <a:gd name="connsiteX1" fmla="*/ 210073 w 3535680"/>
-              <a:gd name="connsiteY1" fmla="*/ 773117 h 6467707"/>
-              <a:gd name="connsiteX2" fmla="*/ 210073 w 3535680"/>
-              <a:gd name="connsiteY2" fmla="*/ 5406208 h 6467707"/>
-              <a:gd name="connsiteX3" fmla="*/ 728167 w 3535680"/>
-              <a:gd name="connsiteY3" fmla="*/ 5924302 h 6467707"/>
-              <a:gd name="connsiteX4" fmla="*/ 2800478 w 3535680"/>
-              <a:gd name="connsiteY4" fmla="*/ 5924302 h 6467707"/>
-              <a:gd name="connsiteX5" fmla="*/ 3318572 w 3535680"/>
-              <a:gd name="connsiteY5" fmla="*/ 5406208 h 6467707"/>
-              <a:gd name="connsiteX6" fmla="*/ 3318572 w 3535680"/>
-              <a:gd name="connsiteY6" fmla="*/ 773117 h 6467707"/>
-              <a:gd name="connsiteX7" fmla="*/ 2800478 w 3535680"/>
-              <a:gd name="connsiteY7" fmla="*/ 255023 h 6467707"/>
-              <a:gd name="connsiteX8" fmla="*/ 589292 w 3535680"/>
-              <a:gd name="connsiteY8" fmla="*/ 0 h 6467707"/>
-              <a:gd name="connsiteX9" fmla="*/ 2946388 w 3535680"/>
-              <a:gd name="connsiteY9" fmla="*/ 0 h 6467707"/>
-              <a:gd name="connsiteX10" fmla="*/ 3535680 w 3535680"/>
-              <a:gd name="connsiteY10" fmla="*/ 589292 h 6467707"/>
-              <a:gd name="connsiteX11" fmla="*/ 3535680 w 3535680"/>
-              <a:gd name="connsiteY11" fmla="*/ 5878415 h 6467707"/>
-              <a:gd name="connsiteX12" fmla="*/ 2946388 w 3535680"/>
-              <a:gd name="connsiteY12" fmla="*/ 6467707 h 6467707"/>
-              <a:gd name="connsiteX13" fmla="*/ 589292 w 3535680"/>
-              <a:gd name="connsiteY13" fmla="*/ 6467707 h 6467707"/>
-              <a:gd name="connsiteX14" fmla="*/ 0 w 3535680"/>
-              <a:gd name="connsiteY14" fmla="*/ 5878415 h 6467707"/>
-              <a:gd name="connsiteX15" fmla="*/ 0 w 3535680"/>
-              <a:gd name="connsiteY15" fmla="*/ 589292 h 6467707"/>
-              <a:gd name="connsiteX16" fmla="*/ 589292 w 3535680"/>
-              <a:gd name="connsiteY16" fmla="*/ 0 h 6467707"/>
-            </a:gdLst>
-            <a:ahLst/>
-            <a:cxnLst>
-              <a:cxn ang="0">
-                <a:pos x="connsiteX0" y="connsiteY0"/>
-              </a:cxn>
-              <a:cxn ang="0">
-                <a:pos x="connsiteX1" y="connsiteY1"/>
-              </a:cxn>
-              <a:cxn ang="0">
-                <a:pos x="connsiteX2" y="connsiteY2"/>
-              </a:cxn>
-              <a:cxn ang="0">
-                <a:pos x="connsiteX3" y="connsiteY3"/>
-              </a:cxn>
-              <a:cxn ang="0">
-                <a:pos x="connsiteX4" y="connsiteY4"/>
-              </a:cxn>
-              <a:cxn ang="0">
-                <a:pos x="connsiteX5" y="connsiteY5"/>
-              </a:cxn>
-              <a:cxn ang="0">
-                <a:pos x="connsiteX6" y="connsiteY6"/>
-              </a:cxn>
-              <a:cxn ang="0">
-                <a:pos x="connsiteX7" y="connsiteY7"/>
-              </a:cxn>
-              <a:cxn ang="0">
-                <a:pos x="connsiteX8" y="connsiteY8"/>
-              </a:cxn>
-              <a:cxn ang="0">
-                <a:pos x="connsiteX9" y="connsiteY9"/>
-              </a:cxn>
-              <a:cxn ang="0">
-                <a:pos x="connsiteX10" y="connsiteY10"/>
-              </a:cxn>
-              <a:cxn ang="0">
-                <a:pos x="connsiteX11" y="connsiteY11"/>
-              </a:cxn>
-              <a:cxn ang="0">
-                <a:pos x="connsiteX12" y="connsiteY12"/>
-              </a:cxn>
-              <a:cxn ang="0">
-                <a:pos x="connsiteX13" y="connsiteY13"/>
-              </a:cxn>
-              <a:cxn ang="0">
-                <a:pos x="connsiteX14" y="connsiteY14"/>
-              </a:cxn>
-              <a:cxn ang="0">
-                <a:pos x="connsiteX15" y="connsiteY15"/>
-              </a:cxn>
-              <a:cxn ang="0">
-                <a:pos x="connsiteX16" y="connsiteY16"/>
-              </a:cxn>
-            </a:cxnLst>
-            <a:rect l="l" t="t" r="r" b="b"/>
-            <a:pathLst>
-              <a:path w="3535680" h="6467707">
-                <a:moveTo>
-                  <a:pt x="728167" y="255023"/>
-                </a:moveTo>
-                <a:cubicBezTo>
-                  <a:pt x="442032" y="255023"/>
-                  <a:pt x="210073" y="486982"/>
-                  <a:pt x="210073" y="773117"/>
-                </a:cubicBezTo>
-                <a:lnTo>
-                  <a:pt x="210073" y="5406208"/>
-                </a:lnTo>
-                <a:cubicBezTo>
-                  <a:pt x="210073" y="5692343"/>
-                  <a:pt x="442032" y="5924302"/>
-                  <a:pt x="728167" y="5924302"/>
-                </a:cubicBezTo>
-                <a:lnTo>
-                  <a:pt x="2800478" y="5924302"/>
-                </a:lnTo>
-                <a:cubicBezTo>
-                  <a:pt x="3086613" y="5924302"/>
-                  <a:pt x="3318572" y="5692343"/>
-                  <a:pt x="3318572" y="5406208"/>
-                </a:cubicBezTo>
-                <a:lnTo>
-                  <a:pt x="3318572" y="773117"/>
-                </a:lnTo>
-                <a:cubicBezTo>
-                  <a:pt x="3318572" y="486982"/>
-                  <a:pt x="3086613" y="255023"/>
-                  <a:pt x="2800478" y="255023"/>
-                </a:cubicBezTo>
-                <a:close/>
-                <a:moveTo>
-                  <a:pt x="589292" y="0"/>
-                </a:moveTo>
-                <a:lnTo>
-                  <a:pt x="2946388" y="0"/>
-                </a:lnTo>
-                <a:cubicBezTo>
-                  <a:pt x="3271845" y="0"/>
-                  <a:pt x="3535680" y="263835"/>
-                  <a:pt x="3535680" y="589292"/>
-                </a:cubicBezTo>
-                <a:lnTo>
-                  <a:pt x="3535680" y="5878415"/>
-                </a:lnTo>
-                <a:cubicBezTo>
-                  <a:pt x="3535680" y="6203872"/>
-                  <a:pt x="3271845" y="6467707"/>
-                  <a:pt x="2946388" y="6467707"/>
-                </a:cubicBezTo>
-                <a:lnTo>
-                  <a:pt x="589292" y="6467707"/>
-                </a:lnTo>
-                <a:cubicBezTo>
-                  <a:pt x="263835" y="6467707"/>
-                  <a:pt x="0" y="6203872"/>
-                  <a:pt x="0" y="5878415"/>
-                </a:cubicBezTo>
-                <a:lnTo>
-                  <a:pt x="0" y="589292"/>
-                </a:lnTo>
-                <a:cubicBezTo>
-                  <a:pt x="0" y="263835"/>
-                  <a:pt x="263835" y="0"/>
-                  <a:pt x="589292" y="0"/>
-                </a:cubicBezTo>
-                <a:close/>
-              </a:path>
-            </a:pathLst>
-          </a:custGeom>
-          <a:solidFill>
-            <a:schemeClr val="bg1">
-              <a:lumMod val="85000"/>
-            </a:schemeClr>
-          </a:solidFill>
-          <a:ln w="76200">
+          </a:prstGeom>
+          <a:noFill/>
+        </p:spPr>
+        <p:txBody>
+          <a:bodyPr wrap="square" rtlCol="0">
+            <a:spAutoFit/>
+          </a:bodyPr>
+          <a:lstStyle/>
+          <a:p>
+            <a:pPr algn="ctr"/>
+            <a:r>
+              <a:rPr lang="en-PH" sz="3500" b="1" spc="533" dirty="0">
+                <a:latin typeface="Tahoma" panose="020B0604030504040204" pitchFamily="34" charset="0"/>
+                <a:ea typeface="Tahoma" panose="020B0604030504040204" pitchFamily="34" charset="0"/>
+                <a:cs typeface="Tahoma" panose="020B0604030504040204" pitchFamily="34" charset="0"/>
+              </a:rPr>
+              <a:t>Book now</a:t>
+            </a:r>
+          </a:p>
+        </p:txBody>
+      </p:sp>
+      <p:cxnSp>
+        <p:nvCxnSpPr>
+          <p:cNvPr id="69" name="Straight Connector 68">
+            <a:extLst>
+              <a:ext uri="{FF2B5EF4-FFF2-40B4-BE49-F238E27FC236}">
+                <a16:creationId xmlns:a16="http://schemas.microsoft.com/office/drawing/2014/main" id="{A551FFE1-F565-4638-8342-33E42A9833AE}"/>
+              </a:ext>
+            </a:extLst>
+          </p:cNvPr>
+          <p:cNvCxnSpPr/>
+          <p:nvPr/>
+        </p:nvCxnSpPr>
+        <p:spPr>
+          <a:xfrm>
+            <a:off x="990785" y="3071678"/>
+            <a:ext cx="4872761" cy="0"/>
+          </a:xfrm>
+          <a:prstGeom prst="line">
+            <a:avLst/>
+          </a:prstGeom>
+          <a:ln w="57150">
             <a:solidFill>
               <a:schemeClr val="tx1"/>
             </a:solidFill>
           </a:ln>
         </p:spPr>
         <p:style>
-          <a:lnRef idx="2">
-            <a:schemeClr val="accent1">
-              <a:shade val="50000"/>
-            </a:schemeClr>
+          <a:lnRef idx="1">
+            <a:schemeClr val="accent1"/>
           </a:lnRef>
-          <a:fillRef idx="1">
+          <a:fillRef idx="0">
             <a:schemeClr val="accent1"/>
           </a:fillRef>
           <a:effectRef idx="0">
             <a:schemeClr val="accent1"/>
           </a:effectRef>
           <a:fontRef idx="minor">
-            <a:schemeClr val="lt1"/>
+            <a:schemeClr val="tx1"/>
           </a:fontRef>
         </p:style>
-        <p:txBody>
-          <a:bodyPr rtlCol="0" anchor="ctr"/>
-          <a:lstStyle/>
-          <a:p>
-            <a:pPr algn="ctr"/>
-            <a:endParaRPr lang="en-PH" sz="1424"/>
-          </a:p>
-        </p:txBody>
-      </p:sp>
-      <p:sp>
-        <p:nvSpPr>
-          <p:cNvPr id="25" name="Isosceles Triangle 24">
+      </p:cxnSp>
+      <p:sp>
+        <p:nvSpPr>
+          <p:cNvPr id="70" name="TextBox 69">
             <a:extLst>
               <a:ext uri="{FF2B5EF4-FFF2-40B4-BE49-F238E27FC236}">
-                <a16:creationId xmlns:a16="http://schemas.microsoft.com/office/drawing/2014/main" id="{757B1D36-AD78-4A63-8BEA-CA805D204576}"/>
+                <a16:creationId xmlns:a16="http://schemas.microsoft.com/office/drawing/2014/main" id="{ABBF54C4-3FBD-4CF5-9397-6BE25930D469}"/>
+              </a:ext>
+            </a:extLst>
+          </p:cNvPr>
+          <p:cNvSpPr txBox="1"/>
+          <p:nvPr/>
+        </p:nvSpPr>
+        <p:spPr>
+          <a:xfrm>
+            <a:off x="828080" y="3360199"/>
+            <a:ext cx="3329758" cy="446276"/>
+          </a:xfrm>
+          <a:prstGeom prst="rect">
+            <a:avLst/>
+          </a:prstGeom>
+          <a:noFill/>
+        </p:spPr>
+        <p:txBody>
+          <a:bodyPr wrap="none" rtlCol="0">
+            <a:spAutoFit/>
+          </a:bodyPr>
+          <a:lstStyle/>
+          <a:p>
+            <a:r>
+              <a:rPr lang="en-PH" sz="2300" b="1" dirty="0">
+                <a:latin typeface="Tahoma" panose="020B0604030504040204" pitchFamily="34" charset="0"/>
+                <a:ea typeface="Tahoma" panose="020B0604030504040204" pitchFamily="34" charset="0"/>
+                <a:cs typeface="Tahoma" panose="020B0604030504040204" pitchFamily="34" charset="0"/>
+              </a:rPr>
+              <a:t>Your current location</a:t>
+            </a:r>
+          </a:p>
+        </p:txBody>
+      </p:sp>
+      <p:sp>
+        <p:nvSpPr>
+          <p:cNvPr id="71" name="Rectangle 70">
+            <a:extLst>
+              <a:ext uri="{FF2B5EF4-FFF2-40B4-BE49-F238E27FC236}">
+                <a16:creationId xmlns:a16="http://schemas.microsoft.com/office/drawing/2014/main" id="{970025E6-FB80-42C4-B0CC-E4C79C5964E9}"/>
               </a:ext>
             </a:extLst>
           </p:cNvPr>
@@ -14432,23 +14817,23 @@
           <p:nvPr/>
         </p:nvSpPr>
         <p:spPr>
-          <a:xfrm rot="16200000">
-            <a:off x="-4611706" y="10263128"/>
-            <a:ext cx="393593" cy="304329"/>
-          </a:xfrm>
-          <a:prstGeom prst="triangle">
+          <a:xfrm>
+            <a:off x="998657" y="3892420"/>
+            <a:ext cx="4152804" cy="524569"/>
+          </a:xfrm>
+          <a:prstGeom prst="rect">
             <a:avLst/>
           </a:prstGeom>
         </p:spPr>
         <p:style>
-          <a:lnRef idx="1">
-            <a:schemeClr val="accent3"/>
+          <a:lnRef idx="2">
+            <a:schemeClr val="dk1"/>
           </a:lnRef>
-          <a:fillRef idx="2">
-            <a:schemeClr val="accent3"/>
+          <a:fillRef idx="1">
+            <a:schemeClr val="lt1"/>
           </a:fillRef>
-          <a:effectRef idx="1">
-            <a:schemeClr val="accent3"/>
+          <a:effectRef idx="0">
+            <a:schemeClr val="dk1"/>
           </a:effectRef>
           <a:fontRef idx="minor">
             <a:schemeClr val="dk1"/>
@@ -14458,17 +14843,115 @@
           <a:bodyPr rtlCol="0" anchor="ctr"/>
           <a:lstStyle/>
           <a:p>
-            <a:pPr algn="ctr"/>
-            <a:endParaRPr lang="en-PH" sz="1424"/>
-          </a:p>
-        </p:txBody>
-      </p:sp>
-      <p:sp>
-        <p:nvSpPr>
-          <p:cNvPr id="26" name="Rectangle 25">
+            <a:pPr algn="just"/>
+            <a:r>
+              <a:rPr lang="en-PH" sz="2300" dirty="0">
+                <a:solidFill>
+                  <a:schemeClr val="bg1">
+                    <a:lumMod val="65000"/>
+                  </a:schemeClr>
+                </a:solidFill>
+                <a:latin typeface="Tahoma" panose="020B0604030504040204" pitchFamily="34" charset="0"/>
+                <a:ea typeface="Tahoma" panose="020B0604030504040204" pitchFamily="34" charset="0"/>
+                <a:cs typeface="Tahoma" panose="020B0604030504040204" pitchFamily="34" charset="0"/>
+              </a:rPr>
+              <a:t>auto-generated station</a:t>
+            </a:r>
+          </a:p>
+        </p:txBody>
+      </p:sp>
+      <p:pic>
+        <p:nvPicPr>
+          <p:cNvPr id="3074" name="Picture 2" descr="Image result for position pointer png">
             <a:extLst>
               <a:ext uri="{FF2B5EF4-FFF2-40B4-BE49-F238E27FC236}">
-                <a16:creationId xmlns:a16="http://schemas.microsoft.com/office/drawing/2014/main" id="{A584CA95-3DFE-4B54-9406-1A183F868DA4}"/>
+                <a16:creationId xmlns:a16="http://schemas.microsoft.com/office/drawing/2014/main" id="{F50C76AA-392F-4F0E-A4FA-F19A86744B3A}"/>
+              </a:ext>
+            </a:extLst>
+          </p:cNvPr>
+          <p:cNvPicPr>
+            <a:picLocks noChangeAspect="1" noChangeArrowheads="1"/>
+          </p:cNvPicPr>
+          <p:nvPr/>
+        </p:nvPicPr>
+        <p:blipFill>
+          <a:blip r:embed="rId2">
+            <a:duotone>
+              <a:prstClr val="black"/>
+              <a:srgbClr val="FF0000">
+                <a:tint val="45000"/>
+                <a:satMod val="400000"/>
+              </a:srgbClr>
+            </a:duotone>
+            <a:extLst>
+              <a:ext uri="{28A0092B-C50C-407E-A947-70E740481C1C}">
+                <a14:useLocalDpi xmlns:a14="http://schemas.microsoft.com/office/drawing/2010/main" val="0"/>
+              </a:ext>
+            </a:extLst>
+          </a:blip>
+          <a:srcRect/>
+          <a:stretch>
+            <a:fillRect/>
+          </a:stretch>
+        </p:blipFill>
+        <p:spPr bwMode="auto">
+          <a:xfrm>
+            <a:off x="5287525" y="3776985"/>
+            <a:ext cx="415111" cy="640004"/>
+          </a:xfrm>
+          <a:prstGeom prst="rect">
+            <a:avLst/>
+          </a:prstGeom>
+          <a:solidFill>
+            <a:schemeClr val="bg1"/>
+          </a:solidFill>
+        </p:spPr>
+      </p:pic>
+      <p:sp>
+        <p:nvSpPr>
+          <p:cNvPr id="72" name="TextBox 71">
+            <a:extLst>
+              <a:ext uri="{FF2B5EF4-FFF2-40B4-BE49-F238E27FC236}">
+                <a16:creationId xmlns:a16="http://schemas.microsoft.com/office/drawing/2014/main" id="{260BA007-7438-497C-81E8-7BF1FE23E3AA}"/>
+              </a:ext>
+            </a:extLst>
+          </p:cNvPr>
+          <p:cNvSpPr txBox="1"/>
+          <p:nvPr/>
+        </p:nvSpPr>
+        <p:spPr>
+          <a:xfrm>
+            <a:off x="827942" y="4632752"/>
+            <a:ext cx="3605474" cy="446276"/>
+          </a:xfrm>
+          <a:prstGeom prst="rect">
+            <a:avLst/>
+          </a:prstGeom>
+          <a:noFill/>
+        </p:spPr>
+        <p:txBody>
+          <a:bodyPr wrap="none" rtlCol="0">
+            <a:spAutoFit/>
+          </a:bodyPr>
+          <a:lstStyle/>
+          <a:p>
+            <a:r>
+              <a:rPr lang="en-PH" sz="2300" b="1" dirty="0">
+                <a:latin typeface="Tahoma" panose="020B0604030504040204" pitchFamily="34" charset="0"/>
+                <a:ea typeface="Tahoma" panose="020B0604030504040204" pitchFamily="34" charset="0"/>
+                <a:cs typeface="Tahoma" panose="020B0604030504040204" pitchFamily="34" charset="0"/>
+              </a:rPr>
+              <a:t>Select your destination</a:t>
+            </a:r>
+          </a:p>
+        </p:txBody>
+      </p:sp>
+      <p:sp>
+        <p:nvSpPr>
+          <p:cNvPr id="73" name="Rectangle 72">
+            <a:extLst>
+              <a:ext uri="{FF2B5EF4-FFF2-40B4-BE49-F238E27FC236}">
+                <a16:creationId xmlns:a16="http://schemas.microsoft.com/office/drawing/2014/main" id="{499C575D-E593-403D-B725-15DFA34A793D}"/>
               </a:ext>
             </a:extLst>
           </p:cNvPr>
@@ -14477,22 +14960,22 @@
         </p:nvSpPr>
         <p:spPr>
           <a:xfrm>
-            <a:off x="-2476685" y="10218487"/>
-            <a:ext cx="393593" cy="393593"/>
+            <a:off x="990788" y="5169086"/>
+            <a:ext cx="4651716" cy="481419"/>
           </a:xfrm>
           <a:prstGeom prst="rect">
             <a:avLst/>
           </a:prstGeom>
         </p:spPr>
         <p:style>
-          <a:lnRef idx="1">
-            <a:schemeClr val="accent3"/>
+          <a:lnRef idx="2">
+            <a:schemeClr val="dk1"/>
           </a:lnRef>
-          <a:fillRef idx="2">
-            <a:schemeClr val="accent3"/>
+          <a:fillRef idx="1">
+            <a:schemeClr val="lt1"/>
           </a:fillRef>
-          <a:effectRef idx="1">
-            <a:schemeClr val="accent3"/>
+          <a:effectRef idx="0">
+            <a:schemeClr val="dk1"/>
           </a:effectRef>
           <a:fontRef idx="minor">
             <a:schemeClr val="dk1"/>
@@ -14502,17 +14985,29 @@
           <a:bodyPr rtlCol="0" anchor="ctr"/>
           <a:lstStyle/>
           <a:p>
-            <a:pPr algn="ctr"/>
-            <a:endParaRPr lang="en-PH" sz="1424"/>
-          </a:p>
-        </p:txBody>
-      </p:sp>
-      <p:sp>
-        <p:nvSpPr>
-          <p:cNvPr id="27" name="Oval 26">
+            <a:pPr algn="just"/>
+            <a:r>
+              <a:rPr lang="en-PH" sz="2300" dirty="0">
+                <a:solidFill>
+                  <a:schemeClr val="bg1">
+                    <a:lumMod val="65000"/>
+                  </a:schemeClr>
+                </a:solidFill>
+                <a:latin typeface="Tahoma" panose="020B0604030504040204" pitchFamily="34" charset="0"/>
+                <a:ea typeface="Tahoma" panose="020B0604030504040204" pitchFamily="34" charset="0"/>
+                <a:cs typeface="Tahoma" panose="020B0604030504040204" pitchFamily="34" charset="0"/>
+              </a:rPr>
+              <a:t>select</a:t>
+            </a:r>
+          </a:p>
+        </p:txBody>
+      </p:sp>
+      <p:sp>
+        <p:nvSpPr>
+          <p:cNvPr id="6" name="Isosceles Triangle 5">
             <a:extLst>
               <a:ext uri="{FF2B5EF4-FFF2-40B4-BE49-F238E27FC236}">
-                <a16:creationId xmlns:a16="http://schemas.microsoft.com/office/drawing/2014/main" id="{484B5D10-648C-44C4-8F36-3758927BEF48}"/>
+                <a16:creationId xmlns:a16="http://schemas.microsoft.com/office/drawing/2014/main" id="{A6EA4F47-C70D-4DB4-A8C5-BA7CB7C26A86}"/>
               </a:ext>
             </a:extLst>
           </p:cNvPr>
@@ -14520,23 +15015,111 @@
           <p:nvPr/>
         </p:nvSpPr>
         <p:spPr>
-          <a:xfrm>
-            <a:off x="-3566515" y="10237844"/>
-            <a:ext cx="393593" cy="393593"/>
-          </a:xfrm>
-          <a:prstGeom prst="ellipse">
+          <a:xfrm flipV="1">
+            <a:off x="5151457" y="5237729"/>
+            <a:ext cx="393593" cy="339305"/>
+          </a:xfrm>
+          <a:prstGeom prst="triangle">
             <a:avLst/>
           </a:prstGeom>
         </p:spPr>
         <p:style>
-          <a:lnRef idx="1">
-            <a:schemeClr val="accent3"/>
+          <a:lnRef idx="0">
+            <a:schemeClr val="dk1"/>
           </a:lnRef>
-          <a:fillRef idx="2">
-            <a:schemeClr val="accent3"/>
+          <a:fillRef idx="3">
+            <a:schemeClr val="dk1"/>
           </a:fillRef>
-          <a:effectRef idx="1">
-            <a:schemeClr val="accent3"/>
+          <a:effectRef idx="3">
+            <a:schemeClr val="dk1"/>
+          </a:effectRef>
+          <a:fontRef idx="minor">
+            <a:schemeClr val="lt1"/>
+          </a:fontRef>
+        </p:style>
+        <p:txBody>
+          <a:bodyPr rtlCol="0" anchor="ctr"/>
+          <a:lstStyle/>
+          <a:p>
+            <a:pPr algn="ctr"/>
+            <a:endParaRPr lang="en-PH" sz="1424">
+              <a:latin typeface="Tahoma" panose="020B0604030504040204" pitchFamily="34" charset="0"/>
+              <a:ea typeface="Tahoma" panose="020B0604030504040204" pitchFamily="34" charset="0"/>
+              <a:cs typeface="Tahoma" panose="020B0604030504040204" pitchFamily="34" charset="0"/>
+            </a:endParaRPr>
+          </a:p>
+        </p:txBody>
+      </p:sp>
+      <p:sp>
+        <p:nvSpPr>
+          <p:cNvPr id="74" name="TextBox 73">
+            <a:extLst>
+              <a:ext uri="{FF2B5EF4-FFF2-40B4-BE49-F238E27FC236}">
+                <a16:creationId xmlns:a16="http://schemas.microsoft.com/office/drawing/2014/main" id="{CF5795A9-C392-4A8F-9753-75891E81AE65}"/>
+              </a:ext>
+            </a:extLst>
+          </p:cNvPr>
+          <p:cNvSpPr txBox="1"/>
+          <p:nvPr/>
+        </p:nvSpPr>
+        <p:spPr>
+          <a:xfrm>
+            <a:off x="827942" y="5769228"/>
+            <a:ext cx="1824538" cy="446276"/>
+          </a:xfrm>
+          <a:prstGeom prst="rect">
+            <a:avLst/>
+          </a:prstGeom>
+          <a:noFill/>
+        </p:spPr>
+        <p:txBody>
+          <a:bodyPr wrap="none" rtlCol="0">
+            <a:spAutoFit/>
+          </a:bodyPr>
+          <a:lstStyle/>
+          <a:p>
+            <a:r>
+              <a:rPr lang="en-PH" sz="2300" b="1" dirty="0">
+                <a:latin typeface="Tahoma" panose="020B0604030504040204" pitchFamily="34" charset="0"/>
+                <a:ea typeface="Tahoma" panose="020B0604030504040204" pitchFamily="34" charset="0"/>
+                <a:cs typeface="Tahoma" panose="020B0604030504040204" pitchFamily="34" charset="0"/>
+              </a:rPr>
+              <a:t>Ticket type</a:t>
+            </a:r>
+          </a:p>
+        </p:txBody>
+      </p:sp>
+      <p:sp>
+        <p:nvSpPr>
+          <p:cNvPr id="7" name="Rectangle: Rounded Corners 6">
+            <a:extLst>
+              <a:ext uri="{FF2B5EF4-FFF2-40B4-BE49-F238E27FC236}">
+                <a16:creationId xmlns:a16="http://schemas.microsoft.com/office/drawing/2014/main" id="{48AA7A8B-06D0-4042-9998-02653629CE0E}"/>
+              </a:ext>
+            </a:extLst>
+          </p:cNvPr>
+          <p:cNvSpPr/>
+          <p:nvPr/>
+        </p:nvSpPr>
+        <p:spPr>
+          <a:xfrm>
+            <a:off x="1069819" y="6343067"/>
+            <a:ext cx="391550" cy="391550"/>
+          </a:xfrm>
+          <a:prstGeom prst="roundRect">
+            <a:avLst/>
+          </a:prstGeom>
+          <a:ln w="38100"/>
+        </p:spPr>
+        <p:style>
+          <a:lnRef idx="2">
+            <a:schemeClr val="dk1"/>
+          </a:lnRef>
+          <a:fillRef idx="1">
+            <a:schemeClr val="lt1"/>
+          </a:fillRef>
+          <a:effectRef idx="0">
+            <a:schemeClr val="dk1"/>
           </a:effectRef>
           <a:fontRef idx="minor">
             <a:schemeClr val="dk1"/>
@@ -14547,16 +15130,284 @@
           <a:lstStyle/>
           <a:p>
             <a:pPr algn="ctr"/>
-            <a:endParaRPr lang="en-PH" sz="1424"/>
+            <a:endParaRPr lang="en-PH" sz="1424">
+              <a:latin typeface="Tahoma" panose="020B0604030504040204" pitchFamily="34" charset="0"/>
+              <a:ea typeface="Tahoma" panose="020B0604030504040204" pitchFamily="34" charset="0"/>
+              <a:cs typeface="Tahoma" panose="020B0604030504040204" pitchFamily="34" charset="0"/>
+            </a:endParaRPr>
+          </a:p>
+        </p:txBody>
+      </p:sp>
+      <p:sp>
+        <p:nvSpPr>
+          <p:cNvPr id="75" name="TextBox 74">
+            <a:extLst>
+              <a:ext uri="{FF2B5EF4-FFF2-40B4-BE49-F238E27FC236}">
+                <a16:creationId xmlns:a16="http://schemas.microsoft.com/office/drawing/2014/main" id="{1F26678D-8808-4501-BA93-6A3E308C6CA7}"/>
+              </a:ext>
+            </a:extLst>
+          </p:cNvPr>
+          <p:cNvSpPr txBox="1"/>
+          <p:nvPr/>
+        </p:nvSpPr>
+        <p:spPr>
+          <a:xfrm>
+            <a:off x="1475839" y="6314523"/>
+            <a:ext cx="633507" cy="446276"/>
+          </a:xfrm>
+          <a:prstGeom prst="rect">
+            <a:avLst/>
+          </a:prstGeom>
+          <a:noFill/>
+        </p:spPr>
+        <p:txBody>
+          <a:bodyPr wrap="none" rtlCol="0">
+            <a:spAutoFit/>
+          </a:bodyPr>
+          <a:lstStyle/>
+          <a:p>
+            <a:r>
+              <a:rPr lang="en-PH" sz="2300" dirty="0">
+                <a:latin typeface="Tahoma" panose="020B0604030504040204" pitchFamily="34" charset="0"/>
+                <a:ea typeface="Tahoma" panose="020B0604030504040204" pitchFamily="34" charset="0"/>
+                <a:cs typeface="Tahoma" panose="020B0604030504040204" pitchFamily="34" charset="0"/>
+              </a:rPr>
+              <a:t>VIP</a:t>
+            </a:r>
+          </a:p>
+        </p:txBody>
+      </p:sp>
+      <p:sp>
+        <p:nvSpPr>
+          <p:cNvPr id="76" name="Rectangle: Rounded Corners 75">
+            <a:extLst>
+              <a:ext uri="{FF2B5EF4-FFF2-40B4-BE49-F238E27FC236}">
+                <a16:creationId xmlns:a16="http://schemas.microsoft.com/office/drawing/2014/main" id="{A7AF3D28-1A04-4EEA-BBD3-3FEEA6736C0B}"/>
+              </a:ext>
+            </a:extLst>
+          </p:cNvPr>
+          <p:cNvSpPr/>
+          <p:nvPr/>
+        </p:nvSpPr>
+        <p:spPr>
+          <a:xfrm>
+            <a:off x="2615978" y="6340705"/>
+            <a:ext cx="391550" cy="391550"/>
+          </a:xfrm>
+          <a:prstGeom prst="roundRect">
+            <a:avLst/>
+          </a:prstGeom>
+          <a:ln w="38100"/>
+        </p:spPr>
+        <p:style>
+          <a:lnRef idx="2">
+            <a:schemeClr val="dk1"/>
+          </a:lnRef>
+          <a:fillRef idx="1">
+            <a:schemeClr val="lt1"/>
+          </a:fillRef>
+          <a:effectRef idx="0">
+            <a:schemeClr val="dk1"/>
+          </a:effectRef>
+          <a:fontRef idx="minor">
+            <a:schemeClr val="dk1"/>
+          </a:fontRef>
+        </p:style>
+        <p:txBody>
+          <a:bodyPr rtlCol="0" anchor="ctr"/>
+          <a:lstStyle/>
+          <a:p>
+            <a:pPr algn="ctr"/>
+            <a:endParaRPr lang="en-PH" sz="1424">
+              <a:latin typeface="Tahoma" panose="020B0604030504040204" pitchFamily="34" charset="0"/>
+              <a:ea typeface="Tahoma" panose="020B0604030504040204" pitchFamily="34" charset="0"/>
+              <a:cs typeface="Tahoma" panose="020B0604030504040204" pitchFamily="34" charset="0"/>
+            </a:endParaRPr>
+          </a:p>
+        </p:txBody>
+      </p:sp>
+      <p:sp>
+        <p:nvSpPr>
+          <p:cNvPr id="77" name="TextBox 76">
+            <a:extLst>
+              <a:ext uri="{FF2B5EF4-FFF2-40B4-BE49-F238E27FC236}">
+                <a16:creationId xmlns:a16="http://schemas.microsoft.com/office/drawing/2014/main" id="{884683BC-E2B2-4DF0-8ABD-88477370A18E}"/>
+              </a:ext>
+            </a:extLst>
+          </p:cNvPr>
+          <p:cNvSpPr txBox="1"/>
+          <p:nvPr/>
+        </p:nvSpPr>
+        <p:spPr>
+          <a:xfrm>
+            <a:off x="2996440" y="6308958"/>
+            <a:ext cx="1424301" cy="446276"/>
+          </a:xfrm>
+          <a:prstGeom prst="rect">
+            <a:avLst/>
+          </a:prstGeom>
+          <a:noFill/>
+        </p:spPr>
+        <p:txBody>
+          <a:bodyPr wrap="none" rtlCol="0">
+            <a:spAutoFit/>
+          </a:bodyPr>
+          <a:lstStyle/>
+          <a:p>
+            <a:r>
+              <a:rPr lang="en-PH" sz="2300" dirty="0">
+                <a:latin typeface="Tahoma" panose="020B0604030504040204" pitchFamily="34" charset="0"/>
+                <a:ea typeface="Tahoma" panose="020B0604030504040204" pitchFamily="34" charset="0"/>
+                <a:cs typeface="Tahoma" panose="020B0604030504040204" pitchFamily="34" charset="0"/>
+              </a:rPr>
+              <a:t>REGULAR</a:t>
+            </a:r>
+          </a:p>
+        </p:txBody>
+      </p:sp>
+      <p:sp>
+        <p:nvSpPr>
+          <p:cNvPr id="78" name="TextBox 77">
+            <a:extLst>
+              <a:ext uri="{FF2B5EF4-FFF2-40B4-BE49-F238E27FC236}">
+                <a16:creationId xmlns:a16="http://schemas.microsoft.com/office/drawing/2014/main" id="{06384047-39C8-46F0-8E40-DC1F19DE2D7E}"/>
+              </a:ext>
+            </a:extLst>
+          </p:cNvPr>
+          <p:cNvSpPr txBox="1"/>
+          <p:nvPr/>
+        </p:nvSpPr>
+        <p:spPr>
+          <a:xfrm>
+            <a:off x="827942" y="6850736"/>
+            <a:ext cx="2295821" cy="446276"/>
+          </a:xfrm>
+          <a:prstGeom prst="rect">
+            <a:avLst/>
+          </a:prstGeom>
+          <a:noFill/>
+        </p:spPr>
+        <p:txBody>
+          <a:bodyPr wrap="none" rtlCol="0">
+            <a:spAutoFit/>
+          </a:bodyPr>
+          <a:lstStyle/>
+          <a:p>
+            <a:r>
+              <a:rPr lang="en-PH" sz="2300" b="1" dirty="0">
+                <a:latin typeface="Tahoma" panose="020B0604030504040204" pitchFamily="34" charset="0"/>
+                <a:ea typeface="Tahoma" panose="020B0604030504040204" pitchFamily="34" charset="0"/>
+                <a:cs typeface="Tahoma" panose="020B0604030504040204" pitchFamily="34" charset="0"/>
+              </a:rPr>
+              <a:t>Total Amount:</a:t>
+            </a:r>
+          </a:p>
+        </p:txBody>
+      </p:sp>
+      <p:sp>
+        <p:nvSpPr>
+          <p:cNvPr id="79" name="TextBox 78">
+            <a:extLst>
+              <a:ext uri="{FF2B5EF4-FFF2-40B4-BE49-F238E27FC236}">
+                <a16:creationId xmlns:a16="http://schemas.microsoft.com/office/drawing/2014/main" id="{3D43EE38-A611-4D07-B3CF-B868B359E748}"/>
+              </a:ext>
+            </a:extLst>
+          </p:cNvPr>
+          <p:cNvSpPr txBox="1"/>
+          <p:nvPr/>
+        </p:nvSpPr>
+        <p:spPr>
+          <a:xfrm>
+            <a:off x="3123421" y="6843012"/>
+            <a:ext cx="1586332" cy="446276"/>
+          </a:xfrm>
+          <a:prstGeom prst="rect">
+            <a:avLst/>
+          </a:prstGeom>
+          <a:noFill/>
+        </p:spPr>
+        <p:txBody>
+          <a:bodyPr wrap="none" rtlCol="0">
+            <a:spAutoFit/>
+          </a:bodyPr>
+          <a:lstStyle/>
+          <a:p>
+            <a:r>
+              <a:rPr lang="en-PH" sz="2300" dirty="0">
+                <a:latin typeface="Tahoma" panose="020B0604030504040204" pitchFamily="34" charset="0"/>
+                <a:ea typeface="Tahoma" panose="020B0604030504040204" pitchFamily="34" charset="0"/>
+                <a:cs typeface="Tahoma" panose="020B0604030504040204" pitchFamily="34" charset="0"/>
+              </a:rPr>
+              <a:t>Php. 00.00</a:t>
+            </a:r>
+          </a:p>
+        </p:txBody>
+      </p:sp>
+      <p:sp>
+        <p:nvSpPr>
+          <p:cNvPr id="80" name="Rectangle: Rounded Corners 79">
+            <a:hlinkClick r:id="rId3" action="ppaction://hlinksldjump" highlightClick="1"/>
+            <a:extLst>
+              <a:ext uri="{FF2B5EF4-FFF2-40B4-BE49-F238E27FC236}">
+                <a16:creationId xmlns:a16="http://schemas.microsoft.com/office/drawing/2014/main" id="{CF78E550-00BB-47C5-B28F-1BA766963395}"/>
+              </a:ext>
+            </a:extLst>
+          </p:cNvPr>
+          <p:cNvSpPr/>
+          <p:nvPr/>
+        </p:nvSpPr>
+        <p:spPr>
+          <a:xfrm>
+            <a:off x="2154594" y="7962710"/>
+            <a:ext cx="2324108" cy="604268"/>
+          </a:xfrm>
+          <a:prstGeom prst="roundRect">
+            <a:avLst>
+              <a:gd name="adj" fmla="val 50000"/>
+            </a:avLst>
+          </a:prstGeom>
+          <a:ln>
+            <a:solidFill>
+              <a:schemeClr val="tx1"/>
+            </a:solidFill>
+          </a:ln>
+        </p:spPr>
+        <p:style>
+          <a:lnRef idx="1">
+            <a:schemeClr val="accent4"/>
+          </a:lnRef>
+          <a:fillRef idx="2">
+            <a:schemeClr val="accent4"/>
+          </a:fillRef>
+          <a:effectRef idx="1">
+            <a:schemeClr val="accent4"/>
+          </a:effectRef>
+          <a:fontRef idx="minor">
+            <a:schemeClr val="dk1"/>
+          </a:fontRef>
+        </p:style>
+        <p:txBody>
+          <a:bodyPr rtlCol="0" anchor="ctr"/>
+          <a:lstStyle/>
+          <a:p>
+            <a:pPr algn="ctr"/>
+            <a:r>
+              <a:rPr lang="en-PH" sz="2500" dirty="0">
+                <a:latin typeface="Tahoma" panose="020B0604030504040204" pitchFamily="34" charset="0"/>
+                <a:ea typeface="Tahoma" panose="020B0604030504040204" pitchFamily="34" charset="0"/>
+                <a:cs typeface="Tahoma" panose="020B0604030504040204" pitchFamily="34" charset="0"/>
+              </a:rPr>
+              <a:t>Next</a:t>
+            </a:r>
           </a:p>
         </p:txBody>
       </p:sp>
       <p:pic>
         <p:nvPicPr>
-          <p:cNvPr id="29" name="Picture 28" descr="Related image">
+          <p:cNvPr id="62" name="Picture 61" descr="Related image">
             <a:extLst>
               <a:ext uri="{FF2B5EF4-FFF2-40B4-BE49-F238E27FC236}">
-                <a16:creationId xmlns:a16="http://schemas.microsoft.com/office/drawing/2014/main" id="{FB5D33F4-8D95-4B49-9759-606C7CC8D287}"/>
+                <a16:creationId xmlns:a16="http://schemas.microsoft.com/office/drawing/2014/main" id="{6E7D9CED-E658-431F-B23A-0713F215DF59}"/>
               </a:ext>
             </a:extLst>
           </p:cNvPr>
@@ -14577,3879 +15428,7 @@
             <a:extLst>
               <a:ext uri="{BEBA8EAE-BF5A-486C-A8C5-ECC9F3942E4B}">
                 <a14:imgProps xmlns:a14="http://schemas.microsoft.com/office/drawing/2010/main">
-                  <a14:imgLayer r:embed="rId3">
-                    <a14:imgEffect>
-                      <a14:colorTemperature colorTemp="4700"/>
-                    </a14:imgEffect>
-                  </a14:imgLayer>
-                </a14:imgProps>
-              </a:ext>
-              <a:ext uri="{28A0092B-C50C-407E-A947-70E740481C1C}">
-                <a14:useLocalDpi xmlns:a14="http://schemas.microsoft.com/office/drawing/2010/main" val="0"/>
-              </a:ext>
-            </a:extLst>
-          </a:blip>
-          <a:srcRect l="2953" t="2566" r="1414" b="8632"/>
-          <a:stretch/>
-        </p:blipFill>
-        <p:spPr bwMode="auto">
-          <a:xfrm>
-            <a:off x="2149000" y="1560562"/>
-            <a:ext cx="2560000" cy="2560000"/>
-          </a:xfrm>
-          <a:custGeom>
-            <a:avLst/>
-            <a:gdLst>
-              <a:gd name="connsiteX0" fmla="*/ 1190478 w 2380956"/>
-              <a:gd name="connsiteY0" fmla="*/ 0 h 2380956"/>
-              <a:gd name="connsiteX1" fmla="*/ 1856086 w 2380956"/>
-              <a:gd name="connsiteY1" fmla="*/ 203315 h 2380956"/>
-              <a:gd name="connsiteX2" fmla="*/ 1927973 w 2380956"/>
-              <a:gd name="connsiteY2" fmla="*/ 257071 h 2380956"/>
-              <a:gd name="connsiteX3" fmla="*/ 2187526 w 2380956"/>
-              <a:gd name="connsiteY3" fmla="*/ 257071 h 2380956"/>
-              <a:gd name="connsiteX4" fmla="*/ 2187526 w 2380956"/>
-              <a:gd name="connsiteY4" fmla="*/ 541142 h 2380956"/>
-              <a:gd name="connsiteX5" fmla="*/ 2237272 w 2380956"/>
-              <a:gd name="connsiteY5" fmla="*/ 623026 h 2380956"/>
-              <a:gd name="connsiteX6" fmla="*/ 2380956 w 2380956"/>
-              <a:gd name="connsiteY6" fmla="*/ 1190478 h 2380956"/>
-              <a:gd name="connsiteX7" fmla="*/ 2237272 w 2380956"/>
-              <a:gd name="connsiteY7" fmla="*/ 1757931 h 2380956"/>
-              <a:gd name="connsiteX8" fmla="*/ 2187526 w 2380956"/>
-              <a:gd name="connsiteY8" fmla="*/ 1839815 h 2380956"/>
-              <a:gd name="connsiteX9" fmla="*/ 2187526 w 2380956"/>
-              <a:gd name="connsiteY9" fmla="*/ 2123885 h 2380956"/>
-              <a:gd name="connsiteX10" fmla="*/ 1927973 w 2380956"/>
-              <a:gd name="connsiteY10" fmla="*/ 2123885 h 2380956"/>
-              <a:gd name="connsiteX11" fmla="*/ 1856086 w 2380956"/>
-              <a:gd name="connsiteY11" fmla="*/ 2177641 h 2380956"/>
-              <a:gd name="connsiteX12" fmla="*/ 1190478 w 2380956"/>
-              <a:gd name="connsiteY12" fmla="*/ 2380956 h 2380956"/>
-              <a:gd name="connsiteX13" fmla="*/ 524871 w 2380956"/>
-              <a:gd name="connsiteY13" fmla="*/ 2177641 h 2380956"/>
-              <a:gd name="connsiteX14" fmla="*/ 452984 w 2380956"/>
-              <a:gd name="connsiteY14" fmla="*/ 2123885 h 2380956"/>
-              <a:gd name="connsiteX15" fmla="*/ 193430 w 2380956"/>
-              <a:gd name="connsiteY15" fmla="*/ 2123885 h 2380956"/>
-              <a:gd name="connsiteX16" fmla="*/ 193430 w 2380956"/>
-              <a:gd name="connsiteY16" fmla="*/ 1839815 h 2380956"/>
-              <a:gd name="connsiteX17" fmla="*/ 143684 w 2380956"/>
-              <a:gd name="connsiteY17" fmla="*/ 1757931 h 2380956"/>
-              <a:gd name="connsiteX18" fmla="*/ 0 w 2380956"/>
-              <a:gd name="connsiteY18" fmla="*/ 1190478 h 2380956"/>
-              <a:gd name="connsiteX19" fmla="*/ 143684 w 2380956"/>
-              <a:gd name="connsiteY19" fmla="*/ 623026 h 2380956"/>
-              <a:gd name="connsiteX20" fmla="*/ 193430 w 2380956"/>
-              <a:gd name="connsiteY20" fmla="*/ 541142 h 2380956"/>
-              <a:gd name="connsiteX21" fmla="*/ 193430 w 2380956"/>
-              <a:gd name="connsiteY21" fmla="*/ 257071 h 2380956"/>
-              <a:gd name="connsiteX22" fmla="*/ 452984 w 2380956"/>
-              <a:gd name="connsiteY22" fmla="*/ 257071 h 2380956"/>
-              <a:gd name="connsiteX23" fmla="*/ 524871 w 2380956"/>
-              <a:gd name="connsiteY23" fmla="*/ 203315 h 2380956"/>
-              <a:gd name="connsiteX24" fmla="*/ 1190478 w 2380956"/>
-              <a:gd name="connsiteY24" fmla="*/ 0 h 2380956"/>
-            </a:gdLst>
-            <a:ahLst/>
-            <a:cxnLst>
-              <a:cxn ang="0">
-                <a:pos x="connsiteX0" y="connsiteY0"/>
-              </a:cxn>
-              <a:cxn ang="0">
-                <a:pos x="connsiteX1" y="connsiteY1"/>
-              </a:cxn>
-              <a:cxn ang="0">
-                <a:pos x="connsiteX2" y="connsiteY2"/>
-              </a:cxn>
-              <a:cxn ang="0">
-                <a:pos x="connsiteX3" y="connsiteY3"/>
-              </a:cxn>
-              <a:cxn ang="0">
-                <a:pos x="connsiteX4" y="connsiteY4"/>
-              </a:cxn>
-              <a:cxn ang="0">
-                <a:pos x="connsiteX5" y="connsiteY5"/>
-              </a:cxn>
-              <a:cxn ang="0">
-                <a:pos x="connsiteX6" y="connsiteY6"/>
-              </a:cxn>
-              <a:cxn ang="0">
-                <a:pos x="connsiteX7" y="connsiteY7"/>
-              </a:cxn>
-              <a:cxn ang="0">
-                <a:pos x="connsiteX8" y="connsiteY8"/>
-              </a:cxn>
-              <a:cxn ang="0">
-                <a:pos x="connsiteX9" y="connsiteY9"/>
-              </a:cxn>
-              <a:cxn ang="0">
-                <a:pos x="connsiteX10" y="connsiteY10"/>
-              </a:cxn>
-              <a:cxn ang="0">
-                <a:pos x="connsiteX11" y="connsiteY11"/>
-              </a:cxn>
-              <a:cxn ang="0">
-                <a:pos x="connsiteX12" y="connsiteY12"/>
-              </a:cxn>
-              <a:cxn ang="0">
-                <a:pos x="connsiteX13" y="connsiteY13"/>
-              </a:cxn>
-              <a:cxn ang="0">
-                <a:pos x="connsiteX14" y="connsiteY14"/>
-              </a:cxn>
-              <a:cxn ang="0">
-                <a:pos x="connsiteX15" y="connsiteY15"/>
-              </a:cxn>
-              <a:cxn ang="0">
-                <a:pos x="connsiteX16" y="connsiteY16"/>
-              </a:cxn>
-              <a:cxn ang="0">
-                <a:pos x="connsiteX17" y="connsiteY17"/>
-              </a:cxn>
-              <a:cxn ang="0">
-                <a:pos x="connsiteX18" y="connsiteY18"/>
-              </a:cxn>
-              <a:cxn ang="0">
-                <a:pos x="connsiteX19" y="connsiteY19"/>
-              </a:cxn>
-              <a:cxn ang="0">
-                <a:pos x="connsiteX20" y="connsiteY20"/>
-              </a:cxn>
-              <a:cxn ang="0">
-                <a:pos x="connsiteX21" y="connsiteY21"/>
-              </a:cxn>
-              <a:cxn ang="0">
-                <a:pos x="connsiteX22" y="connsiteY22"/>
-              </a:cxn>
-              <a:cxn ang="0">
-                <a:pos x="connsiteX23" y="connsiteY23"/>
-              </a:cxn>
-              <a:cxn ang="0">
-                <a:pos x="connsiteX24" y="connsiteY24"/>
-              </a:cxn>
-            </a:cxnLst>
-            <a:rect l="l" t="t" r="r" b="b"/>
-            <a:pathLst>
-              <a:path w="2380956" h="2380956">
-                <a:moveTo>
-                  <a:pt x="1190478" y="0"/>
-                </a:moveTo>
-                <a:cubicBezTo>
-                  <a:pt x="1437034" y="0"/>
-                  <a:pt x="1666084" y="74952"/>
-                  <a:pt x="1856086" y="203315"/>
-                </a:cubicBezTo>
-                <a:lnTo>
-                  <a:pt x="1927973" y="257071"/>
-                </a:lnTo>
-                <a:lnTo>
-                  <a:pt x="2187526" y="257071"/>
-                </a:lnTo>
-                <a:lnTo>
-                  <a:pt x="2187526" y="541142"/>
-                </a:lnTo>
-                <a:lnTo>
-                  <a:pt x="2237272" y="623026"/>
-                </a:lnTo>
-                <a:cubicBezTo>
-                  <a:pt x="2328906" y="791708"/>
-                  <a:pt x="2380956" y="985015"/>
-                  <a:pt x="2380956" y="1190478"/>
-                </a:cubicBezTo>
-                <a:cubicBezTo>
-                  <a:pt x="2380956" y="1395942"/>
-                  <a:pt x="2328906" y="1589248"/>
-                  <a:pt x="2237272" y="1757931"/>
-                </a:cubicBezTo>
-                <a:lnTo>
-                  <a:pt x="2187526" y="1839815"/>
-                </a:lnTo>
-                <a:lnTo>
-                  <a:pt x="2187526" y="2123885"/>
-                </a:lnTo>
-                <a:lnTo>
-                  <a:pt x="1927973" y="2123885"/>
-                </a:lnTo>
-                <a:lnTo>
-                  <a:pt x="1856086" y="2177641"/>
-                </a:lnTo>
-                <a:cubicBezTo>
-                  <a:pt x="1666084" y="2306004"/>
-                  <a:pt x="1437034" y="2380956"/>
-                  <a:pt x="1190478" y="2380956"/>
-                </a:cubicBezTo>
-                <a:cubicBezTo>
-                  <a:pt x="943922" y="2380956"/>
-                  <a:pt x="714872" y="2306004"/>
-                  <a:pt x="524871" y="2177641"/>
-                </a:cubicBezTo>
-                <a:lnTo>
-                  <a:pt x="452984" y="2123885"/>
-                </a:lnTo>
-                <a:lnTo>
-                  <a:pt x="193430" y="2123885"/>
-                </a:lnTo>
-                <a:lnTo>
-                  <a:pt x="193430" y="1839815"/>
-                </a:lnTo>
-                <a:lnTo>
-                  <a:pt x="143684" y="1757931"/>
-                </a:lnTo>
-                <a:cubicBezTo>
-                  <a:pt x="52050" y="1589248"/>
-                  <a:pt x="0" y="1395942"/>
-                  <a:pt x="0" y="1190478"/>
-                </a:cubicBezTo>
-                <a:cubicBezTo>
-                  <a:pt x="0" y="985015"/>
-                  <a:pt x="52050" y="791708"/>
-                  <a:pt x="143684" y="623026"/>
-                </a:cubicBezTo>
-                <a:lnTo>
-                  <a:pt x="193430" y="541142"/>
-                </a:lnTo>
-                <a:lnTo>
-                  <a:pt x="193430" y="257071"/>
-                </a:lnTo>
-                <a:lnTo>
-                  <a:pt x="452984" y="257071"/>
-                </a:lnTo>
-                <a:lnTo>
-                  <a:pt x="524871" y="203315"/>
-                </a:lnTo>
-                <a:cubicBezTo>
-                  <a:pt x="714872" y="74952"/>
-                  <a:pt x="943922" y="0"/>
-                  <a:pt x="1190478" y="0"/>
-                </a:cubicBezTo>
-                <a:close/>
-              </a:path>
-            </a:pathLst>
-          </a:custGeom>
-          <a:solidFill>
-            <a:schemeClr val="bg1"/>
-          </a:solidFill>
-          <a:ln w="57150">
-            <a:solidFill>
-              <a:schemeClr val="tx1"/>
-            </a:solidFill>
-          </a:ln>
-        </p:spPr>
-      </p:pic>
-      <p:sp>
-        <p:nvSpPr>
-          <p:cNvPr id="28" name="Rectangle 27">
-            <a:extLst>
-              <a:ext uri="{FF2B5EF4-FFF2-40B4-BE49-F238E27FC236}">
-                <a16:creationId xmlns:a16="http://schemas.microsoft.com/office/drawing/2014/main" id="{2F4A8C6D-F593-4835-8761-2BF188525389}"/>
-              </a:ext>
-            </a:extLst>
-          </p:cNvPr>
-          <p:cNvSpPr/>
-          <p:nvPr/>
-        </p:nvSpPr>
-        <p:spPr>
-          <a:xfrm>
-            <a:off x="1103142" y="5017475"/>
-            <a:ext cx="4651716" cy="481419"/>
-          </a:xfrm>
-          <a:prstGeom prst="rect">
-            <a:avLst/>
-          </a:prstGeom>
-        </p:spPr>
-        <p:style>
-          <a:lnRef idx="2">
-            <a:schemeClr val="dk1"/>
-          </a:lnRef>
-          <a:fillRef idx="1">
-            <a:schemeClr val="lt1"/>
-          </a:fillRef>
-          <a:effectRef idx="0">
-            <a:schemeClr val="dk1"/>
-          </a:effectRef>
-          <a:fontRef idx="minor">
-            <a:schemeClr val="dk1"/>
-          </a:fontRef>
-        </p:style>
-        <p:txBody>
-          <a:bodyPr rtlCol="0" anchor="ctr"/>
-          <a:lstStyle/>
-          <a:p>
-            <a:pPr algn="just"/>
-            <a:r>
-              <a:rPr lang="en-PH" sz="2492" dirty="0">
-                <a:solidFill>
-                  <a:schemeClr val="bg1">
-                    <a:lumMod val="65000"/>
-                  </a:schemeClr>
-                </a:solidFill>
-              </a:rPr>
-              <a:t>email</a:t>
-            </a:r>
-          </a:p>
-        </p:txBody>
-      </p:sp>
-      <p:sp>
-        <p:nvSpPr>
-          <p:cNvPr id="31" name="Rectangle 30">
-            <a:extLst>
-              <a:ext uri="{FF2B5EF4-FFF2-40B4-BE49-F238E27FC236}">
-                <a16:creationId xmlns:a16="http://schemas.microsoft.com/office/drawing/2014/main" id="{D5036C85-039A-428C-9108-42A896F287E9}"/>
-              </a:ext>
-            </a:extLst>
-          </p:cNvPr>
-          <p:cNvSpPr/>
-          <p:nvPr/>
-        </p:nvSpPr>
-        <p:spPr>
-          <a:xfrm>
-            <a:off x="1103142" y="5855283"/>
-            <a:ext cx="4651716" cy="481419"/>
-          </a:xfrm>
-          <a:prstGeom prst="rect">
-            <a:avLst/>
-          </a:prstGeom>
-        </p:spPr>
-        <p:style>
-          <a:lnRef idx="2">
-            <a:schemeClr val="dk1"/>
-          </a:lnRef>
-          <a:fillRef idx="1">
-            <a:schemeClr val="lt1"/>
-          </a:fillRef>
-          <a:effectRef idx="0">
-            <a:schemeClr val="dk1"/>
-          </a:effectRef>
-          <a:fontRef idx="minor">
-            <a:schemeClr val="dk1"/>
-          </a:fontRef>
-        </p:style>
-        <p:txBody>
-          <a:bodyPr rtlCol="0" anchor="ctr"/>
-          <a:lstStyle/>
-          <a:p>
-            <a:pPr algn="just"/>
-            <a:r>
-              <a:rPr lang="en-PH" sz="2492" dirty="0">
-                <a:solidFill>
-                  <a:schemeClr val="bg1">
-                    <a:lumMod val="65000"/>
-                  </a:schemeClr>
-                </a:solidFill>
-              </a:rPr>
-              <a:t>password</a:t>
-            </a:r>
-          </a:p>
-        </p:txBody>
-      </p:sp>
-      <p:sp>
-        <p:nvSpPr>
-          <p:cNvPr id="32" name="Rectangle: Rounded Corners 31">
-            <a:extLst>
-              <a:ext uri="{FF2B5EF4-FFF2-40B4-BE49-F238E27FC236}">
-                <a16:creationId xmlns:a16="http://schemas.microsoft.com/office/drawing/2014/main" id="{A779DE72-630C-41ED-A6D2-9F09AAF44049}"/>
-              </a:ext>
-            </a:extLst>
-          </p:cNvPr>
-          <p:cNvSpPr/>
-          <p:nvPr/>
-        </p:nvSpPr>
-        <p:spPr>
-          <a:xfrm>
-            <a:off x="2266955" y="6696202"/>
-            <a:ext cx="2324108" cy="604268"/>
-          </a:xfrm>
-          <a:prstGeom prst="roundRect">
-            <a:avLst>
-              <a:gd name="adj" fmla="val 50000"/>
-            </a:avLst>
-          </a:prstGeom>
-          <a:ln>
-            <a:solidFill>
-              <a:schemeClr val="tx1"/>
-            </a:solidFill>
-          </a:ln>
-        </p:spPr>
-        <p:style>
-          <a:lnRef idx="1">
-            <a:schemeClr val="accent4"/>
-          </a:lnRef>
-          <a:fillRef idx="2">
-            <a:schemeClr val="accent4"/>
-          </a:fillRef>
-          <a:effectRef idx="1">
-            <a:schemeClr val="accent4"/>
-          </a:effectRef>
-          <a:fontRef idx="minor">
-            <a:schemeClr val="dk1"/>
-          </a:fontRef>
-        </p:style>
-        <p:txBody>
-          <a:bodyPr rtlCol="0" anchor="ctr"/>
-          <a:lstStyle/>
-          <a:p>
-            <a:pPr algn="ctr"/>
-            <a:r>
-              <a:rPr lang="en-PH" sz="1424" dirty="0"/>
-              <a:t>Proceed</a:t>
-            </a:r>
-          </a:p>
-        </p:txBody>
-      </p:sp>
-      <p:sp>
-        <p:nvSpPr>
-          <p:cNvPr id="30" name="TextBox 29">
-            <a:extLst>
-              <a:ext uri="{FF2B5EF4-FFF2-40B4-BE49-F238E27FC236}">
-                <a16:creationId xmlns:a16="http://schemas.microsoft.com/office/drawing/2014/main" id="{A76B9627-D941-4CFD-87EC-8623DE2A1C60}"/>
-              </a:ext>
-            </a:extLst>
-          </p:cNvPr>
-          <p:cNvSpPr txBox="1"/>
-          <p:nvPr/>
-        </p:nvSpPr>
-        <p:spPr>
-          <a:xfrm>
-            <a:off x="2145344" y="7501148"/>
-            <a:ext cx="2422779" cy="475836"/>
-          </a:xfrm>
-          <a:prstGeom prst="rect">
-            <a:avLst/>
-          </a:prstGeom>
-          <a:noFill/>
-        </p:spPr>
-        <p:txBody>
-          <a:bodyPr wrap="none" rtlCol="0">
-            <a:spAutoFit/>
-          </a:bodyPr>
-          <a:lstStyle/>
-          <a:p>
-            <a:r>
-              <a:rPr lang="en-PH" sz="2492" b="1" dirty="0"/>
-              <a:t>Or continue with</a:t>
-            </a:r>
-          </a:p>
-        </p:txBody>
-      </p:sp>
-      <p:pic>
-        <p:nvPicPr>
-          <p:cNvPr id="1030" name="Picture 6" descr="Related image">
-            <a:extLst>
-              <a:ext uri="{FF2B5EF4-FFF2-40B4-BE49-F238E27FC236}">
-                <a16:creationId xmlns:a16="http://schemas.microsoft.com/office/drawing/2014/main" id="{FCE6437B-0C62-45E8-806E-69A8083EE8A7}"/>
-              </a:ext>
-            </a:extLst>
-          </p:cNvPr>
-          <p:cNvPicPr>
-            <a:picLocks noChangeAspect="1" noChangeArrowheads="1"/>
-          </p:cNvPicPr>
-          <p:nvPr/>
-        </p:nvPicPr>
-        <p:blipFill>
-          <a:blip r:embed="rId5">
-            <a:extLst>
-              <a:ext uri="{28A0092B-C50C-407E-A947-70E740481C1C}">
-                <a14:useLocalDpi xmlns:a14="http://schemas.microsoft.com/office/drawing/2010/main" val="0"/>
-              </a:ext>
-            </a:extLst>
-          </a:blip>
-          <a:srcRect/>
-          <a:stretch>
-            <a:fillRect/>
-          </a:stretch>
-        </p:blipFill>
-        <p:spPr bwMode="auto">
-          <a:xfrm>
-            <a:off x="2787162" y="8130880"/>
-            <a:ext cx="640004" cy="640004"/>
-          </a:xfrm>
-          <a:prstGeom prst="rect">
-            <a:avLst/>
-          </a:prstGeom>
-          <a:noFill/>
-          <a:extLst>
-            <a:ext uri="{909E8E84-426E-40DD-AFC4-6F175D3DCCD1}">
-              <a14:hiddenFill xmlns:a14="http://schemas.microsoft.com/office/drawing/2010/main">
-                <a:solidFill>
-                  <a:srgbClr val="FFFFFF"/>
-                </a:solidFill>
-              </a14:hiddenFill>
-            </a:ext>
-          </a:extLst>
-        </p:spPr>
-      </p:pic>
-      <p:pic>
-        <p:nvPicPr>
-          <p:cNvPr id="1032" name="Picture 8" descr="Image result for facebook logo">
-            <a:extLst>
-              <a:ext uri="{FF2B5EF4-FFF2-40B4-BE49-F238E27FC236}">
-                <a16:creationId xmlns:a16="http://schemas.microsoft.com/office/drawing/2014/main" id="{221289EA-73A8-4DBB-BE4E-FCE8E299F354}"/>
-              </a:ext>
-            </a:extLst>
-          </p:cNvPr>
-          <p:cNvPicPr>
-            <a:picLocks noChangeAspect="1" noChangeArrowheads="1"/>
-          </p:cNvPicPr>
-          <p:nvPr/>
-        </p:nvPicPr>
-        <p:blipFill>
-          <a:blip r:embed="rId6">
-            <a:extLst>
-              <a:ext uri="{28A0092B-C50C-407E-A947-70E740481C1C}">
-                <a14:useLocalDpi xmlns:a14="http://schemas.microsoft.com/office/drawing/2010/main" val="0"/>
-              </a:ext>
-            </a:extLst>
-          </a:blip>
-          <a:srcRect/>
-          <a:stretch>
-            <a:fillRect/>
-          </a:stretch>
-        </p:blipFill>
-        <p:spPr bwMode="auto">
-          <a:xfrm>
-            <a:off x="3427166" y="8130880"/>
-            <a:ext cx="853333" cy="640004"/>
-          </a:xfrm>
-          <a:prstGeom prst="rect">
-            <a:avLst/>
-          </a:prstGeom>
-          <a:noFill/>
-          <a:extLst>
-            <a:ext uri="{909E8E84-426E-40DD-AFC4-6F175D3DCCD1}">
-              <a14:hiddenFill xmlns:a14="http://schemas.microsoft.com/office/drawing/2010/main">
-                <a:solidFill>
-                  <a:srgbClr val="FFFFFF"/>
-                </a:solidFill>
-              </a14:hiddenFill>
-            </a:ext>
-          </a:extLst>
-        </p:spPr>
-      </p:pic>
-      <p:pic>
-        <p:nvPicPr>
-          <p:cNvPr id="37" name="Picture 36" descr="Related image">
-            <a:extLst>
-              <a:ext uri="{FF2B5EF4-FFF2-40B4-BE49-F238E27FC236}">
-                <a16:creationId xmlns:a16="http://schemas.microsoft.com/office/drawing/2014/main" id="{ABA71A8F-3B1A-47AD-8276-7B5B39765E2F}"/>
-              </a:ext>
-            </a:extLst>
-          </p:cNvPr>
-          <p:cNvPicPr>
-            <a:picLocks noChangeAspect="1" noChangeArrowheads="1"/>
-          </p:cNvPicPr>
-          <p:nvPr/>
-        </p:nvPicPr>
-        <p:blipFill rotWithShape="1">
-          <a:blip r:embed="rId4">
-            <a:duotone>
-              <a:prstClr val="black"/>
-              <a:schemeClr val="accent5">
-                <a:tint val="45000"/>
-                <a:satMod val="400000"/>
-              </a:schemeClr>
-            </a:duotone>
-            <a:extLst>
-              <a:ext uri="{BEBA8EAE-BF5A-486C-A8C5-ECC9F3942E4B}">
-                <a14:imgProps xmlns:a14="http://schemas.microsoft.com/office/drawing/2010/main">
-                  <a14:imgLayer r:embed="rId3">
-                    <a14:imgEffect>
-                      <a14:colorTemperature colorTemp="4700"/>
-                    </a14:imgEffect>
-                  </a14:imgLayer>
-                </a14:imgProps>
-              </a:ext>
-              <a:ext uri="{28A0092B-C50C-407E-A947-70E740481C1C}">
-                <a14:useLocalDpi xmlns:a14="http://schemas.microsoft.com/office/drawing/2010/main" val="0"/>
-              </a:ext>
-            </a:extLst>
-          </a:blip>
-          <a:srcRect l="2953" t="2566" r="1414" b="8632"/>
-          <a:stretch/>
-        </p:blipFill>
-        <p:spPr bwMode="auto">
-          <a:xfrm>
-            <a:off x="9352315" y="1187197"/>
-            <a:ext cx="1600002" cy="1600002"/>
-          </a:xfrm>
-          <a:custGeom>
-            <a:avLst/>
-            <a:gdLst>
-              <a:gd name="connsiteX0" fmla="*/ 1190478 w 2380956"/>
-              <a:gd name="connsiteY0" fmla="*/ 0 h 2380956"/>
-              <a:gd name="connsiteX1" fmla="*/ 1856086 w 2380956"/>
-              <a:gd name="connsiteY1" fmla="*/ 203315 h 2380956"/>
-              <a:gd name="connsiteX2" fmla="*/ 1927973 w 2380956"/>
-              <a:gd name="connsiteY2" fmla="*/ 257071 h 2380956"/>
-              <a:gd name="connsiteX3" fmla="*/ 2187526 w 2380956"/>
-              <a:gd name="connsiteY3" fmla="*/ 257071 h 2380956"/>
-              <a:gd name="connsiteX4" fmla="*/ 2187526 w 2380956"/>
-              <a:gd name="connsiteY4" fmla="*/ 541142 h 2380956"/>
-              <a:gd name="connsiteX5" fmla="*/ 2237272 w 2380956"/>
-              <a:gd name="connsiteY5" fmla="*/ 623026 h 2380956"/>
-              <a:gd name="connsiteX6" fmla="*/ 2380956 w 2380956"/>
-              <a:gd name="connsiteY6" fmla="*/ 1190478 h 2380956"/>
-              <a:gd name="connsiteX7" fmla="*/ 2237272 w 2380956"/>
-              <a:gd name="connsiteY7" fmla="*/ 1757931 h 2380956"/>
-              <a:gd name="connsiteX8" fmla="*/ 2187526 w 2380956"/>
-              <a:gd name="connsiteY8" fmla="*/ 1839815 h 2380956"/>
-              <a:gd name="connsiteX9" fmla="*/ 2187526 w 2380956"/>
-              <a:gd name="connsiteY9" fmla="*/ 2123885 h 2380956"/>
-              <a:gd name="connsiteX10" fmla="*/ 1927973 w 2380956"/>
-              <a:gd name="connsiteY10" fmla="*/ 2123885 h 2380956"/>
-              <a:gd name="connsiteX11" fmla="*/ 1856086 w 2380956"/>
-              <a:gd name="connsiteY11" fmla="*/ 2177641 h 2380956"/>
-              <a:gd name="connsiteX12" fmla="*/ 1190478 w 2380956"/>
-              <a:gd name="connsiteY12" fmla="*/ 2380956 h 2380956"/>
-              <a:gd name="connsiteX13" fmla="*/ 524871 w 2380956"/>
-              <a:gd name="connsiteY13" fmla="*/ 2177641 h 2380956"/>
-              <a:gd name="connsiteX14" fmla="*/ 452984 w 2380956"/>
-              <a:gd name="connsiteY14" fmla="*/ 2123885 h 2380956"/>
-              <a:gd name="connsiteX15" fmla="*/ 193430 w 2380956"/>
-              <a:gd name="connsiteY15" fmla="*/ 2123885 h 2380956"/>
-              <a:gd name="connsiteX16" fmla="*/ 193430 w 2380956"/>
-              <a:gd name="connsiteY16" fmla="*/ 1839815 h 2380956"/>
-              <a:gd name="connsiteX17" fmla="*/ 143684 w 2380956"/>
-              <a:gd name="connsiteY17" fmla="*/ 1757931 h 2380956"/>
-              <a:gd name="connsiteX18" fmla="*/ 0 w 2380956"/>
-              <a:gd name="connsiteY18" fmla="*/ 1190478 h 2380956"/>
-              <a:gd name="connsiteX19" fmla="*/ 143684 w 2380956"/>
-              <a:gd name="connsiteY19" fmla="*/ 623026 h 2380956"/>
-              <a:gd name="connsiteX20" fmla="*/ 193430 w 2380956"/>
-              <a:gd name="connsiteY20" fmla="*/ 541142 h 2380956"/>
-              <a:gd name="connsiteX21" fmla="*/ 193430 w 2380956"/>
-              <a:gd name="connsiteY21" fmla="*/ 257071 h 2380956"/>
-              <a:gd name="connsiteX22" fmla="*/ 452984 w 2380956"/>
-              <a:gd name="connsiteY22" fmla="*/ 257071 h 2380956"/>
-              <a:gd name="connsiteX23" fmla="*/ 524871 w 2380956"/>
-              <a:gd name="connsiteY23" fmla="*/ 203315 h 2380956"/>
-              <a:gd name="connsiteX24" fmla="*/ 1190478 w 2380956"/>
-              <a:gd name="connsiteY24" fmla="*/ 0 h 2380956"/>
-            </a:gdLst>
-            <a:ahLst/>
-            <a:cxnLst>
-              <a:cxn ang="0">
-                <a:pos x="connsiteX0" y="connsiteY0"/>
-              </a:cxn>
-              <a:cxn ang="0">
-                <a:pos x="connsiteX1" y="connsiteY1"/>
-              </a:cxn>
-              <a:cxn ang="0">
-                <a:pos x="connsiteX2" y="connsiteY2"/>
-              </a:cxn>
-              <a:cxn ang="0">
-                <a:pos x="connsiteX3" y="connsiteY3"/>
-              </a:cxn>
-              <a:cxn ang="0">
-                <a:pos x="connsiteX4" y="connsiteY4"/>
-              </a:cxn>
-              <a:cxn ang="0">
-                <a:pos x="connsiteX5" y="connsiteY5"/>
-              </a:cxn>
-              <a:cxn ang="0">
-                <a:pos x="connsiteX6" y="connsiteY6"/>
-              </a:cxn>
-              <a:cxn ang="0">
-                <a:pos x="connsiteX7" y="connsiteY7"/>
-              </a:cxn>
-              <a:cxn ang="0">
-                <a:pos x="connsiteX8" y="connsiteY8"/>
-              </a:cxn>
-              <a:cxn ang="0">
-                <a:pos x="connsiteX9" y="connsiteY9"/>
-              </a:cxn>
-              <a:cxn ang="0">
-                <a:pos x="connsiteX10" y="connsiteY10"/>
-              </a:cxn>
-              <a:cxn ang="0">
-                <a:pos x="connsiteX11" y="connsiteY11"/>
-              </a:cxn>
-              <a:cxn ang="0">
-                <a:pos x="connsiteX12" y="connsiteY12"/>
-              </a:cxn>
-              <a:cxn ang="0">
-                <a:pos x="connsiteX13" y="connsiteY13"/>
-              </a:cxn>
-              <a:cxn ang="0">
-                <a:pos x="connsiteX14" y="connsiteY14"/>
-              </a:cxn>
-              <a:cxn ang="0">
-                <a:pos x="connsiteX15" y="connsiteY15"/>
-              </a:cxn>
-              <a:cxn ang="0">
-                <a:pos x="connsiteX16" y="connsiteY16"/>
-              </a:cxn>
-              <a:cxn ang="0">
-                <a:pos x="connsiteX17" y="connsiteY17"/>
-              </a:cxn>
-              <a:cxn ang="0">
-                <a:pos x="connsiteX18" y="connsiteY18"/>
-              </a:cxn>
-              <a:cxn ang="0">
-                <a:pos x="connsiteX19" y="connsiteY19"/>
-              </a:cxn>
-              <a:cxn ang="0">
-                <a:pos x="connsiteX20" y="connsiteY20"/>
-              </a:cxn>
-              <a:cxn ang="0">
-                <a:pos x="connsiteX21" y="connsiteY21"/>
-              </a:cxn>
-              <a:cxn ang="0">
-                <a:pos x="connsiteX22" y="connsiteY22"/>
-              </a:cxn>
-              <a:cxn ang="0">
-                <a:pos x="connsiteX23" y="connsiteY23"/>
-              </a:cxn>
-              <a:cxn ang="0">
-                <a:pos x="connsiteX24" y="connsiteY24"/>
-              </a:cxn>
-            </a:cxnLst>
-            <a:rect l="l" t="t" r="r" b="b"/>
-            <a:pathLst>
-              <a:path w="2380956" h="2380956">
-                <a:moveTo>
-                  <a:pt x="1190478" y="0"/>
-                </a:moveTo>
-                <a:cubicBezTo>
-                  <a:pt x="1437034" y="0"/>
-                  <a:pt x="1666084" y="74952"/>
-                  <a:pt x="1856086" y="203315"/>
-                </a:cubicBezTo>
-                <a:lnTo>
-                  <a:pt x="1927973" y="257071"/>
-                </a:lnTo>
-                <a:lnTo>
-                  <a:pt x="2187526" y="257071"/>
-                </a:lnTo>
-                <a:lnTo>
-                  <a:pt x="2187526" y="541142"/>
-                </a:lnTo>
-                <a:lnTo>
-                  <a:pt x="2237272" y="623026"/>
-                </a:lnTo>
-                <a:cubicBezTo>
-                  <a:pt x="2328906" y="791708"/>
-                  <a:pt x="2380956" y="985015"/>
-                  <a:pt x="2380956" y="1190478"/>
-                </a:cubicBezTo>
-                <a:cubicBezTo>
-                  <a:pt x="2380956" y="1395942"/>
-                  <a:pt x="2328906" y="1589248"/>
-                  <a:pt x="2237272" y="1757931"/>
-                </a:cubicBezTo>
-                <a:lnTo>
-                  <a:pt x="2187526" y="1839815"/>
-                </a:lnTo>
-                <a:lnTo>
-                  <a:pt x="2187526" y="2123885"/>
-                </a:lnTo>
-                <a:lnTo>
-                  <a:pt x="1927973" y="2123885"/>
-                </a:lnTo>
-                <a:lnTo>
-                  <a:pt x="1856086" y="2177641"/>
-                </a:lnTo>
-                <a:cubicBezTo>
-                  <a:pt x="1666084" y="2306004"/>
-                  <a:pt x="1437034" y="2380956"/>
-                  <a:pt x="1190478" y="2380956"/>
-                </a:cubicBezTo>
-                <a:cubicBezTo>
-                  <a:pt x="943922" y="2380956"/>
-                  <a:pt x="714872" y="2306004"/>
-                  <a:pt x="524871" y="2177641"/>
-                </a:cubicBezTo>
-                <a:lnTo>
-                  <a:pt x="452984" y="2123885"/>
-                </a:lnTo>
-                <a:lnTo>
-                  <a:pt x="193430" y="2123885"/>
-                </a:lnTo>
-                <a:lnTo>
-                  <a:pt x="193430" y="1839815"/>
-                </a:lnTo>
-                <a:lnTo>
-                  <a:pt x="143684" y="1757931"/>
-                </a:lnTo>
-                <a:cubicBezTo>
-                  <a:pt x="52050" y="1589248"/>
-                  <a:pt x="0" y="1395942"/>
-                  <a:pt x="0" y="1190478"/>
-                </a:cubicBezTo>
-                <a:cubicBezTo>
-                  <a:pt x="0" y="985015"/>
-                  <a:pt x="52050" y="791708"/>
-                  <a:pt x="143684" y="623026"/>
-                </a:cubicBezTo>
-                <a:lnTo>
-                  <a:pt x="193430" y="541142"/>
-                </a:lnTo>
-                <a:lnTo>
-                  <a:pt x="193430" y="257071"/>
-                </a:lnTo>
-                <a:lnTo>
-                  <a:pt x="452984" y="257071"/>
-                </a:lnTo>
-                <a:lnTo>
-                  <a:pt x="524871" y="203315"/>
-                </a:lnTo>
-                <a:cubicBezTo>
-                  <a:pt x="714872" y="74952"/>
-                  <a:pt x="943922" y="0"/>
-                  <a:pt x="1190478" y="0"/>
-                </a:cubicBezTo>
-                <a:close/>
-              </a:path>
-            </a:pathLst>
-          </a:custGeom>
-          <a:solidFill>
-            <a:schemeClr val="bg1"/>
-          </a:solidFill>
-          <a:ln w="57150">
-            <a:solidFill>
-              <a:schemeClr val="tx1"/>
-            </a:solidFill>
-          </a:ln>
-        </p:spPr>
-      </p:pic>
-      <p:sp>
-        <p:nvSpPr>
-          <p:cNvPr id="38" name="TextBox 37">
-            <a:extLst>
-              <a:ext uri="{FF2B5EF4-FFF2-40B4-BE49-F238E27FC236}">
-                <a16:creationId xmlns:a16="http://schemas.microsoft.com/office/drawing/2014/main" id="{9AB14CC7-5EDE-4510-93E1-622C9405702F}"/>
-              </a:ext>
-            </a:extLst>
-          </p:cNvPr>
-          <p:cNvSpPr txBox="1"/>
-          <p:nvPr/>
-        </p:nvSpPr>
-        <p:spPr>
-          <a:xfrm>
-            <a:off x="7930402" y="2798101"/>
-            <a:ext cx="4303871" cy="475836"/>
-          </a:xfrm>
-          <a:prstGeom prst="rect">
-            <a:avLst/>
-          </a:prstGeom>
-          <a:noFill/>
-        </p:spPr>
-        <p:txBody>
-          <a:bodyPr wrap="none" rtlCol="0">
-            <a:spAutoFit/>
-          </a:bodyPr>
-          <a:lstStyle/>
-          <a:p>
-            <a:r>
-              <a:rPr lang="en-PH" sz="2492" b="1" dirty="0"/>
-              <a:t>Please fill in the needed details</a:t>
-            </a:r>
-          </a:p>
-        </p:txBody>
-      </p:sp>
-      <p:sp>
-        <p:nvSpPr>
-          <p:cNvPr id="39" name="TextBox 38">
-            <a:extLst>
-              <a:ext uri="{FF2B5EF4-FFF2-40B4-BE49-F238E27FC236}">
-                <a16:creationId xmlns:a16="http://schemas.microsoft.com/office/drawing/2014/main" id="{A36F22DE-8C52-44BF-9900-D7C90FBB898A}"/>
-              </a:ext>
-            </a:extLst>
-          </p:cNvPr>
-          <p:cNvSpPr txBox="1"/>
-          <p:nvPr/>
-        </p:nvSpPr>
-        <p:spPr>
-          <a:xfrm>
-            <a:off x="7826453" y="3345255"/>
-            <a:ext cx="971741" cy="475836"/>
-          </a:xfrm>
-          <a:prstGeom prst="rect">
-            <a:avLst/>
-          </a:prstGeom>
-          <a:noFill/>
-        </p:spPr>
-        <p:txBody>
-          <a:bodyPr wrap="none" rtlCol="0">
-            <a:spAutoFit/>
-          </a:bodyPr>
-          <a:lstStyle/>
-          <a:p>
-            <a:r>
-              <a:rPr lang="en-PH" sz="2492" b="1" dirty="0"/>
-              <a:t>Name</a:t>
-            </a:r>
-          </a:p>
-        </p:txBody>
-      </p:sp>
-      <p:sp>
-        <p:nvSpPr>
-          <p:cNvPr id="40" name="Rectangle 39">
-            <a:extLst>
-              <a:ext uri="{FF2B5EF4-FFF2-40B4-BE49-F238E27FC236}">
-                <a16:creationId xmlns:a16="http://schemas.microsoft.com/office/drawing/2014/main" id="{46AB8E59-1C02-4926-B23D-1CDDBE70B58B}"/>
-              </a:ext>
-            </a:extLst>
-          </p:cNvPr>
-          <p:cNvSpPr/>
-          <p:nvPr/>
-        </p:nvSpPr>
-        <p:spPr>
-          <a:xfrm>
-            <a:off x="7876736" y="3935728"/>
-            <a:ext cx="2171639" cy="481419"/>
-          </a:xfrm>
-          <a:prstGeom prst="rect">
-            <a:avLst/>
-          </a:prstGeom>
-        </p:spPr>
-        <p:style>
-          <a:lnRef idx="2">
-            <a:schemeClr val="dk1"/>
-          </a:lnRef>
-          <a:fillRef idx="1">
-            <a:schemeClr val="lt1"/>
-          </a:fillRef>
-          <a:effectRef idx="0">
-            <a:schemeClr val="dk1"/>
-          </a:effectRef>
-          <a:fontRef idx="minor">
-            <a:schemeClr val="dk1"/>
-          </a:fontRef>
-        </p:style>
-        <p:txBody>
-          <a:bodyPr rtlCol="0" anchor="ctr"/>
-          <a:lstStyle/>
-          <a:p>
-            <a:pPr algn="just"/>
-            <a:r>
-              <a:rPr lang="en-PH" sz="2492" dirty="0">
-                <a:solidFill>
-                  <a:schemeClr val="bg1">
-                    <a:lumMod val="65000"/>
-                  </a:schemeClr>
-                </a:solidFill>
-              </a:rPr>
-              <a:t>first name</a:t>
-            </a:r>
-          </a:p>
-        </p:txBody>
-      </p:sp>
-      <p:sp>
-        <p:nvSpPr>
-          <p:cNvPr id="41" name="Rectangle 40">
-            <a:extLst>
-              <a:ext uri="{FF2B5EF4-FFF2-40B4-BE49-F238E27FC236}">
-                <a16:creationId xmlns:a16="http://schemas.microsoft.com/office/drawing/2014/main" id="{686FB28A-6212-40EB-B9EC-5833CBE1E2E5}"/>
-              </a:ext>
-            </a:extLst>
-          </p:cNvPr>
-          <p:cNvSpPr/>
-          <p:nvPr/>
-        </p:nvSpPr>
-        <p:spPr>
-          <a:xfrm>
-            <a:off x="10356814" y="3935728"/>
-            <a:ext cx="2171639" cy="481419"/>
-          </a:xfrm>
-          <a:prstGeom prst="rect">
-            <a:avLst/>
-          </a:prstGeom>
-        </p:spPr>
-        <p:style>
-          <a:lnRef idx="2">
-            <a:schemeClr val="dk1"/>
-          </a:lnRef>
-          <a:fillRef idx="1">
-            <a:schemeClr val="lt1"/>
-          </a:fillRef>
-          <a:effectRef idx="0">
-            <a:schemeClr val="dk1"/>
-          </a:effectRef>
-          <a:fontRef idx="minor">
-            <a:schemeClr val="dk1"/>
-          </a:fontRef>
-        </p:style>
-        <p:txBody>
-          <a:bodyPr rtlCol="0" anchor="ctr"/>
-          <a:lstStyle/>
-          <a:p>
-            <a:pPr algn="just"/>
-            <a:r>
-              <a:rPr lang="en-PH" sz="2492" dirty="0">
-                <a:solidFill>
-                  <a:schemeClr val="bg1">
-                    <a:lumMod val="65000"/>
-                  </a:schemeClr>
-                </a:solidFill>
-              </a:rPr>
-              <a:t>last name</a:t>
-            </a:r>
-          </a:p>
-        </p:txBody>
-      </p:sp>
-      <p:sp>
-        <p:nvSpPr>
-          <p:cNvPr id="43" name="TextBox 42">
-            <a:extLst>
-              <a:ext uri="{FF2B5EF4-FFF2-40B4-BE49-F238E27FC236}">
-                <a16:creationId xmlns:a16="http://schemas.microsoft.com/office/drawing/2014/main" id="{D90E6CDE-08DC-4934-8CA5-35F5F6C220E9}"/>
-              </a:ext>
-            </a:extLst>
-          </p:cNvPr>
-          <p:cNvSpPr txBox="1"/>
-          <p:nvPr/>
-        </p:nvSpPr>
-        <p:spPr>
-          <a:xfrm>
-            <a:off x="7826450" y="4482878"/>
-            <a:ext cx="914033" cy="475836"/>
-          </a:xfrm>
-          <a:prstGeom prst="rect">
-            <a:avLst/>
-          </a:prstGeom>
-          <a:noFill/>
-        </p:spPr>
-        <p:txBody>
-          <a:bodyPr wrap="none" rtlCol="0">
-            <a:spAutoFit/>
-          </a:bodyPr>
-          <a:lstStyle/>
-          <a:p>
-            <a:r>
-              <a:rPr lang="en-PH" sz="2492" b="1" dirty="0"/>
-              <a:t>Email</a:t>
-            </a:r>
-          </a:p>
-        </p:txBody>
-      </p:sp>
-      <p:sp>
-        <p:nvSpPr>
-          <p:cNvPr id="44" name="Rectangle 43">
-            <a:extLst>
-              <a:ext uri="{FF2B5EF4-FFF2-40B4-BE49-F238E27FC236}">
-                <a16:creationId xmlns:a16="http://schemas.microsoft.com/office/drawing/2014/main" id="{DCD032F7-E3A9-41EA-9896-4F35B436766B}"/>
-              </a:ext>
-            </a:extLst>
-          </p:cNvPr>
-          <p:cNvSpPr/>
-          <p:nvPr/>
-        </p:nvSpPr>
-        <p:spPr>
-          <a:xfrm>
-            <a:off x="7876735" y="5028165"/>
-            <a:ext cx="4651716" cy="481419"/>
-          </a:xfrm>
-          <a:prstGeom prst="rect">
-            <a:avLst/>
-          </a:prstGeom>
-        </p:spPr>
-        <p:style>
-          <a:lnRef idx="2">
-            <a:schemeClr val="dk1"/>
-          </a:lnRef>
-          <a:fillRef idx="1">
-            <a:schemeClr val="lt1"/>
-          </a:fillRef>
-          <a:effectRef idx="0">
-            <a:schemeClr val="dk1"/>
-          </a:effectRef>
-          <a:fontRef idx="minor">
-            <a:schemeClr val="dk1"/>
-          </a:fontRef>
-        </p:style>
-        <p:txBody>
-          <a:bodyPr rtlCol="0" anchor="ctr"/>
-          <a:lstStyle/>
-          <a:p>
-            <a:pPr algn="just"/>
-            <a:r>
-              <a:rPr lang="en-PH" sz="2492" dirty="0">
-                <a:solidFill>
-                  <a:schemeClr val="bg1">
-                    <a:lumMod val="65000"/>
-                  </a:schemeClr>
-                </a:solidFill>
-              </a:rPr>
-              <a:t>email</a:t>
-            </a:r>
-          </a:p>
-        </p:txBody>
-      </p:sp>
-      <p:sp>
-        <p:nvSpPr>
-          <p:cNvPr id="45" name="TextBox 44">
-            <a:extLst>
-              <a:ext uri="{FF2B5EF4-FFF2-40B4-BE49-F238E27FC236}">
-                <a16:creationId xmlns:a16="http://schemas.microsoft.com/office/drawing/2014/main" id="{D1C26232-18C1-45BA-883D-DB06C0DE1058}"/>
-              </a:ext>
-            </a:extLst>
-          </p:cNvPr>
-          <p:cNvSpPr txBox="1"/>
-          <p:nvPr/>
-        </p:nvSpPr>
-        <p:spPr>
-          <a:xfrm>
-            <a:off x="7826458" y="5609781"/>
-            <a:ext cx="1449564" cy="475836"/>
-          </a:xfrm>
-          <a:prstGeom prst="rect">
-            <a:avLst/>
-          </a:prstGeom>
-          <a:noFill/>
-        </p:spPr>
-        <p:txBody>
-          <a:bodyPr wrap="none" rtlCol="0">
-            <a:spAutoFit/>
-          </a:bodyPr>
-          <a:lstStyle/>
-          <a:p>
-            <a:r>
-              <a:rPr lang="en-PH" sz="2492" b="1" dirty="0"/>
-              <a:t>Password</a:t>
-            </a:r>
-          </a:p>
-        </p:txBody>
-      </p:sp>
-      <p:sp>
-        <p:nvSpPr>
-          <p:cNvPr id="46" name="Rectangle 45">
-            <a:extLst>
-              <a:ext uri="{FF2B5EF4-FFF2-40B4-BE49-F238E27FC236}">
-                <a16:creationId xmlns:a16="http://schemas.microsoft.com/office/drawing/2014/main" id="{BDD3D52A-8EF9-4355-9C86-0DDEF891D540}"/>
-              </a:ext>
-            </a:extLst>
-          </p:cNvPr>
-          <p:cNvSpPr/>
-          <p:nvPr/>
-        </p:nvSpPr>
-        <p:spPr>
-          <a:xfrm>
-            <a:off x="7876735" y="6151422"/>
-            <a:ext cx="4651716" cy="481419"/>
-          </a:xfrm>
-          <a:prstGeom prst="rect">
-            <a:avLst/>
-          </a:prstGeom>
-        </p:spPr>
-        <p:style>
-          <a:lnRef idx="2">
-            <a:schemeClr val="dk1"/>
-          </a:lnRef>
-          <a:fillRef idx="1">
-            <a:schemeClr val="lt1"/>
-          </a:fillRef>
-          <a:effectRef idx="0">
-            <a:schemeClr val="dk1"/>
-          </a:effectRef>
-          <a:fontRef idx="minor">
-            <a:schemeClr val="dk1"/>
-          </a:fontRef>
-        </p:style>
-        <p:txBody>
-          <a:bodyPr rtlCol="0" anchor="ctr"/>
-          <a:lstStyle/>
-          <a:p>
-            <a:pPr algn="just"/>
-            <a:r>
-              <a:rPr lang="en-PH" sz="2492" dirty="0">
-                <a:solidFill>
-                  <a:schemeClr val="bg1">
-                    <a:lumMod val="65000"/>
-                  </a:schemeClr>
-                </a:solidFill>
-              </a:rPr>
-              <a:t>password</a:t>
-            </a:r>
-          </a:p>
-        </p:txBody>
-      </p:sp>
-      <p:sp>
-        <p:nvSpPr>
-          <p:cNvPr id="47" name="TextBox 46">
-            <a:extLst>
-              <a:ext uri="{FF2B5EF4-FFF2-40B4-BE49-F238E27FC236}">
-                <a16:creationId xmlns:a16="http://schemas.microsoft.com/office/drawing/2014/main" id="{26E9C2F0-04BC-4DE5-BE22-465F6E81D285}"/>
-              </a:ext>
-            </a:extLst>
-          </p:cNvPr>
-          <p:cNvSpPr txBox="1"/>
-          <p:nvPr/>
-        </p:nvSpPr>
-        <p:spPr>
-          <a:xfrm>
-            <a:off x="7826449" y="6731676"/>
-            <a:ext cx="2149948" cy="475836"/>
-          </a:xfrm>
-          <a:prstGeom prst="rect">
-            <a:avLst/>
-          </a:prstGeom>
-          <a:noFill/>
-        </p:spPr>
-        <p:txBody>
-          <a:bodyPr wrap="none" rtlCol="0">
-            <a:spAutoFit/>
-          </a:bodyPr>
-          <a:lstStyle/>
-          <a:p>
-            <a:r>
-              <a:rPr lang="en-PH" sz="2492" b="1" dirty="0"/>
-              <a:t>Phone number</a:t>
-            </a:r>
-          </a:p>
-        </p:txBody>
-      </p:sp>
-      <p:sp>
-        <p:nvSpPr>
-          <p:cNvPr id="48" name="Rectangle 47">
-            <a:extLst>
-              <a:ext uri="{FF2B5EF4-FFF2-40B4-BE49-F238E27FC236}">
-                <a16:creationId xmlns:a16="http://schemas.microsoft.com/office/drawing/2014/main" id="{D867956C-5A84-4F44-92DF-27FDD7C55695}"/>
-              </a:ext>
-            </a:extLst>
-          </p:cNvPr>
-          <p:cNvSpPr/>
-          <p:nvPr/>
-        </p:nvSpPr>
-        <p:spPr>
-          <a:xfrm>
-            <a:off x="7876735" y="7273008"/>
-            <a:ext cx="4651716" cy="481419"/>
-          </a:xfrm>
-          <a:prstGeom prst="rect">
-            <a:avLst/>
-          </a:prstGeom>
-        </p:spPr>
-        <p:style>
-          <a:lnRef idx="2">
-            <a:schemeClr val="dk1"/>
-          </a:lnRef>
-          <a:fillRef idx="1">
-            <a:schemeClr val="lt1"/>
-          </a:fillRef>
-          <a:effectRef idx="0">
-            <a:schemeClr val="dk1"/>
-          </a:effectRef>
-          <a:fontRef idx="minor">
-            <a:schemeClr val="dk1"/>
-          </a:fontRef>
-        </p:style>
-        <p:txBody>
-          <a:bodyPr rtlCol="0" anchor="ctr"/>
-          <a:lstStyle/>
-          <a:p>
-            <a:pPr algn="just"/>
-            <a:r>
-              <a:rPr lang="en-PH" sz="2492" dirty="0">
-                <a:solidFill>
-                  <a:schemeClr val="bg1">
-                    <a:lumMod val="65000"/>
-                  </a:schemeClr>
-                </a:solidFill>
-              </a:rPr>
-              <a:t>phone no.</a:t>
-            </a:r>
-          </a:p>
-        </p:txBody>
-      </p:sp>
-      <p:sp>
-        <p:nvSpPr>
-          <p:cNvPr id="49" name="TextBox 48">
-            <a:extLst>
-              <a:ext uri="{FF2B5EF4-FFF2-40B4-BE49-F238E27FC236}">
-                <a16:creationId xmlns:a16="http://schemas.microsoft.com/office/drawing/2014/main" id="{DEF6B236-51F0-4AB4-82BB-502DC30C37B2}"/>
-              </a:ext>
-            </a:extLst>
-          </p:cNvPr>
-          <p:cNvSpPr txBox="1"/>
-          <p:nvPr/>
-        </p:nvSpPr>
-        <p:spPr>
-          <a:xfrm>
-            <a:off x="7826453" y="7918999"/>
-            <a:ext cx="638123" cy="475836"/>
-          </a:xfrm>
-          <a:prstGeom prst="rect">
-            <a:avLst/>
-          </a:prstGeom>
-          <a:noFill/>
-        </p:spPr>
-        <p:txBody>
-          <a:bodyPr wrap="none" rtlCol="0">
-            <a:spAutoFit/>
-          </a:bodyPr>
-          <a:lstStyle/>
-          <a:p>
-            <a:r>
-              <a:rPr lang="en-PH" sz="2492" b="1" dirty="0"/>
-              <a:t>Sex</a:t>
-            </a:r>
-          </a:p>
-        </p:txBody>
-      </p:sp>
-      <p:sp>
-        <p:nvSpPr>
-          <p:cNvPr id="33" name="Oval 32">
-            <a:extLst>
-              <a:ext uri="{FF2B5EF4-FFF2-40B4-BE49-F238E27FC236}">
-                <a16:creationId xmlns:a16="http://schemas.microsoft.com/office/drawing/2014/main" id="{8CD4DBF6-EA40-45BE-B6BB-526F43B4B582}"/>
-              </a:ext>
-            </a:extLst>
-          </p:cNvPr>
-          <p:cNvSpPr/>
-          <p:nvPr/>
-        </p:nvSpPr>
-        <p:spPr>
-          <a:xfrm>
-            <a:off x="7866748" y="8522003"/>
-            <a:ext cx="356155" cy="356155"/>
-          </a:xfrm>
-          <a:prstGeom prst="ellipse">
-            <a:avLst/>
-          </a:prstGeom>
-        </p:spPr>
-        <p:style>
-          <a:lnRef idx="2">
-            <a:schemeClr val="dk1"/>
-          </a:lnRef>
-          <a:fillRef idx="1">
-            <a:schemeClr val="lt1"/>
-          </a:fillRef>
-          <a:effectRef idx="0">
-            <a:schemeClr val="dk1"/>
-          </a:effectRef>
-          <a:fontRef idx="minor">
-            <a:schemeClr val="dk1"/>
-          </a:fontRef>
-        </p:style>
-        <p:txBody>
-          <a:bodyPr rtlCol="0" anchor="ctr"/>
-          <a:lstStyle/>
-          <a:p>
-            <a:pPr algn="ctr"/>
-            <a:endParaRPr lang="en-PH" sz="1424"/>
-          </a:p>
-        </p:txBody>
-      </p:sp>
-      <p:sp>
-        <p:nvSpPr>
-          <p:cNvPr id="51" name="TextBox 50">
-            <a:extLst>
-              <a:ext uri="{FF2B5EF4-FFF2-40B4-BE49-F238E27FC236}">
-                <a16:creationId xmlns:a16="http://schemas.microsoft.com/office/drawing/2014/main" id="{5EC42299-E658-4C8A-930E-1A0834FE1AB9}"/>
-              </a:ext>
-            </a:extLst>
-          </p:cNvPr>
-          <p:cNvSpPr txBox="1"/>
-          <p:nvPr/>
-        </p:nvSpPr>
-        <p:spPr>
-          <a:xfrm>
-            <a:off x="8223934" y="8426494"/>
-            <a:ext cx="841897" cy="475836"/>
-          </a:xfrm>
-          <a:prstGeom prst="rect">
-            <a:avLst/>
-          </a:prstGeom>
-          <a:noFill/>
-        </p:spPr>
-        <p:txBody>
-          <a:bodyPr wrap="none" rtlCol="0">
-            <a:spAutoFit/>
-          </a:bodyPr>
-          <a:lstStyle/>
-          <a:p>
-            <a:r>
-              <a:rPr lang="en-PH" sz="2492" dirty="0"/>
-              <a:t>Male</a:t>
-            </a:r>
-          </a:p>
-        </p:txBody>
-      </p:sp>
-      <p:sp>
-        <p:nvSpPr>
-          <p:cNvPr id="52" name="Oval 51">
-            <a:extLst>
-              <a:ext uri="{FF2B5EF4-FFF2-40B4-BE49-F238E27FC236}">
-                <a16:creationId xmlns:a16="http://schemas.microsoft.com/office/drawing/2014/main" id="{64C87FE3-5E20-4BF6-8B53-4CD20B57BD70}"/>
-              </a:ext>
-            </a:extLst>
-          </p:cNvPr>
-          <p:cNvSpPr/>
-          <p:nvPr/>
-        </p:nvSpPr>
-        <p:spPr>
-          <a:xfrm>
-            <a:off x="9587331" y="8522003"/>
-            <a:ext cx="356155" cy="356155"/>
-          </a:xfrm>
-          <a:prstGeom prst="ellipse">
-            <a:avLst/>
-          </a:prstGeom>
-        </p:spPr>
-        <p:style>
-          <a:lnRef idx="2">
-            <a:schemeClr val="dk1"/>
-          </a:lnRef>
-          <a:fillRef idx="1">
-            <a:schemeClr val="lt1"/>
-          </a:fillRef>
-          <a:effectRef idx="0">
-            <a:schemeClr val="dk1"/>
-          </a:effectRef>
-          <a:fontRef idx="minor">
-            <a:schemeClr val="dk1"/>
-          </a:fontRef>
-        </p:style>
-        <p:txBody>
-          <a:bodyPr rtlCol="0" anchor="ctr"/>
-          <a:lstStyle/>
-          <a:p>
-            <a:pPr algn="ctr"/>
-            <a:endParaRPr lang="en-PH" sz="1424"/>
-          </a:p>
-        </p:txBody>
-      </p:sp>
-      <p:sp>
-        <p:nvSpPr>
-          <p:cNvPr id="54" name="TextBox 53">
-            <a:extLst>
-              <a:ext uri="{FF2B5EF4-FFF2-40B4-BE49-F238E27FC236}">
-                <a16:creationId xmlns:a16="http://schemas.microsoft.com/office/drawing/2014/main" id="{78B70504-CCEB-44E3-9E01-119CCCB04F47}"/>
-              </a:ext>
-            </a:extLst>
-          </p:cNvPr>
-          <p:cNvSpPr txBox="1"/>
-          <p:nvPr/>
-        </p:nvSpPr>
-        <p:spPr>
-          <a:xfrm>
-            <a:off x="9953591" y="8426494"/>
-            <a:ext cx="1125757" cy="475836"/>
-          </a:xfrm>
-          <a:prstGeom prst="rect">
-            <a:avLst/>
-          </a:prstGeom>
-          <a:noFill/>
-        </p:spPr>
-        <p:txBody>
-          <a:bodyPr wrap="none" rtlCol="0">
-            <a:spAutoFit/>
-          </a:bodyPr>
-          <a:lstStyle/>
-          <a:p>
-            <a:r>
-              <a:rPr lang="en-PH" sz="2492" dirty="0"/>
-              <a:t>Female</a:t>
-            </a:r>
-          </a:p>
-        </p:txBody>
-      </p:sp>
-      <p:sp>
-        <p:nvSpPr>
-          <p:cNvPr id="55" name="Rectangle: Rounded Corners 54">
-            <a:extLst>
-              <a:ext uri="{FF2B5EF4-FFF2-40B4-BE49-F238E27FC236}">
-                <a16:creationId xmlns:a16="http://schemas.microsoft.com/office/drawing/2014/main" id="{3B8AD399-FBC6-4A40-8A9F-FF523B2EEC4D}"/>
-              </a:ext>
-            </a:extLst>
-          </p:cNvPr>
-          <p:cNvSpPr/>
-          <p:nvPr/>
-        </p:nvSpPr>
-        <p:spPr>
-          <a:xfrm>
-            <a:off x="8990262" y="9169103"/>
-            <a:ext cx="2324108" cy="604268"/>
-          </a:xfrm>
-          <a:prstGeom prst="roundRect">
-            <a:avLst>
-              <a:gd name="adj" fmla="val 50000"/>
-            </a:avLst>
-          </a:prstGeom>
-          <a:ln>
-            <a:solidFill>
-              <a:schemeClr val="tx1"/>
-            </a:solidFill>
-          </a:ln>
-        </p:spPr>
-        <p:style>
-          <a:lnRef idx="1">
-            <a:schemeClr val="accent4"/>
-          </a:lnRef>
-          <a:fillRef idx="2">
-            <a:schemeClr val="accent4"/>
-          </a:fillRef>
-          <a:effectRef idx="1">
-            <a:schemeClr val="accent4"/>
-          </a:effectRef>
-          <a:fontRef idx="minor">
-            <a:schemeClr val="dk1"/>
-          </a:fontRef>
-        </p:style>
-        <p:txBody>
-          <a:bodyPr rtlCol="0" anchor="ctr"/>
-          <a:lstStyle/>
-          <a:p>
-            <a:pPr algn="ctr"/>
-            <a:r>
-              <a:rPr lang="en-PH" sz="1424" dirty="0"/>
-              <a:t>Register</a:t>
-            </a:r>
-          </a:p>
-        </p:txBody>
-      </p:sp>
-      <p:sp>
-        <p:nvSpPr>
-          <p:cNvPr id="56" name="Isosceles Triangle 55">
-            <a:extLst>
-              <a:ext uri="{FF2B5EF4-FFF2-40B4-BE49-F238E27FC236}">
-                <a16:creationId xmlns:a16="http://schemas.microsoft.com/office/drawing/2014/main" id="{432E519A-74BD-4DD9-920E-93B9DE299797}"/>
-              </a:ext>
-            </a:extLst>
-          </p:cNvPr>
-          <p:cNvSpPr/>
-          <p:nvPr/>
-        </p:nvSpPr>
-        <p:spPr>
-          <a:xfrm rot="16200000">
-            <a:off x="2185178" y="10243770"/>
-            <a:ext cx="393593" cy="304329"/>
-          </a:xfrm>
-          <a:prstGeom prst="triangle">
-            <a:avLst/>
-          </a:prstGeom>
-        </p:spPr>
-        <p:style>
-          <a:lnRef idx="1">
-            <a:schemeClr val="accent3"/>
-          </a:lnRef>
-          <a:fillRef idx="2">
-            <a:schemeClr val="accent3"/>
-          </a:fillRef>
-          <a:effectRef idx="1">
-            <a:schemeClr val="accent3"/>
-          </a:effectRef>
-          <a:fontRef idx="minor">
-            <a:schemeClr val="dk1"/>
-          </a:fontRef>
-        </p:style>
-        <p:txBody>
-          <a:bodyPr rtlCol="0" anchor="ctr"/>
-          <a:lstStyle/>
-          <a:p>
-            <a:pPr algn="ctr"/>
-            <a:endParaRPr lang="en-PH" sz="1424"/>
-          </a:p>
-        </p:txBody>
-      </p:sp>
-      <p:sp>
-        <p:nvSpPr>
-          <p:cNvPr id="57" name="Rectangle 56">
-            <a:extLst>
-              <a:ext uri="{FF2B5EF4-FFF2-40B4-BE49-F238E27FC236}">
-                <a16:creationId xmlns:a16="http://schemas.microsoft.com/office/drawing/2014/main" id="{71B53A39-4263-4A2C-81AD-C252015B4B6C}"/>
-              </a:ext>
-            </a:extLst>
-          </p:cNvPr>
-          <p:cNvSpPr/>
-          <p:nvPr/>
-        </p:nvSpPr>
-        <p:spPr>
-          <a:xfrm>
-            <a:off x="4320198" y="10199129"/>
-            <a:ext cx="393593" cy="393593"/>
-          </a:xfrm>
-          <a:prstGeom prst="rect">
-            <a:avLst/>
-          </a:prstGeom>
-        </p:spPr>
-        <p:style>
-          <a:lnRef idx="1">
-            <a:schemeClr val="accent3"/>
-          </a:lnRef>
-          <a:fillRef idx="2">
-            <a:schemeClr val="accent3"/>
-          </a:fillRef>
-          <a:effectRef idx="1">
-            <a:schemeClr val="accent3"/>
-          </a:effectRef>
-          <a:fontRef idx="minor">
-            <a:schemeClr val="dk1"/>
-          </a:fontRef>
-        </p:style>
-        <p:txBody>
-          <a:bodyPr rtlCol="0" anchor="ctr"/>
-          <a:lstStyle/>
-          <a:p>
-            <a:pPr algn="ctr"/>
-            <a:endParaRPr lang="en-PH" sz="1424"/>
-          </a:p>
-        </p:txBody>
-      </p:sp>
-      <p:sp>
-        <p:nvSpPr>
-          <p:cNvPr id="58" name="Oval 57">
-            <a:extLst>
-              <a:ext uri="{FF2B5EF4-FFF2-40B4-BE49-F238E27FC236}">
-                <a16:creationId xmlns:a16="http://schemas.microsoft.com/office/drawing/2014/main" id="{6730DD16-95BC-46A5-87D6-8CFD8CD7C0FA}"/>
-              </a:ext>
-            </a:extLst>
-          </p:cNvPr>
-          <p:cNvSpPr/>
-          <p:nvPr/>
-        </p:nvSpPr>
-        <p:spPr>
-          <a:xfrm>
-            <a:off x="3230369" y="10218487"/>
-            <a:ext cx="393593" cy="393593"/>
-          </a:xfrm>
-          <a:prstGeom prst="ellipse">
-            <a:avLst/>
-          </a:prstGeom>
-        </p:spPr>
-        <p:style>
-          <a:lnRef idx="1">
-            <a:schemeClr val="accent3"/>
-          </a:lnRef>
-          <a:fillRef idx="2">
-            <a:schemeClr val="accent3"/>
-          </a:fillRef>
-          <a:effectRef idx="1">
-            <a:schemeClr val="accent3"/>
-          </a:effectRef>
-          <a:fontRef idx="minor">
-            <a:schemeClr val="dk1"/>
-          </a:fontRef>
-        </p:style>
-        <p:txBody>
-          <a:bodyPr rtlCol="0" anchor="ctr"/>
-          <a:lstStyle/>
-          <a:p>
-            <a:pPr algn="ctr"/>
-            <a:endParaRPr lang="en-PH" sz="1424"/>
-          </a:p>
-        </p:txBody>
-      </p:sp>
-      <p:sp>
-        <p:nvSpPr>
-          <p:cNvPr id="59" name="Isosceles Triangle 58">
-            <a:extLst>
-              <a:ext uri="{FF2B5EF4-FFF2-40B4-BE49-F238E27FC236}">
-                <a16:creationId xmlns:a16="http://schemas.microsoft.com/office/drawing/2014/main" id="{6E25B372-7D73-4DD2-8B91-EEE4AEE7E2A9}"/>
-              </a:ext>
-            </a:extLst>
-          </p:cNvPr>
-          <p:cNvSpPr/>
-          <p:nvPr/>
-        </p:nvSpPr>
-        <p:spPr>
-          <a:xfrm rot="16200000">
-            <a:off x="8896456" y="10282484"/>
-            <a:ext cx="393593" cy="304329"/>
-          </a:xfrm>
-          <a:prstGeom prst="triangle">
-            <a:avLst/>
-          </a:prstGeom>
-        </p:spPr>
-        <p:style>
-          <a:lnRef idx="1">
-            <a:schemeClr val="accent3"/>
-          </a:lnRef>
-          <a:fillRef idx="2">
-            <a:schemeClr val="accent3"/>
-          </a:fillRef>
-          <a:effectRef idx="1">
-            <a:schemeClr val="accent3"/>
-          </a:effectRef>
-          <a:fontRef idx="minor">
-            <a:schemeClr val="dk1"/>
-          </a:fontRef>
-        </p:style>
-        <p:txBody>
-          <a:bodyPr rtlCol="0" anchor="ctr"/>
-          <a:lstStyle/>
-          <a:p>
-            <a:pPr algn="ctr"/>
-            <a:endParaRPr lang="en-PH" sz="1424"/>
-          </a:p>
-        </p:txBody>
-      </p:sp>
-      <p:sp>
-        <p:nvSpPr>
-          <p:cNvPr id="60" name="Rectangle 59">
-            <a:extLst>
-              <a:ext uri="{FF2B5EF4-FFF2-40B4-BE49-F238E27FC236}">
-                <a16:creationId xmlns:a16="http://schemas.microsoft.com/office/drawing/2014/main" id="{8D8CAD43-ABF3-4412-806E-82761C828F39}"/>
-              </a:ext>
-            </a:extLst>
-          </p:cNvPr>
-          <p:cNvSpPr/>
-          <p:nvPr/>
-        </p:nvSpPr>
-        <p:spPr>
-          <a:xfrm>
-            <a:off x="11031485" y="10237844"/>
-            <a:ext cx="393593" cy="393593"/>
-          </a:xfrm>
-          <a:prstGeom prst="rect">
-            <a:avLst/>
-          </a:prstGeom>
-        </p:spPr>
-        <p:style>
-          <a:lnRef idx="1">
-            <a:schemeClr val="accent3"/>
-          </a:lnRef>
-          <a:fillRef idx="2">
-            <a:schemeClr val="accent3"/>
-          </a:fillRef>
-          <a:effectRef idx="1">
-            <a:schemeClr val="accent3"/>
-          </a:effectRef>
-          <a:fontRef idx="minor">
-            <a:schemeClr val="dk1"/>
-          </a:fontRef>
-        </p:style>
-        <p:txBody>
-          <a:bodyPr rtlCol="0" anchor="ctr"/>
-          <a:lstStyle/>
-          <a:p>
-            <a:pPr algn="ctr"/>
-            <a:endParaRPr lang="en-PH" sz="1424"/>
-          </a:p>
-        </p:txBody>
-      </p:sp>
-      <p:sp>
-        <p:nvSpPr>
-          <p:cNvPr id="61" name="Oval 60">
-            <a:extLst>
-              <a:ext uri="{FF2B5EF4-FFF2-40B4-BE49-F238E27FC236}">
-                <a16:creationId xmlns:a16="http://schemas.microsoft.com/office/drawing/2014/main" id="{30324204-1F45-4EBC-B77F-B47540969C71}"/>
-              </a:ext>
-            </a:extLst>
-          </p:cNvPr>
-          <p:cNvSpPr/>
-          <p:nvPr/>
-        </p:nvSpPr>
-        <p:spPr>
-          <a:xfrm>
-            <a:off x="9941656" y="10257202"/>
-            <a:ext cx="393593" cy="393593"/>
-          </a:xfrm>
-          <a:prstGeom prst="ellipse">
-            <a:avLst/>
-          </a:prstGeom>
-        </p:spPr>
-        <p:style>
-          <a:lnRef idx="1">
-            <a:schemeClr val="accent3"/>
-          </a:lnRef>
-          <a:fillRef idx="2">
-            <a:schemeClr val="accent3"/>
-          </a:fillRef>
-          <a:effectRef idx="1">
-            <a:schemeClr val="accent3"/>
-          </a:effectRef>
-          <a:fontRef idx="minor">
-            <a:schemeClr val="dk1"/>
-          </a:fontRef>
-        </p:style>
-        <p:txBody>
-          <a:bodyPr rtlCol="0" anchor="ctr"/>
-          <a:lstStyle/>
-          <a:p>
-            <a:pPr algn="ctr"/>
-            <a:endParaRPr lang="en-PH" sz="1424"/>
-          </a:p>
-        </p:txBody>
-      </p:sp>
-      <p:sp>
-        <p:nvSpPr>
-          <p:cNvPr id="62" name="TextBox 61">
-            <a:extLst>
-              <a:ext uri="{FF2B5EF4-FFF2-40B4-BE49-F238E27FC236}">
-                <a16:creationId xmlns:a16="http://schemas.microsoft.com/office/drawing/2014/main" id="{5273F010-DE23-4418-844F-892D009A357D}"/>
-              </a:ext>
-            </a:extLst>
-          </p:cNvPr>
-          <p:cNvSpPr txBox="1"/>
-          <p:nvPr/>
-        </p:nvSpPr>
-        <p:spPr>
-          <a:xfrm>
-            <a:off x="-5011656" y="4430507"/>
-            <a:ext cx="3529428" cy="748666"/>
-          </a:xfrm>
-          <a:prstGeom prst="rect">
-            <a:avLst/>
-          </a:prstGeom>
-          <a:noFill/>
-        </p:spPr>
-        <p:txBody>
-          <a:bodyPr wrap="none" rtlCol="0">
-            <a:spAutoFit/>
-          </a:bodyPr>
-          <a:lstStyle/>
-          <a:p>
-            <a:r>
-              <a:rPr lang="en-PH" sz="4265" b="1" spc="533" dirty="0"/>
-              <a:t>Welcome!!!</a:t>
-            </a:r>
-          </a:p>
-        </p:txBody>
-      </p:sp>
-    </p:spTree>
-    <p:extLst>
-      <p:ext uri="{BB962C8B-B14F-4D97-AF65-F5344CB8AC3E}">
-        <p14:creationId xmlns:p14="http://schemas.microsoft.com/office/powerpoint/2010/main" val="1767385288"/>
-      </p:ext>
-    </p:extLst>
-  </p:cSld>
-  <p:clrMapOvr>
-    <a:masterClrMapping/>
-  </p:clrMapOvr>
-  <mc:AlternateContent xmlns:mc="http://schemas.openxmlformats.org/markup-compatibility/2006" xmlns:p14="http://schemas.microsoft.com/office/powerpoint/2010/main">
-    <mc:Choice Requires="p14">
-      <p:transition spd="slow" p14:dur="2000" advClick="0"/>
-    </mc:Choice>
-    <mc:Fallback xmlns="">
-      <p:transition spd="slow" advClick="0"/>
-    </mc:Fallback>
-  </mc:AlternateContent>
-</p:sld>
-</file>
-
-<file path=ppt/slides/slide6.xml><?xml version="1.0" encoding="utf-8"?>
-<p:sld xmlns:a="http://schemas.openxmlformats.org/drawingml/2006/main" xmlns:r="http://schemas.openxmlformats.org/officeDocument/2006/relationships" xmlns:p="http://schemas.openxmlformats.org/presentationml/2006/main">
-  <p:cSld>
-    <p:spTree>
-      <p:nvGrpSpPr>
-        <p:cNvPr id="1" name=""/>
-        <p:cNvGrpSpPr/>
-        <p:nvPr/>
-      </p:nvGrpSpPr>
-      <p:grpSpPr>
-        <a:xfrm>
-          <a:off x="0" y="0"/>
-          <a:ext cx="0" cy="0"/>
-          <a:chOff x="0" y="0"/>
-          <a:chExt cx="0" cy="0"/>
-        </a:xfrm>
-      </p:grpSpPr>
-      <p:sp>
-        <p:nvSpPr>
-          <p:cNvPr id="2" name="Freeform: Shape 1">
-            <a:extLst>
-              <a:ext uri="{FF2B5EF4-FFF2-40B4-BE49-F238E27FC236}">
-                <a16:creationId xmlns:a16="http://schemas.microsoft.com/office/drawing/2014/main" id="{9C4475FE-7F30-4BE7-9815-66D969C06E1A}"/>
-              </a:ext>
-            </a:extLst>
-          </p:cNvPr>
-          <p:cNvSpPr/>
-          <p:nvPr/>
-        </p:nvSpPr>
-        <p:spPr>
-          <a:xfrm>
-            <a:off x="286171" y="346929"/>
-            <a:ext cx="6285657" cy="11498142"/>
-          </a:xfrm>
-          <a:custGeom>
-            <a:avLst/>
-            <a:gdLst>
-              <a:gd name="connsiteX0" fmla="*/ 728167 w 3535680"/>
-              <a:gd name="connsiteY0" fmla="*/ 255023 h 6467707"/>
-              <a:gd name="connsiteX1" fmla="*/ 210073 w 3535680"/>
-              <a:gd name="connsiteY1" fmla="*/ 773117 h 6467707"/>
-              <a:gd name="connsiteX2" fmla="*/ 210073 w 3535680"/>
-              <a:gd name="connsiteY2" fmla="*/ 5406208 h 6467707"/>
-              <a:gd name="connsiteX3" fmla="*/ 728167 w 3535680"/>
-              <a:gd name="connsiteY3" fmla="*/ 5924302 h 6467707"/>
-              <a:gd name="connsiteX4" fmla="*/ 2800478 w 3535680"/>
-              <a:gd name="connsiteY4" fmla="*/ 5924302 h 6467707"/>
-              <a:gd name="connsiteX5" fmla="*/ 3318572 w 3535680"/>
-              <a:gd name="connsiteY5" fmla="*/ 5406208 h 6467707"/>
-              <a:gd name="connsiteX6" fmla="*/ 3318572 w 3535680"/>
-              <a:gd name="connsiteY6" fmla="*/ 773117 h 6467707"/>
-              <a:gd name="connsiteX7" fmla="*/ 2800478 w 3535680"/>
-              <a:gd name="connsiteY7" fmla="*/ 255023 h 6467707"/>
-              <a:gd name="connsiteX8" fmla="*/ 589292 w 3535680"/>
-              <a:gd name="connsiteY8" fmla="*/ 0 h 6467707"/>
-              <a:gd name="connsiteX9" fmla="*/ 2946388 w 3535680"/>
-              <a:gd name="connsiteY9" fmla="*/ 0 h 6467707"/>
-              <a:gd name="connsiteX10" fmla="*/ 3535680 w 3535680"/>
-              <a:gd name="connsiteY10" fmla="*/ 589292 h 6467707"/>
-              <a:gd name="connsiteX11" fmla="*/ 3535680 w 3535680"/>
-              <a:gd name="connsiteY11" fmla="*/ 5878415 h 6467707"/>
-              <a:gd name="connsiteX12" fmla="*/ 2946388 w 3535680"/>
-              <a:gd name="connsiteY12" fmla="*/ 6467707 h 6467707"/>
-              <a:gd name="connsiteX13" fmla="*/ 589292 w 3535680"/>
-              <a:gd name="connsiteY13" fmla="*/ 6467707 h 6467707"/>
-              <a:gd name="connsiteX14" fmla="*/ 0 w 3535680"/>
-              <a:gd name="connsiteY14" fmla="*/ 5878415 h 6467707"/>
-              <a:gd name="connsiteX15" fmla="*/ 0 w 3535680"/>
-              <a:gd name="connsiteY15" fmla="*/ 589292 h 6467707"/>
-              <a:gd name="connsiteX16" fmla="*/ 589292 w 3535680"/>
-              <a:gd name="connsiteY16" fmla="*/ 0 h 6467707"/>
-            </a:gdLst>
-            <a:ahLst/>
-            <a:cxnLst>
-              <a:cxn ang="0">
-                <a:pos x="connsiteX0" y="connsiteY0"/>
-              </a:cxn>
-              <a:cxn ang="0">
-                <a:pos x="connsiteX1" y="connsiteY1"/>
-              </a:cxn>
-              <a:cxn ang="0">
-                <a:pos x="connsiteX2" y="connsiteY2"/>
-              </a:cxn>
-              <a:cxn ang="0">
-                <a:pos x="connsiteX3" y="connsiteY3"/>
-              </a:cxn>
-              <a:cxn ang="0">
-                <a:pos x="connsiteX4" y="connsiteY4"/>
-              </a:cxn>
-              <a:cxn ang="0">
-                <a:pos x="connsiteX5" y="connsiteY5"/>
-              </a:cxn>
-              <a:cxn ang="0">
-                <a:pos x="connsiteX6" y="connsiteY6"/>
-              </a:cxn>
-              <a:cxn ang="0">
-                <a:pos x="connsiteX7" y="connsiteY7"/>
-              </a:cxn>
-              <a:cxn ang="0">
-                <a:pos x="connsiteX8" y="connsiteY8"/>
-              </a:cxn>
-              <a:cxn ang="0">
-                <a:pos x="connsiteX9" y="connsiteY9"/>
-              </a:cxn>
-              <a:cxn ang="0">
-                <a:pos x="connsiteX10" y="connsiteY10"/>
-              </a:cxn>
-              <a:cxn ang="0">
-                <a:pos x="connsiteX11" y="connsiteY11"/>
-              </a:cxn>
-              <a:cxn ang="0">
-                <a:pos x="connsiteX12" y="connsiteY12"/>
-              </a:cxn>
-              <a:cxn ang="0">
-                <a:pos x="connsiteX13" y="connsiteY13"/>
-              </a:cxn>
-              <a:cxn ang="0">
-                <a:pos x="connsiteX14" y="connsiteY14"/>
-              </a:cxn>
-              <a:cxn ang="0">
-                <a:pos x="connsiteX15" y="connsiteY15"/>
-              </a:cxn>
-              <a:cxn ang="0">
-                <a:pos x="connsiteX16" y="connsiteY16"/>
-              </a:cxn>
-            </a:cxnLst>
-            <a:rect l="l" t="t" r="r" b="b"/>
-            <a:pathLst>
-              <a:path w="3535680" h="6467707">
-                <a:moveTo>
-                  <a:pt x="728167" y="255023"/>
-                </a:moveTo>
-                <a:cubicBezTo>
-                  <a:pt x="442032" y="255023"/>
-                  <a:pt x="210073" y="486982"/>
-                  <a:pt x="210073" y="773117"/>
-                </a:cubicBezTo>
-                <a:lnTo>
-                  <a:pt x="210073" y="5406208"/>
-                </a:lnTo>
-                <a:cubicBezTo>
-                  <a:pt x="210073" y="5692343"/>
-                  <a:pt x="442032" y="5924302"/>
-                  <a:pt x="728167" y="5924302"/>
-                </a:cubicBezTo>
-                <a:lnTo>
-                  <a:pt x="2800478" y="5924302"/>
-                </a:lnTo>
-                <a:cubicBezTo>
-                  <a:pt x="3086613" y="5924302"/>
-                  <a:pt x="3318572" y="5692343"/>
-                  <a:pt x="3318572" y="5406208"/>
-                </a:cubicBezTo>
-                <a:lnTo>
-                  <a:pt x="3318572" y="773117"/>
-                </a:lnTo>
-                <a:cubicBezTo>
-                  <a:pt x="3318572" y="486982"/>
-                  <a:pt x="3086613" y="255023"/>
-                  <a:pt x="2800478" y="255023"/>
-                </a:cubicBezTo>
-                <a:close/>
-                <a:moveTo>
-                  <a:pt x="589292" y="0"/>
-                </a:moveTo>
-                <a:lnTo>
-                  <a:pt x="2946388" y="0"/>
-                </a:lnTo>
-                <a:cubicBezTo>
-                  <a:pt x="3271845" y="0"/>
-                  <a:pt x="3535680" y="263835"/>
-                  <a:pt x="3535680" y="589292"/>
-                </a:cubicBezTo>
-                <a:lnTo>
-                  <a:pt x="3535680" y="5878415"/>
-                </a:lnTo>
-                <a:cubicBezTo>
-                  <a:pt x="3535680" y="6203872"/>
-                  <a:pt x="3271845" y="6467707"/>
-                  <a:pt x="2946388" y="6467707"/>
-                </a:cubicBezTo>
-                <a:lnTo>
-                  <a:pt x="589292" y="6467707"/>
-                </a:lnTo>
-                <a:cubicBezTo>
-                  <a:pt x="263835" y="6467707"/>
-                  <a:pt x="0" y="6203872"/>
-                  <a:pt x="0" y="5878415"/>
-                </a:cubicBezTo>
-                <a:lnTo>
-                  <a:pt x="0" y="589292"/>
-                </a:lnTo>
-                <a:cubicBezTo>
-                  <a:pt x="0" y="263835"/>
-                  <a:pt x="263835" y="0"/>
-                  <a:pt x="589292" y="0"/>
-                </a:cubicBezTo>
-                <a:close/>
-              </a:path>
-            </a:pathLst>
-          </a:custGeom>
-          <a:solidFill>
-            <a:schemeClr val="bg1">
-              <a:lumMod val="85000"/>
-            </a:schemeClr>
-          </a:solidFill>
-          <a:ln w="76200">
-            <a:solidFill>
-              <a:schemeClr val="tx1"/>
-            </a:solidFill>
-          </a:ln>
-        </p:spPr>
-        <p:style>
-          <a:lnRef idx="2">
-            <a:schemeClr val="accent1">
-              <a:shade val="50000"/>
-            </a:schemeClr>
-          </a:lnRef>
-          <a:fillRef idx="1">
-            <a:schemeClr val="accent1"/>
-          </a:fillRef>
-          <a:effectRef idx="0">
-            <a:schemeClr val="accent1"/>
-          </a:effectRef>
-          <a:fontRef idx="minor">
-            <a:schemeClr val="lt1"/>
-          </a:fontRef>
-        </p:style>
-        <p:txBody>
-          <a:bodyPr rtlCol="0" anchor="ctr"/>
-          <a:lstStyle/>
-          <a:p>
-            <a:pPr algn="ctr"/>
-            <a:endParaRPr lang="en-PH" sz="1424" dirty="0">
-              <a:latin typeface="Tahoma" panose="020B0604030504040204" pitchFamily="34" charset="0"/>
-              <a:ea typeface="Tahoma" panose="020B0604030504040204" pitchFamily="34" charset="0"/>
-              <a:cs typeface="Tahoma" panose="020B0604030504040204" pitchFamily="34" charset="0"/>
-            </a:endParaRPr>
-          </a:p>
-        </p:txBody>
-      </p:sp>
-      <p:sp>
-        <p:nvSpPr>
-          <p:cNvPr id="3" name="Isosceles Triangle 2">
-            <a:extLst>
-              <a:ext uri="{FF2B5EF4-FFF2-40B4-BE49-F238E27FC236}">
-                <a16:creationId xmlns:a16="http://schemas.microsoft.com/office/drawing/2014/main" id="{85651EF2-BCC3-4652-8D37-B0C97A42BD8E}"/>
-              </a:ext>
-            </a:extLst>
-          </p:cNvPr>
-          <p:cNvSpPr/>
-          <p:nvPr/>
-        </p:nvSpPr>
-        <p:spPr>
-          <a:xfrm rot="16200000">
-            <a:off x="2111607" y="10263126"/>
-            <a:ext cx="393593" cy="304329"/>
-          </a:xfrm>
-          <a:prstGeom prst="triangle">
-            <a:avLst/>
-          </a:prstGeom>
-        </p:spPr>
-        <p:style>
-          <a:lnRef idx="1">
-            <a:schemeClr val="accent3"/>
-          </a:lnRef>
-          <a:fillRef idx="2">
-            <a:schemeClr val="accent3"/>
-          </a:fillRef>
-          <a:effectRef idx="1">
-            <a:schemeClr val="accent3"/>
-          </a:effectRef>
-          <a:fontRef idx="minor">
-            <a:schemeClr val="dk1"/>
-          </a:fontRef>
-        </p:style>
-        <p:txBody>
-          <a:bodyPr rtlCol="0" anchor="ctr"/>
-          <a:lstStyle/>
-          <a:p>
-            <a:pPr algn="ctr"/>
-            <a:endParaRPr lang="en-PH" sz="1424">
-              <a:latin typeface="Tahoma" panose="020B0604030504040204" pitchFamily="34" charset="0"/>
-              <a:ea typeface="Tahoma" panose="020B0604030504040204" pitchFamily="34" charset="0"/>
-              <a:cs typeface="Tahoma" panose="020B0604030504040204" pitchFamily="34" charset="0"/>
-            </a:endParaRPr>
-          </a:p>
-        </p:txBody>
-      </p:sp>
-      <p:sp>
-        <p:nvSpPr>
-          <p:cNvPr id="4" name="Rectangle 3">
-            <a:extLst>
-              <a:ext uri="{FF2B5EF4-FFF2-40B4-BE49-F238E27FC236}">
-                <a16:creationId xmlns:a16="http://schemas.microsoft.com/office/drawing/2014/main" id="{88FCFA6D-BE00-4298-973C-EF4B5DB0B73D}"/>
-              </a:ext>
-            </a:extLst>
-          </p:cNvPr>
-          <p:cNvSpPr/>
-          <p:nvPr/>
-        </p:nvSpPr>
-        <p:spPr>
-          <a:xfrm>
-            <a:off x="4246628" y="10218485"/>
-            <a:ext cx="393593" cy="393593"/>
-          </a:xfrm>
-          <a:prstGeom prst="rect">
-            <a:avLst/>
-          </a:prstGeom>
-        </p:spPr>
-        <p:style>
-          <a:lnRef idx="1">
-            <a:schemeClr val="accent3"/>
-          </a:lnRef>
-          <a:fillRef idx="2">
-            <a:schemeClr val="accent3"/>
-          </a:fillRef>
-          <a:effectRef idx="1">
-            <a:schemeClr val="accent3"/>
-          </a:effectRef>
-          <a:fontRef idx="minor">
-            <a:schemeClr val="dk1"/>
-          </a:fontRef>
-        </p:style>
-        <p:txBody>
-          <a:bodyPr rtlCol="0" anchor="ctr"/>
-          <a:lstStyle/>
-          <a:p>
-            <a:pPr algn="ctr"/>
-            <a:endParaRPr lang="en-PH" sz="1424">
-              <a:latin typeface="Tahoma" panose="020B0604030504040204" pitchFamily="34" charset="0"/>
-              <a:ea typeface="Tahoma" panose="020B0604030504040204" pitchFamily="34" charset="0"/>
-              <a:cs typeface="Tahoma" panose="020B0604030504040204" pitchFamily="34" charset="0"/>
-            </a:endParaRPr>
-          </a:p>
-        </p:txBody>
-      </p:sp>
-      <p:sp>
-        <p:nvSpPr>
-          <p:cNvPr id="5" name="Oval 4">
-            <a:extLst>
-              <a:ext uri="{FF2B5EF4-FFF2-40B4-BE49-F238E27FC236}">
-                <a16:creationId xmlns:a16="http://schemas.microsoft.com/office/drawing/2014/main" id="{2EC5D895-DD70-45D1-885C-CDE8CEEA004E}"/>
-              </a:ext>
-            </a:extLst>
-          </p:cNvPr>
-          <p:cNvSpPr/>
-          <p:nvPr/>
-        </p:nvSpPr>
-        <p:spPr>
-          <a:xfrm>
-            <a:off x="3156798" y="10237842"/>
-            <a:ext cx="393593" cy="393593"/>
-          </a:xfrm>
-          <a:prstGeom prst="ellipse">
-            <a:avLst/>
-          </a:prstGeom>
-        </p:spPr>
-        <p:style>
-          <a:lnRef idx="1">
-            <a:schemeClr val="accent3"/>
-          </a:lnRef>
-          <a:fillRef idx="2">
-            <a:schemeClr val="accent3"/>
-          </a:fillRef>
-          <a:effectRef idx="1">
-            <a:schemeClr val="accent3"/>
-          </a:effectRef>
-          <a:fontRef idx="minor">
-            <a:schemeClr val="dk1"/>
-          </a:fontRef>
-        </p:style>
-        <p:txBody>
-          <a:bodyPr rtlCol="0" anchor="ctr"/>
-          <a:lstStyle/>
-          <a:p>
-            <a:pPr algn="ctr"/>
-            <a:endParaRPr lang="en-PH" sz="1424">
-              <a:latin typeface="Tahoma" panose="020B0604030504040204" pitchFamily="34" charset="0"/>
-              <a:ea typeface="Tahoma" panose="020B0604030504040204" pitchFamily="34" charset="0"/>
-              <a:cs typeface="Tahoma" panose="020B0604030504040204" pitchFamily="34" charset="0"/>
-            </a:endParaRPr>
-          </a:p>
-        </p:txBody>
-      </p:sp>
-      <p:sp>
-        <p:nvSpPr>
-          <p:cNvPr id="7" name="TextBox 6">
-            <a:extLst>
-              <a:ext uri="{FF2B5EF4-FFF2-40B4-BE49-F238E27FC236}">
-                <a16:creationId xmlns:a16="http://schemas.microsoft.com/office/drawing/2014/main" id="{757FBF9E-3068-43DD-B2BF-82D2270B8003}"/>
-              </a:ext>
-            </a:extLst>
-          </p:cNvPr>
-          <p:cNvSpPr txBox="1"/>
-          <p:nvPr/>
-        </p:nvSpPr>
-        <p:spPr>
-          <a:xfrm>
-            <a:off x="2807087" y="1187194"/>
-            <a:ext cx="2505173" cy="707886"/>
-          </a:xfrm>
-          <a:prstGeom prst="rect">
-            <a:avLst/>
-          </a:prstGeom>
-          <a:noFill/>
-        </p:spPr>
-        <p:txBody>
-          <a:bodyPr wrap="none" rtlCol="0">
-            <a:spAutoFit/>
-          </a:bodyPr>
-          <a:lstStyle/>
-          <a:p>
-            <a:r>
-              <a:rPr lang="en-PH" sz="4000" b="1" spc="-263" dirty="0">
-                <a:latin typeface="Tahoma" panose="020B0604030504040204" pitchFamily="34" charset="0"/>
-                <a:ea typeface="Tahoma" panose="020B0604030504040204" pitchFamily="34" charset="0"/>
-                <a:cs typeface="Tahoma" panose="020B0604030504040204" pitchFamily="34" charset="0"/>
-              </a:rPr>
-              <a:t>Greetings,</a:t>
-            </a:r>
-          </a:p>
-        </p:txBody>
-      </p:sp>
-      <p:sp>
-        <p:nvSpPr>
-          <p:cNvPr id="8" name="TextBox 7">
-            <a:extLst>
-              <a:ext uri="{FF2B5EF4-FFF2-40B4-BE49-F238E27FC236}">
-                <a16:creationId xmlns:a16="http://schemas.microsoft.com/office/drawing/2014/main" id="{FC695B69-8687-4069-A273-D38427567FFD}"/>
-              </a:ext>
-            </a:extLst>
-          </p:cNvPr>
-          <p:cNvSpPr txBox="1"/>
-          <p:nvPr/>
-        </p:nvSpPr>
-        <p:spPr>
-          <a:xfrm>
-            <a:off x="3550391" y="1935860"/>
-            <a:ext cx="2449132" cy="707886"/>
-          </a:xfrm>
-          <a:prstGeom prst="rect">
-            <a:avLst/>
-          </a:prstGeom>
-          <a:noFill/>
-        </p:spPr>
-        <p:txBody>
-          <a:bodyPr wrap="none" rtlCol="0">
-            <a:spAutoFit/>
-          </a:bodyPr>
-          <a:lstStyle/>
-          <a:p>
-            <a:r>
-              <a:rPr lang="en-PH" sz="4000" b="1" spc="-263" dirty="0">
-                <a:latin typeface="Tahoma" panose="020B0604030504040204" pitchFamily="34" charset="0"/>
-                <a:ea typeface="Tahoma" panose="020B0604030504040204" pitchFamily="34" charset="0"/>
-                <a:cs typeface="Tahoma" panose="020B0604030504040204" pitchFamily="34" charset="0"/>
-              </a:rPr>
-              <a:t>John Doe!</a:t>
-            </a:r>
-          </a:p>
-        </p:txBody>
-      </p:sp>
-      <p:sp>
-        <p:nvSpPr>
-          <p:cNvPr id="9" name="Rectangle: Rounded Corners 8">
-            <a:hlinkClick r:id="" action="ppaction://hlinkshowjump?jump=nextslide"/>
-            <a:extLst>
-              <a:ext uri="{FF2B5EF4-FFF2-40B4-BE49-F238E27FC236}">
-                <a16:creationId xmlns:a16="http://schemas.microsoft.com/office/drawing/2014/main" id="{083DB61A-14FC-4C4F-A449-21AB17164BED}"/>
-              </a:ext>
-            </a:extLst>
-          </p:cNvPr>
-          <p:cNvSpPr/>
-          <p:nvPr/>
-        </p:nvSpPr>
-        <p:spPr>
-          <a:xfrm>
-            <a:off x="1479614" y="3516850"/>
-            <a:ext cx="3751385" cy="975362"/>
-          </a:xfrm>
-          <a:prstGeom prst="roundRect">
-            <a:avLst>
-              <a:gd name="adj" fmla="val 50000"/>
-            </a:avLst>
-          </a:prstGeom>
-          <a:ln>
-            <a:solidFill>
-              <a:schemeClr val="tx1"/>
-            </a:solidFill>
-          </a:ln>
-        </p:spPr>
-        <p:style>
-          <a:lnRef idx="1">
-            <a:schemeClr val="accent4"/>
-          </a:lnRef>
-          <a:fillRef idx="2">
-            <a:schemeClr val="accent4"/>
-          </a:fillRef>
-          <a:effectRef idx="1">
-            <a:schemeClr val="accent4"/>
-          </a:effectRef>
-          <a:fontRef idx="minor">
-            <a:schemeClr val="dk1"/>
-          </a:fontRef>
-        </p:style>
-        <p:txBody>
-          <a:bodyPr rtlCol="0" anchor="ctr"/>
-          <a:lstStyle/>
-          <a:p>
-            <a:pPr algn="ctr"/>
-            <a:r>
-              <a:rPr lang="en-PH" sz="3000" dirty="0">
-                <a:latin typeface="Tahoma" panose="020B0604030504040204" pitchFamily="34" charset="0"/>
-                <a:ea typeface="Tahoma" panose="020B0604030504040204" pitchFamily="34" charset="0"/>
-                <a:cs typeface="Tahoma" panose="020B0604030504040204" pitchFamily="34" charset="0"/>
-              </a:rPr>
-              <a:t>Book now</a:t>
-            </a:r>
-          </a:p>
-        </p:txBody>
-      </p:sp>
-      <p:cxnSp>
-        <p:nvCxnSpPr>
-          <p:cNvPr id="10" name="Straight Connector 9">
-            <a:extLst>
-              <a:ext uri="{FF2B5EF4-FFF2-40B4-BE49-F238E27FC236}">
-                <a16:creationId xmlns:a16="http://schemas.microsoft.com/office/drawing/2014/main" id="{96C30C06-5971-4D80-8BBB-28066EA824B4}"/>
-              </a:ext>
-            </a:extLst>
-          </p:cNvPr>
-          <p:cNvCxnSpPr/>
-          <p:nvPr/>
-        </p:nvCxnSpPr>
-        <p:spPr>
-          <a:xfrm>
-            <a:off x="992619" y="3071676"/>
-            <a:ext cx="4872761" cy="0"/>
-          </a:xfrm>
-          <a:prstGeom prst="line">
-            <a:avLst/>
-          </a:prstGeom>
-          <a:ln w="57150">
-            <a:solidFill>
-              <a:schemeClr val="tx1"/>
-            </a:solidFill>
-          </a:ln>
-        </p:spPr>
-        <p:style>
-          <a:lnRef idx="1">
-            <a:schemeClr val="accent1"/>
-          </a:lnRef>
-          <a:fillRef idx="0">
-            <a:schemeClr val="accent1"/>
-          </a:fillRef>
-          <a:effectRef idx="0">
-            <a:schemeClr val="accent1"/>
-          </a:effectRef>
-          <a:fontRef idx="minor">
-            <a:schemeClr val="tx1"/>
-          </a:fontRef>
-        </p:style>
-      </p:cxnSp>
-      <p:sp>
-        <p:nvSpPr>
-          <p:cNvPr id="11" name="Rectangle: Rounded Corners 10">
-            <a:hlinkClick r:id="rId2" action="ppaction://hlinksldjump"/>
-            <a:extLst>
-              <a:ext uri="{FF2B5EF4-FFF2-40B4-BE49-F238E27FC236}">
-                <a16:creationId xmlns:a16="http://schemas.microsoft.com/office/drawing/2014/main" id="{93B65B80-046A-4D06-8921-DBB7B44DA0E2}"/>
-              </a:ext>
-            </a:extLst>
-          </p:cNvPr>
-          <p:cNvSpPr/>
-          <p:nvPr/>
-        </p:nvSpPr>
-        <p:spPr>
-          <a:xfrm>
-            <a:off x="1468500" y="4792004"/>
-            <a:ext cx="3751385" cy="975362"/>
-          </a:xfrm>
-          <a:prstGeom prst="roundRect">
-            <a:avLst>
-              <a:gd name="adj" fmla="val 50000"/>
-            </a:avLst>
-          </a:prstGeom>
-          <a:ln>
-            <a:solidFill>
-              <a:schemeClr val="tx1"/>
-            </a:solidFill>
-          </a:ln>
-        </p:spPr>
-        <p:style>
-          <a:lnRef idx="1">
-            <a:schemeClr val="accent4"/>
-          </a:lnRef>
-          <a:fillRef idx="2">
-            <a:schemeClr val="accent4"/>
-          </a:fillRef>
-          <a:effectRef idx="1">
-            <a:schemeClr val="accent4"/>
-          </a:effectRef>
-          <a:fontRef idx="minor">
-            <a:schemeClr val="dk1"/>
-          </a:fontRef>
-        </p:style>
-        <p:txBody>
-          <a:bodyPr rtlCol="0" anchor="ctr"/>
-          <a:lstStyle/>
-          <a:p>
-            <a:pPr algn="ctr"/>
-            <a:r>
-              <a:rPr lang="en-PH" sz="3000" dirty="0">
-                <a:latin typeface="Tahoma" panose="020B0604030504040204" pitchFamily="34" charset="0"/>
-                <a:ea typeface="Tahoma" panose="020B0604030504040204" pitchFamily="34" charset="0"/>
-                <a:cs typeface="Tahoma" panose="020B0604030504040204" pitchFamily="34" charset="0"/>
-              </a:rPr>
-              <a:t>Check Ticket</a:t>
-            </a:r>
-          </a:p>
-        </p:txBody>
-      </p:sp>
-      <p:sp>
-        <p:nvSpPr>
-          <p:cNvPr id="12" name="Rectangle: Rounded Corners 11">
-            <a:hlinkClick r:id="rId3" action="ppaction://hlinksldjump"/>
-            <a:extLst>
-              <a:ext uri="{FF2B5EF4-FFF2-40B4-BE49-F238E27FC236}">
-                <a16:creationId xmlns:a16="http://schemas.microsoft.com/office/drawing/2014/main" id="{3963E242-3726-42AC-A028-F9E106250B08}"/>
-              </a:ext>
-            </a:extLst>
-          </p:cNvPr>
-          <p:cNvSpPr/>
-          <p:nvPr/>
-        </p:nvSpPr>
-        <p:spPr>
-          <a:xfrm>
-            <a:off x="1468500" y="6068027"/>
-            <a:ext cx="3751385" cy="975362"/>
-          </a:xfrm>
-          <a:prstGeom prst="roundRect">
-            <a:avLst>
-              <a:gd name="adj" fmla="val 50000"/>
-            </a:avLst>
-          </a:prstGeom>
-          <a:ln>
-            <a:solidFill>
-              <a:schemeClr val="tx1"/>
-            </a:solidFill>
-          </a:ln>
-        </p:spPr>
-        <p:style>
-          <a:lnRef idx="1">
-            <a:schemeClr val="accent4"/>
-          </a:lnRef>
-          <a:fillRef idx="2">
-            <a:schemeClr val="accent4"/>
-          </a:fillRef>
-          <a:effectRef idx="1">
-            <a:schemeClr val="accent4"/>
-          </a:effectRef>
-          <a:fontRef idx="minor">
-            <a:schemeClr val="dk1"/>
-          </a:fontRef>
-        </p:style>
-        <p:txBody>
-          <a:bodyPr rtlCol="0" anchor="ctr"/>
-          <a:lstStyle/>
-          <a:p>
-            <a:pPr algn="ctr"/>
-            <a:r>
-              <a:rPr lang="en-PH" sz="3000" dirty="0">
-                <a:latin typeface="Tahoma" panose="020B0604030504040204" pitchFamily="34" charset="0"/>
-                <a:ea typeface="Tahoma" panose="020B0604030504040204" pitchFamily="34" charset="0"/>
-                <a:cs typeface="Tahoma" panose="020B0604030504040204" pitchFamily="34" charset="0"/>
-              </a:rPr>
-              <a:t>History</a:t>
-            </a:r>
-          </a:p>
-        </p:txBody>
-      </p:sp>
-      <p:sp>
-        <p:nvSpPr>
-          <p:cNvPr id="13" name="Rectangle: Rounded Corners 12">
-            <a:extLst>
-              <a:ext uri="{FF2B5EF4-FFF2-40B4-BE49-F238E27FC236}">
-                <a16:creationId xmlns:a16="http://schemas.microsoft.com/office/drawing/2014/main" id="{EE095D1B-8C15-41F4-A9A5-9D39FE030E7B}"/>
-              </a:ext>
-            </a:extLst>
-          </p:cNvPr>
-          <p:cNvSpPr/>
-          <p:nvPr/>
-        </p:nvSpPr>
-        <p:spPr>
-          <a:xfrm>
-            <a:off x="1468500" y="7344049"/>
-            <a:ext cx="3751385" cy="975362"/>
-          </a:xfrm>
-          <a:prstGeom prst="roundRect">
-            <a:avLst>
-              <a:gd name="adj" fmla="val 50000"/>
-            </a:avLst>
-          </a:prstGeom>
-          <a:ln>
-            <a:solidFill>
-              <a:schemeClr val="tx1"/>
-            </a:solidFill>
-          </a:ln>
-        </p:spPr>
-        <p:style>
-          <a:lnRef idx="1">
-            <a:schemeClr val="accent4"/>
-          </a:lnRef>
-          <a:fillRef idx="2">
-            <a:schemeClr val="accent4"/>
-          </a:fillRef>
-          <a:effectRef idx="1">
-            <a:schemeClr val="accent4"/>
-          </a:effectRef>
-          <a:fontRef idx="minor">
-            <a:schemeClr val="dk1"/>
-          </a:fontRef>
-        </p:style>
-        <p:txBody>
-          <a:bodyPr rtlCol="0" anchor="ctr"/>
-          <a:lstStyle/>
-          <a:p>
-            <a:pPr algn="ctr"/>
-            <a:r>
-              <a:rPr lang="en-PH" sz="3000" dirty="0">
-                <a:latin typeface="Tahoma" panose="020B0604030504040204" pitchFamily="34" charset="0"/>
-                <a:ea typeface="Tahoma" panose="020B0604030504040204" pitchFamily="34" charset="0"/>
-                <a:cs typeface="Tahoma" panose="020B0604030504040204" pitchFamily="34" charset="0"/>
-              </a:rPr>
-              <a:t>Log out</a:t>
-            </a:r>
-          </a:p>
-        </p:txBody>
-      </p:sp>
-      <p:pic>
-        <p:nvPicPr>
-          <p:cNvPr id="14" name="Picture 13" descr="Related image">
-            <a:extLst>
-              <a:ext uri="{FF2B5EF4-FFF2-40B4-BE49-F238E27FC236}">
-                <a16:creationId xmlns:a16="http://schemas.microsoft.com/office/drawing/2014/main" id="{4D1AF89F-BCB2-4DAB-9D4A-AAF63349C9B1}"/>
-              </a:ext>
-            </a:extLst>
-          </p:cNvPr>
-          <p:cNvPicPr>
-            <a:picLocks noChangeAspect="1" noChangeArrowheads="1"/>
-          </p:cNvPicPr>
-          <p:nvPr/>
-        </p:nvPicPr>
-        <p:blipFill rotWithShape="1">
-          <a:blip r:embed="rId4">
-            <a:duotone>
-              <a:prstClr val="black"/>
-              <a:schemeClr val="accent5">
-                <a:tint val="45000"/>
-                <a:satMod val="400000"/>
-              </a:schemeClr>
-            </a:duotone>
-            <a:extLst>
-              <a:ext uri="{BEBA8EAE-BF5A-486C-A8C5-ECC9F3942E4B}">
-                <a14:imgProps xmlns:a14="http://schemas.microsoft.com/office/drawing/2010/main">
                   <a14:imgLayer r:embed="rId5">
-                    <a14:imgEffect>
-                      <a14:colorTemperature colorTemp="4700"/>
-                    </a14:imgEffect>
-                  </a14:imgLayer>
-                </a14:imgProps>
-              </a:ext>
-              <a:ext uri="{28A0092B-C50C-407E-A947-70E740481C1C}">
-                <a14:useLocalDpi xmlns:a14="http://schemas.microsoft.com/office/drawing/2010/main" val="0"/>
-              </a:ext>
-            </a:extLst>
-          </a:blip>
-          <a:srcRect l="2953" t="2566" r="1414" b="8632"/>
-          <a:stretch/>
-        </p:blipFill>
-        <p:spPr bwMode="auto">
-          <a:xfrm>
-            <a:off x="999518" y="1187204"/>
-            <a:ext cx="1600002" cy="1600002"/>
-          </a:xfrm>
-          <a:custGeom>
-            <a:avLst/>
-            <a:gdLst>
-              <a:gd name="connsiteX0" fmla="*/ 1190478 w 2380956"/>
-              <a:gd name="connsiteY0" fmla="*/ 0 h 2380956"/>
-              <a:gd name="connsiteX1" fmla="*/ 1856086 w 2380956"/>
-              <a:gd name="connsiteY1" fmla="*/ 203315 h 2380956"/>
-              <a:gd name="connsiteX2" fmla="*/ 1927973 w 2380956"/>
-              <a:gd name="connsiteY2" fmla="*/ 257071 h 2380956"/>
-              <a:gd name="connsiteX3" fmla="*/ 2187526 w 2380956"/>
-              <a:gd name="connsiteY3" fmla="*/ 257071 h 2380956"/>
-              <a:gd name="connsiteX4" fmla="*/ 2187526 w 2380956"/>
-              <a:gd name="connsiteY4" fmla="*/ 541142 h 2380956"/>
-              <a:gd name="connsiteX5" fmla="*/ 2237272 w 2380956"/>
-              <a:gd name="connsiteY5" fmla="*/ 623026 h 2380956"/>
-              <a:gd name="connsiteX6" fmla="*/ 2380956 w 2380956"/>
-              <a:gd name="connsiteY6" fmla="*/ 1190478 h 2380956"/>
-              <a:gd name="connsiteX7" fmla="*/ 2237272 w 2380956"/>
-              <a:gd name="connsiteY7" fmla="*/ 1757931 h 2380956"/>
-              <a:gd name="connsiteX8" fmla="*/ 2187526 w 2380956"/>
-              <a:gd name="connsiteY8" fmla="*/ 1839815 h 2380956"/>
-              <a:gd name="connsiteX9" fmla="*/ 2187526 w 2380956"/>
-              <a:gd name="connsiteY9" fmla="*/ 2123885 h 2380956"/>
-              <a:gd name="connsiteX10" fmla="*/ 1927973 w 2380956"/>
-              <a:gd name="connsiteY10" fmla="*/ 2123885 h 2380956"/>
-              <a:gd name="connsiteX11" fmla="*/ 1856086 w 2380956"/>
-              <a:gd name="connsiteY11" fmla="*/ 2177641 h 2380956"/>
-              <a:gd name="connsiteX12" fmla="*/ 1190478 w 2380956"/>
-              <a:gd name="connsiteY12" fmla="*/ 2380956 h 2380956"/>
-              <a:gd name="connsiteX13" fmla="*/ 524871 w 2380956"/>
-              <a:gd name="connsiteY13" fmla="*/ 2177641 h 2380956"/>
-              <a:gd name="connsiteX14" fmla="*/ 452984 w 2380956"/>
-              <a:gd name="connsiteY14" fmla="*/ 2123885 h 2380956"/>
-              <a:gd name="connsiteX15" fmla="*/ 193430 w 2380956"/>
-              <a:gd name="connsiteY15" fmla="*/ 2123885 h 2380956"/>
-              <a:gd name="connsiteX16" fmla="*/ 193430 w 2380956"/>
-              <a:gd name="connsiteY16" fmla="*/ 1839815 h 2380956"/>
-              <a:gd name="connsiteX17" fmla="*/ 143684 w 2380956"/>
-              <a:gd name="connsiteY17" fmla="*/ 1757931 h 2380956"/>
-              <a:gd name="connsiteX18" fmla="*/ 0 w 2380956"/>
-              <a:gd name="connsiteY18" fmla="*/ 1190478 h 2380956"/>
-              <a:gd name="connsiteX19" fmla="*/ 143684 w 2380956"/>
-              <a:gd name="connsiteY19" fmla="*/ 623026 h 2380956"/>
-              <a:gd name="connsiteX20" fmla="*/ 193430 w 2380956"/>
-              <a:gd name="connsiteY20" fmla="*/ 541142 h 2380956"/>
-              <a:gd name="connsiteX21" fmla="*/ 193430 w 2380956"/>
-              <a:gd name="connsiteY21" fmla="*/ 257071 h 2380956"/>
-              <a:gd name="connsiteX22" fmla="*/ 452984 w 2380956"/>
-              <a:gd name="connsiteY22" fmla="*/ 257071 h 2380956"/>
-              <a:gd name="connsiteX23" fmla="*/ 524871 w 2380956"/>
-              <a:gd name="connsiteY23" fmla="*/ 203315 h 2380956"/>
-              <a:gd name="connsiteX24" fmla="*/ 1190478 w 2380956"/>
-              <a:gd name="connsiteY24" fmla="*/ 0 h 2380956"/>
-            </a:gdLst>
-            <a:ahLst/>
-            <a:cxnLst>
-              <a:cxn ang="0">
-                <a:pos x="connsiteX0" y="connsiteY0"/>
-              </a:cxn>
-              <a:cxn ang="0">
-                <a:pos x="connsiteX1" y="connsiteY1"/>
-              </a:cxn>
-              <a:cxn ang="0">
-                <a:pos x="connsiteX2" y="connsiteY2"/>
-              </a:cxn>
-              <a:cxn ang="0">
-                <a:pos x="connsiteX3" y="connsiteY3"/>
-              </a:cxn>
-              <a:cxn ang="0">
-                <a:pos x="connsiteX4" y="connsiteY4"/>
-              </a:cxn>
-              <a:cxn ang="0">
-                <a:pos x="connsiteX5" y="connsiteY5"/>
-              </a:cxn>
-              <a:cxn ang="0">
-                <a:pos x="connsiteX6" y="connsiteY6"/>
-              </a:cxn>
-              <a:cxn ang="0">
-                <a:pos x="connsiteX7" y="connsiteY7"/>
-              </a:cxn>
-              <a:cxn ang="0">
-                <a:pos x="connsiteX8" y="connsiteY8"/>
-              </a:cxn>
-              <a:cxn ang="0">
-                <a:pos x="connsiteX9" y="connsiteY9"/>
-              </a:cxn>
-              <a:cxn ang="0">
-                <a:pos x="connsiteX10" y="connsiteY10"/>
-              </a:cxn>
-              <a:cxn ang="0">
-                <a:pos x="connsiteX11" y="connsiteY11"/>
-              </a:cxn>
-              <a:cxn ang="0">
-                <a:pos x="connsiteX12" y="connsiteY12"/>
-              </a:cxn>
-              <a:cxn ang="0">
-                <a:pos x="connsiteX13" y="connsiteY13"/>
-              </a:cxn>
-              <a:cxn ang="0">
-                <a:pos x="connsiteX14" y="connsiteY14"/>
-              </a:cxn>
-              <a:cxn ang="0">
-                <a:pos x="connsiteX15" y="connsiteY15"/>
-              </a:cxn>
-              <a:cxn ang="0">
-                <a:pos x="connsiteX16" y="connsiteY16"/>
-              </a:cxn>
-              <a:cxn ang="0">
-                <a:pos x="connsiteX17" y="connsiteY17"/>
-              </a:cxn>
-              <a:cxn ang="0">
-                <a:pos x="connsiteX18" y="connsiteY18"/>
-              </a:cxn>
-              <a:cxn ang="0">
-                <a:pos x="connsiteX19" y="connsiteY19"/>
-              </a:cxn>
-              <a:cxn ang="0">
-                <a:pos x="connsiteX20" y="connsiteY20"/>
-              </a:cxn>
-              <a:cxn ang="0">
-                <a:pos x="connsiteX21" y="connsiteY21"/>
-              </a:cxn>
-              <a:cxn ang="0">
-                <a:pos x="connsiteX22" y="connsiteY22"/>
-              </a:cxn>
-              <a:cxn ang="0">
-                <a:pos x="connsiteX23" y="connsiteY23"/>
-              </a:cxn>
-              <a:cxn ang="0">
-                <a:pos x="connsiteX24" y="connsiteY24"/>
-              </a:cxn>
-            </a:cxnLst>
-            <a:rect l="l" t="t" r="r" b="b"/>
-            <a:pathLst>
-              <a:path w="2380956" h="2380956">
-                <a:moveTo>
-                  <a:pt x="1190478" y="0"/>
-                </a:moveTo>
-                <a:cubicBezTo>
-                  <a:pt x="1437034" y="0"/>
-                  <a:pt x="1666084" y="74952"/>
-                  <a:pt x="1856086" y="203315"/>
-                </a:cubicBezTo>
-                <a:lnTo>
-                  <a:pt x="1927973" y="257071"/>
-                </a:lnTo>
-                <a:lnTo>
-                  <a:pt x="2187526" y="257071"/>
-                </a:lnTo>
-                <a:lnTo>
-                  <a:pt x="2187526" y="541142"/>
-                </a:lnTo>
-                <a:lnTo>
-                  <a:pt x="2237272" y="623026"/>
-                </a:lnTo>
-                <a:cubicBezTo>
-                  <a:pt x="2328906" y="791708"/>
-                  <a:pt x="2380956" y="985015"/>
-                  <a:pt x="2380956" y="1190478"/>
-                </a:cubicBezTo>
-                <a:cubicBezTo>
-                  <a:pt x="2380956" y="1395942"/>
-                  <a:pt x="2328906" y="1589248"/>
-                  <a:pt x="2237272" y="1757931"/>
-                </a:cubicBezTo>
-                <a:lnTo>
-                  <a:pt x="2187526" y="1839815"/>
-                </a:lnTo>
-                <a:lnTo>
-                  <a:pt x="2187526" y="2123885"/>
-                </a:lnTo>
-                <a:lnTo>
-                  <a:pt x="1927973" y="2123885"/>
-                </a:lnTo>
-                <a:lnTo>
-                  <a:pt x="1856086" y="2177641"/>
-                </a:lnTo>
-                <a:cubicBezTo>
-                  <a:pt x="1666084" y="2306004"/>
-                  <a:pt x="1437034" y="2380956"/>
-                  <a:pt x="1190478" y="2380956"/>
-                </a:cubicBezTo>
-                <a:cubicBezTo>
-                  <a:pt x="943922" y="2380956"/>
-                  <a:pt x="714872" y="2306004"/>
-                  <a:pt x="524871" y="2177641"/>
-                </a:cubicBezTo>
-                <a:lnTo>
-                  <a:pt x="452984" y="2123885"/>
-                </a:lnTo>
-                <a:lnTo>
-                  <a:pt x="193430" y="2123885"/>
-                </a:lnTo>
-                <a:lnTo>
-                  <a:pt x="193430" y="1839815"/>
-                </a:lnTo>
-                <a:lnTo>
-                  <a:pt x="143684" y="1757931"/>
-                </a:lnTo>
-                <a:cubicBezTo>
-                  <a:pt x="52050" y="1589248"/>
-                  <a:pt x="0" y="1395942"/>
-                  <a:pt x="0" y="1190478"/>
-                </a:cubicBezTo>
-                <a:cubicBezTo>
-                  <a:pt x="0" y="985015"/>
-                  <a:pt x="52050" y="791708"/>
-                  <a:pt x="143684" y="623026"/>
-                </a:cubicBezTo>
-                <a:lnTo>
-                  <a:pt x="193430" y="541142"/>
-                </a:lnTo>
-                <a:lnTo>
-                  <a:pt x="193430" y="257071"/>
-                </a:lnTo>
-                <a:lnTo>
-                  <a:pt x="452984" y="257071"/>
-                </a:lnTo>
-                <a:lnTo>
-                  <a:pt x="524871" y="203315"/>
-                </a:lnTo>
-                <a:cubicBezTo>
-                  <a:pt x="714872" y="74952"/>
-                  <a:pt x="943922" y="0"/>
-                  <a:pt x="1190478" y="0"/>
-                </a:cubicBezTo>
-                <a:close/>
-              </a:path>
-            </a:pathLst>
-          </a:custGeom>
-          <a:solidFill>
-            <a:schemeClr val="bg1"/>
-          </a:solidFill>
-          <a:ln w="57150">
-            <a:solidFill>
-              <a:schemeClr val="tx1"/>
-            </a:solidFill>
-          </a:ln>
-        </p:spPr>
-      </p:pic>
-    </p:spTree>
-    <p:extLst>
-      <p:ext uri="{BB962C8B-B14F-4D97-AF65-F5344CB8AC3E}">
-        <p14:creationId xmlns:p14="http://schemas.microsoft.com/office/powerpoint/2010/main" val="4025946081"/>
-      </p:ext>
-    </p:extLst>
-  </p:cSld>
-  <p:clrMapOvr>
-    <a:masterClrMapping/>
-  </p:clrMapOvr>
-  <mc:AlternateContent xmlns:mc="http://schemas.openxmlformats.org/markup-compatibility/2006" xmlns:p14="http://schemas.microsoft.com/office/powerpoint/2010/main">
-    <mc:Choice Requires="p14">
-      <p:transition spd="slow" p14:dur="2000" advClick="0"/>
-    </mc:Choice>
-    <mc:Fallback xmlns="">
-      <p:transition spd="slow" advClick="0"/>
-    </mc:Fallback>
-  </mc:AlternateContent>
-</p:sld>
-</file>
-
-<file path=ppt/slides/slide7.xml><?xml version="1.0" encoding="utf-8"?>
-<p:sld xmlns:a="http://schemas.openxmlformats.org/drawingml/2006/main" xmlns:r="http://schemas.openxmlformats.org/officeDocument/2006/relationships" xmlns:p="http://schemas.openxmlformats.org/presentationml/2006/main">
-  <p:cSld>
-    <p:spTree>
-      <p:nvGrpSpPr>
-        <p:cNvPr id="1" name=""/>
-        <p:cNvGrpSpPr/>
-        <p:nvPr/>
-      </p:nvGrpSpPr>
-      <p:grpSpPr>
-        <a:xfrm>
-          <a:off x="0" y="0"/>
-          <a:ext cx="0" cy="0"/>
-          <a:chOff x="0" y="0"/>
-          <a:chExt cx="0" cy="0"/>
-        </a:xfrm>
-      </p:grpSpPr>
-      <p:sp>
-        <p:nvSpPr>
-          <p:cNvPr id="23" name="Freeform: Shape 22">
-            <a:extLst>
-              <a:ext uri="{FF2B5EF4-FFF2-40B4-BE49-F238E27FC236}">
-                <a16:creationId xmlns:a16="http://schemas.microsoft.com/office/drawing/2014/main" id="{0380A09E-45AE-42B9-A880-43B51342329E}"/>
-              </a:ext>
-            </a:extLst>
-          </p:cNvPr>
-          <p:cNvSpPr/>
-          <p:nvPr/>
-        </p:nvSpPr>
-        <p:spPr>
-          <a:xfrm>
-            <a:off x="286172" y="346931"/>
-            <a:ext cx="6285657" cy="11498142"/>
-          </a:xfrm>
-          <a:custGeom>
-            <a:avLst/>
-            <a:gdLst>
-              <a:gd name="connsiteX0" fmla="*/ 728167 w 3535680"/>
-              <a:gd name="connsiteY0" fmla="*/ 255023 h 6467707"/>
-              <a:gd name="connsiteX1" fmla="*/ 210073 w 3535680"/>
-              <a:gd name="connsiteY1" fmla="*/ 773117 h 6467707"/>
-              <a:gd name="connsiteX2" fmla="*/ 210073 w 3535680"/>
-              <a:gd name="connsiteY2" fmla="*/ 5406208 h 6467707"/>
-              <a:gd name="connsiteX3" fmla="*/ 728167 w 3535680"/>
-              <a:gd name="connsiteY3" fmla="*/ 5924302 h 6467707"/>
-              <a:gd name="connsiteX4" fmla="*/ 2800478 w 3535680"/>
-              <a:gd name="connsiteY4" fmla="*/ 5924302 h 6467707"/>
-              <a:gd name="connsiteX5" fmla="*/ 3318572 w 3535680"/>
-              <a:gd name="connsiteY5" fmla="*/ 5406208 h 6467707"/>
-              <a:gd name="connsiteX6" fmla="*/ 3318572 w 3535680"/>
-              <a:gd name="connsiteY6" fmla="*/ 773117 h 6467707"/>
-              <a:gd name="connsiteX7" fmla="*/ 2800478 w 3535680"/>
-              <a:gd name="connsiteY7" fmla="*/ 255023 h 6467707"/>
-              <a:gd name="connsiteX8" fmla="*/ 589292 w 3535680"/>
-              <a:gd name="connsiteY8" fmla="*/ 0 h 6467707"/>
-              <a:gd name="connsiteX9" fmla="*/ 2946388 w 3535680"/>
-              <a:gd name="connsiteY9" fmla="*/ 0 h 6467707"/>
-              <a:gd name="connsiteX10" fmla="*/ 3535680 w 3535680"/>
-              <a:gd name="connsiteY10" fmla="*/ 589292 h 6467707"/>
-              <a:gd name="connsiteX11" fmla="*/ 3535680 w 3535680"/>
-              <a:gd name="connsiteY11" fmla="*/ 5878415 h 6467707"/>
-              <a:gd name="connsiteX12" fmla="*/ 2946388 w 3535680"/>
-              <a:gd name="connsiteY12" fmla="*/ 6467707 h 6467707"/>
-              <a:gd name="connsiteX13" fmla="*/ 589292 w 3535680"/>
-              <a:gd name="connsiteY13" fmla="*/ 6467707 h 6467707"/>
-              <a:gd name="connsiteX14" fmla="*/ 0 w 3535680"/>
-              <a:gd name="connsiteY14" fmla="*/ 5878415 h 6467707"/>
-              <a:gd name="connsiteX15" fmla="*/ 0 w 3535680"/>
-              <a:gd name="connsiteY15" fmla="*/ 589292 h 6467707"/>
-              <a:gd name="connsiteX16" fmla="*/ 589292 w 3535680"/>
-              <a:gd name="connsiteY16" fmla="*/ 0 h 6467707"/>
-            </a:gdLst>
-            <a:ahLst/>
-            <a:cxnLst>
-              <a:cxn ang="0">
-                <a:pos x="connsiteX0" y="connsiteY0"/>
-              </a:cxn>
-              <a:cxn ang="0">
-                <a:pos x="connsiteX1" y="connsiteY1"/>
-              </a:cxn>
-              <a:cxn ang="0">
-                <a:pos x="connsiteX2" y="connsiteY2"/>
-              </a:cxn>
-              <a:cxn ang="0">
-                <a:pos x="connsiteX3" y="connsiteY3"/>
-              </a:cxn>
-              <a:cxn ang="0">
-                <a:pos x="connsiteX4" y="connsiteY4"/>
-              </a:cxn>
-              <a:cxn ang="0">
-                <a:pos x="connsiteX5" y="connsiteY5"/>
-              </a:cxn>
-              <a:cxn ang="0">
-                <a:pos x="connsiteX6" y="connsiteY6"/>
-              </a:cxn>
-              <a:cxn ang="0">
-                <a:pos x="connsiteX7" y="connsiteY7"/>
-              </a:cxn>
-              <a:cxn ang="0">
-                <a:pos x="connsiteX8" y="connsiteY8"/>
-              </a:cxn>
-              <a:cxn ang="0">
-                <a:pos x="connsiteX9" y="connsiteY9"/>
-              </a:cxn>
-              <a:cxn ang="0">
-                <a:pos x="connsiteX10" y="connsiteY10"/>
-              </a:cxn>
-              <a:cxn ang="0">
-                <a:pos x="connsiteX11" y="connsiteY11"/>
-              </a:cxn>
-              <a:cxn ang="0">
-                <a:pos x="connsiteX12" y="connsiteY12"/>
-              </a:cxn>
-              <a:cxn ang="0">
-                <a:pos x="connsiteX13" y="connsiteY13"/>
-              </a:cxn>
-              <a:cxn ang="0">
-                <a:pos x="connsiteX14" y="connsiteY14"/>
-              </a:cxn>
-              <a:cxn ang="0">
-                <a:pos x="connsiteX15" y="connsiteY15"/>
-              </a:cxn>
-              <a:cxn ang="0">
-                <a:pos x="connsiteX16" y="connsiteY16"/>
-              </a:cxn>
-            </a:cxnLst>
-            <a:rect l="l" t="t" r="r" b="b"/>
-            <a:pathLst>
-              <a:path w="3535680" h="6467707">
-                <a:moveTo>
-                  <a:pt x="728167" y="255023"/>
-                </a:moveTo>
-                <a:cubicBezTo>
-                  <a:pt x="442032" y="255023"/>
-                  <a:pt x="210073" y="486982"/>
-                  <a:pt x="210073" y="773117"/>
-                </a:cubicBezTo>
-                <a:lnTo>
-                  <a:pt x="210073" y="5406208"/>
-                </a:lnTo>
-                <a:cubicBezTo>
-                  <a:pt x="210073" y="5692343"/>
-                  <a:pt x="442032" y="5924302"/>
-                  <a:pt x="728167" y="5924302"/>
-                </a:cubicBezTo>
-                <a:lnTo>
-                  <a:pt x="2800478" y="5924302"/>
-                </a:lnTo>
-                <a:cubicBezTo>
-                  <a:pt x="3086613" y="5924302"/>
-                  <a:pt x="3318572" y="5692343"/>
-                  <a:pt x="3318572" y="5406208"/>
-                </a:cubicBezTo>
-                <a:lnTo>
-                  <a:pt x="3318572" y="773117"/>
-                </a:lnTo>
-                <a:cubicBezTo>
-                  <a:pt x="3318572" y="486982"/>
-                  <a:pt x="3086613" y="255023"/>
-                  <a:pt x="2800478" y="255023"/>
-                </a:cubicBezTo>
-                <a:close/>
-                <a:moveTo>
-                  <a:pt x="589292" y="0"/>
-                </a:moveTo>
-                <a:lnTo>
-                  <a:pt x="2946388" y="0"/>
-                </a:lnTo>
-                <a:cubicBezTo>
-                  <a:pt x="3271845" y="0"/>
-                  <a:pt x="3535680" y="263835"/>
-                  <a:pt x="3535680" y="589292"/>
-                </a:cubicBezTo>
-                <a:lnTo>
-                  <a:pt x="3535680" y="5878415"/>
-                </a:lnTo>
-                <a:cubicBezTo>
-                  <a:pt x="3535680" y="6203872"/>
-                  <a:pt x="3271845" y="6467707"/>
-                  <a:pt x="2946388" y="6467707"/>
-                </a:cubicBezTo>
-                <a:lnTo>
-                  <a:pt x="589292" y="6467707"/>
-                </a:lnTo>
-                <a:cubicBezTo>
-                  <a:pt x="263835" y="6467707"/>
-                  <a:pt x="0" y="6203872"/>
-                  <a:pt x="0" y="5878415"/>
-                </a:cubicBezTo>
-                <a:lnTo>
-                  <a:pt x="0" y="589292"/>
-                </a:lnTo>
-                <a:cubicBezTo>
-                  <a:pt x="0" y="263835"/>
-                  <a:pt x="263835" y="0"/>
-                  <a:pt x="589292" y="0"/>
-                </a:cubicBezTo>
-                <a:close/>
-              </a:path>
-            </a:pathLst>
-          </a:custGeom>
-          <a:solidFill>
-            <a:schemeClr val="bg1">
-              <a:lumMod val="85000"/>
-            </a:schemeClr>
-          </a:solidFill>
-          <a:ln w="76200">
-            <a:solidFill>
-              <a:schemeClr val="tx1"/>
-            </a:solidFill>
-          </a:ln>
-        </p:spPr>
-        <p:style>
-          <a:lnRef idx="2">
-            <a:schemeClr val="accent1">
-              <a:shade val="50000"/>
-            </a:schemeClr>
-          </a:lnRef>
-          <a:fillRef idx="1">
-            <a:schemeClr val="accent1"/>
-          </a:fillRef>
-          <a:effectRef idx="0">
-            <a:schemeClr val="accent1"/>
-          </a:effectRef>
-          <a:fontRef idx="minor">
-            <a:schemeClr val="lt1"/>
-          </a:fontRef>
-        </p:style>
-        <p:txBody>
-          <a:bodyPr rtlCol="0" anchor="ctr"/>
-          <a:lstStyle/>
-          <a:p>
-            <a:pPr algn="ctr"/>
-            <a:endParaRPr lang="en-PH" sz="1424">
-              <a:latin typeface="Tahoma" panose="020B0604030504040204" pitchFamily="34" charset="0"/>
-              <a:ea typeface="Tahoma" panose="020B0604030504040204" pitchFamily="34" charset="0"/>
-              <a:cs typeface="Tahoma" panose="020B0604030504040204" pitchFamily="34" charset="0"/>
-            </a:endParaRPr>
-          </a:p>
-        </p:txBody>
-      </p:sp>
-      <p:sp>
-        <p:nvSpPr>
-          <p:cNvPr id="68" name="TextBox 67">
-            <a:extLst>
-              <a:ext uri="{FF2B5EF4-FFF2-40B4-BE49-F238E27FC236}">
-                <a16:creationId xmlns:a16="http://schemas.microsoft.com/office/drawing/2014/main" id="{4B69FA6D-A27E-41DE-8531-6814F005C946}"/>
-              </a:ext>
-            </a:extLst>
-          </p:cNvPr>
-          <p:cNvSpPr txBox="1"/>
-          <p:nvPr/>
-        </p:nvSpPr>
-        <p:spPr>
-          <a:xfrm>
-            <a:off x="2534139" y="1671734"/>
-            <a:ext cx="3733893" cy="630942"/>
-          </a:xfrm>
-          <a:prstGeom prst="rect">
-            <a:avLst/>
-          </a:prstGeom>
-          <a:noFill/>
-        </p:spPr>
-        <p:txBody>
-          <a:bodyPr wrap="square" rtlCol="0">
-            <a:spAutoFit/>
-          </a:bodyPr>
-          <a:lstStyle/>
-          <a:p>
-            <a:pPr algn="ctr"/>
-            <a:r>
-              <a:rPr lang="en-PH" sz="3500" b="1" spc="533" dirty="0">
-                <a:latin typeface="Tahoma" panose="020B0604030504040204" pitchFamily="34" charset="0"/>
-                <a:ea typeface="Tahoma" panose="020B0604030504040204" pitchFamily="34" charset="0"/>
-                <a:cs typeface="Tahoma" panose="020B0604030504040204" pitchFamily="34" charset="0"/>
-              </a:rPr>
-              <a:t>Book now</a:t>
-            </a:r>
-          </a:p>
-        </p:txBody>
-      </p:sp>
-      <p:cxnSp>
-        <p:nvCxnSpPr>
-          <p:cNvPr id="69" name="Straight Connector 68">
-            <a:extLst>
-              <a:ext uri="{FF2B5EF4-FFF2-40B4-BE49-F238E27FC236}">
-                <a16:creationId xmlns:a16="http://schemas.microsoft.com/office/drawing/2014/main" id="{A551FFE1-F565-4638-8342-33E42A9833AE}"/>
-              </a:ext>
-            </a:extLst>
-          </p:cNvPr>
-          <p:cNvCxnSpPr/>
-          <p:nvPr/>
-        </p:nvCxnSpPr>
-        <p:spPr>
-          <a:xfrm>
-            <a:off x="990785" y="3071678"/>
-            <a:ext cx="4872761" cy="0"/>
-          </a:xfrm>
-          <a:prstGeom prst="line">
-            <a:avLst/>
-          </a:prstGeom>
-          <a:ln w="57150">
-            <a:solidFill>
-              <a:schemeClr val="tx1"/>
-            </a:solidFill>
-          </a:ln>
-        </p:spPr>
-        <p:style>
-          <a:lnRef idx="1">
-            <a:schemeClr val="accent1"/>
-          </a:lnRef>
-          <a:fillRef idx="0">
-            <a:schemeClr val="accent1"/>
-          </a:fillRef>
-          <a:effectRef idx="0">
-            <a:schemeClr val="accent1"/>
-          </a:effectRef>
-          <a:fontRef idx="minor">
-            <a:schemeClr val="tx1"/>
-          </a:fontRef>
-        </p:style>
-      </p:cxnSp>
-      <p:sp>
-        <p:nvSpPr>
-          <p:cNvPr id="70" name="TextBox 69">
-            <a:extLst>
-              <a:ext uri="{FF2B5EF4-FFF2-40B4-BE49-F238E27FC236}">
-                <a16:creationId xmlns:a16="http://schemas.microsoft.com/office/drawing/2014/main" id="{ABBF54C4-3FBD-4CF5-9397-6BE25930D469}"/>
-              </a:ext>
-            </a:extLst>
-          </p:cNvPr>
-          <p:cNvSpPr txBox="1"/>
-          <p:nvPr/>
-        </p:nvSpPr>
-        <p:spPr>
-          <a:xfrm>
-            <a:off x="828080" y="3360199"/>
-            <a:ext cx="3329758" cy="446276"/>
-          </a:xfrm>
-          <a:prstGeom prst="rect">
-            <a:avLst/>
-          </a:prstGeom>
-          <a:noFill/>
-        </p:spPr>
-        <p:txBody>
-          <a:bodyPr wrap="none" rtlCol="0">
-            <a:spAutoFit/>
-          </a:bodyPr>
-          <a:lstStyle/>
-          <a:p>
-            <a:r>
-              <a:rPr lang="en-PH" sz="2300" b="1" dirty="0">
-                <a:latin typeface="Tahoma" panose="020B0604030504040204" pitchFamily="34" charset="0"/>
-                <a:ea typeface="Tahoma" panose="020B0604030504040204" pitchFamily="34" charset="0"/>
-                <a:cs typeface="Tahoma" panose="020B0604030504040204" pitchFamily="34" charset="0"/>
-              </a:rPr>
-              <a:t>Your current location</a:t>
-            </a:r>
-          </a:p>
-        </p:txBody>
-      </p:sp>
-      <p:sp>
-        <p:nvSpPr>
-          <p:cNvPr id="71" name="Rectangle 70">
-            <a:extLst>
-              <a:ext uri="{FF2B5EF4-FFF2-40B4-BE49-F238E27FC236}">
-                <a16:creationId xmlns:a16="http://schemas.microsoft.com/office/drawing/2014/main" id="{970025E6-FB80-42C4-B0CC-E4C79C5964E9}"/>
-              </a:ext>
-            </a:extLst>
-          </p:cNvPr>
-          <p:cNvSpPr/>
-          <p:nvPr/>
-        </p:nvSpPr>
-        <p:spPr>
-          <a:xfrm>
-            <a:off x="998657" y="3892420"/>
-            <a:ext cx="4152804" cy="524569"/>
-          </a:xfrm>
-          <a:prstGeom prst="rect">
-            <a:avLst/>
-          </a:prstGeom>
-        </p:spPr>
-        <p:style>
-          <a:lnRef idx="2">
-            <a:schemeClr val="dk1"/>
-          </a:lnRef>
-          <a:fillRef idx="1">
-            <a:schemeClr val="lt1"/>
-          </a:fillRef>
-          <a:effectRef idx="0">
-            <a:schemeClr val="dk1"/>
-          </a:effectRef>
-          <a:fontRef idx="minor">
-            <a:schemeClr val="dk1"/>
-          </a:fontRef>
-        </p:style>
-        <p:txBody>
-          <a:bodyPr rtlCol="0" anchor="ctr"/>
-          <a:lstStyle/>
-          <a:p>
-            <a:pPr algn="just"/>
-            <a:r>
-              <a:rPr lang="en-PH" sz="2300" dirty="0">
-                <a:solidFill>
-                  <a:schemeClr val="bg1">
-                    <a:lumMod val="65000"/>
-                  </a:schemeClr>
-                </a:solidFill>
-                <a:latin typeface="Tahoma" panose="020B0604030504040204" pitchFamily="34" charset="0"/>
-                <a:ea typeface="Tahoma" panose="020B0604030504040204" pitchFamily="34" charset="0"/>
-                <a:cs typeface="Tahoma" panose="020B0604030504040204" pitchFamily="34" charset="0"/>
-              </a:rPr>
-              <a:t>auto-generated station</a:t>
-            </a:r>
-          </a:p>
-        </p:txBody>
-      </p:sp>
-      <p:pic>
-        <p:nvPicPr>
-          <p:cNvPr id="3074" name="Picture 2" descr="Image result for position pointer png">
-            <a:extLst>
-              <a:ext uri="{FF2B5EF4-FFF2-40B4-BE49-F238E27FC236}">
-                <a16:creationId xmlns:a16="http://schemas.microsoft.com/office/drawing/2014/main" id="{F50C76AA-392F-4F0E-A4FA-F19A86744B3A}"/>
-              </a:ext>
-            </a:extLst>
-          </p:cNvPr>
-          <p:cNvPicPr>
-            <a:picLocks noChangeAspect="1" noChangeArrowheads="1"/>
-          </p:cNvPicPr>
-          <p:nvPr/>
-        </p:nvPicPr>
-        <p:blipFill>
-          <a:blip r:embed="rId2">
-            <a:duotone>
-              <a:prstClr val="black"/>
-              <a:srgbClr val="FF0000">
-                <a:tint val="45000"/>
-                <a:satMod val="400000"/>
-              </a:srgbClr>
-            </a:duotone>
-            <a:extLst>
-              <a:ext uri="{28A0092B-C50C-407E-A947-70E740481C1C}">
-                <a14:useLocalDpi xmlns:a14="http://schemas.microsoft.com/office/drawing/2010/main" val="0"/>
-              </a:ext>
-            </a:extLst>
-          </a:blip>
-          <a:srcRect/>
-          <a:stretch>
-            <a:fillRect/>
-          </a:stretch>
-        </p:blipFill>
-        <p:spPr bwMode="auto">
-          <a:xfrm>
-            <a:off x="5287525" y="3776985"/>
-            <a:ext cx="415111" cy="640004"/>
-          </a:xfrm>
-          <a:prstGeom prst="rect">
-            <a:avLst/>
-          </a:prstGeom>
-          <a:solidFill>
-            <a:schemeClr val="bg1"/>
-          </a:solidFill>
-        </p:spPr>
-      </p:pic>
-      <p:sp>
-        <p:nvSpPr>
-          <p:cNvPr id="72" name="TextBox 71">
-            <a:extLst>
-              <a:ext uri="{FF2B5EF4-FFF2-40B4-BE49-F238E27FC236}">
-                <a16:creationId xmlns:a16="http://schemas.microsoft.com/office/drawing/2014/main" id="{260BA007-7438-497C-81E8-7BF1FE23E3AA}"/>
-              </a:ext>
-            </a:extLst>
-          </p:cNvPr>
-          <p:cNvSpPr txBox="1"/>
-          <p:nvPr/>
-        </p:nvSpPr>
-        <p:spPr>
-          <a:xfrm>
-            <a:off x="827942" y="4632752"/>
-            <a:ext cx="3605474" cy="446276"/>
-          </a:xfrm>
-          <a:prstGeom prst="rect">
-            <a:avLst/>
-          </a:prstGeom>
-          <a:noFill/>
-        </p:spPr>
-        <p:txBody>
-          <a:bodyPr wrap="none" rtlCol="0">
-            <a:spAutoFit/>
-          </a:bodyPr>
-          <a:lstStyle/>
-          <a:p>
-            <a:r>
-              <a:rPr lang="en-PH" sz="2300" b="1" dirty="0">
-                <a:latin typeface="Tahoma" panose="020B0604030504040204" pitchFamily="34" charset="0"/>
-                <a:ea typeface="Tahoma" panose="020B0604030504040204" pitchFamily="34" charset="0"/>
-                <a:cs typeface="Tahoma" panose="020B0604030504040204" pitchFamily="34" charset="0"/>
-              </a:rPr>
-              <a:t>Select your destination</a:t>
-            </a:r>
-          </a:p>
-        </p:txBody>
-      </p:sp>
-      <p:sp>
-        <p:nvSpPr>
-          <p:cNvPr id="73" name="Rectangle 72">
-            <a:extLst>
-              <a:ext uri="{FF2B5EF4-FFF2-40B4-BE49-F238E27FC236}">
-                <a16:creationId xmlns:a16="http://schemas.microsoft.com/office/drawing/2014/main" id="{499C575D-E593-403D-B725-15DFA34A793D}"/>
-              </a:ext>
-            </a:extLst>
-          </p:cNvPr>
-          <p:cNvSpPr/>
-          <p:nvPr/>
-        </p:nvSpPr>
-        <p:spPr>
-          <a:xfrm>
-            <a:off x="990788" y="5169086"/>
-            <a:ext cx="4651716" cy="481419"/>
-          </a:xfrm>
-          <a:prstGeom prst="rect">
-            <a:avLst/>
-          </a:prstGeom>
-        </p:spPr>
-        <p:style>
-          <a:lnRef idx="2">
-            <a:schemeClr val="dk1"/>
-          </a:lnRef>
-          <a:fillRef idx="1">
-            <a:schemeClr val="lt1"/>
-          </a:fillRef>
-          <a:effectRef idx="0">
-            <a:schemeClr val="dk1"/>
-          </a:effectRef>
-          <a:fontRef idx="minor">
-            <a:schemeClr val="dk1"/>
-          </a:fontRef>
-        </p:style>
-        <p:txBody>
-          <a:bodyPr rtlCol="0" anchor="ctr"/>
-          <a:lstStyle/>
-          <a:p>
-            <a:pPr algn="just"/>
-            <a:r>
-              <a:rPr lang="en-PH" sz="2300" dirty="0">
-                <a:solidFill>
-                  <a:schemeClr val="bg1">
-                    <a:lumMod val="65000"/>
-                  </a:schemeClr>
-                </a:solidFill>
-                <a:latin typeface="Tahoma" panose="020B0604030504040204" pitchFamily="34" charset="0"/>
-                <a:ea typeface="Tahoma" panose="020B0604030504040204" pitchFamily="34" charset="0"/>
-                <a:cs typeface="Tahoma" panose="020B0604030504040204" pitchFamily="34" charset="0"/>
-              </a:rPr>
-              <a:t>select</a:t>
-            </a:r>
-          </a:p>
-        </p:txBody>
-      </p:sp>
-      <p:sp>
-        <p:nvSpPr>
-          <p:cNvPr id="6" name="Isosceles Triangle 5">
-            <a:extLst>
-              <a:ext uri="{FF2B5EF4-FFF2-40B4-BE49-F238E27FC236}">
-                <a16:creationId xmlns:a16="http://schemas.microsoft.com/office/drawing/2014/main" id="{A6EA4F47-C70D-4DB4-A8C5-BA7CB7C26A86}"/>
-              </a:ext>
-            </a:extLst>
-          </p:cNvPr>
-          <p:cNvSpPr/>
-          <p:nvPr/>
-        </p:nvSpPr>
-        <p:spPr>
-          <a:xfrm flipV="1">
-            <a:off x="5151457" y="5237729"/>
-            <a:ext cx="393593" cy="339305"/>
-          </a:xfrm>
-          <a:prstGeom prst="triangle">
-            <a:avLst/>
-          </a:prstGeom>
-        </p:spPr>
-        <p:style>
-          <a:lnRef idx="0">
-            <a:schemeClr val="dk1"/>
-          </a:lnRef>
-          <a:fillRef idx="3">
-            <a:schemeClr val="dk1"/>
-          </a:fillRef>
-          <a:effectRef idx="3">
-            <a:schemeClr val="dk1"/>
-          </a:effectRef>
-          <a:fontRef idx="minor">
-            <a:schemeClr val="lt1"/>
-          </a:fontRef>
-        </p:style>
-        <p:txBody>
-          <a:bodyPr rtlCol="0" anchor="ctr"/>
-          <a:lstStyle/>
-          <a:p>
-            <a:pPr algn="ctr"/>
-            <a:endParaRPr lang="en-PH" sz="1424">
-              <a:latin typeface="Tahoma" panose="020B0604030504040204" pitchFamily="34" charset="0"/>
-              <a:ea typeface="Tahoma" panose="020B0604030504040204" pitchFamily="34" charset="0"/>
-              <a:cs typeface="Tahoma" panose="020B0604030504040204" pitchFamily="34" charset="0"/>
-            </a:endParaRPr>
-          </a:p>
-        </p:txBody>
-      </p:sp>
-      <p:sp>
-        <p:nvSpPr>
-          <p:cNvPr id="74" name="TextBox 73">
-            <a:extLst>
-              <a:ext uri="{FF2B5EF4-FFF2-40B4-BE49-F238E27FC236}">
-                <a16:creationId xmlns:a16="http://schemas.microsoft.com/office/drawing/2014/main" id="{CF5795A9-C392-4A8F-9753-75891E81AE65}"/>
-              </a:ext>
-            </a:extLst>
-          </p:cNvPr>
-          <p:cNvSpPr txBox="1"/>
-          <p:nvPr/>
-        </p:nvSpPr>
-        <p:spPr>
-          <a:xfrm>
-            <a:off x="827942" y="5769228"/>
-            <a:ext cx="1824538" cy="446276"/>
-          </a:xfrm>
-          <a:prstGeom prst="rect">
-            <a:avLst/>
-          </a:prstGeom>
-          <a:noFill/>
-        </p:spPr>
-        <p:txBody>
-          <a:bodyPr wrap="none" rtlCol="0">
-            <a:spAutoFit/>
-          </a:bodyPr>
-          <a:lstStyle/>
-          <a:p>
-            <a:r>
-              <a:rPr lang="en-PH" sz="2300" b="1" dirty="0">
-                <a:latin typeface="Tahoma" panose="020B0604030504040204" pitchFamily="34" charset="0"/>
-                <a:ea typeface="Tahoma" panose="020B0604030504040204" pitchFamily="34" charset="0"/>
-                <a:cs typeface="Tahoma" panose="020B0604030504040204" pitchFamily="34" charset="0"/>
-              </a:rPr>
-              <a:t>Ticket type</a:t>
-            </a:r>
-          </a:p>
-        </p:txBody>
-      </p:sp>
-      <p:sp>
-        <p:nvSpPr>
-          <p:cNvPr id="7" name="Rectangle: Rounded Corners 6">
-            <a:extLst>
-              <a:ext uri="{FF2B5EF4-FFF2-40B4-BE49-F238E27FC236}">
-                <a16:creationId xmlns:a16="http://schemas.microsoft.com/office/drawing/2014/main" id="{48AA7A8B-06D0-4042-9998-02653629CE0E}"/>
-              </a:ext>
-            </a:extLst>
-          </p:cNvPr>
-          <p:cNvSpPr/>
-          <p:nvPr/>
-        </p:nvSpPr>
-        <p:spPr>
-          <a:xfrm>
-            <a:off x="1069819" y="6343067"/>
-            <a:ext cx="391550" cy="391550"/>
-          </a:xfrm>
-          <a:prstGeom prst="roundRect">
-            <a:avLst/>
-          </a:prstGeom>
-          <a:ln w="38100"/>
-        </p:spPr>
-        <p:style>
-          <a:lnRef idx="2">
-            <a:schemeClr val="dk1"/>
-          </a:lnRef>
-          <a:fillRef idx="1">
-            <a:schemeClr val="lt1"/>
-          </a:fillRef>
-          <a:effectRef idx="0">
-            <a:schemeClr val="dk1"/>
-          </a:effectRef>
-          <a:fontRef idx="minor">
-            <a:schemeClr val="dk1"/>
-          </a:fontRef>
-        </p:style>
-        <p:txBody>
-          <a:bodyPr rtlCol="0" anchor="ctr"/>
-          <a:lstStyle/>
-          <a:p>
-            <a:pPr algn="ctr"/>
-            <a:endParaRPr lang="en-PH" sz="1424">
-              <a:latin typeface="Tahoma" panose="020B0604030504040204" pitchFamily="34" charset="0"/>
-              <a:ea typeface="Tahoma" panose="020B0604030504040204" pitchFamily="34" charset="0"/>
-              <a:cs typeface="Tahoma" panose="020B0604030504040204" pitchFamily="34" charset="0"/>
-            </a:endParaRPr>
-          </a:p>
-        </p:txBody>
-      </p:sp>
-      <p:sp>
-        <p:nvSpPr>
-          <p:cNvPr id="75" name="TextBox 74">
-            <a:extLst>
-              <a:ext uri="{FF2B5EF4-FFF2-40B4-BE49-F238E27FC236}">
-                <a16:creationId xmlns:a16="http://schemas.microsoft.com/office/drawing/2014/main" id="{1F26678D-8808-4501-BA93-6A3E308C6CA7}"/>
-              </a:ext>
-            </a:extLst>
-          </p:cNvPr>
-          <p:cNvSpPr txBox="1"/>
-          <p:nvPr/>
-        </p:nvSpPr>
-        <p:spPr>
-          <a:xfrm>
-            <a:off x="1475839" y="6314523"/>
-            <a:ext cx="633507" cy="446276"/>
-          </a:xfrm>
-          <a:prstGeom prst="rect">
-            <a:avLst/>
-          </a:prstGeom>
-          <a:noFill/>
-        </p:spPr>
-        <p:txBody>
-          <a:bodyPr wrap="none" rtlCol="0">
-            <a:spAutoFit/>
-          </a:bodyPr>
-          <a:lstStyle/>
-          <a:p>
-            <a:r>
-              <a:rPr lang="en-PH" sz="2300" dirty="0">
-                <a:latin typeface="Tahoma" panose="020B0604030504040204" pitchFamily="34" charset="0"/>
-                <a:ea typeface="Tahoma" panose="020B0604030504040204" pitchFamily="34" charset="0"/>
-                <a:cs typeface="Tahoma" panose="020B0604030504040204" pitchFamily="34" charset="0"/>
-              </a:rPr>
-              <a:t>VIP</a:t>
-            </a:r>
-          </a:p>
-        </p:txBody>
-      </p:sp>
-      <p:sp>
-        <p:nvSpPr>
-          <p:cNvPr id="76" name="Rectangle: Rounded Corners 75">
-            <a:extLst>
-              <a:ext uri="{FF2B5EF4-FFF2-40B4-BE49-F238E27FC236}">
-                <a16:creationId xmlns:a16="http://schemas.microsoft.com/office/drawing/2014/main" id="{A7AF3D28-1A04-4EEA-BBD3-3FEEA6736C0B}"/>
-              </a:ext>
-            </a:extLst>
-          </p:cNvPr>
-          <p:cNvSpPr/>
-          <p:nvPr/>
-        </p:nvSpPr>
-        <p:spPr>
-          <a:xfrm>
-            <a:off x="2615978" y="6340705"/>
-            <a:ext cx="391550" cy="391550"/>
-          </a:xfrm>
-          <a:prstGeom prst="roundRect">
-            <a:avLst/>
-          </a:prstGeom>
-          <a:ln w="38100"/>
-        </p:spPr>
-        <p:style>
-          <a:lnRef idx="2">
-            <a:schemeClr val="dk1"/>
-          </a:lnRef>
-          <a:fillRef idx="1">
-            <a:schemeClr val="lt1"/>
-          </a:fillRef>
-          <a:effectRef idx="0">
-            <a:schemeClr val="dk1"/>
-          </a:effectRef>
-          <a:fontRef idx="minor">
-            <a:schemeClr val="dk1"/>
-          </a:fontRef>
-        </p:style>
-        <p:txBody>
-          <a:bodyPr rtlCol="0" anchor="ctr"/>
-          <a:lstStyle/>
-          <a:p>
-            <a:pPr algn="ctr"/>
-            <a:endParaRPr lang="en-PH" sz="1424">
-              <a:latin typeface="Tahoma" panose="020B0604030504040204" pitchFamily="34" charset="0"/>
-              <a:ea typeface="Tahoma" panose="020B0604030504040204" pitchFamily="34" charset="0"/>
-              <a:cs typeface="Tahoma" panose="020B0604030504040204" pitchFamily="34" charset="0"/>
-            </a:endParaRPr>
-          </a:p>
-        </p:txBody>
-      </p:sp>
-      <p:sp>
-        <p:nvSpPr>
-          <p:cNvPr id="77" name="TextBox 76">
-            <a:extLst>
-              <a:ext uri="{FF2B5EF4-FFF2-40B4-BE49-F238E27FC236}">
-                <a16:creationId xmlns:a16="http://schemas.microsoft.com/office/drawing/2014/main" id="{884683BC-E2B2-4DF0-8ABD-88477370A18E}"/>
-              </a:ext>
-            </a:extLst>
-          </p:cNvPr>
-          <p:cNvSpPr txBox="1"/>
-          <p:nvPr/>
-        </p:nvSpPr>
-        <p:spPr>
-          <a:xfrm>
-            <a:off x="2996440" y="6308958"/>
-            <a:ext cx="1424301" cy="446276"/>
-          </a:xfrm>
-          <a:prstGeom prst="rect">
-            <a:avLst/>
-          </a:prstGeom>
-          <a:noFill/>
-        </p:spPr>
-        <p:txBody>
-          <a:bodyPr wrap="none" rtlCol="0">
-            <a:spAutoFit/>
-          </a:bodyPr>
-          <a:lstStyle/>
-          <a:p>
-            <a:r>
-              <a:rPr lang="en-PH" sz="2300" dirty="0">
-                <a:latin typeface="Tahoma" panose="020B0604030504040204" pitchFamily="34" charset="0"/>
-                <a:ea typeface="Tahoma" panose="020B0604030504040204" pitchFamily="34" charset="0"/>
-                <a:cs typeface="Tahoma" panose="020B0604030504040204" pitchFamily="34" charset="0"/>
-              </a:rPr>
-              <a:t>REGULAR</a:t>
-            </a:r>
-          </a:p>
-        </p:txBody>
-      </p:sp>
-      <p:sp>
-        <p:nvSpPr>
-          <p:cNvPr id="78" name="TextBox 77">
-            <a:extLst>
-              <a:ext uri="{FF2B5EF4-FFF2-40B4-BE49-F238E27FC236}">
-                <a16:creationId xmlns:a16="http://schemas.microsoft.com/office/drawing/2014/main" id="{06384047-39C8-46F0-8E40-DC1F19DE2D7E}"/>
-              </a:ext>
-            </a:extLst>
-          </p:cNvPr>
-          <p:cNvSpPr txBox="1"/>
-          <p:nvPr/>
-        </p:nvSpPr>
-        <p:spPr>
-          <a:xfrm>
-            <a:off x="827942" y="6850736"/>
-            <a:ext cx="2295821" cy="446276"/>
-          </a:xfrm>
-          <a:prstGeom prst="rect">
-            <a:avLst/>
-          </a:prstGeom>
-          <a:noFill/>
-        </p:spPr>
-        <p:txBody>
-          <a:bodyPr wrap="none" rtlCol="0">
-            <a:spAutoFit/>
-          </a:bodyPr>
-          <a:lstStyle/>
-          <a:p>
-            <a:r>
-              <a:rPr lang="en-PH" sz="2300" b="1" dirty="0">
-                <a:latin typeface="Tahoma" panose="020B0604030504040204" pitchFamily="34" charset="0"/>
-                <a:ea typeface="Tahoma" panose="020B0604030504040204" pitchFamily="34" charset="0"/>
-                <a:cs typeface="Tahoma" panose="020B0604030504040204" pitchFamily="34" charset="0"/>
-              </a:rPr>
-              <a:t>Total Amount:</a:t>
-            </a:r>
-          </a:p>
-        </p:txBody>
-      </p:sp>
-      <p:sp>
-        <p:nvSpPr>
-          <p:cNvPr id="79" name="TextBox 78">
-            <a:extLst>
-              <a:ext uri="{FF2B5EF4-FFF2-40B4-BE49-F238E27FC236}">
-                <a16:creationId xmlns:a16="http://schemas.microsoft.com/office/drawing/2014/main" id="{3D43EE38-A611-4D07-B3CF-B868B359E748}"/>
-              </a:ext>
-            </a:extLst>
-          </p:cNvPr>
-          <p:cNvSpPr txBox="1"/>
-          <p:nvPr/>
-        </p:nvSpPr>
-        <p:spPr>
-          <a:xfrm>
-            <a:off x="3123421" y="6843012"/>
-            <a:ext cx="1586332" cy="446276"/>
-          </a:xfrm>
-          <a:prstGeom prst="rect">
-            <a:avLst/>
-          </a:prstGeom>
-          <a:noFill/>
-        </p:spPr>
-        <p:txBody>
-          <a:bodyPr wrap="none" rtlCol="0">
-            <a:spAutoFit/>
-          </a:bodyPr>
-          <a:lstStyle/>
-          <a:p>
-            <a:r>
-              <a:rPr lang="en-PH" sz="2300" dirty="0">
-                <a:latin typeface="Tahoma" panose="020B0604030504040204" pitchFamily="34" charset="0"/>
-                <a:ea typeface="Tahoma" panose="020B0604030504040204" pitchFamily="34" charset="0"/>
-                <a:cs typeface="Tahoma" panose="020B0604030504040204" pitchFamily="34" charset="0"/>
-              </a:rPr>
-              <a:t>Php. 00.00</a:t>
-            </a:r>
-          </a:p>
-        </p:txBody>
-      </p:sp>
-      <p:sp>
-        <p:nvSpPr>
-          <p:cNvPr id="80" name="Rectangle: Rounded Corners 79">
-            <a:extLst>
-              <a:ext uri="{FF2B5EF4-FFF2-40B4-BE49-F238E27FC236}">
-                <a16:creationId xmlns:a16="http://schemas.microsoft.com/office/drawing/2014/main" id="{CF78E550-00BB-47C5-B28F-1BA766963395}"/>
-              </a:ext>
-            </a:extLst>
-          </p:cNvPr>
-          <p:cNvSpPr/>
-          <p:nvPr/>
-        </p:nvSpPr>
-        <p:spPr>
-          <a:xfrm>
-            <a:off x="2154594" y="7962710"/>
-            <a:ext cx="2324108" cy="604268"/>
-          </a:xfrm>
-          <a:prstGeom prst="roundRect">
-            <a:avLst>
-              <a:gd name="adj" fmla="val 50000"/>
-            </a:avLst>
-          </a:prstGeom>
-          <a:ln>
-            <a:solidFill>
-              <a:schemeClr val="tx1"/>
-            </a:solidFill>
-          </a:ln>
-        </p:spPr>
-        <p:style>
-          <a:lnRef idx="1">
-            <a:schemeClr val="accent4"/>
-          </a:lnRef>
-          <a:fillRef idx="2">
-            <a:schemeClr val="accent4"/>
-          </a:fillRef>
-          <a:effectRef idx="1">
-            <a:schemeClr val="accent4"/>
-          </a:effectRef>
-          <a:fontRef idx="minor">
-            <a:schemeClr val="dk1"/>
-          </a:fontRef>
-        </p:style>
-        <p:txBody>
-          <a:bodyPr rtlCol="0" anchor="ctr"/>
-          <a:lstStyle/>
-          <a:p>
-            <a:pPr algn="ctr"/>
-            <a:r>
-              <a:rPr lang="en-PH" sz="2500" dirty="0">
-                <a:latin typeface="Tahoma" panose="020B0604030504040204" pitchFamily="34" charset="0"/>
-                <a:ea typeface="Tahoma" panose="020B0604030504040204" pitchFamily="34" charset="0"/>
-                <a:cs typeface="Tahoma" panose="020B0604030504040204" pitchFamily="34" charset="0"/>
-              </a:rPr>
-              <a:t>Next</a:t>
-            </a:r>
-          </a:p>
-        </p:txBody>
-      </p:sp>
-      <p:pic>
-        <p:nvPicPr>
-          <p:cNvPr id="62" name="Picture 61" descr="Related image">
-            <a:extLst>
-              <a:ext uri="{FF2B5EF4-FFF2-40B4-BE49-F238E27FC236}">
-                <a16:creationId xmlns:a16="http://schemas.microsoft.com/office/drawing/2014/main" id="{6E7D9CED-E658-431F-B23A-0713F215DF59}"/>
-              </a:ext>
-            </a:extLst>
-          </p:cNvPr>
-          <p:cNvPicPr>
-            <a:picLocks noChangeAspect="1" noChangeArrowheads="1"/>
-          </p:cNvPicPr>
-          <p:nvPr/>
-        </p:nvPicPr>
-        <p:blipFill rotWithShape="1">
-          <a:blip r:embed="rId3">
-            <a:duotone>
-              <a:prstClr val="black"/>
-              <a:schemeClr val="accent5">
-                <a:tint val="45000"/>
-                <a:satMod val="400000"/>
-              </a:schemeClr>
-            </a:duotone>
-            <a:extLst>
-              <a:ext uri="{BEBA8EAE-BF5A-486C-A8C5-ECC9F3942E4B}">
-                <a14:imgProps xmlns:a14="http://schemas.microsoft.com/office/drawing/2010/main">
-                  <a14:imgLayer r:embed="rId4">
                     <a14:imgEffect>
                       <a14:colorTemperature colorTemp="4700"/>
                     </a14:imgEffect>
@@ -19102,7 +16081,7 @@
 </p:sld>
 </file>
 
-<file path=ppt/slides/slide8.xml><?xml version="1.0" encoding="utf-8"?>
+<file path=ppt/slides/slide7.xml><?xml version="1.0" encoding="utf-8"?>
 <p:sld xmlns:a="http://schemas.openxmlformats.org/drawingml/2006/main" xmlns:r="http://schemas.openxmlformats.org/officeDocument/2006/relationships" xmlns:p="http://schemas.openxmlformats.org/presentationml/2006/main">
   <p:cSld>
     <p:spTree>
@@ -19848,6 +16827,7 @@
       <p:sp>
         <p:nvSpPr>
           <p:cNvPr id="12" name="Rectangle: Rounded Corners 11">
+            <a:hlinkClick r:id="rId5" action="ppaction://hlinksldjump" highlightClick="1"/>
             <a:extLst>
               <a:ext uri="{FF2B5EF4-FFF2-40B4-BE49-F238E27FC236}">
                 <a16:creationId xmlns:a16="http://schemas.microsoft.com/office/drawing/2014/main" id="{2222B211-D67D-4368-B0C0-BD8AED86E5E0}"/>
@@ -19859,7 +16839,7 @@
         </p:nvSpPr>
         <p:spPr>
           <a:xfrm>
-            <a:off x="2266955" y="9031834"/>
+            <a:off x="2228355" y="9074308"/>
             <a:ext cx="2324108" cy="604268"/>
           </a:xfrm>
           <a:prstGeom prst="roundRect">
@@ -20686,6 +17666,42 @@
           </a:p>
         </p:txBody>
       </p:sp>
+      <p:pic>
+        <p:nvPicPr>
+          <p:cNvPr id="4" name="Picture 3" descr="A close up of a logo&#10;&#10;Description automatically generated">
+            <a:extLst>
+              <a:ext uri="{FF2B5EF4-FFF2-40B4-BE49-F238E27FC236}">
+                <a16:creationId xmlns:a16="http://schemas.microsoft.com/office/drawing/2014/main" id="{45BA5DAC-5C8D-4176-AC6B-8596395E9DB3}"/>
+              </a:ext>
+            </a:extLst>
+          </p:cNvPr>
+          <p:cNvPicPr>
+            <a:picLocks noChangeAspect="1"/>
+          </p:cNvPicPr>
+          <p:nvPr/>
+        </p:nvPicPr>
+        <p:blipFill>
+          <a:blip r:embed="rId6">
+            <a:extLst>
+              <a:ext uri="{28A0092B-C50C-407E-A947-70E740481C1C}">
+                <a14:useLocalDpi xmlns:a14="http://schemas.microsoft.com/office/drawing/2010/main" val="0"/>
+              </a:ext>
+            </a:extLst>
+          </a:blip>
+          <a:stretch>
+            <a:fillRect/>
+          </a:stretch>
+        </p:blipFill>
+        <p:spPr>
+          <a:xfrm>
+            <a:off x="5114809" y="3727074"/>
+            <a:ext cx="540000" cy="540000"/>
+          </a:xfrm>
+          <a:prstGeom prst="rect">
+            <a:avLst/>
+          </a:prstGeom>
+        </p:spPr>
+      </p:pic>
     </p:spTree>
     <p:extLst>
       <p:ext uri="{BB962C8B-B14F-4D97-AF65-F5344CB8AC3E}">
@@ -20704,10 +17720,93 @@
       <p:transition spd="slow" advClick="0"/>
     </mc:Fallback>
   </mc:AlternateContent>
+  <p:timing>
+    <p:tnLst>
+      <p:par>
+        <p:cTn id="1" dur="indefinite" restart="never" nodeType="tmRoot">
+          <p:childTnLst>
+            <p:seq concurrent="1" nextAc="seek">
+              <p:cTn id="2" dur="indefinite" nodeType="mainSeq">
+                <p:childTnLst>
+                  <p:par>
+                    <p:cTn id="3" fill="hold">
+                      <p:stCondLst>
+                        <p:cond delay="indefinite"/>
+                      </p:stCondLst>
+                      <p:childTnLst>
+                        <p:par>
+                          <p:cTn id="4" fill="hold">
+                            <p:stCondLst>
+                              <p:cond delay="0"/>
+                            </p:stCondLst>
+                            <p:childTnLst>
+                              <p:par>
+                                <p:cTn id="5" presetID="10" presetClass="entr" presetSubtype="0" fill="hold" nodeType="clickEffect">
+                                  <p:stCondLst>
+                                    <p:cond delay="0"/>
+                                  </p:stCondLst>
+                                  <p:childTnLst>
+                                    <p:set>
+                                      <p:cBhvr>
+                                        <p:cTn id="6" dur="1" fill="hold">
+                                          <p:stCondLst>
+                                            <p:cond delay="0"/>
+                                          </p:stCondLst>
+                                        </p:cTn>
+                                        <p:tgtEl>
+                                          <p:spTgt spid="4"/>
+                                        </p:tgtEl>
+                                        <p:attrNameLst>
+                                          <p:attrName>style.visibility</p:attrName>
+                                        </p:attrNameLst>
+                                      </p:cBhvr>
+                                      <p:to>
+                                        <p:strVal val="visible"/>
+                                      </p:to>
+                                    </p:set>
+                                    <p:animEffect transition="in" filter="fade">
+                                      <p:cBhvr>
+                                        <p:cTn id="7" dur="500"/>
+                                        <p:tgtEl>
+                                          <p:spTgt spid="4"/>
+                                        </p:tgtEl>
+                                      </p:cBhvr>
+                                    </p:animEffect>
+                                  </p:childTnLst>
+                                </p:cTn>
+                              </p:par>
+                            </p:childTnLst>
+                          </p:cTn>
+                        </p:par>
+                      </p:childTnLst>
+                    </p:cTn>
+                  </p:par>
+                </p:childTnLst>
+              </p:cTn>
+              <p:prevCondLst>
+                <p:cond evt="onPrev" delay="0">
+                  <p:tgtEl>
+                    <p:sldTgt/>
+                  </p:tgtEl>
+                </p:cond>
+              </p:prevCondLst>
+              <p:nextCondLst>
+                <p:cond evt="onNext" delay="0">
+                  <p:tgtEl>
+                    <p:sldTgt/>
+                  </p:tgtEl>
+                </p:cond>
+              </p:nextCondLst>
+            </p:seq>
+          </p:childTnLst>
+        </p:cTn>
+      </p:par>
+    </p:tnLst>
+  </p:timing>
 </p:sld>
 </file>
 
-<file path=ppt/slides/slide9.xml><?xml version="1.0" encoding="utf-8"?>
+<file path=ppt/slides/slide8.xml><?xml version="1.0" encoding="utf-8"?>
 <p:sld xmlns:a="http://schemas.openxmlformats.org/drawingml/2006/main" xmlns:r="http://schemas.openxmlformats.org/officeDocument/2006/relationships" xmlns:p="http://schemas.openxmlformats.org/presentationml/2006/main">
   <p:cSld>
     <p:spTree>
@@ -21671,7 +18770,7 @@
         </p:nvSpPr>
         <p:spPr>
           <a:xfrm>
-            <a:off x="2191543" y="9062785"/>
+            <a:off x="2191540" y="9087733"/>
             <a:ext cx="2324108" cy="604268"/>
           </a:xfrm>
           <a:prstGeom prst="roundRect">
@@ -22005,6 +19104,876 @@
     <p:extLst>
       <p:ext uri="{BB962C8B-B14F-4D97-AF65-F5344CB8AC3E}">
         <p14:creationId xmlns:p14="http://schemas.microsoft.com/office/powerpoint/2010/main" val="3778069654"/>
+      </p:ext>
+    </p:extLst>
+  </p:cSld>
+  <p:clrMapOvr>
+    <a:masterClrMapping/>
+  </p:clrMapOvr>
+  <mc:AlternateContent xmlns:mc="http://schemas.openxmlformats.org/markup-compatibility/2006" xmlns:p14="http://schemas.microsoft.com/office/powerpoint/2010/main">
+    <mc:Choice Requires="p14">
+      <p:transition spd="slow" p14:dur="2000" advClick="0"/>
+    </mc:Choice>
+    <mc:Fallback xmlns="">
+      <p:transition spd="slow" advClick="0"/>
+    </mc:Fallback>
+  </mc:AlternateContent>
+</p:sld>
+</file>
+
+<file path=ppt/slides/slide9.xml><?xml version="1.0" encoding="utf-8"?>
+<p:sld xmlns:a="http://schemas.openxmlformats.org/drawingml/2006/main" xmlns:r="http://schemas.openxmlformats.org/officeDocument/2006/relationships" xmlns:p="http://schemas.openxmlformats.org/presentationml/2006/main">
+  <p:cSld>
+    <p:spTree>
+      <p:nvGrpSpPr>
+        <p:cNvPr id="1" name=""/>
+        <p:cNvGrpSpPr/>
+        <p:nvPr/>
+      </p:nvGrpSpPr>
+      <p:grpSpPr>
+        <a:xfrm>
+          <a:off x="0" y="0"/>
+          <a:ext cx="0" cy="0"/>
+          <a:chOff x="0" y="0"/>
+          <a:chExt cx="0" cy="0"/>
+        </a:xfrm>
+      </p:grpSpPr>
+      <p:sp>
+        <p:nvSpPr>
+          <p:cNvPr id="23" name="Freeform: Shape 22">
+            <a:extLst>
+              <a:ext uri="{FF2B5EF4-FFF2-40B4-BE49-F238E27FC236}">
+                <a16:creationId xmlns:a16="http://schemas.microsoft.com/office/drawing/2014/main" id="{0380A09E-45AE-42B9-A880-43B51342329E}"/>
+              </a:ext>
+            </a:extLst>
+          </p:cNvPr>
+          <p:cNvSpPr/>
+          <p:nvPr/>
+        </p:nvSpPr>
+        <p:spPr>
+          <a:xfrm>
+            <a:off x="286172" y="346931"/>
+            <a:ext cx="6285657" cy="11498142"/>
+          </a:xfrm>
+          <a:custGeom>
+            <a:avLst/>
+            <a:gdLst>
+              <a:gd name="connsiteX0" fmla="*/ 728167 w 3535680"/>
+              <a:gd name="connsiteY0" fmla="*/ 255023 h 6467707"/>
+              <a:gd name="connsiteX1" fmla="*/ 210073 w 3535680"/>
+              <a:gd name="connsiteY1" fmla="*/ 773117 h 6467707"/>
+              <a:gd name="connsiteX2" fmla="*/ 210073 w 3535680"/>
+              <a:gd name="connsiteY2" fmla="*/ 5406208 h 6467707"/>
+              <a:gd name="connsiteX3" fmla="*/ 728167 w 3535680"/>
+              <a:gd name="connsiteY3" fmla="*/ 5924302 h 6467707"/>
+              <a:gd name="connsiteX4" fmla="*/ 2800478 w 3535680"/>
+              <a:gd name="connsiteY4" fmla="*/ 5924302 h 6467707"/>
+              <a:gd name="connsiteX5" fmla="*/ 3318572 w 3535680"/>
+              <a:gd name="connsiteY5" fmla="*/ 5406208 h 6467707"/>
+              <a:gd name="connsiteX6" fmla="*/ 3318572 w 3535680"/>
+              <a:gd name="connsiteY6" fmla="*/ 773117 h 6467707"/>
+              <a:gd name="connsiteX7" fmla="*/ 2800478 w 3535680"/>
+              <a:gd name="connsiteY7" fmla="*/ 255023 h 6467707"/>
+              <a:gd name="connsiteX8" fmla="*/ 589292 w 3535680"/>
+              <a:gd name="connsiteY8" fmla="*/ 0 h 6467707"/>
+              <a:gd name="connsiteX9" fmla="*/ 2946388 w 3535680"/>
+              <a:gd name="connsiteY9" fmla="*/ 0 h 6467707"/>
+              <a:gd name="connsiteX10" fmla="*/ 3535680 w 3535680"/>
+              <a:gd name="connsiteY10" fmla="*/ 589292 h 6467707"/>
+              <a:gd name="connsiteX11" fmla="*/ 3535680 w 3535680"/>
+              <a:gd name="connsiteY11" fmla="*/ 5878415 h 6467707"/>
+              <a:gd name="connsiteX12" fmla="*/ 2946388 w 3535680"/>
+              <a:gd name="connsiteY12" fmla="*/ 6467707 h 6467707"/>
+              <a:gd name="connsiteX13" fmla="*/ 589292 w 3535680"/>
+              <a:gd name="connsiteY13" fmla="*/ 6467707 h 6467707"/>
+              <a:gd name="connsiteX14" fmla="*/ 0 w 3535680"/>
+              <a:gd name="connsiteY14" fmla="*/ 5878415 h 6467707"/>
+              <a:gd name="connsiteX15" fmla="*/ 0 w 3535680"/>
+              <a:gd name="connsiteY15" fmla="*/ 589292 h 6467707"/>
+              <a:gd name="connsiteX16" fmla="*/ 589292 w 3535680"/>
+              <a:gd name="connsiteY16" fmla="*/ 0 h 6467707"/>
+            </a:gdLst>
+            <a:ahLst/>
+            <a:cxnLst>
+              <a:cxn ang="0">
+                <a:pos x="connsiteX0" y="connsiteY0"/>
+              </a:cxn>
+              <a:cxn ang="0">
+                <a:pos x="connsiteX1" y="connsiteY1"/>
+              </a:cxn>
+              <a:cxn ang="0">
+                <a:pos x="connsiteX2" y="connsiteY2"/>
+              </a:cxn>
+              <a:cxn ang="0">
+                <a:pos x="connsiteX3" y="connsiteY3"/>
+              </a:cxn>
+              <a:cxn ang="0">
+                <a:pos x="connsiteX4" y="connsiteY4"/>
+              </a:cxn>
+              <a:cxn ang="0">
+                <a:pos x="connsiteX5" y="connsiteY5"/>
+              </a:cxn>
+              <a:cxn ang="0">
+                <a:pos x="connsiteX6" y="connsiteY6"/>
+              </a:cxn>
+              <a:cxn ang="0">
+                <a:pos x="connsiteX7" y="connsiteY7"/>
+              </a:cxn>
+              <a:cxn ang="0">
+                <a:pos x="connsiteX8" y="connsiteY8"/>
+              </a:cxn>
+              <a:cxn ang="0">
+                <a:pos x="connsiteX9" y="connsiteY9"/>
+              </a:cxn>
+              <a:cxn ang="0">
+                <a:pos x="connsiteX10" y="connsiteY10"/>
+              </a:cxn>
+              <a:cxn ang="0">
+                <a:pos x="connsiteX11" y="connsiteY11"/>
+              </a:cxn>
+              <a:cxn ang="0">
+                <a:pos x="connsiteX12" y="connsiteY12"/>
+              </a:cxn>
+              <a:cxn ang="0">
+                <a:pos x="connsiteX13" y="connsiteY13"/>
+              </a:cxn>
+              <a:cxn ang="0">
+                <a:pos x="connsiteX14" y="connsiteY14"/>
+              </a:cxn>
+              <a:cxn ang="0">
+                <a:pos x="connsiteX15" y="connsiteY15"/>
+              </a:cxn>
+              <a:cxn ang="0">
+                <a:pos x="connsiteX16" y="connsiteY16"/>
+              </a:cxn>
+            </a:cxnLst>
+            <a:rect l="l" t="t" r="r" b="b"/>
+            <a:pathLst>
+              <a:path w="3535680" h="6467707">
+                <a:moveTo>
+                  <a:pt x="728167" y="255023"/>
+                </a:moveTo>
+                <a:cubicBezTo>
+                  <a:pt x="442032" y="255023"/>
+                  <a:pt x="210073" y="486982"/>
+                  <a:pt x="210073" y="773117"/>
+                </a:cubicBezTo>
+                <a:lnTo>
+                  <a:pt x="210073" y="5406208"/>
+                </a:lnTo>
+                <a:cubicBezTo>
+                  <a:pt x="210073" y="5692343"/>
+                  <a:pt x="442032" y="5924302"/>
+                  <a:pt x="728167" y="5924302"/>
+                </a:cubicBezTo>
+                <a:lnTo>
+                  <a:pt x="2800478" y="5924302"/>
+                </a:lnTo>
+                <a:cubicBezTo>
+                  <a:pt x="3086613" y="5924302"/>
+                  <a:pt x="3318572" y="5692343"/>
+                  <a:pt x="3318572" y="5406208"/>
+                </a:cubicBezTo>
+                <a:lnTo>
+                  <a:pt x="3318572" y="773117"/>
+                </a:lnTo>
+                <a:cubicBezTo>
+                  <a:pt x="3318572" y="486982"/>
+                  <a:pt x="3086613" y="255023"/>
+                  <a:pt x="2800478" y="255023"/>
+                </a:cubicBezTo>
+                <a:close/>
+                <a:moveTo>
+                  <a:pt x="589292" y="0"/>
+                </a:moveTo>
+                <a:lnTo>
+                  <a:pt x="2946388" y="0"/>
+                </a:lnTo>
+                <a:cubicBezTo>
+                  <a:pt x="3271845" y="0"/>
+                  <a:pt x="3535680" y="263835"/>
+                  <a:pt x="3535680" y="589292"/>
+                </a:cubicBezTo>
+                <a:lnTo>
+                  <a:pt x="3535680" y="5878415"/>
+                </a:lnTo>
+                <a:cubicBezTo>
+                  <a:pt x="3535680" y="6203872"/>
+                  <a:pt x="3271845" y="6467707"/>
+                  <a:pt x="2946388" y="6467707"/>
+                </a:cubicBezTo>
+                <a:lnTo>
+                  <a:pt x="589292" y="6467707"/>
+                </a:lnTo>
+                <a:cubicBezTo>
+                  <a:pt x="263835" y="6467707"/>
+                  <a:pt x="0" y="6203872"/>
+                  <a:pt x="0" y="5878415"/>
+                </a:cubicBezTo>
+                <a:lnTo>
+                  <a:pt x="0" y="589292"/>
+                </a:lnTo>
+                <a:cubicBezTo>
+                  <a:pt x="0" y="263835"/>
+                  <a:pt x="263835" y="0"/>
+                  <a:pt x="589292" y="0"/>
+                </a:cubicBezTo>
+                <a:close/>
+              </a:path>
+            </a:pathLst>
+          </a:custGeom>
+          <a:solidFill>
+            <a:schemeClr val="bg1">
+              <a:lumMod val="85000"/>
+            </a:schemeClr>
+          </a:solidFill>
+          <a:ln w="76200">
+            <a:solidFill>
+              <a:schemeClr val="tx1"/>
+            </a:solidFill>
+          </a:ln>
+        </p:spPr>
+        <p:style>
+          <a:lnRef idx="2">
+            <a:schemeClr val="accent1">
+              <a:shade val="50000"/>
+            </a:schemeClr>
+          </a:lnRef>
+          <a:fillRef idx="1">
+            <a:schemeClr val="accent1"/>
+          </a:fillRef>
+          <a:effectRef idx="0">
+            <a:schemeClr val="accent1"/>
+          </a:effectRef>
+          <a:fontRef idx="minor">
+            <a:schemeClr val="lt1"/>
+          </a:fontRef>
+        </p:style>
+        <p:txBody>
+          <a:bodyPr rtlCol="0" anchor="ctr"/>
+          <a:lstStyle/>
+          <a:p>
+            <a:pPr algn="ctr"/>
+            <a:endParaRPr lang="en-PH" sz="1424"/>
+          </a:p>
+        </p:txBody>
+      </p:sp>
+      <p:sp>
+        <p:nvSpPr>
+          <p:cNvPr id="68" name="TextBox 67">
+            <a:extLst>
+              <a:ext uri="{FF2B5EF4-FFF2-40B4-BE49-F238E27FC236}">
+                <a16:creationId xmlns:a16="http://schemas.microsoft.com/office/drawing/2014/main" id="{4B69FA6D-A27E-41DE-8531-6814F005C946}"/>
+              </a:ext>
+            </a:extLst>
+          </p:cNvPr>
+          <p:cNvSpPr txBox="1"/>
+          <p:nvPr/>
+        </p:nvSpPr>
+        <p:spPr>
+          <a:xfrm>
+            <a:off x="2453252" y="1248529"/>
+            <a:ext cx="3733893" cy="1405000"/>
+          </a:xfrm>
+          <a:prstGeom prst="rect">
+            <a:avLst/>
+          </a:prstGeom>
+          <a:noFill/>
+        </p:spPr>
+        <p:txBody>
+          <a:bodyPr wrap="square" rtlCol="0">
+            <a:spAutoFit/>
+          </a:bodyPr>
+          <a:lstStyle/>
+          <a:p>
+            <a:pPr algn="ctr"/>
+            <a:r>
+              <a:rPr lang="en-PH" sz="4265" b="1" spc="533" dirty="0"/>
+              <a:t>Method of Payment</a:t>
+            </a:r>
+          </a:p>
+        </p:txBody>
+      </p:sp>
+      <p:cxnSp>
+        <p:nvCxnSpPr>
+          <p:cNvPr id="69" name="Straight Connector 68">
+            <a:extLst>
+              <a:ext uri="{FF2B5EF4-FFF2-40B4-BE49-F238E27FC236}">
+                <a16:creationId xmlns:a16="http://schemas.microsoft.com/office/drawing/2014/main" id="{A551FFE1-F565-4638-8342-33E42A9833AE}"/>
+              </a:ext>
+            </a:extLst>
+          </p:cNvPr>
+          <p:cNvCxnSpPr/>
+          <p:nvPr/>
+        </p:nvCxnSpPr>
+        <p:spPr>
+          <a:xfrm>
+            <a:off x="990785" y="3071678"/>
+            <a:ext cx="4872761" cy="0"/>
+          </a:xfrm>
+          <a:prstGeom prst="line">
+            <a:avLst/>
+          </a:prstGeom>
+          <a:ln w="57150">
+            <a:solidFill>
+              <a:schemeClr val="tx1"/>
+            </a:solidFill>
+          </a:ln>
+        </p:spPr>
+        <p:style>
+          <a:lnRef idx="1">
+            <a:schemeClr val="accent1"/>
+          </a:lnRef>
+          <a:fillRef idx="0">
+            <a:schemeClr val="accent1"/>
+          </a:fillRef>
+          <a:effectRef idx="0">
+            <a:schemeClr val="accent1"/>
+          </a:effectRef>
+          <a:fontRef idx="minor">
+            <a:schemeClr val="tx1"/>
+          </a:fontRef>
+        </p:style>
+      </p:cxnSp>
+      <p:pic>
+        <p:nvPicPr>
+          <p:cNvPr id="4098" name="Picture 2" descr="Image result for gcash logo png">
+            <a:hlinkClick r:id="rId2" action="ppaction://hlinksldjump" highlightClick="1"/>
+            <a:extLst>
+              <a:ext uri="{FF2B5EF4-FFF2-40B4-BE49-F238E27FC236}">
+                <a16:creationId xmlns:a16="http://schemas.microsoft.com/office/drawing/2014/main" id="{F231593C-A524-42FB-8E16-5ACC8AD3D80F}"/>
+              </a:ext>
+            </a:extLst>
+          </p:cNvPr>
+          <p:cNvPicPr>
+            <a:picLocks noChangeAspect="1" noChangeArrowheads="1"/>
+          </p:cNvPicPr>
+          <p:nvPr/>
+        </p:nvPicPr>
+        <p:blipFill>
+          <a:blip r:embed="rId3">
+            <a:extLst>
+              <a:ext uri="{28A0092B-C50C-407E-A947-70E740481C1C}">
+                <a14:useLocalDpi xmlns:a14="http://schemas.microsoft.com/office/drawing/2010/main" val="0"/>
+              </a:ext>
+            </a:extLst>
+          </a:blip>
+          <a:srcRect/>
+          <a:stretch>
+            <a:fillRect/>
+          </a:stretch>
+        </p:blipFill>
+        <p:spPr bwMode="auto">
+          <a:xfrm>
+            <a:off x="1720499" y="3820997"/>
+            <a:ext cx="3413333" cy="1920004"/>
+          </a:xfrm>
+          <a:prstGeom prst="rect">
+            <a:avLst/>
+          </a:prstGeom>
+          <a:noFill/>
+          <a:ln>
+            <a:solidFill>
+              <a:schemeClr val="tx1"/>
+            </a:solidFill>
+          </a:ln>
+          <a:extLst>
+            <a:ext uri="{909E8E84-426E-40DD-AFC4-6F175D3DCCD1}">
+              <a14:hiddenFill xmlns:a14="http://schemas.microsoft.com/office/drawing/2010/main">
+                <a:solidFill>
+                  <a:srgbClr val="FFFFFF"/>
+                </a:solidFill>
+              </a14:hiddenFill>
+            </a:ext>
+          </a:extLst>
+        </p:spPr>
+      </p:pic>
+      <p:pic>
+        <p:nvPicPr>
+          <p:cNvPr id="4100" name="Picture 4" descr="Image result for paymaya">
+            <a:extLst>
+              <a:ext uri="{FF2B5EF4-FFF2-40B4-BE49-F238E27FC236}">
+                <a16:creationId xmlns:a16="http://schemas.microsoft.com/office/drawing/2014/main" id="{71464CEA-1E6D-4124-A5F4-42D7316B2242}"/>
+              </a:ext>
+            </a:extLst>
+          </p:cNvPr>
+          <p:cNvPicPr>
+            <a:picLocks noChangeAspect="1" noChangeArrowheads="1"/>
+          </p:cNvPicPr>
+          <p:nvPr/>
+        </p:nvPicPr>
+        <p:blipFill>
+          <a:blip r:embed="rId4">
+            <a:extLst>
+              <a:ext uri="{28A0092B-C50C-407E-A947-70E740481C1C}">
+                <a14:useLocalDpi xmlns:a14="http://schemas.microsoft.com/office/drawing/2010/main" val="0"/>
+              </a:ext>
+            </a:extLst>
+          </a:blip>
+          <a:srcRect/>
+          <a:stretch>
+            <a:fillRect/>
+          </a:stretch>
+        </p:blipFill>
+        <p:spPr bwMode="auto">
+          <a:xfrm>
+            <a:off x="1741305" y="6490314"/>
+            <a:ext cx="3392528" cy="1982644"/>
+          </a:xfrm>
+          <a:prstGeom prst="rect">
+            <a:avLst/>
+          </a:prstGeom>
+          <a:noFill/>
+          <a:ln>
+            <a:solidFill>
+              <a:schemeClr val="tx1"/>
+            </a:solidFill>
+          </a:ln>
+          <a:extLst>
+            <a:ext uri="{909E8E84-426E-40DD-AFC4-6F175D3DCCD1}">
+              <a14:hiddenFill xmlns:a14="http://schemas.microsoft.com/office/drawing/2010/main">
+                <a:solidFill>
+                  <a:srgbClr val="FFFFFF"/>
+                </a:solidFill>
+              </a14:hiddenFill>
+            </a:ext>
+          </a:extLst>
+        </p:spPr>
+      </p:pic>
+      <p:sp>
+        <p:nvSpPr>
+          <p:cNvPr id="45" name="Isosceles Triangle 44">
+            <a:extLst>
+              <a:ext uri="{FF2B5EF4-FFF2-40B4-BE49-F238E27FC236}">
+                <a16:creationId xmlns:a16="http://schemas.microsoft.com/office/drawing/2014/main" id="{72F1C89E-A9CB-410D-AD9D-BAE81A4858D7}"/>
+              </a:ext>
+            </a:extLst>
+          </p:cNvPr>
+          <p:cNvSpPr/>
+          <p:nvPr/>
+        </p:nvSpPr>
+        <p:spPr>
+          <a:xfrm rot="16200000">
+            <a:off x="2111607" y="10263126"/>
+            <a:ext cx="393593" cy="304329"/>
+          </a:xfrm>
+          <a:prstGeom prst="triangle">
+            <a:avLst/>
+          </a:prstGeom>
+        </p:spPr>
+        <p:style>
+          <a:lnRef idx="1">
+            <a:schemeClr val="accent3"/>
+          </a:lnRef>
+          <a:fillRef idx="2">
+            <a:schemeClr val="accent3"/>
+          </a:fillRef>
+          <a:effectRef idx="1">
+            <a:schemeClr val="accent3"/>
+          </a:effectRef>
+          <a:fontRef idx="minor">
+            <a:schemeClr val="dk1"/>
+          </a:fontRef>
+        </p:style>
+        <p:txBody>
+          <a:bodyPr rtlCol="0" anchor="ctr"/>
+          <a:lstStyle/>
+          <a:p>
+            <a:pPr algn="ctr"/>
+            <a:endParaRPr lang="en-PH" sz="1424">
+              <a:latin typeface="Tahoma" panose="020B0604030504040204" pitchFamily="34" charset="0"/>
+              <a:ea typeface="Tahoma" panose="020B0604030504040204" pitchFamily="34" charset="0"/>
+              <a:cs typeface="Tahoma" panose="020B0604030504040204" pitchFamily="34" charset="0"/>
+            </a:endParaRPr>
+          </a:p>
+        </p:txBody>
+      </p:sp>
+      <p:sp>
+        <p:nvSpPr>
+          <p:cNvPr id="46" name="Rectangle 45">
+            <a:extLst>
+              <a:ext uri="{FF2B5EF4-FFF2-40B4-BE49-F238E27FC236}">
+                <a16:creationId xmlns:a16="http://schemas.microsoft.com/office/drawing/2014/main" id="{C0D05F99-DD56-40BF-9C63-48246BE6E122}"/>
+              </a:ext>
+            </a:extLst>
+          </p:cNvPr>
+          <p:cNvSpPr/>
+          <p:nvPr/>
+        </p:nvSpPr>
+        <p:spPr>
+          <a:xfrm>
+            <a:off x="4246628" y="10218485"/>
+            <a:ext cx="393593" cy="393593"/>
+          </a:xfrm>
+          <a:prstGeom prst="rect">
+            <a:avLst/>
+          </a:prstGeom>
+        </p:spPr>
+        <p:style>
+          <a:lnRef idx="1">
+            <a:schemeClr val="accent3"/>
+          </a:lnRef>
+          <a:fillRef idx="2">
+            <a:schemeClr val="accent3"/>
+          </a:fillRef>
+          <a:effectRef idx="1">
+            <a:schemeClr val="accent3"/>
+          </a:effectRef>
+          <a:fontRef idx="minor">
+            <a:schemeClr val="dk1"/>
+          </a:fontRef>
+        </p:style>
+        <p:txBody>
+          <a:bodyPr rtlCol="0" anchor="ctr"/>
+          <a:lstStyle/>
+          <a:p>
+            <a:pPr algn="ctr"/>
+            <a:endParaRPr lang="en-PH" sz="1424">
+              <a:latin typeface="Tahoma" panose="020B0604030504040204" pitchFamily="34" charset="0"/>
+              <a:ea typeface="Tahoma" panose="020B0604030504040204" pitchFamily="34" charset="0"/>
+              <a:cs typeface="Tahoma" panose="020B0604030504040204" pitchFamily="34" charset="0"/>
+            </a:endParaRPr>
+          </a:p>
+        </p:txBody>
+      </p:sp>
+      <p:sp>
+        <p:nvSpPr>
+          <p:cNvPr id="47" name="Oval 46">
+            <a:extLst>
+              <a:ext uri="{FF2B5EF4-FFF2-40B4-BE49-F238E27FC236}">
+                <a16:creationId xmlns:a16="http://schemas.microsoft.com/office/drawing/2014/main" id="{C31C51FD-B7F3-4403-A9F1-75F9F833E8F7}"/>
+              </a:ext>
+            </a:extLst>
+          </p:cNvPr>
+          <p:cNvSpPr/>
+          <p:nvPr/>
+        </p:nvSpPr>
+        <p:spPr>
+          <a:xfrm>
+            <a:off x="3156798" y="10237842"/>
+            <a:ext cx="393593" cy="393593"/>
+          </a:xfrm>
+          <a:prstGeom prst="ellipse">
+            <a:avLst/>
+          </a:prstGeom>
+        </p:spPr>
+        <p:style>
+          <a:lnRef idx="1">
+            <a:schemeClr val="accent3"/>
+          </a:lnRef>
+          <a:fillRef idx="2">
+            <a:schemeClr val="accent3"/>
+          </a:fillRef>
+          <a:effectRef idx="1">
+            <a:schemeClr val="accent3"/>
+          </a:effectRef>
+          <a:fontRef idx="minor">
+            <a:schemeClr val="dk1"/>
+          </a:fontRef>
+        </p:style>
+        <p:txBody>
+          <a:bodyPr rtlCol="0" anchor="ctr"/>
+          <a:lstStyle/>
+          <a:p>
+            <a:pPr algn="ctr"/>
+            <a:endParaRPr lang="en-PH" sz="1424">
+              <a:latin typeface="Tahoma" panose="020B0604030504040204" pitchFamily="34" charset="0"/>
+              <a:ea typeface="Tahoma" panose="020B0604030504040204" pitchFamily="34" charset="0"/>
+              <a:cs typeface="Tahoma" panose="020B0604030504040204" pitchFamily="34" charset="0"/>
+            </a:endParaRPr>
+          </a:p>
+        </p:txBody>
+      </p:sp>
+      <p:pic>
+        <p:nvPicPr>
+          <p:cNvPr id="48" name="Picture 47" descr="Related image">
+            <a:extLst>
+              <a:ext uri="{FF2B5EF4-FFF2-40B4-BE49-F238E27FC236}">
+                <a16:creationId xmlns:a16="http://schemas.microsoft.com/office/drawing/2014/main" id="{F6BB22FD-EF15-466B-8510-46D9F4346629}"/>
+              </a:ext>
+            </a:extLst>
+          </p:cNvPr>
+          <p:cNvPicPr>
+            <a:picLocks noChangeAspect="1" noChangeArrowheads="1"/>
+          </p:cNvPicPr>
+          <p:nvPr/>
+        </p:nvPicPr>
+        <p:blipFill rotWithShape="1">
+          <a:blip r:embed="rId5">
+            <a:duotone>
+              <a:prstClr val="black"/>
+              <a:schemeClr val="accent5">
+                <a:tint val="45000"/>
+                <a:satMod val="400000"/>
+              </a:schemeClr>
+            </a:duotone>
+            <a:extLst>
+              <a:ext uri="{BEBA8EAE-BF5A-486C-A8C5-ECC9F3942E4B}">
+                <a14:imgProps xmlns:a14="http://schemas.microsoft.com/office/drawing/2010/main">
+                  <a14:imgLayer r:embed="rId6">
+                    <a14:imgEffect>
+                      <a14:colorTemperature colorTemp="4700"/>
+                    </a14:imgEffect>
+                  </a14:imgLayer>
+                </a14:imgProps>
+              </a:ext>
+              <a:ext uri="{28A0092B-C50C-407E-A947-70E740481C1C}">
+                <a14:useLocalDpi xmlns:a14="http://schemas.microsoft.com/office/drawing/2010/main" val="0"/>
+              </a:ext>
+            </a:extLst>
+          </a:blip>
+          <a:srcRect l="2953" t="2566" r="1414" b="8632"/>
+          <a:stretch/>
+        </p:blipFill>
+        <p:spPr bwMode="auto">
+          <a:xfrm>
+            <a:off x="999518" y="1187204"/>
+            <a:ext cx="1600002" cy="1600002"/>
+          </a:xfrm>
+          <a:custGeom>
+            <a:avLst/>
+            <a:gdLst>
+              <a:gd name="connsiteX0" fmla="*/ 1190478 w 2380956"/>
+              <a:gd name="connsiteY0" fmla="*/ 0 h 2380956"/>
+              <a:gd name="connsiteX1" fmla="*/ 1856086 w 2380956"/>
+              <a:gd name="connsiteY1" fmla="*/ 203315 h 2380956"/>
+              <a:gd name="connsiteX2" fmla="*/ 1927973 w 2380956"/>
+              <a:gd name="connsiteY2" fmla="*/ 257071 h 2380956"/>
+              <a:gd name="connsiteX3" fmla="*/ 2187526 w 2380956"/>
+              <a:gd name="connsiteY3" fmla="*/ 257071 h 2380956"/>
+              <a:gd name="connsiteX4" fmla="*/ 2187526 w 2380956"/>
+              <a:gd name="connsiteY4" fmla="*/ 541142 h 2380956"/>
+              <a:gd name="connsiteX5" fmla="*/ 2237272 w 2380956"/>
+              <a:gd name="connsiteY5" fmla="*/ 623026 h 2380956"/>
+              <a:gd name="connsiteX6" fmla="*/ 2380956 w 2380956"/>
+              <a:gd name="connsiteY6" fmla="*/ 1190478 h 2380956"/>
+              <a:gd name="connsiteX7" fmla="*/ 2237272 w 2380956"/>
+              <a:gd name="connsiteY7" fmla="*/ 1757931 h 2380956"/>
+              <a:gd name="connsiteX8" fmla="*/ 2187526 w 2380956"/>
+              <a:gd name="connsiteY8" fmla="*/ 1839815 h 2380956"/>
+              <a:gd name="connsiteX9" fmla="*/ 2187526 w 2380956"/>
+              <a:gd name="connsiteY9" fmla="*/ 2123885 h 2380956"/>
+              <a:gd name="connsiteX10" fmla="*/ 1927973 w 2380956"/>
+              <a:gd name="connsiteY10" fmla="*/ 2123885 h 2380956"/>
+              <a:gd name="connsiteX11" fmla="*/ 1856086 w 2380956"/>
+              <a:gd name="connsiteY11" fmla="*/ 2177641 h 2380956"/>
+              <a:gd name="connsiteX12" fmla="*/ 1190478 w 2380956"/>
+              <a:gd name="connsiteY12" fmla="*/ 2380956 h 2380956"/>
+              <a:gd name="connsiteX13" fmla="*/ 524871 w 2380956"/>
+              <a:gd name="connsiteY13" fmla="*/ 2177641 h 2380956"/>
+              <a:gd name="connsiteX14" fmla="*/ 452984 w 2380956"/>
+              <a:gd name="connsiteY14" fmla="*/ 2123885 h 2380956"/>
+              <a:gd name="connsiteX15" fmla="*/ 193430 w 2380956"/>
+              <a:gd name="connsiteY15" fmla="*/ 2123885 h 2380956"/>
+              <a:gd name="connsiteX16" fmla="*/ 193430 w 2380956"/>
+              <a:gd name="connsiteY16" fmla="*/ 1839815 h 2380956"/>
+              <a:gd name="connsiteX17" fmla="*/ 143684 w 2380956"/>
+              <a:gd name="connsiteY17" fmla="*/ 1757931 h 2380956"/>
+              <a:gd name="connsiteX18" fmla="*/ 0 w 2380956"/>
+              <a:gd name="connsiteY18" fmla="*/ 1190478 h 2380956"/>
+              <a:gd name="connsiteX19" fmla="*/ 143684 w 2380956"/>
+              <a:gd name="connsiteY19" fmla="*/ 623026 h 2380956"/>
+              <a:gd name="connsiteX20" fmla="*/ 193430 w 2380956"/>
+              <a:gd name="connsiteY20" fmla="*/ 541142 h 2380956"/>
+              <a:gd name="connsiteX21" fmla="*/ 193430 w 2380956"/>
+              <a:gd name="connsiteY21" fmla="*/ 257071 h 2380956"/>
+              <a:gd name="connsiteX22" fmla="*/ 452984 w 2380956"/>
+              <a:gd name="connsiteY22" fmla="*/ 257071 h 2380956"/>
+              <a:gd name="connsiteX23" fmla="*/ 524871 w 2380956"/>
+              <a:gd name="connsiteY23" fmla="*/ 203315 h 2380956"/>
+              <a:gd name="connsiteX24" fmla="*/ 1190478 w 2380956"/>
+              <a:gd name="connsiteY24" fmla="*/ 0 h 2380956"/>
+            </a:gdLst>
+            <a:ahLst/>
+            <a:cxnLst>
+              <a:cxn ang="0">
+                <a:pos x="connsiteX0" y="connsiteY0"/>
+              </a:cxn>
+              <a:cxn ang="0">
+                <a:pos x="connsiteX1" y="connsiteY1"/>
+              </a:cxn>
+              <a:cxn ang="0">
+                <a:pos x="connsiteX2" y="connsiteY2"/>
+              </a:cxn>
+              <a:cxn ang="0">
+                <a:pos x="connsiteX3" y="connsiteY3"/>
+              </a:cxn>
+              <a:cxn ang="0">
+                <a:pos x="connsiteX4" y="connsiteY4"/>
+              </a:cxn>
+              <a:cxn ang="0">
+                <a:pos x="connsiteX5" y="connsiteY5"/>
+              </a:cxn>
+              <a:cxn ang="0">
+                <a:pos x="connsiteX6" y="connsiteY6"/>
+              </a:cxn>
+              <a:cxn ang="0">
+                <a:pos x="connsiteX7" y="connsiteY7"/>
+              </a:cxn>
+              <a:cxn ang="0">
+                <a:pos x="connsiteX8" y="connsiteY8"/>
+              </a:cxn>
+              <a:cxn ang="0">
+                <a:pos x="connsiteX9" y="connsiteY9"/>
+              </a:cxn>
+              <a:cxn ang="0">
+                <a:pos x="connsiteX10" y="connsiteY10"/>
+              </a:cxn>
+              <a:cxn ang="0">
+                <a:pos x="connsiteX11" y="connsiteY11"/>
+              </a:cxn>
+              <a:cxn ang="0">
+                <a:pos x="connsiteX12" y="connsiteY12"/>
+              </a:cxn>
+              <a:cxn ang="0">
+                <a:pos x="connsiteX13" y="connsiteY13"/>
+              </a:cxn>
+              <a:cxn ang="0">
+                <a:pos x="connsiteX14" y="connsiteY14"/>
+              </a:cxn>
+              <a:cxn ang="0">
+                <a:pos x="connsiteX15" y="connsiteY15"/>
+              </a:cxn>
+              <a:cxn ang="0">
+                <a:pos x="connsiteX16" y="connsiteY16"/>
+              </a:cxn>
+              <a:cxn ang="0">
+                <a:pos x="connsiteX17" y="connsiteY17"/>
+              </a:cxn>
+              <a:cxn ang="0">
+                <a:pos x="connsiteX18" y="connsiteY18"/>
+              </a:cxn>
+              <a:cxn ang="0">
+                <a:pos x="connsiteX19" y="connsiteY19"/>
+              </a:cxn>
+              <a:cxn ang="0">
+                <a:pos x="connsiteX20" y="connsiteY20"/>
+              </a:cxn>
+              <a:cxn ang="0">
+                <a:pos x="connsiteX21" y="connsiteY21"/>
+              </a:cxn>
+              <a:cxn ang="0">
+                <a:pos x="connsiteX22" y="connsiteY22"/>
+              </a:cxn>
+              <a:cxn ang="0">
+                <a:pos x="connsiteX23" y="connsiteY23"/>
+              </a:cxn>
+              <a:cxn ang="0">
+                <a:pos x="connsiteX24" y="connsiteY24"/>
+              </a:cxn>
+            </a:cxnLst>
+            <a:rect l="l" t="t" r="r" b="b"/>
+            <a:pathLst>
+              <a:path w="2380956" h="2380956">
+                <a:moveTo>
+                  <a:pt x="1190478" y="0"/>
+                </a:moveTo>
+                <a:cubicBezTo>
+                  <a:pt x="1437034" y="0"/>
+                  <a:pt x="1666084" y="74952"/>
+                  <a:pt x="1856086" y="203315"/>
+                </a:cubicBezTo>
+                <a:lnTo>
+                  <a:pt x="1927973" y="257071"/>
+                </a:lnTo>
+                <a:lnTo>
+                  <a:pt x="2187526" y="257071"/>
+                </a:lnTo>
+                <a:lnTo>
+                  <a:pt x="2187526" y="541142"/>
+                </a:lnTo>
+                <a:lnTo>
+                  <a:pt x="2237272" y="623026"/>
+                </a:lnTo>
+                <a:cubicBezTo>
+                  <a:pt x="2328906" y="791708"/>
+                  <a:pt x="2380956" y="985015"/>
+                  <a:pt x="2380956" y="1190478"/>
+                </a:cubicBezTo>
+                <a:cubicBezTo>
+                  <a:pt x="2380956" y="1395942"/>
+                  <a:pt x="2328906" y="1589248"/>
+                  <a:pt x="2237272" y="1757931"/>
+                </a:cubicBezTo>
+                <a:lnTo>
+                  <a:pt x="2187526" y="1839815"/>
+                </a:lnTo>
+                <a:lnTo>
+                  <a:pt x="2187526" y="2123885"/>
+                </a:lnTo>
+                <a:lnTo>
+                  <a:pt x="1927973" y="2123885"/>
+                </a:lnTo>
+                <a:lnTo>
+                  <a:pt x="1856086" y="2177641"/>
+                </a:lnTo>
+                <a:cubicBezTo>
+                  <a:pt x="1666084" y="2306004"/>
+                  <a:pt x="1437034" y="2380956"/>
+                  <a:pt x="1190478" y="2380956"/>
+                </a:cubicBezTo>
+                <a:cubicBezTo>
+                  <a:pt x="943922" y="2380956"/>
+                  <a:pt x="714872" y="2306004"/>
+                  <a:pt x="524871" y="2177641"/>
+                </a:cubicBezTo>
+                <a:lnTo>
+                  <a:pt x="452984" y="2123885"/>
+                </a:lnTo>
+                <a:lnTo>
+                  <a:pt x="193430" y="2123885"/>
+                </a:lnTo>
+                <a:lnTo>
+                  <a:pt x="193430" y="1839815"/>
+                </a:lnTo>
+                <a:lnTo>
+                  <a:pt x="143684" y="1757931"/>
+                </a:lnTo>
+                <a:cubicBezTo>
+                  <a:pt x="52050" y="1589248"/>
+                  <a:pt x="0" y="1395942"/>
+                  <a:pt x="0" y="1190478"/>
+                </a:cubicBezTo>
+                <a:cubicBezTo>
+                  <a:pt x="0" y="985015"/>
+                  <a:pt x="52050" y="791708"/>
+                  <a:pt x="143684" y="623026"/>
+                </a:cubicBezTo>
+                <a:lnTo>
+                  <a:pt x="193430" y="541142"/>
+                </a:lnTo>
+                <a:lnTo>
+                  <a:pt x="193430" y="257071"/>
+                </a:lnTo>
+                <a:lnTo>
+                  <a:pt x="452984" y="257071"/>
+                </a:lnTo>
+                <a:lnTo>
+                  <a:pt x="524871" y="203315"/>
+                </a:lnTo>
+                <a:cubicBezTo>
+                  <a:pt x="714872" y="74952"/>
+                  <a:pt x="943922" y="0"/>
+                  <a:pt x="1190478" y="0"/>
+                </a:cubicBezTo>
+                <a:close/>
+              </a:path>
+            </a:pathLst>
+          </a:custGeom>
+          <a:solidFill>
+            <a:schemeClr val="bg1"/>
+          </a:solidFill>
+          <a:ln w="57150">
+            <a:solidFill>
+              <a:schemeClr val="tx1"/>
+            </a:solidFill>
+          </a:ln>
+        </p:spPr>
+      </p:pic>
+    </p:spTree>
+    <p:extLst>
+      <p:ext uri="{BB962C8B-B14F-4D97-AF65-F5344CB8AC3E}">
+        <p14:creationId xmlns:p14="http://schemas.microsoft.com/office/powerpoint/2010/main" val="1107075992"/>
       </p:ext>
     </p:extLst>
   </p:cSld>

--- a/Digital Mockup/Static-PrototypeVer.1.pptx
+++ b/Digital Mockup/Static-PrototypeVer.1.pptx
@@ -1,6 +1,6 @@
 
 <file path=ppt/presentation.xml><?xml version="1.0" encoding="utf-8"?>
-<p:presentation xmlns:a="http://schemas.openxmlformats.org/drawingml/2006/main" xmlns:r="http://schemas.openxmlformats.org/officeDocument/2006/relationships" xmlns:p="http://schemas.openxmlformats.org/presentationml/2006/main" saveSubsetFonts="1">
+<p:presentation xmlns:a="http://schemas.openxmlformats.org/drawingml/2006/main" xmlns:r="http://schemas.openxmlformats.org/officeDocument/2006/relationships" xmlns:p="http://schemas.openxmlformats.org/presentationml/2006/main" embedTrueTypeFonts="1" saveSubsetFonts="1">
   <p:sldMasterIdLst>
     <p:sldMasterId id="2147483660" r:id="rId1"/>
   </p:sldMasterIdLst>
@@ -26,6 +26,25 @@
   </p:sldIdLst>
   <p:sldSz cx="6858000" cy="12192000"/>
   <p:notesSz cx="6858000" cy="9144000"/>
+  <p:embeddedFontLst>
+    <p:embeddedFont>
+      <p:font typeface="Calibri" panose="020F0502020204030204" pitchFamily="34" charset="0"/>
+      <p:regular r:id="rId18"/>
+      <p:bold r:id="rId19"/>
+      <p:italic r:id="rId20"/>
+      <p:boldItalic r:id="rId21"/>
+    </p:embeddedFont>
+    <p:embeddedFont>
+      <p:font typeface="Calibri Light" panose="020F0302020204030204" pitchFamily="34" charset="0"/>
+      <p:regular r:id="rId22"/>
+      <p:italic r:id="rId23"/>
+    </p:embeddedFont>
+    <p:embeddedFont>
+      <p:font typeface="Tahoma" panose="020B0604030504040204" pitchFamily="34" charset="0"/>
+      <p:regular r:id="rId24"/>
+      <p:bold r:id="rId25"/>
+    </p:embeddedFont>
+  </p:embeddedFontLst>
   <p:defaultTextStyle>
     <a:defPPr>
       <a:defRPr lang="en-US"/>
@@ -3997,292 +4016,6 @@
           </a:p>
         </p:txBody>
       </p:sp>
-      <p:pic>
-        <p:nvPicPr>
-          <p:cNvPr id="5" name="Picture 4" descr="Related image">
-            <a:extLst>
-              <a:ext uri="{FF2B5EF4-FFF2-40B4-BE49-F238E27FC236}">
-                <a16:creationId xmlns:a16="http://schemas.microsoft.com/office/drawing/2014/main" id="{D9860D4E-40DF-4141-B4F5-CDF5C6186E43}"/>
-              </a:ext>
-            </a:extLst>
-          </p:cNvPr>
-          <p:cNvPicPr>
-            <a:picLocks noChangeAspect="1" noChangeArrowheads="1"/>
-          </p:cNvPicPr>
-          <p:nvPr/>
-        </p:nvPicPr>
-        <p:blipFill rotWithShape="1">
-          <a:blip r:embed="rId2">
-            <a:duotone>
-              <a:prstClr val="black"/>
-              <a:schemeClr val="accent5">
-                <a:tint val="45000"/>
-                <a:satMod val="400000"/>
-              </a:schemeClr>
-            </a:duotone>
-            <a:extLst>
-              <a:ext uri="{BEBA8EAE-BF5A-486C-A8C5-ECC9F3942E4B}">
-                <a14:imgProps xmlns:a14="http://schemas.microsoft.com/office/drawing/2010/main">
-                  <a14:imgLayer r:embed="rId3">
-                    <a14:imgEffect>
-                      <a14:colorTemperature colorTemp="11200"/>
-                    </a14:imgEffect>
-                  </a14:imgLayer>
-                </a14:imgProps>
-              </a:ext>
-              <a:ext uri="{28A0092B-C50C-407E-A947-70E740481C1C}">
-                <a14:useLocalDpi xmlns:a14="http://schemas.microsoft.com/office/drawing/2010/main" val="0"/>
-              </a:ext>
-            </a:extLst>
-          </a:blip>
-          <a:srcRect l="2953" t="2566" r="1414" b="8632"/>
-          <a:stretch/>
-        </p:blipFill>
-        <p:spPr bwMode="auto">
-          <a:xfrm>
-            <a:off x="2148999" y="1560560"/>
-            <a:ext cx="2560000" cy="2560000"/>
-          </a:xfrm>
-          <a:custGeom>
-            <a:avLst/>
-            <a:gdLst>
-              <a:gd name="connsiteX0" fmla="*/ 1190478 w 2380956"/>
-              <a:gd name="connsiteY0" fmla="*/ 0 h 2380956"/>
-              <a:gd name="connsiteX1" fmla="*/ 1856086 w 2380956"/>
-              <a:gd name="connsiteY1" fmla="*/ 203315 h 2380956"/>
-              <a:gd name="connsiteX2" fmla="*/ 1927973 w 2380956"/>
-              <a:gd name="connsiteY2" fmla="*/ 257071 h 2380956"/>
-              <a:gd name="connsiteX3" fmla="*/ 2187526 w 2380956"/>
-              <a:gd name="connsiteY3" fmla="*/ 257071 h 2380956"/>
-              <a:gd name="connsiteX4" fmla="*/ 2187526 w 2380956"/>
-              <a:gd name="connsiteY4" fmla="*/ 541142 h 2380956"/>
-              <a:gd name="connsiteX5" fmla="*/ 2237272 w 2380956"/>
-              <a:gd name="connsiteY5" fmla="*/ 623026 h 2380956"/>
-              <a:gd name="connsiteX6" fmla="*/ 2380956 w 2380956"/>
-              <a:gd name="connsiteY6" fmla="*/ 1190478 h 2380956"/>
-              <a:gd name="connsiteX7" fmla="*/ 2237272 w 2380956"/>
-              <a:gd name="connsiteY7" fmla="*/ 1757931 h 2380956"/>
-              <a:gd name="connsiteX8" fmla="*/ 2187526 w 2380956"/>
-              <a:gd name="connsiteY8" fmla="*/ 1839815 h 2380956"/>
-              <a:gd name="connsiteX9" fmla="*/ 2187526 w 2380956"/>
-              <a:gd name="connsiteY9" fmla="*/ 2123885 h 2380956"/>
-              <a:gd name="connsiteX10" fmla="*/ 1927973 w 2380956"/>
-              <a:gd name="connsiteY10" fmla="*/ 2123885 h 2380956"/>
-              <a:gd name="connsiteX11" fmla="*/ 1856086 w 2380956"/>
-              <a:gd name="connsiteY11" fmla="*/ 2177641 h 2380956"/>
-              <a:gd name="connsiteX12" fmla="*/ 1190478 w 2380956"/>
-              <a:gd name="connsiteY12" fmla="*/ 2380956 h 2380956"/>
-              <a:gd name="connsiteX13" fmla="*/ 524871 w 2380956"/>
-              <a:gd name="connsiteY13" fmla="*/ 2177641 h 2380956"/>
-              <a:gd name="connsiteX14" fmla="*/ 452984 w 2380956"/>
-              <a:gd name="connsiteY14" fmla="*/ 2123885 h 2380956"/>
-              <a:gd name="connsiteX15" fmla="*/ 193430 w 2380956"/>
-              <a:gd name="connsiteY15" fmla="*/ 2123885 h 2380956"/>
-              <a:gd name="connsiteX16" fmla="*/ 193430 w 2380956"/>
-              <a:gd name="connsiteY16" fmla="*/ 1839815 h 2380956"/>
-              <a:gd name="connsiteX17" fmla="*/ 143684 w 2380956"/>
-              <a:gd name="connsiteY17" fmla="*/ 1757931 h 2380956"/>
-              <a:gd name="connsiteX18" fmla="*/ 0 w 2380956"/>
-              <a:gd name="connsiteY18" fmla="*/ 1190478 h 2380956"/>
-              <a:gd name="connsiteX19" fmla="*/ 143684 w 2380956"/>
-              <a:gd name="connsiteY19" fmla="*/ 623026 h 2380956"/>
-              <a:gd name="connsiteX20" fmla="*/ 193430 w 2380956"/>
-              <a:gd name="connsiteY20" fmla="*/ 541142 h 2380956"/>
-              <a:gd name="connsiteX21" fmla="*/ 193430 w 2380956"/>
-              <a:gd name="connsiteY21" fmla="*/ 257071 h 2380956"/>
-              <a:gd name="connsiteX22" fmla="*/ 452984 w 2380956"/>
-              <a:gd name="connsiteY22" fmla="*/ 257071 h 2380956"/>
-              <a:gd name="connsiteX23" fmla="*/ 524871 w 2380956"/>
-              <a:gd name="connsiteY23" fmla="*/ 203315 h 2380956"/>
-              <a:gd name="connsiteX24" fmla="*/ 1190478 w 2380956"/>
-              <a:gd name="connsiteY24" fmla="*/ 0 h 2380956"/>
-            </a:gdLst>
-            <a:ahLst/>
-            <a:cxnLst>
-              <a:cxn ang="0">
-                <a:pos x="connsiteX0" y="connsiteY0"/>
-              </a:cxn>
-              <a:cxn ang="0">
-                <a:pos x="connsiteX1" y="connsiteY1"/>
-              </a:cxn>
-              <a:cxn ang="0">
-                <a:pos x="connsiteX2" y="connsiteY2"/>
-              </a:cxn>
-              <a:cxn ang="0">
-                <a:pos x="connsiteX3" y="connsiteY3"/>
-              </a:cxn>
-              <a:cxn ang="0">
-                <a:pos x="connsiteX4" y="connsiteY4"/>
-              </a:cxn>
-              <a:cxn ang="0">
-                <a:pos x="connsiteX5" y="connsiteY5"/>
-              </a:cxn>
-              <a:cxn ang="0">
-                <a:pos x="connsiteX6" y="connsiteY6"/>
-              </a:cxn>
-              <a:cxn ang="0">
-                <a:pos x="connsiteX7" y="connsiteY7"/>
-              </a:cxn>
-              <a:cxn ang="0">
-                <a:pos x="connsiteX8" y="connsiteY8"/>
-              </a:cxn>
-              <a:cxn ang="0">
-                <a:pos x="connsiteX9" y="connsiteY9"/>
-              </a:cxn>
-              <a:cxn ang="0">
-                <a:pos x="connsiteX10" y="connsiteY10"/>
-              </a:cxn>
-              <a:cxn ang="0">
-                <a:pos x="connsiteX11" y="connsiteY11"/>
-              </a:cxn>
-              <a:cxn ang="0">
-                <a:pos x="connsiteX12" y="connsiteY12"/>
-              </a:cxn>
-              <a:cxn ang="0">
-                <a:pos x="connsiteX13" y="connsiteY13"/>
-              </a:cxn>
-              <a:cxn ang="0">
-                <a:pos x="connsiteX14" y="connsiteY14"/>
-              </a:cxn>
-              <a:cxn ang="0">
-                <a:pos x="connsiteX15" y="connsiteY15"/>
-              </a:cxn>
-              <a:cxn ang="0">
-                <a:pos x="connsiteX16" y="connsiteY16"/>
-              </a:cxn>
-              <a:cxn ang="0">
-                <a:pos x="connsiteX17" y="connsiteY17"/>
-              </a:cxn>
-              <a:cxn ang="0">
-                <a:pos x="connsiteX18" y="connsiteY18"/>
-              </a:cxn>
-              <a:cxn ang="0">
-                <a:pos x="connsiteX19" y="connsiteY19"/>
-              </a:cxn>
-              <a:cxn ang="0">
-                <a:pos x="connsiteX20" y="connsiteY20"/>
-              </a:cxn>
-              <a:cxn ang="0">
-                <a:pos x="connsiteX21" y="connsiteY21"/>
-              </a:cxn>
-              <a:cxn ang="0">
-                <a:pos x="connsiteX22" y="connsiteY22"/>
-              </a:cxn>
-              <a:cxn ang="0">
-                <a:pos x="connsiteX23" y="connsiteY23"/>
-              </a:cxn>
-              <a:cxn ang="0">
-                <a:pos x="connsiteX24" y="connsiteY24"/>
-              </a:cxn>
-            </a:cxnLst>
-            <a:rect l="l" t="t" r="r" b="b"/>
-            <a:pathLst>
-              <a:path w="2380956" h="2380956">
-                <a:moveTo>
-                  <a:pt x="1190478" y="0"/>
-                </a:moveTo>
-                <a:cubicBezTo>
-                  <a:pt x="1437034" y="0"/>
-                  <a:pt x="1666084" y="74952"/>
-                  <a:pt x="1856086" y="203315"/>
-                </a:cubicBezTo>
-                <a:lnTo>
-                  <a:pt x="1927973" y="257071"/>
-                </a:lnTo>
-                <a:lnTo>
-                  <a:pt x="2187526" y="257071"/>
-                </a:lnTo>
-                <a:lnTo>
-                  <a:pt x="2187526" y="541142"/>
-                </a:lnTo>
-                <a:lnTo>
-                  <a:pt x="2237272" y="623026"/>
-                </a:lnTo>
-                <a:cubicBezTo>
-                  <a:pt x="2328906" y="791708"/>
-                  <a:pt x="2380956" y="985015"/>
-                  <a:pt x="2380956" y="1190478"/>
-                </a:cubicBezTo>
-                <a:cubicBezTo>
-                  <a:pt x="2380956" y="1395942"/>
-                  <a:pt x="2328906" y="1589248"/>
-                  <a:pt x="2237272" y="1757931"/>
-                </a:cubicBezTo>
-                <a:lnTo>
-                  <a:pt x="2187526" y="1839815"/>
-                </a:lnTo>
-                <a:lnTo>
-                  <a:pt x="2187526" y="2123885"/>
-                </a:lnTo>
-                <a:lnTo>
-                  <a:pt x="1927973" y="2123885"/>
-                </a:lnTo>
-                <a:lnTo>
-                  <a:pt x="1856086" y="2177641"/>
-                </a:lnTo>
-                <a:cubicBezTo>
-                  <a:pt x="1666084" y="2306004"/>
-                  <a:pt x="1437034" y="2380956"/>
-                  <a:pt x="1190478" y="2380956"/>
-                </a:cubicBezTo>
-                <a:cubicBezTo>
-                  <a:pt x="943922" y="2380956"/>
-                  <a:pt x="714872" y="2306004"/>
-                  <a:pt x="524871" y="2177641"/>
-                </a:cubicBezTo>
-                <a:lnTo>
-                  <a:pt x="452984" y="2123885"/>
-                </a:lnTo>
-                <a:lnTo>
-                  <a:pt x="193430" y="2123885"/>
-                </a:lnTo>
-                <a:lnTo>
-                  <a:pt x="193430" y="1839815"/>
-                </a:lnTo>
-                <a:lnTo>
-                  <a:pt x="143684" y="1757931"/>
-                </a:lnTo>
-                <a:cubicBezTo>
-                  <a:pt x="52050" y="1589248"/>
-                  <a:pt x="0" y="1395942"/>
-                  <a:pt x="0" y="1190478"/>
-                </a:cubicBezTo>
-                <a:cubicBezTo>
-                  <a:pt x="0" y="985015"/>
-                  <a:pt x="52050" y="791708"/>
-                  <a:pt x="143684" y="623026"/>
-                </a:cubicBezTo>
-                <a:lnTo>
-                  <a:pt x="193430" y="541142"/>
-                </a:lnTo>
-                <a:lnTo>
-                  <a:pt x="193430" y="257071"/>
-                </a:lnTo>
-                <a:lnTo>
-                  <a:pt x="452984" y="257071"/>
-                </a:lnTo>
-                <a:lnTo>
-                  <a:pt x="524871" y="203315"/>
-                </a:lnTo>
-                <a:cubicBezTo>
-                  <a:pt x="714872" y="74952"/>
-                  <a:pt x="943922" y="0"/>
-                  <a:pt x="1190478" y="0"/>
-                </a:cubicBezTo>
-                <a:close/>
-              </a:path>
-            </a:pathLst>
-          </a:custGeom>
-          <a:solidFill>
-            <a:schemeClr val="bg1"/>
-          </a:solidFill>
-          <a:ln w="57150">
-            <a:solidFill>
-              <a:schemeClr val="tx1"/>
-            </a:solidFill>
-          </a:ln>
-        </p:spPr>
-      </p:pic>
       <p:sp>
         <p:nvSpPr>
           <p:cNvPr id="6" name="Rectangle: Rounded Corners 5">
@@ -4345,7 +4078,7 @@
       <p:sp>
         <p:nvSpPr>
           <p:cNvPr id="7" name="Rectangle: Rounded Corners 6">
-            <a:hlinkClick r:id="rId4" action="ppaction://hlinksldjump" highlightClick="1"/>
+            <a:hlinkClick r:id="rId2" action="ppaction://hlinksldjump" highlightClick="1"/>
             <a:extLst>
               <a:ext uri="{FF2B5EF4-FFF2-40B4-BE49-F238E27FC236}">
                 <a16:creationId xmlns:a16="http://schemas.microsoft.com/office/drawing/2014/main" id="{C269B2CB-44A7-4D3F-97A0-612D25B34444}"/>
@@ -4584,6 +4317,41 @@
           </a:p>
         </p:txBody>
       </p:sp>
+      <p:pic>
+        <p:nvPicPr>
+          <p:cNvPr id="3" name="Picture 2" descr="A close up of a logo&#10;&#10;Description automatically generated">
+            <a:extLst>
+              <a:ext uri="{FF2B5EF4-FFF2-40B4-BE49-F238E27FC236}">
+                <a16:creationId xmlns:a16="http://schemas.microsoft.com/office/drawing/2014/main" id="{FDF794C6-9335-428F-B680-BF0B02258398}"/>
+              </a:ext>
+            </a:extLst>
+          </p:cNvPr>
+          <p:cNvPicPr>
+            <a:picLocks noChangeAspect="1"/>
+          </p:cNvPicPr>
+          <p:nvPr/>
+        </p:nvPicPr>
+        <p:blipFill rotWithShape="1">
+          <a:blip r:embed="rId3">
+            <a:extLst>
+              <a:ext uri="{28A0092B-C50C-407E-A947-70E740481C1C}">
+                <a14:useLocalDpi xmlns:a14="http://schemas.microsoft.com/office/drawing/2010/main" val="0"/>
+              </a:ext>
+            </a:extLst>
+          </a:blip>
+          <a:srcRect l="23078" t="11172" r="23872" b="35778"/>
+          <a:stretch/>
+        </p:blipFill>
+        <p:spPr>
+          <a:xfrm>
+            <a:off x="1731301" y="851922"/>
+            <a:ext cx="3638180" cy="3638180"/>
+          </a:xfrm>
+          <a:prstGeom prst="rect">
+            <a:avLst/>
+          </a:prstGeom>
+        </p:spPr>
+      </p:pic>
     </p:spTree>
     <p:extLst>
       <p:ext uri="{BB962C8B-B14F-4D97-AF65-F5344CB8AC3E}">
@@ -4842,292 +4610,6 @@
           </a:p>
         </p:txBody>
       </p:sp>
-      <p:pic>
-        <p:nvPicPr>
-          <p:cNvPr id="3" name="Picture 2" descr="Related image">
-            <a:extLst>
-              <a:ext uri="{FF2B5EF4-FFF2-40B4-BE49-F238E27FC236}">
-                <a16:creationId xmlns:a16="http://schemas.microsoft.com/office/drawing/2014/main" id="{F6E56390-FCB9-43C8-88A5-16E8923828E2}"/>
-              </a:ext>
-            </a:extLst>
-          </p:cNvPr>
-          <p:cNvPicPr>
-            <a:picLocks noChangeAspect="1" noChangeArrowheads="1"/>
-          </p:cNvPicPr>
-          <p:nvPr/>
-        </p:nvPicPr>
-        <p:blipFill rotWithShape="1">
-          <a:blip r:embed="rId2">
-            <a:duotone>
-              <a:prstClr val="black"/>
-              <a:schemeClr val="accent5">
-                <a:tint val="45000"/>
-                <a:satMod val="400000"/>
-              </a:schemeClr>
-            </a:duotone>
-            <a:extLst>
-              <a:ext uri="{BEBA8EAE-BF5A-486C-A8C5-ECC9F3942E4B}">
-                <a14:imgProps xmlns:a14="http://schemas.microsoft.com/office/drawing/2010/main">
-                  <a14:imgLayer r:embed="rId3">
-                    <a14:imgEffect>
-                      <a14:colorTemperature colorTemp="4700"/>
-                    </a14:imgEffect>
-                  </a14:imgLayer>
-                </a14:imgProps>
-              </a:ext>
-              <a:ext uri="{28A0092B-C50C-407E-A947-70E740481C1C}">
-                <a14:useLocalDpi xmlns:a14="http://schemas.microsoft.com/office/drawing/2010/main" val="0"/>
-              </a:ext>
-            </a:extLst>
-          </a:blip>
-          <a:srcRect l="2953" t="2566" r="1414" b="8632"/>
-          <a:stretch/>
-        </p:blipFill>
-        <p:spPr bwMode="auto">
-          <a:xfrm>
-            <a:off x="2628996" y="1798217"/>
-            <a:ext cx="1600002" cy="1600002"/>
-          </a:xfrm>
-          <a:custGeom>
-            <a:avLst/>
-            <a:gdLst>
-              <a:gd name="connsiteX0" fmla="*/ 1190478 w 2380956"/>
-              <a:gd name="connsiteY0" fmla="*/ 0 h 2380956"/>
-              <a:gd name="connsiteX1" fmla="*/ 1856086 w 2380956"/>
-              <a:gd name="connsiteY1" fmla="*/ 203315 h 2380956"/>
-              <a:gd name="connsiteX2" fmla="*/ 1927973 w 2380956"/>
-              <a:gd name="connsiteY2" fmla="*/ 257071 h 2380956"/>
-              <a:gd name="connsiteX3" fmla="*/ 2187526 w 2380956"/>
-              <a:gd name="connsiteY3" fmla="*/ 257071 h 2380956"/>
-              <a:gd name="connsiteX4" fmla="*/ 2187526 w 2380956"/>
-              <a:gd name="connsiteY4" fmla="*/ 541142 h 2380956"/>
-              <a:gd name="connsiteX5" fmla="*/ 2237272 w 2380956"/>
-              <a:gd name="connsiteY5" fmla="*/ 623026 h 2380956"/>
-              <a:gd name="connsiteX6" fmla="*/ 2380956 w 2380956"/>
-              <a:gd name="connsiteY6" fmla="*/ 1190478 h 2380956"/>
-              <a:gd name="connsiteX7" fmla="*/ 2237272 w 2380956"/>
-              <a:gd name="connsiteY7" fmla="*/ 1757931 h 2380956"/>
-              <a:gd name="connsiteX8" fmla="*/ 2187526 w 2380956"/>
-              <a:gd name="connsiteY8" fmla="*/ 1839815 h 2380956"/>
-              <a:gd name="connsiteX9" fmla="*/ 2187526 w 2380956"/>
-              <a:gd name="connsiteY9" fmla="*/ 2123885 h 2380956"/>
-              <a:gd name="connsiteX10" fmla="*/ 1927973 w 2380956"/>
-              <a:gd name="connsiteY10" fmla="*/ 2123885 h 2380956"/>
-              <a:gd name="connsiteX11" fmla="*/ 1856086 w 2380956"/>
-              <a:gd name="connsiteY11" fmla="*/ 2177641 h 2380956"/>
-              <a:gd name="connsiteX12" fmla="*/ 1190478 w 2380956"/>
-              <a:gd name="connsiteY12" fmla="*/ 2380956 h 2380956"/>
-              <a:gd name="connsiteX13" fmla="*/ 524871 w 2380956"/>
-              <a:gd name="connsiteY13" fmla="*/ 2177641 h 2380956"/>
-              <a:gd name="connsiteX14" fmla="*/ 452984 w 2380956"/>
-              <a:gd name="connsiteY14" fmla="*/ 2123885 h 2380956"/>
-              <a:gd name="connsiteX15" fmla="*/ 193430 w 2380956"/>
-              <a:gd name="connsiteY15" fmla="*/ 2123885 h 2380956"/>
-              <a:gd name="connsiteX16" fmla="*/ 193430 w 2380956"/>
-              <a:gd name="connsiteY16" fmla="*/ 1839815 h 2380956"/>
-              <a:gd name="connsiteX17" fmla="*/ 143684 w 2380956"/>
-              <a:gd name="connsiteY17" fmla="*/ 1757931 h 2380956"/>
-              <a:gd name="connsiteX18" fmla="*/ 0 w 2380956"/>
-              <a:gd name="connsiteY18" fmla="*/ 1190478 h 2380956"/>
-              <a:gd name="connsiteX19" fmla="*/ 143684 w 2380956"/>
-              <a:gd name="connsiteY19" fmla="*/ 623026 h 2380956"/>
-              <a:gd name="connsiteX20" fmla="*/ 193430 w 2380956"/>
-              <a:gd name="connsiteY20" fmla="*/ 541142 h 2380956"/>
-              <a:gd name="connsiteX21" fmla="*/ 193430 w 2380956"/>
-              <a:gd name="connsiteY21" fmla="*/ 257071 h 2380956"/>
-              <a:gd name="connsiteX22" fmla="*/ 452984 w 2380956"/>
-              <a:gd name="connsiteY22" fmla="*/ 257071 h 2380956"/>
-              <a:gd name="connsiteX23" fmla="*/ 524871 w 2380956"/>
-              <a:gd name="connsiteY23" fmla="*/ 203315 h 2380956"/>
-              <a:gd name="connsiteX24" fmla="*/ 1190478 w 2380956"/>
-              <a:gd name="connsiteY24" fmla="*/ 0 h 2380956"/>
-            </a:gdLst>
-            <a:ahLst/>
-            <a:cxnLst>
-              <a:cxn ang="0">
-                <a:pos x="connsiteX0" y="connsiteY0"/>
-              </a:cxn>
-              <a:cxn ang="0">
-                <a:pos x="connsiteX1" y="connsiteY1"/>
-              </a:cxn>
-              <a:cxn ang="0">
-                <a:pos x="connsiteX2" y="connsiteY2"/>
-              </a:cxn>
-              <a:cxn ang="0">
-                <a:pos x="connsiteX3" y="connsiteY3"/>
-              </a:cxn>
-              <a:cxn ang="0">
-                <a:pos x="connsiteX4" y="connsiteY4"/>
-              </a:cxn>
-              <a:cxn ang="0">
-                <a:pos x="connsiteX5" y="connsiteY5"/>
-              </a:cxn>
-              <a:cxn ang="0">
-                <a:pos x="connsiteX6" y="connsiteY6"/>
-              </a:cxn>
-              <a:cxn ang="0">
-                <a:pos x="connsiteX7" y="connsiteY7"/>
-              </a:cxn>
-              <a:cxn ang="0">
-                <a:pos x="connsiteX8" y="connsiteY8"/>
-              </a:cxn>
-              <a:cxn ang="0">
-                <a:pos x="connsiteX9" y="connsiteY9"/>
-              </a:cxn>
-              <a:cxn ang="0">
-                <a:pos x="connsiteX10" y="connsiteY10"/>
-              </a:cxn>
-              <a:cxn ang="0">
-                <a:pos x="connsiteX11" y="connsiteY11"/>
-              </a:cxn>
-              <a:cxn ang="0">
-                <a:pos x="connsiteX12" y="connsiteY12"/>
-              </a:cxn>
-              <a:cxn ang="0">
-                <a:pos x="connsiteX13" y="connsiteY13"/>
-              </a:cxn>
-              <a:cxn ang="0">
-                <a:pos x="connsiteX14" y="connsiteY14"/>
-              </a:cxn>
-              <a:cxn ang="0">
-                <a:pos x="connsiteX15" y="connsiteY15"/>
-              </a:cxn>
-              <a:cxn ang="0">
-                <a:pos x="connsiteX16" y="connsiteY16"/>
-              </a:cxn>
-              <a:cxn ang="0">
-                <a:pos x="connsiteX17" y="connsiteY17"/>
-              </a:cxn>
-              <a:cxn ang="0">
-                <a:pos x="connsiteX18" y="connsiteY18"/>
-              </a:cxn>
-              <a:cxn ang="0">
-                <a:pos x="connsiteX19" y="connsiteY19"/>
-              </a:cxn>
-              <a:cxn ang="0">
-                <a:pos x="connsiteX20" y="connsiteY20"/>
-              </a:cxn>
-              <a:cxn ang="0">
-                <a:pos x="connsiteX21" y="connsiteY21"/>
-              </a:cxn>
-              <a:cxn ang="0">
-                <a:pos x="connsiteX22" y="connsiteY22"/>
-              </a:cxn>
-              <a:cxn ang="0">
-                <a:pos x="connsiteX23" y="connsiteY23"/>
-              </a:cxn>
-              <a:cxn ang="0">
-                <a:pos x="connsiteX24" y="connsiteY24"/>
-              </a:cxn>
-            </a:cxnLst>
-            <a:rect l="l" t="t" r="r" b="b"/>
-            <a:pathLst>
-              <a:path w="2380956" h="2380956">
-                <a:moveTo>
-                  <a:pt x="1190478" y="0"/>
-                </a:moveTo>
-                <a:cubicBezTo>
-                  <a:pt x="1437034" y="0"/>
-                  <a:pt x="1666084" y="74952"/>
-                  <a:pt x="1856086" y="203315"/>
-                </a:cubicBezTo>
-                <a:lnTo>
-                  <a:pt x="1927973" y="257071"/>
-                </a:lnTo>
-                <a:lnTo>
-                  <a:pt x="2187526" y="257071"/>
-                </a:lnTo>
-                <a:lnTo>
-                  <a:pt x="2187526" y="541142"/>
-                </a:lnTo>
-                <a:lnTo>
-                  <a:pt x="2237272" y="623026"/>
-                </a:lnTo>
-                <a:cubicBezTo>
-                  <a:pt x="2328906" y="791708"/>
-                  <a:pt x="2380956" y="985015"/>
-                  <a:pt x="2380956" y="1190478"/>
-                </a:cubicBezTo>
-                <a:cubicBezTo>
-                  <a:pt x="2380956" y="1395942"/>
-                  <a:pt x="2328906" y="1589248"/>
-                  <a:pt x="2237272" y="1757931"/>
-                </a:cubicBezTo>
-                <a:lnTo>
-                  <a:pt x="2187526" y="1839815"/>
-                </a:lnTo>
-                <a:lnTo>
-                  <a:pt x="2187526" y="2123885"/>
-                </a:lnTo>
-                <a:lnTo>
-                  <a:pt x="1927973" y="2123885"/>
-                </a:lnTo>
-                <a:lnTo>
-                  <a:pt x="1856086" y="2177641"/>
-                </a:lnTo>
-                <a:cubicBezTo>
-                  <a:pt x="1666084" y="2306004"/>
-                  <a:pt x="1437034" y="2380956"/>
-                  <a:pt x="1190478" y="2380956"/>
-                </a:cubicBezTo>
-                <a:cubicBezTo>
-                  <a:pt x="943922" y="2380956"/>
-                  <a:pt x="714872" y="2306004"/>
-                  <a:pt x="524871" y="2177641"/>
-                </a:cubicBezTo>
-                <a:lnTo>
-                  <a:pt x="452984" y="2123885"/>
-                </a:lnTo>
-                <a:lnTo>
-                  <a:pt x="193430" y="2123885"/>
-                </a:lnTo>
-                <a:lnTo>
-                  <a:pt x="193430" y="1839815"/>
-                </a:lnTo>
-                <a:lnTo>
-                  <a:pt x="143684" y="1757931"/>
-                </a:lnTo>
-                <a:cubicBezTo>
-                  <a:pt x="52050" y="1589248"/>
-                  <a:pt x="0" y="1395942"/>
-                  <a:pt x="0" y="1190478"/>
-                </a:cubicBezTo>
-                <a:cubicBezTo>
-                  <a:pt x="0" y="985015"/>
-                  <a:pt x="52050" y="791708"/>
-                  <a:pt x="143684" y="623026"/>
-                </a:cubicBezTo>
-                <a:lnTo>
-                  <a:pt x="193430" y="541142"/>
-                </a:lnTo>
-                <a:lnTo>
-                  <a:pt x="193430" y="257071"/>
-                </a:lnTo>
-                <a:lnTo>
-                  <a:pt x="452984" y="257071"/>
-                </a:lnTo>
-                <a:lnTo>
-                  <a:pt x="524871" y="203315"/>
-                </a:lnTo>
-                <a:cubicBezTo>
-                  <a:pt x="714872" y="74952"/>
-                  <a:pt x="943922" y="0"/>
-                  <a:pt x="1190478" y="0"/>
-                </a:cubicBezTo>
-                <a:close/>
-              </a:path>
-            </a:pathLst>
-          </a:custGeom>
-          <a:solidFill>
-            <a:schemeClr val="bg1"/>
-          </a:solidFill>
-          <a:ln w="57150">
-            <a:solidFill>
-              <a:schemeClr val="tx1"/>
-            </a:solidFill>
-          </a:ln>
-        </p:spPr>
-      </p:pic>
       <p:sp>
         <p:nvSpPr>
           <p:cNvPr id="4" name="TextBox 3">
@@ -5222,7 +4704,7 @@
       <p:sp>
         <p:nvSpPr>
           <p:cNvPr id="6" name="Rectangle: Rounded Corners 5">
-            <a:hlinkClick r:id="rId4" action="ppaction://hlinksldjump" highlightClick="1"/>
+            <a:hlinkClick r:id="rId2" action="ppaction://hlinksldjump" highlightClick="1"/>
             <a:extLst>
               <a:ext uri="{FF2B5EF4-FFF2-40B4-BE49-F238E27FC236}">
                 <a16:creationId xmlns:a16="http://schemas.microsoft.com/office/drawing/2014/main" id="{DC5B2EF3-D2DA-4162-B552-6387925960FA}"/>
@@ -5480,6 +4962,41 @@
           </a:p>
         </p:txBody>
       </p:sp>
+      <p:pic>
+        <p:nvPicPr>
+          <p:cNvPr id="11" name="Picture 10" descr="A close up of a logo&#10;&#10;Description automatically generated">
+            <a:extLst>
+              <a:ext uri="{FF2B5EF4-FFF2-40B4-BE49-F238E27FC236}">
+                <a16:creationId xmlns:a16="http://schemas.microsoft.com/office/drawing/2014/main" id="{75E0D97B-6007-4628-B635-F03674E54CEE}"/>
+              </a:ext>
+            </a:extLst>
+          </p:cNvPr>
+          <p:cNvPicPr>
+            <a:picLocks noChangeAspect="1"/>
+          </p:cNvPicPr>
+          <p:nvPr/>
+        </p:nvPicPr>
+        <p:blipFill rotWithShape="1">
+          <a:blip r:embed="rId3">
+            <a:extLst>
+              <a:ext uri="{28A0092B-C50C-407E-A947-70E740481C1C}">
+                <a14:useLocalDpi xmlns:a14="http://schemas.microsoft.com/office/drawing/2010/main" val="0"/>
+              </a:ext>
+            </a:extLst>
+          </a:blip>
+          <a:srcRect l="23078" t="11172" r="23872" b="35778"/>
+          <a:stretch/>
+        </p:blipFill>
+        <p:spPr>
+          <a:xfrm>
+            <a:off x="2273594" y="1806713"/>
+            <a:ext cx="2160000" cy="2160000"/>
+          </a:xfrm>
+          <a:prstGeom prst="rect">
+            <a:avLst/>
+          </a:prstGeom>
+        </p:spPr>
+      </p:pic>
     </p:spTree>
     <p:extLst>
       <p:ext uri="{BB962C8B-B14F-4D97-AF65-F5344CB8AC3E}">
@@ -5742,292 +5259,6 @@
           </a:p>
         </p:txBody>
       </p:sp>
-      <p:pic>
-        <p:nvPicPr>
-          <p:cNvPr id="6" name="Picture 5" descr="Related image">
-            <a:extLst>
-              <a:ext uri="{FF2B5EF4-FFF2-40B4-BE49-F238E27FC236}">
-                <a16:creationId xmlns:a16="http://schemas.microsoft.com/office/drawing/2014/main" id="{2D86EDBD-B21F-46EA-9CE0-CBB2F660785B}"/>
-              </a:ext>
-            </a:extLst>
-          </p:cNvPr>
-          <p:cNvPicPr>
-            <a:picLocks noChangeAspect="1" noChangeArrowheads="1"/>
-          </p:cNvPicPr>
-          <p:nvPr/>
-        </p:nvPicPr>
-        <p:blipFill rotWithShape="1">
-          <a:blip r:embed="rId3">
-            <a:duotone>
-              <a:prstClr val="black"/>
-              <a:schemeClr val="accent5">
-                <a:tint val="45000"/>
-                <a:satMod val="400000"/>
-              </a:schemeClr>
-            </a:duotone>
-            <a:extLst>
-              <a:ext uri="{BEBA8EAE-BF5A-486C-A8C5-ECC9F3942E4B}">
-                <a14:imgProps xmlns:a14="http://schemas.microsoft.com/office/drawing/2010/main">
-                  <a14:imgLayer r:embed="rId4">
-                    <a14:imgEffect>
-                      <a14:colorTemperature colorTemp="4700"/>
-                    </a14:imgEffect>
-                  </a14:imgLayer>
-                </a14:imgProps>
-              </a:ext>
-              <a:ext uri="{28A0092B-C50C-407E-A947-70E740481C1C}">
-                <a14:useLocalDpi xmlns:a14="http://schemas.microsoft.com/office/drawing/2010/main" val="0"/>
-              </a:ext>
-            </a:extLst>
-          </a:blip>
-          <a:srcRect l="2953" t="2566" r="1414" b="8632"/>
-          <a:stretch/>
-        </p:blipFill>
-        <p:spPr bwMode="auto">
-          <a:xfrm>
-            <a:off x="999518" y="1187204"/>
-            <a:ext cx="1600002" cy="1600002"/>
-          </a:xfrm>
-          <a:custGeom>
-            <a:avLst/>
-            <a:gdLst>
-              <a:gd name="connsiteX0" fmla="*/ 1190478 w 2380956"/>
-              <a:gd name="connsiteY0" fmla="*/ 0 h 2380956"/>
-              <a:gd name="connsiteX1" fmla="*/ 1856086 w 2380956"/>
-              <a:gd name="connsiteY1" fmla="*/ 203315 h 2380956"/>
-              <a:gd name="connsiteX2" fmla="*/ 1927973 w 2380956"/>
-              <a:gd name="connsiteY2" fmla="*/ 257071 h 2380956"/>
-              <a:gd name="connsiteX3" fmla="*/ 2187526 w 2380956"/>
-              <a:gd name="connsiteY3" fmla="*/ 257071 h 2380956"/>
-              <a:gd name="connsiteX4" fmla="*/ 2187526 w 2380956"/>
-              <a:gd name="connsiteY4" fmla="*/ 541142 h 2380956"/>
-              <a:gd name="connsiteX5" fmla="*/ 2237272 w 2380956"/>
-              <a:gd name="connsiteY5" fmla="*/ 623026 h 2380956"/>
-              <a:gd name="connsiteX6" fmla="*/ 2380956 w 2380956"/>
-              <a:gd name="connsiteY6" fmla="*/ 1190478 h 2380956"/>
-              <a:gd name="connsiteX7" fmla="*/ 2237272 w 2380956"/>
-              <a:gd name="connsiteY7" fmla="*/ 1757931 h 2380956"/>
-              <a:gd name="connsiteX8" fmla="*/ 2187526 w 2380956"/>
-              <a:gd name="connsiteY8" fmla="*/ 1839815 h 2380956"/>
-              <a:gd name="connsiteX9" fmla="*/ 2187526 w 2380956"/>
-              <a:gd name="connsiteY9" fmla="*/ 2123885 h 2380956"/>
-              <a:gd name="connsiteX10" fmla="*/ 1927973 w 2380956"/>
-              <a:gd name="connsiteY10" fmla="*/ 2123885 h 2380956"/>
-              <a:gd name="connsiteX11" fmla="*/ 1856086 w 2380956"/>
-              <a:gd name="connsiteY11" fmla="*/ 2177641 h 2380956"/>
-              <a:gd name="connsiteX12" fmla="*/ 1190478 w 2380956"/>
-              <a:gd name="connsiteY12" fmla="*/ 2380956 h 2380956"/>
-              <a:gd name="connsiteX13" fmla="*/ 524871 w 2380956"/>
-              <a:gd name="connsiteY13" fmla="*/ 2177641 h 2380956"/>
-              <a:gd name="connsiteX14" fmla="*/ 452984 w 2380956"/>
-              <a:gd name="connsiteY14" fmla="*/ 2123885 h 2380956"/>
-              <a:gd name="connsiteX15" fmla="*/ 193430 w 2380956"/>
-              <a:gd name="connsiteY15" fmla="*/ 2123885 h 2380956"/>
-              <a:gd name="connsiteX16" fmla="*/ 193430 w 2380956"/>
-              <a:gd name="connsiteY16" fmla="*/ 1839815 h 2380956"/>
-              <a:gd name="connsiteX17" fmla="*/ 143684 w 2380956"/>
-              <a:gd name="connsiteY17" fmla="*/ 1757931 h 2380956"/>
-              <a:gd name="connsiteX18" fmla="*/ 0 w 2380956"/>
-              <a:gd name="connsiteY18" fmla="*/ 1190478 h 2380956"/>
-              <a:gd name="connsiteX19" fmla="*/ 143684 w 2380956"/>
-              <a:gd name="connsiteY19" fmla="*/ 623026 h 2380956"/>
-              <a:gd name="connsiteX20" fmla="*/ 193430 w 2380956"/>
-              <a:gd name="connsiteY20" fmla="*/ 541142 h 2380956"/>
-              <a:gd name="connsiteX21" fmla="*/ 193430 w 2380956"/>
-              <a:gd name="connsiteY21" fmla="*/ 257071 h 2380956"/>
-              <a:gd name="connsiteX22" fmla="*/ 452984 w 2380956"/>
-              <a:gd name="connsiteY22" fmla="*/ 257071 h 2380956"/>
-              <a:gd name="connsiteX23" fmla="*/ 524871 w 2380956"/>
-              <a:gd name="connsiteY23" fmla="*/ 203315 h 2380956"/>
-              <a:gd name="connsiteX24" fmla="*/ 1190478 w 2380956"/>
-              <a:gd name="connsiteY24" fmla="*/ 0 h 2380956"/>
-            </a:gdLst>
-            <a:ahLst/>
-            <a:cxnLst>
-              <a:cxn ang="0">
-                <a:pos x="connsiteX0" y="connsiteY0"/>
-              </a:cxn>
-              <a:cxn ang="0">
-                <a:pos x="connsiteX1" y="connsiteY1"/>
-              </a:cxn>
-              <a:cxn ang="0">
-                <a:pos x="connsiteX2" y="connsiteY2"/>
-              </a:cxn>
-              <a:cxn ang="0">
-                <a:pos x="connsiteX3" y="connsiteY3"/>
-              </a:cxn>
-              <a:cxn ang="0">
-                <a:pos x="connsiteX4" y="connsiteY4"/>
-              </a:cxn>
-              <a:cxn ang="0">
-                <a:pos x="connsiteX5" y="connsiteY5"/>
-              </a:cxn>
-              <a:cxn ang="0">
-                <a:pos x="connsiteX6" y="connsiteY6"/>
-              </a:cxn>
-              <a:cxn ang="0">
-                <a:pos x="connsiteX7" y="connsiteY7"/>
-              </a:cxn>
-              <a:cxn ang="0">
-                <a:pos x="connsiteX8" y="connsiteY8"/>
-              </a:cxn>
-              <a:cxn ang="0">
-                <a:pos x="connsiteX9" y="connsiteY9"/>
-              </a:cxn>
-              <a:cxn ang="0">
-                <a:pos x="connsiteX10" y="connsiteY10"/>
-              </a:cxn>
-              <a:cxn ang="0">
-                <a:pos x="connsiteX11" y="connsiteY11"/>
-              </a:cxn>
-              <a:cxn ang="0">
-                <a:pos x="connsiteX12" y="connsiteY12"/>
-              </a:cxn>
-              <a:cxn ang="0">
-                <a:pos x="connsiteX13" y="connsiteY13"/>
-              </a:cxn>
-              <a:cxn ang="0">
-                <a:pos x="connsiteX14" y="connsiteY14"/>
-              </a:cxn>
-              <a:cxn ang="0">
-                <a:pos x="connsiteX15" y="connsiteY15"/>
-              </a:cxn>
-              <a:cxn ang="0">
-                <a:pos x="connsiteX16" y="connsiteY16"/>
-              </a:cxn>
-              <a:cxn ang="0">
-                <a:pos x="connsiteX17" y="connsiteY17"/>
-              </a:cxn>
-              <a:cxn ang="0">
-                <a:pos x="connsiteX18" y="connsiteY18"/>
-              </a:cxn>
-              <a:cxn ang="0">
-                <a:pos x="connsiteX19" y="connsiteY19"/>
-              </a:cxn>
-              <a:cxn ang="0">
-                <a:pos x="connsiteX20" y="connsiteY20"/>
-              </a:cxn>
-              <a:cxn ang="0">
-                <a:pos x="connsiteX21" y="connsiteY21"/>
-              </a:cxn>
-              <a:cxn ang="0">
-                <a:pos x="connsiteX22" y="connsiteY22"/>
-              </a:cxn>
-              <a:cxn ang="0">
-                <a:pos x="connsiteX23" y="connsiteY23"/>
-              </a:cxn>
-              <a:cxn ang="0">
-                <a:pos x="connsiteX24" y="connsiteY24"/>
-              </a:cxn>
-            </a:cxnLst>
-            <a:rect l="l" t="t" r="r" b="b"/>
-            <a:pathLst>
-              <a:path w="2380956" h="2380956">
-                <a:moveTo>
-                  <a:pt x="1190478" y="0"/>
-                </a:moveTo>
-                <a:cubicBezTo>
-                  <a:pt x="1437034" y="0"/>
-                  <a:pt x="1666084" y="74952"/>
-                  <a:pt x="1856086" y="203315"/>
-                </a:cubicBezTo>
-                <a:lnTo>
-                  <a:pt x="1927973" y="257071"/>
-                </a:lnTo>
-                <a:lnTo>
-                  <a:pt x="2187526" y="257071"/>
-                </a:lnTo>
-                <a:lnTo>
-                  <a:pt x="2187526" y="541142"/>
-                </a:lnTo>
-                <a:lnTo>
-                  <a:pt x="2237272" y="623026"/>
-                </a:lnTo>
-                <a:cubicBezTo>
-                  <a:pt x="2328906" y="791708"/>
-                  <a:pt x="2380956" y="985015"/>
-                  <a:pt x="2380956" y="1190478"/>
-                </a:cubicBezTo>
-                <a:cubicBezTo>
-                  <a:pt x="2380956" y="1395942"/>
-                  <a:pt x="2328906" y="1589248"/>
-                  <a:pt x="2237272" y="1757931"/>
-                </a:cubicBezTo>
-                <a:lnTo>
-                  <a:pt x="2187526" y="1839815"/>
-                </a:lnTo>
-                <a:lnTo>
-                  <a:pt x="2187526" y="2123885"/>
-                </a:lnTo>
-                <a:lnTo>
-                  <a:pt x="1927973" y="2123885"/>
-                </a:lnTo>
-                <a:lnTo>
-                  <a:pt x="1856086" y="2177641"/>
-                </a:lnTo>
-                <a:cubicBezTo>
-                  <a:pt x="1666084" y="2306004"/>
-                  <a:pt x="1437034" y="2380956"/>
-                  <a:pt x="1190478" y="2380956"/>
-                </a:cubicBezTo>
-                <a:cubicBezTo>
-                  <a:pt x="943922" y="2380956"/>
-                  <a:pt x="714872" y="2306004"/>
-                  <a:pt x="524871" y="2177641"/>
-                </a:cubicBezTo>
-                <a:lnTo>
-                  <a:pt x="452984" y="2123885"/>
-                </a:lnTo>
-                <a:lnTo>
-                  <a:pt x="193430" y="2123885"/>
-                </a:lnTo>
-                <a:lnTo>
-                  <a:pt x="193430" y="1839815"/>
-                </a:lnTo>
-                <a:lnTo>
-                  <a:pt x="143684" y="1757931"/>
-                </a:lnTo>
-                <a:cubicBezTo>
-                  <a:pt x="52050" y="1589248"/>
-                  <a:pt x="0" y="1395942"/>
-                  <a:pt x="0" y="1190478"/>
-                </a:cubicBezTo>
-                <a:cubicBezTo>
-                  <a:pt x="0" y="985015"/>
-                  <a:pt x="52050" y="791708"/>
-                  <a:pt x="143684" y="623026"/>
-                </a:cubicBezTo>
-                <a:lnTo>
-                  <a:pt x="193430" y="541142"/>
-                </a:lnTo>
-                <a:lnTo>
-                  <a:pt x="193430" y="257071"/>
-                </a:lnTo>
-                <a:lnTo>
-                  <a:pt x="452984" y="257071"/>
-                </a:lnTo>
-                <a:lnTo>
-                  <a:pt x="524871" y="203315"/>
-                </a:lnTo>
-                <a:cubicBezTo>
-                  <a:pt x="714872" y="74952"/>
-                  <a:pt x="943922" y="0"/>
-                  <a:pt x="1190478" y="0"/>
-                </a:cubicBezTo>
-                <a:close/>
-              </a:path>
-            </a:pathLst>
-          </a:custGeom>
-          <a:solidFill>
-            <a:schemeClr val="bg1"/>
-          </a:solidFill>
-          <a:ln w="57150">
-            <a:solidFill>
-              <a:schemeClr val="tx1"/>
-            </a:solidFill>
-          </a:ln>
-        </p:spPr>
-      </p:pic>
       <p:cxnSp>
         <p:nvCxnSpPr>
           <p:cNvPr id="7" name="Straight Connector 6">
@@ -6072,7 +5303,7 @@
       <p:sp>
         <p:nvSpPr>
           <p:cNvPr id="8" name="Rectangle: Rounded Corners 7">
-            <a:hlinkClick r:id="rId5" action="ppaction://hlinksldjump" highlightClick="1"/>
+            <a:hlinkClick r:id="rId3" action="ppaction://hlinksldjump" highlightClick="1"/>
             <a:extLst>
               <a:ext uri="{FF2B5EF4-FFF2-40B4-BE49-F238E27FC236}">
                 <a16:creationId xmlns:a16="http://schemas.microsoft.com/office/drawing/2014/main" id="{B8BFBE8B-F15C-4163-8287-00A8D73EBA75}"/>
@@ -6584,6 +5815,41 @@
           </a:p>
         </p:txBody>
       </p:sp>
+      <p:pic>
+        <p:nvPicPr>
+          <p:cNvPr id="19" name="Picture 18" descr="A close up of a logo&#10;&#10;Description automatically generated">
+            <a:extLst>
+              <a:ext uri="{FF2B5EF4-FFF2-40B4-BE49-F238E27FC236}">
+                <a16:creationId xmlns:a16="http://schemas.microsoft.com/office/drawing/2014/main" id="{1674D0BD-9A82-4563-8AED-8B466A0C1B56}"/>
+              </a:ext>
+            </a:extLst>
+          </p:cNvPr>
+          <p:cNvPicPr>
+            <a:picLocks noChangeAspect="1"/>
+          </p:cNvPicPr>
+          <p:nvPr/>
+        </p:nvPicPr>
+        <p:blipFill rotWithShape="1">
+          <a:blip r:embed="rId4">
+            <a:extLst>
+              <a:ext uri="{28A0092B-C50C-407E-A947-70E740481C1C}">
+                <a14:useLocalDpi xmlns:a14="http://schemas.microsoft.com/office/drawing/2010/main" val="0"/>
+              </a:ext>
+            </a:extLst>
+          </a:blip>
+          <a:srcRect l="23078" t="11172" r="23872" b="35778"/>
+          <a:stretch/>
+        </p:blipFill>
+        <p:spPr>
+          <a:xfrm>
+            <a:off x="813463" y="911676"/>
+            <a:ext cx="2160000" cy="2160000"/>
+          </a:xfrm>
+          <a:prstGeom prst="rect">
+            <a:avLst/>
+          </a:prstGeom>
+        </p:spPr>
+      </p:pic>
     </p:spTree>
     <p:extLst>
       <p:ext uri="{BB962C8B-B14F-4D97-AF65-F5344CB8AC3E}">
@@ -7090,292 +6356,6 @@
           </a:extLst>
         </p:spPr>
       </p:pic>
-      <p:pic>
-        <p:nvPicPr>
-          <p:cNvPr id="12" name="Picture 11" descr="Related image">
-            <a:extLst>
-              <a:ext uri="{FF2B5EF4-FFF2-40B4-BE49-F238E27FC236}">
-                <a16:creationId xmlns:a16="http://schemas.microsoft.com/office/drawing/2014/main" id="{FCDD5997-D92C-4B4D-8CEF-E29616FE893A}"/>
-              </a:ext>
-            </a:extLst>
-          </p:cNvPr>
-          <p:cNvPicPr>
-            <a:picLocks noChangeAspect="1" noChangeArrowheads="1"/>
-          </p:cNvPicPr>
-          <p:nvPr/>
-        </p:nvPicPr>
-        <p:blipFill rotWithShape="1">
-          <a:blip r:embed="rId6">
-            <a:duotone>
-              <a:prstClr val="black"/>
-              <a:schemeClr val="accent5">
-                <a:tint val="45000"/>
-                <a:satMod val="400000"/>
-              </a:schemeClr>
-            </a:duotone>
-            <a:extLst>
-              <a:ext uri="{BEBA8EAE-BF5A-486C-A8C5-ECC9F3942E4B}">
-                <a14:imgProps xmlns:a14="http://schemas.microsoft.com/office/drawing/2010/main">
-                  <a14:imgLayer r:embed="rId7">
-                    <a14:imgEffect>
-                      <a14:colorTemperature colorTemp="4700"/>
-                    </a14:imgEffect>
-                  </a14:imgLayer>
-                </a14:imgProps>
-              </a:ext>
-              <a:ext uri="{28A0092B-C50C-407E-A947-70E740481C1C}">
-                <a14:useLocalDpi xmlns:a14="http://schemas.microsoft.com/office/drawing/2010/main" val="0"/>
-              </a:ext>
-            </a:extLst>
-          </a:blip>
-          <a:srcRect l="2953" t="2566" r="1414" b="8632"/>
-          <a:stretch/>
-        </p:blipFill>
-        <p:spPr bwMode="auto">
-          <a:xfrm>
-            <a:off x="999518" y="1187204"/>
-            <a:ext cx="1600002" cy="1600002"/>
-          </a:xfrm>
-          <a:custGeom>
-            <a:avLst/>
-            <a:gdLst>
-              <a:gd name="connsiteX0" fmla="*/ 1190478 w 2380956"/>
-              <a:gd name="connsiteY0" fmla="*/ 0 h 2380956"/>
-              <a:gd name="connsiteX1" fmla="*/ 1856086 w 2380956"/>
-              <a:gd name="connsiteY1" fmla="*/ 203315 h 2380956"/>
-              <a:gd name="connsiteX2" fmla="*/ 1927973 w 2380956"/>
-              <a:gd name="connsiteY2" fmla="*/ 257071 h 2380956"/>
-              <a:gd name="connsiteX3" fmla="*/ 2187526 w 2380956"/>
-              <a:gd name="connsiteY3" fmla="*/ 257071 h 2380956"/>
-              <a:gd name="connsiteX4" fmla="*/ 2187526 w 2380956"/>
-              <a:gd name="connsiteY4" fmla="*/ 541142 h 2380956"/>
-              <a:gd name="connsiteX5" fmla="*/ 2237272 w 2380956"/>
-              <a:gd name="connsiteY5" fmla="*/ 623026 h 2380956"/>
-              <a:gd name="connsiteX6" fmla="*/ 2380956 w 2380956"/>
-              <a:gd name="connsiteY6" fmla="*/ 1190478 h 2380956"/>
-              <a:gd name="connsiteX7" fmla="*/ 2237272 w 2380956"/>
-              <a:gd name="connsiteY7" fmla="*/ 1757931 h 2380956"/>
-              <a:gd name="connsiteX8" fmla="*/ 2187526 w 2380956"/>
-              <a:gd name="connsiteY8" fmla="*/ 1839815 h 2380956"/>
-              <a:gd name="connsiteX9" fmla="*/ 2187526 w 2380956"/>
-              <a:gd name="connsiteY9" fmla="*/ 2123885 h 2380956"/>
-              <a:gd name="connsiteX10" fmla="*/ 1927973 w 2380956"/>
-              <a:gd name="connsiteY10" fmla="*/ 2123885 h 2380956"/>
-              <a:gd name="connsiteX11" fmla="*/ 1856086 w 2380956"/>
-              <a:gd name="connsiteY11" fmla="*/ 2177641 h 2380956"/>
-              <a:gd name="connsiteX12" fmla="*/ 1190478 w 2380956"/>
-              <a:gd name="connsiteY12" fmla="*/ 2380956 h 2380956"/>
-              <a:gd name="connsiteX13" fmla="*/ 524871 w 2380956"/>
-              <a:gd name="connsiteY13" fmla="*/ 2177641 h 2380956"/>
-              <a:gd name="connsiteX14" fmla="*/ 452984 w 2380956"/>
-              <a:gd name="connsiteY14" fmla="*/ 2123885 h 2380956"/>
-              <a:gd name="connsiteX15" fmla="*/ 193430 w 2380956"/>
-              <a:gd name="connsiteY15" fmla="*/ 2123885 h 2380956"/>
-              <a:gd name="connsiteX16" fmla="*/ 193430 w 2380956"/>
-              <a:gd name="connsiteY16" fmla="*/ 1839815 h 2380956"/>
-              <a:gd name="connsiteX17" fmla="*/ 143684 w 2380956"/>
-              <a:gd name="connsiteY17" fmla="*/ 1757931 h 2380956"/>
-              <a:gd name="connsiteX18" fmla="*/ 0 w 2380956"/>
-              <a:gd name="connsiteY18" fmla="*/ 1190478 h 2380956"/>
-              <a:gd name="connsiteX19" fmla="*/ 143684 w 2380956"/>
-              <a:gd name="connsiteY19" fmla="*/ 623026 h 2380956"/>
-              <a:gd name="connsiteX20" fmla="*/ 193430 w 2380956"/>
-              <a:gd name="connsiteY20" fmla="*/ 541142 h 2380956"/>
-              <a:gd name="connsiteX21" fmla="*/ 193430 w 2380956"/>
-              <a:gd name="connsiteY21" fmla="*/ 257071 h 2380956"/>
-              <a:gd name="connsiteX22" fmla="*/ 452984 w 2380956"/>
-              <a:gd name="connsiteY22" fmla="*/ 257071 h 2380956"/>
-              <a:gd name="connsiteX23" fmla="*/ 524871 w 2380956"/>
-              <a:gd name="connsiteY23" fmla="*/ 203315 h 2380956"/>
-              <a:gd name="connsiteX24" fmla="*/ 1190478 w 2380956"/>
-              <a:gd name="connsiteY24" fmla="*/ 0 h 2380956"/>
-            </a:gdLst>
-            <a:ahLst/>
-            <a:cxnLst>
-              <a:cxn ang="0">
-                <a:pos x="connsiteX0" y="connsiteY0"/>
-              </a:cxn>
-              <a:cxn ang="0">
-                <a:pos x="connsiteX1" y="connsiteY1"/>
-              </a:cxn>
-              <a:cxn ang="0">
-                <a:pos x="connsiteX2" y="connsiteY2"/>
-              </a:cxn>
-              <a:cxn ang="0">
-                <a:pos x="connsiteX3" y="connsiteY3"/>
-              </a:cxn>
-              <a:cxn ang="0">
-                <a:pos x="connsiteX4" y="connsiteY4"/>
-              </a:cxn>
-              <a:cxn ang="0">
-                <a:pos x="connsiteX5" y="connsiteY5"/>
-              </a:cxn>
-              <a:cxn ang="0">
-                <a:pos x="connsiteX6" y="connsiteY6"/>
-              </a:cxn>
-              <a:cxn ang="0">
-                <a:pos x="connsiteX7" y="connsiteY7"/>
-              </a:cxn>
-              <a:cxn ang="0">
-                <a:pos x="connsiteX8" y="connsiteY8"/>
-              </a:cxn>
-              <a:cxn ang="0">
-                <a:pos x="connsiteX9" y="connsiteY9"/>
-              </a:cxn>
-              <a:cxn ang="0">
-                <a:pos x="connsiteX10" y="connsiteY10"/>
-              </a:cxn>
-              <a:cxn ang="0">
-                <a:pos x="connsiteX11" y="connsiteY11"/>
-              </a:cxn>
-              <a:cxn ang="0">
-                <a:pos x="connsiteX12" y="connsiteY12"/>
-              </a:cxn>
-              <a:cxn ang="0">
-                <a:pos x="connsiteX13" y="connsiteY13"/>
-              </a:cxn>
-              <a:cxn ang="0">
-                <a:pos x="connsiteX14" y="connsiteY14"/>
-              </a:cxn>
-              <a:cxn ang="0">
-                <a:pos x="connsiteX15" y="connsiteY15"/>
-              </a:cxn>
-              <a:cxn ang="0">
-                <a:pos x="connsiteX16" y="connsiteY16"/>
-              </a:cxn>
-              <a:cxn ang="0">
-                <a:pos x="connsiteX17" y="connsiteY17"/>
-              </a:cxn>
-              <a:cxn ang="0">
-                <a:pos x="connsiteX18" y="connsiteY18"/>
-              </a:cxn>
-              <a:cxn ang="0">
-                <a:pos x="connsiteX19" y="connsiteY19"/>
-              </a:cxn>
-              <a:cxn ang="0">
-                <a:pos x="connsiteX20" y="connsiteY20"/>
-              </a:cxn>
-              <a:cxn ang="0">
-                <a:pos x="connsiteX21" y="connsiteY21"/>
-              </a:cxn>
-              <a:cxn ang="0">
-                <a:pos x="connsiteX22" y="connsiteY22"/>
-              </a:cxn>
-              <a:cxn ang="0">
-                <a:pos x="connsiteX23" y="connsiteY23"/>
-              </a:cxn>
-              <a:cxn ang="0">
-                <a:pos x="connsiteX24" y="connsiteY24"/>
-              </a:cxn>
-            </a:cxnLst>
-            <a:rect l="l" t="t" r="r" b="b"/>
-            <a:pathLst>
-              <a:path w="2380956" h="2380956">
-                <a:moveTo>
-                  <a:pt x="1190478" y="0"/>
-                </a:moveTo>
-                <a:cubicBezTo>
-                  <a:pt x="1437034" y="0"/>
-                  <a:pt x="1666084" y="74952"/>
-                  <a:pt x="1856086" y="203315"/>
-                </a:cubicBezTo>
-                <a:lnTo>
-                  <a:pt x="1927973" y="257071"/>
-                </a:lnTo>
-                <a:lnTo>
-                  <a:pt x="2187526" y="257071"/>
-                </a:lnTo>
-                <a:lnTo>
-                  <a:pt x="2187526" y="541142"/>
-                </a:lnTo>
-                <a:lnTo>
-                  <a:pt x="2237272" y="623026"/>
-                </a:lnTo>
-                <a:cubicBezTo>
-                  <a:pt x="2328906" y="791708"/>
-                  <a:pt x="2380956" y="985015"/>
-                  <a:pt x="2380956" y="1190478"/>
-                </a:cubicBezTo>
-                <a:cubicBezTo>
-                  <a:pt x="2380956" y="1395942"/>
-                  <a:pt x="2328906" y="1589248"/>
-                  <a:pt x="2237272" y="1757931"/>
-                </a:cubicBezTo>
-                <a:lnTo>
-                  <a:pt x="2187526" y="1839815"/>
-                </a:lnTo>
-                <a:lnTo>
-                  <a:pt x="2187526" y="2123885"/>
-                </a:lnTo>
-                <a:lnTo>
-                  <a:pt x="1927973" y="2123885"/>
-                </a:lnTo>
-                <a:lnTo>
-                  <a:pt x="1856086" y="2177641"/>
-                </a:lnTo>
-                <a:cubicBezTo>
-                  <a:pt x="1666084" y="2306004"/>
-                  <a:pt x="1437034" y="2380956"/>
-                  <a:pt x="1190478" y="2380956"/>
-                </a:cubicBezTo>
-                <a:cubicBezTo>
-                  <a:pt x="943922" y="2380956"/>
-                  <a:pt x="714872" y="2306004"/>
-                  <a:pt x="524871" y="2177641"/>
-                </a:cubicBezTo>
-                <a:lnTo>
-                  <a:pt x="452984" y="2123885"/>
-                </a:lnTo>
-                <a:lnTo>
-                  <a:pt x="193430" y="2123885"/>
-                </a:lnTo>
-                <a:lnTo>
-                  <a:pt x="193430" y="1839815"/>
-                </a:lnTo>
-                <a:lnTo>
-                  <a:pt x="143684" y="1757931"/>
-                </a:lnTo>
-                <a:cubicBezTo>
-                  <a:pt x="52050" y="1589248"/>
-                  <a:pt x="0" y="1395942"/>
-                  <a:pt x="0" y="1190478"/>
-                </a:cubicBezTo>
-                <a:cubicBezTo>
-                  <a:pt x="0" y="985015"/>
-                  <a:pt x="52050" y="791708"/>
-                  <a:pt x="143684" y="623026"/>
-                </a:cubicBezTo>
-                <a:lnTo>
-                  <a:pt x="193430" y="541142"/>
-                </a:lnTo>
-                <a:lnTo>
-                  <a:pt x="193430" y="257071"/>
-                </a:lnTo>
-                <a:lnTo>
-                  <a:pt x="452984" y="257071"/>
-                </a:lnTo>
-                <a:lnTo>
-                  <a:pt x="524871" y="203315"/>
-                </a:lnTo>
-                <a:cubicBezTo>
-                  <a:pt x="714872" y="74952"/>
-                  <a:pt x="943922" y="0"/>
-                  <a:pt x="1190478" y="0"/>
-                </a:cubicBezTo>
-                <a:close/>
-              </a:path>
-            </a:pathLst>
-          </a:custGeom>
-          <a:solidFill>
-            <a:schemeClr val="bg1"/>
-          </a:solidFill>
-          <a:ln w="57150">
-            <a:solidFill>
-              <a:schemeClr val="tx1"/>
-            </a:solidFill>
-          </a:ln>
-        </p:spPr>
-      </p:pic>
       <p:sp>
         <p:nvSpPr>
           <p:cNvPr id="13" name="Isosceles Triangle 12">
@@ -7520,6 +6500,41 @@
           </a:p>
         </p:txBody>
       </p:sp>
+      <p:pic>
+        <p:nvPicPr>
+          <p:cNvPr id="16" name="Picture 15" descr="A close up of a logo&#10;&#10;Description automatically generated">
+            <a:extLst>
+              <a:ext uri="{FF2B5EF4-FFF2-40B4-BE49-F238E27FC236}">
+                <a16:creationId xmlns:a16="http://schemas.microsoft.com/office/drawing/2014/main" id="{CA0A5AE8-40FE-4D84-B6F7-9194578DDF96}"/>
+              </a:ext>
+            </a:extLst>
+          </p:cNvPr>
+          <p:cNvPicPr>
+            <a:picLocks noChangeAspect="1"/>
+          </p:cNvPicPr>
+          <p:nvPr/>
+        </p:nvPicPr>
+        <p:blipFill rotWithShape="1">
+          <a:blip r:embed="rId6">
+            <a:extLst>
+              <a:ext uri="{28A0092B-C50C-407E-A947-70E740481C1C}">
+                <a14:useLocalDpi xmlns:a14="http://schemas.microsoft.com/office/drawing/2010/main" val="0"/>
+              </a:ext>
+            </a:extLst>
+          </a:blip>
+          <a:srcRect l="23078" t="11172" r="23872" b="35778"/>
+          <a:stretch/>
+        </p:blipFill>
+        <p:spPr>
+          <a:xfrm>
+            <a:off x="813463" y="911676"/>
+            <a:ext cx="2160000" cy="2160000"/>
+          </a:xfrm>
+          <a:prstGeom prst="rect">
+            <a:avLst/>
+          </a:prstGeom>
+        </p:spPr>
+      </p:pic>
     </p:spTree>
     <p:extLst>
       <p:ext uri="{BB962C8B-B14F-4D97-AF65-F5344CB8AC3E}">
@@ -8326,292 +7341,6 @@
           </a:fontRef>
         </p:style>
       </p:cxnSp>
-      <p:pic>
-        <p:nvPicPr>
-          <p:cNvPr id="30" name="Picture 29" descr="Related image">
-            <a:extLst>
-              <a:ext uri="{FF2B5EF4-FFF2-40B4-BE49-F238E27FC236}">
-                <a16:creationId xmlns:a16="http://schemas.microsoft.com/office/drawing/2014/main" id="{482F13F3-F3B3-4E88-BDE5-96909113555C}"/>
-              </a:ext>
-            </a:extLst>
-          </p:cNvPr>
-          <p:cNvPicPr>
-            <a:picLocks noChangeAspect="1" noChangeArrowheads="1"/>
-          </p:cNvPicPr>
-          <p:nvPr/>
-        </p:nvPicPr>
-        <p:blipFill rotWithShape="1">
-          <a:blip r:embed="rId3">
-            <a:duotone>
-              <a:prstClr val="black"/>
-              <a:schemeClr val="accent5">
-                <a:tint val="45000"/>
-                <a:satMod val="400000"/>
-              </a:schemeClr>
-            </a:duotone>
-            <a:extLst>
-              <a:ext uri="{BEBA8EAE-BF5A-486C-A8C5-ECC9F3942E4B}">
-                <a14:imgProps xmlns:a14="http://schemas.microsoft.com/office/drawing/2010/main">
-                  <a14:imgLayer r:embed="rId4">
-                    <a14:imgEffect>
-                      <a14:colorTemperature colorTemp="4700"/>
-                    </a14:imgEffect>
-                  </a14:imgLayer>
-                </a14:imgProps>
-              </a:ext>
-              <a:ext uri="{28A0092B-C50C-407E-A947-70E740481C1C}">
-                <a14:useLocalDpi xmlns:a14="http://schemas.microsoft.com/office/drawing/2010/main" val="0"/>
-              </a:ext>
-            </a:extLst>
-          </a:blip>
-          <a:srcRect l="2953" t="2566" r="1414" b="8632"/>
-          <a:stretch/>
-        </p:blipFill>
-        <p:spPr bwMode="auto">
-          <a:xfrm>
-            <a:off x="999518" y="1187204"/>
-            <a:ext cx="1600002" cy="1600002"/>
-          </a:xfrm>
-          <a:custGeom>
-            <a:avLst/>
-            <a:gdLst>
-              <a:gd name="connsiteX0" fmla="*/ 1190478 w 2380956"/>
-              <a:gd name="connsiteY0" fmla="*/ 0 h 2380956"/>
-              <a:gd name="connsiteX1" fmla="*/ 1856086 w 2380956"/>
-              <a:gd name="connsiteY1" fmla="*/ 203315 h 2380956"/>
-              <a:gd name="connsiteX2" fmla="*/ 1927973 w 2380956"/>
-              <a:gd name="connsiteY2" fmla="*/ 257071 h 2380956"/>
-              <a:gd name="connsiteX3" fmla="*/ 2187526 w 2380956"/>
-              <a:gd name="connsiteY3" fmla="*/ 257071 h 2380956"/>
-              <a:gd name="connsiteX4" fmla="*/ 2187526 w 2380956"/>
-              <a:gd name="connsiteY4" fmla="*/ 541142 h 2380956"/>
-              <a:gd name="connsiteX5" fmla="*/ 2237272 w 2380956"/>
-              <a:gd name="connsiteY5" fmla="*/ 623026 h 2380956"/>
-              <a:gd name="connsiteX6" fmla="*/ 2380956 w 2380956"/>
-              <a:gd name="connsiteY6" fmla="*/ 1190478 h 2380956"/>
-              <a:gd name="connsiteX7" fmla="*/ 2237272 w 2380956"/>
-              <a:gd name="connsiteY7" fmla="*/ 1757931 h 2380956"/>
-              <a:gd name="connsiteX8" fmla="*/ 2187526 w 2380956"/>
-              <a:gd name="connsiteY8" fmla="*/ 1839815 h 2380956"/>
-              <a:gd name="connsiteX9" fmla="*/ 2187526 w 2380956"/>
-              <a:gd name="connsiteY9" fmla="*/ 2123885 h 2380956"/>
-              <a:gd name="connsiteX10" fmla="*/ 1927973 w 2380956"/>
-              <a:gd name="connsiteY10" fmla="*/ 2123885 h 2380956"/>
-              <a:gd name="connsiteX11" fmla="*/ 1856086 w 2380956"/>
-              <a:gd name="connsiteY11" fmla="*/ 2177641 h 2380956"/>
-              <a:gd name="connsiteX12" fmla="*/ 1190478 w 2380956"/>
-              <a:gd name="connsiteY12" fmla="*/ 2380956 h 2380956"/>
-              <a:gd name="connsiteX13" fmla="*/ 524871 w 2380956"/>
-              <a:gd name="connsiteY13" fmla="*/ 2177641 h 2380956"/>
-              <a:gd name="connsiteX14" fmla="*/ 452984 w 2380956"/>
-              <a:gd name="connsiteY14" fmla="*/ 2123885 h 2380956"/>
-              <a:gd name="connsiteX15" fmla="*/ 193430 w 2380956"/>
-              <a:gd name="connsiteY15" fmla="*/ 2123885 h 2380956"/>
-              <a:gd name="connsiteX16" fmla="*/ 193430 w 2380956"/>
-              <a:gd name="connsiteY16" fmla="*/ 1839815 h 2380956"/>
-              <a:gd name="connsiteX17" fmla="*/ 143684 w 2380956"/>
-              <a:gd name="connsiteY17" fmla="*/ 1757931 h 2380956"/>
-              <a:gd name="connsiteX18" fmla="*/ 0 w 2380956"/>
-              <a:gd name="connsiteY18" fmla="*/ 1190478 h 2380956"/>
-              <a:gd name="connsiteX19" fmla="*/ 143684 w 2380956"/>
-              <a:gd name="connsiteY19" fmla="*/ 623026 h 2380956"/>
-              <a:gd name="connsiteX20" fmla="*/ 193430 w 2380956"/>
-              <a:gd name="connsiteY20" fmla="*/ 541142 h 2380956"/>
-              <a:gd name="connsiteX21" fmla="*/ 193430 w 2380956"/>
-              <a:gd name="connsiteY21" fmla="*/ 257071 h 2380956"/>
-              <a:gd name="connsiteX22" fmla="*/ 452984 w 2380956"/>
-              <a:gd name="connsiteY22" fmla="*/ 257071 h 2380956"/>
-              <a:gd name="connsiteX23" fmla="*/ 524871 w 2380956"/>
-              <a:gd name="connsiteY23" fmla="*/ 203315 h 2380956"/>
-              <a:gd name="connsiteX24" fmla="*/ 1190478 w 2380956"/>
-              <a:gd name="connsiteY24" fmla="*/ 0 h 2380956"/>
-            </a:gdLst>
-            <a:ahLst/>
-            <a:cxnLst>
-              <a:cxn ang="0">
-                <a:pos x="connsiteX0" y="connsiteY0"/>
-              </a:cxn>
-              <a:cxn ang="0">
-                <a:pos x="connsiteX1" y="connsiteY1"/>
-              </a:cxn>
-              <a:cxn ang="0">
-                <a:pos x="connsiteX2" y="connsiteY2"/>
-              </a:cxn>
-              <a:cxn ang="0">
-                <a:pos x="connsiteX3" y="connsiteY3"/>
-              </a:cxn>
-              <a:cxn ang="0">
-                <a:pos x="connsiteX4" y="connsiteY4"/>
-              </a:cxn>
-              <a:cxn ang="0">
-                <a:pos x="connsiteX5" y="connsiteY5"/>
-              </a:cxn>
-              <a:cxn ang="0">
-                <a:pos x="connsiteX6" y="connsiteY6"/>
-              </a:cxn>
-              <a:cxn ang="0">
-                <a:pos x="connsiteX7" y="connsiteY7"/>
-              </a:cxn>
-              <a:cxn ang="0">
-                <a:pos x="connsiteX8" y="connsiteY8"/>
-              </a:cxn>
-              <a:cxn ang="0">
-                <a:pos x="connsiteX9" y="connsiteY9"/>
-              </a:cxn>
-              <a:cxn ang="0">
-                <a:pos x="connsiteX10" y="connsiteY10"/>
-              </a:cxn>
-              <a:cxn ang="0">
-                <a:pos x="connsiteX11" y="connsiteY11"/>
-              </a:cxn>
-              <a:cxn ang="0">
-                <a:pos x="connsiteX12" y="connsiteY12"/>
-              </a:cxn>
-              <a:cxn ang="0">
-                <a:pos x="connsiteX13" y="connsiteY13"/>
-              </a:cxn>
-              <a:cxn ang="0">
-                <a:pos x="connsiteX14" y="connsiteY14"/>
-              </a:cxn>
-              <a:cxn ang="0">
-                <a:pos x="connsiteX15" y="connsiteY15"/>
-              </a:cxn>
-              <a:cxn ang="0">
-                <a:pos x="connsiteX16" y="connsiteY16"/>
-              </a:cxn>
-              <a:cxn ang="0">
-                <a:pos x="connsiteX17" y="connsiteY17"/>
-              </a:cxn>
-              <a:cxn ang="0">
-                <a:pos x="connsiteX18" y="connsiteY18"/>
-              </a:cxn>
-              <a:cxn ang="0">
-                <a:pos x="connsiteX19" y="connsiteY19"/>
-              </a:cxn>
-              <a:cxn ang="0">
-                <a:pos x="connsiteX20" y="connsiteY20"/>
-              </a:cxn>
-              <a:cxn ang="0">
-                <a:pos x="connsiteX21" y="connsiteY21"/>
-              </a:cxn>
-              <a:cxn ang="0">
-                <a:pos x="connsiteX22" y="connsiteY22"/>
-              </a:cxn>
-              <a:cxn ang="0">
-                <a:pos x="connsiteX23" y="connsiteY23"/>
-              </a:cxn>
-              <a:cxn ang="0">
-                <a:pos x="connsiteX24" y="connsiteY24"/>
-              </a:cxn>
-            </a:cxnLst>
-            <a:rect l="l" t="t" r="r" b="b"/>
-            <a:pathLst>
-              <a:path w="2380956" h="2380956">
-                <a:moveTo>
-                  <a:pt x="1190478" y="0"/>
-                </a:moveTo>
-                <a:cubicBezTo>
-                  <a:pt x="1437034" y="0"/>
-                  <a:pt x="1666084" y="74952"/>
-                  <a:pt x="1856086" y="203315"/>
-                </a:cubicBezTo>
-                <a:lnTo>
-                  <a:pt x="1927973" y="257071"/>
-                </a:lnTo>
-                <a:lnTo>
-                  <a:pt x="2187526" y="257071"/>
-                </a:lnTo>
-                <a:lnTo>
-                  <a:pt x="2187526" y="541142"/>
-                </a:lnTo>
-                <a:lnTo>
-                  <a:pt x="2237272" y="623026"/>
-                </a:lnTo>
-                <a:cubicBezTo>
-                  <a:pt x="2328906" y="791708"/>
-                  <a:pt x="2380956" y="985015"/>
-                  <a:pt x="2380956" y="1190478"/>
-                </a:cubicBezTo>
-                <a:cubicBezTo>
-                  <a:pt x="2380956" y="1395942"/>
-                  <a:pt x="2328906" y="1589248"/>
-                  <a:pt x="2237272" y="1757931"/>
-                </a:cubicBezTo>
-                <a:lnTo>
-                  <a:pt x="2187526" y="1839815"/>
-                </a:lnTo>
-                <a:lnTo>
-                  <a:pt x="2187526" y="2123885"/>
-                </a:lnTo>
-                <a:lnTo>
-                  <a:pt x="1927973" y="2123885"/>
-                </a:lnTo>
-                <a:lnTo>
-                  <a:pt x="1856086" y="2177641"/>
-                </a:lnTo>
-                <a:cubicBezTo>
-                  <a:pt x="1666084" y="2306004"/>
-                  <a:pt x="1437034" y="2380956"/>
-                  <a:pt x="1190478" y="2380956"/>
-                </a:cubicBezTo>
-                <a:cubicBezTo>
-                  <a:pt x="943922" y="2380956"/>
-                  <a:pt x="714872" y="2306004"/>
-                  <a:pt x="524871" y="2177641"/>
-                </a:cubicBezTo>
-                <a:lnTo>
-                  <a:pt x="452984" y="2123885"/>
-                </a:lnTo>
-                <a:lnTo>
-                  <a:pt x="193430" y="2123885"/>
-                </a:lnTo>
-                <a:lnTo>
-                  <a:pt x="193430" y="1839815"/>
-                </a:lnTo>
-                <a:lnTo>
-                  <a:pt x="143684" y="1757931"/>
-                </a:lnTo>
-                <a:cubicBezTo>
-                  <a:pt x="52050" y="1589248"/>
-                  <a:pt x="0" y="1395942"/>
-                  <a:pt x="0" y="1190478"/>
-                </a:cubicBezTo>
-                <a:cubicBezTo>
-                  <a:pt x="0" y="985015"/>
-                  <a:pt x="52050" y="791708"/>
-                  <a:pt x="143684" y="623026"/>
-                </a:cubicBezTo>
-                <a:lnTo>
-                  <a:pt x="193430" y="541142"/>
-                </a:lnTo>
-                <a:lnTo>
-                  <a:pt x="193430" y="257071"/>
-                </a:lnTo>
-                <a:lnTo>
-                  <a:pt x="452984" y="257071"/>
-                </a:lnTo>
-                <a:lnTo>
-                  <a:pt x="524871" y="203315"/>
-                </a:lnTo>
-                <a:cubicBezTo>
-                  <a:pt x="714872" y="74952"/>
-                  <a:pt x="943922" y="0"/>
-                  <a:pt x="1190478" y="0"/>
-                </a:cubicBezTo>
-                <a:close/>
-              </a:path>
-            </a:pathLst>
-          </a:custGeom>
-          <a:solidFill>
-            <a:schemeClr val="bg1"/>
-          </a:solidFill>
-          <a:ln w="57150">
-            <a:solidFill>
-              <a:schemeClr val="tx1"/>
-            </a:solidFill>
-          </a:ln>
-        </p:spPr>
-      </p:pic>
       <p:sp>
         <p:nvSpPr>
           <p:cNvPr id="20" name="Isosceles Triangle 19">
@@ -8756,6 +7485,41 @@
           </a:p>
         </p:txBody>
       </p:sp>
+      <p:pic>
+        <p:nvPicPr>
+          <p:cNvPr id="23" name="Picture 22" descr="A close up of a logo&#10;&#10;Description automatically generated">
+            <a:extLst>
+              <a:ext uri="{FF2B5EF4-FFF2-40B4-BE49-F238E27FC236}">
+                <a16:creationId xmlns:a16="http://schemas.microsoft.com/office/drawing/2014/main" id="{BCB2F362-AFC3-4B05-9FCE-C44A4582BDED}"/>
+              </a:ext>
+            </a:extLst>
+          </p:cNvPr>
+          <p:cNvPicPr>
+            <a:picLocks noChangeAspect="1"/>
+          </p:cNvPicPr>
+          <p:nvPr/>
+        </p:nvPicPr>
+        <p:blipFill rotWithShape="1">
+          <a:blip r:embed="rId3">
+            <a:extLst>
+              <a:ext uri="{28A0092B-C50C-407E-A947-70E740481C1C}">
+                <a14:useLocalDpi xmlns:a14="http://schemas.microsoft.com/office/drawing/2010/main" val="0"/>
+              </a:ext>
+            </a:extLst>
+          </a:blip>
+          <a:srcRect l="23078" t="11172" r="23872" b="35778"/>
+          <a:stretch/>
+        </p:blipFill>
+        <p:spPr>
+          <a:xfrm>
+            <a:off x="813463" y="911676"/>
+            <a:ext cx="2160000" cy="2160000"/>
+          </a:xfrm>
+          <a:prstGeom prst="rect">
+            <a:avLst/>
+          </a:prstGeom>
+        </p:spPr>
+      </p:pic>
     </p:spTree>
     <p:extLst>
       <p:ext uri="{BB962C8B-B14F-4D97-AF65-F5344CB8AC3E}">
@@ -8778,7 +7542,7 @@
 </file>
 
 <file path=ppt/slides/slide14.xml><?xml version="1.0" encoding="utf-8"?>
-<p:sld xmlns:a="http://schemas.openxmlformats.org/drawingml/2006/main" xmlns:r="http://schemas.openxmlformats.org/officeDocument/2006/relationships" xmlns:p="http://schemas.openxmlformats.org/presentationml/2006/main">
+<p:sld xmlns:a="http://schemas.openxmlformats.org/drawingml/2006/main" xmlns:r="http://schemas.openxmlformats.org/officeDocument/2006/relationships" xmlns:p="http://schemas.openxmlformats.org/presentationml/2006/main" show="0">
   <p:cSld>
     <p:spTree>
       <p:nvGrpSpPr>
@@ -8816,7 +7580,7 @@
 </file>
 
 <file path=ppt/slides/slide15.xml><?xml version="1.0" encoding="utf-8"?>
-<p:sld xmlns:a="http://schemas.openxmlformats.org/drawingml/2006/main" xmlns:r="http://schemas.openxmlformats.org/officeDocument/2006/relationships" xmlns:p="http://schemas.openxmlformats.org/presentationml/2006/main">
+<p:sld xmlns:a="http://schemas.openxmlformats.org/drawingml/2006/main" xmlns:r="http://schemas.openxmlformats.org/officeDocument/2006/relationships" xmlns:p="http://schemas.openxmlformats.org/presentationml/2006/main" show="0">
   <p:cSld>
     <p:spTree>
       <p:nvGrpSpPr>
@@ -9094,292 +7858,6 @@
           </a:p>
         </p:txBody>
       </p:sp>
-      <p:pic>
-        <p:nvPicPr>
-          <p:cNvPr id="29" name="Picture 28" descr="Related image">
-            <a:extLst>
-              <a:ext uri="{FF2B5EF4-FFF2-40B4-BE49-F238E27FC236}">
-                <a16:creationId xmlns:a16="http://schemas.microsoft.com/office/drawing/2014/main" id="{FB5D33F4-8D95-4B49-9759-606C7CC8D287}"/>
-              </a:ext>
-            </a:extLst>
-          </p:cNvPr>
-          <p:cNvPicPr>
-            <a:picLocks noChangeAspect="1" noChangeArrowheads="1"/>
-          </p:cNvPicPr>
-          <p:nvPr/>
-        </p:nvPicPr>
-        <p:blipFill rotWithShape="1">
-          <a:blip r:embed="rId2">
-            <a:duotone>
-              <a:prstClr val="black"/>
-              <a:schemeClr val="accent5">
-                <a:tint val="45000"/>
-                <a:satMod val="400000"/>
-              </a:schemeClr>
-            </a:duotone>
-            <a:extLst>
-              <a:ext uri="{BEBA8EAE-BF5A-486C-A8C5-ECC9F3942E4B}">
-                <a14:imgProps xmlns:a14="http://schemas.microsoft.com/office/drawing/2010/main">
-                  <a14:imgLayer r:embed="rId3">
-                    <a14:imgEffect>
-                      <a14:colorTemperature colorTemp="4700"/>
-                    </a14:imgEffect>
-                  </a14:imgLayer>
-                </a14:imgProps>
-              </a:ext>
-              <a:ext uri="{28A0092B-C50C-407E-A947-70E740481C1C}">
-                <a14:useLocalDpi xmlns:a14="http://schemas.microsoft.com/office/drawing/2010/main" val="0"/>
-              </a:ext>
-            </a:extLst>
-          </a:blip>
-          <a:srcRect l="2953" t="2566" r="1414" b="8632"/>
-          <a:stretch/>
-        </p:blipFill>
-        <p:spPr bwMode="auto">
-          <a:xfrm>
-            <a:off x="2149000" y="1560562"/>
-            <a:ext cx="2560000" cy="2560000"/>
-          </a:xfrm>
-          <a:custGeom>
-            <a:avLst/>
-            <a:gdLst>
-              <a:gd name="connsiteX0" fmla="*/ 1190478 w 2380956"/>
-              <a:gd name="connsiteY0" fmla="*/ 0 h 2380956"/>
-              <a:gd name="connsiteX1" fmla="*/ 1856086 w 2380956"/>
-              <a:gd name="connsiteY1" fmla="*/ 203315 h 2380956"/>
-              <a:gd name="connsiteX2" fmla="*/ 1927973 w 2380956"/>
-              <a:gd name="connsiteY2" fmla="*/ 257071 h 2380956"/>
-              <a:gd name="connsiteX3" fmla="*/ 2187526 w 2380956"/>
-              <a:gd name="connsiteY3" fmla="*/ 257071 h 2380956"/>
-              <a:gd name="connsiteX4" fmla="*/ 2187526 w 2380956"/>
-              <a:gd name="connsiteY4" fmla="*/ 541142 h 2380956"/>
-              <a:gd name="connsiteX5" fmla="*/ 2237272 w 2380956"/>
-              <a:gd name="connsiteY5" fmla="*/ 623026 h 2380956"/>
-              <a:gd name="connsiteX6" fmla="*/ 2380956 w 2380956"/>
-              <a:gd name="connsiteY6" fmla="*/ 1190478 h 2380956"/>
-              <a:gd name="connsiteX7" fmla="*/ 2237272 w 2380956"/>
-              <a:gd name="connsiteY7" fmla="*/ 1757931 h 2380956"/>
-              <a:gd name="connsiteX8" fmla="*/ 2187526 w 2380956"/>
-              <a:gd name="connsiteY8" fmla="*/ 1839815 h 2380956"/>
-              <a:gd name="connsiteX9" fmla="*/ 2187526 w 2380956"/>
-              <a:gd name="connsiteY9" fmla="*/ 2123885 h 2380956"/>
-              <a:gd name="connsiteX10" fmla="*/ 1927973 w 2380956"/>
-              <a:gd name="connsiteY10" fmla="*/ 2123885 h 2380956"/>
-              <a:gd name="connsiteX11" fmla="*/ 1856086 w 2380956"/>
-              <a:gd name="connsiteY11" fmla="*/ 2177641 h 2380956"/>
-              <a:gd name="connsiteX12" fmla="*/ 1190478 w 2380956"/>
-              <a:gd name="connsiteY12" fmla="*/ 2380956 h 2380956"/>
-              <a:gd name="connsiteX13" fmla="*/ 524871 w 2380956"/>
-              <a:gd name="connsiteY13" fmla="*/ 2177641 h 2380956"/>
-              <a:gd name="connsiteX14" fmla="*/ 452984 w 2380956"/>
-              <a:gd name="connsiteY14" fmla="*/ 2123885 h 2380956"/>
-              <a:gd name="connsiteX15" fmla="*/ 193430 w 2380956"/>
-              <a:gd name="connsiteY15" fmla="*/ 2123885 h 2380956"/>
-              <a:gd name="connsiteX16" fmla="*/ 193430 w 2380956"/>
-              <a:gd name="connsiteY16" fmla="*/ 1839815 h 2380956"/>
-              <a:gd name="connsiteX17" fmla="*/ 143684 w 2380956"/>
-              <a:gd name="connsiteY17" fmla="*/ 1757931 h 2380956"/>
-              <a:gd name="connsiteX18" fmla="*/ 0 w 2380956"/>
-              <a:gd name="connsiteY18" fmla="*/ 1190478 h 2380956"/>
-              <a:gd name="connsiteX19" fmla="*/ 143684 w 2380956"/>
-              <a:gd name="connsiteY19" fmla="*/ 623026 h 2380956"/>
-              <a:gd name="connsiteX20" fmla="*/ 193430 w 2380956"/>
-              <a:gd name="connsiteY20" fmla="*/ 541142 h 2380956"/>
-              <a:gd name="connsiteX21" fmla="*/ 193430 w 2380956"/>
-              <a:gd name="connsiteY21" fmla="*/ 257071 h 2380956"/>
-              <a:gd name="connsiteX22" fmla="*/ 452984 w 2380956"/>
-              <a:gd name="connsiteY22" fmla="*/ 257071 h 2380956"/>
-              <a:gd name="connsiteX23" fmla="*/ 524871 w 2380956"/>
-              <a:gd name="connsiteY23" fmla="*/ 203315 h 2380956"/>
-              <a:gd name="connsiteX24" fmla="*/ 1190478 w 2380956"/>
-              <a:gd name="connsiteY24" fmla="*/ 0 h 2380956"/>
-            </a:gdLst>
-            <a:ahLst/>
-            <a:cxnLst>
-              <a:cxn ang="0">
-                <a:pos x="connsiteX0" y="connsiteY0"/>
-              </a:cxn>
-              <a:cxn ang="0">
-                <a:pos x="connsiteX1" y="connsiteY1"/>
-              </a:cxn>
-              <a:cxn ang="0">
-                <a:pos x="connsiteX2" y="connsiteY2"/>
-              </a:cxn>
-              <a:cxn ang="0">
-                <a:pos x="connsiteX3" y="connsiteY3"/>
-              </a:cxn>
-              <a:cxn ang="0">
-                <a:pos x="connsiteX4" y="connsiteY4"/>
-              </a:cxn>
-              <a:cxn ang="0">
-                <a:pos x="connsiteX5" y="connsiteY5"/>
-              </a:cxn>
-              <a:cxn ang="0">
-                <a:pos x="connsiteX6" y="connsiteY6"/>
-              </a:cxn>
-              <a:cxn ang="0">
-                <a:pos x="connsiteX7" y="connsiteY7"/>
-              </a:cxn>
-              <a:cxn ang="0">
-                <a:pos x="connsiteX8" y="connsiteY8"/>
-              </a:cxn>
-              <a:cxn ang="0">
-                <a:pos x="connsiteX9" y="connsiteY9"/>
-              </a:cxn>
-              <a:cxn ang="0">
-                <a:pos x="connsiteX10" y="connsiteY10"/>
-              </a:cxn>
-              <a:cxn ang="0">
-                <a:pos x="connsiteX11" y="connsiteY11"/>
-              </a:cxn>
-              <a:cxn ang="0">
-                <a:pos x="connsiteX12" y="connsiteY12"/>
-              </a:cxn>
-              <a:cxn ang="0">
-                <a:pos x="connsiteX13" y="connsiteY13"/>
-              </a:cxn>
-              <a:cxn ang="0">
-                <a:pos x="connsiteX14" y="connsiteY14"/>
-              </a:cxn>
-              <a:cxn ang="0">
-                <a:pos x="connsiteX15" y="connsiteY15"/>
-              </a:cxn>
-              <a:cxn ang="0">
-                <a:pos x="connsiteX16" y="connsiteY16"/>
-              </a:cxn>
-              <a:cxn ang="0">
-                <a:pos x="connsiteX17" y="connsiteY17"/>
-              </a:cxn>
-              <a:cxn ang="0">
-                <a:pos x="connsiteX18" y="connsiteY18"/>
-              </a:cxn>
-              <a:cxn ang="0">
-                <a:pos x="connsiteX19" y="connsiteY19"/>
-              </a:cxn>
-              <a:cxn ang="0">
-                <a:pos x="connsiteX20" y="connsiteY20"/>
-              </a:cxn>
-              <a:cxn ang="0">
-                <a:pos x="connsiteX21" y="connsiteY21"/>
-              </a:cxn>
-              <a:cxn ang="0">
-                <a:pos x="connsiteX22" y="connsiteY22"/>
-              </a:cxn>
-              <a:cxn ang="0">
-                <a:pos x="connsiteX23" y="connsiteY23"/>
-              </a:cxn>
-              <a:cxn ang="0">
-                <a:pos x="connsiteX24" y="connsiteY24"/>
-              </a:cxn>
-            </a:cxnLst>
-            <a:rect l="l" t="t" r="r" b="b"/>
-            <a:pathLst>
-              <a:path w="2380956" h="2380956">
-                <a:moveTo>
-                  <a:pt x="1190478" y="0"/>
-                </a:moveTo>
-                <a:cubicBezTo>
-                  <a:pt x="1437034" y="0"/>
-                  <a:pt x="1666084" y="74952"/>
-                  <a:pt x="1856086" y="203315"/>
-                </a:cubicBezTo>
-                <a:lnTo>
-                  <a:pt x="1927973" y="257071"/>
-                </a:lnTo>
-                <a:lnTo>
-                  <a:pt x="2187526" y="257071"/>
-                </a:lnTo>
-                <a:lnTo>
-                  <a:pt x="2187526" y="541142"/>
-                </a:lnTo>
-                <a:lnTo>
-                  <a:pt x="2237272" y="623026"/>
-                </a:lnTo>
-                <a:cubicBezTo>
-                  <a:pt x="2328906" y="791708"/>
-                  <a:pt x="2380956" y="985015"/>
-                  <a:pt x="2380956" y="1190478"/>
-                </a:cubicBezTo>
-                <a:cubicBezTo>
-                  <a:pt x="2380956" y="1395942"/>
-                  <a:pt x="2328906" y="1589248"/>
-                  <a:pt x="2237272" y="1757931"/>
-                </a:cubicBezTo>
-                <a:lnTo>
-                  <a:pt x="2187526" y="1839815"/>
-                </a:lnTo>
-                <a:lnTo>
-                  <a:pt x="2187526" y="2123885"/>
-                </a:lnTo>
-                <a:lnTo>
-                  <a:pt x="1927973" y="2123885"/>
-                </a:lnTo>
-                <a:lnTo>
-                  <a:pt x="1856086" y="2177641"/>
-                </a:lnTo>
-                <a:cubicBezTo>
-                  <a:pt x="1666084" y="2306004"/>
-                  <a:pt x="1437034" y="2380956"/>
-                  <a:pt x="1190478" y="2380956"/>
-                </a:cubicBezTo>
-                <a:cubicBezTo>
-                  <a:pt x="943922" y="2380956"/>
-                  <a:pt x="714872" y="2306004"/>
-                  <a:pt x="524871" y="2177641"/>
-                </a:cubicBezTo>
-                <a:lnTo>
-                  <a:pt x="452984" y="2123885"/>
-                </a:lnTo>
-                <a:lnTo>
-                  <a:pt x="193430" y="2123885"/>
-                </a:lnTo>
-                <a:lnTo>
-                  <a:pt x="193430" y="1839815"/>
-                </a:lnTo>
-                <a:lnTo>
-                  <a:pt x="143684" y="1757931"/>
-                </a:lnTo>
-                <a:cubicBezTo>
-                  <a:pt x="52050" y="1589248"/>
-                  <a:pt x="0" y="1395942"/>
-                  <a:pt x="0" y="1190478"/>
-                </a:cubicBezTo>
-                <a:cubicBezTo>
-                  <a:pt x="0" y="985015"/>
-                  <a:pt x="52050" y="791708"/>
-                  <a:pt x="143684" y="623026"/>
-                </a:cubicBezTo>
-                <a:lnTo>
-                  <a:pt x="193430" y="541142"/>
-                </a:lnTo>
-                <a:lnTo>
-                  <a:pt x="193430" y="257071"/>
-                </a:lnTo>
-                <a:lnTo>
-                  <a:pt x="452984" y="257071"/>
-                </a:lnTo>
-                <a:lnTo>
-                  <a:pt x="524871" y="203315"/>
-                </a:lnTo>
-                <a:cubicBezTo>
-                  <a:pt x="714872" y="74952"/>
-                  <a:pt x="943922" y="0"/>
-                  <a:pt x="1190478" y="0"/>
-                </a:cubicBezTo>
-                <a:close/>
-              </a:path>
-            </a:pathLst>
-          </a:custGeom>
-          <a:solidFill>
-            <a:schemeClr val="bg1"/>
-          </a:solidFill>
-          <a:ln w="57150">
-            <a:solidFill>
-              <a:schemeClr val="tx1"/>
-            </a:solidFill>
-          </a:ln>
-        </p:spPr>
-      </p:pic>
       <p:sp>
         <p:nvSpPr>
           <p:cNvPr id="28" name="Rectangle 27">
@@ -9495,7 +7973,7 @@
       <p:sp>
         <p:nvSpPr>
           <p:cNvPr id="32" name="Rectangle: Rounded Corners 31">
-            <a:hlinkClick r:id="rId4" action="ppaction://hlinksldjump" highlightClick="1"/>
+            <a:hlinkClick r:id="rId2" action="ppaction://hlinksldjump" highlightClick="1"/>
             <a:extLst>
               <a:ext uri="{FF2B5EF4-FFF2-40B4-BE49-F238E27FC236}">
                 <a16:creationId xmlns:a16="http://schemas.microsoft.com/office/drawing/2014/main" id="{A779DE72-630C-41ED-A6D2-9F09AAF44049}"/>
@@ -9605,7 +8083,7 @@
           <p:nvPr/>
         </p:nvPicPr>
         <p:blipFill>
-          <a:blip r:embed="rId5">
+          <a:blip r:embed="rId3">
             <a:extLst>
               <a:ext uri="{28A0092B-C50C-407E-A947-70E740481C1C}">
                 <a14:useLocalDpi xmlns:a14="http://schemas.microsoft.com/office/drawing/2010/main" val="0"/>
@@ -9652,7 +8130,7 @@
           <p:nvPr/>
         </p:nvPicPr>
         <p:blipFill>
-          <a:blip r:embed="rId6">
+          <a:blip r:embed="rId4">
             <a:extLst>
               <a:ext uri="{28A0092B-C50C-407E-A947-70E740481C1C}">
                 <a14:useLocalDpi xmlns:a14="http://schemas.microsoft.com/office/drawing/2010/main" val="0"/>
@@ -9687,7 +8165,7 @@
       <p:sp>
         <p:nvSpPr>
           <p:cNvPr id="42" name="Isosceles Triangle 41">
-            <a:hlinkClick r:id="rId7" action="ppaction://hlinksldjump" highlightClick="1"/>
+            <a:hlinkClick r:id="rId5" action="ppaction://hlinksldjump" highlightClick="1"/>
             <a:extLst>
               <a:ext uri="{FF2B5EF4-FFF2-40B4-BE49-F238E27FC236}">
                 <a16:creationId xmlns:a16="http://schemas.microsoft.com/office/drawing/2014/main" id="{F93669CE-7623-4935-B0C2-8FBB9C96D68C}"/>
@@ -9949,6 +8427,41 @@
           </a:p>
         </p:txBody>
       </p:sp>
+      <p:pic>
+        <p:nvPicPr>
+          <p:cNvPr id="15" name="Picture 14" descr="A close up of a logo&#10;&#10;Description automatically generated">
+            <a:extLst>
+              <a:ext uri="{FF2B5EF4-FFF2-40B4-BE49-F238E27FC236}">
+                <a16:creationId xmlns:a16="http://schemas.microsoft.com/office/drawing/2014/main" id="{4239888E-6FA1-4865-82E2-B2DDF812F745}"/>
+              </a:ext>
+            </a:extLst>
+          </p:cNvPr>
+          <p:cNvPicPr>
+            <a:picLocks noChangeAspect="1"/>
+          </p:cNvPicPr>
+          <p:nvPr/>
+        </p:nvPicPr>
+        <p:blipFill rotWithShape="1">
+          <a:blip r:embed="rId6">
+            <a:extLst>
+              <a:ext uri="{28A0092B-C50C-407E-A947-70E740481C1C}">
+                <a14:useLocalDpi xmlns:a14="http://schemas.microsoft.com/office/drawing/2010/main" val="0"/>
+              </a:ext>
+            </a:extLst>
+          </a:blip>
+          <a:srcRect l="23078" t="11172" r="23872" b="35778"/>
+          <a:stretch/>
+        </p:blipFill>
+        <p:spPr>
+          <a:xfrm>
+            <a:off x="1731301" y="851922"/>
+            <a:ext cx="3638180" cy="3638180"/>
+          </a:xfrm>
+          <a:prstGeom prst="rect">
+            <a:avLst/>
+          </a:prstGeom>
+        </p:spPr>
+      </p:pic>
     </p:spTree>
     <p:extLst>
       <p:ext uri="{BB962C8B-B14F-4D97-AF65-F5344CB8AC3E}">
@@ -10547,292 +9060,6 @@
           </a:p>
         </p:txBody>
       </p:sp>
-      <p:pic>
-        <p:nvPicPr>
-          <p:cNvPr id="5" name="Picture 4" descr="Related image">
-            <a:extLst>
-              <a:ext uri="{FF2B5EF4-FFF2-40B4-BE49-F238E27FC236}">
-                <a16:creationId xmlns:a16="http://schemas.microsoft.com/office/drawing/2014/main" id="{928A5964-6AB0-4E74-A345-DBD1C81D6393}"/>
-              </a:ext>
-            </a:extLst>
-          </p:cNvPr>
-          <p:cNvPicPr>
-            <a:picLocks noChangeAspect="1" noChangeArrowheads="1"/>
-          </p:cNvPicPr>
-          <p:nvPr/>
-        </p:nvPicPr>
-        <p:blipFill rotWithShape="1">
-          <a:blip r:embed="rId2">
-            <a:duotone>
-              <a:prstClr val="black"/>
-              <a:schemeClr val="accent5">
-                <a:tint val="45000"/>
-                <a:satMod val="400000"/>
-              </a:schemeClr>
-            </a:duotone>
-            <a:extLst>
-              <a:ext uri="{BEBA8EAE-BF5A-486C-A8C5-ECC9F3942E4B}">
-                <a14:imgProps xmlns:a14="http://schemas.microsoft.com/office/drawing/2010/main">
-                  <a14:imgLayer r:embed="rId3">
-                    <a14:imgEffect>
-                      <a14:colorTemperature colorTemp="4700"/>
-                    </a14:imgEffect>
-                  </a14:imgLayer>
-                </a14:imgProps>
-              </a:ext>
-              <a:ext uri="{28A0092B-C50C-407E-A947-70E740481C1C}">
-                <a14:useLocalDpi xmlns:a14="http://schemas.microsoft.com/office/drawing/2010/main" val="0"/>
-              </a:ext>
-            </a:extLst>
-          </a:blip>
-          <a:srcRect l="2953" t="2566" r="1414" b="8632"/>
-          <a:stretch/>
-        </p:blipFill>
-        <p:spPr bwMode="auto">
-          <a:xfrm>
-            <a:off x="2629001" y="1187204"/>
-            <a:ext cx="1600002" cy="1600002"/>
-          </a:xfrm>
-          <a:custGeom>
-            <a:avLst/>
-            <a:gdLst>
-              <a:gd name="connsiteX0" fmla="*/ 1190478 w 2380956"/>
-              <a:gd name="connsiteY0" fmla="*/ 0 h 2380956"/>
-              <a:gd name="connsiteX1" fmla="*/ 1856086 w 2380956"/>
-              <a:gd name="connsiteY1" fmla="*/ 203315 h 2380956"/>
-              <a:gd name="connsiteX2" fmla="*/ 1927973 w 2380956"/>
-              <a:gd name="connsiteY2" fmla="*/ 257071 h 2380956"/>
-              <a:gd name="connsiteX3" fmla="*/ 2187526 w 2380956"/>
-              <a:gd name="connsiteY3" fmla="*/ 257071 h 2380956"/>
-              <a:gd name="connsiteX4" fmla="*/ 2187526 w 2380956"/>
-              <a:gd name="connsiteY4" fmla="*/ 541142 h 2380956"/>
-              <a:gd name="connsiteX5" fmla="*/ 2237272 w 2380956"/>
-              <a:gd name="connsiteY5" fmla="*/ 623026 h 2380956"/>
-              <a:gd name="connsiteX6" fmla="*/ 2380956 w 2380956"/>
-              <a:gd name="connsiteY6" fmla="*/ 1190478 h 2380956"/>
-              <a:gd name="connsiteX7" fmla="*/ 2237272 w 2380956"/>
-              <a:gd name="connsiteY7" fmla="*/ 1757931 h 2380956"/>
-              <a:gd name="connsiteX8" fmla="*/ 2187526 w 2380956"/>
-              <a:gd name="connsiteY8" fmla="*/ 1839815 h 2380956"/>
-              <a:gd name="connsiteX9" fmla="*/ 2187526 w 2380956"/>
-              <a:gd name="connsiteY9" fmla="*/ 2123885 h 2380956"/>
-              <a:gd name="connsiteX10" fmla="*/ 1927973 w 2380956"/>
-              <a:gd name="connsiteY10" fmla="*/ 2123885 h 2380956"/>
-              <a:gd name="connsiteX11" fmla="*/ 1856086 w 2380956"/>
-              <a:gd name="connsiteY11" fmla="*/ 2177641 h 2380956"/>
-              <a:gd name="connsiteX12" fmla="*/ 1190478 w 2380956"/>
-              <a:gd name="connsiteY12" fmla="*/ 2380956 h 2380956"/>
-              <a:gd name="connsiteX13" fmla="*/ 524871 w 2380956"/>
-              <a:gd name="connsiteY13" fmla="*/ 2177641 h 2380956"/>
-              <a:gd name="connsiteX14" fmla="*/ 452984 w 2380956"/>
-              <a:gd name="connsiteY14" fmla="*/ 2123885 h 2380956"/>
-              <a:gd name="connsiteX15" fmla="*/ 193430 w 2380956"/>
-              <a:gd name="connsiteY15" fmla="*/ 2123885 h 2380956"/>
-              <a:gd name="connsiteX16" fmla="*/ 193430 w 2380956"/>
-              <a:gd name="connsiteY16" fmla="*/ 1839815 h 2380956"/>
-              <a:gd name="connsiteX17" fmla="*/ 143684 w 2380956"/>
-              <a:gd name="connsiteY17" fmla="*/ 1757931 h 2380956"/>
-              <a:gd name="connsiteX18" fmla="*/ 0 w 2380956"/>
-              <a:gd name="connsiteY18" fmla="*/ 1190478 h 2380956"/>
-              <a:gd name="connsiteX19" fmla="*/ 143684 w 2380956"/>
-              <a:gd name="connsiteY19" fmla="*/ 623026 h 2380956"/>
-              <a:gd name="connsiteX20" fmla="*/ 193430 w 2380956"/>
-              <a:gd name="connsiteY20" fmla="*/ 541142 h 2380956"/>
-              <a:gd name="connsiteX21" fmla="*/ 193430 w 2380956"/>
-              <a:gd name="connsiteY21" fmla="*/ 257071 h 2380956"/>
-              <a:gd name="connsiteX22" fmla="*/ 452984 w 2380956"/>
-              <a:gd name="connsiteY22" fmla="*/ 257071 h 2380956"/>
-              <a:gd name="connsiteX23" fmla="*/ 524871 w 2380956"/>
-              <a:gd name="connsiteY23" fmla="*/ 203315 h 2380956"/>
-              <a:gd name="connsiteX24" fmla="*/ 1190478 w 2380956"/>
-              <a:gd name="connsiteY24" fmla="*/ 0 h 2380956"/>
-            </a:gdLst>
-            <a:ahLst/>
-            <a:cxnLst>
-              <a:cxn ang="0">
-                <a:pos x="connsiteX0" y="connsiteY0"/>
-              </a:cxn>
-              <a:cxn ang="0">
-                <a:pos x="connsiteX1" y="connsiteY1"/>
-              </a:cxn>
-              <a:cxn ang="0">
-                <a:pos x="connsiteX2" y="connsiteY2"/>
-              </a:cxn>
-              <a:cxn ang="0">
-                <a:pos x="connsiteX3" y="connsiteY3"/>
-              </a:cxn>
-              <a:cxn ang="0">
-                <a:pos x="connsiteX4" y="connsiteY4"/>
-              </a:cxn>
-              <a:cxn ang="0">
-                <a:pos x="connsiteX5" y="connsiteY5"/>
-              </a:cxn>
-              <a:cxn ang="0">
-                <a:pos x="connsiteX6" y="connsiteY6"/>
-              </a:cxn>
-              <a:cxn ang="0">
-                <a:pos x="connsiteX7" y="connsiteY7"/>
-              </a:cxn>
-              <a:cxn ang="0">
-                <a:pos x="connsiteX8" y="connsiteY8"/>
-              </a:cxn>
-              <a:cxn ang="0">
-                <a:pos x="connsiteX9" y="connsiteY9"/>
-              </a:cxn>
-              <a:cxn ang="0">
-                <a:pos x="connsiteX10" y="connsiteY10"/>
-              </a:cxn>
-              <a:cxn ang="0">
-                <a:pos x="connsiteX11" y="connsiteY11"/>
-              </a:cxn>
-              <a:cxn ang="0">
-                <a:pos x="connsiteX12" y="connsiteY12"/>
-              </a:cxn>
-              <a:cxn ang="0">
-                <a:pos x="connsiteX13" y="connsiteY13"/>
-              </a:cxn>
-              <a:cxn ang="0">
-                <a:pos x="connsiteX14" y="connsiteY14"/>
-              </a:cxn>
-              <a:cxn ang="0">
-                <a:pos x="connsiteX15" y="connsiteY15"/>
-              </a:cxn>
-              <a:cxn ang="0">
-                <a:pos x="connsiteX16" y="connsiteY16"/>
-              </a:cxn>
-              <a:cxn ang="0">
-                <a:pos x="connsiteX17" y="connsiteY17"/>
-              </a:cxn>
-              <a:cxn ang="0">
-                <a:pos x="connsiteX18" y="connsiteY18"/>
-              </a:cxn>
-              <a:cxn ang="0">
-                <a:pos x="connsiteX19" y="connsiteY19"/>
-              </a:cxn>
-              <a:cxn ang="0">
-                <a:pos x="connsiteX20" y="connsiteY20"/>
-              </a:cxn>
-              <a:cxn ang="0">
-                <a:pos x="connsiteX21" y="connsiteY21"/>
-              </a:cxn>
-              <a:cxn ang="0">
-                <a:pos x="connsiteX22" y="connsiteY22"/>
-              </a:cxn>
-              <a:cxn ang="0">
-                <a:pos x="connsiteX23" y="connsiteY23"/>
-              </a:cxn>
-              <a:cxn ang="0">
-                <a:pos x="connsiteX24" y="connsiteY24"/>
-              </a:cxn>
-            </a:cxnLst>
-            <a:rect l="l" t="t" r="r" b="b"/>
-            <a:pathLst>
-              <a:path w="2380956" h="2380956">
-                <a:moveTo>
-                  <a:pt x="1190478" y="0"/>
-                </a:moveTo>
-                <a:cubicBezTo>
-                  <a:pt x="1437034" y="0"/>
-                  <a:pt x="1666084" y="74952"/>
-                  <a:pt x="1856086" y="203315"/>
-                </a:cubicBezTo>
-                <a:lnTo>
-                  <a:pt x="1927973" y="257071"/>
-                </a:lnTo>
-                <a:lnTo>
-                  <a:pt x="2187526" y="257071"/>
-                </a:lnTo>
-                <a:lnTo>
-                  <a:pt x="2187526" y="541142"/>
-                </a:lnTo>
-                <a:lnTo>
-                  <a:pt x="2237272" y="623026"/>
-                </a:lnTo>
-                <a:cubicBezTo>
-                  <a:pt x="2328906" y="791708"/>
-                  <a:pt x="2380956" y="985015"/>
-                  <a:pt x="2380956" y="1190478"/>
-                </a:cubicBezTo>
-                <a:cubicBezTo>
-                  <a:pt x="2380956" y="1395942"/>
-                  <a:pt x="2328906" y="1589248"/>
-                  <a:pt x="2237272" y="1757931"/>
-                </a:cubicBezTo>
-                <a:lnTo>
-                  <a:pt x="2187526" y="1839815"/>
-                </a:lnTo>
-                <a:lnTo>
-                  <a:pt x="2187526" y="2123885"/>
-                </a:lnTo>
-                <a:lnTo>
-                  <a:pt x="1927973" y="2123885"/>
-                </a:lnTo>
-                <a:lnTo>
-                  <a:pt x="1856086" y="2177641"/>
-                </a:lnTo>
-                <a:cubicBezTo>
-                  <a:pt x="1666084" y="2306004"/>
-                  <a:pt x="1437034" y="2380956"/>
-                  <a:pt x="1190478" y="2380956"/>
-                </a:cubicBezTo>
-                <a:cubicBezTo>
-                  <a:pt x="943922" y="2380956"/>
-                  <a:pt x="714872" y="2306004"/>
-                  <a:pt x="524871" y="2177641"/>
-                </a:cubicBezTo>
-                <a:lnTo>
-                  <a:pt x="452984" y="2123885"/>
-                </a:lnTo>
-                <a:lnTo>
-                  <a:pt x="193430" y="2123885"/>
-                </a:lnTo>
-                <a:lnTo>
-                  <a:pt x="193430" y="1839815"/>
-                </a:lnTo>
-                <a:lnTo>
-                  <a:pt x="143684" y="1757931"/>
-                </a:lnTo>
-                <a:cubicBezTo>
-                  <a:pt x="52050" y="1589248"/>
-                  <a:pt x="0" y="1395942"/>
-                  <a:pt x="0" y="1190478"/>
-                </a:cubicBezTo>
-                <a:cubicBezTo>
-                  <a:pt x="0" y="985015"/>
-                  <a:pt x="52050" y="791708"/>
-                  <a:pt x="143684" y="623026"/>
-                </a:cubicBezTo>
-                <a:lnTo>
-                  <a:pt x="193430" y="541142"/>
-                </a:lnTo>
-                <a:lnTo>
-                  <a:pt x="193430" y="257071"/>
-                </a:lnTo>
-                <a:lnTo>
-                  <a:pt x="452984" y="257071"/>
-                </a:lnTo>
-                <a:lnTo>
-                  <a:pt x="524871" y="203315"/>
-                </a:lnTo>
-                <a:cubicBezTo>
-                  <a:pt x="714872" y="74952"/>
-                  <a:pt x="943922" y="0"/>
-                  <a:pt x="1190478" y="0"/>
-                </a:cubicBezTo>
-                <a:close/>
-              </a:path>
-            </a:pathLst>
-          </a:custGeom>
-          <a:solidFill>
-            <a:schemeClr val="bg1"/>
-          </a:solidFill>
-          <a:ln w="57150">
-            <a:solidFill>
-              <a:schemeClr val="tx1"/>
-            </a:solidFill>
-          </a:ln>
-        </p:spPr>
-      </p:pic>
       <p:sp>
         <p:nvSpPr>
           <p:cNvPr id="6" name="TextBox 5">
@@ -11945,6 +10172,41 @@
           </a:p>
         </p:txBody>
       </p:sp>
+      <p:pic>
+        <p:nvPicPr>
+          <p:cNvPr id="34" name="Picture 33" descr="A close up of a logo&#10;&#10;Description automatically generated">
+            <a:extLst>
+              <a:ext uri="{FF2B5EF4-FFF2-40B4-BE49-F238E27FC236}">
+                <a16:creationId xmlns:a16="http://schemas.microsoft.com/office/drawing/2014/main" id="{D20FCB1D-2E26-47AF-A50B-18F242EFC8D5}"/>
+              </a:ext>
+            </a:extLst>
+          </p:cNvPr>
+          <p:cNvPicPr>
+            <a:picLocks noChangeAspect="1"/>
+          </p:cNvPicPr>
+          <p:nvPr/>
+        </p:nvPicPr>
+        <p:blipFill rotWithShape="1">
+          <a:blip r:embed="rId2">
+            <a:extLst>
+              <a:ext uri="{28A0092B-C50C-407E-A947-70E740481C1C}">
+                <a14:useLocalDpi xmlns:a14="http://schemas.microsoft.com/office/drawing/2010/main" val="0"/>
+              </a:ext>
+            </a:extLst>
+          </a:blip>
+          <a:srcRect l="23078" t="11172" r="23872" b="35778"/>
+          <a:stretch/>
+        </p:blipFill>
+        <p:spPr>
+          <a:xfrm>
+            <a:off x="2191855" y="698608"/>
+            <a:ext cx="2520000" cy="2520000"/>
+          </a:xfrm>
+          <a:prstGeom prst="rect">
+            <a:avLst/>
+          </a:prstGeom>
+        </p:spPr>
+      </p:pic>
     </p:spTree>
     <p:extLst>
       <p:ext uri="{BB962C8B-B14F-4D97-AF65-F5344CB8AC3E}">
@@ -14138,288 +12400,37 @@
       </p:sp>
       <p:pic>
         <p:nvPicPr>
-          <p:cNvPr id="14" name="Picture 13" descr="Related image">
-            <a:extLst>
-              <a:ext uri="{FF2B5EF4-FFF2-40B4-BE49-F238E27FC236}">
-                <a16:creationId xmlns:a16="http://schemas.microsoft.com/office/drawing/2014/main" id="{4D1AF89F-BCB2-4DAB-9D4A-AAF63349C9B1}"/>
+          <p:cNvPr id="15" name="Picture 14" descr="A close up of a logo&#10;&#10;Description automatically generated">
+            <a:extLst>
+              <a:ext uri="{FF2B5EF4-FFF2-40B4-BE49-F238E27FC236}">
+                <a16:creationId xmlns:a16="http://schemas.microsoft.com/office/drawing/2014/main" id="{AF5FF086-BE68-4F9D-A378-B8BCC26D28B9}"/>
               </a:ext>
             </a:extLst>
           </p:cNvPr>
           <p:cNvPicPr>
-            <a:picLocks noChangeAspect="1" noChangeArrowheads="1"/>
+            <a:picLocks noChangeAspect="1"/>
           </p:cNvPicPr>
           <p:nvPr/>
         </p:nvPicPr>
         <p:blipFill rotWithShape="1">
           <a:blip r:embed="rId5">
-            <a:duotone>
-              <a:prstClr val="black"/>
-              <a:schemeClr val="accent5">
-                <a:tint val="45000"/>
-                <a:satMod val="400000"/>
-              </a:schemeClr>
-            </a:duotone>
-            <a:extLst>
-              <a:ext uri="{BEBA8EAE-BF5A-486C-A8C5-ECC9F3942E4B}">
-                <a14:imgProps xmlns:a14="http://schemas.microsoft.com/office/drawing/2010/main">
-                  <a14:imgLayer r:embed="rId6">
-                    <a14:imgEffect>
-                      <a14:colorTemperature colorTemp="4700"/>
-                    </a14:imgEffect>
-                  </a14:imgLayer>
-                </a14:imgProps>
-              </a:ext>
+            <a:extLst>
               <a:ext uri="{28A0092B-C50C-407E-A947-70E740481C1C}">
                 <a14:useLocalDpi xmlns:a14="http://schemas.microsoft.com/office/drawing/2010/main" val="0"/>
               </a:ext>
             </a:extLst>
           </a:blip>
-          <a:srcRect l="2953" t="2566" r="1414" b="8632"/>
+          <a:srcRect l="23078" t="11172" r="23872" b="35778"/>
           <a:stretch/>
         </p:blipFill>
-        <p:spPr bwMode="auto">
-          <a:xfrm>
-            <a:off x="999518" y="1187204"/>
-            <a:ext cx="1600002" cy="1600002"/>
-          </a:xfrm>
-          <a:custGeom>
-            <a:avLst/>
-            <a:gdLst>
-              <a:gd name="connsiteX0" fmla="*/ 1190478 w 2380956"/>
-              <a:gd name="connsiteY0" fmla="*/ 0 h 2380956"/>
-              <a:gd name="connsiteX1" fmla="*/ 1856086 w 2380956"/>
-              <a:gd name="connsiteY1" fmla="*/ 203315 h 2380956"/>
-              <a:gd name="connsiteX2" fmla="*/ 1927973 w 2380956"/>
-              <a:gd name="connsiteY2" fmla="*/ 257071 h 2380956"/>
-              <a:gd name="connsiteX3" fmla="*/ 2187526 w 2380956"/>
-              <a:gd name="connsiteY3" fmla="*/ 257071 h 2380956"/>
-              <a:gd name="connsiteX4" fmla="*/ 2187526 w 2380956"/>
-              <a:gd name="connsiteY4" fmla="*/ 541142 h 2380956"/>
-              <a:gd name="connsiteX5" fmla="*/ 2237272 w 2380956"/>
-              <a:gd name="connsiteY5" fmla="*/ 623026 h 2380956"/>
-              <a:gd name="connsiteX6" fmla="*/ 2380956 w 2380956"/>
-              <a:gd name="connsiteY6" fmla="*/ 1190478 h 2380956"/>
-              <a:gd name="connsiteX7" fmla="*/ 2237272 w 2380956"/>
-              <a:gd name="connsiteY7" fmla="*/ 1757931 h 2380956"/>
-              <a:gd name="connsiteX8" fmla="*/ 2187526 w 2380956"/>
-              <a:gd name="connsiteY8" fmla="*/ 1839815 h 2380956"/>
-              <a:gd name="connsiteX9" fmla="*/ 2187526 w 2380956"/>
-              <a:gd name="connsiteY9" fmla="*/ 2123885 h 2380956"/>
-              <a:gd name="connsiteX10" fmla="*/ 1927973 w 2380956"/>
-              <a:gd name="connsiteY10" fmla="*/ 2123885 h 2380956"/>
-              <a:gd name="connsiteX11" fmla="*/ 1856086 w 2380956"/>
-              <a:gd name="connsiteY11" fmla="*/ 2177641 h 2380956"/>
-              <a:gd name="connsiteX12" fmla="*/ 1190478 w 2380956"/>
-              <a:gd name="connsiteY12" fmla="*/ 2380956 h 2380956"/>
-              <a:gd name="connsiteX13" fmla="*/ 524871 w 2380956"/>
-              <a:gd name="connsiteY13" fmla="*/ 2177641 h 2380956"/>
-              <a:gd name="connsiteX14" fmla="*/ 452984 w 2380956"/>
-              <a:gd name="connsiteY14" fmla="*/ 2123885 h 2380956"/>
-              <a:gd name="connsiteX15" fmla="*/ 193430 w 2380956"/>
-              <a:gd name="connsiteY15" fmla="*/ 2123885 h 2380956"/>
-              <a:gd name="connsiteX16" fmla="*/ 193430 w 2380956"/>
-              <a:gd name="connsiteY16" fmla="*/ 1839815 h 2380956"/>
-              <a:gd name="connsiteX17" fmla="*/ 143684 w 2380956"/>
-              <a:gd name="connsiteY17" fmla="*/ 1757931 h 2380956"/>
-              <a:gd name="connsiteX18" fmla="*/ 0 w 2380956"/>
-              <a:gd name="connsiteY18" fmla="*/ 1190478 h 2380956"/>
-              <a:gd name="connsiteX19" fmla="*/ 143684 w 2380956"/>
-              <a:gd name="connsiteY19" fmla="*/ 623026 h 2380956"/>
-              <a:gd name="connsiteX20" fmla="*/ 193430 w 2380956"/>
-              <a:gd name="connsiteY20" fmla="*/ 541142 h 2380956"/>
-              <a:gd name="connsiteX21" fmla="*/ 193430 w 2380956"/>
-              <a:gd name="connsiteY21" fmla="*/ 257071 h 2380956"/>
-              <a:gd name="connsiteX22" fmla="*/ 452984 w 2380956"/>
-              <a:gd name="connsiteY22" fmla="*/ 257071 h 2380956"/>
-              <a:gd name="connsiteX23" fmla="*/ 524871 w 2380956"/>
-              <a:gd name="connsiteY23" fmla="*/ 203315 h 2380956"/>
-              <a:gd name="connsiteX24" fmla="*/ 1190478 w 2380956"/>
-              <a:gd name="connsiteY24" fmla="*/ 0 h 2380956"/>
-            </a:gdLst>
-            <a:ahLst/>
-            <a:cxnLst>
-              <a:cxn ang="0">
-                <a:pos x="connsiteX0" y="connsiteY0"/>
-              </a:cxn>
-              <a:cxn ang="0">
-                <a:pos x="connsiteX1" y="connsiteY1"/>
-              </a:cxn>
-              <a:cxn ang="0">
-                <a:pos x="connsiteX2" y="connsiteY2"/>
-              </a:cxn>
-              <a:cxn ang="0">
-                <a:pos x="connsiteX3" y="connsiteY3"/>
-              </a:cxn>
-              <a:cxn ang="0">
-                <a:pos x="connsiteX4" y="connsiteY4"/>
-              </a:cxn>
-              <a:cxn ang="0">
-                <a:pos x="connsiteX5" y="connsiteY5"/>
-              </a:cxn>
-              <a:cxn ang="0">
-                <a:pos x="connsiteX6" y="connsiteY6"/>
-              </a:cxn>
-              <a:cxn ang="0">
-                <a:pos x="connsiteX7" y="connsiteY7"/>
-              </a:cxn>
-              <a:cxn ang="0">
-                <a:pos x="connsiteX8" y="connsiteY8"/>
-              </a:cxn>
-              <a:cxn ang="0">
-                <a:pos x="connsiteX9" y="connsiteY9"/>
-              </a:cxn>
-              <a:cxn ang="0">
-                <a:pos x="connsiteX10" y="connsiteY10"/>
-              </a:cxn>
-              <a:cxn ang="0">
-                <a:pos x="connsiteX11" y="connsiteY11"/>
-              </a:cxn>
-              <a:cxn ang="0">
-                <a:pos x="connsiteX12" y="connsiteY12"/>
-              </a:cxn>
-              <a:cxn ang="0">
-                <a:pos x="connsiteX13" y="connsiteY13"/>
-              </a:cxn>
-              <a:cxn ang="0">
-                <a:pos x="connsiteX14" y="connsiteY14"/>
-              </a:cxn>
-              <a:cxn ang="0">
-                <a:pos x="connsiteX15" y="connsiteY15"/>
-              </a:cxn>
-              <a:cxn ang="0">
-                <a:pos x="connsiteX16" y="connsiteY16"/>
-              </a:cxn>
-              <a:cxn ang="0">
-                <a:pos x="connsiteX17" y="connsiteY17"/>
-              </a:cxn>
-              <a:cxn ang="0">
-                <a:pos x="connsiteX18" y="connsiteY18"/>
-              </a:cxn>
-              <a:cxn ang="0">
-                <a:pos x="connsiteX19" y="connsiteY19"/>
-              </a:cxn>
-              <a:cxn ang="0">
-                <a:pos x="connsiteX20" y="connsiteY20"/>
-              </a:cxn>
-              <a:cxn ang="0">
-                <a:pos x="connsiteX21" y="connsiteY21"/>
-              </a:cxn>
-              <a:cxn ang="0">
-                <a:pos x="connsiteX22" y="connsiteY22"/>
-              </a:cxn>
-              <a:cxn ang="0">
-                <a:pos x="connsiteX23" y="connsiteY23"/>
-              </a:cxn>
-              <a:cxn ang="0">
-                <a:pos x="connsiteX24" y="connsiteY24"/>
-              </a:cxn>
-            </a:cxnLst>
-            <a:rect l="l" t="t" r="r" b="b"/>
-            <a:pathLst>
-              <a:path w="2380956" h="2380956">
-                <a:moveTo>
-                  <a:pt x="1190478" y="0"/>
-                </a:moveTo>
-                <a:cubicBezTo>
-                  <a:pt x="1437034" y="0"/>
-                  <a:pt x="1666084" y="74952"/>
-                  <a:pt x="1856086" y="203315"/>
-                </a:cubicBezTo>
-                <a:lnTo>
-                  <a:pt x="1927973" y="257071"/>
-                </a:lnTo>
-                <a:lnTo>
-                  <a:pt x="2187526" y="257071"/>
-                </a:lnTo>
-                <a:lnTo>
-                  <a:pt x="2187526" y="541142"/>
-                </a:lnTo>
-                <a:lnTo>
-                  <a:pt x="2237272" y="623026"/>
-                </a:lnTo>
-                <a:cubicBezTo>
-                  <a:pt x="2328906" y="791708"/>
-                  <a:pt x="2380956" y="985015"/>
-                  <a:pt x="2380956" y="1190478"/>
-                </a:cubicBezTo>
-                <a:cubicBezTo>
-                  <a:pt x="2380956" y="1395942"/>
-                  <a:pt x="2328906" y="1589248"/>
-                  <a:pt x="2237272" y="1757931"/>
-                </a:cubicBezTo>
-                <a:lnTo>
-                  <a:pt x="2187526" y="1839815"/>
-                </a:lnTo>
-                <a:lnTo>
-                  <a:pt x="2187526" y="2123885"/>
-                </a:lnTo>
-                <a:lnTo>
-                  <a:pt x="1927973" y="2123885"/>
-                </a:lnTo>
-                <a:lnTo>
-                  <a:pt x="1856086" y="2177641"/>
-                </a:lnTo>
-                <a:cubicBezTo>
-                  <a:pt x="1666084" y="2306004"/>
-                  <a:pt x="1437034" y="2380956"/>
-                  <a:pt x="1190478" y="2380956"/>
-                </a:cubicBezTo>
-                <a:cubicBezTo>
-                  <a:pt x="943922" y="2380956"/>
-                  <a:pt x="714872" y="2306004"/>
-                  <a:pt x="524871" y="2177641"/>
-                </a:cubicBezTo>
-                <a:lnTo>
-                  <a:pt x="452984" y="2123885"/>
-                </a:lnTo>
-                <a:lnTo>
-                  <a:pt x="193430" y="2123885"/>
-                </a:lnTo>
-                <a:lnTo>
-                  <a:pt x="193430" y="1839815"/>
-                </a:lnTo>
-                <a:lnTo>
-                  <a:pt x="143684" y="1757931"/>
-                </a:lnTo>
-                <a:cubicBezTo>
-                  <a:pt x="52050" y="1589248"/>
-                  <a:pt x="0" y="1395942"/>
-                  <a:pt x="0" y="1190478"/>
-                </a:cubicBezTo>
-                <a:cubicBezTo>
-                  <a:pt x="0" y="985015"/>
-                  <a:pt x="52050" y="791708"/>
-                  <a:pt x="143684" y="623026"/>
-                </a:cubicBezTo>
-                <a:lnTo>
-                  <a:pt x="193430" y="541142"/>
-                </a:lnTo>
-                <a:lnTo>
-                  <a:pt x="193430" y="257071"/>
-                </a:lnTo>
-                <a:lnTo>
-                  <a:pt x="452984" y="257071"/>
-                </a:lnTo>
-                <a:lnTo>
-                  <a:pt x="524871" y="203315"/>
-                </a:lnTo>
-                <a:cubicBezTo>
-                  <a:pt x="714872" y="74952"/>
-                  <a:pt x="943922" y="0"/>
-                  <a:pt x="1190478" y="0"/>
-                </a:cubicBezTo>
-                <a:close/>
-              </a:path>
-            </a:pathLst>
-          </a:custGeom>
-          <a:solidFill>
-            <a:schemeClr val="bg1"/>
-          </a:solidFill>
-          <a:ln w="57150">
-            <a:solidFill>
-              <a:schemeClr val="tx1"/>
-            </a:solidFill>
-          </a:ln>
+        <p:spPr>
+          <a:xfrm>
+            <a:off x="813463" y="911676"/>
+            <a:ext cx="2160000" cy="2160000"/>
+          </a:xfrm>
+          <a:prstGeom prst="rect">
+            <a:avLst/>
+          </a:prstGeom>
         </p:spPr>
       </p:pic>
     </p:spTree>
@@ -15402,292 +13413,6 @@
           </a:p>
         </p:txBody>
       </p:sp>
-      <p:pic>
-        <p:nvPicPr>
-          <p:cNvPr id="62" name="Picture 61" descr="Related image">
-            <a:extLst>
-              <a:ext uri="{FF2B5EF4-FFF2-40B4-BE49-F238E27FC236}">
-                <a16:creationId xmlns:a16="http://schemas.microsoft.com/office/drawing/2014/main" id="{6E7D9CED-E658-431F-B23A-0713F215DF59}"/>
-              </a:ext>
-            </a:extLst>
-          </p:cNvPr>
-          <p:cNvPicPr>
-            <a:picLocks noChangeAspect="1" noChangeArrowheads="1"/>
-          </p:cNvPicPr>
-          <p:nvPr/>
-        </p:nvPicPr>
-        <p:blipFill rotWithShape="1">
-          <a:blip r:embed="rId4">
-            <a:duotone>
-              <a:prstClr val="black"/>
-              <a:schemeClr val="accent5">
-                <a:tint val="45000"/>
-                <a:satMod val="400000"/>
-              </a:schemeClr>
-            </a:duotone>
-            <a:extLst>
-              <a:ext uri="{BEBA8EAE-BF5A-486C-A8C5-ECC9F3942E4B}">
-                <a14:imgProps xmlns:a14="http://schemas.microsoft.com/office/drawing/2010/main">
-                  <a14:imgLayer r:embed="rId5">
-                    <a14:imgEffect>
-                      <a14:colorTemperature colorTemp="4700"/>
-                    </a14:imgEffect>
-                  </a14:imgLayer>
-                </a14:imgProps>
-              </a:ext>
-              <a:ext uri="{28A0092B-C50C-407E-A947-70E740481C1C}">
-                <a14:useLocalDpi xmlns:a14="http://schemas.microsoft.com/office/drawing/2010/main" val="0"/>
-              </a:ext>
-            </a:extLst>
-          </a:blip>
-          <a:srcRect l="2953" t="2566" r="1414" b="8632"/>
-          <a:stretch/>
-        </p:blipFill>
-        <p:spPr bwMode="auto">
-          <a:xfrm>
-            <a:off x="999518" y="1187204"/>
-            <a:ext cx="1600002" cy="1600002"/>
-          </a:xfrm>
-          <a:custGeom>
-            <a:avLst/>
-            <a:gdLst>
-              <a:gd name="connsiteX0" fmla="*/ 1190478 w 2380956"/>
-              <a:gd name="connsiteY0" fmla="*/ 0 h 2380956"/>
-              <a:gd name="connsiteX1" fmla="*/ 1856086 w 2380956"/>
-              <a:gd name="connsiteY1" fmla="*/ 203315 h 2380956"/>
-              <a:gd name="connsiteX2" fmla="*/ 1927973 w 2380956"/>
-              <a:gd name="connsiteY2" fmla="*/ 257071 h 2380956"/>
-              <a:gd name="connsiteX3" fmla="*/ 2187526 w 2380956"/>
-              <a:gd name="connsiteY3" fmla="*/ 257071 h 2380956"/>
-              <a:gd name="connsiteX4" fmla="*/ 2187526 w 2380956"/>
-              <a:gd name="connsiteY4" fmla="*/ 541142 h 2380956"/>
-              <a:gd name="connsiteX5" fmla="*/ 2237272 w 2380956"/>
-              <a:gd name="connsiteY5" fmla="*/ 623026 h 2380956"/>
-              <a:gd name="connsiteX6" fmla="*/ 2380956 w 2380956"/>
-              <a:gd name="connsiteY6" fmla="*/ 1190478 h 2380956"/>
-              <a:gd name="connsiteX7" fmla="*/ 2237272 w 2380956"/>
-              <a:gd name="connsiteY7" fmla="*/ 1757931 h 2380956"/>
-              <a:gd name="connsiteX8" fmla="*/ 2187526 w 2380956"/>
-              <a:gd name="connsiteY8" fmla="*/ 1839815 h 2380956"/>
-              <a:gd name="connsiteX9" fmla="*/ 2187526 w 2380956"/>
-              <a:gd name="connsiteY9" fmla="*/ 2123885 h 2380956"/>
-              <a:gd name="connsiteX10" fmla="*/ 1927973 w 2380956"/>
-              <a:gd name="connsiteY10" fmla="*/ 2123885 h 2380956"/>
-              <a:gd name="connsiteX11" fmla="*/ 1856086 w 2380956"/>
-              <a:gd name="connsiteY11" fmla="*/ 2177641 h 2380956"/>
-              <a:gd name="connsiteX12" fmla="*/ 1190478 w 2380956"/>
-              <a:gd name="connsiteY12" fmla="*/ 2380956 h 2380956"/>
-              <a:gd name="connsiteX13" fmla="*/ 524871 w 2380956"/>
-              <a:gd name="connsiteY13" fmla="*/ 2177641 h 2380956"/>
-              <a:gd name="connsiteX14" fmla="*/ 452984 w 2380956"/>
-              <a:gd name="connsiteY14" fmla="*/ 2123885 h 2380956"/>
-              <a:gd name="connsiteX15" fmla="*/ 193430 w 2380956"/>
-              <a:gd name="connsiteY15" fmla="*/ 2123885 h 2380956"/>
-              <a:gd name="connsiteX16" fmla="*/ 193430 w 2380956"/>
-              <a:gd name="connsiteY16" fmla="*/ 1839815 h 2380956"/>
-              <a:gd name="connsiteX17" fmla="*/ 143684 w 2380956"/>
-              <a:gd name="connsiteY17" fmla="*/ 1757931 h 2380956"/>
-              <a:gd name="connsiteX18" fmla="*/ 0 w 2380956"/>
-              <a:gd name="connsiteY18" fmla="*/ 1190478 h 2380956"/>
-              <a:gd name="connsiteX19" fmla="*/ 143684 w 2380956"/>
-              <a:gd name="connsiteY19" fmla="*/ 623026 h 2380956"/>
-              <a:gd name="connsiteX20" fmla="*/ 193430 w 2380956"/>
-              <a:gd name="connsiteY20" fmla="*/ 541142 h 2380956"/>
-              <a:gd name="connsiteX21" fmla="*/ 193430 w 2380956"/>
-              <a:gd name="connsiteY21" fmla="*/ 257071 h 2380956"/>
-              <a:gd name="connsiteX22" fmla="*/ 452984 w 2380956"/>
-              <a:gd name="connsiteY22" fmla="*/ 257071 h 2380956"/>
-              <a:gd name="connsiteX23" fmla="*/ 524871 w 2380956"/>
-              <a:gd name="connsiteY23" fmla="*/ 203315 h 2380956"/>
-              <a:gd name="connsiteX24" fmla="*/ 1190478 w 2380956"/>
-              <a:gd name="connsiteY24" fmla="*/ 0 h 2380956"/>
-            </a:gdLst>
-            <a:ahLst/>
-            <a:cxnLst>
-              <a:cxn ang="0">
-                <a:pos x="connsiteX0" y="connsiteY0"/>
-              </a:cxn>
-              <a:cxn ang="0">
-                <a:pos x="connsiteX1" y="connsiteY1"/>
-              </a:cxn>
-              <a:cxn ang="0">
-                <a:pos x="connsiteX2" y="connsiteY2"/>
-              </a:cxn>
-              <a:cxn ang="0">
-                <a:pos x="connsiteX3" y="connsiteY3"/>
-              </a:cxn>
-              <a:cxn ang="0">
-                <a:pos x="connsiteX4" y="connsiteY4"/>
-              </a:cxn>
-              <a:cxn ang="0">
-                <a:pos x="connsiteX5" y="connsiteY5"/>
-              </a:cxn>
-              <a:cxn ang="0">
-                <a:pos x="connsiteX6" y="connsiteY6"/>
-              </a:cxn>
-              <a:cxn ang="0">
-                <a:pos x="connsiteX7" y="connsiteY7"/>
-              </a:cxn>
-              <a:cxn ang="0">
-                <a:pos x="connsiteX8" y="connsiteY8"/>
-              </a:cxn>
-              <a:cxn ang="0">
-                <a:pos x="connsiteX9" y="connsiteY9"/>
-              </a:cxn>
-              <a:cxn ang="0">
-                <a:pos x="connsiteX10" y="connsiteY10"/>
-              </a:cxn>
-              <a:cxn ang="0">
-                <a:pos x="connsiteX11" y="connsiteY11"/>
-              </a:cxn>
-              <a:cxn ang="0">
-                <a:pos x="connsiteX12" y="connsiteY12"/>
-              </a:cxn>
-              <a:cxn ang="0">
-                <a:pos x="connsiteX13" y="connsiteY13"/>
-              </a:cxn>
-              <a:cxn ang="0">
-                <a:pos x="connsiteX14" y="connsiteY14"/>
-              </a:cxn>
-              <a:cxn ang="0">
-                <a:pos x="connsiteX15" y="connsiteY15"/>
-              </a:cxn>
-              <a:cxn ang="0">
-                <a:pos x="connsiteX16" y="connsiteY16"/>
-              </a:cxn>
-              <a:cxn ang="0">
-                <a:pos x="connsiteX17" y="connsiteY17"/>
-              </a:cxn>
-              <a:cxn ang="0">
-                <a:pos x="connsiteX18" y="connsiteY18"/>
-              </a:cxn>
-              <a:cxn ang="0">
-                <a:pos x="connsiteX19" y="connsiteY19"/>
-              </a:cxn>
-              <a:cxn ang="0">
-                <a:pos x="connsiteX20" y="connsiteY20"/>
-              </a:cxn>
-              <a:cxn ang="0">
-                <a:pos x="connsiteX21" y="connsiteY21"/>
-              </a:cxn>
-              <a:cxn ang="0">
-                <a:pos x="connsiteX22" y="connsiteY22"/>
-              </a:cxn>
-              <a:cxn ang="0">
-                <a:pos x="connsiteX23" y="connsiteY23"/>
-              </a:cxn>
-              <a:cxn ang="0">
-                <a:pos x="connsiteX24" y="connsiteY24"/>
-              </a:cxn>
-            </a:cxnLst>
-            <a:rect l="l" t="t" r="r" b="b"/>
-            <a:pathLst>
-              <a:path w="2380956" h="2380956">
-                <a:moveTo>
-                  <a:pt x="1190478" y="0"/>
-                </a:moveTo>
-                <a:cubicBezTo>
-                  <a:pt x="1437034" y="0"/>
-                  <a:pt x="1666084" y="74952"/>
-                  <a:pt x="1856086" y="203315"/>
-                </a:cubicBezTo>
-                <a:lnTo>
-                  <a:pt x="1927973" y="257071"/>
-                </a:lnTo>
-                <a:lnTo>
-                  <a:pt x="2187526" y="257071"/>
-                </a:lnTo>
-                <a:lnTo>
-                  <a:pt x="2187526" y="541142"/>
-                </a:lnTo>
-                <a:lnTo>
-                  <a:pt x="2237272" y="623026"/>
-                </a:lnTo>
-                <a:cubicBezTo>
-                  <a:pt x="2328906" y="791708"/>
-                  <a:pt x="2380956" y="985015"/>
-                  <a:pt x="2380956" y="1190478"/>
-                </a:cubicBezTo>
-                <a:cubicBezTo>
-                  <a:pt x="2380956" y="1395942"/>
-                  <a:pt x="2328906" y="1589248"/>
-                  <a:pt x="2237272" y="1757931"/>
-                </a:cubicBezTo>
-                <a:lnTo>
-                  <a:pt x="2187526" y="1839815"/>
-                </a:lnTo>
-                <a:lnTo>
-                  <a:pt x="2187526" y="2123885"/>
-                </a:lnTo>
-                <a:lnTo>
-                  <a:pt x="1927973" y="2123885"/>
-                </a:lnTo>
-                <a:lnTo>
-                  <a:pt x="1856086" y="2177641"/>
-                </a:lnTo>
-                <a:cubicBezTo>
-                  <a:pt x="1666084" y="2306004"/>
-                  <a:pt x="1437034" y="2380956"/>
-                  <a:pt x="1190478" y="2380956"/>
-                </a:cubicBezTo>
-                <a:cubicBezTo>
-                  <a:pt x="943922" y="2380956"/>
-                  <a:pt x="714872" y="2306004"/>
-                  <a:pt x="524871" y="2177641"/>
-                </a:cubicBezTo>
-                <a:lnTo>
-                  <a:pt x="452984" y="2123885"/>
-                </a:lnTo>
-                <a:lnTo>
-                  <a:pt x="193430" y="2123885"/>
-                </a:lnTo>
-                <a:lnTo>
-                  <a:pt x="193430" y="1839815"/>
-                </a:lnTo>
-                <a:lnTo>
-                  <a:pt x="143684" y="1757931"/>
-                </a:lnTo>
-                <a:cubicBezTo>
-                  <a:pt x="52050" y="1589248"/>
-                  <a:pt x="0" y="1395942"/>
-                  <a:pt x="0" y="1190478"/>
-                </a:cubicBezTo>
-                <a:cubicBezTo>
-                  <a:pt x="0" y="985015"/>
-                  <a:pt x="52050" y="791708"/>
-                  <a:pt x="143684" y="623026"/>
-                </a:cubicBezTo>
-                <a:lnTo>
-                  <a:pt x="193430" y="541142"/>
-                </a:lnTo>
-                <a:lnTo>
-                  <a:pt x="193430" y="257071"/>
-                </a:lnTo>
-                <a:lnTo>
-                  <a:pt x="452984" y="257071"/>
-                </a:lnTo>
-                <a:lnTo>
-                  <a:pt x="524871" y="203315"/>
-                </a:lnTo>
-                <a:cubicBezTo>
-                  <a:pt x="714872" y="74952"/>
-                  <a:pt x="943922" y="0"/>
-                  <a:pt x="1190478" y="0"/>
-                </a:cubicBezTo>
-                <a:close/>
-              </a:path>
-            </a:pathLst>
-          </a:custGeom>
-          <a:solidFill>
-            <a:schemeClr val="bg1"/>
-          </a:solidFill>
-          <a:ln w="57150">
-            <a:solidFill>
-              <a:schemeClr val="tx1"/>
-            </a:solidFill>
-          </a:ln>
-        </p:spPr>
-      </p:pic>
       <p:sp>
         <p:nvSpPr>
           <p:cNvPr id="103" name="TextBox 102">
@@ -15876,6 +13601,41 @@
           </a:p>
         </p:txBody>
       </p:sp>
+      <p:pic>
+        <p:nvPicPr>
+          <p:cNvPr id="27" name="Picture 26" descr="A close up of a logo&#10;&#10;Description automatically generated">
+            <a:extLst>
+              <a:ext uri="{FF2B5EF4-FFF2-40B4-BE49-F238E27FC236}">
+                <a16:creationId xmlns:a16="http://schemas.microsoft.com/office/drawing/2014/main" id="{3DADF562-C0BA-4312-BE19-1F3D875638B2}"/>
+              </a:ext>
+            </a:extLst>
+          </p:cNvPr>
+          <p:cNvPicPr>
+            <a:picLocks noChangeAspect="1"/>
+          </p:cNvPicPr>
+          <p:nvPr/>
+        </p:nvPicPr>
+        <p:blipFill rotWithShape="1">
+          <a:blip r:embed="rId4">
+            <a:extLst>
+              <a:ext uri="{28A0092B-C50C-407E-A947-70E740481C1C}">
+                <a14:useLocalDpi xmlns:a14="http://schemas.microsoft.com/office/drawing/2010/main" val="0"/>
+              </a:ext>
+            </a:extLst>
+          </a:blip>
+          <a:srcRect l="23078" t="11172" r="23872" b="35778"/>
+          <a:stretch/>
+        </p:blipFill>
+        <p:spPr>
+          <a:xfrm>
+            <a:off x="813463" y="911676"/>
+            <a:ext cx="2160000" cy="2160000"/>
+          </a:xfrm>
+          <a:prstGeom prst="rect">
+            <a:avLst/>
+          </a:prstGeom>
+        </p:spPr>
+      </p:pic>
     </p:spTree>
     <p:extLst>
       <p:ext uri="{BB962C8B-B14F-4D97-AF65-F5344CB8AC3E}">
@@ -16322,292 +14082,6 @@
           </a:p>
         </p:txBody>
       </p:sp>
-      <p:pic>
-        <p:nvPicPr>
-          <p:cNvPr id="6" name="Picture 5" descr="Related image">
-            <a:extLst>
-              <a:ext uri="{FF2B5EF4-FFF2-40B4-BE49-F238E27FC236}">
-                <a16:creationId xmlns:a16="http://schemas.microsoft.com/office/drawing/2014/main" id="{72713789-D15B-4AD7-A35F-E0A364061DB0}"/>
-              </a:ext>
-            </a:extLst>
-          </p:cNvPr>
-          <p:cNvPicPr>
-            <a:picLocks noChangeAspect="1" noChangeArrowheads="1"/>
-          </p:cNvPicPr>
-          <p:nvPr/>
-        </p:nvPicPr>
-        <p:blipFill rotWithShape="1">
-          <a:blip r:embed="rId3">
-            <a:duotone>
-              <a:prstClr val="black"/>
-              <a:schemeClr val="accent5">
-                <a:tint val="45000"/>
-                <a:satMod val="400000"/>
-              </a:schemeClr>
-            </a:duotone>
-            <a:extLst>
-              <a:ext uri="{BEBA8EAE-BF5A-486C-A8C5-ECC9F3942E4B}">
-                <a14:imgProps xmlns:a14="http://schemas.microsoft.com/office/drawing/2010/main">
-                  <a14:imgLayer r:embed="rId4">
-                    <a14:imgEffect>
-                      <a14:colorTemperature colorTemp="4700"/>
-                    </a14:imgEffect>
-                  </a14:imgLayer>
-                </a14:imgProps>
-              </a:ext>
-              <a:ext uri="{28A0092B-C50C-407E-A947-70E740481C1C}">
-                <a14:useLocalDpi xmlns:a14="http://schemas.microsoft.com/office/drawing/2010/main" val="0"/>
-              </a:ext>
-            </a:extLst>
-          </a:blip>
-          <a:srcRect l="2953" t="2566" r="1414" b="8632"/>
-          <a:stretch/>
-        </p:blipFill>
-        <p:spPr bwMode="auto">
-          <a:xfrm>
-            <a:off x="999518" y="1187204"/>
-            <a:ext cx="1600002" cy="1600002"/>
-          </a:xfrm>
-          <a:custGeom>
-            <a:avLst/>
-            <a:gdLst>
-              <a:gd name="connsiteX0" fmla="*/ 1190478 w 2380956"/>
-              <a:gd name="connsiteY0" fmla="*/ 0 h 2380956"/>
-              <a:gd name="connsiteX1" fmla="*/ 1856086 w 2380956"/>
-              <a:gd name="connsiteY1" fmla="*/ 203315 h 2380956"/>
-              <a:gd name="connsiteX2" fmla="*/ 1927973 w 2380956"/>
-              <a:gd name="connsiteY2" fmla="*/ 257071 h 2380956"/>
-              <a:gd name="connsiteX3" fmla="*/ 2187526 w 2380956"/>
-              <a:gd name="connsiteY3" fmla="*/ 257071 h 2380956"/>
-              <a:gd name="connsiteX4" fmla="*/ 2187526 w 2380956"/>
-              <a:gd name="connsiteY4" fmla="*/ 541142 h 2380956"/>
-              <a:gd name="connsiteX5" fmla="*/ 2237272 w 2380956"/>
-              <a:gd name="connsiteY5" fmla="*/ 623026 h 2380956"/>
-              <a:gd name="connsiteX6" fmla="*/ 2380956 w 2380956"/>
-              <a:gd name="connsiteY6" fmla="*/ 1190478 h 2380956"/>
-              <a:gd name="connsiteX7" fmla="*/ 2237272 w 2380956"/>
-              <a:gd name="connsiteY7" fmla="*/ 1757931 h 2380956"/>
-              <a:gd name="connsiteX8" fmla="*/ 2187526 w 2380956"/>
-              <a:gd name="connsiteY8" fmla="*/ 1839815 h 2380956"/>
-              <a:gd name="connsiteX9" fmla="*/ 2187526 w 2380956"/>
-              <a:gd name="connsiteY9" fmla="*/ 2123885 h 2380956"/>
-              <a:gd name="connsiteX10" fmla="*/ 1927973 w 2380956"/>
-              <a:gd name="connsiteY10" fmla="*/ 2123885 h 2380956"/>
-              <a:gd name="connsiteX11" fmla="*/ 1856086 w 2380956"/>
-              <a:gd name="connsiteY11" fmla="*/ 2177641 h 2380956"/>
-              <a:gd name="connsiteX12" fmla="*/ 1190478 w 2380956"/>
-              <a:gd name="connsiteY12" fmla="*/ 2380956 h 2380956"/>
-              <a:gd name="connsiteX13" fmla="*/ 524871 w 2380956"/>
-              <a:gd name="connsiteY13" fmla="*/ 2177641 h 2380956"/>
-              <a:gd name="connsiteX14" fmla="*/ 452984 w 2380956"/>
-              <a:gd name="connsiteY14" fmla="*/ 2123885 h 2380956"/>
-              <a:gd name="connsiteX15" fmla="*/ 193430 w 2380956"/>
-              <a:gd name="connsiteY15" fmla="*/ 2123885 h 2380956"/>
-              <a:gd name="connsiteX16" fmla="*/ 193430 w 2380956"/>
-              <a:gd name="connsiteY16" fmla="*/ 1839815 h 2380956"/>
-              <a:gd name="connsiteX17" fmla="*/ 143684 w 2380956"/>
-              <a:gd name="connsiteY17" fmla="*/ 1757931 h 2380956"/>
-              <a:gd name="connsiteX18" fmla="*/ 0 w 2380956"/>
-              <a:gd name="connsiteY18" fmla="*/ 1190478 h 2380956"/>
-              <a:gd name="connsiteX19" fmla="*/ 143684 w 2380956"/>
-              <a:gd name="connsiteY19" fmla="*/ 623026 h 2380956"/>
-              <a:gd name="connsiteX20" fmla="*/ 193430 w 2380956"/>
-              <a:gd name="connsiteY20" fmla="*/ 541142 h 2380956"/>
-              <a:gd name="connsiteX21" fmla="*/ 193430 w 2380956"/>
-              <a:gd name="connsiteY21" fmla="*/ 257071 h 2380956"/>
-              <a:gd name="connsiteX22" fmla="*/ 452984 w 2380956"/>
-              <a:gd name="connsiteY22" fmla="*/ 257071 h 2380956"/>
-              <a:gd name="connsiteX23" fmla="*/ 524871 w 2380956"/>
-              <a:gd name="connsiteY23" fmla="*/ 203315 h 2380956"/>
-              <a:gd name="connsiteX24" fmla="*/ 1190478 w 2380956"/>
-              <a:gd name="connsiteY24" fmla="*/ 0 h 2380956"/>
-            </a:gdLst>
-            <a:ahLst/>
-            <a:cxnLst>
-              <a:cxn ang="0">
-                <a:pos x="connsiteX0" y="connsiteY0"/>
-              </a:cxn>
-              <a:cxn ang="0">
-                <a:pos x="connsiteX1" y="connsiteY1"/>
-              </a:cxn>
-              <a:cxn ang="0">
-                <a:pos x="connsiteX2" y="connsiteY2"/>
-              </a:cxn>
-              <a:cxn ang="0">
-                <a:pos x="connsiteX3" y="connsiteY3"/>
-              </a:cxn>
-              <a:cxn ang="0">
-                <a:pos x="connsiteX4" y="connsiteY4"/>
-              </a:cxn>
-              <a:cxn ang="0">
-                <a:pos x="connsiteX5" y="connsiteY5"/>
-              </a:cxn>
-              <a:cxn ang="0">
-                <a:pos x="connsiteX6" y="connsiteY6"/>
-              </a:cxn>
-              <a:cxn ang="0">
-                <a:pos x="connsiteX7" y="connsiteY7"/>
-              </a:cxn>
-              <a:cxn ang="0">
-                <a:pos x="connsiteX8" y="connsiteY8"/>
-              </a:cxn>
-              <a:cxn ang="0">
-                <a:pos x="connsiteX9" y="connsiteY9"/>
-              </a:cxn>
-              <a:cxn ang="0">
-                <a:pos x="connsiteX10" y="connsiteY10"/>
-              </a:cxn>
-              <a:cxn ang="0">
-                <a:pos x="connsiteX11" y="connsiteY11"/>
-              </a:cxn>
-              <a:cxn ang="0">
-                <a:pos x="connsiteX12" y="connsiteY12"/>
-              </a:cxn>
-              <a:cxn ang="0">
-                <a:pos x="connsiteX13" y="connsiteY13"/>
-              </a:cxn>
-              <a:cxn ang="0">
-                <a:pos x="connsiteX14" y="connsiteY14"/>
-              </a:cxn>
-              <a:cxn ang="0">
-                <a:pos x="connsiteX15" y="connsiteY15"/>
-              </a:cxn>
-              <a:cxn ang="0">
-                <a:pos x="connsiteX16" y="connsiteY16"/>
-              </a:cxn>
-              <a:cxn ang="0">
-                <a:pos x="connsiteX17" y="connsiteY17"/>
-              </a:cxn>
-              <a:cxn ang="0">
-                <a:pos x="connsiteX18" y="connsiteY18"/>
-              </a:cxn>
-              <a:cxn ang="0">
-                <a:pos x="connsiteX19" y="connsiteY19"/>
-              </a:cxn>
-              <a:cxn ang="0">
-                <a:pos x="connsiteX20" y="connsiteY20"/>
-              </a:cxn>
-              <a:cxn ang="0">
-                <a:pos x="connsiteX21" y="connsiteY21"/>
-              </a:cxn>
-              <a:cxn ang="0">
-                <a:pos x="connsiteX22" y="connsiteY22"/>
-              </a:cxn>
-              <a:cxn ang="0">
-                <a:pos x="connsiteX23" y="connsiteY23"/>
-              </a:cxn>
-              <a:cxn ang="0">
-                <a:pos x="connsiteX24" y="connsiteY24"/>
-              </a:cxn>
-            </a:cxnLst>
-            <a:rect l="l" t="t" r="r" b="b"/>
-            <a:pathLst>
-              <a:path w="2380956" h="2380956">
-                <a:moveTo>
-                  <a:pt x="1190478" y="0"/>
-                </a:moveTo>
-                <a:cubicBezTo>
-                  <a:pt x="1437034" y="0"/>
-                  <a:pt x="1666084" y="74952"/>
-                  <a:pt x="1856086" y="203315"/>
-                </a:cubicBezTo>
-                <a:lnTo>
-                  <a:pt x="1927973" y="257071"/>
-                </a:lnTo>
-                <a:lnTo>
-                  <a:pt x="2187526" y="257071"/>
-                </a:lnTo>
-                <a:lnTo>
-                  <a:pt x="2187526" y="541142"/>
-                </a:lnTo>
-                <a:lnTo>
-                  <a:pt x="2237272" y="623026"/>
-                </a:lnTo>
-                <a:cubicBezTo>
-                  <a:pt x="2328906" y="791708"/>
-                  <a:pt x="2380956" y="985015"/>
-                  <a:pt x="2380956" y="1190478"/>
-                </a:cubicBezTo>
-                <a:cubicBezTo>
-                  <a:pt x="2380956" y="1395942"/>
-                  <a:pt x="2328906" y="1589248"/>
-                  <a:pt x="2237272" y="1757931"/>
-                </a:cubicBezTo>
-                <a:lnTo>
-                  <a:pt x="2187526" y="1839815"/>
-                </a:lnTo>
-                <a:lnTo>
-                  <a:pt x="2187526" y="2123885"/>
-                </a:lnTo>
-                <a:lnTo>
-                  <a:pt x="1927973" y="2123885"/>
-                </a:lnTo>
-                <a:lnTo>
-                  <a:pt x="1856086" y="2177641"/>
-                </a:lnTo>
-                <a:cubicBezTo>
-                  <a:pt x="1666084" y="2306004"/>
-                  <a:pt x="1437034" y="2380956"/>
-                  <a:pt x="1190478" y="2380956"/>
-                </a:cubicBezTo>
-                <a:cubicBezTo>
-                  <a:pt x="943922" y="2380956"/>
-                  <a:pt x="714872" y="2306004"/>
-                  <a:pt x="524871" y="2177641"/>
-                </a:cubicBezTo>
-                <a:lnTo>
-                  <a:pt x="452984" y="2123885"/>
-                </a:lnTo>
-                <a:lnTo>
-                  <a:pt x="193430" y="2123885"/>
-                </a:lnTo>
-                <a:lnTo>
-                  <a:pt x="193430" y="1839815"/>
-                </a:lnTo>
-                <a:lnTo>
-                  <a:pt x="143684" y="1757931"/>
-                </a:lnTo>
-                <a:cubicBezTo>
-                  <a:pt x="52050" y="1589248"/>
-                  <a:pt x="0" y="1395942"/>
-                  <a:pt x="0" y="1190478"/>
-                </a:cubicBezTo>
-                <a:cubicBezTo>
-                  <a:pt x="0" y="985015"/>
-                  <a:pt x="52050" y="791708"/>
-                  <a:pt x="143684" y="623026"/>
-                </a:cubicBezTo>
-                <a:lnTo>
-                  <a:pt x="193430" y="541142"/>
-                </a:lnTo>
-                <a:lnTo>
-                  <a:pt x="193430" y="257071"/>
-                </a:lnTo>
-                <a:lnTo>
-                  <a:pt x="452984" y="257071"/>
-                </a:lnTo>
-                <a:lnTo>
-                  <a:pt x="524871" y="203315"/>
-                </a:lnTo>
-                <a:cubicBezTo>
-                  <a:pt x="714872" y="74952"/>
-                  <a:pt x="943922" y="0"/>
-                  <a:pt x="1190478" y="0"/>
-                </a:cubicBezTo>
-                <a:close/>
-              </a:path>
-            </a:pathLst>
-          </a:custGeom>
-          <a:solidFill>
-            <a:schemeClr val="bg1"/>
-          </a:solidFill>
-          <a:ln w="57150">
-            <a:solidFill>
-              <a:schemeClr val="tx1"/>
-            </a:solidFill>
-          </a:ln>
-        </p:spPr>
-      </p:pic>
       <p:sp>
         <p:nvSpPr>
           <p:cNvPr id="7" name="TextBox 6">
@@ -16827,7 +14301,7 @@
       <p:sp>
         <p:nvSpPr>
           <p:cNvPr id="12" name="Rectangle: Rounded Corners 11">
-            <a:hlinkClick r:id="rId5" action="ppaction://hlinksldjump" highlightClick="1"/>
+            <a:hlinkClick r:id="rId3" action="ppaction://hlinksldjump" highlightClick="1"/>
             <a:extLst>
               <a:ext uri="{FF2B5EF4-FFF2-40B4-BE49-F238E27FC236}">
                 <a16:creationId xmlns:a16="http://schemas.microsoft.com/office/drawing/2014/main" id="{2222B211-D67D-4368-B0C0-BD8AED86E5E0}"/>
@@ -17681,7 +15155,7 @@
           <p:nvPr/>
         </p:nvPicPr>
         <p:blipFill>
-          <a:blip r:embed="rId6">
+          <a:blip r:embed="rId4">
             <a:extLst>
               <a:ext uri="{28A0092B-C50C-407E-A947-70E740481C1C}">
                 <a14:useLocalDpi xmlns:a14="http://schemas.microsoft.com/office/drawing/2010/main" val="0"/>
@@ -17696,6 +15170,41 @@
           <a:xfrm>
             <a:off x="5114809" y="3727074"/>
             <a:ext cx="540000" cy="540000"/>
+          </a:xfrm>
+          <a:prstGeom prst="rect">
+            <a:avLst/>
+          </a:prstGeom>
+        </p:spPr>
+      </p:pic>
+      <p:pic>
+        <p:nvPicPr>
+          <p:cNvPr id="31" name="Picture 30" descr="A close up of a logo&#10;&#10;Description automatically generated">
+            <a:extLst>
+              <a:ext uri="{FF2B5EF4-FFF2-40B4-BE49-F238E27FC236}">
+                <a16:creationId xmlns:a16="http://schemas.microsoft.com/office/drawing/2014/main" id="{49605D17-0DD5-4294-A8BE-9F653809A943}"/>
+              </a:ext>
+            </a:extLst>
+          </p:cNvPr>
+          <p:cNvPicPr>
+            <a:picLocks noChangeAspect="1"/>
+          </p:cNvPicPr>
+          <p:nvPr/>
+        </p:nvPicPr>
+        <p:blipFill rotWithShape="1">
+          <a:blip r:embed="rId5">
+            <a:extLst>
+              <a:ext uri="{28A0092B-C50C-407E-A947-70E740481C1C}">
+                <a14:useLocalDpi xmlns:a14="http://schemas.microsoft.com/office/drawing/2010/main" val="0"/>
+              </a:ext>
+            </a:extLst>
+          </a:blip>
+          <a:srcRect l="23078" t="11172" r="23872" b="35778"/>
+          <a:stretch/>
+        </p:blipFill>
+        <p:spPr>
+          <a:xfrm>
+            <a:off x="813463" y="911676"/>
+            <a:ext cx="2160000" cy="2160000"/>
           </a:xfrm>
           <a:prstGeom prst="rect">
             <a:avLst/>
@@ -18816,288 +16325,37 @@
       </p:sp>
       <p:pic>
         <p:nvPicPr>
-          <p:cNvPr id="22" name="Picture 21" descr="Related image">
-            <a:extLst>
-              <a:ext uri="{FF2B5EF4-FFF2-40B4-BE49-F238E27FC236}">
-                <a16:creationId xmlns:a16="http://schemas.microsoft.com/office/drawing/2014/main" id="{49A32BBD-4533-4269-A646-2C4425D1BA4F}"/>
+          <p:cNvPr id="23" name="Picture 22" descr="A close up of a logo&#10;&#10;Description automatically generated">
+            <a:extLst>
+              <a:ext uri="{FF2B5EF4-FFF2-40B4-BE49-F238E27FC236}">
+                <a16:creationId xmlns:a16="http://schemas.microsoft.com/office/drawing/2014/main" id="{8933B3CE-2556-4FD0-B0AD-E25564ECA1AA}"/>
               </a:ext>
             </a:extLst>
           </p:cNvPr>
           <p:cNvPicPr>
-            <a:picLocks noChangeAspect="1" noChangeArrowheads="1"/>
+            <a:picLocks noChangeAspect="1"/>
           </p:cNvPicPr>
           <p:nvPr/>
         </p:nvPicPr>
         <p:blipFill rotWithShape="1">
           <a:blip r:embed="rId3">
-            <a:duotone>
-              <a:prstClr val="black"/>
-              <a:schemeClr val="accent5">
-                <a:tint val="45000"/>
-                <a:satMod val="400000"/>
-              </a:schemeClr>
-            </a:duotone>
-            <a:extLst>
-              <a:ext uri="{BEBA8EAE-BF5A-486C-A8C5-ECC9F3942E4B}">
-                <a14:imgProps xmlns:a14="http://schemas.microsoft.com/office/drawing/2010/main">
-                  <a14:imgLayer r:embed="rId4">
-                    <a14:imgEffect>
-                      <a14:colorTemperature colorTemp="4700"/>
-                    </a14:imgEffect>
-                  </a14:imgLayer>
-                </a14:imgProps>
-              </a:ext>
+            <a:extLst>
               <a:ext uri="{28A0092B-C50C-407E-A947-70E740481C1C}">
                 <a14:useLocalDpi xmlns:a14="http://schemas.microsoft.com/office/drawing/2010/main" val="0"/>
               </a:ext>
             </a:extLst>
           </a:blip>
-          <a:srcRect l="2953" t="2566" r="1414" b="8632"/>
+          <a:srcRect l="23078" t="11172" r="23872" b="35778"/>
           <a:stretch/>
         </p:blipFill>
-        <p:spPr bwMode="auto">
-          <a:xfrm>
-            <a:off x="999518" y="1187204"/>
-            <a:ext cx="1600002" cy="1600002"/>
-          </a:xfrm>
-          <a:custGeom>
-            <a:avLst/>
-            <a:gdLst>
-              <a:gd name="connsiteX0" fmla="*/ 1190478 w 2380956"/>
-              <a:gd name="connsiteY0" fmla="*/ 0 h 2380956"/>
-              <a:gd name="connsiteX1" fmla="*/ 1856086 w 2380956"/>
-              <a:gd name="connsiteY1" fmla="*/ 203315 h 2380956"/>
-              <a:gd name="connsiteX2" fmla="*/ 1927973 w 2380956"/>
-              <a:gd name="connsiteY2" fmla="*/ 257071 h 2380956"/>
-              <a:gd name="connsiteX3" fmla="*/ 2187526 w 2380956"/>
-              <a:gd name="connsiteY3" fmla="*/ 257071 h 2380956"/>
-              <a:gd name="connsiteX4" fmla="*/ 2187526 w 2380956"/>
-              <a:gd name="connsiteY4" fmla="*/ 541142 h 2380956"/>
-              <a:gd name="connsiteX5" fmla="*/ 2237272 w 2380956"/>
-              <a:gd name="connsiteY5" fmla="*/ 623026 h 2380956"/>
-              <a:gd name="connsiteX6" fmla="*/ 2380956 w 2380956"/>
-              <a:gd name="connsiteY6" fmla="*/ 1190478 h 2380956"/>
-              <a:gd name="connsiteX7" fmla="*/ 2237272 w 2380956"/>
-              <a:gd name="connsiteY7" fmla="*/ 1757931 h 2380956"/>
-              <a:gd name="connsiteX8" fmla="*/ 2187526 w 2380956"/>
-              <a:gd name="connsiteY8" fmla="*/ 1839815 h 2380956"/>
-              <a:gd name="connsiteX9" fmla="*/ 2187526 w 2380956"/>
-              <a:gd name="connsiteY9" fmla="*/ 2123885 h 2380956"/>
-              <a:gd name="connsiteX10" fmla="*/ 1927973 w 2380956"/>
-              <a:gd name="connsiteY10" fmla="*/ 2123885 h 2380956"/>
-              <a:gd name="connsiteX11" fmla="*/ 1856086 w 2380956"/>
-              <a:gd name="connsiteY11" fmla="*/ 2177641 h 2380956"/>
-              <a:gd name="connsiteX12" fmla="*/ 1190478 w 2380956"/>
-              <a:gd name="connsiteY12" fmla="*/ 2380956 h 2380956"/>
-              <a:gd name="connsiteX13" fmla="*/ 524871 w 2380956"/>
-              <a:gd name="connsiteY13" fmla="*/ 2177641 h 2380956"/>
-              <a:gd name="connsiteX14" fmla="*/ 452984 w 2380956"/>
-              <a:gd name="connsiteY14" fmla="*/ 2123885 h 2380956"/>
-              <a:gd name="connsiteX15" fmla="*/ 193430 w 2380956"/>
-              <a:gd name="connsiteY15" fmla="*/ 2123885 h 2380956"/>
-              <a:gd name="connsiteX16" fmla="*/ 193430 w 2380956"/>
-              <a:gd name="connsiteY16" fmla="*/ 1839815 h 2380956"/>
-              <a:gd name="connsiteX17" fmla="*/ 143684 w 2380956"/>
-              <a:gd name="connsiteY17" fmla="*/ 1757931 h 2380956"/>
-              <a:gd name="connsiteX18" fmla="*/ 0 w 2380956"/>
-              <a:gd name="connsiteY18" fmla="*/ 1190478 h 2380956"/>
-              <a:gd name="connsiteX19" fmla="*/ 143684 w 2380956"/>
-              <a:gd name="connsiteY19" fmla="*/ 623026 h 2380956"/>
-              <a:gd name="connsiteX20" fmla="*/ 193430 w 2380956"/>
-              <a:gd name="connsiteY20" fmla="*/ 541142 h 2380956"/>
-              <a:gd name="connsiteX21" fmla="*/ 193430 w 2380956"/>
-              <a:gd name="connsiteY21" fmla="*/ 257071 h 2380956"/>
-              <a:gd name="connsiteX22" fmla="*/ 452984 w 2380956"/>
-              <a:gd name="connsiteY22" fmla="*/ 257071 h 2380956"/>
-              <a:gd name="connsiteX23" fmla="*/ 524871 w 2380956"/>
-              <a:gd name="connsiteY23" fmla="*/ 203315 h 2380956"/>
-              <a:gd name="connsiteX24" fmla="*/ 1190478 w 2380956"/>
-              <a:gd name="connsiteY24" fmla="*/ 0 h 2380956"/>
-            </a:gdLst>
-            <a:ahLst/>
-            <a:cxnLst>
-              <a:cxn ang="0">
-                <a:pos x="connsiteX0" y="connsiteY0"/>
-              </a:cxn>
-              <a:cxn ang="0">
-                <a:pos x="connsiteX1" y="connsiteY1"/>
-              </a:cxn>
-              <a:cxn ang="0">
-                <a:pos x="connsiteX2" y="connsiteY2"/>
-              </a:cxn>
-              <a:cxn ang="0">
-                <a:pos x="connsiteX3" y="connsiteY3"/>
-              </a:cxn>
-              <a:cxn ang="0">
-                <a:pos x="connsiteX4" y="connsiteY4"/>
-              </a:cxn>
-              <a:cxn ang="0">
-                <a:pos x="connsiteX5" y="connsiteY5"/>
-              </a:cxn>
-              <a:cxn ang="0">
-                <a:pos x="connsiteX6" y="connsiteY6"/>
-              </a:cxn>
-              <a:cxn ang="0">
-                <a:pos x="connsiteX7" y="connsiteY7"/>
-              </a:cxn>
-              <a:cxn ang="0">
-                <a:pos x="connsiteX8" y="connsiteY8"/>
-              </a:cxn>
-              <a:cxn ang="0">
-                <a:pos x="connsiteX9" y="connsiteY9"/>
-              </a:cxn>
-              <a:cxn ang="0">
-                <a:pos x="connsiteX10" y="connsiteY10"/>
-              </a:cxn>
-              <a:cxn ang="0">
-                <a:pos x="connsiteX11" y="connsiteY11"/>
-              </a:cxn>
-              <a:cxn ang="0">
-                <a:pos x="connsiteX12" y="connsiteY12"/>
-              </a:cxn>
-              <a:cxn ang="0">
-                <a:pos x="connsiteX13" y="connsiteY13"/>
-              </a:cxn>
-              <a:cxn ang="0">
-                <a:pos x="connsiteX14" y="connsiteY14"/>
-              </a:cxn>
-              <a:cxn ang="0">
-                <a:pos x="connsiteX15" y="connsiteY15"/>
-              </a:cxn>
-              <a:cxn ang="0">
-                <a:pos x="connsiteX16" y="connsiteY16"/>
-              </a:cxn>
-              <a:cxn ang="0">
-                <a:pos x="connsiteX17" y="connsiteY17"/>
-              </a:cxn>
-              <a:cxn ang="0">
-                <a:pos x="connsiteX18" y="connsiteY18"/>
-              </a:cxn>
-              <a:cxn ang="0">
-                <a:pos x="connsiteX19" y="connsiteY19"/>
-              </a:cxn>
-              <a:cxn ang="0">
-                <a:pos x="connsiteX20" y="connsiteY20"/>
-              </a:cxn>
-              <a:cxn ang="0">
-                <a:pos x="connsiteX21" y="connsiteY21"/>
-              </a:cxn>
-              <a:cxn ang="0">
-                <a:pos x="connsiteX22" y="connsiteY22"/>
-              </a:cxn>
-              <a:cxn ang="0">
-                <a:pos x="connsiteX23" y="connsiteY23"/>
-              </a:cxn>
-              <a:cxn ang="0">
-                <a:pos x="connsiteX24" y="connsiteY24"/>
-              </a:cxn>
-            </a:cxnLst>
-            <a:rect l="l" t="t" r="r" b="b"/>
-            <a:pathLst>
-              <a:path w="2380956" h="2380956">
-                <a:moveTo>
-                  <a:pt x="1190478" y="0"/>
-                </a:moveTo>
-                <a:cubicBezTo>
-                  <a:pt x="1437034" y="0"/>
-                  <a:pt x="1666084" y="74952"/>
-                  <a:pt x="1856086" y="203315"/>
-                </a:cubicBezTo>
-                <a:lnTo>
-                  <a:pt x="1927973" y="257071"/>
-                </a:lnTo>
-                <a:lnTo>
-                  <a:pt x="2187526" y="257071"/>
-                </a:lnTo>
-                <a:lnTo>
-                  <a:pt x="2187526" y="541142"/>
-                </a:lnTo>
-                <a:lnTo>
-                  <a:pt x="2237272" y="623026"/>
-                </a:lnTo>
-                <a:cubicBezTo>
-                  <a:pt x="2328906" y="791708"/>
-                  <a:pt x="2380956" y="985015"/>
-                  <a:pt x="2380956" y="1190478"/>
-                </a:cubicBezTo>
-                <a:cubicBezTo>
-                  <a:pt x="2380956" y="1395942"/>
-                  <a:pt x="2328906" y="1589248"/>
-                  <a:pt x="2237272" y="1757931"/>
-                </a:cubicBezTo>
-                <a:lnTo>
-                  <a:pt x="2187526" y="1839815"/>
-                </a:lnTo>
-                <a:lnTo>
-                  <a:pt x="2187526" y="2123885"/>
-                </a:lnTo>
-                <a:lnTo>
-                  <a:pt x="1927973" y="2123885"/>
-                </a:lnTo>
-                <a:lnTo>
-                  <a:pt x="1856086" y="2177641"/>
-                </a:lnTo>
-                <a:cubicBezTo>
-                  <a:pt x="1666084" y="2306004"/>
-                  <a:pt x="1437034" y="2380956"/>
-                  <a:pt x="1190478" y="2380956"/>
-                </a:cubicBezTo>
-                <a:cubicBezTo>
-                  <a:pt x="943922" y="2380956"/>
-                  <a:pt x="714872" y="2306004"/>
-                  <a:pt x="524871" y="2177641"/>
-                </a:cubicBezTo>
-                <a:lnTo>
-                  <a:pt x="452984" y="2123885"/>
-                </a:lnTo>
-                <a:lnTo>
-                  <a:pt x="193430" y="2123885"/>
-                </a:lnTo>
-                <a:lnTo>
-                  <a:pt x="193430" y="1839815"/>
-                </a:lnTo>
-                <a:lnTo>
-                  <a:pt x="143684" y="1757931"/>
-                </a:lnTo>
-                <a:cubicBezTo>
-                  <a:pt x="52050" y="1589248"/>
-                  <a:pt x="0" y="1395942"/>
-                  <a:pt x="0" y="1190478"/>
-                </a:cubicBezTo>
-                <a:cubicBezTo>
-                  <a:pt x="0" y="985015"/>
-                  <a:pt x="52050" y="791708"/>
-                  <a:pt x="143684" y="623026"/>
-                </a:cubicBezTo>
-                <a:lnTo>
-                  <a:pt x="193430" y="541142"/>
-                </a:lnTo>
-                <a:lnTo>
-                  <a:pt x="193430" y="257071"/>
-                </a:lnTo>
-                <a:lnTo>
-                  <a:pt x="452984" y="257071"/>
-                </a:lnTo>
-                <a:lnTo>
-                  <a:pt x="524871" y="203315"/>
-                </a:lnTo>
-                <a:cubicBezTo>
-                  <a:pt x="714872" y="74952"/>
-                  <a:pt x="943922" y="0"/>
-                  <a:pt x="1190478" y="0"/>
-                </a:cubicBezTo>
-                <a:close/>
-              </a:path>
-            </a:pathLst>
-          </a:custGeom>
-          <a:solidFill>
-            <a:schemeClr val="bg1"/>
-          </a:solidFill>
-          <a:ln w="57150">
-            <a:solidFill>
-              <a:schemeClr val="tx1"/>
-            </a:solidFill>
-          </a:ln>
+        <p:spPr>
+          <a:xfrm>
+            <a:off x="813463" y="911676"/>
+            <a:ext cx="2160000" cy="2160000"/>
+          </a:xfrm>
+          <a:prstGeom prst="rect">
+            <a:avLst/>
+          </a:prstGeom>
         </p:spPr>
       </p:pic>
     </p:spTree>
@@ -19686,288 +16944,37 @@
       </p:sp>
       <p:pic>
         <p:nvPicPr>
-          <p:cNvPr id="48" name="Picture 47" descr="Related image">
-            <a:extLst>
-              <a:ext uri="{FF2B5EF4-FFF2-40B4-BE49-F238E27FC236}">
-                <a16:creationId xmlns:a16="http://schemas.microsoft.com/office/drawing/2014/main" id="{F6BB22FD-EF15-466B-8510-46D9F4346629}"/>
+          <p:cNvPr id="11" name="Picture 10" descr="A close up of a logo&#10;&#10;Description automatically generated">
+            <a:extLst>
+              <a:ext uri="{FF2B5EF4-FFF2-40B4-BE49-F238E27FC236}">
+                <a16:creationId xmlns:a16="http://schemas.microsoft.com/office/drawing/2014/main" id="{46C35A74-8B1D-45A2-9583-F0481830CD04}"/>
               </a:ext>
             </a:extLst>
           </p:cNvPr>
           <p:cNvPicPr>
-            <a:picLocks noChangeAspect="1" noChangeArrowheads="1"/>
+            <a:picLocks noChangeAspect="1"/>
           </p:cNvPicPr>
           <p:nvPr/>
         </p:nvPicPr>
         <p:blipFill rotWithShape="1">
           <a:blip r:embed="rId5">
-            <a:duotone>
-              <a:prstClr val="black"/>
-              <a:schemeClr val="accent5">
-                <a:tint val="45000"/>
-                <a:satMod val="400000"/>
-              </a:schemeClr>
-            </a:duotone>
-            <a:extLst>
-              <a:ext uri="{BEBA8EAE-BF5A-486C-A8C5-ECC9F3942E4B}">
-                <a14:imgProps xmlns:a14="http://schemas.microsoft.com/office/drawing/2010/main">
-                  <a14:imgLayer r:embed="rId6">
-                    <a14:imgEffect>
-                      <a14:colorTemperature colorTemp="4700"/>
-                    </a14:imgEffect>
-                  </a14:imgLayer>
-                </a14:imgProps>
-              </a:ext>
+            <a:extLst>
               <a:ext uri="{28A0092B-C50C-407E-A947-70E740481C1C}">
                 <a14:useLocalDpi xmlns:a14="http://schemas.microsoft.com/office/drawing/2010/main" val="0"/>
               </a:ext>
             </a:extLst>
           </a:blip>
-          <a:srcRect l="2953" t="2566" r="1414" b="8632"/>
+          <a:srcRect l="23078" t="11172" r="23872" b="35778"/>
           <a:stretch/>
         </p:blipFill>
-        <p:spPr bwMode="auto">
-          <a:xfrm>
-            <a:off x="999518" y="1187204"/>
-            <a:ext cx="1600002" cy="1600002"/>
-          </a:xfrm>
-          <a:custGeom>
-            <a:avLst/>
-            <a:gdLst>
-              <a:gd name="connsiteX0" fmla="*/ 1190478 w 2380956"/>
-              <a:gd name="connsiteY0" fmla="*/ 0 h 2380956"/>
-              <a:gd name="connsiteX1" fmla="*/ 1856086 w 2380956"/>
-              <a:gd name="connsiteY1" fmla="*/ 203315 h 2380956"/>
-              <a:gd name="connsiteX2" fmla="*/ 1927973 w 2380956"/>
-              <a:gd name="connsiteY2" fmla="*/ 257071 h 2380956"/>
-              <a:gd name="connsiteX3" fmla="*/ 2187526 w 2380956"/>
-              <a:gd name="connsiteY3" fmla="*/ 257071 h 2380956"/>
-              <a:gd name="connsiteX4" fmla="*/ 2187526 w 2380956"/>
-              <a:gd name="connsiteY4" fmla="*/ 541142 h 2380956"/>
-              <a:gd name="connsiteX5" fmla="*/ 2237272 w 2380956"/>
-              <a:gd name="connsiteY5" fmla="*/ 623026 h 2380956"/>
-              <a:gd name="connsiteX6" fmla="*/ 2380956 w 2380956"/>
-              <a:gd name="connsiteY6" fmla="*/ 1190478 h 2380956"/>
-              <a:gd name="connsiteX7" fmla="*/ 2237272 w 2380956"/>
-              <a:gd name="connsiteY7" fmla="*/ 1757931 h 2380956"/>
-              <a:gd name="connsiteX8" fmla="*/ 2187526 w 2380956"/>
-              <a:gd name="connsiteY8" fmla="*/ 1839815 h 2380956"/>
-              <a:gd name="connsiteX9" fmla="*/ 2187526 w 2380956"/>
-              <a:gd name="connsiteY9" fmla="*/ 2123885 h 2380956"/>
-              <a:gd name="connsiteX10" fmla="*/ 1927973 w 2380956"/>
-              <a:gd name="connsiteY10" fmla="*/ 2123885 h 2380956"/>
-              <a:gd name="connsiteX11" fmla="*/ 1856086 w 2380956"/>
-              <a:gd name="connsiteY11" fmla="*/ 2177641 h 2380956"/>
-              <a:gd name="connsiteX12" fmla="*/ 1190478 w 2380956"/>
-              <a:gd name="connsiteY12" fmla="*/ 2380956 h 2380956"/>
-              <a:gd name="connsiteX13" fmla="*/ 524871 w 2380956"/>
-              <a:gd name="connsiteY13" fmla="*/ 2177641 h 2380956"/>
-              <a:gd name="connsiteX14" fmla="*/ 452984 w 2380956"/>
-              <a:gd name="connsiteY14" fmla="*/ 2123885 h 2380956"/>
-              <a:gd name="connsiteX15" fmla="*/ 193430 w 2380956"/>
-              <a:gd name="connsiteY15" fmla="*/ 2123885 h 2380956"/>
-              <a:gd name="connsiteX16" fmla="*/ 193430 w 2380956"/>
-              <a:gd name="connsiteY16" fmla="*/ 1839815 h 2380956"/>
-              <a:gd name="connsiteX17" fmla="*/ 143684 w 2380956"/>
-              <a:gd name="connsiteY17" fmla="*/ 1757931 h 2380956"/>
-              <a:gd name="connsiteX18" fmla="*/ 0 w 2380956"/>
-              <a:gd name="connsiteY18" fmla="*/ 1190478 h 2380956"/>
-              <a:gd name="connsiteX19" fmla="*/ 143684 w 2380956"/>
-              <a:gd name="connsiteY19" fmla="*/ 623026 h 2380956"/>
-              <a:gd name="connsiteX20" fmla="*/ 193430 w 2380956"/>
-              <a:gd name="connsiteY20" fmla="*/ 541142 h 2380956"/>
-              <a:gd name="connsiteX21" fmla="*/ 193430 w 2380956"/>
-              <a:gd name="connsiteY21" fmla="*/ 257071 h 2380956"/>
-              <a:gd name="connsiteX22" fmla="*/ 452984 w 2380956"/>
-              <a:gd name="connsiteY22" fmla="*/ 257071 h 2380956"/>
-              <a:gd name="connsiteX23" fmla="*/ 524871 w 2380956"/>
-              <a:gd name="connsiteY23" fmla="*/ 203315 h 2380956"/>
-              <a:gd name="connsiteX24" fmla="*/ 1190478 w 2380956"/>
-              <a:gd name="connsiteY24" fmla="*/ 0 h 2380956"/>
-            </a:gdLst>
-            <a:ahLst/>
-            <a:cxnLst>
-              <a:cxn ang="0">
-                <a:pos x="connsiteX0" y="connsiteY0"/>
-              </a:cxn>
-              <a:cxn ang="0">
-                <a:pos x="connsiteX1" y="connsiteY1"/>
-              </a:cxn>
-              <a:cxn ang="0">
-                <a:pos x="connsiteX2" y="connsiteY2"/>
-              </a:cxn>
-              <a:cxn ang="0">
-                <a:pos x="connsiteX3" y="connsiteY3"/>
-              </a:cxn>
-              <a:cxn ang="0">
-                <a:pos x="connsiteX4" y="connsiteY4"/>
-              </a:cxn>
-              <a:cxn ang="0">
-                <a:pos x="connsiteX5" y="connsiteY5"/>
-              </a:cxn>
-              <a:cxn ang="0">
-                <a:pos x="connsiteX6" y="connsiteY6"/>
-              </a:cxn>
-              <a:cxn ang="0">
-                <a:pos x="connsiteX7" y="connsiteY7"/>
-              </a:cxn>
-              <a:cxn ang="0">
-                <a:pos x="connsiteX8" y="connsiteY8"/>
-              </a:cxn>
-              <a:cxn ang="0">
-                <a:pos x="connsiteX9" y="connsiteY9"/>
-              </a:cxn>
-              <a:cxn ang="0">
-                <a:pos x="connsiteX10" y="connsiteY10"/>
-              </a:cxn>
-              <a:cxn ang="0">
-                <a:pos x="connsiteX11" y="connsiteY11"/>
-              </a:cxn>
-              <a:cxn ang="0">
-                <a:pos x="connsiteX12" y="connsiteY12"/>
-              </a:cxn>
-              <a:cxn ang="0">
-                <a:pos x="connsiteX13" y="connsiteY13"/>
-              </a:cxn>
-              <a:cxn ang="0">
-                <a:pos x="connsiteX14" y="connsiteY14"/>
-              </a:cxn>
-              <a:cxn ang="0">
-                <a:pos x="connsiteX15" y="connsiteY15"/>
-              </a:cxn>
-              <a:cxn ang="0">
-                <a:pos x="connsiteX16" y="connsiteY16"/>
-              </a:cxn>
-              <a:cxn ang="0">
-                <a:pos x="connsiteX17" y="connsiteY17"/>
-              </a:cxn>
-              <a:cxn ang="0">
-                <a:pos x="connsiteX18" y="connsiteY18"/>
-              </a:cxn>
-              <a:cxn ang="0">
-                <a:pos x="connsiteX19" y="connsiteY19"/>
-              </a:cxn>
-              <a:cxn ang="0">
-                <a:pos x="connsiteX20" y="connsiteY20"/>
-              </a:cxn>
-              <a:cxn ang="0">
-                <a:pos x="connsiteX21" y="connsiteY21"/>
-              </a:cxn>
-              <a:cxn ang="0">
-                <a:pos x="connsiteX22" y="connsiteY22"/>
-              </a:cxn>
-              <a:cxn ang="0">
-                <a:pos x="connsiteX23" y="connsiteY23"/>
-              </a:cxn>
-              <a:cxn ang="0">
-                <a:pos x="connsiteX24" y="connsiteY24"/>
-              </a:cxn>
-            </a:cxnLst>
-            <a:rect l="l" t="t" r="r" b="b"/>
-            <a:pathLst>
-              <a:path w="2380956" h="2380956">
-                <a:moveTo>
-                  <a:pt x="1190478" y="0"/>
-                </a:moveTo>
-                <a:cubicBezTo>
-                  <a:pt x="1437034" y="0"/>
-                  <a:pt x="1666084" y="74952"/>
-                  <a:pt x="1856086" y="203315"/>
-                </a:cubicBezTo>
-                <a:lnTo>
-                  <a:pt x="1927973" y="257071"/>
-                </a:lnTo>
-                <a:lnTo>
-                  <a:pt x="2187526" y="257071"/>
-                </a:lnTo>
-                <a:lnTo>
-                  <a:pt x="2187526" y="541142"/>
-                </a:lnTo>
-                <a:lnTo>
-                  <a:pt x="2237272" y="623026"/>
-                </a:lnTo>
-                <a:cubicBezTo>
-                  <a:pt x="2328906" y="791708"/>
-                  <a:pt x="2380956" y="985015"/>
-                  <a:pt x="2380956" y="1190478"/>
-                </a:cubicBezTo>
-                <a:cubicBezTo>
-                  <a:pt x="2380956" y="1395942"/>
-                  <a:pt x="2328906" y="1589248"/>
-                  <a:pt x="2237272" y="1757931"/>
-                </a:cubicBezTo>
-                <a:lnTo>
-                  <a:pt x="2187526" y="1839815"/>
-                </a:lnTo>
-                <a:lnTo>
-                  <a:pt x="2187526" y="2123885"/>
-                </a:lnTo>
-                <a:lnTo>
-                  <a:pt x="1927973" y="2123885"/>
-                </a:lnTo>
-                <a:lnTo>
-                  <a:pt x="1856086" y="2177641"/>
-                </a:lnTo>
-                <a:cubicBezTo>
-                  <a:pt x="1666084" y="2306004"/>
-                  <a:pt x="1437034" y="2380956"/>
-                  <a:pt x="1190478" y="2380956"/>
-                </a:cubicBezTo>
-                <a:cubicBezTo>
-                  <a:pt x="943922" y="2380956"/>
-                  <a:pt x="714872" y="2306004"/>
-                  <a:pt x="524871" y="2177641"/>
-                </a:cubicBezTo>
-                <a:lnTo>
-                  <a:pt x="452984" y="2123885"/>
-                </a:lnTo>
-                <a:lnTo>
-                  <a:pt x="193430" y="2123885"/>
-                </a:lnTo>
-                <a:lnTo>
-                  <a:pt x="193430" y="1839815"/>
-                </a:lnTo>
-                <a:lnTo>
-                  <a:pt x="143684" y="1757931"/>
-                </a:lnTo>
-                <a:cubicBezTo>
-                  <a:pt x="52050" y="1589248"/>
-                  <a:pt x="0" y="1395942"/>
-                  <a:pt x="0" y="1190478"/>
-                </a:cubicBezTo>
-                <a:cubicBezTo>
-                  <a:pt x="0" y="985015"/>
-                  <a:pt x="52050" y="791708"/>
-                  <a:pt x="143684" y="623026"/>
-                </a:cubicBezTo>
-                <a:lnTo>
-                  <a:pt x="193430" y="541142"/>
-                </a:lnTo>
-                <a:lnTo>
-                  <a:pt x="193430" y="257071"/>
-                </a:lnTo>
-                <a:lnTo>
-                  <a:pt x="452984" y="257071"/>
-                </a:lnTo>
-                <a:lnTo>
-                  <a:pt x="524871" y="203315"/>
-                </a:lnTo>
-                <a:cubicBezTo>
-                  <a:pt x="714872" y="74952"/>
-                  <a:pt x="943922" y="0"/>
-                  <a:pt x="1190478" y="0"/>
-                </a:cubicBezTo>
-                <a:close/>
-              </a:path>
-            </a:pathLst>
-          </a:custGeom>
-          <a:solidFill>
-            <a:schemeClr val="bg1"/>
-          </a:solidFill>
-          <a:ln w="57150">
-            <a:solidFill>
-              <a:schemeClr val="tx1"/>
-            </a:solidFill>
-          </a:ln>
+        <p:spPr>
+          <a:xfrm>
+            <a:off x="813463" y="911676"/>
+            <a:ext cx="2160000" cy="2160000"/>
+          </a:xfrm>
+          <a:prstGeom prst="rect">
+            <a:avLst/>
+          </a:prstGeom>
         </p:spPr>
       </p:pic>
     </p:spTree>
